--- a/app/model/result_0211_2017.pptx
+++ b/app/model/result_0211_2017.pptx
@@ -7,9 +7,13 @@
   <p:sldIdLst>
     <p:sldId id="258" r:id="rId2"/>
     <p:sldId id="260" r:id="rId3"/>
-    <p:sldId id="261" r:id="rId4"/>
-    <p:sldId id="259" r:id="rId5"/>
-    <p:sldId id="262" r:id="rId6"/>
+    <p:sldId id="264" r:id="rId4"/>
+    <p:sldId id="267" r:id="rId5"/>
+    <p:sldId id="265" r:id="rId6"/>
+    <p:sldId id="266" r:id="rId7"/>
+    <p:sldId id="259" r:id="rId8"/>
+    <p:sldId id="262" r:id="rId9"/>
+    <p:sldId id="268" r:id="rId10"/>
   </p:sldIdLst>
   <p:sldSz cx="12192000" cy="6858000"/>
   <p:notesSz cx="6858000" cy="9144000"/>
@@ -108,6 +112,11 @@
       </a:defRPr>
     </a:lvl9pPr>
   </p:defaultTextStyle>
+  <p:extLst>
+    <p:ext uri="{EFAFB233-063F-42B5-8137-9DF3F51BA10A}">
+      <p15:sldGuideLst xmlns:p15="http://schemas.microsoft.com/office/powerpoint/2012/main"/>
+    </p:ext>
+  </p:extLst>
 </p:presentation>
 </file>
 
@@ -242,7 +251,7 @@
           <a:p>
             <a:fld id="{13FF81DB-72FD-4E0B-96E8-AA8F3653C4D4}" type="datetimeFigureOut">
               <a:rPr lang="en-US" smtClean="0"/>
-              <a:t>2/11/2017</a:t>
+              <a:t>2/19/2017</a:t>
             </a:fld>
             <a:endParaRPr lang="en-US"/>
           </a:p>
@@ -412,7 +421,7 @@
           <a:p>
             <a:fld id="{13FF81DB-72FD-4E0B-96E8-AA8F3653C4D4}" type="datetimeFigureOut">
               <a:rPr lang="en-US" smtClean="0"/>
-              <a:t>2/11/2017</a:t>
+              <a:t>2/19/2017</a:t>
             </a:fld>
             <a:endParaRPr lang="en-US"/>
           </a:p>
@@ -592,7 +601,7 @@
           <a:p>
             <a:fld id="{13FF81DB-72FD-4E0B-96E8-AA8F3653C4D4}" type="datetimeFigureOut">
               <a:rPr lang="en-US" smtClean="0"/>
-              <a:t>2/11/2017</a:t>
+              <a:t>2/19/2017</a:t>
             </a:fld>
             <a:endParaRPr lang="en-US"/>
           </a:p>
@@ -762,7 +771,7 @@
           <a:p>
             <a:fld id="{13FF81DB-72FD-4E0B-96E8-AA8F3653C4D4}" type="datetimeFigureOut">
               <a:rPr lang="en-US" smtClean="0"/>
-              <a:t>2/11/2017</a:t>
+              <a:t>2/19/2017</a:t>
             </a:fld>
             <a:endParaRPr lang="en-US"/>
           </a:p>
@@ -1008,7 +1017,7 @@
           <a:p>
             <a:fld id="{13FF81DB-72FD-4E0B-96E8-AA8F3653C4D4}" type="datetimeFigureOut">
               <a:rPr lang="en-US" smtClean="0"/>
-              <a:t>2/11/2017</a:t>
+              <a:t>2/19/2017</a:t>
             </a:fld>
             <a:endParaRPr lang="en-US"/>
           </a:p>
@@ -1240,7 +1249,7 @@
           <a:p>
             <a:fld id="{13FF81DB-72FD-4E0B-96E8-AA8F3653C4D4}" type="datetimeFigureOut">
               <a:rPr lang="en-US" smtClean="0"/>
-              <a:t>2/11/2017</a:t>
+              <a:t>2/19/2017</a:t>
             </a:fld>
             <a:endParaRPr lang="en-US"/>
           </a:p>
@@ -1607,7 +1616,7 @@
           <a:p>
             <a:fld id="{13FF81DB-72FD-4E0B-96E8-AA8F3653C4D4}" type="datetimeFigureOut">
               <a:rPr lang="en-US" smtClean="0"/>
-              <a:t>2/11/2017</a:t>
+              <a:t>2/19/2017</a:t>
             </a:fld>
             <a:endParaRPr lang="en-US"/>
           </a:p>
@@ -1725,7 +1734,7 @@
           <a:p>
             <a:fld id="{13FF81DB-72FD-4E0B-96E8-AA8F3653C4D4}" type="datetimeFigureOut">
               <a:rPr lang="en-US" smtClean="0"/>
-              <a:t>2/11/2017</a:t>
+              <a:t>2/19/2017</a:t>
             </a:fld>
             <a:endParaRPr lang="en-US"/>
           </a:p>
@@ -1820,7 +1829,7 @@
           <a:p>
             <a:fld id="{13FF81DB-72FD-4E0B-96E8-AA8F3653C4D4}" type="datetimeFigureOut">
               <a:rPr lang="en-US" smtClean="0"/>
-              <a:t>2/11/2017</a:t>
+              <a:t>2/19/2017</a:t>
             </a:fld>
             <a:endParaRPr lang="en-US"/>
           </a:p>
@@ -2097,7 +2106,7 @@
           <a:p>
             <a:fld id="{13FF81DB-72FD-4E0B-96E8-AA8F3653C4D4}" type="datetimeFigureOut">
               <a:rPr lang="en-US" smtClean="0"/>
-              <a:t>2/11/2017</a:t>
+              <a:t>2/19/2017</a:t>
             </a:fld>
             <a:endParaRPr lang="en-US"/>
           </a:p>
@@ -2350,7 +2359,7 @@
           <a:p>
             <a:fld id="{13FF81DB-72FD-4E0B-96E8-AA8F3653C4D4}" type="datetimeFigureOut">
               <a:rPr lang="en-US" smtClean="0"/>
-              <a:t>2/11/2017</a:t>
+              <a:t>2/19/2017</a:t>
             </a:fld>
             <a:endParaRPr lang="en-US"/>
           </a:p>
@@ -2563,7 +2572,7 @@
           <a:p>
             <a:fld id="{13FF81DB-72FD-4E0B-96E8-AA8F3653C4D4}" type="datetimeFigureOut">
               <a:rPr lang="en-US" smtClean="0"/>
-              <a:t>2/11/2017</a:t>
+              <a:t>2/19/2017</a:t>
             </a:fld>
             <a:endParaRPr lang="en-US"/>
           </a:p>
@@ -3182,8 +3191,8 @@
             </p:nvSpPr>
             <p:spPr>
               <a:xfrm>
-                <a:off x="3405116" y="2240507"/>
-                <a:ext cx="627797" cy="369332"/>
+                <a:off x="3295934" y="2240507"/>
+                <a:ext cx="798394" cy="295466"/>
               </a:xfrm>
               <a:prstGeom prst="rect">
                 <a:avLst/>
@@ -3191,7 +3200,7 @@
               <a:noFill/>
             </p:spPr>
             <p:txBody>
-              <a:bodyPr wrap="square" rtlCol="0">
+              <a:bodyPr wrap="square" lIns="9144" tIns="9144" rIns="9144" bIns="9144" rtlCol="0">
                 <a:spAutoFit/>
               </a:bodyPr>
               <a:lstStyle/>
@@ -3199,7 +3208,7 @@
                 <a:pPr algn="ctr"/>
                 <a:r>
                   <a:rPr lang="en-US" b="1" dirty="0" smtClean="0"/>
-                  <a:t>K9M</a:t>
+                  <a:t>H3K9M</a:t>
                 </a:r>
                 <a:endParaRPr lang="en-US" b="1" dirty="0"/>
               </a:p>
@@ -3302,10 +3311,10 @@
           </p:nvGrpSpPr>
           <p:grpSpPr>
             <a:xfrm>
-              <a:off x="2892788" y="2123334"/>
-              <a:ext cx="818865" cy="655092"/>
-              <a:chOff x="3275463" y="2104030"/>
-              <a:chExt cx="818865" cy="655092"/>
+              <a:off x="2860240" y="2123334"/>
+              <a:ext cx="851413" cy="655092"/>
+              <a:chOff x="3242915" y="2104030"/>
+              <a:chExt cx="851413" cy="655092"/>
             </a:xfrm>
           </p:grpSpPr>
           <p:sp>
@@ -3358,8 +3367,8 @@
             </p:nvSpPr>
             <p:spPr>
               <a:xfrm>
-                <a:off x="3275464" y="2240507"/>
-                <a:ext cx="757450" cy="369332"/>
+                <a:off x="3242915" y="2240507"/>
+                <a:ext cx="851413" cy="295466"/>
               </a:xfrm>
               <a:prstGeom prst="rect">
                 <a:avLst/>
@@ -3367,7 +3376,7 @@
               <a:noFill/>
             </p:spPr>
             <p:txBody>
-              <a:bodyPr wrap="square" rtlCol="0">
+              <a:bodyPr wrap="square" lIns="9144" tIns="9144" rIns="9144" bIns="9144" rtlCol="0">
                 <a:spAutoFit/>
               </a:bodyPr>
               <a:lstStyle/>
@@ -3375,7 +3384,7 @@
                 <a:pPr algn="ctr"/>
                 <a:r>
                   <a:rPr lang="en-US" b="1" dirty="0" smtClean="0"/>
-                  <a:t>S10P</a:t>
+                  <a:t>H3S10P</a:t>
                 </a:r>
                 <a:endParaRPr lang="en-US" b="1" dirty="0"/>
               </a:p>
@@ -4028,15 +4037,7 @@
             </a:r>
             <a:r>
               <a:rPr lang="en-US" dirty="0" smtClean="0"/>
-              <a:t>('</a:t>
-            </a:r>
-            <a:r>
-              <a:rPr lang="en-US" dirty="0" err="1" smtClean="0"/>
-              <a:t>phospho_with_recruit</a:t>
-            </a:r>
-            <a:r>
-              <a:rPr lang="en-US" dirty="0" smtClean="0"/>
-              <a:t>');</a:t>
+              <a:t>(‘model1');</a:t>
             </a:r>
           </a:p>
           <a:p>
@@ -4154,23 +4155,23 @@
           </a:p>
           <a:p>
             <a:r>
-              <a:rPr lang="en-US" dirty="0" smtClean="0"/>
+              <a:rPr lang="en-US" b="1" dirty="0" smtClean="0"/>
               <a:t>y(:,i+1) = </a:t>
             </a:r>
             <a:r>
-              <a:rPr lang="en-US" dirty="0" err="1" smtClean="0"/>
+              <a:rPr lang="en-US" b="1" dirty="0" err="1" smtClean="0"/>
               <a:t>signal_matrix</a:t>
             </a:r>
             <a:r>
-              <a:rPr lang="en-US" dirty="0" smtClean="0"/>
+              <a:rPr lang="en-US" b="1" dirty="0" smtClean="0"/>
               <a:t>*y(:,</a:t>
             </a:r>
             <a:r>
-              <a:rPr lang="en-US" dirty="0" err="1" smtClean="0"/>
+              <a:rPr lang="en-US" b="1" dirty="0" err="1" smtClean="0"/>
               <a:t>i</a:t>
             </a:r>
             <a:r>
-              <a:rPr lang="en-US" dirty="0" smtClean="0"/>
+              <a:rPr lang="en-US" b="1" dirty="0" smtClean="0"/>
               <a:t>) +c</a:t>
             </a:r>
           </a:p>
@@ -4636,6 +4637,421 @@
 </file>
 
 <file path=ppt/slides/slide3.xml><?xml version="1.0" encoding="utf-8"?>
+<p:sld xmlns:a="http://schemas.openxmlformats.org/drawingml/2006/main" xmlns:r="http://schemas.openxmlformats.org/officeDocument/2006/relationships" xmlns:p="http://schemas.openxmlformats.org/presentationml/2006/main">
+  <p:cSld>
+    <p:spTree>
+      <p:nvGrpSpPr>
+        <p:cNvPr id="1" name=""/>
+        <p:cNvGrpSpPr/>
+        <p:nvPr/>
+      </p:nvGrpSpPr>
+      <p:grpSpPr>
+        <a:xfrm>
+          <a:off x="0" y="0"/>
+          <a:ext cx="0" cy="0"/>
+          <a:chOff x="0" y="0"/>
+          <a:chExt cx="0" cy="0"/>
+        </a:xfrm>
+      </p:grpSpPr>
+      <p:sp>
+        <p:nvSpPr>
+          <p:cNvPr id="2" name="TextBox 1"/>
+          <p:cNvSpPr txBox="1"/>
+          <p:nvPr/>
+        </p:nvSpPr>
+        <p:spPr>
+          <a:xfrm>
+            <a:off x="1738745" y="160020"/>
+            <a:ext cx="8799715" cy="461665"/>
+          </a:xfrm>
+          <a:prstGeom prst="rect">
+            <a:avLst/>
+          </a:prstGeom>
+          <a:noFill/>
+        </p:spPr>
+        <p:txBody>
+          <a:bodyPr wrap="square" rtlCol="0">
+            <a:spAutoFit/>
+          </a:bodyPr>
+          <a:lstStyle/>
+          <a:p>
+            <a:r>
+              <a:rPr lang="en-US" sz="2400" b="1" dirty="0" smtClean="0"/>
+              <a:t>Model Parameters</a:t>
+            </a:r>
+            <a:endParaRPr lang="en-US" sz="2400" b="1" dirty="0"/>
+          </a:p>
+        </p:txBody>
+      </p:sp>
+      <p:sp>
+        <p:nvSpPr>
+          <p:cNvPr id="3" name="TextBox 2"/>
+          <p:cNvSpPr txBox="1"/>
+          <p:nvPr/>
+        </p:nvSpPr>
+        <p:spPr>
+          <a:xfrm>
+            <a:off x="1146629" y="904740"/>
+            <a:ext cx="10710293" cy="5078313"/>
+          </a:xfrm>
+          <a:prstGeom prst="rect">
+            <a:avLst/>
+          </a:prstGeom>
+          <a:noFill/>
+        </p:spPr>
+        <p:txBody>
+          <a:bodyPr wrap="square" rtlCol="0">
+            <a:spAutoFit/>
+          </a:bodyPr>
+          <a:lstStyle/>
+          <a:p>
+            <a:r>
+              <a:rPr lang="en-US" b="1" dirty="0"/>
+              <a:t> case 'model4' % Decrease MT/KDMT to 6K</a:t>
+            </a:r>
+            <a:endParaRPr lang="en-US" dirty="0"/>
+          </a:p>
+          <a:p>
+            <a:r>
+              <a:rPr lang="en-US" b="1" dirty="0"/>
+              <a:t>        </a:t>
+            </a:r>
+            <a:r>
+              <a:rPr lang="en-US" b="1" dirty="0" err="1"/>
+              <a:t>data.num_histone</a:t>
+            </a:r>
+            <a:r>
+              <a:rPr lang="en-US" b="1" dirty="0"/>
+              <a:t> = 60000; % 60M histone</a:t>
+            </a:r>
+            <a:endParaRPr lang="en-US" dirty="0"/>
+          </a:p>
+          <a:p>
+            <a:r>
+              <a:rPr lang="en-US" b="1" dirty="0"/>
+              <a:t>        </a:t>
+            </a:r>
+            <a:r>
+              <a:rPr lang="en-US" b="1" dirty="0" err="1" smtClean="0"/>
+              <a:t>data.base_methyl</a:t>
+            </a:r>
+            <a:r>
+              <a:rPr lang="en-US" b="1" dirty="0" smtClean="0"/>
+              <a:t> </a:t>
+            </a:r>
+            <a:r>
+              <a:rPr lang="en-US" b="1" dirty="0"/>
+              <a:t>= </a:t>
+            </a:r>
+            <a:r>
+              <a:rPr lang="en-US" b="1" dirty="0" err="1" smtClean="0"/>
+              <a:t>data.num_histone</a:t>
+            </a:r>
+            <a:r>
+              <a:rPr lang="en-US" b="1" dirty="0" smtClean="0"/>
+              <a:t>*0.57; </a:t>
+            </a:r>
+            <a:endParaRPr lang="en-US" dirty="0"/>
+          </a:p>
+          <a:p>
+            <a:r>
+              <a:rPr lang="en-US" b="1" dirty="0"/>
+              <a:t>        </a:t>
+            </a:r>
+            <a:r>
+              <a:rPr lang="en-US" b="1" dirty="0" err="1"/>
+              <a:t>data.max_methyl</a:t>
+            </a:r>
+            <a:r>
+              <a:rPr lang="en-US" b="1" dirty="0"/>
+              <a:t> = 300; % max number of </a:t>
+            </a:r>
+            <a:r>
+              <a:rPr lang="en-US" b="1" dirty="0" err="1"/>
+              <a:t>methyltrasferase</a:t>
+            </a:r>
+            <a:r>
+              <a:rPr lang="en-US" b="1" dirty="0"/>
+              <a:t> and KDMS</a:t>
+            </a:r>
+            <a:endParaRPr lang="en-US" dirty="0"/>
+          </a:p>
+          <a:p>
+            <a:r>
+              <a:rPr lang="en-US" b="1" dirty="0"/>
+              <a:t>        </a:t>
+            </a:r>
+            <a:r>
+              <a:rPr lang="en-US" b="1" dirty="0" err="1"/>
+              <a:t>data.more_methyl</a:t>
+            </a:r>
+            <a:r>
+              <a:rPr lang="en-US" b="1" dirty="0"/>
+              <a:t> = 150; % more methyltransferase binds with h3k9 during mitosis</a:t>
+            </a:r>
+            <a:endParaRPr lang="en-US" dirty="0"/>
+          </a:p>
+          <a:p>
+            <a:r>
+              <a:rPr lang="en-US" b="1" dirty="0" smtClean="0"/>
+              <a:t>        </a:t>
+            </a:r>
+            <a:r>
+              <a:rPr lang="en-US" b="1" dirty="0" err="1" smtClean="0"/>
+              <a:t>data.max_mol</a:t>
+            </a:r>
+            <a:r>
+              <a:rPr lang="en-US" b="1" dirty="0" smtClean="0"/>
+              <a:t> </a:t>
+            </a:r>
+            <a:r>
+              <a:rPr lang="en-US" b="1" dirty="0"/>
+              <a:t>= </a:t>
+            </a:r>
+            <a:r>
+              <a:rPr lang="en-US" b="1" dirty="0" err="1"/>
+              <a:t>data.max_methyl</a:t>
+            </a:r>
+            <a:r>
+              <a:rPr lang="en-US" b="1" dirty="0"/>
+              <a:t>*7.5; % 2.25M aurora b kinase, max number of kinase and </a:t>
+            </a:r>
+            <a:r>
+              <a:rPr lang="en-US" b="1" dirty="0" smtClean="0"/>
+              <a:t>phosphatase</a:t>
+            </a:r>
+          </a:p>
+          <a:p>
+            <a:r>
+              <a:rPr lang="en-US" b="1" dirty="0"/>
+              <a:t> </a:t>
+            </a:r>
+            <a:r>
+              <a:rPr lang="en-US" b="1" dirty="0" smtClean="0"/>
+              <a:t>       </a:t>
+            </a:r>
+            <a:r>
+              <a:rPr lang="en-US" b="1" dirty="0" err="1" smtClean="0"/>
+              <a:t>data.more_phospho</a:t>
+            </a:r>
+            <a:r>
+              <a:rPr lang="en-US" b="1" dirty="0" smtClean="0"/>
+              <a:t> </a:t>
+            </a:r>
+            <a:r>
+              <a:rPr lang="en-US" b="1" dirty="0"/>
+              <a:t>= 300; % </a:t>
+            </a:r>
+            <a:r>
+              <a:rPr lang="en-US" b="1" dirty="0" smtClean="0"/>
+              <a:t>300K </a:t>
+            </a:r>
+            <a:r>
+              <a:rPr lang="en-US" b="1" dirty="0"/>
+              <a:t>more kinase binds to h3s10 during mitosis</a:t>
+            </a:r>
+            <a:endParaRPr lang="en-US" dirty="0"/>
+          </a:p>
+          <a:p>
+            <a:r>
+              <a:rPr lang="en-US" b="1" dirty="0"/>
+              <a:t> </a:t>
+            </a:r>
+            <a:r>
+              <a:rPr lang="en-US" b="1" dirty="0" smtClean="0"/>
+              <a:t>       </a:t>
+            </a:r>
+            <a:r>
+              <a:rPr lang="en-US" b="1" dirty="0" err="1" smtClean="0"/>
+              <a:t>data.max_time_phospho</a:t>
+            </a:r>
+            <a:r>
+              <a:rPr lang="en-US" b="1" dirty="0" smtClean="0"/>
+              <a:t> </a:t>
+            </a:r>
+            <a:r>
+              <a:rPr lang="en-US" b="1" dirty="0"/>
+              <a:t>= 30 * </a:t>
+            </a:r>
+            <a:r>
+              <a:rPr lang="en-US" b="1" dirty="0" err="1"/>
+              <a:t>data.num_histone</a:t>
+            </a:r>
+            <a:r>
+              <a:rPr lang="en-US" b="1" dirty="0"/>
+              <a:t>;  %</a:t>
+            </a:r>
+            <a:r>
+              <a:rPr lang="en-US" b="1" dirty="0" err="1"/>
+              <a:t>num_histone</a:t>
+            </a:r>
+            <a:r>
+              <a:rPr lang="en-US" b="1" dirty="0"/>
+              <a:t> for 30 min        </a:t>
+            </a:r>
+            <a:endParaRPr lang="en-US" b="1" dirty="0" smtClean="0"/>
+          </a:p>
+          <a:p>
+            <a:r>
+              <a:rPr lang="en-US" b="1" dirty="0"/>
+              <a:t> </a:t>
+            </a:r>
+            <a:r>
+              <a:rPr lang="en-US" b="1" dirty="0" smtClean="0"/>
+              <a:t>       % </a:t>
+            </a:r>
+            <a:r>
+              <a:rPr lang="en-US" b="1" dirty="0" err="1"/>
+              <a:t>Kinase:KDM</a:t>
+            </a:r>
+            <a:r>
+              <a:rPr lang="en-US" b="1" dirty="0"/>
+              <a:t> ratio = </a:t>
+            </a:r>
+            <a:r>
+              <a:rPr lang="en-US" b="1" dirty="0" smtClean="0"/>
+              <a:t>7.5:1</a:t>
+            </a:r>
+          </a:p>
+          <a:p>
+            <a:r>
+              <a:rPr lang="en-US" b="1" dirty="0" smtClean="0"/>
+              <a:t>        </a:t>
+            </a:r>
+            <a:r>
+              <a:rPr lang="en-US" b="1" dirty="0" err="1" smtClean="0"/>
+              <a:t>data.dt</a:t>
+            </a:r>
+            <a:r>
+              <a:rPr lang="en-US" b="1" dirty="0" smtClean="0"/>
+              <a:t>(1</a:t>
+            </a:r>
+            <a:r>
+              <a:rPr lang="en-US" b="1" dirty="0"/>
+              <a:t>) = 40; % min, time to exit mitosis; enter mitosis at 0 min</a:t>
+            </a:r>
+            <a:endParaRPr lang="en-US" dirty="0"/>
+          </a:p>
+          <a:p>
+            <a:r>
+              <a:rPr lang="fr-FR" b="1" dirty="0"/>
+              <a:t>        </a:t>
+            </a:r>
+            <a:r>
+              <a:rPr lang="fr-FR" b="1" dirty="0" err="1"/>
+              <a:t>data.dt</a:t>
+            </a:r>
+            <a:r>
+              <a:rPr lang="fr-FR" b="1" dirty="0"/>
+              <a:t>(2) = 300; % min, </a:t>
+            </a:r>
+            <a:r>
+              <a:rPr lang="fr-FR" b="1" dirty="0" err="1"/>
+              <a:t>cell</a:t>
+            </a:r>
+            <a:r>
+              <a:rPr lang="fr-FR" b="1" dirty="0"/>
+              <a:t> cycle duration</a:t>
+            </a:r>
+            <a:endParaRPr lang="fr-FR" dirty="0"/>
+          </a:p>
+          <a:p>
+            <a:r>
+              <a:rPr lang="en-US" b="1" dirty="0"/>
+              <a:t>        % </a:t>
+            </a:r>
+            <a:endParaRPr lang="en-US" dirty="0"/>
+          </a:p>
+          <a:p>
+            <a:r>
+              <a:rPr lang="en-US" b="1" dirty="0"/>
+              <a:t>        </a:t>
+            </a:r>
+            <a:r>
+              <a:rPr lang="en-US" b="1" dirty="0" err="1"/>
+              <a:t>data.a</a:t>
+            </a:r>
+            <a:r>
+              <a:rPr lang="en-US" b="1" dirty="0"/>
+              <a:t>(1) = 0.01; % phosphorylation repels methyltransferase</a:t>
+            </a:r>
+            <a:endParaRPr lang="en-US" dirty="0"/>
+          </a:p>
+          <a:p>
+            <a:r>
+              <a:rPr lang="en-US" b="1" dirty="0"/>
+              <a:t>        </a:t>
+            </a:r>
+            <a:r>
+              <a:rPr lang="en-US" b="1" dirty="0" err="1"/>
+              <a:t>data.a</a:t>
+            </a:r>
+            <a:r>
+              <a:rPr lang="en-US" b="1" dirty="0"/>
+              <a:t>(2) = 0.01;  % phosphorylation recruit demethylase</a:t>
+            </a:r>
+            <a:endParaRPr lang="en-US" dirty="0"/>
+          </a:p>
+          <a:p>
+            <a:r>
+              <a:rPr lang="en-US" b="1" dirty="0"/>
+              <a:t>        </a:t>
+            </a:r>
+            <a:r>
+              <a:rPr lang="en-US" b="1" dirty="0" err="1"/>
+              <a:t>data.b</a:t>
+            </a:r>
+            <a:r>
+              <a:rPr lang="en-US" b="1" dirty="0"/>
+              <a:t> = 1; % the strength of kinase; </a:t>
+            </a:r>
+            <a:r>
+              <a:rPr lang="en-US" b="1" dirty="0" smtClean="0"/>
+              <a:t>b = 1- the strength of inhibitor</a:t>
+            </a:r>
+            <a:endParaRPr lang="en-US" dirty="0"/>
+          </a:p>
+          <a:p>
+            <a:r>
+              <a:rPr lang="en-US" b="1" dirty="0"/>
+              <a:t> </a:t>
+            </a:r>
+            <a:endParaRPr lang="en-US" dirty="0"/>
+          </a:p>
+          <a:p>
+            <a:r>
+              <a:rPr lang="en-US" b="1" dirty="0"/>
+              <a:t>        </a:t>
+            </a:r>
+            <a:r>
+              <a:rPr lang="en-US" b="1" dirty="0" err="1"/>
+              <a:t>data.time_step</a:t>
+            </a:r>
+            <a:r>
+              <a:rPr lang="en-US" b="1" dirty="0"/>
+              <a:t> = 1/20; % min, 3s </a:t>
+            </a:r>
+            <a:endParaRPr lang="en-US" dirty="0"/>
+          </a:p>
+          <a:p>
+            <a:endParaRPr lang="en-US" dirty="0"/>
+          </a:p>
+        </p:txBody>
+      </p:sp>
+    </p:spTree>
+    <p:extLst>
+      <p:ext uri="{BB962C8B-B14F-4D97-AF65-F5344CB8AC3E}">
+        <p14:creationId xmlns:p14="http://schemas.microsoft.com/office/powerpoint/2010/main" val="3352706702"/>
+      </p:ext>
+    </p:extLst>
+  </p:cSld>
+  <p:clrMapOvr>
+    <a:masterClrMapping/>
+  </p:clrMapOvr>
+</p:sld>
+</file>
+
+<file path=ppt/slides/slide4.xml><?xml version="1.0" encoding="utf-8"?>
 <p:sld xmlns:a="http://schemas.openxmlformats.org/drawingml/2006/main" xmlns:r="http://schemas.openxmlformats.org/officeDocument/2006/relationships" xmlns:p="http://schemas.openxmlformats.org/presentationml/2006/main">
   <p:cSld>
     <p:spTree>
@@ -5004,14 +5420,14 @@
           <p:nvPr>
             <p:extLst>
               <p:ext uri="{D42A27DB-BD31-4B8C-83A1-F6EECF244321}">
-                <p14:modId xmlns:p14="http://schemas.microsoft.com/office/powerpoint/2010/main" val="212529716"/>
+                <p14:modId xmlns:p14="http://schemas.microsoft.com/office/powerpoint/2010/main" val="1539564109"/>
               </p:ext>
             </p:extLst>
           </p:nvPr>
         </p:nvGraphicFramePr>
         <p:xfrm>
           <a:off x="1055834" y="5013088"/>
-          <a:ext cx="10341764" cy="1651000"/>
+          <a:ext cx="10341764" cy="1381760"/>
         </p:xfrm>
         <a:graphic>
           <a:graphicData uri="http://schemas.openxmlformats.org/drawingml/2006/table">
@@ -5021,9 +5437,9 @@
               </a:tblPr>
               <a:tblGrid>
                 <a:gridCol w="1038373"/>
-                <a:gridCol w="3120704"/>
-                <a:gridCol w="3397542"/>
-                <a:gridCol w="2785145"/>
+                <a:gridCol w="2900946"/>
+                <a:gridCol w="2723745"/>
+                <a:gridCol w="3678700"/>
               </a:tblGrid>
               <a:tr h="370840">
                 <a:tc>
@@ -5087,7 +5503,7 @@
                     <a:p>
                       <a:r>
                         <a:rPr lang="en-US" dirty="0" smtClean="0"/>
-                        <a:t>Enter interphase (2/3)</a:t>
+                        <a:t>Enter interphase (2/0)</a:t>
                       </a:r>
                       <a:endParaRPr lang="en-US" dirty="0"/>
                     </a:p>
@@ -5138,12 +5554,8 @@
                         <a:t> &gt;= </a:t>
                       </a:r>
                       <a:r>
-                        <a:rPr lang="en-US" baseline="0" dirty="0" err="1" smtClean="0"/>
-                        <a:t>num_histone</a:t>
-                      </a:r>
-                      <a:r>
                         <a:rPr lang="en-US" baseline="0" dirty="0" smtClean="0"/>
-                        <a:t> *30 min</a:t>
+                        <a:t>threshold</a:t>
                       </a:r>
                       <a:endParaRPr lang="en-US" dirty="0" smtClean="0"/>
                     </a:p>
@@ -5161,7 +5573,7 @@
                       </a:r>
                       <a:r>
                         <a:rPr lang="en-US" baseline="0" dirty="0" smtClean="0"/>
-                        <a:t> increases the basal level</a:t>
+                        <a:t> increases to the basal level</a:t>
                       </a:r>
                       <a:endParaRPr lang="en-US" dirty="0"/>
                     </a:p>
@@ -5213,7 +5625,7 @@
                       </a:r>
                       <a:r>
                         <a:rPr lang="en-US" baseline="0" dirty="0" smtClean="0"/>
-                        <a:t> and MT decrease</a:t>
+                        <a:t> decrease</a:t>
                       </a:r>
                       <a:endParaRPr lang="en-US" dirty="0"/>
                     </a:p>
@@ -5251,8 +5663,8 @@
         </p:nvSpPr>
         <p:spPr>
           <a:xfrm>
-            <a:off x="3657600" y="160020"/>
-            <a:ext cx="6880860" cy="461665"/>
+            <a:off x="1738745" y="160020"/>
+            <a:ext cx="8799715" cy="461665"/>
           </a:xfrm>
           <a:prstGeom prst="rect">
             <a:avLst/>
@@ -5267,7 +5679,15 @@
           <a:p>
             <a:r>
               <a:rPr lang="en-US" sz="2400" b="1" dirty="0" smtClean="0"/>
-              <a:t>Three States between interphase and mitosis</a:t>
+              <a:t>Control of three </a:t>
+            </a:r>
+            <a:r>
+              <a:rPr lang="en-US" sz="2400" b="1" dirty="0"/>
+              <a:t>s</a:t>
+            </a:r>
+            <a:r>
+              <a:rPr lang="en-US" sz="2400" b="1" dirty="0" smtClean="0"/>
+              <a:t>tates between interphase and mitosis</a:t>
             </a:r>
             <a:endParaRPr lang="en-US" sz="2400" b="1" dirty="0"/>
           </a:p>
@@ -5276,7 +5696,7 @@
     </p:spTree>
     <p:extLst>
       <p:ext uri="{BB962C8B-B14F-4D97-AF65-F5344CB8AC3E}">
-        <p14:creationId xmlns:p14="http://schemas.microsoft.com/office/powerpoint/2010/main" val="2440439495"/>
+        <p14:creationId xmlns:p14="http://schemas.microsoft.com/office/powerpoint/2010/main" val="3982633013"/>
       </p:ext>
     </p:extLst>
   </p:cSld>
@@ -5286,7 +5706,1700 @@
 </p:sld>
 </file>
 
-<file path=ppt/slides/slide4.xml><?xml version="1.0" encoding="utf-8"?>
+<file path=ppt/slides/slide5.xml><?xml version="1.0" encoding="utf-8"?>
+<p:sld xmlns:a="http://schemas.openxmlformats.org/drawingml/2006/main" xmlns:r="http://schemas.openxmlformats.org/officeDocument/2006/relationships" xmlns:p="http://schemas.openxmlformats.org/presentationml/2006/main">
+  <p:cSld>
+    <p:spTree>
+      <p:nvGrpSpPr>
+        <p:cNvPr id="1" name=""/>
+        <p:cNvGrpSpPr/>
+        <p:nvPr/>
+      </p:nvGrpSpPr>
+      <p:grpSpPr>
+        <a:xfrm>
+          <a:off x="0" y="0"/>
+          <a:ext cx="0" cy="0"/>
+          <a:chOff x="0" y="0"/>
+          <a:chExt cx="0" cy="0"/>
+        </a:xfrm>
+      </p:grpSpPr>
+      <p:sp>
+        <p:nvSpPr>
+          <p:cNvPr id="2" name="TextBox 1"/>
+          <p:cNvSpPr txBox="1"/>
+          <p:nvPr/>
+        </p:nvSpPr>
+        <p:spPr>
+          <a:xfrm>
+            <a:off x="555464" y="184243"/>
+            <a:ext cx="8799715" cy="461665"/>
+          </a:xfrm>
+          <a:prstGeom prst="rect">
+            <a:avLst/>
+          </a:prstGeom>
+          <a:noFill/>
+        </p:spPr>
+        <p:txBody>
+          <a:bodyPr wrap="square" rtlCol="0">
+            <a:spAutoFit/>
+          </a:bodyPr>
+          <a:lstStyle/>
+          <a:p>
+            <a:r>
+              <a:rPr lang="en-US" sz="2400" b="1" dirty="0" smtClean="0"/>
+              <a:t>Model </a:t>
+            </a:r>
+            <a:r>
+              <a:rPr lang="en-US" sz="2400" b="1" dirty="0" smtClean="0"/>
+              <a:t>Parameters (slide 1)</a:t>
+            </a:r>
+            <a:endParaRPr lang="en-US" sz="2400" b="1" dirty="0"/>
+          </a:p>
+        </p:txBody>
+      </p:sp>
+      <p:graphicFrame>
+        <p:nvGraphicFramePr>
+          <p:cNvPr id="4" name="Table 3"/>
+          <p:cNvGraphicFramePr>
+            <a:graphicFrameLocks noGrp="1"/>
+          </p:cNvGraphicFramePr>
+          <p:nvPr>
+            <p:extLst>
+              <p:ext uri="{D42A27DB-BD31-4B8C-83A1-F6EECF244321}">
+                <p14:modId xmlns:p14="http://schemas.microsoft.com/office/powerpoint/2010/main" val="1683427000"/>
+              </p:ext>
+            </p:extLst>
+          </p:nvPr>
+        </p:nvGraphicFramePr>
+        <p:xfrm>
+          <a:off x="555464" y="714360"/>
+          <a:ext cx="11156124" cy="5567348"/>
+        </p:xfrm>
+        <a:graphic>
+          <a:graphicData uri="http://schemas.openxmlformats.org/drawingml/2006/table">
+            <a:tbl>
+              <a:tblPr firstRow="1" bandRow="1">
+                <a:tableStyleId>{5C22544A-7EE6-4342-B048-85BDC9FD1C3A}</a:tableStyleId>
+              </a:tblPr>
+              <a:tblGrid>
+                <a:gridCol w="3123952"/>
+                <a:gridCol w="1891447"/>
+                <a:gridCol w="2668754"/>
+                <a:gridCol w="3471971"/>
+              </a:tblGrid>
+              <a:tr h="538148">
+                <a:tc>
+                  <a:txBody>
+                    <a:bodyPr/>
+                    <a:lstStyle/>
+                    <a:p>
+                      <a:r>
+                        <a:rPr lang="en-US" dirty="0" smtClean="0"/>
+                        <a:t>Description (name)</a:t>
+                      </a:r>
+                      <a:endParaRPr lang="en-US" dirty="0"/>
+                    </a:p>
+                  </a:txBody>
+                  <a:tcPr/>
+                </a:tc>
+                <a:tc>
+                  <a:txBody>
+                    <a:bodyPr/>
+                    <a:lstStyle/>
+                    <a:p>
+                      <a:r>
+                        <a:rPr lang="en-US" dirty="0" smtClean="0"/>
+                        <a:t>Value </a:t>
+                      </a:r>
+                      <a:endParaRPr lang="en-US" dirty="0"/>
+                    </a:p>
+                  </a:txBody>
+                  <a:tcPr/>
+                </a:tc>
+                <a:tc>
+                  <a:txBody>
+                    <a:bodyPr/>
+                    <a:lstStyle/>
+                    <a:p>
+                      <a:r>
+                        <a:rPr lang="en-US" dirty="0" smtClean="0"/>
+                        <a:t>Reference</a:t>
+                      </a:r>
+                      <a:endParaRPr lang="en-US" dirty="0"/>
+                    </a:p>
+                  </a:txBody>
+                  <a:tcPr/>
+                </a:tc>
+                <a:tc>
+                  <a:txBody>
+                    <a:bodyPr/>
+                    <a:lstStyle/>
+                    <a:p>
+                      <a:r>
+                        <a:rPr lang="en-US" dirty="0" smtClean="0"/>
+                        <a:t>Justification</a:t>
+                      </a:r>
+                      <a:endParaRPr lang="en-US" dirty="0"/>
+                    </a:p>
+                  </a:txBody>
+                  <a:tcPr/>
+                </a:tc>
+              </a:tr>
+              <a:tr h="538148">
+                <a:tc>
+                  <a:txBody>
+                    <a:bodyPr/>
+                    <a:lstStyle/>
+                    <a:p>
+                      <a:r>
+                        <a:rPr lang="en-US" dirty="0" smtClean="0"/>
+                        <a:t>Total number of histones (</a:t>
+                      </a:r>
+                      <a:r>
+                        <a:rPr lang="en-US" dirty="0" err="1" smtClean="0"/>
+                        <a:t>num_histone</a:t>
+                      </a:r>
+                      <a:r>
+                        <a:rPr lang="en-US" dirty="0" smtClean="0"/>
+                        <a:t>)</a:t>
+                      </a:r>
+                      <a:endParaRPr lang="en-US" dirty="0"/>
+                    </a:p>
+                  </a:txBody>
+                  <a:tcPr/>
+                </a:tc>
+                <a:tc>
+                  <a:txBody>
+                    <a:bodyPr/>
+                    <a:lstStyle/>
+                    <a:p>
+                      <a:r>
+                        <a:rPr lang="en-US" dirty="0" smtClean="0"/>
+                        <a:t>60,000K</a:t>
+                      </a:r>
+                      <a:endParaRPr lang="en-US" dirty="0"/>
+                    </a:p>
+                  </a:txBody>
+                  <a:tcPr/>
+                </a:tc>
+                <a:tc>
+                  <a:txBody>
+                    <a:bodyPr/>
+                    <a:lstStyle/>
+                    <a:p>
+                      <a:r>
+                        <a:rPr lang="en-US" dirty="0" smtClean="0"/>
+                        <a:t>Alberts et</a:t>
+                      </a:r>
+                      <a:r>
+                        <a:rPr lang="en-US" baseline="0" dirty="0" smtClean="0"/>
+                        <a:t> al. 2002</a:t>
+                      </a:r>
+                      <a:endParaRPr lang="en-US" dirty="0"/>
+                    </a:p>
+                  </a:txBody>
+                  <a:tcPr/>
+                </a:tc>
+                <a:tc>
+                  <a:txBody>
+                    <a:bodyPr/>
+                    <a:lstStyle/>
+                    <a:p>
+                      <a:endParaRPr lang="en-US" dirty="0"/>
+                    </a:p>
+                  </a:txBody>
+                  <a:tcPr/>
+                </a:tc>
+              </a:tr>
+              <a:tr h="538148">
+                <a:tc>
+                  <a:txBody>
+                    <a:bodyPr/>
+                    <a:lstStyle/>
+                    <a:p>
+                      <a:r>
+                        <a:rPr lang="en-US" dirty="0" smtClean="0"/>
+                        <a:t>Basal level of methylated H3K9 at the</a:t>
+                      </a:r>
+                      <a:r>
+                        <a:rPr lang="en-US" baseline="0" dirty="0" smtClean="0"/>
+                        <a:t> interphase (</a:t>
+                      </a:r>
+                      <a:r>
+                        <a:rPr lang="en-US" baseline="0" dirty="0" err="1" smtClean="0"/>
+                        <a:t>base_methyl</a:t>
+                      </a:r>
+                      <a:r>
+                        <a:rPr lang="en-US" baseline="0" dirty="0" smtClean="0"/>
+                        <a:t>)</a:t>
+                      </a:r>
+                      <a:endParaRPr lang="en-US" dirty="0"/>
+                    </a:p>
+                  </a:txBody>
+                  <a:tcPr/>
+                </a:tc>
+                <a:tc>
+                  <a:txBody>
+                    <a:bodyPr/>
+                    <a:lstStyle/>
+                    <a:p>
+                      <a:r>
+                        <a:rPr lang="en-US" dirty="0" smtClean="0"/>
+                        <a:t>57% of all</a:t>
+                      </a:r>
+                      <a:r>
+                        <a:rPr lang="en-US" baseline="0" dirty="0" smtClean="0"/>
+                        <a:t> histones</a:t>
+                      </a:r>
+                      <a:endParaRPr lang="en-US" dirty="0"/>
+                    </a:p>
+                  </a:txBody>
+                  <a:tcPr/>
+                </a:tc>
+                <a:tc>
+                  <a:txBody>
+                    <a:bodyPr/>
+                    <a:lstStyle/>
+                    <a:p>
+                      <a:r>
+                        <a:rPr lang="en-US" dirty="0" smtClean="0"/>
+                        <a:t>Figs. 1c and 1d</a:t>
+                      </a:r>
+                      <a:endParaRPr lang="en-US" dirty="0"/>
+                    </a:p>
+                  </a:txBody>
+                  <a:tcPr/>
+                </a:tc>
+                <a:tc>
+                  <a:txBody>
+                    <a:bodyPr/>
+                    <a:lstStyle/>
+                    <a:p>
+                      <a:pPr marL="0" marR="0" lvl="0" indent="0" algn="l" defTabSz="914400" rtl="0" eaLnBrk="1" fontAlgn="auto" latinLnBrk="0" hangingPunct="1">
+                        <a:lnSpc>
+                          <a:spcPct val="100000"/>
+                        </a:lnSpc>
+                        <a:spcBef>
+                          <a:spcPts val="0"/>
+                        </a:spcBef>
+                        <a:spcAft>
+                          <a:spcPts val="0"/>
+                        </a:spcAft>
+                        <a:buClrTx/>
+                        <a:buSzTx/>
+                        <a:buFontTx/>
+                        <a:buNone/>
+                        <a:tabLst/>
+                        <a:defRPr/>
+                      </a:pPr>
+                      <a:r>
+                        <a:rPr lang="en-US" dirty="0" err="1" smtClean="0"/>
+                        <a:t>Sua</a:t>
+                      </a:r>
+                      <a:r>
+                        <a:rPr lang="en-US" dirty="0" smtClean="0"/>
+                        <a:t> -/- decrease 40%; TCP (inhibitor KDM) increases 30%</a:t>
+                      </a:r>
+                      <a:r>
+                        <a:rPr lang="en-US" dirty="0" smtClean="0">
+                          <a:sym typeface="Wingdings" panose="05000000000000000000" pitchFamily="2" charset="2"/>
+                        </a:rPr>
+                        <a:t>.</a:t>
+                      </a:r>
+                      <a:r>
+                        <a:rPr lang="en-US" baseline="0" dirty="0" smtClean="0">
+                          <a:sym typeface="Wingdings" panose="05000000000000000000" pitchFamily="2" charset="2"/>
+                        </a:rPr>
+                        <a:t> So</a:t>
+                      </a:r>
+                      <a:r>
+                        <a:rPr lang="en-US" dirty="0" smtClean="0">
+                          <a:sym typeface="Wingdings" panose="05000000000000000000" pitchFamily="2" charset="2"/>
+                        </a:rPr>
+                        <a:t> 4/7 = 0.57 = 57% </a:t>
+                      </a:r>
+                    </a:p>
+                  </a:txBody>
+                  <a:tcPr/>
+                </a:tc>
+              </a:tr>
+              <a:tr h="538148">
+                <a:tc>
+                  <a:txBody>
+                    <a:bodyPr/>
+                    <a:lstStyle/>
+                    <a:p>
+                      <a:r>
+                        <a:rPr lang="en-US" dirty="0" smtClean="0"/>
+                        <a:t>Total number of</a:t>
+                      </a:r>
+                      <a:r>
+                        <a:rPr lang="en-US" baseline="0" dirty="0" smtClean="0"/>
+                        <a:t> MTs/KDMs (</a:t>
+                      </a:r>
+                      <a:r>
+                        <a:rPr lang="en-US" baseline="0" dirty="0" err="1" smtClean="0"/>
+                        <a:t>max_methyl</a:t>
+                      </a:r>
+                      <a:r>
+                        <a:rPr lang="en-US" baseline="0" dirty="0" smtClean="0"/>
+                        <a:t>)</a:t>
+                      </a:r>
+                      <a:endParaRPr lang="en-US" dirty="0"/>
+                    </a:p>
+                  </a:txBody>
+                  <a:tcPr/>
+                </a:tc>
+                <a:tc>
+                  <a:txBody>
+                    <a:bodyPr/>
+                    <a:lstStyle/>
+                    <a:p>
+                      <a:r>
+                        <a:rPr lang="en-US" dirty="0" smtClean="0"/>
+                        <a:t>300K</a:t>
+                      </a:r>
+                      <a:endParaRPr lang="en-US" dirty="0"/>
+                    </a:p>
+                  </a:txBody>
+                  <a:tcPr/>
+                </a:tc>
+                <a:tc>
+                  <a:txBody>
+                    <a:bodyPr/>
+                    <a:lstStyle/>
+                    <a:p>
+                      <a:r>
+                        <a:rPr lang="en-US" sz="1800" kern="1200" dirty="0" err="1" smtClean="0">
+                          <a:solidFill>
+                            <a:schemeClr val="dk1"/>
+                          </a:solidFill>
+                          <a:effectLst/>
+                          <a:latin typeface="+mn-lt"/>
+                          <a:ea typeface="+mn-ea"/>
+                          <a:cs typeface="+mn-cs"/>
+                        </a:rPr>
+                        <a:t>Biggin</a:t>
+                      </a:r>
+                      <a:r>
+                        <a:rPr lang="en-US" sz="1800" kern="1200" dirty="0" smtClean="0">
+                          <a:solidFill>
+                            <a:schemeClr val="dk1"/>
+                          </a:solidFill>
+                          <a:effectLst/>
+                          <a:latin typeface="+mn-lt"/>
+                          <a:ea typeface="+mn-ea"/>
+                          <a:cs typeface="+mn-cs"/>
+                        </a:rPr>
+                        <a:t> MD 2011 Dev Cell</a:t>
+                      </a:r>
+                      <a:endParaRPr lang="en-US" dirty="0"/>
+                    </a:p>
+                  </a:txBody>
+                  <a:tcPr/>
+                </a:tc>
+                <a:tc>
+                  <a:txBody>
+                    <a:bodyPr/>
+                    <a:lstStyle/>
+                    <a:p>
+                      <a:r>
+                        <a:rPr lang="en-US" dirty="0" smtClean="0">
+                          <a:solidFill>
+                            <a:srgbClr val="FF0000"/>
+                          </a:solidFill>
+                        </a:rPr>
+                        <a:t>??? (Could</a:t>
+                      </a:r>
+                      <a:r>
+                        <a:rPr lang="en-US" baseline="0" dirty="0" smtClean="0">
+                          <a:solidFill>
+                            <a:srgbClr val="FF0000"/>
+                          </a:solidFill>
+                        </a:rPr>
+                        <a:t> Peter input?)</a:t>
+                      </a:r>
+                      <a:endParaRPr lang="en-US" dirty="0">
+                        <a:solidFill>
+                          <a:srgbClr val="FF0000"/>
+                        </a:solidFill>
+                      </a:endParaRPr>
+                    </a:p>
+                  </a:txBody>
+                  <a:tcPr/>
+                </a:tc>
+              </a:tr>
+              <a:tr h="538148">
+                <a:tc>
+                  <a:txBody>
+                    <a:bodyPr/>
+                    <a:lstStyle/>
+                    <a:p>
+                      <a:r>
+                        <a:rPr lang="en-US" dirty="0" smtClean="0"/>
+                        <a:t>Increase of MTs</a:t>
+                      </a:r>
+                      <a:r>
+                        <a:rPr lang="en-US" baseline="0" dirty="0" smtClean="0"/>
+                        <a:t> at the entrance of mitosis (</a:t>
+                      </a:r>
+                      <a:r>
+                        <a:rPr lang="en-US" baseline="0" dirty="0" err="1" smtClean="0"/>
+                        <a:t>more_methyl</a:t>
+                      </a:r>
+                      <a:r>
+                        <a:rPr lang="en-US" baseline="0" dirty="0" smtClean="0"/>
+                        <a:t>)</a:t>
+                      </a:r>
+                      <a:endParaRPr lang="en-US" dirty="0"/>
+                    </a:p>
+                  </a:txBody>
+                  <a:tcPr/>
+                </a:tc>
+                <a:tc>
+                  <a:txBody>
+                    <a:bodyPr/>
+                    <a:lstStyle/>
+                    <a:p>
+                      <a:r>
+                        <a:rPr lang="en-US" dirty="0" smtClean="0"/>
+                        <a:t>150K </a:t>
+                      </a:r>
+                      <a:endParaRPr lang="en-US" dirty="0"/>
+                    </a:p>
+                  </a:txBody>
+                  <a:tcPr/>
+                </a:tc>
+                <a:tc>
+                  <a:txBody>
+                    <a:bodyPr/>
+                    <a:lstStyle/>
+                    <a:p>
+                      <a:r>
+                        <a:rPr lang="en-US" dirty="0" smtClean="0">
+                          <a:solidFill>
+                            <a:srgbClr val="FF0000"/>
+                          </a:solidFill>
+                        </a:rPr>
+                        <a:t>???</a:t>
+                      </a:r>
+                      <a:endParaRPr lang="en-US" dirty="0">
+                        <a:solidFill>
+                          <a:srgbClr val="FF0000"/>
+                        </a:solidFill>
+                      </a:endParaRPr>
+                    </a:p>
+                  </a:txBody>
+                  <a:tcPr/>
+                </a:tc>
+                <a:tc>
+                  <a:txBody>
+                    <a:bodyPr/>
+                    <a:lstStyle/>
+                    <a:p>
+                      <a:r>
+                        <a:rPr lang="en-US" dirty="0" smtClean="0"/>
+                        <a:t> 50% of </a:t>
+                      </a:r>
+                      <a:r>
+                        <a:rPr lang="en-US" dirty="0" err="1" smtClean="0"/>
+                        <a:t>max_methyl</a:t>
+                      </a:r>
+                      <a:endParaRPr lang="en-US" dirty="0"/>
+                    </a:p>
+                  </a:txBody>
+                  <a:tcPr/>
+                </a:tc>
+              </a:tr>
+              <a:tr h="538148">
+                <a:tc>
+                  <a:txBody>
+                    <a:bodyPr/>
+                    <a:lstStyle/>
+                    <a:p>
+                      <a:r>
+                        <a:rPr lang="en-US" dirty="0" smtClean="0"/>
+                        <a:t>Total number of</a:t>
+                      </a:r>
+                      <a:r>
+                        <a:rPr lang="en-US" baseline="0" dirty="0" smtClean="0"/>
+                        <a:t> serine kinases and PTPs (</a:t>
+                      </a:r>
+                      <a:r>
+                        <a:rPr lang="en-US" baseline="0" dirty="0" err="1" smtClean="0"/>
+                        <a:t>max_mol</a:t>
+                      </a:r>
+                      <a:r>
+                        <a:rPr lang="en-US" baseline="0" dirty="0" smtClean="0"/>
+                        <a:t>)</a:t>
+                      </a:r>
+                      <a:endParaRPr lang="en-US" dirty="0"/>
+                    </a:p>
+                  </a:txBody>
+                  <a:tcPr/>
+                </a:tc>
+                <a:tc>
+                  <a:txBody>
+                    <a:bodyPr/>
+                    <a:lstStyle/>
+                    <a:p>
+                      <a:r>
+                        <a:rPr lang="en-US" dirty="0" smtClean="0"/>
+                        <a:t>2,250K</a:t>
+                      </a:r>
+                      <a:endParaRPr lang="en-US" dirty="0"/>
+                    </a:p>
+                  </a:txBody>
+                  <a:tcPr/>
+                </a:tc>
+                <a:tc>
+                  <a:txBody>
+                    <a:bodyPr/>
+                    <a:lstStyle/>
+                    <a:p>
+                      <a:r>
+                        <a:rPr lang="en-US" dirty="0" smtClean="0"/>
+                        <a:t>http://preotineatlas.org</a:t>
+                      </a:r>
+                      <a:endParaRPr lang="en-US" dirty="0"/>
+                    </a:p>
+                  </a:txBody>
+                  <a:tcPr/>
+                </a:tc>
+                <a:tc>
+                  <a:txBody>
+                    <a:bodyPr/>
+                    <a:lstStyle/>
+                    <a:p>
+                      <a:r>
+                        <a:rPr lang="en-US" dirty="0" err="1" smtClean="0"/>
+                        <a:t>Yijias</a:t>
+                      </a:r>
+                      <a:r>
+                        <a:rPr lang="en-US" dirty="0" smtClean="0"/>
+                        <a:t> statistics: </a:t>
+                      </a:r>
+                      <a:r>
+                        <a:rPr lang="en-US" dirty="0" err="1" smtClean="0"/>
+                        <a:t>Aurkb</a:t>
+                      </a:r>
+                      <a:r>
+                        <a:rPr lang="en-US" dirty="0" smtClean="0"/>
+                        <a:t> (~60) and KDM4C (~8), so </a:t>
+                      </a:r>
+                      <a:r>
+                        <a:rPr lang="en-US" dirty="0" err="1" smtClean="0"/>
+                        <a:t>kinase:KDM</a:t>
+                      </a:r>
+                      <a:r>
+                        <a:rPr lang="en-US" dirty="0" smtClean="0"/>
+                        <a:t> = 7.5:1</a:t>
+                      </a:r>
+                      <a:endParaRPr lang="en-US" dirty="0"/>
+                    </a:p>
+                  </a:txBody>
+                  <a:tcPr/>
+                </a:tc>
+              </a:tr>
+              <a:tr h="538148">
+                <a:tc>
+                  <a:txBody>
+                    <a:bodyPr/>
+                    <a:lstStyle/>
+                    <a:p>
+                      <a:r>
+                        <a:rPr lang="en-US" dirty="0" smtClean="0"/>
+                        <a:t>Increase</a:t>
+                      </a:r>
+                      <a:r>
+                        <a:rPr lang="en-US" baseline="0" dirty="0" smtClean="0"/>
+                        <a:t> of kinases at the entrance of mitosis (</a:t>
+                      </a:r>
+                      <a:r>
+                        <a:rPr lang="en-US" baseline="0" dirty="0" err="1" smtClean="0"/>
+                        <a:t>more_phosphor</a:t>
+                      </a:r>
+                      <a:r>
+                        <a:rPr lang="en-US" baseline="0" dirty="0" smtClean="0"/>
+                        <a:t>) </a:t>
+                      </a:r>
+                      <a:endParaRPr lang="en-US" dirty="0"/>
+                    </a:p>
+                  </a:txBody>
+                  <a:tcPr/>
+                </a:tc>
+                <a:tc>
+                  <a:txBody>
+                    <a:bodyPr/>
+                    <a:lstStyle/>
+                    <a:p>
+                      <a:r>
+                        <a:rPr lang="en-US" dirty="0" smtClean="0"/>
+                        <a:t>300K</a:t>
+                      </a:r>
+                      <a:endParaRPr lang="en-US" dirty="0"/>
+                    </a:p>
+                  </a:txBody>
+                  <a:tcPr/>
+                </a:tc>
+                <a:tc>
+                  <a:txBody>
+                    <a:bodyPr/>
+                    <a:lstStyle/>
+                    <a:p>
+                      <a:r>
+                        <a:rPr lang="en-US" dirty="0" smtClean="0">
+                          <a:solidFill>
+                            <a:srgbClr val="FF0000"/>
+                          </a:solidFill>
+                        </a:rPr>
+                        <a:t>???</a:t>
+                      </a:r>
+                      <a:endParaRPr lang="en-US" dirty="0">
+                        <a:solidFill>
+                          <a:srgbClr val="FF0000"/>
+                        </a:solidFill>
+                      </a:endParaRPr>
+                    </a:p>
+                  </a:txBody>
+                  <a:tcPr/>
+                </a:tc>
+                <a:tc>
+                  <a:txBody>
+                    <a:bodyPr/>
+                    <a:lstStyle/>
+                    <a:p>
+                      <a:r>
+                        <a:rPr lang="en-US" dirty="0" smtClean="0"/>
+                        <a:t>13% of </a:t>
+                      </a:r>
+                      <a:r>
+                        <a:rPr lang="en-US" dirty="0" err="1" smtClean="0"/>
+                        <a:t>max_mol</a:t>
+                      </a:r>
+                      <a:endParaRPr lang="en-US" dirty="0"/>
+                    </a:p>
+                  </a:txBody>
+                  <a:tcPr/>
+                </a:tc>
+              </a:tr>
+              <a:tr h="538148">
+                <a:tc>
+                  <a:txBody>
+                    <a:bodyPr/>
+                    <a:lstStyle/>
+                    <a:p>
+                      <a:r>
+                        <a:rPr lang="en-US" dirty="0" smtClean="0"/>
+                        <a:t>Threshold to exist</a:t>
+                      </a:r>
+                      <a:r>
+                        <a:rPr lang="en-US" baseline="0" dirty="0" smtClean="0"/>
+                        <a:t> mitosis</a:t>
+                      </a:r>
+                      <a:endParaRPr lang="en-US" dirty="0"/>
+                    </a:p>
+                  </a:txBody>
+                  <a:tcPr/>
+                </a:tc>
+                <a:tc>
+                  <a:txBody>
+                    <a:bodyPr/>
+                    <a:lstStyle/>
+                    <a:p>
+                      <a:r>
+                        <a:rPr lang="en-US" dirty="0" smtClean="0"/>
+                        <a:t>30 min</a:t>
+                      </a:r>
+                      <a:r>
+                        <a:rPr lang="en-US" baseline="0" dirty="0" smtClean="0"/>
+                        <a:t> </a:t>
+                      </a:r>
+                      <a:r>
+                        <a:rPr lang="en-US" dirty="0" smtClean="0"/>
+                        <a:t>*</a:t>
+                      </a:r>
+                      <a:r>
+                        <a:rPr lang="en-US" dirty="0" err="1" smtClean="0"/>
+                        <a:t>num_histone</a:t>
+                      </a:r>
+                      <a:endParaRPr lang="en-US" dirty="0"/>
+                    </a:p>
+                  </a:txBody>
+                  <a:tcPr/>
+                </a:tc>
+                <a:tc>
+                  <a:txBody>
+                    <a:bodyPr/>
+                    <a:lstStyle/>
+                    <a:p>
+                      <a:r>
+                        <a:rPr lang="en-US" dirty="0" smtClean="0">
+                          <a:solidFill>
+                            <a:srgbClr val="FF0000"/>
+                          </a:solidFill>
+                        </a:rPr>
+                        <a:t>???</a:t>
+                      </a:r>
+                      <a:r>
+                        <a:rPr lang="en-US" dirty="0" smtClean="0"/>
+                        <a:t> [CDK1</a:t>
+                      </a:r>
+                      <a:r>
+                        <a:rPr lang="en-US" baseline="0" dirty="0" smtClean="0"/>
+                        <a:t> is the master regulator]</a:t>
+                      </a:r>
+                      <a:endParaRPr lang="en-US" dirty="0"/>
+                    </a:p>
+                  </a:txBody>
+                  <a:tcPr/>
+                </a:tc>
+                <a:tc>
+                  <a:txBody>
+                    <a:bodyPr/>
+                    <a:lstStyle/>
+                    <a:p>
+                      <a:r>
+                        <a:rPr lang="en-US" dirty="0" smtClean="0">
+                          <a:solidFill>
+                            <a:srgbClr val="FF0000"/>
+                          </a:solidFill>
+                        </a:rPr>
+                        <a:t>Could</a:t>
+                      </a:r>
+                      <a:r>
+                        <a:rPr lang="en-US" baseline="0" dirty="0" smtClean="0">
+                          <a:solidFill>
+                            <a:srgbClr val="FF0000"/>
+                          </a:solidFill>
+                        </a:rPr>
+                        <a:t> Peter input?)</a:t>
+                      </a:r>
+                      <a:endParaRPr lang="en-US" dirty="0"/>
+                    </a:p>
+                  </a:txBody>
+                  <a:tcPr/>
+                </a:tc>
+              </a:tr>
+            </a:tbl>
+          </a:graphicData>
+        </a:graphic>
+      </p:graphicFrame>
+    </p:spTree>
+    <p:extLst>
+      <p:ext uri="{BB962C8B-B14F-4D97-AF65-F5344CB8AC3E}">
+        <p14:creationId xmlns:p14="http://schemas.microsoft.com/office/powerpoint/2010/main" val="2721886318"/>
+      </p:ext>
+    </p:extLst>
+  </p:cSld>
+  <p:clrMapOvr>
+    <a:masterClrMapping/>
+  </p:clrMapOvr>
+</p:sld>
+</file>
+
+<file path=ppt/slides/slide6.xml><?xml version="1.0" encoding="utf-8"?>
+<p:sld xmlns:a="http://schemas.openxmlformats.org/drawingml/2006/main" xmlns:r="http://schemas.openxmlformats.org/officeDocument/2006/relationships" xmlns:p="http://schemas.openxmlformats.org/presentationml/2006/main">
+  <p:cSld>
+    <p:spTree>
+      <p:nvGrpSpPr>
+        <p:cNvPr id="1" name=""/>
+        <p:cNvGrpSpPr/>
+        <p:nvPr/>
+      </p:nvGrpSpPr>
+      <p:grpSpPr>
+        <a:xfrm>
+          <a:off x="0" y="0"/>
+          <a:ext cx="0" cy="0"/>
+          <a:chOff x="0" y="0"/>
+          <a:chExt cx="0" cy="0"/>
+        </a:xfrm>
+      </p:grpSpPr>
+      <p:sp>
+        <p:nvSpPr>
+          <p:cNvPr id="2" name="TextBox 1"/>
+          <p:cNvSpPr txBox="1"/>
+          <p:nvPr/>
+        </p:nvSpPr>
+        <p:spPr>
+          <a:xfrm>
+            <a:off x="772093" y="160020"/>
+            <a:ext cx="8799715" cy="461665"/>
+          </a:xfrm>
+          <a:prstGeom prst="rect">
+            <a:avLst/>
+          </a:prstGeom>
+          <a:noFill/>
+        </p:spPr>
+        <p:txBody>
+          <a:bodyPr wrap="square" rtlCol="0">
+            <a:spAutoFit/>
+          </a:bodyPr>
+          <a:lstStyle/>
+          <a:p>
+            <a:r>
+              <a:rPr lang="en-US" sz="2400" b="1" dirty="0" smtClean="0"/>
+              <a:t>Model </a:t>
+            </a:r>
+            <a:r>
+              <a:rPr lang="en-US" sz="2400" b="1" dirty="0" smtClean="0"/>
+              <a:t>Parameters (slide 2)</a:t>
+            </a:r>
+            <a:endParaRPr lang="en-US" sz="2400" b="1" dirty="0"/>
+          </a:p>
+        </p:txBody>
+      </p:sp>
+      <p:graphicFrame>
+        <p:nvGraphicFramePr>
+          <p:cNvPr id="4" name="Table 3"/>
+          <p:cNvGraphicFramePr>
+            <a:graphicFrameLocks noGrp="1"/>
+          </p:cNvGraphicFramePr>
+          <p:nvPr>
+            <p:extLst>
+              <p:ext uri="{D42A27DB-BD31-4B8C-83A1-F6EECF244321}">
+                <p14:modId xmlns:p14="http://schemas.microsoft.com/office/powerpoint/2010/main" val="1170178110"/>
+              </p:ext>
+            </p:extLst>
+          </p:nvPr>
+        </p:nvGraphicFramePr>
+        <p:xfrm>
+          <a:off x="882468" y="702249"/>
+          <a:ext cx="10429447" cy="5525380"/>
+        </p:xfrm>
+        <a:graphic>
+          <a:graphicData uri="http://schemas.openxmlformats.org/drawingml/2006/table">
+            <a:tbl>
+              <a:tblPr firstRow="1" bandRow="1">
+                <a:tableStyleId>{5C22544A-7EE6-4342-B048-85BDC9FD1C3A}</a:tableStyleId>
+              </a:tblPr>
+              <a:tblGrid>
+                <a:gridCol w="3622920"/>
+                <a:gridCol w="1065791"/>
+                <a:gridCol w="2494919"/>
+                <a:gridCol w="3245817"/>
+              </a:tblGrid>
+              <a:tr h="538148">
+                <a:tc>
+                  <a:txBody>
+                    <a:bodyPr/>
+                    <a:lstStyle/>
+                    <a:p>
+                      <a:r>
+                        <a:rPr lang="en-US" dirty="0" smtClean="0"/>
+                        <a:t>Description (name)</a:t>
+                      </a:r>
+                      <a:endParaRPr lang="en-US" dirty="0"/>
+                    </a:p>
+                  </a:txBody>
+                  <a:tcPr/>
+                </a:tc>
+                <a:tc>
+                  <a:txBody>
+                    <a:bodyPr/>
+                    <a:lstStyle/>
+                    <a:p>
+                      <a:r>
+                        <a:rPr lang="en-US" dirty="0" smtClean="0"/>
+                        <a:t>Value </a:t>
+                      </a:r>
+                      <a:endParaRPr lang="en-US" dirty="0"/>
+                    </a:p>
+                  </a:txBody>
+                  <a:tcPr/>
+                </a:tc>
+                <a:tc>
+                  <a:txBody>
+                    <a:bodyPr/>
+                    <a:lstStyle/>
+                    <a:p>
+                      <a:r>
+                        <a:rPr lang="en-US" dirty="0" smtClean="0"/>
+                        <a:t>Reference</a:t>
+                      </a:r>
+                      <a:endParaRPr lang="en-US" dirty="0"/>
+                    </a:p>
+                  </a:txBody>
+                  <a:tcPr/>
+                </a:tc>
+                <a:tc>
+                  <a:txBody>
+                    <a:bodyPr/>
+                    <a:lstStyle/>
+                    <a:p>
+                      <a:r>
+                        <a:rPr lang="en-US" dirty="0" smtClean="0"/>
+                        <a:t>Justification</a:t>
+                      </a:r>
+                      <a:endParaRPr lang="en-US" dirty="0"/>
+                    </a:p>
+                  </a:txBody>
+                  <a:tcPr/>
+                </a:tc>
+              </a:tr>
+              <a:tr h="538148">
+                <a:tc>
+                  <a:txBody>
+                    <a:bodyPr/>
+                    <a:lstStyle/>
+                    <a:p>
+                      <a:r>
+                        <a:rPr lang="en-US" dirty="0" smtClean="0"/>
+                        <a:t>Basal</a:t>
+                      </a:r>
+                      <a:r>
+                        <a:rPr lang="en-US" baseline="0" dirty="0" smtClean="0"/>
+                        <a:t> level of </a:t>
+                      </a:r>
+                      <a:r>
+                        <a:rPr lang="en-US" dirty="0" smtClean="0"/>
+                        <a:t>H3S10P</a:t>
+                      </a:r>
+                      <a:r>
+                        <a:rPr lang="en-US" baseline="0" dirty="0" smtClean="0"/>
+                        <a:t> at interphase</a:t>
+                      </a:r>
+                      <a:endParaRPr lang="en-US" dirty="0"/>
+                    </a:p>
+                  </a:txBody>
+                  <a:tcPr/>
+                </a:tc>
+                <a:tc>
+                  <a:txBody>
+                    <a:bodyPr/>
+                    <a:lstStyle/>
+                    <a:p>
+                      <a:r>
+                        <a:rPr lang="en-US" dirty="0" smtClean="0"/>
+                        <a:t>0</a:t>
+                      </a:r>
+                      <a:endParaRPr lang="en-US" dirty="0"/>
+                    </a:p>
+                  </a:txBody>
+                  <a:tcPr/>
+                </a:tc>
+                <a:tc>
+                  <a:txBody>
+                    <a:bodyPr/>
+                    <a:lstStyle/>
+                    <a:p>
+                      <a:endParaRPr lang="en-US" dirty="0"/>
+                    </a:p>
+                  </a:txBody>
+                  <a:tcPr/>
+                </a:tc>
+                <a:tc>
+                  <a:txBody>
+                    <a:bodyPr/>
+                    <a:lstStyle/>
+                    <a:p>
+                      <a:r>
+                        <a:rPr lang="en-US" dirty="0" smtClean="0"/>
+                        <a:t>OK</a:t>
+                      </a:r>
+                      <a:endParaRPr lang="en-US" dirty="0"/>
+                    </a:p>
+                  </a:txBody>
+                  <a:tcPr/>
+                </a:tc>
+              </a:tr>
+              <a:tr h="538148">
+                <a:tc>
+                  <a:txBody>
+                    <a:bodyPr/>
+                    <a:lstStyle/>
+                    <a:p>
+                      <a:r>
+                        <a:rPr lang="en-US" dirty="0" smtClean="0"/>
+                        <a:t>Basal</a:t>
+                      </a:r>
+                      <a:r>
+                        <a:rPr lang="en-US" baseline="0" dirty="0" smtClean="0"/>
+                        <a:t> level of </a:t>
+                      </a:r>
+                      <a:r>
+                        <a:rPr lang="en-US" dirty="0" smtClean="0"/>
+                        <a:t>Serine </a:t>
+                      </a:r>
+                      <a:r>
+                        <a:rPr lang="en-US" dirty="0" smtClean="0"/>
+                        <a:t>kinase</a:t>
+                      </a:r>
+                      <a:endParaRPr lang="en-US" dirty="0"/>
+                    </a:p>
+                  </a:txBody>
+                  <a:tcPr/>
+                </a:tc>
+                <a:tc>
+                  <a:txBody>
+                    <a:bodyPr/>
+                    <a:lstStyle/>
+                    <a:p>
+                      <a:r>
+                        <a:rPr lang="en-US" dirty="0" smtClean="0"/>
+                        <a:t>500K</a:t>
+                      </a:r>
+                      <a:endParaRPr lang="en-US" dirty="0"/>
+                    </a:p>
+                  </a:txBody>
+                  <a:tcPr/>
+                </a:tc>
+                <a:tc>
+                  <a:txBody>
+                    <a:bodyPr/>
+                    <a:lstStyle/>
+                    <a:p>
+                      <a:r>
+                        <a:rPr lang="en-US" dirty="0" smtClean="0">
+                          <a:solidFill>
+                            <a:srgbClr val="FF0000"/>
+                          </a:solidFill>
+                        </a:rPr>
+                        <a:t>???</a:t>
+                      </a:r>
+                      <a:endParaRPr lang="en-US" dirty="0">
+                        <a:solidFill>
+                          <a:srgbClr val="FF0000"/>
+                        </a:solidFill>
+                      </a:endParaRPr>
+                    </a:p>
+                  </a:txBody>
+                  <a:tcPr/>
+                </a:tc>
+                <a:tc>
+                  <a:txBody>
+                    <a:bodyPr/>
+                    <a:lstStyle/>
+                    <a:p>
+                      <a:endParaRPr lang="en-US" dirty="0"/>
+                    </a:p>
+                  </a:txBody>
+                  <a:tcPr/>
+                </a:tc>
+              </a:tr>
+              <a:tr h="538148">
+                <a:tc>
+                  <a:txBody>
+                    <a:bodyPr/>
+                    <a:lstStyle/>
+                    <a:p>
+                      <a:r>
+                        <a:rPr lang="en-US" dirty="0" smtClean="0"/>
+                        <a:t>Basal level of PTP</a:t>
+                      </a:r>
+                      <a:endParaRPr lang="en-US" dirty="0"/>
+                    </a:p>
+                  </a:txBody>
+                  <a:tcPr/>
+                </a:tc>
+                <a:tc>
+                  <a:txBody>
+                    <a:bodyPr/>
+                    <a:lstStyle/>
+                    <a:p>
+                      <a:r>
+                        <a:rPr lang="en-US" dirty="0" smtClean="0"/>
+                        <a:t>500K</a:t>
+                      </a:r>
+                      <a:endParaRPr lang="en-US" dirty="0"/>
+                    </a:p>
+                  </a:txBody>
+                  <a:tcPr/>
+                </a:tc>
+                <a:tc>
+                  <a:txBody>
+                    <a:bodyPr/>
+                    <a:lstStyle/>
+                    <a:p>
+                      <a:endParaRPr lang="en-US" dirty="0">
+                        <a:solidFill>
+                          <a:srgbClr val="FF0000"/>
+                        </a:solidFill>
+                      </a:endParaRPr>
+                    </a:p>
+                  </a:txBody>
+                  <a:tcPr/>
+                </a:tc>
+                <a:tc>
+                  <a:txBody>
+                    <a:bodyPr/>
+                    <a:lstStyle/>
+                    <a:p>
+                      <a:r>
+                        <a:rPr lang="en-US" dirty="0" smtClean="0"/>
+                        <a:t>OK</a:t>
+                      </a:r>
+                      <a:endParaRPr lang="en-US" dirty="0"/>
+                    </a:p>
+                  </a:txBody>
+                  <a:tcPr/>
+                </a:tc>
+              </a:tr>
+              <a:tr h="538148">
+                <a:tc>
+                  <a:txBody>
+                    <a:bodyPr/>
+                    <a:lstStyle/>
+                    <a:p>
+                      <a:r>
+                        <a:rPr lang="en-US" dirty="0" smtClean="0"/>
+                        <a:t>Basal level of MTs</a:t>
+                      </a:r>
+                      <a:endParaRPr lang="en-US" dirty="0"/>
+                    </a:p>
+                  </a:txBody>
+                  <a:tcPr/>
+                </a:tc>
+                <a:tc>
+                  <a:txBody>
+                    <a:bodyPr/>
+                    <a:lstStyle/>
+                    <a:p>
+                      <a:r>
+                        <a:rPr lang="en-US" dirty="0" smtClean="0"/>
+                        <a:t>100K</a:t>
+                      </a:r>
+                      <a:endParaRPr lang="en-US" dirty="0"/>
+                    </a:p>
+                  </a:txBody>
+                  <a:tcPr/>
+                </a:tc>
+                <a:tc>
+                  <a:txBody>
+                    <a:bodyPr/>
+                    <a:lstStyle/>
+                    <a:p>
+                      <a:r>
+                        <a:rPr lang="en-US" dirty="0" smtClean="0">
+                          <a:solidFill>
+                            <a:srgbClr val="FF0000"/>
+                          </a:solidFill>
+                        </a:rPr>
+                        <a:t>???</a:t>
+                      </a:r>
+                      <a:endParaRPr lang="en-US" dirty="0">
+                        <a:solidFill>
+                          <a:srgbClr val="FF0000"/>
+                        </a:solidFill>
+                      </a:endParaRPr>
+                    </a:p>
+                  </a:txBody>
+                  <a:tcPr/>
+                </a:tc>
+                <a:tc>
+                  <a:txBody>
+                    <a:bodyPr/>
+                    <a:lstStyle/>
+                    <a:p>
+                      <a:endParaRPr lang="en-US"/>
+                    </a:p>
+                  </a:txBody>
+                  <a:tcPr/>
+                </a:tc>
+              </a:tr>
+              <a:tr h="269074">
+                <a:tc>
+                  <a:txBody>
+                    <a:bodyPr/>
+                    <a:lstStyle/>
+                    <a:p>
+                      <a:r>
+                        <a:rPr lang="en-US" dirty="0" smtClean="0"/>
+                        <a:t>Basal level of KDMs</a:t>
+                      </a:r>
+                      <a:endParaRPr lang="en-US" dirty="0"/>
+                    </a:p>
+                  </a:txBody>
+                  <a:tcPr/>
+                </a:tc>
+                <a:tc>
+                  <a:txBody>
+                    <a:bodyPr/>
+                    <a:lstStyle/>
+                    <a:p>
+                      <a:r>
+                        <a:rPr lang="en-US" dirty="0" smtClean="0"/>
+                        <a:t>100K</a:t>
+                      </a:r>
+                      <a:endParaRPr lang="en-US" dirty="0"/>
+                    </a:p>
+                  </a:txBody>
+                  <a:tcPr/>
+                </a:tc>
+                <a:tc>
+                  <a:txBody>
+                    <a:bodyPr/>
+                    <a:lstStyle/>
+                    <a:p>
+                      <a:endParaRPr lang="en-US" dirty="0">
+                        <a:solidFill>
+                          <a:srgbClr val="FF0000"/>
+                        </a:solidFill>
+                      </a:endParaRPr>
+                    </a:p>
+                  </a:txBody>
+                  <a:tcPr/>
+                </a:tc>
+                <a:tc>
+                  <a:txBody>
+                    <a:bodyPr/>
+                    <a:lstStyle/>
+                    <a:p>
+                      <a:r>
+                        <a:rPr lang="en-US" dirty="0" smtClean="0"/>
+                        <a:t>OK</a:t>
+                      </a:r>
+                      <a:endParaRPr lang="en-US" dirty="0"/>
+                    </a:p>
+                  </a:txBody>
+                  <a:tcPr/>
+                </a:tc>
+              </a:tr>
+              <a:tr h="320040">
+                <a:tc>
+                  <a:txBody>
+                    <a:bodyPr/>
+                    <a:lstStyle/>
+                    <a:p>
+                      <a:r>
+                        <a:rPr lang="en-US" dirty="0" smtClean="0"/>
+                        <a:t>S10P</a:t>
+                      </a:r>
+                      <a:r>
+                        <a:rPr lang="en-US" baseline="0" dirty="0" smtClean="0"/>
+                        <a:t> repels MTs (a(1))</a:t>
+                      </a:r>
+                      <a:endParaRPr lang="en-US" dirty="0"/>
+                    </a:p>
+                  </a:txBody>
+                  <a:tcPr/>
+                </a:tc>
+                <a:tc>
+                  <a:txBody>
+                    <a:bodyPr/>
+                    <a:lstStyle/>
+                    <a:p>
+                      <a:r>
+                        <a:rPr lang="en-US" dirty="0" smtClean="0"/>
+                        <a:t>0.01</a:t>
+                      </a:r>
+                      <a:endParaRPr lang="en-US" dirty="0"/>
+                    </a:p>
+                  </a:txBody>
+                  <a:tcPr/>
+                </a:tc>
+                <a:tc>
+                  <a:txBody>
+                    <a:bodyPr/>
+                    <a:lstStyle/>
+                    <a:p>
+                      <a:r>
+                        <a:rPr lang="en-US" sz="1800" kern="1200" dirty="0" smtClean="0">
+                          <a:solidFill>
+                            <a:srgbClr val="FF0000"/>
+                          </a:solidFill>
+                          <a:effectLst/>
+                          <a:latin typeface="+mn-lt"/>
+                          <a:ea typeface="+mn-ea"/>
+                          <a:cs typeface="+mn-cs"/>
+                        </a:rPr>
+                        <a:t>???</a:t>
+                      </a:r>
+                      <a:endParaRPr lang="en-US" dirty="0">
+                        <a:solidFill>
+                          <a:srgbClr val="FF0000"/>
+                        </a:solidFill>
+                      </a:endParaRPr>
+                    </a:p>
+                  </a:txBody>
+                  <a:tcPr/>
+                </a:tc>
+                <a:tc>
+                  <a:txBody>
+                    <a:bodyPr/>
+                    <a:lstStyle/>
+                    <a:p>
+                      <a:endParaRPr lang="en-US" dirty="0"/>
+                    </a:p>
+                  </a:txBody>
+                  <a:tcPr/>
+                </a:tc>
+              </a:tr>
+              <a:tr h="182880">
+                <a:tc>
+                  <a:txBody>
+                    <a:bodyPr/>
+                    <a:lstStyle/>
+                    <a:p>
+                      <a:r>
+                        <a:rPr lang="en-US" dirty="0" smtClean="0"/>
+                        <a:t>S10P recruits</a:t>
+                      </a:r>
+                      <a:r>
+                        <a:rPr lang="en-US" baseline="0" dirty="0" smtClean="0"/>
+                        <a:t> KDMs (a(2))</a:t>
+                      </a:r>
+                      <a:endParaRPr lang="en-US" dirty="0"/>
+                    </a:p>
+                  </a:txBody>
+                  <a:tcPr/>
+                </a:tc>
+                <a:tc>
+                  <a:txBody>
+                    <a:bodyPr/>
+                    <a:lstStyle/>
+                    <a:p>
+                      <a:r>
+                        <a:rPr lang="en-US" dirty="0" smtClean="0"/>
+                        <a:t>0.01</a:t>
+                      </a:r>
+                      <a:endParaRPr lang="en-US" dirty="0"/>
+                    </a:p>
+                  </a:txBody>
+                  <a:tcPr/>
+                </a:tc>
+                <a:tc>
+                  <a:txBody>
+                    <a:bodyPr/>
+                    <a:lstStyle/>
+                    <a:p>
+                      <a:r>
+                        <a:rPr lang="en-US" dirty="0" smtClean="0">
+                          <a:solidFill>
+                            <a:srgbClr val="FF0000"/>
+                          </a:solidFill>
+                        </a:rPr>
+                        <a:t>???</a:t>
+                      </a:r>
+                      <a:endParaRPr lang="en-US" dirty="0">
+                        <a:solidFill>
+                          <a:srgbClr val="FF0000"/>
+                        </a:solidFill>
+                      </a:endParaRPr>
+                    </a:p>
+                  </a:txBody>
+                  <a:tcPr/>
+                </a:tc>
+                <a:tc>
+                  <a:txBody>
+                    <a:bodyPr/>
+                    <a:lstStyle/>
+                    <a:p>
+                      <a:endParaRPr lang="en-US"/>
+                    </a:p>
+                  </a:txBody>
+                  <a:tcPr/>
+                </a:tc>
+              </a:tr>
+              <a:tr h="182880">
+                <a:tc>
+                  <a:txBody>
+                    <a:bodyPr/>
+                    <a:lstStyle/>
+                    <a:p>
+                      <a:r>
+                        <a:rPr lang="en-US" dirty="0" smtClean="0"/>
+                        <a:t>Strength</a:t>
+                      </a:r>
+                      <a:r>
+                        <a:rPr lang="en-US" baseline="0" dirty="0" smtClean="0"/>
+                        <a:t> of kinase</a:t>
+                      </a:r>
+                      <a:endParaRPr lang="en-US" dirty="0"/>
+                    </a:p>
+                  </a:txBody>
+                  <a:tcPr/>
+                </a:tc>
+                <a:tc>
+                  <a:txBody>
+                    <a:bodyPr/>
+                    <a:lstStyle/>
+                    <a:p>
+                      <a:r>
+                        <a:rPr lang="en-US" dirty="0" smtClean="0"/>
+                        <a:t>1</a:t>
+                      </a:r>
+                      <a:r>
+                        <a:rPr lang="en-US" baseline="0" dirty="0" smtClean="0"/>
+                        <a:t> or less</a:t>
+                      </a:r>
+                      <a:endParaRPr lang="en-US" dirty="0"/>
+                    </a:p>
+                  </a:txBody>
+                  <a:tcPr/>
+                </a:tc>
+                <a:tc>
+                  <a:txBody>
+                    <a:bodyPr/>
+                    <a:lstStyle/>
+                    <a:p>
+                      <a:endParaRPr lang="en-US" dirty="0">
+                        <a:solidFill>
+                          <a:srgbClr val="FF0000"/>
+                        </a:solidFill>
+                      </a:endParaRPr>
+                    </a:p>
+                  </a:txBody>
+                  <a:tcPr/>
+                </a:tc>
+                <a:tc>
+                  <a:txBody>
+                    <a:bodyPr/>
+                    <a:lstStyle/>
+                    <a:p>
+                      <a:r>
+                        <a:rPr lang="en-US" dirty="0" smtClean="0"/>
+                        <a:t>1</a:t>
+                      </a:r>
+                      <a:r>
+                        <a:rPr lang="en-US" baseline="0" dirty="0" smtClean="0"/>
+                        <a:t> or 1- strength of inhibitor</a:t>
+                      </a:r>
+                    </a:p>
+                  </a:txBody>
+                  <a:tcPr/>
+                </a:tc>
+              </a:tr>
+              <a:tr h="121920">
+                <a:tc>
+                  <a:txBody>
+                    <a:bodyPr/>
+                    <a:lstStyle/>
+                    <a:p>
+                      <a:r>
+                        <a:rPr lang="en-US" dirty="0" smtClean="0"/>
+                        <a:t>Time needed for</a:t>
+                      </a:r>
+                      <a:r>
+                        <a:rPr lang="en-US" baseline="0" dirty="0" smtClean="0"/>
+                        <a:t> reaction and recruiting</a:t>
+                      </a:r>
+                      <a:endParaRPr lang="en-US" dirty="0"/>
+                    </a:p>
+                  </a:txBody>
+                  <a:tcPr/>
+                </a:tc>
+                <a:tc>
+                  <a:txBody>
+                    <a:bodyPr/>
+                    <a:lstStyle/>
+                    <a:p>
+                      <a:r>
+                        <a:rPr lang="en-US" dirty="0" smtClean="0"/>
+                        <a:t>3s</a:t>
+                      </a:r>
+                      <a:endParaRPr lang="en-US" dirty="0"/>
+                    </a:p>
+                  </a:txBody>
+                  <a:tcPr/>
+                </a:tc>
+                <a:tc>
+                  <a:txBody>
+                    <a:bodyPr/>
+                    <a:lstStyle/>
+                    <a:p>
+                      <a:r>
+                        <a:rPr lang="en-US" dirty="0" smtClean="0">
+                          <a:solidFill>
+                            <a:srgbClr val="FF0000"/>
+                          </a:solidFill>
+                        </a:rPr>
+                        <a:t>???</a:t>
+                      </a:r>
+                      <a:endParaRPr lang="en-US" dirty="0">
+                        <a:solidFill>
+                          <a:srgbClr val="FF0000"/>
+                        </a:solidFill>
+                      </a:endParaRPr>
+                    </a:p>
+                  </a:txBody>
+                  <a:tcPr/>
+                </a:tc>
+                <a:tc>
+                  <a:txBody>
+                    <a:bodyPr/>
+                    <a:lstStyle/>
+                    <a:p>
+                      <a:r>
+                        <a:rPr lang="en-US" baseline="0" dirty="0" smtClean="0">
+                          <a:solidFill>
+                            <a:srgbClr val="FF0000"/>
+                          </a:solidFill>
+                        </a:rPr>
+                        <a:t>Could Qin check?</a:t>
+                      </a:r>
+                      <a:endParaRPr lang="en-US" baseline="0" dirty="0" smtClean="0">
+                        <a:solidFill>
+                          <a:srgbClr val="FF0000"/>
+                        </a:solidFill>
+                      </a:endParaRPr>
+                    </a:p>
+                  </a:txBody>
+                  <a:tcPr/>
+                </a:tc>
+              </a:tr>
+              <a:tr h="243840">
+                <a:tc>
+                  <a:txBody>
+                    <a:bodyPr/>
+                    <a:lstStyle/>
+                    <a:p>
+                      <a:r>
+                        <a:rPr lang="en-US" dirty="0" smtClean="0"/>
+                        <a:t>Earliest time to exist mitosis (</a:t>
+                      </a:r>
+                      <a:r>
+                        <a:rPr lang="en-US" dirty="0" err="1" smtClean="0"/>
+                        <a:t>dt</a:t>
+                      </a:r>
+                      <a:r>
+                        <a:rPr lang="en-US" dirty="0" smtClean="0"/>
+                        <a:t>(1))</a:t>
+                      </a:r>
+                      <a:endParaRPr lang="en-US" dirty="0"/>
+                    </a:p>
+                  </a:txBody>
+                  <a:tcPr/>
+                </a:tc>
+                <a:tc>
+                  <a:txBody>
+                    <a:bodyPr/>
+                    <a:lstStyle/>
+                    <a:p>
+                      <a:r>
+                        <a:rPr lang="en-US" dirty="0" smtClean="0"/>
+                        <a:t>40</a:t>
+                      </a:r>
+                      <a:r>
+                        <a:rPr lang="en-US" baseline="0" dirty="0" smtClean="0"/>
+                        <a:t> min</a:t>
+                      </a:r>
+                      <a:endParaRPr lang="en-US" dirty="0"/>
+                    </a:p>
+                  </a:txBody>
+                  <a:tcPr/>
+                </a:tc>
+                <a:tc>
+                  <a:txBody>
+                    <a:bodyPr/>
+                    <a:lstStyle/>
+                    <a:p>
+                      <a:r>
+                        <a:rPr lang="en-US" dirty="0" smtClean="0">
+                          <a:solidFill>
+                            <a:srgbClr val="FF0000"/>
+                          </a:solidFill>
+                        </a:rPr>
+                        <a:t>???</a:t>
+                      </a:r>
+                      <a:endParaRPr lang="en-US" dirty="0">
+                        <a:solidFill>
+                          <a:srgbClr val="FF0000"/>
+                        </a:solidFill>
+                      </a:endParaRPr>
+                    </a:p>
+                  </a:txBody>
+                  <a:tcPr/>
+                </a:tc>
+                <a:tc>
+                  <a:txBody>
+                    <a:bodyPr/>
+                    <a:lstStyle/>
+                    <a:p>
+                      <a:endParaRPr lang="en-US" baseline="0" dirty="0" smtClean="0"/>
+                    </a:p>
+                  </a:txBody>
+                  <a:tcPr/>
+                </a:tc>
+              </a:tr>
+              <a:tr h="121920">
+                <a:tc>
+                  <a:txBody>
+                    <a:bodyPr/>
+                    <a:lstStyle/>
+                    <a:p>
+                      <a:r>
+                        <a:rPr lang="en-US" dirty="0" smtClean="0"/>
+                        <a:t>Duration of a cell cycle (</a:t>
+                      </a:r>
+                      <a:r>
+                        <a:rPr lang="en-US" dirty="0" err="1" smtClean="0"/>
+                        <a:t>dt</a:t>
+                      </a:r>
+                      <a:r>
+                        <a:rPr lang="en-US" dirty="0" smtClean="0"/>
+                        <a:t>(2)) </a:t>
+                      </a:r>
+                      <a:endParaRPr lang="en-US" dirty="0"/>
+                    </a:p>
+                  </a:txBody>
+                  <a:tcPr/>
+                </a:tc>
+                <a:tc>
+                  <a:txBody>
+                    <a:bodyPr/>
+                    <a:lstStyle/>
+                    <a:p>
+                      <a:r>
+                        <a:rPr lang="en-US" dirty="0" smtClean="0"/>
+                        <a:t>300 min</a:t>
+                      </a:r>
+                      <a:endParaRPr lang="en-US" dirty="0"/>
+                    </a:p>
+                  </a:txBody>
+                  <a:tcPr/>
+                </a:tc>
+                <a:tc>
+                  <a:txBody>
+                    <a:bodyPr/>
+                    <a:lstStyle/>
+                    <a:p>
+                      <a:r>
+                        <a:rPr lang="en-US" dirty="0" smtClean="0">
+                          <a:solidFill>
+                            <a:srgbClr val="FF0000"/>
+                          </a:solidFill>
+                        </a:rPr>
+                        <a:t>???</a:t>
+                      </a:r>
+                      <a:endParaRPr lang="en-US" dirty="0">
+                        <a:solidFill>
+                          <a:srgbClr val="FF0000"/>
+                        </a:solidFill>
+                      </a:endParaRPr>
+                    </a:p>
+                  </a:txBody>
+                  <a:tcPr/>
+                </a:tc>
+                <a:tc>
+                  <a:txBody>
+                    <a:bodyPr/>
+                    <a:lstStyle/>
+                    <a:p>
+                      <a:endParaRPr lang="en-US" baseline="0" dirty="0" smtClean="0"/>
+                    </a:p>
+                  </a:txBody>
+                  <a:tcPr/>
+                </a:tc>
+              </a:tr>
+            </a:tbl>
+          </a:graphicData>
+        </a:graphic>
+      </p:graphicFrame>
+    </p:spTree>
+    <p:extLst>
+      <p:ext uri="{BB962C8B-B14F-4D97-AF65-F5344CB8AC3E}">
+        <p14:creationId xmlns:p14="http://schemas.microsoft.com/office/powerpoint/2010/main" val="289164213"/>
+      </p:ext>
+    </p:extLst>
+  </p:cSld>
+  <p:clrMapOvr>
+    <a:masterClrMapping/>
+  </p:clrMapOvr>
+</p:sld>
+</file>
+
+<file path=ppt/slides/slide7.xml><?xml version="1.0" encoding="utf-8"?>
 <p:sld xmlns:a="http://schemas.openxmlformats.org/drawingml/2006/main" xmlns:r="http://schemas.openxmlformats.org/officeDocument/2006/relationships" xmlns:p="http://schemas.openxmlformats.org/presentationml/2006/main">
   <p:cSld>
     <p:spTree>
@@ -5327,11 +7440,7 @@
           <a:p>
             <a:r>
               <a:rPr lang="en-US" sz="2400" b="1" dirty="0" smtClean="0"/>
-              <a:t>S10P repelling MT is crucial for fast demethylation at mitotic entrance, while </a:t>
-            </a:r>
-            <a:r>
-              <a:rPr lang="en-US" sz="2400" b="1" dirty="0" smtClean="0"/>
-              <a:t>S10P recruiting KDM plays an assisting role</a:t>
+              <a:t>S10P repelling MT is crucial for fast demethylation at mitotic entrance, while S10P recruiting KDM plays an assisting role</a:t>
             </a:r>
             <a:endParaRPr lang="en-US" sz="2400" b="1" dirty="0"/>
           </a:p>
@@ -6389,7 +8498,7 @@
 </p:sld>
 </file>
 
-<file path=ppt/slides/slide5.xml><?xml version="1.0" encoding="utf-8"?>
+<file path=ppt/slides/slide8.xml><?xml version="1.0" encoding="utf-8"?>
 <p:sld xmlns:a="http://schemas.openxmlformats.org/drawingml/2006/main" xmlns:r="http://schemas.openxmlformats.org/officeDocument/2006/relationships" xmlns:p="http://schemas.openxmlformats.org/presentationml/2006/main">
   <p:cSld>
     <p:spTree>
@@ -6439,7 +8548,7 @@
         <p:spPr>
           <a:xfrm>
             <a:off x="461319" y="313209"/>
-            <a:ext cx="6936822" cy="461665"/>
+            <a:ext cx="6936822" cy="830997"/>
           </a:xfrm>
           <a:prstGeom prst="rect">
             <a:avLst/>
@@ -6454,7 +8563,15 @@
           <a:p>
             <a:r>
               <a:rPr lang="en-US" sz="2400" b="1" dirty="0" smtClean="0"/>
-              <a:t>Model2: MT did not increase at entrance of Mitosis</a:t>
+              <a:t>Model2: MT did not increase </a:t>
+            </a:r>
+            <a:r>
+              <a:rPr lang="en-US" sz="2400" b="1" smtClean="0"/>
+              <a:t>at the entrance </a:t>
+            </a:r>
+            <a:r>
+              <a:rPr lang="en-US" sz="2400" b="1" dirty="0" smtClean="0"/>
+              <a:t>of Mitosis</a:t>
             </a:r>
             <a:endParaRPr lang="en-US" sz="2400" b="1" dirty="0"/>
           </a:p>
@@ -6501,6 +8618,121 @@
     <p:extLst>
       <p:ext uri="{BB962C8B-B14F-4D97-AF65-F5344CB8AC3E}">
         <p14:creationId xmlns:p14="http://schemas.microsoft.com/office/powerpoint/2010/main" val="3742112732"/>
+      </p:ext>
+    </p:extLst>
+  </p:cSld>
+  <p:clrMapOvr>
+    <a:masterClrMapping/>
+  </p:clrMapOvr>
+</p:sld>
+</file>
+
+<file path=ppt/slides/slide9.xml><?xml version="1.0" encoding="utf-8"?>
+<p:sld xmlns:a="http://schemas.openxmlformats.org/drawingml/2006/main" xmlns:r="http://schemas.openxmlformats.org/officeDocument/2006/relationships" xmlns:p="http://schemas.openxmlformats.org/presentationml/2006/main">
+  <p:cSld>
+    <p:spTree>
+      <p:nvGrpSpPr>
+        <p:cNvPr id="1" name=""/>
+        <p:cNvGrpSpPr/>
+        <p:nvPr/>
+      </p:nvGrpSpPr>
+      <p:grpSpPr>
+        <a:xfrm>
+          <a:off x="0" y="0"/>
+          <a:ext cx="0" cy="0"/>
+          <a:chOff x="0" y="0"/>
+          <a:chExt cx="0" cy="0"/>
+        </a:xfrm>
+      </p:grpSpPr>
+      <p:pic>
+        <p:nvPicPr>
+          <p:cNvPr id="3" name="Picture 2"/>
+          <p:cNvPicPr>
+            <a:picLocks noChangeAspect="1"/>
+          </p:cNvPicPr>
+          <p:nvPr/>
+        </p:nvPicPr>
+        <p:blipFill>
+          <a:blip r:embed="rId2"/>
+          <a:stretch>
+            <a:fillRect/>
+          </a:stretch>
+        </p:blipFill>
+        <p:spPr>
+          <a:xfrm>
+            <a:off x="767665" y="777532"/>
+            <a:ext cx="8182555" cy="2863778"/>
+          </a:xfrm>
+          <a:prstGeom prst="rect">
+            <a:avLst/>
+          </a:prstGeom>
+        </p:spPr>
+      </p:pic>
+      <p:sp>
+        <p:nvSpPr>
+          <p:cNvPr id="4" name="TextBox 3"/>
+          <p:cNvSpPr txBox="1"/>
+          <p:nvPr/>
+        </p:nvSpPr>
+        <p:spPr>
+          <a:xfrm>
+            <a:off x="1017346" y="230114"/>
+            <a:ext cx="6104074" cy="369332"/>
+          </a:xfrm>
+          <a:prstGeom prst="rect">
+            <a:avLst/>
+          </a:prstGeom>
+          <a:noFill/>
+        </p:spPr>
+        <p:txBody>
+          <a:bodyPr wrap="square" rtlCol="0">
+            <a:spAutoFit/>
+          </a:bodyPr>
+          <a:lstStyle/>
+          <a:p>
+            <a:r>
+              <a:rPr lang="en-US" dirty="0"/>
+              <a:t>&gt;&gt; </a:t>
+            </a:r>
+            <a:r>
+              <a:rPr lang="en-US" dirty="0" err="1"/>
+              <a:t>test_pm_model</a:t>
+            </a:r>
+            <a:r>
+              <a:rPr lang="en-US" dirty="0"/>
+              <a:t>('model4');</a:t>
+            </a:r>
+          </a:p>
+        </p:txBody>
+      </p:sp>
+      <p:pic>
+        <p:nvPicPr>
+          <p:cNvPr id="5" name="Picture 4"/>
+          <p:cNvPicPr>
+            <a:picLocks noChangeAspect="1"/>
+          </p:cNvPicPr>
+          <p:nvPr/>
+        </p:nvPicPr>
+        <p:blipFill>
+          <a:blip r:embed="rId3"/>
+          <a:stretch>
+            <a:fillRect/>
+          </a:stretch>
+        </p:blipFill>
+        <p:spPr>
+          <a:xfrm>
+            <a:off x="767665" y="3641310"/>
+            <a:ext cx="7801050" cy="2712014"/>
+          </a:xfrm>
+          <a:prstGeom prst="rect">
+            <a:avLst/>
+          </a:prstGeom>
+        </p:spPr>
+      </p:pic>
+    </p:spTree>
+    <p:extLst>
+      <p:ext uri="{BB962C8B-B14F-4D97-AF65-F5344CB8AC3E}">
+        <p14:creationId xmlns:p14="http://schemas.microsoft.com/office/powerpoint/2010/main" val="678477960"/>
       </p:ext>
     </p:extLst>
   </p:cSld>

--- a/app/model/result_0211_2017.pptx
+++ b/app/model/result_0211_2017.pptx
@@ -251,7 +251,7 @@
           <a:p>
             <a:fld id="{13FF81DB-72FD-4E0B-96E8-AA8F3653C4D4}" type="datetimeFigureOut">
               <a:rPr lang="en-US" smtClean="0"/>
-              <a:t>2/19/2017</a:t>
+              <a:t>2/21/2017</a:t>
             </a:fld>
             <a:endParaRPr lang="en-US"/>
           </a:p>
@@ -421,7 +421,7 @@
           <a:p>
             <a:fld id="{13FF81DB-72FD-4E0B-96E8-AA8F3653C4D4}" type="datetimeFigureOut">
               <a:rPr lang="en-US" smtClean="0"/>
-              <a:t>2/19/2017</a:t>
+              <a:t>2/21/2017</a:t>
             </a:fld>
             <a:endParaRPr lang="en-US"/>
           </a:p>
@@ -601,7 +601,7 @@
           <a:p>
             <a:fld id="{13FF81DB-72FD-4E0B-96E8-AA8F3653C4D4}" type="datetimeFigureOut">
               <a:rPr lang="en-US" smtClean="0"/>
-              <a:t>2/19/2017</a:t>
+              <a:t>2/21/2017</a:t>
             </a:fld>
             <a:endParaRPr lang="en-US"/>
           </a:p>
@@ -771,7 +771,7 @@
           <a:p>
             <a:fld id="{13FF81DB-72FD-4E0B-96E8-AA8F3653C4D4}" type="datetimeFigureOut">
               <a:rPr lang="en-US" smtClean="0"/>
-              <a:t>2/19/2017</a:t>
+              <a:t>2/21/2017</a:t>
             </a:fld>
             <a:endParaRPr lang="en-US"/>
           </a:p>
@@ -1017,7 +1017,7 @@
           <a:p>
             <a:fld id="{13FF81DB-72FD-4E0B-96E8-AA8F3653C4D4}" type="datetimeFigureOut">
               <a:rPr lang="en-US" smtClean="0"/>
-              <a:t>2/19/2017</a:t>
+              <a:t>2/21/2017</a:t>
             </a:fld>
             <a:endParaRPr lang="en-US"/>
           </a:p>
@@ -1249,7 +1249,7 @@
           <a:p>
             <a:fld id="{13FF81DB-72FD-4E0B-96E8-AA8F3653C4D4}" type="datetimeFigureOut">
               <a:rPr lang="en-US" smtClean="0"/>
-              <a:t>2/19/2017</a:t>
+              <a:t>2/21/2017</a:t>
             </a:fld>
             <a:endParaRPr lang="en-US"/>
           </a:p>
@@ -1616,7 +1616,7 @@
           <a:p>
             <a:fld id="{13FF81DB-72FD-4E0B-96E8-AA8F3653C4D4}" type="datetimeFigureOut">
               <a:rPr lang="en-US" smtClean="0"/>
-              <a:t>2/19/2017</a:t>
+              <a:t>2/21/2017</a:t>
             </a:fld>
             <a:endParaRPr lang="en-US"/>
           </a:p>
@@ -1734,7 +1734,7 @@
           <a:p>
             <a:fld id="{13FF81DB-72FD-4E0B-96E8-AA8F3653C4D4}" type="datetimeFigureOut">
               <a:rPr lang="en-US" smtClean="0"/>
-              <a:t>2/19/2017</a:t>
+              <a:t>2/21/2017</a:t>
             </a:fld>
             <a:endParaRPr lang="en-US"/>
           </a:p>
@@ -1829,7 +1829,7 @@
           <a:p>
             <a:fld id="{13FF81DB-72FD-4E0B-96E8-AA8F3653C4D4}" type="datetimeFigureOut">
               <a:rPr lang="en-US" smtClean="0"/>
-              <a:t>2/19/2017</a:t>
+              <a:t>2/21/2017</a:t>
             </a:fld>
             <a:endParaRPr lang="en-US"/>
           </a:p>
@@ -2106,7 +2106,7 @@
           <a:p>
             <a:fld id="{13FF81DB-72FD-4E0B-96E8-AA8F3653C4D4}" type="datetimeFigureOut">
               <a:rPr lang="en-US" smtClean="0"/>
-              <a:t>2/19/2017</a:t>
+              <a:t>2/21/2017</a:t>
             </a:fld>
             <a:endParaRPr lang="en-US"/>
           </a:p>
@@ -2359,7 +2359,7 @@
           <a:p>
             <a:fld id="{13FF81DB-72FD-4E0B-96E8-AA8F3653C4D4}" type="datetimeFigureOut">
               <a:rPr lang="en-US" smtClean="0"/>
-              <a:t>2/19/2017</a:t>
+              <a:t>2/21/2017</a:t>
             </a:fld>
             <a:endParaRPr lang="en-US"/>
           </a:p>
@@ -2572,7 +2572,7 @@
           <a:p>
             <a:fld id="{13FF81DB-72FD-4E0B-96E8-AA8F3653C4D4}" type="datetimeFigureOut">
               <a:rPr lang="en-US" smtClean="0"/>
-              <a:t>2/19/2017</a:t>
+              <a:t>2/21/2017</a:t>
             </a:fld>
             <a:endParaRPr lang="en-US"/>
           </a:p>
@@ -5551,11 +5551,7 @@
                       </a:r>
                       <a:r>
                         <a:rPr lang="en-US" baseline="0" dirty="0" smtClean="0"/>
-                        <a:t> &gt;= </a:t>
-                      </a:r>
-                      <a:r>
-                        <a:rPr lang="en-US" baseline="0" dirty="0" smtClean="0"/>
-                        <a:t>threshold</a:t>
+                        <a:t> &gt;= threshold</a:t>
                       </a:r>
                       <a:endParaRPr lang="en-US" dirty="0" smtClean="0"/>
                     </a:p>
@@ -5747,11 +5743,7 @@
           <a:p>
             <a:r>
               <a:rPr lang="en-US" sz="2400" b="1" dirty="0" smtClean="0"/>
-              <a:t>Model </a:t>
-            </a:r>
-            <a:r>
-              <a:rPr lang="en-US" sz="2400" b="1" dirty="0" smtClean="0"/>
-              <a:t>Parameters (slide 1)</a:t>
+              <a:t>Model Parameters (slide 1)</a:t>
             </a:r>
             <a:endParaRPr lang="en-US" sz="2400" b="1" dirty="0"/>
           </a:p>
@@ -5766,7 +5758,7 @@
           <p:nvPr>
             <p:extLst>
               <p:ext uri="{D42A27DB-BD31-4B8C-83A1-F6EECF244321}">
-                <p14:modId xmlns:p14="http://schemas.microsoft.com/office/powerpoint/2010/main" val="1683427000"/>
+                <p14:modId xmlns:p14="http://schemas.microsoft.com/office/powerpoint/2010/main" val="2178273632"/>
               </p:ext>
             </p:extLst>
           </p:nvPr>
@@ -5783,9 +5775,9 @@
               </a:tblPr>
               <a:tblGrid>
                 <a:gridCol w="3123952"/>
-                <a:gridCol w="1891447"/>
-                <a:gridCol w="2668754"/>
-                <a:gridCol w="3471971"/>
+                <a:gridCol w="1679984"/>
+                <a:gridCol w="2724150"/>
+                <a:gridCol w="3628038"/>
               </a:tblGrid>
               <a:tr h="538148">
                 <a:tc>
@@ -6117,7 +6109,15 @@
                             <a:srgbClr val="FF0000"/>
                           </a:solidFill>
                         </a:rPr>
-                        <a:t> Peter input?)</a:t>
+                        <a:t> Peter input</a:t>
+                      </a:r>
+                      <a:r>
+                        <a:rPr lang="en-US" baseline="0" dirty="0" smtClean="0">
+                          <a:solidFill>
+                            <a:srgbClr val="FF0000"/>
+                          </a:solidFill>
+                        </a:rPr>
+                        <a:t>?) 1K-300K</a:t>
                       </a:r>
                       <a:endParaRPr lang="en-US" dirty="0">
                         <a:solidFill>
@@ -6259,7 +6259,11 @@
                     <a:p>
                       <a:r>
                         <a:rPr lang="en-US" dirty="0" smtClean="0"/>
-                        <a:t>http://preotineatlas.org</a:t>
+                        <a:t>http://</a:t>
+                      </a:r>
+                      <a:r>
+                        <a:rPr lang="en-US" dirty="0" smtClean="0"/>
+                        <a:t>proteineatlas.org</a:t>
                       </a:r>
                       <a:endParaRPr lang="en-US" dirty="0"/>
                     </a:p>
@@ -6272,12 +6276,16 @@
                     <a:lstStyle/>
                     <a:p>
                       <a:r>
+                        <a:rPr lang="en-US" dirty="0" smtClean="0"/>
+                        <a:t>Stats </a:t>
+                      </a:r>
+                      <a:r>
                         <a:rPr lang="en-US" dirty="0" err="1" smtClean="0"/>
-                        <a:t>Yijias</a:t>
+                        <a:t>Yijia</a:t>
                       </a:r>
                       <a:r>
                         <a:rPr lang="en-US" dirty="0" smtClean="0"/>
-                        <a:t> statistics: </a:t>
+                        <a:t>: </a:t>
                       </a:r>
                       <a:r>
                         <a:rPr lang="en-US" dirty="0" err="1" smtClean="0"/>
@@ -6465,7 +6473,7 @@
                             <a:srgbClr val="FF0000"/>
                           </a:solidFill>
                         </a:rPr>
-                        <a:t>Could</a:t>
+                        <a:t>(Could</a:t>
                       </a:r>
                       <a:r>
                         <a:rPr lang="en-US" baseline="0" dirty="0" smtClean="0">
@@ -6473,7 +6481,15 @@
                             <a:srgbClr val="FF0000"/>
                           </a:solidFill>
                         </a:rPr>
-                        <a:t> Peter input?)</a:t>
+                        <a:t> </a:t>
+                      </a:r>
+                      <a:r>
+                        <a:rPr lang="en-US" baseline="0" dirty="0" smtClean="0">
+                          <a:solidFill>
+                            <a:srgbClr val="FF0000"/>
+                          </a:solidFill>
+                        </a:rPr>
+                        <a:t>Peter input?)</a:t>
                       </a:r>
                       <a:endParaRPr lang="en-US" dirty="0"/>
                     </a:p>
@@ -6539,11 +6555,7 @@
           <a:p>
             <a:r>
               <a:rPr lang="en-US" sz="2400" b="1" dirty="0" smtClean="0"/>
-              <a:t>Model </a:t>
-            </a:r>
-            <a:r>
-              <a:rPr lang="en-US" sz="2400" b="1" dirty="0" smtClean="0"/>
-              <a:t>Parameters (slide 2)</a:t>
+              <a:t>Model Parameters (slide 2)</a:t>
             </a:r>
             <a:endParaRPr lang="en-US" sz="2400" b="1" dirty="0"/>
           </a:p>
@@ -6719,11 +6731,7 @@
                       </a:r>
                       <a:r>
                         <a:rPr lang="en-US" dirty="0" smtClean="0"/>
-                        <a:t>Serine </a:t>
-                      </a:r>
-                      <a:r>
-                        <a:rPr lang="en-US" dirty="0" smtClean="0"/>
-                        <a:t>kinase</a:t>
+                        <a:t>Serine kinase</a:t>
                       </a:r>
                       <a:endParaRPr lang="en-US" dirty="0"/>
                     </a:p>
@@ -7228,11 +7236,6 @@
                         </a:rPr>
                         <a:t>Could Qin check?</a:t>
                       </a:r>
-                      <a:endParaRPr lang="en-US" baseline="0" dirty="0" smtClean="0">
-                        <a:solidFill>
-                          <a:srgbClr val="FF0000"/>
-                        </a:solidFill>
-                      </a:endParaRPr>
                     </a:p>
                   </a:txBody>
                   <a:tcPr/>

--- a/app/model/result_0211_2017.pptx
+++ b/app/model/result_0211_2017.pptx
@@ -11,9 +11,9 @@
     <p:sldId id="267" r:id="rId5"/>
     <p:sldId id="265" r:id="rId6"/>
     <p:sldId id="266" r:id="rId7"/>
-    <p:sldId id="259" r:id="rId8"/>
-    <p:sldId id="262" r:id="rId9"/>
-    <p:sldId id="268" r:id="rId10"/>
+    <p:sldId id="269" r:id="rId8"/>
+    <p:sldId id="259" r:id="rId9"/>
+    <p:sldId id="262" r:id="rId10"/>
   </p:sldIdLst>
   <p:sldSz cx="12192000" cy="6858000"/>
   <p:notesSz cx="6858000" cy="9144000"/>
@@ -251,7 +251,7 @@
           <a:p>
             <a:fld id="{13FF81DB-72FD-4E0B-96E8-AA8F3653C4D4}" type="datetimeFigureOut">
               <a:rPr lang="en-US" smtClean="0"/>
-              <a:t>2/21/2017</a:t>
+              <a:t>3/1/2017</a:t>
             </a:fld>
             <a:endParaRPr lang="en-US"/>
           </a:p>
@@ -421,7 +421,7 @@
           <a:p>
             <a:fld id="{13FF81DB-72FD-4E0B-96E8-AA8F3653C4D4}" type="datetimeFigureOut">
               <a:rPr lang="en-US" smtClean="0"/>
-              <a:t>2/21/2017</a:t>
+              <a:t>3/1/2017</a:t>
             </a:fld>
             <a:endParaRPr lang="en-US"/>
           </a:p>
@@ -601,7 +601,7 @@
           <a:p>
             <a:fld id="{13FF81DB-72FD-4E0B-96E8-AA8F3653C4D4}" type="datetimeFigureOut">
               <a:rPr lang="en-US" smtClean="0"/>
-              <a:t>2/21/2017</a:t>
+              <a:t>3/1/2017</a:t>
             </a:fld>
             <a:endParaRPr lang="en-US"/>
           </a:p>
@@ -771,7 +771,7 @@
           <a:p>
             <a:fld id="{13FF81DB-72FD-4E0B-96E8-AA8F3653C4D4}" type="datetimeFigureOut">
               <a:rPr lang="en-US" smtClean="0"/>
-              <a:t>2/21/2017</a:t>
+              <a:t>3/1/2017</a:t>
             </a:fld>
             <a:endParaRPr lang="en-US"/>
           </a:p>
@@ -1017,7 +1017,7 @@
           <a:p>
             <a:fld id="{13FF81DB-72FD-4E0B-96E8-AA8F3653C4D4}" type="datetimeFigureOut">
               <a:rPr lang="en-US" smtClean="0"/>
-              <a:t>2/21/2017</a:t>
+              <a:t>3/1/2017</a:t>
             </a:fld>
             <a:endParaRPr lang="en-US"/>
           </a:p>
@@ -1249,7 +1249,7 @@
           <a:p>
             <a:fld id="{13FF81DB-72FD-4E0B-96E8-AA8F3653C4D4}" type="datetimeFigureOut">
               <a:rPr lang="en-US" smtClean="0"/>
-              <a:t>2/21/2017</a:t>
+              <a:t>3/1/2017</a:t>
             </a:fld>
             <a:endParaRPr lang="en-US"/>
           </a:p>
@@ -1616,7 +1616,7 @@
           <a:p>
             <a:fld id="{13FF81DB-72FD-4E0B-96E8-AA8F3653C4D4}" type="datetimeFigureOut">
               <a:rPr lang="en-US" smtClean="0"/>
-              <a:t>2/21/2017</a:t>
+              <a:t>3/1/2017</a:t>
             </a:fld>
             <a:endParaRPr lang="en-US"/>
           </a:p>
@@ -1734,7 +1734,7 @@
           <a:p>
             <a:fld id="{13FF81DB-72FD-4E0B-96E8-AA8F3653C4D4}" type="datetimeFigureOut">
               <a:rPr lang="en-US" smtClean="0"/>
-              <a:t>2/21/2017</a:t>
+              <a:t>3/1/2017</a:t>
             </a:fld>
             <a:endParaRPr lang="en-US"/>
           </a:p>
@@ -1829,7 +1829,7 @@
           <a:p>
             <a:fld id="{13FF81DB-72FD-4E0B-96E8-AA8F3653C4D4}" type="datetimeFigureOut">
               <a:rPr lang="en-US" smtClean="0"/>
-              <a:t>2/21/2017</a:t>
+              <a:t>3/1/2017</a:t>
             </a:fld>
             <a:endParaRPr lang="en-US"/>
           </a:p>
@@ -2106,7 +2106,7 @@
           <a:p>
             <a:fld id="{13FF81DB-72FD-4E0B-96E8-AA8F3653C4D4}" type="datetimeFigureOut">
               <a:rPr lang="en-US" smtClean="0"/>
-              <a:t>2/21/2017</a:t>
+              <a:t>3/1/2017</a:t>
             </a:fld>
             <a:endParaRPr lang="en-US"/>
           </a:p>
@@ -2359,7 +2359,7 @@
           <a:p>
             <a:fld id="{13FF81DB-72FD-4E0B-96E8-AA8F3653C4D4}" type="datetimeFigureOut">
               <a:rPr lang="en-US" smtClean="0"/>
-              <a:t>2/21/2017</a:t>
+              <a:t>3/1/2017</a:t>
             </a:fld>
             <a:endParaRPr lang="en-US"/>
           </a:p>
@@ -2572,7 +2572,7 @@
           <a:p>
             <a:fld id="{13FF81DB-72FD-4E0B-96E8-AA8F3653C4D4}" type="datetimeFigureOut">
               <a:rPr lang="en-US" smtClean="0"/>
-              <a:t>2/21/2017</a:t>
+              <a:t>3/1/2017</a:t>
             </a:fld>
             <a:endParaRPr lang="en-US"/>
           </a:p>
@@ -2977,54 +2977,6 @@
           <a:chExt cx="0" cy="0"/>
         </a:xfrm>
       </p:grpSpPr>
-      <p:pic>
-        <p:nvPicPr>
-          <p:cNvPr id="8" name="Picture 7"/>
-          <p:cNvPicPr>
-            <a:picLocks noChangeAspect="1"/>
-          </p:cNvPicPr>
-          <p:nvPr/>
-        </p:nvPicPr>
-        <p:blipFill>
-          <a:blip r:embed="rId2"/>
-          <a:stretch>
-            <a:fillRect/>
-          </a:stretch>
-        </p:blipFill>
-        <p:spPr>
-          <a:xfrm>
-            <a:off x="637717" y="3215462"/>
-            <a:ext cx="5151432" cy="3465000"/>
-          </a:xfrm>
-          <a:prstGeom prst="rect">
-            <a:avLst/>
-          </a:prstGeom>
-        </p:spPr>
-      </p:pic>
-      <p:pic>
-        <p:nvPicPr>
-          <p:cNvPr id="9" name="Picture 8"/>
-          <p:cNvPicPr>
-            <a:picLocks noChangeAspect="1"/>
-          </p:cNvPicPr>
-          <p:nvPr/>
-        </p:nvPicPr>
-        <p:blipFill>
-          <a:blip r:embed="rId3"/>
-          <a:stretch>
-            <a:fillRect/>
-          </a:stretch>
-        </p:blipFill>
-        <p:spPr>
-          <a:xfrm>
-            <a:off x="5580895" y="3215462"/>
-            <a:ext cx="5159701" cy="3465000"/>
-          </a:xfrm>
-          <a:prstGeom prst="rect">
-            <a:avLst/>
-          </a:prstGeom>
-        </p:spPr>
-      </p:pic>
       <p:grpSp>
         <p:nvGrpSpPr>
           <p:cNvPr id="36" name="Group 35"/>
@@ -3969,12 +3921,64 @@
             </a:r>
             <a:r>
               <a:rPr lang="en-US" b="1" dirty="0" smtClean="0"/>
-              <a:t>('model1');</a:t>
+              <a:t>(</a:t>
+            </a:r>
+            <a:r>
+              <a:rPr lang="en-US" b="1" dirty="0" smtClean="0"/>
+              <a:t>'model4');</a:t>
             </a:r>
             <a:endParaRPr lang="en-US" b="1" dirty="0"/>
           </a:p>
         </p:txBody>
       </p:sp>
+      <p:pic>
+        <p:nvPicPr>
+          <p:cNvPr id="5" name="Picture 4"/>
+          <p:cNvPicPr>
+            <a:picLocks noChangeAspect="1"/>
+          </p:cNvPicPr>
+          <p:nvPr/>
+        </p:nvPicPr>
+        <p:blipFill>
+          <a:blip r:embed="rId2"/>
+          <a:stretch>
+            <a:fillRect/>
+          </a:stretch>
+        </p:blipFill>
+        <p:spPr>
+          <a:xfrm>
+            <a:off x="219741" y="3230721"/>
+            <a:ext cx="5146294" cy="3292606"/>
+          </a:xfrm>
+          <a:prstGeom prst="rect">
+            <a:avLst/>
+          </a:prstGeom>
+        </p:spPr>
+      </p:pic>
+      <p:pic>
+        <p:nvPicPr>
+          <p:cNvPr id="6" name="Picture 5"/>
+          <p:cNvPicPr>
+            <a:picLocks noChangeAspect="1"/>
+          </p:cNvPicPr>
+          <p:nvPr/>
+        </p:nvPicPr>
+        <p:blipFill>
+          <a:blip r:embed="rId3"/>
+          <a:stretch>
+            <a:fillRect/>
+          </a:stretch>
+        </p:blipFill>
+        <p:spPr>
+          <a:xfrm>
+            <a:off x="5319641" y="3230721"/>
+            <a:ext cx="5387360" cy="3471303"/>
+          </a:xfrm>
+          <a:prstGeom prst="rect">
+            <a:avLst/>
+          </a:prstGeom>
+        </p:spPr>
+      </p:pic>
     </p:spTree>
     <p:extLst>
       <p:ext uri="{BB962C8B-B14F-4D97-AF65-F5344CB8AC3E}">
@@ -4064,29 +4068,6 @@
           </a:p>
         </p:txBody>
       </p:sp>
-      <p:pic>
-        <p:nvPicPr>
-          <p:cNvPr id="3" name="Picture 2"/>
-          <p:cNvPicPr>
-            <a:picLocks noChangeAspect="1"/>
-          </p:cNvPicPr>
-          <p:nvPr/>
-        </p:nvPicPr>
-        <p:blipFill rotWithShape="1">
-          <a:blip r:embed="rId2"/>
-          <a:srcRect l="10248" t="5482" r="7109" b="9418"/>
-          <a:stretch/>
-        </p:blipFill>
-        <p:spPr>
-          <a:xfrm>
-            <a:off x="8567739" y="1252538"/>
-            <a:ext cx="2571750" cy="2028825"/>
-          </a:xfrm>
-          <a:prstGeom prst="rect">
-            <a:avLst/>
-          </a:prstGeom>
-        </p:spPr>
-      </p:pic>
       <p:sp>
         <p:nvSpPr>
           <p:cNvPr id="4" name="TextBox 3"/>
@@ -4095,7 +4076,7 @@
         </p:nvSpPr>
         <p:spPr>
           <a:xfrm>
-            <a:off x="8472054" y="752518"/>
+            <a:off x="8547412" y="987688"/>
             <a:ext cx="2507673" cy="369332"/>
           </a:xfrm>
           <a:prstGeom prst="rect">
@@ -4111,10 +4092,18 @@
           <a:p>
             <a:pPr algn="ctr"/>
             <a:r>
-              <a:rPr lang="en-US" dirty="0" smtClean="0"/>
-              <a:t>Signal Matrix</a:t>
-            </a:r>
-            <a:endParaRPr lang="en-US" dirty="0"/>
+              <a:rPr lang="en-US" b="1" dirty="0" smtClean="0"/>
+              <a:t>Signal Matrix (</a:t>
+            </a:r>
+            <a:r>
+              <a:rPr lang="en-US" b="1" dirty="0" err="1" smtClean="0"/>
+              <a:t>mol</a:t>
+            </a:r>
+            <a:r>
+              <a:rPr lang="en-US" b="1" dirty="0" smtClean="0"/>
+              <a:t>/min)</a:t>
+            </a:r>
+            <a:endParaRPr lang="en-US" b="1" dirty="0"/>
           </a:p>
         </p:txBody>
       </p:sp>
@@ -4159,12 +4148,36 @@
               <a:t>y(:,i+1) = </a:t>
             </a:r>
             <a:r>
+              <a:rPr lang="en-US" b="1" dirty="0" smtClean="0"/>
+              <a:t>y(:,</a:t>
+            </a:r>
+            <a:r>
+              <a:rPr lang="en-US" b="1" dirty="0" err="1" smtClean="0"/>
+              <a:t>i</a:t>
+            </a:r>
+            <a:r>
+              <a:rPr lang="en-US" b="1" dirty="0" smtClean="0"/>
+              <a:t>)+</a:t>
+            </a:r>
+            <a:r>
+              <a:rPr lang="en-US" b="1" dirty="0" err="1" smtClean="0"/>
+              <a:t>dt</a:t>
+            </a:r>
+            <a:r>
+              <a:rPr lang="en-US" b="1" dirty="0" smtClean="0"/>
+              <a:t>*</a:t>
+            </a:r>
+            <a:r>
               <a:rPr lang="en-US" b="1" dirty="0" err="1" smtClean="0"/>
               <a:t>signal_matrix</a:t>
             </a:r>
             <a:r>
               <a:rPr lang="en-US" b="1" dirty="0" smtClean="0"/>
-              <a:t>*y(:,</a:t>
+              <a:t>*y</a:t>
+            </a:r>
+            <a:r>
+              <a:rPr lang="en-US" b="1" dirty="0" smtClean="0"/>
+              <a:t>(:,</a:t>
             </a:r>
             <a:r>
               <a:rPr lang="en-US" b="1" dirty="0" err="1" smtClean="0"/>
@@ -4342,7 +4355,7 @@
         </p:nvSpPr>
         <p:spPr>
           <a:xfrm>
-            <a:off x="7700963" y="1276350"/>
+            <a:off x="7793107" y="1276350"/>
             <a:ext cx="852487" cy="1996700"/>
           </a:xfrm>
           <a:prstGeom prst="rect">
@@ -4623,6 +4636,29 @@
           </a:p>
         </p:txBody>
       </p:sp>
+      <p:pic>
+        <p:nvPicPr>
+          <p:cNvPr id="6" name="Picture 5"/>
+          <p:cNvPicPr>
+            <a:picLocks noChangeAspect="1"/>
+          </p:cNvPicPr>
+          <p:nvPr/>
+        </p:nvPicPr>
+        <p:blipFill rotWithShape="1">
+          <a:blip r:embed="rId2"/>
+          <a:srcRect l="10929" t="6052" r="8125" b="9606"/>
+          <a:stretch/>
+        </p:blipFill>
+        <p:spPr>
+          <a:xfrm>
+            <a:off x="8654341" y="1357020"/>
+            <a:ext cx="2457451" cy="1916030"/>
+          </a:xfrm>
+          <a:prstGeom prst="rect">
+            <a:avLst/>
+          </a:prstGeom>
+        </p:spPr>
+      </p:pic>
     </p:spTree>
     <p:extLst>
       <p:ext uri="{BB962C8B-B14F-4D97-AF65-F5344CB8AC3E}">
@@ -4661,7 +4697,7 @@
         </p:nvSpPr>
         <p:spPr>
           <a:xfrm>
-            <a:off x="1738745" y="160020"/>
+            <a:off x="1249647" y="174196"/>
             <a:ext cx="8799715" cy="461665"/>
           </a:xfrm>
           <a:prstGeom prst="rect">
@@ -4692,7 +4728,7 @@
         <p:spPr>
           <a:xfrm>
             <a:off x="1146629" y="904740"/>
-            <a:ext cx="10710293" cy="5078313"/>
+            <a:ext cx="10710293" cy="5355312"/>
           </a:xfrm>
           <a:prstGeom prst="rect">
             <a:avLst/>
@@ -4707,7 +4743,7 @@
           <a:p>
             <a:r>
               <a:rPr lang="en-US" b="1" dirty="0"/>
-              <a:t> case 'model4' % Decrease MT/KDMT to 6K</a:t>
+              <a:t> case 'model4' % Follow the references, 3/2/2017</a:t>
             </a:r>
             <a:endParaRPr lang="en-US" dirty="0"/>
           </a:p>
@@ -4732,23 +4768,19 @@
               <a:t>        </a:t>
             </a:r>
             <a:r>
-              <a:rPr lang="en-US" b="1" dirty="0" err="1" smtClean="0"/>
+              <a:rPr lang="en-US" b="1" dirty="0" err="1"/>
               <a:t>data.base_methyl</a:t>
             </a:r>
             <a:r>
-              <a:rPr lang="en-US" b="1" dirty="0" smtClean="0"/>
-              <a:t> </a:t>
-            </a:r>
-            <a:r>
               <a:rPr lang="en-US" b="1" dirty="0"/>
-              <a:t>= </a:t>
-            </a:r>
-            <a:r>
-              <a:rPr lang="en-US" b="1" dirty="0" err="1" smtClean="0"/>
+              <a:t> = </a:t>
+            </a:r>
+            <a:r>
+              <a:rPr lang="en-US" b="1" dirty="0" err="1"/>
               <a:t>data.num_histone</a:t>
             </a:r>
             <a:r>
-              <a:rPr lang="en-US" b="1" dirty="0" smtClean="0"/>
+              <a:rPr lang="en-US" b="1" dirty="0"/>
               <a:t>*0.57; </a:t>
             </a:r>
             <a:endParaRPr lang="en-US" dirty="0"/>
@@ -4760,11 +4792,11 @@
             </a:r>
             <a:r>
               <a:rPr lang="en-US" b="1" dirty="0" err="1"/>
-              <a:t>data.max_methyl</a:t>
+              <a:t>data.max_methyl_enzyme</a:t>
             </a:r>
             <a:r>
               <a:rPr lang="en-US" b="1" dirty="0"/>
-              <a:t> = 300; % max number of </a:t>
+              <a:t> = 1200; % max number of </a:t>
             </a:r>
             <a:r>
               <a:rPr lang="en-US" b="1" dirty="0" err="1"/>
@@ -4787,91 +4819,79 @@
             </a:r>
             <a:r>
               <a:rPr lang="en-US" b="1" dirty="0"/>
-              <a:t> = 150; % more methyltransferase binds with h3k9 during mitosis</a:t>
+              <a:t> = 600; % more methyltransferase binds with h3k9 during mitosis</a:t>
             </a:r>
             <a:endParaRPr lang="en-US" dirty="0"/>
           </a:p>
           <a:p>
             <a:r>
-              <a:rPr lang="en-US" b="1" dirty="0" smtClean="0"/>
+              <a:rPr lang="en-US" b="1" dirty="0"/>
+              <a:t>        % </a:t>
+            </a:r>
+            <a:r>
+              <a:rPr lang="en-US" b="1" dirty="0" err="1"/>
+              <a:t>Kinase:KDM</a:t>
+            </a:r>
+            <a:r>
+              <a:rPr lang="en-US" b="1" dirty="0"/>
+              <a:t> ratio = 5.9:1 </a:t>
+            </a:r>
+            <a:endParaRPr lang="en-US" dirty="0"/>
+          </a:p>
+          <a:p>
+            <a:r>
+              <a:rPr lang="en-US" b="1" dirty="0"/>
               <a:t>        </a:t>
             </a:r>
             <a:r>
-              <a:rPr lang="en-US" b="1" dirty="0" err="1" smtClean="0"/>
-              <a:t>data.max_mol</a:t>
-            </a:r>
-            <a:r>
-              <a:rPr lang="en-US" b="1" dirty="0" smtClean="0"/>
-              <a:t> </a:t>
+              <a:rPr lang="en-US" b="1" dirty="0" err="1"/>
+              <a:t>data.max_phosphor_enzyme</a:t>
             </a:r>
             <a:r>
               <a:rPr lang="en-US" b="1" dirty="0"/>
-              <a:t>= </a:t>
+              <a:t> = </a:t>
             </a:r>
             <a:r>
               <a:rPr lang="en-US" b="1" dirty="0" err="1"/>
-              <a:t>data.max_methyl</a:t>
+              <a:t>data.max_methyl_enzyme</a:t>
             </a:r>
             <a:r>
               <a:rPr lang="en-US" b="1" dirty="0"/>
-              <a:t>*7.5; % 2.25M aurora b kinase, max number of kinase and </a:t>
-            </a:r>
-            <a:r>
-              <a:rPr lang="en-US" b="1" dirty="0" smtClean="0"/>
-              <a:t>phosphatase</a:t>
-            </a:r>
+              <a:t>*5.9; % 7.1M aurora b kinase, max number of kinase and </a:t>
+            </a:r>
+            <a:r>
+              <a:rPr lang="en-US" b="1" dirty="0" err="1"/>
+              <a:t>phosphotase</a:t>
+            </a:r>
+            <a:endParaRPr lang="en-US" dirty="0"/>
           </a:p>
           <a:p>
             <a:r>
               <a:rPr lang="en-US" b="1" dirty="0"/>
-              <a:t> </a:t>
-            </a:r>
-            <a:r>
-              <a:rPr lang="en-US" b="1" dirty="0" smtClean="0"/>
-              <a:t>       </a:t>
-            </a:r>
-            <a:r>
-              <a:rPr lang="en-US" b="1" dirty="0" err="1" smtClean="0"/>
+              <a:t>        </a:t>
+            </a:r>
+            <a:r>
+              <a:rPr lang="en-US" b="1" dirty="0" err="1"/>
               <a:t>data.more_phospho</a:t>
             </a:r>
             <a:r>
-              <a:rPr lang="en-US" b="1" dirty="0" smtClean="0"/>
-              <a:t> </a:t>
-            </a:r>
-            <a:r>
               <a:rPr lang="en-US" b="1" dirty="0"/>
-              <a:t>= 300; % </a:t>
-            </a:r>
-            <a:r>
-              <a:rPr lang="en-US" b="1" dirty="0" smtClean="0"/>
-              <a:t>300K </a:t>
-            </a:r>
+              <a:t> = 1000; % 1000K more kinase binds to h3s10 during mitosis</a:t>
+            </a:r>
+            <a:endParaRPr lang="en-US" dirty="0"/>
+          </a:p>
+          <a:p>
             <a:r>
               <a:rPr lang="en-US" b="1" dirty="0"/>
-              <a:t>more kinase binds to h3s10 during mitosis</a:t>
-            </a:r>
-            <a:endParaRPr lang="en-US" dirty="0"/>
-          </a:p>
-          <a:p>
+              <a:t>        </a:t>
+            </a:r>
+            <a:r>
+              <a:rPr lang="en-US" b="1" dirty="0" err="1"/>
+              <a:t>data.max_time_phospho</a:t>
+            </a:r>
             <a:r>
               <a:rPr lang="en-US" b="1" dirty="0"/>
-              <a:t> </a:t>
-            </a:r>
-            <a:r>
-              <a:rPr lang="en-US" b="1" dirty="0" smtClean="0"/>
-              <a:t>       </a:t>
-            </a:r>
-            <a:r>
-              <a:rPr lang="en-US" b="1" dirty="0" err="1" smtClean="0"/>
-              <a:t>data.max_time_phospho</a:t>
-            </a:r>
-            <a:r>
-              <a:rPr lang="en-US" b="1" dirty="0" smtClean="0"/>
-              <a:t> </a:t>
-            </a:r>
-            <a:r>
-              <a:rPr lang="en-US" b="1" dirty="0"/>
-              <a:t>= 30 * </a:t>
+              <a:t> = 30 * </a:t>
             </a:r>
             <a:r>
               <a:rPr lang="en-US" b="1" dirty="0" err="1"/>
@@ -4887,48 +4907,22 @@
             </a:r>
             <a:r>
               <a:rPr lang="en-US" b="1" dirty="0"/>
-              <a:t> for 30 min        </a:t>
-            </a:r>
-            <a:endParaRPr lang="en-US" b="1" dirty="0" smtClean="0"/>
+              <a:t> for 30 min</a:t>
+            </a:r>
+            <a:endParaRPr lang="en-US" dirty="0"/>
           </a:p>
           <a:p>
             <a:r>
               <a:rPr lang="en-US" b="1" dirty="0"/>
-              <a:t> </a:t>
-            </a:r>
-            <a:r>
-              <a:rPr lang="en-US" b="1" dirty="0" smtClean="0"/>
-              <a:t>       % </a:t>
+              <a:t>        </a:t>
             </a:r>
             <a:r>
               <a:rPr lang="en-US" b="1" dirty="0" err="1"/>
-              <a:t>Kinase:KDM</a:t>
+              <a:t>data.dt</a:t>
             </a:r>
             <a:r>
               <a:rPr lang="en-US" b="1" dirty="0"/>
-              <a:t> ratio = </a:t>
-            </a:r>
-            <a:r>
-              <a:rPr lang="en-US" b="1" dirty="0" smtClean="0"/>
-              <a:t>7.5:1</a:t>
-            </a:r>
-          </a:p>
-          <a:p>
-            <a:r>
-              <a:rPr lang="en-US" b="1" dirty="0" smtClean="0"/>
-              <a:t>        </a:t>
-            </a:r>
-            <a:r>
-              <a:rPr lang="en-US" b="1" dirty="0" err="1" smtClean="0"/>
-              <a:t>data.dt</a:t>
-            </a:r>
-            <a:r>
-              <a:rPr lang="en-US" b="1" dirty="0" smtClean="0"/>
-              <a:t>(1</a:t>
-            </a:r>
-            <a:r>
-              <a:rPr lang="en-US" b="1" dirty="0"/>
-              <a:t>) = 40; % min, time to exit mitosis; enter mitosis at 0 min</a:t>
+              <a:t>(1) = 40; % min, time to exit mitosis; enter mitosis at 0 min</a:t>
             </a:r>
             <a:endParaRPr lang="en-US" dirty="0"/>
           </a:p>
@@ -4973,7 +4967,7 @@
             </a:r>
             <a:r>
               <a:rPr lang="en-US" b="1" dirty="0"/>
-              <a:t>(1) = 0.01; % phosphorylation repels methyltransferase</a:t>
+              <a:t>(1) = 0.03; % phosphorylation repels methyltransferase</a:t>
             </a:r>
             <a:endParaRPr lang="en-US" dirty="0"/>
           </a:p>
@@ -4988,7 +4982,7 @@
             </a:r>
             <a:r>
               <a:rPr lang="en-US" b="1" dirty="0"/>
-              <a:t>(2) = 0.01;  % phosphorylation recruit demethylase</a:t>
+              <a:t>(2) = 0.03;  % phosphorylation recruit demethylase</a:t>
             </a:r>
             <a:endParaRPr lang="en-US" dirty="0"/>
           </a:p>
@@ -5005,16 +4999,12 @@
               <a:rPr lang="en-US" b="1" dirty="0"/>
               <a:t> = 1; % the strength of kinase; </a:t>
             </a:r>
-            <a:r>
-              <a:rPr lang="en-US" b="1" dirty="0" smtClean="0"/>
-              <a:t>b = 1- the strength of inhibitor</a:t>
-            </a:r>
             <a:endParaRPr lang="en-US" dirty="0"/>
           </a:p>
           <a:p>
             <a:r>
               <a:rPr lang="en-US" b="1" dirty="0"/>
-              <a:t> </a:t>
+              <a:t>        %</a:t>
             </a:r>
             <a:endParaRPr lang="en-US" dirty="0"/>
           </a:p>
@@ -5029,7 +5019,7 @@
             </a:r>
             <a:r>
               <a:rPr lang="en-US" b="1" dirty="0"/>
-              <a:t> = 1/20; % min, 3s </a:t>
+              <a:t> = 1/60; % min</a:t>
             </a:r>
             <a:endParaRPr lang="en-US" dirty="0"/>
           </a:p>
@@ -5758,14 +5748,14 @@
           <p:nvPr>
             <p:extLst>
               <p:ext uri="{D42A27DB-BD31-4B8C-83A1-F6EECF244321}">
-                <p14:modId xmlns:p14="http://schemas.microsoft.com/office/powerpoint/2010/main" val="2178273632"/>
+                <p14:modId xmlns:p14="http://schemas.microsoft.com/office/powerpoint/2010/main" val="2524578294"/>
               </p:ext>
             </p:extLst>
           </p:nvPr>
         </p:nvGraphicFramePr>
         <p:xfrm>
           <a:off x="555464" y="714360"/>
-          <a:ext cx="11156124" cy="5567348"/>
+          <a:ext cx="11156124" cy="6938948"/>
         </p:xfrm>
         <a:graphic>
           <a:graphicData uri="http://schemas.openxmlformats.org/drawingml/2006/table">
@@ -5885,7 +5875,11 @@
                       </a:r>
                       <a:r>
                         <a:rPr lang="en-US" baseline="0" dirty="0" smtClean="0"/>
-                        <a:t> al. 2002</a:t>
+                        <a:t> al. </a:t>
+                      </a:r>
+                      <a:r>
+                        <a:rPr lang="en-US" baseline="0" dirty="0" smtClean="0"/>
+                        <a:t>2002 Molecular Biology …</a:t>
                       </a:r>
                       <a:endParaRPr lang="en-US" dirty="0"/>
                     </a:p>
@@ -5897,6 +5891,14 @@
                     <a:bodyPr/>
                     <a:lstStyle/>
                     <a:p>
+                      <a:r>
+                        <a:rPr lang="en-US" dirty="0" smtClean="0"/>
+                        <a:t>About 60 M molecule of</a:t>
+                      </a:r>
+                      <a:r>
+                        <a:rPr lang="en-US" baseline="0" dirty="0" smtClean="0"/>
+                        <a:t> each type per human cell. </a:t>
+                      </a:r>
                       <a:endParaRPr lang="en-US" dirty="0"/>
                     </a:p>
                   </a:txBody>
@@ -6031,7 +6033,7 @@
                       </a:r>
                       <a:r>
                         <a:rPr lang="en-US" baseline="0" dirty="0" err="1" smtClean="0"/>
-                        <a:t>max_methyl</a:t>
+                        <a:t>max_methyl_enzyme</a:t>
                       </a:r>
                       <a:r>
                         <a:rPr lang="en-US" baseline="0" dirty="0" smtClean="0"/>
@@ -6048,10 +6050,19 @@
                     <a:lstStyle/>
                     <a:p>
                       <a:r>
-                        <a:rPr lang="en-US" dirty="0" smtClean="0"/>
-                        <a:t>300K</a:t>
-                      </a:r>
-                      <a:endParaRPr lang="en-US" dirty="0"/>
+                        <a:rPr lang="en-US" dirty="0" smtClean="0">
+                          <a:solidFill>
+                            <a:srgbClr val="FF0000"/>
+                          </a:solidFill>
+                          <a:sym typeface="Wingdings" panose="05000000000000000000" pitchFamily="2" charset="2"/>
+                        </a:rPr>
+                        <a:t>1,200K</a:t>
+                      </a:r>
+                      <a:endParaRPr lang="en-US" dirty="0">
+                        <a:solidFill>
+                          <a:srgbClr val="FF0000"/>
+                        </a:solidFill>
+                      </a:endParaRPr>
                     </a:p>
                   </a:txBody>
                   <a:tcPr/>
@@ -6083,9 +6094,43 @@
                           <a:ea typeface="+mn-ea"/>
                           <a:cs typeface="+mn-cs"/>
                         </a:rPr>
-                        <a:t> MD 2011 Dev Cell</a:t>
-                      </a:r>
-                      <a:endParaRPr lang="en-US" dirty="0"/>
+                        <a:t> MD 2011 Dev </a:t>
+                      </a:r>
+                      <a:r>
+                        <a:rPr lang="en-US" sz="1800" kern="1200" dirty="0" smtClean="0">
+                          <a:solidFill>
+                            <a:schemeClr val="dk1"/>
+                          </a:solidFill>
+                          <a:effectLst/>
+                          <a:latin typeface="+mn-lt"/>
+                          <a:ea typeface="+mn-ea"/>
+                          <a:cs typeface="+mn-cs"/>
+                        </a:rPr>
+                        <a:t>Cell</a:t>
+                      </a:r>
+                    </a:p>
+                    <a:p>
+                      <a:pPr marL="0" marR="0" lvl="0" indent="0" algn="l" defTabSz="914400" rtl="0" eaLnBrk="1" fontAlgn="auto" latinLnBrk="0" hangingPunct="1">
+                        <a:lnSpc>
+                          <a:spcPct val="100000"/>
+                        </a:lnSpc>
+                        <a:spcBef>
+                          <a:spcPts val="0"/>
+                        </a:spcBef>
+                        <a:spcAft>
+                          <a:spcPts val="0"/>
+                        </a:spcAft>
+                        <a:buClrTx/>
+                        <a:buSzTx/>
+                        <a:buFontTx/>
+                        <a:buNone/>
+                        <a:tabLst/>
+                        <a:defRPr/>
+                      </a:pPr>
+                      <a:r>
+                        <a:rPr lang="en-US" dirty="0" smtClean="0"/>
+                        <a:t>http://proteineatlas.org</a:t>
+                      </a:r>
                     </a:p>
                   </a:txBody>
                   <a:tcPr/>
@@ -6101,7 +6146,7 @@
                             <a:srgbClr val="FF0000"/>
                           </a:solidFill>
                         </a:rPr>
-                        <a:t>??? (Could</a:t>
+                        <a:t>Estimated</a:t>
                       </a:r>
                       <a:r>
                         <a:rPr lang="en-US" baseline="0" dirty="0" smtClean="0">
@@ -6109,7 +6154,15 @@
                             <a:srgbClr val="FF0000"/>
                           </a:solidFill>
                         </a:rPr>
-                        <a:t> Peter input</a:t>
+                        <a:t> based on </a:t>
+                      </a:r>
+                      <a:r>
+                        <a:rPr lang="en-US" baseline="0" dirty="0" err="1" smtClean="0">
+                          <a:solidFill>
+                            <a:srgbClr val="FF0000"/>
+                          </a:solidFill>
+                        </a:rPr>
+                        <a:t>RNAseq</a:t>
                       </a:r>
                       <a:r>
                         <a:rPr lang="en-US" baseline="0" dirty="0" smtClean="0">
@@ -6117,7 +6170,31 @@
                             <a:srgbClr val="FF0000"/>
                           </a:solidFill>
                         </a:rPr>
-                        <a:t>?) 1K-300K</a:t>
+                        <a:t> copy number from HeLa cells. </a:t>
+                      </a:r>
+                      <a:r>
+                        <a:rPr lang="en-US" dirty="0" smtClean="0">
+                          <a:solidFill>
+                            <a:srgbClr val="FF0000"/>
+                          </a:solidFill>
+                        </a:rPr>
+                        <a:t>KDM4C (TPM) relative to H3F3A and</a:t>
+                      </a:r>
+                      <a:r>
+                        <a:rPr lang="en-US" baseline="0" dirty="0" smtClean="0">
+                          <a:solidFill>
+                            <a:srgbClr val="FF0000"/>
+                          </a:solidFill>
+                        </a:rPr>
+                        <a:t> </a:t>
+                      </a:r>
+                      <a:r>
+                        <a:rPr lang="en-US" dirty="0" smtClean="0">
+                          <a:solidFill>
+                            <a:srgbClr val="FF0000"/>
+                          </a:solidFill>
+                        </a:rPr>
+                        <a:t>H3F3B, KDM4D was negligible.</a:t>
                       </a:r>
                       <a:endParaRPr lang="en-US" dirty="0">
                         <a:solidFill>
@@ -6162,26 +6239,13 @@
                     <a:lstStyle/>
                     <a:p>
                       <a:r>
-                        <a:rPr lang="en-US" dirty="0" smtClean="0"/>
-                        <a:t>150K </a:t>
-                      </a:r>
-                      <a:endParaRPr lang="en-US" dirty="0"/>
-                    </a:p>
-                  </a:txBody>
-                  <a:tcPr/>
-                </a:tc>
-                <a:tc>
-                  <a:txBody>
-                    <a:bodyPr/>
-                    <a:lstStyle/>
-                    <a:p>
-                      <a:r>
                         <a:rPr lang="en-US" dirty="0" smtClean="0">
                           <a:solidFill>
                             <a:srgbClr val="FF0000"/>
                           </a:solidFill>
+                          <a:sym typeface="Wingdings" panose="05000000000000000000" pitchFamily="2" charset="2"/>
                         </a:rPr>
-                        <a:t>???</a:t>
+                        <a:t>600K</a:t>
                       </a:r>
                       <a:endParaRPr lang="en-US" dirty="0">
                         <a:solidFill>
@@ -6198,12 +6262,78 @@
                     <a:lstStyle/>
                     <a:p>
                       <a:r>
+                        <a:rPr lang="en-US" dirty="0" err="1" smtClean="0">
+                          <a:solidFill>
+                            <a:schemeClr val="tx1"/>
+                          </a:solidFill>
+                        </a:rPr>
+                        <a:t>Aagaard</a:t>
+                      </a:r>
+                      <a:r>
+                        <a:rPr lang="en-US" baseline="0" dirty="0" smtClean="0">
+                          <a:solidFill>
+                            <a:schemeClr val="tx1"/>
+                          </a:solidFill>
+                        </a:rPr>
+                        <a:t> L </a:t>
+                      </a:r>
+                      <a:r>
+                        <a:rPr lang="en-US" baseline="0" dirty="0" err="1" smtClean="0">
+                          <a:solidFill>
+                            <a:schemeClr val="tx1"/>
+                          </a:solidFill>
+                        </a:rPr>
+                        <a:t>wt</a:t>
+                      </a:r>
+                      <a:r>
+                        <a:rPr lang="en-US" baseline="0" dirty="0" smtClean="0">
+                          <a:solidFill>
+                            <a:schemeClr val="tx1"/>
+                          </a:solidFill>
+                        </a:rPr>
+                        <a:t> al. 2000 JCS</a:t>
+                      </a:r>
+                      <a:endParaRPr lang="en-US" dirty="0">
+                        <a:solidFill>
+                          <a:schemeClr val="tx1"/>
+                        </a:solidFill>
+                      </a:endParaRPr>
+                    </a:p>
+                  </a:txBody>
+                  <a:tcPr/>
+                </a:tc>
+                <a:tc>
+                  <a:txBody>
+                    <a:bodyPr/>
+                    <a:lstStyle/>
+                    <a:p>
+                      <a:r>
                         <a:rPr lang="en-US" dirty="0" smtClean="0"/>
                         <a:t> 50% of </a:t>
                       </a:r>
                       <a:r>
                         <a:rPr lang="en-US" dirty="0" err="1" smtClean="0"/>
                         <a:t>max_methyl</a:t>
+                      </a:r>
+                      <a:r>
+                        <a:rPr lang="en-US" dirty="0" smtClean="0"/>
+                        <a:t>, SUV39H1 increases </a:t>
+                      </a:r>
+                      <a:r>
+                        <a:rPr lang="en-US" dirty="0" err="1" smtClean="0"/>
+                        <a:t>collocalization</a:t>
+                      </a:r>
+                      <a:r>
+                        <a:rPr lang="en-US" baseline="0" dirty="0" smtClean="0"/>
+                        <a:t> with chromosome and </a:t>
+                      </a:r>
+                      <a:r>
+                        <a:rPr lang="en-US" baseline="0" dirty="0" err="1" smtClean="0"/>
+                        <a:t>centromers</a:t>
+                      </a:r>
+                      <a:r>
+                        <a:rPr lang="en-US" baseline="0" dirty="0" smtClean="0"/>
+                        <a:t> at the prometaphase</a:t>
                       </a:r>
                       <a:endParaRPr lang="en-US" dirty="0"/>
                     </a:p>
@@ -6227,7 +6357,7 @@
                       </a:r>
                       <a:r>
                         <a:rPr lang="en-US" baseline="0" dirty="0" err="1" smtClean="0"/>
-                        <a:t>max_mol</a:t>
+                        <a:t>max_phosphor_enzyme</a:t>
                       </a:r>
                       <a:r>
                         <a:rPr lang="en-US" baseline="0" dirty="0" smtClean="0"/>
@@ -6244,124 +6374,13 @@
                     <a:lstStyle/>
                     <a:p>
                       <a:r>
-                        <a:rPr lang="en-US" dirty="0" smtClean="0"/>
-                        <a:t>2,250K</a:t>
-                      </a:r>
-                      <a:endParaRPr lang="en-US" dirty="0"/>
-                    </a:p>
-                  </a:txBody>
-                  <a:tcPr/>
-                </a:tc>
-                <a:tc>
-                  <a:txBody>
-                    <a:bodyPr/>
-                    <a:lstStyle/>
-                    <a:p>
-                      <a:r>
-                        <a:rPr lang="en-US" dirty="0" smtClean="0"/>
-                        <a:t>http://</a:t>
-                      </a:r>
-                      <a:r>
-                        <a:rPr lang="en-US" dirty="0" smtClean="0"/>
-                        <a:t>proteineatlas.org</a:t>
-                      </a:r>
-                      <a:endParaRPr lang="en-US" dirty="0"/>
-                    </a:p>
-                  </a:txBody>
-                  <a:tcPr/>
-                </a:tc>
-                <a:tc>
-                  <a:txBody>
-                    <a:bodyPr/>
-                    <a:lstStyle/>
-                    <a:p>
-                      <a:r>
-                        <a:rPr lang="en-US" dirty="0" smtClean="0"/>
-                        <a:t>Stats </a:t>
-                      </a:r>
-                      <a:r>
-                        <a:rPr lang="en-US" dirty="0" err="1" smtClean="0"/>
-                        <a:t>Yijia</a:t>
-                      </a:r>
-                      <a:r>
-                        <a:rPr lang="en-US" dirty="0" smtClean="0"/>
-                        <a:t>: </a:t>
-                      </a:r>
-                      <a:r>
-                        <a:rPr lang="en-US" dirty="0" err="1" smtClean="0"/>
-                        <a:t>Aurkb</a:t>
-                      </a:r>
-                      <a:r>
-                        <a:rPr lang="en-US" dirty="0" smtClean="0"/>
-                        <a:t> (~60) and KDM4C (~8), so </a:t>
-                      </a:r>
-                      <a:r>
-                        <a:rPr lang="en-US" dirty="0" err="1" smtClean="0"/>
-                        <a:t>kinase:KDM</a:t>
-                      </a:r>
-                      <a:r>
-                        <a:rPr lang="en-US" dirty="0" smtClean="0"/>
-                        <a:t> = 7.5:1</a:t>
-                      </a:r>
-                      <a:endParaRPr lang="en-US" dirty="0"/>
-                    </a:p>
-                  </a:txBody>
-                  <a:tcPr/>
-                </a:tc>
-              </a:tr>
-              <a:tr h="538148">
-                <a:tc>
-                  <a:txBody>
-                    <a:bodyPr/>
-                    <a:lstStyle/>
-                    <a:p>
-                      <a:r>
-                        <a:rPr lang="en-US" dirty="0" smtClean="0"/>
-                        <a:t>Increase</a:t>
-                      </a:r>
-                      <a:r>
-                        <a:rPr lang="en-US" baseline="0" dirty="0" smtClean="0"/>
-                        <a:t> of kinases at the entrance of mitosis (</a:t>
-                      </a:r>
-                      <a:r>
-                        <a:rPr lang="en-US" baseline="0" dirty="0" err="1" smtClean="0"/>
-                        <a:t>more_phosphor</a:t>
-                      </a:r>
-                      <a:r>
-                        <a:rPr lang="en-US" baseline="0" dirty="0" smtClean="0"/>
-                        <a:t>) </a:t>
-                      </a:r>
-                      <a:endParaRPr lang="en-US" dirty="0"/>
-                    </a:p>
-                  </a:txBody>
-                  <a:tcPr/>
-                </a:tc>
-                <a:tc>
-                  <a:txBody>
-                    <a:bodyPr/>
-                    <a:lstStyle/>
-                    <a:p>
-                      <a:r>
-                        <a:rPr lang="en-US" dirty="0" smtClean="0"/>
-                        <a:t>300K</a:t>
-                      </a:r>
-                      <a:endParaRPr lang="en-US" dirty="0"/>
-                    </a:p>
-                  </a:txBody>
-                  <a:tcPr/>
-                </a:tc>
-                <a:tc>
-                  <a:txBody>
-                    <a:bodyPr/>
-                    <a:lstStyle/>
-                    <a:p>
-                      <a:r>
                         <a:rPr lang="en-US" dirty="0" smtClean="0">
                           <a:solidFill>
                             <a:srgbClr val="FF0000"/>
                           </a:solidFill>
+                          <a:sym typeface="Wingdings" panose="05000000000000000000" pitchFamily="2" charset="2"/>
                         </a:rPr>
-                        <a:t>???</a:t>
+                        <a:t>7100K</a:t>
                       </a:r>
                       <a:endParaRPr lang="en-US" dirty="0">
                         <a:solidFill>
@@ -6379,11 +6398,33 @@
                     <a:p>
                       <a:r>
                         <a:rPr lang="en-US" dirty="0" smtClean="0"/>
-                        <a:t>13% of </a:t>
-                      </a:r>
+                        <a:t>http://proteineatlas.org</a:t>
+                      </a:r>
+                      <a:endParaRPr lang="en-US" dirty="0"/>
+                    </a:p>
+                  </a:txBody>
+                  <a:tcPr/>
+                </a:tc>
+                <a:tc>
+                  <a:txBody>
+                    <a:bodyPr/>
+                    <a:lstStyle/>
+                    <a:p>
                       <a:r>
                         <a:rPr lang="en-US" dirty="0" err="1" smtClean="0"/>
-                        <a:t>max_mol</a:t>
+                        <a:t>kinase:KDM</a:t>
+                      </a:r>
+                      <a:r>
+                        <a:rPr lang="en-US" dirty="0" smtClean="0"/>
+                        <a:t> </a:t>
+                      </a:r>
+                      <a:r>
+                        <a:rPr lang="en-US" dirty="0" smtClean="0"/>
+                        <a:t>= </a:t>
+                      </a:r>
+                      <a:r>
+                        <a:rPr lang="en-US" dirty="0" smtClean="0"/>
+                        <a:t>5.9:1</a:t>
                       </a:r>
                       <a:endParaRPr lang="en-US" dirty="0"/>
                     </a:p>
@@ -6399,11 +6440,19 @@
                     <a:p>
                       <a:r>
                         <a:rPr lang="en-US" dirty="0" smtClean="0"/>
-                        <a:t>Threshold to exist</a:t>
+                        <a:t>Increase</a:t>
                       </a:r>
                       <a:r>
                         <a:rPr lang="en-US" baseline="0" dirty="0" smtClean="0"/>
-                        <a:t> mitosis</a:t>
+                        <a:t> of kinases at the entrance of mitosis (</a:t>
+                      </a:r>
+                      <a:r>
+                        <a:rPr lang="en-US" baseline="0" dirty="0" err="1" smtClean="0"/>
+                        <a:t>more_phosphor</a:t>
+                      </a:r>
+                      <a:r>
+                        <a:rPr lang="en-US" baseline="0" dirty="0" smtClean="0"/>
+                        <a:t>) </a:t>
                       </a:r>
                       <a:endParaRPr lang="en-US" dirty="0"/>
                     </a:p>
@@ -6416,20 +6465,113 @@
                     <a:lstStyle/>
                     <a:p>
                       <a:r>
+                        <a:rPr lang="en-US" dirty="0" smtClean="0">
+                          <a:solidFill>
+                            <a:srgbClr val="FF0000"/>
+                          </a:solidFill>
+                          <a:sym typeface="Wingdings" panose="05000000000000000000" pitchFamily="2" charset="2"/>
+                        </a:rPr>
+                        <a:t>1000K</a:t>
+                      </a:r>
+                      <a:endParaRPr lang="en-US" dirty="0">
+                        <a:solidFill>
+                          <a:srgbClr val="FF0000"/>
+                        </a:solidFill>
+                      </a:endParaRPr>
+                    </a:p>
+                  </a:txBody>
+                  <a:tcPr/>
+                </a:tc>
+                <a:tc>
+                  <a:txBody>
+                    <a:bodyPr/>
+                    <a:lstStyle/>
+                    <a:p>
+                      <a:r>
+                        <a:rPr lang="en-US" dirty="0" smtClean="0">
+                          <a:solidFill>
+                            <a:srgbClr val="FF0000"/>
+                          </a:solidFill>
+                        </a:rPr>
+                        <a:t>Dominguez</a:t>
+                      </a:r>
+                      <a:r>
+                        <a:rPr lang="en-US" baseline="0" dirty="0" smtClean="0">
+                          <a:solidFill>
+                            <a:srgbClr val="FF0000"/>
+                          </a:solidFill>
+                        </a:rPr>
+                        <a:t> D Wang Z 2016 </a:t>
+                      </a:r>
+                      <a:r>
+                        <a:rPr lang="en-US" baseline="0" dirty="0" err="1" smtClean="0">
+                          <a:solidFill>
+                            <a:srgbClr val="FF0000"/>
+                          </a:solidFill>
+                        </a:rPr>
+                        <a:t>elife</a:t>
+                      </a:r>
+                      <a:endParaRPr lang="en-US" dirty="0">
+                        <a:solidFill>
+                          <a:srgbClr val="FF0000"/>
+                        </a:solidFill>
+                      </a:endParaRPr>
+                    </a:p>
+                  </a:txBody>
+                  <a:tcPr/>
+                </a:tc>
+                <a:tc>
+                  <a:txBody>
+                    <a:bodyPr/>
+                    <a:lstStyle/>
+                    <a:p>
+                      <a:r>
                         <a:rPr lang="en-US" dirty="0" smtClean="0"/>
-                        <a:t>30 min</a:t>
+                        <a:t>15% </a:t>
+                      </a:r>
+                      <a:r>
+                        <a:rPr lang="en-US" dirty="0" smtClean="0"/>
+                        <a:t>of </a:t>
+                      </a:r>
+                      <a:r>
+                        <a:rPr lang="en-US" dirty="0" err="1" smtClean="0"/>
+                        <a:t>max_phosphor_enzyme</a:t>
+                      </a:r>
+                      <a:r>
+                        <a:rPr lang="en-US" dirty="0" smtClean="0"/>
+                        <a:t>, the</a:t>
                       </a:r>
                       <a:r>
                         <a:rPr lang="en-US" baseline="0" dirty="0" smtClean="0"/>
-                        <a:t> </a:t>
-                      </a:r>
+                        <a:t> expression of </a:t>
+                      </a:r>
+                      <a:r>
+                        <a:rPr lang="en-US" baseline="0" dirty="0" err="1" smtClean="0"/>
+                        <a:t>auroraB</a:t>
+                      </a:r>
+                      <a:r>
+                        <a:rPr lang="en-US" baseline="0" dirty="0" smtClean="0"/>
+                        <a:t> increases at mitosis. </a:t>
+                      </a:r>
+                      <a:endParaRPr lang="en-US" dirty="0"/>
+                    </a:p>
+                  </a:txBody>
+                  <a:tcPr/>
+                </a:tc>
+              </a:tr>
+              <a:tr h="538148">
+                <a:tc>
+                  <a:txBody>
+                    <a:bodyPr/>
+                    <a:lstStyle/>
+                    <a:p>
                       <a:r>
                         <a:rPr lang="en-US" dirty="0" smtClean="0"/>
-                        <a:t>*</a:t>
-                      </a:r>
-                      <a:r>
-                        <a:rPr lang="en-US" dirty="0" err="1" smtClean="0"/>
-                        <a:t>num_histone</a:t>
+                        <a:t>Threshold to exist</a:t>
+                      </a:r>
+                      <a:r>
+                        <a:rPr lang="en-US" baseline="0" dirty="0" smtClean="0"/>
+                        <a:t> mitosis</a:t>
                       </a:r>
                       <a:endParaRPr lang="en-US" dirty="0"/>
                     </a:p>
@@ -6442,20 +6584,20 @@
                     <a:lstStyle/>
                     <a:p>
                       <a:r>
-                        <a:rPr lang="en-US" dirty="0" smtClean="0">
-                          <a:solidFill>
-                            <a:srgbClr val="FF0000"/>
-                          </a:solidFill>
-                        </a:rPr>
-                        <a:t>???</a:t>
-                      </a:r>
-                      <a:r>
                         <a:rPr lang="en-US" dirty="0" smtClean="0"/>
-                        <a:t> [CDK1</a:t>
+                        <a:t>30 min</a:t>
                       </a:r>
                       <a:r>
                         <a:rPr lang="en-US" baseline="0" dirty="0" smtClean="0"/>
-                        <a:t> is the master regulator]</a:t>
+                        <a:t> </a:t>
+                      </a:r>
+                      <a:r>
+                        <a:rPr lang="en-US" dirty="0" smtClean="0"/>
+                        <a:t>*</a:t>
+                      </a:r>
+                      <a:r>
+                        <a:rPr lang="en-US" dirty="0" err="1" smtClean="0"/>
+                        <a:t>num_histone</a:t>
                       </a:r>
                       <a:endParaRPr lang="en-US" dirty="0"/>
                     </a:p>
@@ -6468,29 +6610,27 @@
                     <a:lstStyle/>
                     <a:p>
                       <a:r>
-                        <a:rPr lang="en-US" dirty="0" smtClean="0">
-                          <a:solidFill>
-                            <a:srgbClr val="FF0000"/>
-                          </a:solidFill>
-                        </a:rPr>
-                        <a:t>(Could</a:t>
-                      </a:r>
-                      <a:r>
-                        <a:rPr lang="en-US" baseline="0" dirty="0" smtClean="0">
-                          <a:solidFill>
-                            <a:srgbClr val="FF0000"/>
-                          </a:solidFill>
-                        </a:rPr>
-                        <a:t> </a:t>
-                      </a:r>
-                      <a:r>
-                        <a:rPr lang="en-US" baseline="0" dirty="0" smtClean="0">
-                          <a:solidFill>
-                            <a:srgbClr val="FF0000"/>
-                          </a:solidFill>
-                        </a:rPr>
-                        <a:t>Peter input?)</a:t>
-                      </a:r>
+                        <a:rPr lang="en-US" dirty="0" smtClean="0"/>
+                        <a:t>[</a:t>
+                      </a:r>
+                      <a:r>
+                        <a:rPr lang="en-US" dirty="0" smtClean="0"/>
+                        <a:t>CDK1</a:t>
+                      </a:r>
+                      <a:r>
+                        <a:rPr lang="en-US" baseline="0" dirty="0" smtClean="0"/>
+                        <a:t> is the master regulator]</a:t>
+                      </a:r>
+                      <a:endParaRPr lang="en-US" dirty="0"/>
+                    </a:p>
+                  </a:txBody>
+                  <a:tcPr/>
+                </a:tc>
+                <a:tc>
+                  <a:txBody>
+                    <a:bodyPr/>
+                    <a:lstStyle/>
+                    <a:p>
                       <a:endParaRPr lang="en-US" dirty="0"/>
                     </a:p>
                   </a:txBody>
@@ -6570,14 +6710,14 @@
           <p:nvPr>
             <p:extLst>
               <p:ext uri="{D42A27DB-BD31-4B8C-83A1-F6EECF244321}">
-                <p14:modId xmlns:p14="http://schemas.microsoft.com/office/powerpoint/2010/main" val="1170178110"/>
+                <p14:modId xmlns:p14="http://schemas.microsoft.com/office/powerpoint/2010/main" val="1984075350"/>
               </p:ext>
             </p:extLst>
           </p:nvPr>
         </p:nvGraphicFramePr>
         <p:xfrm>
           <a:off x="882468" y="702249"/>
-          <a:ext cx="10429447" cy="5525380"/>
+          <a:ext cx="10429447" cy="4885300"/>
         </p:xfrm>
         <a:graphic>
           <a:graphicData uri="http://schemas.openxmlformats.org/drawingml/2006/table">
@@ -6745,7 +6885,7 @@
                     <a:p>
                       <a:r>
                         <a:rPr lang="en-US" dirty="0" smtClean="0"/>
-                        <a:t>500K</a:t>
+                        <a:t>1000K</a:t>
                       </a:r>
                       <a:endParaRPr lang="en-US" dirty="0"/>
                     </a:p>
@@ -6757,14 +6897,6 @@
                     <a:bodyPr/>
                     <a:lstStyle/>
                     <a:p>
-                      <a:r>
-                        <a:rPr lang="en-US" dirty="0" smtClean="0">
-                          <a:solidFill>
-                            <a:srgbClr val="FF0000"/>
-                          </a:solidFill>
-                        </a:rPr>
-                        <a:t>???</a:t>
-                      </a:r>
                       <a:endParaRPr lang="en-US" dirty="0">
                         <a:solidFill>
                           <a:srgbClr val="FF0000"/>
@@ -6807,7 +6939,7 @@
                     <a:p>
                       <a:r>
                         <a:rPr lang="en-US" dirty="0" smtClean="0"/>
-                        <a:t>500K</a:t>
+                        <a:t>1000K</a:t>
                       </a:r>
                       <a:endParaRPr lang="en-US" dirty="0"/>
                     </a:p>
@@ -6877,14 +7009,6 @@
                     <a:bodyPr/>
                     <a:lstStyle/>
                     <a:p>
-                      <a:r>
-                        <a:rPr lang="en-US" dirty="0" smtClean="0">
-                          <a:solidFill>
-                            <a:srgbClr val="FF0000"/>
-                          </a:solidFill>
-                        </a:rPr>
-                        <a:t>???</a:t>
-                      </a:r>
                       <a:endParaRPr lang="en-US" dirty="0">
                         <a:solidFill>
                           <a:srgbClr val="FF0000"/>
@@ -6989,7 +7113,7 @@
                     <a:p>
                       <a:r>
                         <a:rPr lang="en-US" dirty="0" smtClean="0"/>
-                        <a:t>0.01</a:t>
+                        <a:t>0.03</a:t>
                       </a:r>
                       <a:endParaRPr lang="en-US" dirty="0"/>
                     </a:p>
@@ -7059,7 +7183,7 @@
                     <a:p>
                       <a:r>
                         <a:rPr lang="en-US" dirty="0" smtClean="0"/>
-                        <a:t>0.01</a:t>
+                        <a:t>0.03</a:t>
                       </a:r>
                       <a:endParaRPr lang="en-US" dirty="0"/>
                     </a:p>
@@ -7168,7 +7292,7 @@
                   <a:tcPr/>
                 </a:tc>
               </a:tr>
-              <a:tr h="121920">
+              <a:tr h="243840">
                 <a:tc>
                   <a:txBody>
                     <a:bodyPr/>
@@ -7176,11 +7300,15 @@
                     <a:p>
                       <a:r>
                         <a:rPr lang="en-US" dirty="0" smtClean="0"/>
-                        <a:t>Time needed for</a:t>
-                      </a:r>
-                      <a:r>
-                        <a:rPr lang="en-US" baseline="0" dirty="0" smtClean="0"/>
-                        <a:t> reaction and recruiting</a:t>
+                        <a:t>Earliest time to exist mitosis (</a:t>
+                      </a:r>
+                      <a:r>
+                        <a:rPr lang="en-US" dirty="0" err="1" smtClean="0"/>
+                        <a:t>dt</a:t>
+                      </a:r>
+                      <a:r>
+                        <a:rPr lang="en-US" dirty="0" smtClean="0"/>
+                        <a:t>(1))</a:t>
                       </a:r>
                       <a:endParaRPr lang="en-US" dirty="0"/>
                     </a:p>
@@ -7194,7 +7322,11 @@
                     <a:p>
                       <a:r>
                         <a:rPr lang="en-US" dirty="0" smtClean="0"/>
-                        <a:t>3s</a:t>
+                        <a:t>40</a:t>
+                      </a:r>
+                      <a:r>
+                        <a:rPr lang="en-US" baseline="0" dirty="0" smtClean="0"/>
+                        <a:t> min</a:t>
                       </a:r>
                       <a:endParaRPr lang="en-US" dirty="0"/>
                     </a:p>
@@ -7206,95 +7338,6 @@
                     <a:bodyPr/>
                     <a:lstStyle/>
                     <a:p>
-                      <a:r>
-                        <a:rPr lang="en-US" dirty="0" smtClean="0">
-                          <a:solidFill>
-                            <a:srgbClr val="FF0000"/>
-                          </a:solidFill>
-                        </a:rPr>
-                        <a:t>???</a:t>
-                      </a:r>
-                      <a:endParaRPr lang="en-US" dirty="0">
-                        <a:solidFill>
-                          <a:srgbClr val="FF0000"/>
-                        </a:solidFill>
-                      </a:endParaRPr>
-                    </a:p>
-                  </a:txBody>
-                  <a:tcPr/>
-                </a:tc>
-                <a:tc>
-                  <a:txBody>
-                    <a:bodyPr/>
-                    <a:lstStyle/>
-                    <a:p>
-                      <a:r>
-                        <a:rPr lang="en-US" baseline="0" dirty="0" smtClean="0">
-                          <a:solidFill>
-                            <a:srgbClr val="FF0000"/>
-                          </a:solidFill>
-                        </a:rPr>
-                        <a:t>Could Qin check?</a:t>
-                      </a:r>
-                    </a:p>
-                  </a:txBody>
-                  <a:tcPr/>
-                </a:tc>
-              </a:tr>
-              <a:tr h="243840">
-                <a:tc>
-                  <a:txBody>
-                    <a:bodyPr/>
-                    <a:lstStyle/>
-                    <a:p>
-                      <a:r>
-                        <a:rPr lang="en-US" dirty="0" smtClean="0"/>
-                        <a:t>Earliest time to exist mitosis (</a:t>
-                      </a:r>
-                      <a:r>
-                        <a:rPr lang="en-US" dirty="0" err="1" smtClean="0"/>
-                        <a:t>dt</a:t>
-                      </a:r>
-                      <a:r>
-                        <a:rPr lang="en-US" dirty="0" smtClean="0"/>
-                        <a:t>(1))</a:t>
-                      </a:r>
-                      <a:endParaRPr lang="en-US" dirty="0"/>
-                    </a:p>
-                  </a:txBody>
-                  <a:tcPr/>
-                </a:tc>
-                <a:tc>
-                  <a:txBody>
-                    <a:bodyPr/>
-                    <a:lstStyle/>
-                    <a:p>
-                      <a:r>
-                        <a:rPr lang="en-US" dirty="0" smtClean="0"/>
-                        <a:t>40</a:t>
-                      </a:r>
-                      <a:r>
-                        <a:rPr lang="en-US" baseline="0" dirty="0" smtClean="0"/>
-                        <a:t> min</a:t>
-                      </a:r>
-                      <a:endParaRPr lang="en-US" dirty="0"/>
-                    </a:p>
-                  </a:txBody>
-                  <a:tcPr/>
-                </a:tc>
-                <a:tc>
-                  <a:txBody>
-                    <a:bodyPr/>
-                    <a:lstStyle/>
-                    <a:p>
-                      <a:r>
-                        <a:rPr lang="en-US" dirty="0" smtClean="0">
-                          <a:solidFill>
-                            <a:srgbClr val="FF0000"/>
-                          </a:solidFill>
-                        </a:rPr>
-                        <a:t>???</a:t>
-                      </a:r>
                       <a:endParaRPr lang="en-US" dirty="0">
                         <a:solidFill>
                           <a:srgbClr val="FF0000"/>
@@ -7357,14 +7400,6 @@
                     <a:bodyPr/>
                     <a:lstStyle/>
                     <a:p>
-                      <a:r>
-                        <a:rPr lang="en-US" dirty="0" smtClean="0">
-                          <a:solidFill>
-                            <a:srgbClr val="FF0000"/>
-                          </a:solidFill>
-                        </a:rPr>
-                        <a:t>???</a:t>
-                      </a:r>
                       <a:endParaRPr lang="en-US" dirty="0">
                         <a:solidFill>
                           <a:srgbClr val="FF0000"/>
@@ -7421,6 +7456,89 @@
       </p:grpSpPr>
       <p:sp>
         <p:nvSpPr>
+          <p:cNvPr id="2" name="TextBox 1"/>
+          <p:cNvSpPr txBox="1"/>
+          <p:nvPr/>
+        </p:nvSpPr>
+        <p:spPr>
+          <a:xfrm>
+            <a:off x="567069" y="411126"/>
+            <a:ext cx="10341935" cy="923330"/>
+          </a:xfrm>
+          <a:prstGeom prst="rect">
+            <a:avLst/>
+          </a:prstGeom>
+          <a:noFill/>
+        </p:spPr>
+        <p:txBody>
+          <a:bodyPr wrap="square" rtlCol="0">
+            <a:spAutoFit/>
+          </a:bodyPr>
+          <a:lstStyle/>
+          <a:p>
+            <a:r>
+              <a:rPr lang="en-US" b="1" dirty="0" smtClean="0"/>
+              <a:t>References:</a:t>
+            </a:r>
+            <a:endParaRPr lang="en-US" dirty="0"/>
+          </a:p>
+          <a:p>
+            <a:pPr marL="342900" indent="-342900">
+              <a:buFont typeface="+mj-lt"/>
+              <a:buAutoNum type="arabicPeriod"/>
+            </a:pPr>
+            <a:r>
+              <a:rPr lang="en-US" dirty="0" err="1" smtClean="0"/>
+              <a:t>Aagaard</a:t>
+            </a:r>
+            <a:r>
+              <a:rPr lang="en-US" dirty="0" smtClean="0"/>
+              <a:t> L </a:t>
+            </a:r>
+            <a:r>
+              <a:rPr lang="en-US" dirty="0" err="1" smtClean="0"/>
+              <a:t>Jenuwein</a:t>
+            </a:r>
+            <a:r>
+              <a:rPr lang="en-US" dirty="0" smtClean="0"/>
+              <a:t> T 2000 JCS, Mitotic phosphorylation of SUV39H1, a novel component of active centromeres, coincides with transient accumulation at mammalian centromeres. </a:t>
+            </a:r>
+            <a:endParaRPr lang="en-US" dirty="0"/>
+          </a:p>
+        </p:txBody>
+      </p:sp>
+    </p:spTree>
+    <p:extLst>
+      <p:ext uri="{BB962C8B-B14F-4D97-AF65-F5344CB8AC3E}">
+        <p14:creationId xmlns:p14="http://schemas.microsoft.com/office/powerpoint/2010/main" val="145726019"/>
+      </p:ext>
+    </p:extLst>
+  </p:cSld>
+  <p:clrMapOvr>
+    <a:masterClrMapping/>
+  </p:clrMapOvr>
+</p:sld>
+</file>
+
+<file path=ppt/slides/slide8.xml><?xml version="1.0" encoding="utf-8"?>
+<p:sld xmlns:a="http://schemas.openxmlformats.org/drawingml/2006/main" xmlns:r="http://schemas.openxmlformats.org/officeDocument/2006/relationships" xmlns:p="http://schemas.openxmlformats.org/presentationml/2006/main">
+  <p:cSld>
+    <p:spTree>
+      <p:nvGrpSpPr>
+        <p:cNvPr id="1" name=""/>
+        <p:cNvGrpSpPr/>
+        <p:nvPr/>
+      </p:nvGrpSpPr>
+      <p:grpSpPr>
+        <a:xfrm>
+          <a:off x="0" y="0"/>
+          <a:ext cx="0" cy="0"/>
+          <a:chOff x="0" y="0"/>
+          <a:chExt cx="0" cy="0"/>
+        </a:xfrm>
+      </p:grpSpPr>
+      <p:sp>
+        <p:nvSpPr>
           <p:cNvPr id="47" name="TextBox 46"/>
           <p:cNvSpPr txBox="1"/>
           <p:nvPr/>
@@ -7443,36 +7561,32 @@
           <a:p>
             <a:r>
               <a:rPr lang="en-US" sz="2400" b="1" dirty="0" smtClean="0"/>
-              <a:t>S10P repelling MT is crucial for fast demethylation at mitotic entrance, while S10P recruiting KDM plays an assisting role</a:t>
+              <a:t>Model3: S10P recruiting KDMs </a:t>
+            </a:r>
+            <a:r>
+              <a:rPr lang="en-US" sz="2400" b="1" dirty="0" smtClean="0"/>
+              <a:t>is crucial for fast demethylation at mitotic entrance, while S10P </a:t>
+            </a:r>
+            <a:r>
+              <a:rPr lang="en-US" sz="2400" b="1" dirty="0" smtClean="0"/>
+              <a:t>repelling </a:t>
+            </a:r>
+            <a:r>
+              <a:rPr lang="en-US" sz="2400" b="1" dirty="0" smtClean="0"/>
+              <a:t>MTs </a:t>
+            </a:r>
+            <a:r>
+              <a:rPr lang="en-US" sz="2400" b="1" dirty="0" smtClean="0"/>
+              <a:t>plays </a:t>
+            </a:r>
+            <a:r>
+              <a:rPr lang="en-US" sz="2400" b="1" dirty="0" smtClean="0"/>
+              <a:t>an assisting role</a:t>
             </a:r>
             <a:endParaRPr lang="en-US" sz="2400" b="1" dirty="0"/>
           </a:p>
         </p:txBody>
       </p:sp>
-      <p:pic>
-        <p:nvPicPr>
-          <p:cNvPr id="48" name="Picture 47"/>
-          <p:cNvPicPr>
-            <a:picLocks noChangeAspect="1"/>
-          </p:cNvPicPr>
-          <p:nvPr/>
-        </p:nvPicPr>
-        <p:blipFill>
-          <a:blip r:embed="rId2"/>
-          <a:stretch>
-            <a:fillRect/>
-          </a:stretch>
-        </p:blipFill>
-        <p:spPr>
-          <a:xfrm>
-            <a:off x="1" y="1658084"/>
-            <a:ext cx="7711744" cy="2996710"/>
-          </a:xfrm>
-          <a:prstGeom prst="rect">
-            <a:avLst/>
-          </a:prstGeom>
-        </p:spPr>
-      </p:pic>
       <p:grpSp>
         <p:nvGrpSpPr>
           <p:cNvPr id="50" name="Group 49"/>
@@ -8488,36 +8602,6 @@
           </a:p>
         </p:txBody>
       </p:sp>
-    </p:spTree>
-    <p:extLst>
-      <p:ext uri="{BB962C8B-B14F-4D97-AF65-F5344CB8AC3E}">
-        <p14:creationId xmlns:p14="http://schemas.microsoft.com/office/powerpoint/2010/main" val="1792781693"/>
-      </p:ext>
-    </p:extLst>
-  </p:cSld>
-  <p:clrMapOvr>
-    <a:masterClrMapping/>
-  </p:clrMapOvr>
-</p:sld>
-</file>
-
-<file path=ppt/slides/slide8.xml><?xml version="1.0" encoding="utf-8"?>
-<p:sld xmlns:a="http://schemas.openxmlformats.org/drawingml/2006/main" xmlns:r="http://schemas.openxmlformats.org/officeDocument/2006/relationships" xmlns:p="http://schemas.openxmlformats.org/presentationml/2006/main">
-  <p:cSld>
-    <p:spTree>
-      <p:nvGrpSpPr>
-        <p:cNvPr id="1" name=""/>
-        <p:cNvGrpSpPr/>
-        <p:nvPr/>
-      </p:nvGrpSpPr>
-      <p:grpSpPr>
-        <a:xfrm>
-          <a:off x="0" y="0"/>
-          <a:ext cx="0" cy="0"/>
-          <a:chOff x="0" y="0"/>
-          <a:chExt cx="0" cy="0"/>
-        </a:xfrm>
-      </p:grpSpPr>
       <p:pic>
         <p:nvPicPr>
           <p:cNvPr id="2" name="Picture 1"/>
@@ -8534,93 +8618,18 @@
         </p:blipFill>
         <p:spPr>
           <a:xfrm>
-            <a:off x="363801" y="1136327"/>
-            <a:ext cx="5895619" cy="3465000"/>
+            <a:off x="634812" y="1600079"/>
+            <a:ext cx="6141807" cy="3482283"/>
           </a:xfrm>
           <a:prstGeom prst="rect">
             <a:avLst/>
           </a:prstGeom>
         </p:spPr>
       </p:pic>
-      <p:sp>
-        <p:nvSpPr>
-          <p:cNvPr id="3" name="TextBox 2"/>
-          <p:cNvSpPr txBox="1"/>
-          <p:nvPr/>
-        </p:nvSpPr>
-        <p:spPr>
-          <a:xfrm>
-            <a:off x="461319" y="313209"/>
-            <a:ext cx="6936822" cy="830997"/>
-          </a:xfrm>
-          <a:prstGeom prst="rect">
-            <a:avLst/>
-          </a:prstGeom>
-          <a:noFill/>
-        </p:spPr>
-        <p:txBody>
-          <a:bodyPr wrap="square" rtlCol="0">
-            <a:spAutoFit/>
-          </a:bodyPr>
-          <a:lstStyle/>
-          <a:p>
-            <a:r>
-              <a:rPr lang="en-US" sz="2400" b="1" dirty="0" smtClean="0"/>
-              <a:t>Model2: MT did not increase </a:t>
-            </a:r>
-            <a:r>
-              <a:rPr lang="en-US" sz="2400" b="1" smtClean="0"/>
-              <a:t>at the entrance </a:t>
-            </a:r>
-            <a:r>
-              <a:rPr lang="en-US" sz="2400" b="1" dirty="0" smtClean="0"/>
-              <a:t>of Mitosis</a:t>
-            </a:r>
-            <a:endParaRPr lang="en-US" sz="2400" b="1" dirty="0"/>
-          </a:p>
-        </p:txBody>
-      </p:sp>
-      <p:sp>
-        <p:nvSpPr>
-          <p:cNvPr id="4" name="Rectangle 3"/>
-          <p:cNvSpPr/>
-          <p:nvPr/>
-        </p:nvSpPr>
-        <p:spPr>
-          <a:xfrm>
-            <a:off x="778009" y="5402647"/>
-            <a:ext cx="2991268" cy="369332"/>
-          </a:xfrm>
-          <a:prstGeom prst="rect">
-            <a:avLst/>
-          </a:prstGeom>
-        </p:spPr>
-        <p:txBody>
-          <a:bodyPr wrap="none">
-            <a:spAutoFit/>
-          </a:bodyPr>
-          <a:lstStyle/>
-          <a:p>
-            <a:r>
-              <a:rPr lang="en-US" b="1" dirty="0" smtClean="0"/>
-              <a:t>&gt;&gt; </a:t>
-            </a:r>
-            <a:r>
-              <a:rPr lang="en-US" b="1" dirty="0" err="1" smtClean="0"/>
-              <a:t>test_pm_model</a:t>
-            </a:r>
-            <a:r>
-              <a:rPr lang="en-US" b="1" dirty="0" smtClean="0"/>
-              <a:t>('model2');</a:t>
-            </a:r>
-            <a:endParaRPr lang="en-US" b="1" dirty="0"/>
-          </a:p>
-        </p:txBody>
-      </p:sp>
     </p:spTree>
     <p:extLst>
       <p:ext uri="{BB962C8B-B14F-4D97-AF65-F5344CB8AC3E}">
-        <p14:creationId xmlns:p14="http://schemas.microsoft.com/office/powerpoint/2010/main" val="3742112732"/>
+        <p14:creationId xmlns:p14="http://schemas.microsoft.com/office/powerpoint/2010/main" val="1792781693"/>
       </p:ext>
     </p:extLst>
   </p:cSld>
@@ -8647,9 +8656,76 @@
           <a:chExt cx="0" cy="0"/>
         </a:xfrm>
       </p:grpSpPr>
+      <p:sp>
+        <p:nvSpPr>
+          <p:cNvPr id="3" name="TextBox 2"/>
+          <p:cNvSpPr txBox="1"/>
+          <p:nvPr/>
+        </p:nvSpPr>
+        <p:spPr>
+          <a:xfrm>
+            <a:off x="461319" y="313209"/>
+            <a:ext cx="8058904" cy="461665"/>
+          </a:xfrm>
+          <a:prstGeom prst="rect">
+            <a:avLst/>
+          </a:prstGeom>
+          <a:noFill/>
+        </p:spPr>
+        <p:txBody>
+          <a:bodyPr wrap="square" rtlCol="0">
+            <a:spAutoFit/>
+          </a:bodyPr>
+          <a:lstStyle/>
+          <a:p>
+            <a:r>
+              <a:rPr lang="en-US" sz="2400" b="1" dirty="0" smtClean="0"/>
+              <a:t>Model2: MT did not increase at the entrance of Mitosis</a:t>
+            </a:r>
+            <a:endParaRPr lang="en-US" sz="2400" b="1" dirty="0"/>
+          </a:p>
+        </p:txBody>
+      </p:sp>
+      <p:sp>
+        <p:nvSpPr>
+          <p:cNvPr id="4" name="Rectangle 3"/>
+          <p:cNvSpPr/>
+          <p:nvPr/>
+        </p:nvSpPr>
+        <p:spPr>
+          <a:xfrm>
+            <a:off x="778009" y="5402647"/>
+            <a:ext cx="2991268" cy="369332"/>
+          </a:xfrm>
+          <a:prstGeom prst="rect">
+            <a:avLst/>
+          </a:prstGeom>
+        </p:spPr>
+        <p:txBody>
+          <a:bodyPr wrap="none">
+            <a:spAutoFit/>
+          </a:bodyPr>
+          <a:lstStyle/>
+          <a:p>
+            <a:r>
+              <a:rPr lang="en-US" b="1" dirty="0" smtClean="0"/>
+              <a:t>&gt;&gt; </a:t>
+            </a:r>
+            <a:r>
+              <a:rPr lang="en-US" b="1" dirty="0" err="1" smtClean="0"/>
+              <a:t>test_pm_model</a:t>
+            </a:r>
+            <a:r>
+              <a:rPr lang="en-US" b="1" dirty="0" smtClean="0"/>
+              <a:t>('model2');</a:t>
+            </a:r>
+            <a:endParaRPr lang="en-US" b="1" dirty="0"/>
+          </a:p>
+        </p:txBody>
+      </p:sp>
       <p:pic>
         <p:nvPicPr>
-          <p:cNvPr id="3" name="Picture 2"/>
+          <p:cNvPr id="5" name="Picture 4"/>
           <p:cNvPicPr>
             <a:picLocks noChangeAspect="1"/>
           </p:cNvPicPr>
@@ -8663,8 +8739,8 @@
         </p:blipFill>
         <p:spPr>
           <a:xfrm>
-            <a:off x="767665" y="777532"/>
-            <a:ext cx="8182555" cy="2863778"/>
+            <a:off x="674653" y="1324364"/>
+            <a:ext cx="6065129" cy="3898125"/>
           </a:xfrm>
           <a:prstGeom prst="rect">
             <a:avLst/>
@@ -8673,14 +8749,14 @@
       </p:pic>
       <p:sp>
         <p:nvSpPr>
-          <p:cNvPr id="4" name="TextBox 3"/>
+          <p:cNvPr id="6" name="TextBox 5"/>
           <p:cNvSpPr txBox="1"/>
           <p:nvPr/>
         </p:nvSpPr>
         <p:spPr>
           <a:xfrm>
-            <a:off x="1017346" y="230114"/>
-            <a:ext cx="6104074" cy="369332"/>
+            <a:off x="7620000" y="1552353"/>
+            <a:ext cx="4004930" cy="923330"/>
           </a:xfrm>
           <a:prstGeom prst="rect">
             <a:avLst/>
@@ -8694,48 +8770,41 @@
           <a:lstStyle/>
           <a:p>
             <a:r>
-              <a:rPr lang="en-US" dirty="0"/>
-              <a:t>&gt;&gt; </a:t>
-            </a:r>
-            <a:r>
-              <a:rPr lang="en-US" dirty="0" err="1"/>
-              <a:t>test_pm_model</a:t>
-            </a:r>
-            <a:r>
-              <a:rPr lang="en-US" dirty="0"/>
-              <a:t>('model4');</a:t>
-            </a:r>
+              <a:rPr lang="en-US" dirty="0" smtClean="0">
+                <a:solidFill>
+                  <a:srgbClr val="FF0000"/>
+                </a:solidFill>
+              </a:rPr>
+              <a:t>Q: In </a:t>
+            </a:r>
+            <a:r>
+              <a:rPr lang="en-US" dirty="0" err="1" smtClean="0">
+                <a:solidFill>
+                  <a:srgbClr val="FF0000"/>
+                </a:solidFill>
+              </a:rPr>
+              <a:t>Sua</a:t>
+            </a:r>
+            <a:r>
+              <a:rPr lang="en-US" dirty="0" smtClean="0">
+                <a:solidFill>
+                  <a:srgbClr val="FF0000"/>
+                </a:solidFill>
+              </a:rPr>
+              <a:t>-/- cells, do we still see that the duration of mitosis is dependent on the inhibitor strength? </a:t>
+            </a:r>
+            <a:endParaRPr lang="en-US" dirty="0">
+              <a:solidFill>
+                <a:srgbClr val="FF0000"/>
+              </a:solidFill>
+            </a:endParaRPr>
           </a:p>
         </p:txBody>
       </p:sp>
-      <p:pic>
-        <p:nvPicPr>
-          <p:cNvPr id="5" name="Picture 4"/>
-          <p:cNvPicPr>
-            <a:picLocks noChangeAspect="1"/>
-          </p:cNvPicPr>
-          <p:nvPr/>
-        </p:nvPicPr>
-        <p:blipFill>
-          <a:blip r:embed="rId3"/>
-          <a:stretch>
-            <a:fillRect/>
-          </a:stretch>
-        </p:blipFill>
-        <p:spPr>
-          <a:xfrm>
-            <a:off x="767665" y="3641310"/>
-            <a:ext cx="7801050" cy="2712014"/>
-          </a:xfrm>
-          <a:prstGeom prst="rect">
-            <a:avLst/>
-          </a:prstGeom>
-        </p:spPr>
-      </p:pic>
     </p:spTree>
     <p:extLst>
       <p:ext uri="{BB962C8B-B14F-4D97-AF65-F5344CB8AC3E}">
-        <p14:creationId xmlns:p14="http://schemas.microsoft.com/office/powerpoint/2010/main" val="678477960"/>
+        <p14:creationId xmlns:p14="http://schemas.microsoft.com/office/powerpoint/2010/main" val="3742112732"/>
       </p:ext>
     </p:extLst>
   </p:cSld>

--- a/app/model/result_0211_2017.pptx
+++ b/app/model/result_0211_2017.pptx
@@ -11,9 +11,8 @@
     <p:sldId id="267" r:id="rId5"/>
     <p:sldId id="265" r:id="rId6"/>
     <p:sldId id="266" r:id="rId7"/>
-    <p:sldId id="269" r:id="rId8"/>
-    <p:sldId id="259" r:id="rId9"/>
-    <p:sldId id="262" r:id="rId10"/>
+    <p:sldId id="259" r:id="rId8"/>
+    <p:sldId id="262" r:id="rId9"/>
   </p:sldIdLst>
   <p:sldSz cx="12192000" cy="6858000"/>
   <p:notesSz cx="6858000" cy="9144000"/>
@@ -251,7 +250,7 @@
           <a:p>
             <a:fld id="{13FF81DB-72FD-4E0B-96E8-AA8F3653C4D4}" type="datetimeFigureOut">
               <a:rPr lang="en-US" smtClean="0"/>
-              <a:t>3/1/2017</a:t>
+              <a:t>3/9/2017</a:t>
             </a:fld>
             <a:endParaRPr lang="en-US"/>
           </a:p>
@@ -421,7 +420,7 @@
           <a:p>
             <a:fld id="{13FF81DB-72FD-4E0B-96E8-AA8F3653C4D4}" type="datetimeFigureOut">
               <a:rPr lang="en-US" smtClean="0"/>
-              <a:t>3/1/2017</a:t>
+              <a:t>3/9/2017</a:t>
             </a:fld>
             <a:endParaRPr lang="en-US"/>
           </a:p>
@@ -601,7 +600,7 @@
           <a:p>
             <a:fld id="{13FF81DB-72FD-4E0B-96E8-AA8F3653C4D4}" type="datetimeFigureOut">
               <a:rPr lang="en-US" smtClean="0"/>
-              <a:t>3/1/2017</a:t>
+              <a:t>3/9/2017</a:t>
             </a:fld>
             <a:endParaRPr lang="en-US"/>
           </a:p>
@@ -771,7 +770,7 @@
           <a:p>
             <a:fld id="{13FF81DB-72FD-4E0B-96E8-AA8F3653C4D4}" type="datetimeFigureOut">
               <a:rPr lang="en-US" smtClean="0"/>
-              <a:t>3/1/2017</a:t>
+              <a:t>3/9/2017</a:t>
             </a:fld>
             <a:endParaRPr lang="en-US"/>
           </a:p>
@@ -1017,7 +1016,7 @@
           <a:p>
             <a:fld id="{13FF81DB-72FD-4E0B-96E8-AA8F3653C4D4}" type="datetimeFigureOut">
               <a:rPr lang="en-US" smtClean="0"/>
-              <a:t>3/1/2017</a:t>
+              <a:t>3/9/2017</a:t>
             </a:fld>
             <a:endParaRPr lang="en-US"/>
           </a:p>
@@ -1249,7 +1248,7 @@
           <a:p>
             <a:fld id="{13FF81DB-72FD-4E0B-96E8-AA8F3653C4D4}" type="datetimeFigureOut">
               <a:rPr lang="en-US" smtClean="0"/>
-              <a:t>3/1/2017</a:t>
+              <a:t>3/9/2017</a:t>
             </a:fld>
             <a:endParaRPr lang="en-US"/>
           </a:p>
@@ -1616,7 +1615,7 @@
           <a:p>
             <a:fld id="{13FF81DB-72FD-4E0B-96E8-AA8F3653C4D4}" type="datetimeFigureOut">
               <a:rPr lang="en-US" smtClean="0"/>
-              <a:t>3/1/2017</a:t>
+              <a:t>3/9/2017</a:t>
             </a:fld>
             <a:endParaRPr lang="en-US"/>
           </a:p>
@@ -1734,7 +1733,7 @@
           <a:p>
             <a:fld id="{13FF81DB-72FD-4E0B-96E8-AA8F3653C4D4}" type="datetimeFigureOut">
               <a:rPr lang="en-US" smtClean="0"/>
-              <a:t>3/1/2017</a:t>
+              <a:t>3/9/2017</a:t>
             </a:fld>
             <a:endParaRPr lang="en-US"/>
           </a:p>
@@ -1829,7 +1828,7 @@
           <a:p>
             <a:fld id="{13FF81DB-72FD-4E0B-96E8-AA8F3653C4D4}" type="datetimeFigureOut">
               <a:rPr lang="en-US" smtClean="0"/>
-              <a:t>3/1/2017</a:t>
+              <a:t>3/9/2017</a:t>
             </a:fld>
             <a:endParaRPr lang="en-US"/>
           </a:p>
@@ -2106,7 +2105,7 @@
           <a:p>
             <a:fld id="{13FF81DB-72FD-4E0B-96E8-AA8F3653C4D4}" type="datetimeFigureOut">
               <a:rPr lang="en-US" smtClean="0"/>
-              <a:t>3/1/2017</a:t>
+              <a:t>3/9/2017</a:t>
             </a:fld>
             <a:endParaRPr lang="en-US"/>
           </a:p>
@@ -2359,7 +2358,7 @@
           <a:p>
             <a:fld id="{13FF81DB-72FD-4E0B-96E8-AA8F3653C4D4}" type="datetimeFigureOut">
               <a:rPr lang="en-US" smtClean="0"/>
-              <a:t>3/1/2017</a:t>
+              <a:t>3/9/2017</a:t>
             </a:fld>
             <a:endParaRPr lang="en-US"/>
           </a:p>
@@ -2572,7 +2571,7 @@
           <a:p>
             <a:fld id="{13FF81DB-72FD-4E0B-96E8-AA8F3653C4D4}" type="datetimeFigureOut">
               <a:rPr lang="en-US" smtClean="0"/>
-              <a:t>3/1/2017</a:t>
+              <a:t>3/9/2017</a:t>
             </a:fld>
             <a:endParaRPr lang="en-US"/>
           </a:p>
@@ -2977,18 +2976,148 @@
           <a:chExt cx="0" cy="0"/>
         </a:xfrm>
       </p:grpSpPr>
+      <p:sp>
+        <p:nvSpPr>
+          <p:cNvPr id="34" name="TextBox 33"/>
+          <p:cNvSpPr txBox="1"/>
+          <p:nvPr/>
+        </p:nvSpPr>
+        <p:spPr>
+          <a:xfrm>
+            <a:off x="797041" y="156518"/>
+            <a:ext cx="4551528" cy="461665"/>
+          </a:xfrm>
+          <a:prstGeom prst="rect">
+            <a:avLst/>
+          </a:prstGeom>
+          <a:noFill/>
+        </p:spPr>
+        <p:txBody>
+          <a:bodyPr wrap="square" rtlCol="0">
+            <a:spAutoFit/>
+          </a:bodyPr>
+          <a:lstStyle/>
+          <a:p>
+            <a:r>
+              <a:rPr lang="en-US" sz="2400" b="1" dirty="0" smtClean="0"/>
+              <a:t>Network graph</a:t>
+            </a:r>
+            <a:endParaRPr lang="en-US" sz="2400" b="1" dirty="0"/>
+          </a:p>
+        </p:txBody>
+      </p:sp>
+      <p:sp>
+        <p:nvSpPr>
+          <p:cNvPr id="35" name="TextBox 34"/>
+          <p:cNvSpPr txBox="1"/>
+          <p:nvPr/>
+        </p:nvSpPr>
+        <p:spPr>
+          <a:xfrm>
+            <a:off x="6005384" y="2191403"/>
+            <a:ext cx="3896497" cy="646331"/>
+          </a:xfrm>
+          <a:prstGeom prst="rect">
+            <a:avLst/>
+          </a:prstGeom>
+          <a:noFill/>
+        </p:spPr>
+        <p:txBody>
+          <a:bodyPr wrap="square" rtlCol="0">
+            <a:spAutoFit/>
+          </a:bodyPr>
+          <a:lstStyle/>
+          <a:p>
+            <a:r>
+              <a:rPr lang="en-US" b="1" dirty="0" smtClean="0"/>
+              <a:t>&gt;&gt; cd </a:t>
+            </a:r>
+            <a:r>
+              <a:rPr lang="en-US" b="1" dirty="0" err="1" smtClean="0"/>
+              <a:t>fluocell</a:t>
+            </a:r>
+            <a:r>
+              <a:rPr lang="en-US" b="1" dirty="0" smtClean="0"/>
+              <a:t>-current/app/model/</a:t>
+            </a:r>
+          </a:p>
+          <a:p>
+            <a:r>
+              <a:rPr lang="en-US" b="1" dirty="0" smtClean="0"/>
+              <a:t>&gt;&gt; </a:t>
+            </a:r>
+            <a:r>
+              <a:rPr lang="en-US" b="1" dirty="0" err="1" smtClean="0"/>
+              <a:t>test_pm_model</a:t>
+            </a:r>
+            <a:r>
+              <a:rPr lang="en-US" b="1" dirty="0" smtClean="0"/>
+              <a:t>('model4');</a:t>
+            </a:r>
+            <a:endParaRPr lang="en-US" b="1" dirty="0"/>
+          </a:p>
+        </p:txBody>
+      </p:sp>
+      <p:pic>
+        <p:nvPicPr>
+          <p:cNvPr id="5" name="Picture 4"/>
+          <p:cNvPicPr>
+            <a:picLocks noChangeAspect="1"/>
+          </p:cNvPicPr>
+          <p:nvPr/>
+        </p:nvPicPr>
+        <p:blipFill>
+          <a:blip r:embed="rId2"/>
+          <a:stretch>
+            <a:fillRect/>
+          </a:stretch>
+        </p:blipFill>
+        <p:spPr>
+          <a:xfrm>
+            <a:off x="219741" y="3230721"/>
+            <a:ext cx="5146294" cy="3292606"/>
+          </a:xfrm>
+          <a:prstGeom prst="rect">
+            <a:avLst/>
+          </a:prstGeom>
+        </p:spPr>
+      </p:pic>
+      <p:pic>
+        <p:nvPicPr>
+          <p:cNvPr id="6" name="Picture 5"/>
+          <p:cNvPicPr>
+            <a:picLocks noChangeAspect="1"/>
+          </p:cNvPicPr>
+          <p:nvPr/>
+        </p:nvPicPr>
+        <p:blipFill>
+          <a:blip r:embed="rId3"/>
+          <a:stretch>
+            <a:fillRect/>
+          </a:stretch>
+        </p:blipFill>
+        <p:spPr>
+          <a:xfrm>
+            <a:off x="5319641" y="3230721"/>
+            <a:ext cx="5387360" cy="3471303"/>
+          </a:xfrm>
+          <a:prstGeom prst="rect">
+            <a:avLst/>
+          </a:prstGeom>
+        </p:spPr>
+      </p:pic>
       <p:grpSp>
         <p:nvGrpSpPr>
-          <p:cNvPr id="36" name="Group 35"/>
+          <p:cNvPr id="3" name="Group 2"/>
           <p:cNvGrpSpPr/>
           <p:nvPr/>
         </p:nvGrpSpPr>
         <p:grpSpPr>
           <a:xfrm>
-            <a:off x="797041" y="156518"/>
-            <a:ext cx="4551528" cy="2621908"/>
-            <a:chOff x="797041" y="156518"/>
-            <a:chExt cx="4551528" cy="2621908"/>
+            <a:off x="797041" y="1141135"/>
+            <a:ext cx="4225660" cy="1637291"/>
+            <a:chOff x="797041" y="1141135"/>
+            <a:chExt cx="4225660" cy="1637291"/>
           </a:xfrm>
         </p:grpSpPr>
         <p:grpSp>
@@ -3709,276 +3838,132 @@
             </a:fontRef>
           </p:style>
         </p:cxnSp>
-        <p:sp>
-          <p:nvSpPr>
-            <p:cNvPr id="33" name="Freeform 32"/>
-            <p:cNvSpPr/>
-            <p:nvPr/>
-          </p:nvSpPr>
-          <p:spPr>
-            <a:xfrm>
-              <a:off x="1506724" y="796063"/>
-              <a:ext cx="2013524" cy="1256757"/>
-            </a:xfrm>
-            <a:custGeom>
-              <a:avLst/>
-              <a:gdLst>
-                <a:gd name="connsiteX0" fmla="*/ 1951630 w 2013524"/>
-                <a:gd name="connsiteY0" fmla="*/ 1256757 h 1256757"/>
-                <a:gd name="connsiteX1" fmla="*/ 1972102 w 2013524"/>
-                <a:gd name="connsiteY1" fmla="*/ 1161223 h 1256757"/>
-                <a:gd name="connsiteX2" fmla="*/ 1999397 w 2013524"/>
-                <a:gd name="connsiteY2" fmla="*/ 690375 h 1256757"/>
-                <a:gd name="connsiteX3" fmla="*/ 1726442 w 2013524"/>
-                <a:gd name="connsiteY3" fmla="*/ 253647 h 1256757"/>
-                <a:gd name="connsiteX4" fmla="*/ 1112293 w 2013524"/>
-                <a:gd name="connsiteY4" fmla="*/ 14811 h 1256757"/>
-                <a:gd name="connsiteX5" fmla="*/ 573206 w 2013524"/>
-                <a:gd name="connsiteY5" fmla="*/ 42107 h 1256757"/>
-                <a:gd name="connsiteX6" fmla="*/ 313899 w 2013524"/>
-                <a:gd name="connsiteY6" fmla="*/ 178584 h 1256757"/>
-                <a:gd name="connsiteX7" fmla="*/ 0 w 2013524"/>
-                <a:gd name="connsiteY7" fmla="*/ 362829 h 1256757"/>
-              </a:gdLst>
-              <a:ahLst/>
-              <a:cxnLst>
-                <a:cxn ang="0">
-                  <a:pos x="connsiteX0" y="connsiteY0"/>
-                </a:cxn>
-                <a:cxn ang="0">
-                  <a:pos x="connsiteX1" y="connsiteY1"/>
-                </a:cxn>
-                <a:cxn ang="0">
-                  <a:pos x="connsiteX2" y="connsiteY2"/>
-                </a:cxn>
-                <a:cxn ang="0">
-                  <a:pos x="connsiteX3" y="connsiteY3"/>
-                </a:cxn>
-                <a:cxn ang="0">
-                  <a:pos x="connsiteX4" y="connsiteY4"/>
-                </a:cxn>
-                <a:cxn ang="0">
-                  <a:pos x="connsiteX5" y="connsiteY5"/>
-                </a:cxn>
-                <a:cxn ang="0">
-                  <a:pos x="connsiteX6" y="connsiteY6"/>
-                </a:cxn>
-                <a:cxn ang="0">
-                  <a:pos x="connsiteX7" y="connsiteY7"/>
-                </a:cxn>
-              </a:cxnLst>
-              <a:rect l="l" t="t" r="r" b="b"/>
-              <a:pathLst>
-                <a:path w="2013524" h="1256757">
-                  <a:moveTo>
-                    <a:pt x="1951630" y="1256757"/>
-                  </a:moveTo>
-                  <a:cubicBezTo>
-                    <a:pt x="1957885" y="1256188"/>
-                    <a:pt x="1964141" y="1255620"/>
-                    <a:pt x="1972102" y="1161223"/>
-                  </a:cubicBezTo>
-                  <a:cubicBezTo>
-                    <a:pt x="1980063" y="1066826"/>
-                    <a:pt x="2040340" y="841638"/>
-                    <a:pt x="1999397" y="690375"/>
-                  </a:cubicBezTo>
-                  <a:cubicBezTo>
-                    <a:pt x="1958454" y="539112"/>
-                    <a:pt x="1874293" y="366241"/>
-                    <a:pt x="1726442" y="253647"/>
-                  </a:cubicBezTo>
-                  <a:cubicBezTo>
-                    <a:pt x="1578591" y="141053"/>
-                    <a:pt x="1304499" y="50068"/>
-                    <a:pt x="1112293" y="14811"/>
-                  </a:cubicBezTo>
-                  <a:cubicBezTo>
-                    <a:pt x="920087" y="-20446"/>
-                    <a:pt x="706272" y="14812"/>
-                    <a:pt x="573206" y="42107"/>
-                  </a:cubicBezTo>
-                  <a:cubicBezTo>
-                    <a:pt x="440140" y="69402"/>
-                    <a:pt x="409433" y="125130"/>
-                    <a:pt x="313899" y="178584"/>
-                  </a:cubicBezTo>
-                  <a:cubicBezTo>
-                    <a:pt x="218365" y="232038"/>
-                    <a:pt x="109182" y="297433"/>
-                    <a:pt x="0" y="362829"/>
-                  </a:cubicBezTo>
-                </a:path>
-              </a:pathLst>
-            </a:custGeom>
-            <a:noFill/>
-            <a:ln w="19050">
-              <a:solidFill>
-                <a:schemeClr val="tx1"/>
-              </a:solidFill>
-              <a:tailEnd type="diamond" w="lg" len="lg"/>
-            </a:ln>
-          </p:spPr>
-          <p:style>
-            <a:lnRef idx="2">
-              <a:schemeClr val="accent1">
-                <a:shade val="50000"/>
-              </a:schemeClr>
-            </a:lnRef>
-            <a:fillRef idx="1">
-              <a:schemeClr val="accent1"/>
-            </a:fillRef>
-            <a:effectRef idx="0">
-              <a:schemeClr val="accent1"/>
-            </a:effectRef>
-            <a:fontRef idx="minor">
-              <a:schemeClr val="lt1"/>
-            </a:fontRef>
-          </p:style>
-          <p:txBody>
-            <a:bodyPr rtlCol="0" anchor="ctr"/>
-            <a:lstStyle/>
-            <a:p>
-              <a:pPr algn="ctr"/>
-              <a:endParaRPr lang="en-US" b="1"/>
-            </a:p>
-          </p:txBody>
-        </p:sp>
-        <p:sp>
-          <p:nvSpPr>
-            <p:cNvPr id="34" name="TextBox 33"/>
-            <p:cNvSpPr txBox="1"/>
-            <p:nvPr/>
-          </p:nvSpPr>
-          <p:spPr>
-            <a:xfrm>
-              <a:off x="797041" y="156518"/>
-              <a:ext cx="4551528" cy="461665"/>
-            </a:xfrm>
-            <a:prstGeom prst="rect">
-              <a:avLst/>
-            </a:prstGeom>
-            <a:noFill/>
-          </p:spPr>
-          <p:txBody>
-            <a:bodyPr wrap="square" rtlCol="0">
-              <a:spAutoFit/>
-            </a:bodyPr>
-            <a:lstStyle/>
-            <a:p>
-              <a:r>
-                <a:rPr lang="en-US" sz="2400" b="1" dirty="0" smtClean="0"/>
-                <a:t>Network graph</a:t>
-              </a:r>
-              <a:endParaRPr lang="en-US" sz="2400" b="1" dirty="0"/>
-            </a:p>
-          </p:txBody>
-        </p:sp>
       </p:grpSp>
       <p:sp>
         <p:nvSpPr>
-          <p:cNvPr id="35" name="TextBox 34"/>
-          <p:cNvSpPr txBox="1"/>
+          <p:cNvPr id="4" name="Freeform 3"/>
+          <p:cNvSpPr/>
           <p:nvPr/>
         </p:nvSpPr>
         <p:spPr>
           <a:xfrm>
-            <a:off x="6005384" y="2191403"/>
-            <a:ext cx="3896497" cy="646331"/>
+            <a:off x="1492250" y="749604"/>
+            <a:ext cx="1968801" cy="1295096"/>
           </a:xfrm>
-          <a:prstGeom prst="rect">
+          <a:custGeom>
             <a:avLst/>
-          </a:prstGeom>
+            <a:gdLst>
+              <a:gd name="connsiteX0" fmla="*/ 1930400 w 1968801"/>
+              <a:gd name="connsiteY0" fmla="*/ 1295096 h 1295096"/>
+              <a:gd name="connsiteX1" fmla="*/ 1962150 w 1968801"/>
+              <a:gd name="connsiteY1" fmla="*/ 869646 h 1295096"/>
+              <a:gd name="connsiteX2" fmla="*/ 1816100 w 1968801"/>
+              <a:gd name="connsiteY2" fmla="*/ 387046 h 1295096"/>
+              <a:gd name="connsiteX3" fmla="*/ 1352550 w 1968801"/>
+              <a:gd name="connsiteY3" fmla="*/ 44146 h 1295096"/>
+              <a:gd name="connsiteX4" fmla="*/ 603250 w 1968801"/>
+              <a:gd name="connsiteY4" fmla="*/ 25096 h 1295096"/>
+              <a:gd name="connsiteX5" fmla="*/ 146050 w 1968801"/>
+              <a:gd name="connsiteY5" fmla="*/ 234646 h 1295096"/>
+              <a:gd name="connsiteX6" fmla="*/ 0 w 1968801"/>
+              <a:gd name="connsiteY6" fmla="*/ 361646 h 1295096"/>
+            </a:gdLst>
+            <a:ahLst/>
+            <a:cxnLst>
+              <a:cxn ang="0">
+                <a:pos x="connsiteX0" y="connsiteY0"/>
+              </a:cxn>
+              <a:cxn ang="0">
+                <a:pos x="connsiteX1" y="connsiteY1"/>
+              </a:cxn>
+              <a:cxn ang="0">
+                <a:pos x="connsiteX2" y="connsiteY2"/>
+              </a:cxn>
+              <a:cxn ang="0">
+                <a:pos x="connsiteX3" y="connsiteY3"/>
+              </a:cxn>
+              <a:cxn ang="0">
+                <a:pos x="connsiteX4" y="connsiteY4"/>
+              </a:cxn>
+              <a:cxn ang="0">
+                <a:pos x="connsiteX5" y="connsiteY5"/>
+              </a:cxn>
+              <a:cxn ang="0">
+                <a:pos x="connsiteX6" y="connsiteY6"/>
+              </a:cxn>
+            </a:cxnLst>
+            <a:rect l="l" t="t" r="r" b="b"/>
+            <a:pathLst>
+              <a:path w="1968801" h="1295096">
+                <a:moveTo>
+                  <a:pt x="1930400" y="1295096"/>
+                </a:moveTo>
+                <a:cubicBezTo>
+                  <a:pt x="1955800" y="1158042"/>
+                  <a:pt x="1981200" y="1020988"/>
+                  <a:pt x="1962150" y="869646"/>
+                </a:cubicBezTo>
+                <a:cubicBezTo>
+                  <a:pt x="1943100" y="718304"/>
+                  <a:pt x="1917700" y="524629"/>
+                  <a:pt x="1816100" y="387046"/>
+                </a:cubicBezTo>
+                <a:cubicBezTo>
+                  <a:pt x="1714500" y="249463"/>
+                  <a:pt x="1554692" y="104471"/>
+                  <a:pt x="1352550" y="44146"/>
+                </a:cubicBezTo>
+                <a:cubicBezTo>
+                  <a:pt x="1150408" y="-16179"/>
+                  <a:pt x="804333" y="-6654"/>
+                  <a:pt x="603250" y="25096"/>
+                </a:cubicBezTo>
+                <a:cubicBezTo>
+                  <a:pt x="402167" y="56846"/>
+                  <a:pt x="246592" y="178554"/>
+                  <a:pt x="146050" y="234646"/>
+                </a:cubicBezTo>
+                <a:cubicBezTo>
+                  <a:pt x="45508" y="290738"/>
+                  <a:pt x="22754" y="326192"/>
+                  <a:pt x="0" y="361646"/>
+                </a:cubicBezTo>
+              </a:path>
+            </a:pathLst>
+          </a:custGeom>
           <a:noFill/>
+          <a:ln w="19050">
+            <a:solidFill>
+              <a:schemeClr val="tx1"/>
+            </a:solidFill>
+            <a:tailEnd type="diamond" w="lg" len="lg"/>
+          </a:ln>
         </p:spPr>
+        <p:style>
+          <a:lnRef idx="2">
+            <a:schemeClr val="accent1">
+              <a:shade val="50000"/>
+            </a:schemeClr>
+          </a:lnRef>
+          <a:fillRef idx="1">
+            <a:schemeClr val="accent1"/>
+          </a:fillRef>
+          <a:effectRef idx="0">
+            <a:schemeClr val="accent1"/>
+          </a:effectRef>
+          <a:fontRef idx="minor">
+            <a:schemeClr val="lt1"/>
+          </a:fontRef>
+        </p:style>
         <p:txBody>
-          <a:bodyPr wrap="square" rtlCol="0">
-            <a:spAutoFit/>
-          </a:bodyPr>
+          <a:bodyPr rtlCol="0" anchor="ctr"/>
           <a:lstStyle/>
           <a:p>
-            <a:r>
-              <a:rPr lang="en-US" b="1" dirty="0" smtClean="0"/>
-              <a:t>&gt;&gt; cd </a:t>
-            </a:r>
-            <a:r>
-              <a:rPr lang="en-US" b="1" dirty="0" err="1" smtClean="0"/>
-              <a:t>fluocell</a:t>
-            </a:r>
-            <a:r>
-              <a:rPr lang="en-US" b="1" dirty="0" smtClean="0"/>
-              <a:t>-current/app/model/</a:t>
-            </a:r>
-          </a:p>
-          <a:p>
-            <a:r>
-              <a:rPr lang="en-US" b="1" dirty="0" smtClean="0"/>
-              <a:t>&gt;&gt; </a:t>
-            </a:r>
-            <a:r>
-              <a:rPr lang="en-US" b="1" dirty="0" err="1" smtClean="0"/>
-              <a:t>test_pm_model</a:t>
-            </a:r>
-            <a:r>
-              <a:rPr lang="en-US" b="1" dirty="0" smtClean="0"/>
-              <a:t>(</a:t>
-            </a:r>
-            <a:r>
-              <a:rPr lang="en-US" b="1" dirty="0" smtClean="0"/>
-              <a:t>'model4');</a:t>
-            </a:r>
-            <a:endParaRPr lang="en-US" b="1" dirty="0"/>
+            <a:pPr algn="ctr"/>
+            <a:endParaRPr lang="en-US"/>
           </a:p>
         </p:txBody>
       </p:sp>
-      <p:pic>
-        <p:nvPicPr>
-          <p:cNvPr id="5" name="Picture 4"/>
-          <p:cNvPicPr>
-            <a:picLocks noChangeAspect="1"/>
-          </p:cNvPicPr>
-          <p:nvPr/>
-        </p:nvPicPr>
-        <p:blipFill>
-          <a:blip r:embed="rId2"/>
-          <a:stretch>
-            <a:fillRect/>
-          </a:stretch>
-        </p:blipFill>
-        <p:spPr>
-          <a:xfrm>
-            <a:off x="219741" y="3230721"/>
-            <a:ext cx="5146294" cy="3292606"/>
-          </a:xfrm>
-          <a:prstGeom prst="rect">
-            <a:avLst/>
-          </a:prstGeom>
-        </p:spPr>
-      </p:pic>
-      <p:pic>
-        <p:nvPicPr>
-          <p:cNvPr id="6" name="Picture 5"/>
-          <p:cNvPicPr>
-            <a:picLocks noChangeAspect="1"/>
-          </p:cNvPicPr>
-          <p:nvPr/>
-        </p:nvPicPr>
-        <p:blipFill>
-          <a:blip r:embed="rId3"/>
-          <a:stretch>
-            <a:fillRect/>
-          </a:stretch>
-        </p:blipFill>
-        <p:spPr>
-          <a:xfrm>
-            <a:off x="5319641" y="3230721"/>
-            <a:ext cx="5387360" cy="3471303"/>
-          </a:xfrm>
-          <a:prstGeom prst="rect">
-            <a:avLst/>
-          </a:prstGeom>
-        </p:spPr>
-      </p:pic>
     </p:spTree>
     <p:extLst>
       <p:ext uri="{BB962C8B-B14F-4D97-AF65-F5344CB8AC3E}">
@@ -4145,11 +4130,7 @@
           <a:p>
             <a:r>
               <a:rPr lang="en-US" b="1" dirty="0" smtClean="0"/>
-              <a:t>y(:,i+1) = </a:t>
-            </a:r>
-            <a:r>
-              <a:rPr lang="en-US" b="1" dirty="0" smtClean="0"/>
-              <a:t>y(:,</a:t>
+              <a:t>y(:,i+1) = y(:,</a:t>
             </a:r>
             <a:r>
               <a:rPr lang="en-US" b="1" dirty="0" err="1" smtClean="0"/>
@@ -4173,11 +4154,7 @@
             </a:r>
             <a:r>
               <a:rPr lang="en-US" b="1" dirty="0" smtClean="0"/>
-              <a:t>*y</a:t>
-            </a:r>
-            <a:r>
-              <a:rPr lang="en-US" b="1" dirty="0" smtClean="0"/>
-              <a:t>(:,</a:t>
+              <a:t>*y(:,</a:t>
             </a:r>
             <a:r>
               <a:rPr lang="en-US" b="1" dirty="0" err="1" smtClean="0"/>
@@ -5748,7 +5725,7 @@
           <p:nvPr>
             <p:extLst>
               <p:ext uri="{D42A27DB-BD31-4B8C-83A1-F6EECF244321}">
-                <p14:modId xmlns:p14="http://schemas.microsoft.com/office/powerpoint/2010/main" val="2524578294"/>
+                <p14:modId xmlns:p14="http://schemas.microsoft.com/office/powerpoint/2010/main" val="515019031"/>
               </p:ext>
             </p:extLst>
           </p:nvPr>
@@ -5791,7 +5768,7 @@
                     <a:p>
                       <a:r>
                         <a:rPr lang="en-US" dirty="0" smtClean="0"/>
-                        <a:t>Value </a:t>
+                        <a:t>Value/unit </a:t>
                       </a:r>
                       <a:endParaRPr lang="en-US" dirty="0"/>
                     </a:p>
@@ -5875,11 +5852,7 @@
                       </a:r>
                       <a:r>
                         <a:rPr lang="en-US" baseline="0" dirty="0" smtClean="0"/>
-                        <a:t> al. </a:t>
-                      </a:r>
-                      <a:r>
-                        <a:rPr lang="en-US" baseline="0" dirty="0" smtClean="0"/>
-                        <a:t>2002 Molecular Biology …</a:t>
+                        <a:t> al. 2002 Molecular Biology …</a:t>
                       </a:r>
                       <a:endParaRPr lang="en-US" dirty="0"/>
                     </a:p>
@@ -5943,9 +5916,32 @@
                       </a:r>
                       <a:r>
                         <a:rPr lang="en-US" baseline="0" dirty="0" smtClean="0"/>
-                        <a:t> histones</a:t>
-                      </a:r>
-                      <a:endParaRPr lang="en-US" dirty="0"/>
+                        <a:t> </a:t>
+                      </a:r>
+                      <a:r>
+                        <a:rPr lang="en-US" baseline="0" dirty="0" smtClean="0"/>
+                        <a:t>histones </a:t>
+                      </a:r>
+                      <a:r>
+                        <a:rPr lang="en-US" baseline="0" dirty="0" smtClean="0">
+                          <a:sym typeface="Wingdings" panose="05000000000000000000" pitchFamily="2" charset="2"/>
+                        </a:rPr>
+                        <a:t> change to </a:t>
+                      </a:r>
+                      <a:r>
+                        <a:rPr lang="en-US" baseline="0" dirty="0" smtClean="0">
+                          <a:solidFill>
+                            <a:srgbClr val="FF0000"/>
+                          </a:solidFill>
+                          <a:sym typeface="Wingdings" panose="05000000000000000000" pitchFamily="2" charset="2"/>
+                        </a:rPr>
+                        <a:t>50%</a:t>
+                      </a:r>
+                      <a:endParaRPr lang="en-US" dirty="0">
+                        <a:solidFill>
+                          <a:srgbClr val="FF0000"/>
+                        </a:solidFill>
+                      </a:endParaRPr>
                     </a:p>
                   </a:txBody>
                   <a:tcPr/>
@@ -5992,7 +5988,23 @@
                       </a:r>
                       <a:r>
                         <a:rPr lang="en-US" dirty="0" smtClean="0"/>
-                        <a:t> -/- decrease 40%; TCP (inhibitor KDM) increases 30%</a:t>
+                        <a:t> -/- </a:t>
+                      </a:r>
+                      <a:r>
+                        <a:rPr lang="en-US" dirty="0" smtClean="0"/>
+                        <a:t>decreased </a:t>
+                      </a:r>
+                      <a:r>
+                        <a:rPr lang="en-US" dirty="0" smtClean="0"/>
+                        <a:t>40%; TCP (inhibitor KDM) </a:t>
+                      </a:r>
+                      <a:r>
+                        <a:rPr lang="en-US" dirty="0" smtClean="0"/>
+                        <a:t>increased </a:t>
+                      </a:r>
+                      <a:r>
+                        <a:rPr lang="en-US" dirty="0" smtClean="0"/>
+                        <a:t>30%</a:t>
                       </a:r>
                       <a:r>
                         <a:rPr lang="en-US" dirty="0" smtClean="0">
@@ -6010,8 +6022,17 @@
                         <a:rPr lang="en-US" dirty="0" smtClean="0">
                           <a:sym typeface="Wingdings" panose="05000000000000000000" pitchFamily="2" charset="2"/>
                         </a:rPr>
-                        <a:t> 4/7 = 0.57 = 57% </a:t>
-                      </a:r>
+                        <a:t> 4/7 </a:t>
+                      </a:r>
+                      <a:r>
+                        <a:rPr lang="en-US" dirty="0" smtClean="0">
+                          <a:sym typeface="Wingdings" panose="05000000000000000000" pitchFamily="2" charset="2"/>
+                        </a:rPr>
+                        <a:t>is about 50% </a:t>
+                      </a:r>
+                      <a:endParaRPr lang="en-US" dirty="0" smtClean="0">
+                        <a:sym typeface="Wingdings" panose="05000000000000000000" pitchFamily="2" charset="2"/>
+                      </a:endParaRPr>
                     </a:p>
                   </a:txBody>
                   <a:tcPr/>
@@ -6052,7 +6073,7 @@
                       <a:r>
                         <a:rPr lang="en-US" dirty="0" smtClean="0">
                           <a:solidFill>
-                            <a:srgbClr val="FF0000"/>
+                            <a:schemeClr val="tx1"/>
                           </a:solidFill>
                           <a:sym typeface="Wingdings" panose="05000000000000000000" pitchFamily="2" charset="2"/>
                         </a:rPr>
@@ -6060,7 +6081,7 @@
                       </a:r>
                       <a:endParaRPr lang="en-US" dirty="0">
                         <a:solidFill>
-                          <a:srgbClr val="FF0000"/>
+                          <a:schemeClr val="tx1"/>
                         </a:solidFill>
                       </a:endParaRPr>
                     </a:p>
@@ -6094,19 +6115,7 @@
                           <a:ea typeface="+mn-ea"/>
                           <a:cs typeface="+mn-cs"/>
                         </a:rPr>
-                        <a:t> MD 2011 Dev </a:t>
-                      </a:r>
-                      <a:r>
-                        <a:rPr lang="en-US" sz="1800" kern="1200" dirty="0" smtClean="0">
-                          <a:solidFill>
-                            <a:schemeClr val="dk1"/>
-                          </a:solidFill>
-                          <a:effectLst/>
-                          <a:latin typeface="+mn-lt"/>
-                          <a:ea typeface="+mn-ea"/>
-                          <a:cs typeface="+mn-cs"/>
-                        </a:rPr>
-                        <a:t>Cell</a:t>
+                        <a:t> MD 2011 Dev Cell</a:t>
                       </a:r>
                     </a:p>
                     <a:p>
@@ -6143,7 +6152,7 @@
                       <a:r>
                         <a:rPr lang="en-US" dirty="0" smtClean="0">
                           <a:solidFill>
-                            <a:srgbClr val="FF0000"/>
+                            <a:schemeClr val="tx1"/>
                           </a:solidFill>
                         </a:rPr>
                         <a:t>Estimated</a:t>
@@ -6151,7 +6160,7 @@
                       <a:r>
                         <a:rPr lang="en-US" baseline="0" dirty="0" smtClean="0">
                           <a:solidFill>
-                            <a:srgbClr val="FF0000"/>
+                            <a:schemeClr val="tx1"/>
                           </a:solidFill>
                         </a:rPr>
                         <a:t> based on </a:t>
@@ -6159,7 +6168,7 @@
                       <a:r>
                         <a:rPr lang="en-US" baseline="0" dirty="0" err="1" smtClean="0">
                           <a:solidFill>
-                            <a:srgbClr val="FF0000"/>
+                            <a:schemeClr val="tx1"/>
                           </a:solidFill>
                         </a:rPr>
                         <a:t>RNAseq</a:t>
@@ -6167,7 +6176,7 @@
                       <a:r>
                         <a:rPr lang="en-US" baseline="0" dirty="0" smtClean="0">
                           <a:solidFill>
-                            <a:srgbClr val="FF0000"/>
+                            <a:schemeClr val="tx1"/>
                           </a:solidFill>
                         </a:rPr>
                         <a:t> copy number from HeLa cells. </a:t>
@@ -6175,15 +6184,31 @@
                       <a:r>
                         <a:rPr lang="en-US" dirty="0" smtClean="0">
                           <a:solidFill>
-                            <a:srgbClr val="FF0000"/>
+                            <a:schemeClr val="tx1"/>
                           </a:solidFill>
                         </a:rPr>
-                        <a:t>KDM4C (TPM) relative to H3F3A and</a:t>
+                        <a:t>KDM4C </a:t>
+                      </a:r>
+                      <a:r>
+                        <a:rPr lang="en-US" dirty="0" smtClean="0">
+                          <a:solidFill>
+                            <a:schemeClr val="tx1"/>
+                          </a:solidFill>
+                        </a:rPr>
+                        <a:t>relative </a:t>
+                      </a:r>
+                      <a:r>
+                        <a:rPr lang="en-US" dirty="0" smtClean="0">
+                          <a:solidFill>
+                            <a:schemeClr val="tx1"/>
+                          </a:solidFill>
+                        </a:rPr>
+                        <a:t>to H3F3A and</a:t>
                       </a:r>
                       <a:r>
                         <a:rPr lang="en-US" baseline="0" dirty="0" smtClean="0">
                           <a:solidFill>
-                            <a:srgbClr val="FF0000"/>
+                            <a:schemeClr val="tx1"/>
                           </a:solidFill>
                         </a:rPr>
                         <a:t> </a:t>
@@ -6191,14 +6216,14 @@
                       <a:r>
                         <a:rPr lang="en-US" dirty="0" smtClean="0">
                           <a:solidFill>
-                            <a:srgbClr val="FF0000"/>
+                            <a:schemeClr val="tx1"/>
                           </a:solidFill>
                         </a:rPr>
                         <a:t>H3F3B, KDM4D was negligible.</a:t>
                       </a:r>
                       <a:endParaRPr lang="en-US" dirty="0">
                         <a:solidFill>
-                          <a:srgbClr val="FF0000"/>
+                          <a:schemeClr val="tx1"/>
                         </a:solidFill>
                       </a:endParaRPr>
                     </a:p>
@@ -6241,57 +6266,11 @@
                       <a:r>
                         <a:rPr lang="en-US" dirty="0" smtClean="0">
                           <a:solidFill>
-                            <a:srgbClr val="FF0000"/>
+                            <a:schemeClr val="tx1"/>
                           </a:solidFill>
                           <a:sym typeface="Wingdings" panose="05000000000000000000" pitchFamily="2" charset="2"/>
                         </a:rPr>
                         <a:t>600K</a:t>
-                      </a:r>
-                      <a:endParaRPr lang="en-US" dirty="0">
-                        <a:solidFill>
-                          <a:srgbClr val="FF0000"/>
-                        </a:solidFill>
-                      </a:endParaRPr>
-                    </a:p>
-                  </a:txBody>
-                  <a:tcPr/>
-                </a:tc>
-                <a:tc>
-                  <a:txBody>
-                    <a:bodyPr/>
-                    <a:lstStyle/>
-                    <a:p>
-                      <a:r>
-                        <a:rPr lang="en-US" dirty="0" err="1" smtClean="0">
-                          <a:solidFill>
-                            <a:schemeClr val="tx1"/>
-                          </a:solidFill>
-                        </a:rPr>
-                        <a:t>Aagaard</a:t>
-                      </a:r>
-                      <a:r>
-                        <a:rPr lang="en-US" baseline="0" dirty="0" smtClean="0">
-                          <a:solidFill>
-                            <a:schemeClr val="tx1"/>
-                          </a:solidFill>
-                        </a:rPr>
-                        <a:t> L </a:t>
-                      </a:r>
-                      <a:r>
-                        <a:rPr lang="en-US" baseline="0" dirty="0" err="1" smtClean="0">
-                          <a:solidFill>
-                            <a:schemeClr val="tx1"/>
-                          </a:solidFill>
-                        </a:rPr>
-                        <a:t>wt</a:t>
-                      </a:r>
-                      <a:r>
-                        <a:rPr lang="en-US" baseline="0" dirty="0" smtClean="0">
-                          <a:solidFill>
-                            <a:schemeClr val="tx1"/>
-                          </a:solidFill>
-                        </a:rPr>
-                        <a:t> al. 2000 JCS</a:t>
                       </a:r>
                       <a:endParaRPr lang="en-US" dirty="0">
                         <a:solidFill>
@@ -6308,6 +6287,36 @@
                     <a:lstStyle/>
                     <a:p>
                       <a:r>
+                        <a:rPr lang="en-US" dirty="0" err="1" smtClean="0">
+                          <a:solidFill>
+                            <a:schemeClr val="tx1"/>
+                          </a:solidFill>
+                        </a:rPr>
+                        <a:t>Aagaard</a:t>
+                      </a:r>
+                      <a:r>
+                        <a:rPr lang="en-US" baseline="0" dirty="0" smtClean="0">
+                          <a:solidFill>
+                            <a:schemeClr val="tx1"/>
+                          </a:solidFill>
+                        </a:rPr>
+                        <a:t> L et al. 2000 JCS</a:t>
+                      </a:r>
+                      <a:endParaRPr lang="en-US" dirty="0">
+                        <a:solidFill>
+                          <a:schemeClr val="tx1"/>
+                        </a:solidFill>
+                      </a:endParaRPr>
+                    </a:p>
+                  </a:txBody>
+                  <a:tcPr/>
+                </a:tc>
+                <a:tc>
+                  <a:txBody>
+                    <a:bodyPr/>
+                    <a:lstStyle/>
+                    <a:p>
+                      <a:r>
                         <a:rPr lang="en-US" dirty="0" smtClean="0"/>
                         <a:t> 50% of </a:t>
                       </a:r>
@@ -6376,7 +6385,7 @@
                       <a:r>
                         <a:rPr lang="en-US" dirty="0" smtClean="0">
                           <a:solidFill>
-                            <a:srgbClr val="FF0000"/>
+                            <a:schemeClr val="tx1"/>
                           </a:solidFill>
                           <a:sym typeface="Wingdings" panose="05000000000000000000" pitchFamily="2" charset="2"/>
                         </a:rPr>
@@ -6384,7 +6393,7 @@
                       </a:r>
                       <a:endParaRPr lang="en-US" dirty="0">
                         <a:solidFill>
-                          <a:srgbClr val="FF0000"/>
+                          <a:schemeClr val="tx1"/>
                         </a:solidFill>
                       </a:endParaRPr>
                     </a:p>
@@ -6411,20 +6420,32 @@
                     <a:lstStyle/>
                     <a:p>
                       <a:r>
+                        <a:rPr lang="en-US" dirty="0" smtClean="0"/>
+                        <a:t>The </a:t>
+                      </a:r>
+                      <a:r>
                         <a:rPr lang="en-US" dirty="0" err="1" smtClean="0"/>
-                        <a:t>kinase:KDM</a:t>
+                        <a:t>RNAseq</a:t>
                       </a:r>
                       <a:r>
                         <a:rPr lang="en-US" dirty="0" smtClean="0"/>
-                        <a:t> </a:t>
+                        <a:t> copy data shows</a:t>
+                      </a:r>
+                      <a:r>
+                        <a:rPr lang="en-US" baseline="0" dirty="0" smtClean="0"/>
+                        <a:t> that the ratio a</a:t>
                       </a:r>
                       <a:r>
                         <a:rPr lang="en-US" dirty="0" smtClean="0"/>
-                        <a:t>= </a:t>
+                        <a:t>urora kinase B:KDM4C is</a:t>
+                      </a:r>
+                      <a:r>
+                        <a:rPr lang="en-US" baseline="0" dirty="0" smtClean="0"/>
+                        <a:t> approximately </a:t>
                       </a:r>
                       <a:r>
                         <a:rPr lang="en-US" dirty="0" smtClean="0"/>
-                        <a:t>5.9:1</a:t>
+                        <a:t>5.9:1. </a:t>
                       </a:r>
                       <a:endParaRPr lang="en-US" dirty="0"/>
                     </a:p>
@@ -6467,7 +6488,7 @@
                       <a:r>
                         <a:rPr lang="en-US" dirty="0" smtClean="0">
                           <a:solidFill>
-                            <a:srgbClr val="FF0000"/>
+                            <a:schemeClr val="tx1"/>
                           </a:solidFill>
                           <a:sym typeface="Wingdings" panose="05000000000000000000" pitchFamily="2" charset="2"/>
                         </a:rPr>
@@ -6475,7 +6496,7 @@
                       </a:r>
                       <a:endParaRPr lang="en-US" dirty="0">
                         <a:solidFill>
-                          <a:srgbClr val="FF0000"/>
+                          <a:schemeClr val="tx1"/>
                         </a:solidFill>
                       </a:endParaRPr>
                     </a:p>
@@ -6490,7 +6511,7 @@
                       <a:r>
                         <a:rPr lang="en-US" dirty="0" smtClean="0">
                           <a:solidFill>
-                            <a:srgbClr val="FF0000"/>
+                            <a:schemeClr val="tx1"/>
                           </a:solidFill>
                         </a:rPr>
                         <a:t>Dominguez</a:t>
@@ -6498,7 +6519,7 @@
                       <a:r>
                         <a:rPr lang="en-US" baseline="0" dirty="0" smtClean="0">
                           <a:solidFill>
-                            <a:srgbClr val="FF0000"/>
+                            <a:schemeClr val="tx1"/>
                           </a:solidFill>
                         </a:rPr>
                         <a:t> D Wang Z 2016 </a:t>
@@ -6506,14 +6527,14 @@
                       <a:r>
                         <a:rPr lang="en-US" baseline="0" dirty="0" err="1" smtClean="0">
                           <a:solidFill>
-                            <a:srgbClr val="FF0000"/>
+                            <a:schemeClr val="tx1"/>
                           </a:solidFill>
                         </a:rPr>
                         <a:t>elife</a:t>
                       </a:r>
                       <a:endParaRPr lang="en-US" dirty="0">
                         <a:solidFill>
-                          <a:srgbClr val="FF0000"/>
+                          <a:schemeClr val="tx1"/>
                         </a:solidFill>
                       </a:endParaRPr>
                     </a:p>
@@ -6527,11 +6548,7 @@
                     <a:p>
                       <a:r>
                         <a:rPr lang="en-US" dirty="0" smtClean="0"/>
-                        <a:t>15% </a:t>
-                      </a:r>
-                      <a:r>
-                        <a:rPr lang="en-US" dirty="0" smtClean="0"/>
-                        <a:t>of </a:t>
+                        <a:t>15% of </a:t>
                       </a:r>
                       <a:r>
                         <a:rPr lang="en-US" dirty="0" err="1" smtClean="0"/>
@@ -6611,11 +6628,7 @@
                     <a:p>
                       <a:r>
                         <a:rPr lang="en-US" dirty="0" smtClean="0"/>
-                        <a:t>[</a:t>
-                      </a:r>
-                      <a:r>
-                        <a:rPr lang="en-US" dirty="0" smtClean="0"/>
-                        <a:t>CDK1</a:t>
+                        <a:t>[CDK1</a:t>
                       </a:r>
                       <a:r>
                         <a:rPr lang="en-US" baseline="0" dirty="0" smtClean="0"/>
@@ -6710,14 +6723,14 @@
           <p:nvPr>
             <p:extLst>
               <p:ext uri="{D42A27DB-BD31-4B8C-83A1-F6EECF244321}">
-                <p14:modId xmlns:p14="http://schemas.microsoft.com/office/powerpoint/2010/main" val="1984075350"/>
+                <p14:modId xmlns:p14="http://schemas.microsoft.com/office/powerpoint/2010/main" val="1687260168"/>
               </p:ext>
             </p:extLst>
           </p:nvPr>
         </p:nvGraphicFramePr>
         <p:xfrm>
           <a:off x="882468" y="702249"/>
-          <a:ext cx="10429447" cy="4885300"/>
+          <a:ext cx="10429447" cy="4519540"/>
         </p:xfrm>
         <a:graphic>
           <a:graphicData uri="http://schemas.openxmlformats.org/drawingml/2006/table">
@@ -6727,8 +6740,8 @@
               </a:tblPr>
               <a:tblGrid>
                 <a:gridCol w="3622920"/>
-                <a:gridCol w="1065791"/>
-                <a:gridCol w="2494919"/>
+                <a:gridCol w="1279462"/>
+                <a:gridCol w="2281248"/>
                 <a:gridCol w="3245817"/>
               </a:tblGrid>
               <a:tr h="538148">
@@ -6753,7 +6766,7 @@
                     <a:p>
                       <a:r>
                         <a:rPr lang="en-US" dirty="0" smtClean="0"/>
-                        <a:t>Value </a:t>
+                        <a:t>Value/unit</a:t>
                       </a:r>
                       <a:endParaRPr lang="en-US" dirty="0"/>
                     </a:p>
@@ -7125,18 +7138,6 @@
                     <a:bodyPr/>
                     <a:lstStyle/>
                     <a:p>
-                      <a:r>
-                        <a:rPr lang="en-US" sz="1800" kern="1200" dirty="0" smtClean="0">
-                          <a:solidFill>
-                            <a:srgbClr val="FF0000"/>
-                          </a:solidFill>
-                          <a:effectLst/>
-                          <a:latin typeface="+mn-lt"/>
-                          <a:ea typeface="+mn-ea"/>
-                          <a:cs typeface="+mn-cs"/>
-                        </a:rPr>
-                        <a:t>???</a:t>
-                      </a:r>
                       <a:endParaRPr lang="en-US" dirty="0">
                         <a:solidFill>
                           <a:srgbClr val="FF0000"/>
@@ -7151,6 +7152,10 @@
                     <a:bodyPr/>
                     <a:lstStyle/>
                     <a:p>
+                      <a:r>
+                        <a:rPr lang="en-US" dirty="0" smtClean="0"/>
+                        <a:t>Based on kinetics in Fig. 2</a:t>
+                      </a:r>
                       <a:endParaRPr lang="en-US" dirty="0"/>
                     </a:p>
                   </a:txBody>
@@ -7184,76 +7189,6 @@
                       <a:r>
                         <a:rPr lang="en-US" dirty="0" smtClean="0"/>
                         <a:t>0.03</a:t>
-                      </a:r>
-                      <a:endParaRPr lang="en-US" dirty="0"/>
-                    </a:p>
-                  </a:txBody>
-                  <a:tcPr/>
-                </a:tc>
-                <a:tc>
-                  <a:txBody>
-                    <a:bodyPr/>
-                    <a:lstStyle/>
-                    <a:p>
-                      <a:r>
-                        <a:rPr lang="en-US" dirty="0" smtClean="0">
-                          <a:solidFill>
-                            <a:srgbClr val="FF0000"/>
-                          </a:solidFill>
-                        </a:rPr>
-                        <a:t>???</a:t>
-                      </a:r>
-                      <a:endParaRPr lang="en-US" dirty="0">
-                        <a:solidFill>
-                          <a:srgbClr val="FF0000"/>
-                        </a:solidFill>
-                      </a:endParaRPr>
-                    </a:p>
-                  </a:txBody>
-                  <a:tcPr/>
-                </a:tc>
-                <a:tc>
-                  <a:txBody>
-                    <a:bodyPr/>
-                    <a:lstStyle/>
-                    <a:p>
-                      <a:endParaRPr lang="en-US"/>
-                    </a:p>
-                  </a:txBody>
-                  <a:tcPr/>
-                </a:tc>
-              </a:tr>
-              <a:tr h="182880">
-                <a:tc>
-                  <a:txBody>
-                    <a:bodyPr/>
-                    <a:lstStyle/>
-                    <a:p>
-                      <a:r>
-                        <a:rPr lang="en-US" dirty="0" smtClean="0"/>
-                        <a:t>Strength</a:t>
-                      </a:r>
-                      <a:r>
-                        <a:rPr lang="en-US" baseline="0" dirty="0" smtClean="0"/>
-                        <a:t> of kinase</a:t>
-                      </a:r>
-                      <a:endParaRPr lang="en-US" dirty="0"/>
-                    </a:p>
-                  </a:txBody>
-                  <a:tcPr/>
-                </a:tc>
-                <a:tc>
-                  <a:txBody>
-                    <a:bodyPr/>
-                    <a:lstStyle/>
-                    <a:p>
-                      <a:r>
-                        <a:rPr lang="en-US" dirty="0" smtClean="0"/>
-                        <a:t>1</a:t>
-                      </a:r>
-                      <a:r>
-                        <a:rPr lang="en-US" baseline="0" dirty="0" smtClean="0"/>
-                        <a:t> or less</a:t>
                       </a:r>
                       <a:endParaRPr lang="en-US" dirty="0"/>
                     </a:p>
@@ -7281,12 +7216,17 @@
                     <a:p>
                       <a:r>
                         <a:rPr lang="en-US" dirty="0" smtClean="0"/>
-                        <a:t>1</a:t>
+                        <a:t>Based</a:t>
                       </a:r>
                       <a:r>
                         <a:rPr lang="en-US" baseline="0" dirty="0" smtClean="0"/>
-                        <a:t> or 1- strength of inhibitor</a:t>
-                      </a:r>
+                        <a:t> on kinetics in </a:t>
+                      </a:r>
+                      <a:r>
+                        <a:rPr lang="en-US" dirty="0" smtClean="0"/>
+                        <a:t>Fig. 2</a:t>
+                      </a:r>
+                      <a:endParaRPr lang="en-US" dirty="0"/>
                     </a:p>
                   </a:txBody>
                   <a:tcPr/>
@@ -7454,901 +7394,859 @@
           <a:chExt cx="0" cy="0"/>
         </a:xfrm>
       </p:grpSpPr>
-      <p:sp>
-        <p:nvSpPr>
-          <p:cNvPr id="2" name="TextBox 1"/>
-          <p:cNvSpPr txBox="1"/>
-          <p:nvPr/>
-        </p:nvSpPr>
-        <p:spPr>
-          <a:xfrm>
-            <a:off x="567069" y="411126"/>
-            <a:ext cx="10341935" cy="923330"/>
-          </a:xfrm>
-          <a:prstGeom prst="rect">
-            <a:avLst/>
-          </a:prstGeom>
-          <a:noFill/>
-        </p:spPr>
-        <p:txBody>
-          <a:bodyPr wrap="square" rtlCol="0">
-            <a:spAutoFit/>
-          </a:bodyPr>
-          <a:lstStyle/>
-          <a:p>
-            <a:r>
-              <a:rPr lang="en-US" b="1" dirty="0" smtClean="0"/>
-              <a:t>References:</a:t>
-            </a:r>
-            <a:endParaRPr lang="en-US" dirty="0"/>
-          </a:p>
-          <a:p>
-            <a:pPr marL="342900" indent="-342900">
-              <a:buFont typeface="+mj-lt"/>
-              <a:buAutoNum type="arabicPeriod"/>
-            </a:pPr>
-            <a:r>
-              <a:rPr lang="en-US" dirty="0" err="1" smtClean="0"/>
-              <a:t>Aagaard</a:t>
-            </a:r>
-            <a:r>
-              <a:rPr lang="en-US" dirty="0" smtClean="0"/>
-              <a:t> L </a:t>
-            </a:r>
-            <a:r>
-              <a:rPr lang="en-US" dirty="0" err="1" smtClean="0"/>
-              <a:t>Jenuwein</a:t>
-            </a:r>
-            <a:r>
-              <a:rPr lang="en-US" dirty="0" smtClean="0"/>
-              <a:t> T 2000 JCS, Mitotic phosphorylation of SUV39H1, a novel component of active centromeres, coincides with transient accumulation at mammalian centromeres. </a:t>
-            </a:r>
-            <a:endParaRPr lang="en-US" dirty="0"/>
-          </a:p>
-        </p:txBody>
-      </p:sp>
-    </p:spTree>
-    <p:extLst>
-      <p:ext uri="{BB962C8B-B14F-4D97-AF65-F5344CB8AC3E}">
-        <p14:creationId xmlns:p14="http://schemas.microsoft.com/office/powerpoint/2010/main" val="145726019"/>
-      </p:ext>
-    </p:extLst>
-  </p:cSld>
-  <p:clrMapOvr>
-    <a:masterClrMapping/>
-  </p:clrMapOvr>
-</p:sld>
-</file>
-
-<file path=ppt/slides/slide8.xml><?xml version="1.0" encoding="utf-8"?>
-<p:sld xmlns:a="http://schemas.openxmlformats.org/drawingml/2006/main" xmlns:r="http://schemas.openxmlformats.org/officeDocument/2006/relationships" xmlns:p="http://schemas.openxmlformats.org/presentationml/2006/main">
-  <p:cSld>
-    <p:spTree>
-      <p:nvGrpSpPr>
-        <p:cNvPr id="1" name=""/>
-        <p:cNvGrpSpPr/>
-        <p:nvPr/>
-      </p:nvGrpSpPr>
-      <p:grpSpPr>
-        <a:xfrm>
-          <a:off x="0" y="0"/>
-          <a:ext cx="0" cy="0"/>
-          <a:chOff x="0" y="0"/>
-          <a:chExt cx="0" cy="0"/>
-        </a:xfrm>
-      </p:grpSpPr>
-      <p:sp>
-        <p:nvSpPr>
-          <p:cNvPr id="47" name="TextBox 46"/>
-          <p:cNvSpPr txBox="1"/>
-          <p:nvPr/>
-        </p:nvSpPr>
-        <p:spPr>
-          <a:xfrm>
-            <a:off x="286992" y="149971"/>
-            <a:ext cx="6936822" cy="1200329"/>
-          </a:xfrm>
-          <a:prstGeom prst="rect">
-            <a:avLst/>
-          </a:prstGeom>
-          <a:noFill/>
-        </p:spPr>
-        <p:txBody>
-          <a:bodyPr wrap="square" rtlCol="0">
-            <a:spAutoFit/>
-          </a:bodyPr>
-          <a:lstStyle/>
-          <a:p>
-            <a:r>
-              <a:rPr lang="en-US" sz="2400" b="1" dirty="0" smtClean="0"/>
-              <a:t>Model3: S10P recruiting KDMs </a:t>
-            </a:r>
-            <a:r>
-              <a:rPr lang="en-US" sz="2400" b="1" dirty="0" smtClean="0"/>
-              <a:t>is crucial for fast demethylation at mitotic entrance, while S10P </a:t>
-            </a:r>
-            <a:r>
-              <a:rPr lang="en-US" sz="2400" b="1" dirty="0" smtClean="0"/>
-              <a:t>repelling </a:t>
-            </a:r>
-            <a:r>
-              <a:rPr lang="en-US" sz="2400" b="1" dirty="0" smtClean="0"/>
-              <a:t>MTs </a:t>
-            </a:r>
-            <a:r>
-              <a:rPr lang="en-US" sz="2400" b="1" dirty="0" smtClean="0"/>
-              <a:t>plays </a:t>
-            </a:r>
-            <a:r>
-              <a:rPr lang="en-US" sz="2400" b="1" dirty="0" smtClean="0"/>
-              <a:t>an assisting role</a:t>
-            </a:r>
-            <a:endParaRPr lang="en-US" sz="2400" b="1" dirty="0"/>
-          </a:p>
-        </p:txBody>
-      </p:sp>
       <p:grpSp>
         <p:nvGrpSpPr>
-          <p:cNvPr id="50" name="Group 49"/>
+          <p:cNvPr id="3" name="Group 2"/>
           <p:cNvGrpSpPr/>
           <p:nvPr/>
         </p:nvGrpSpPr>
         <p:grpSpPr>
           <a:xfrm>
-            <a:off x="7840392" y="82377"/>
-            <a:ext cx="4551528" cy="2621908"/>
-            <a:chOff x="797041" y="156518"/>
-            <a:chExt cx="4551528" cy="2621908"/>
+            <a:off x="7840392" y="544042"/>
+            <a:ext cx="4225660" cy="2344072"/>
+            <a:chOff x="7840392" y="544042"/>
+            <a:chExt cx="4225660" cy="2344072"/>
           </a:xfrm>
         </p:grpSpPr>
+        <p:sp>
+          <p:nvSpPr>
+            <p:cNvPr id="76" name="TextBox 75"/>
+            <p:cNvSpPr txBox="1"/>
+            <p:nvPr/>
+          </p:nvSpPr>
+          <p:spPr>
+            <a:xfrm>
+              <a:off x="9549181" y="544042"/>
+              <a:ext cx="527221" cy="584775"/>
+            </a:xfrm>
+            <a:prstGeom prst="rect">
+              <a:avLst/>
+            </a:prstGeom>
+            <a:noFill/>
+          </p:spPr>
+          <p:txBody>
+            <a:bodyPr wrap="square" rtlCol="0">
+              <a:spAutoFit/>
+            </a:bodyPr>
+            <a:lstStyle/>
+            <a:p>
+              <a:r>
+                <a:rPr lang="en-US" sz="3200" b="1" dirty="0" smtClean="0">
+                  <a:solidFill>
+                    <a:schemeClr val="accent2">
+                      <a:lumMod val="75000"/>
+                    </a:schemeClr>
+                  </a:solidFill>
+                </a:rPr>
+                <a:t>x</a:t>
+              </a:r>
+              <a:endParaRPr lang="en-US" sz="3200" b="1" dirty="0">
+                <a:solidFill>
+                  <a:schemeClr val="accent2">
+                    <a:lumMod val="75000"/>
+                  </a:schemeClr>
+                </a:solidFill>
+              </a:endParaRPr>
+            </a:p>
+          </p:txBody>
+        </p:sp>
+        <p:sp>
+          <p:nvSpPr>
+            <p:cNvPr id="77" name="TextBox 76"/>
+            <p:cNvSpPr txBox="1"/>
+            <p:nvPr/>
+          </p:nvSpPr>
+          <p:spPr>
+            <a:xfrm>
+              <a:off x="9853730" y="1727224"/>
+              <a:ext cx="527221" cy="584775"/>
+            </a:xfrm>
+            <a:prstGeom prst="rect">
+              <a:avLst/>
+            </a:prstGeom>
+            <a:noFill/>
+          </p:spPr>
+          <p:txBody>
+            <a:bodyPr wrap="square" rtlCol="0">
+              <a:spAutoFit/>
+            </a:bodyPr>
+            <a:lstStyle/>
+            <a:p>
+              <a:r>
+                <a:rPr lang="en-US" sz="3200" b="1" dirty="0" smtClean="0">
+                  <a:solidFill>
+                    <a:schemeClr val="accent4"/>
+                  </a:solidFill>
+                </a:rPr>
+                <a:t>x</a:t>
+              </a:r>
+              <a:endParaRPr lang="en-US" sz="3200" b="1" dirty="0">
+                <a:solidFill>
+                  <a:schemeClr val="accent4"/>
+                </a:solidFill>
+              </a:endParaRPr>
+            </a:p>
+          </p:txBody>
+        </p:sp>
         <p:grpSp>
           <p:nvGrpSpPr>
-            <p:cNvPr id="51" name="Group 50"/>
+            <p:cNvPr id="33" name="Group 32"/>
             <p:cNvGrpSpPr/>
             <p:nvPr/>
           </p:nvGrpSpPr>
           <p:grpSpPr>
             <a:xfrm>
-              <a:off x="797041" y="1172540"/>
-              <a:ext cx="818865" cy="655092"/>
-              <a:chOff x="2586251" y="1153236"/>
-              <a:chExt cx="818865" cy="655092"/>
+              <a:off x="7840392" y="1250823"/>
+              <a:ext cx="4225660" cy="1637291"/>
+              <a:chOff x="797041" y="1141135"/>
+              <a:chExt cx="4225660" cy="1637291"/>
             </a:xfrm>
           </p:grpSpPr>
-          <p:sp>
-            <p:nvSpPr>
-              <p:cNvPr id="74" name="Oval 73"/>
-              <p:cNvSpPr/>
+          <p:grpSp>
+            <p:nvGrpSpPr>
+              <p:cNvPr id="34" name="Group 33"/>
+              <p:cNvGrpSpPr/>
               <p:nvPr/>
-            </p:nvSpPr>
+            </p:nvGrpSpPr>
+            <p:grpSpPr>
+              <a:xfrm>
+                <a:off x="797041" y="1172540"/>
+                <a:ext cx="818865" cy="655092"/>
+                <a:chOff x="2586251" y="1153236"/>
+                <a:chExt cx="818865" cy="655092"/>
+              </a:xfrm>
+            </p:grpSpPr>
+            <p:sp>
+              <p:nvSpPr>
+                <p:cNvPr id="85" name="Oval 84"/>
+                <p:cNvSpPr/>
+                <p:nvPr/>
+              </p:nvSpPr>
+              <p:spPr>
+                <a:xfrm>
+                  <a:off x="2586251" y="1153236"/>
+                  <a:ext cx="818865" cy="655092"/>
+                </a:xfrm>
+                <a:prstGeom prst="ellipse">
+                  <a:avLst/>
+                </a:prstGeom>
+                <a:noFill/>
+                <a:ln w="19050"/>
+              </p:spPr>
+              <p:style>
+                <a:lnRef idx="2">
+                  <a:schemeClr val="accent1">
+                    <a:shade val="50000"/>
+                  </a:schemeClr>
+                </a:lnRef>
+                <a:fillRef idx="1">
+                  <a:schemeClr val="accent1"/>
+                </a:fillRef>
+                <a:effectRef idx="0">
+                  <a:schemeClr val="accent1"/>
+                </a:effectRef>
+                <a:fontRef idx="minor">
+                  <a:schemeClr val="lt1"/>
+                </a:fontRef>
+              </p:style>
+              <p:txBody>
+                <a:bodyPr rtlCol="0" anchor="ctr"/>
+                <a:lstStyle/>
+                <a:p>
+                  <a:pPr algn="ctr"/>
+                  <a:endParaRPr lang="en-US" b="1"/>
+                </a:p>
+              </p:txBody>
+            </p:sp>
+            <p:sp>
+              <p:nvSpPr>
+                <p:cNvPr id="86" name="TextBox 85"/>
+                <p:cNvSpPr txBox="1"/>
+                <p:nvPr/>
+              </p:nvSpPr>
+              <p:spPr>
+                <a:xfrm>
+                  <a:off x="2715904" y="1289713"/>
+                  <a:ext cx="559559" cy="369332"/>
+                </a:xfrm>
+                <a:prstGeom prst="rect">
+                  <a:avLst/>
+                </a:prstGeom>
+                <a:noFill/>
+              </p:spPr>
+              <p:txBody>
+                <a:bodyPr wrap="square" rtlCol="0">
+                  <a:spAutoFit/>
+                </a:bodyPr>
+                <a:lstStyle/>
+                <a:p>
+                  <a:pPr algn="ctr"/>
+                  <a:r>
+                    <a:rPr lang="en-US" b="1" dirty="0" smtClean="0"/>
+                    <a:t>MT</a:t>
+                  </a:r>
+                  <a:endParaRPr lang="en-US" b="1" dirty="0"/>
+                </a:p>
+              </p:txBody>
+            </p:sp>
+          </p:grpSp>
+          <p:grpSp>
+            <p:nvGrpSpPr>
+              <p:cNvPr id="35" name="Group 34"/>
+              <p:cNvGrpSpPr/>
+              <p:nvPr/>
+            </p:nvGrpSpPr>
+            <p:grpSpPr>
+              <a:xfrm>
+                <a:off x="1486253" y="2123334"/>
+                <a:ext cx="818865" cy="655092"/>
+                <a:chOff x="3275463" y="2104030"/>
+                <a:chExt cx="818865" cy="655092"/>
+              </a:xfrm>
+            </p:grpSpPr>
+            <p:sp>
+              <p:nvSpPr>
+                <p:cNvPr id="83" name="Oval 82"/>
+                <p:cNvSpPr/>
+                <p:nvPr/>
+              </p:nvSpPr>
+              <p:spPr>
+                <a:xfrm>
+                  <a:off x="3275463" y="2104030"/>
+                  <a:ext cx="818865" cy="655092"/>
+                </a:xfrm>
+                <a:prstGeom prst="ellipse">
+                  <a:avLst/>
+                </a:prstGeom>
+                <a:noFill/>
+                <a:ln w="19050"/>
+              </p:spPr>
+              <p:style>
+                <a:lnRef idx="2">
+                  <a:schemeClr val="accent1">
+                    <a:shade val="50000"/>
+                  </a:schemeClr>
+                </a:lnRef>
+                <a:fillRef idx="1">
+                  <a:schemeClr val="accent1"/>
+                </a:fillRef>
+                <a:effectRef idx="0">
+                  <a:schemeClr val="accent1"/>
+                </a:effectRef>
+                <a:fontRef idx="minor">
+                  <a:schemeClr val="lt1"/>
+                </a:fontRef>
+              </p:style>
+              <p:txBody>
+                <a:bodyPr rtlCol="0" anchor="ctr"/>
+                <a:lstStyle/>
+                <a:p>
+                  <a:pPr algn="ctr"/>
+                  <a:endParaRPr lang="en-US" b="1"/>
+                </a:p>
+              </p:txBody>
+            </p:sp>
+            <p:sp>
+              <p:nvSpPr>
+                <p:cNvPr id="84" name="TextBox 83"/>
+                <p:cNvSpPr txBox="1"/>
+                <p:nvPr/>
+              </p:nvSpPr>
+              <p:spPr>
+                <a:xfrm>
+                  <a:off x="3295934" y="2240507"/>
+                  <a:ext cx="798394" cy="295466"/>
+                </a:xfrm>
+                <a:prstGeom prst="rect">
+                  <a:avLst/>
+                </a:prstGeom>
+                <a:noFill/>
+              </p:spPr>
+              <p:txBody>
+                <a:bodyPr wrap="square" lIns="9144" tIns="9144" rIns="9144" bIns="9144" rtlCol="0">
+                  <a:spAutoFit/>
+                </a:bodyPr>
+                <a:lstStyle/>
+                <a:p>
+                  <a:pPr algn="ctr"/>
+                  <a:r>
+                    <a:rPr lang="en-US" b="1" dirty="0" smtClean="0"/>
+                    <a:t>H3K9M</a:t>
+                  </a:r>
+                  <a:endParaRPr lang="en-US" b="1" dirty="0"/>
+                </a:p>
+              </p:txBody>
+            </p:sp>
+          </p:grpSp>
+          <p:grpSp>
+            <p:nvGrpSpPr>
+              <p:cNvPr id="36" name="Group 35"/>
+              <p:cNvGrpSpPr/>
+              <p:nvPr/>
+            </p:nvGrpSpPr>
+            <p:grpSpPr>
+              <a:xfrm>
+                <a:off x="2102789" y="1168412"/>
+                <a:ext cx="818865" cy="655092"/>
+                <a:chOff x="3275463" y="2104030"/>
+                <a:chExt cx="818865" cy="655092"/>
+              </a:xfrm>
+            </p:grpSpPr>
+            <p:sp>
+              <p:nvSpPr>
+                <p:cNvPr id="81" name="Oval 80"/>
+                <p:cNvSpPr/>
+                <p:nvPr/>
+              </p:nvSpPr>
+              <p:spPr>
+                <a:xfrm>
+                  <a:off x="3275463" y="2104030"/>
+                  <a:ext cx="818865" cy="655092"/>
+                </a:xfrm>
+                <a:prstGeom prst="ellipse">
+                  <a:avLst/>
+                </a:prstGeom>
+                <a:noFill/>
+                <a:ln w="19050"/>
+              </p:spPr>
+              <p:style>
+                <a:lnRef idx="2">
+                  <a:schemeClr val="accent1">
+                    <a:shade val="50000"/>
+                  </a:schemeClr>
+                </a:lnRef>
+                <a:fillRef idx="1">
+                  <a:schemeClr val="accent1"/>
+                </a:fillRef>
+                <a:effectRef idx="0">
+                  <a:schemeClr val="accent1"/>
+                </a:effectRef>
+                <a:fontRef idx="minor">
+                  <a:schemeClr val="lt1"/>
+                </a:fontRef>
+              </p:style>
+              <p:txBody>
+                <a:bodyPr rtlCol="0" anchor="ctr"/>
+                <a:lstStyle/>
+                <a:p>
+                  <a:pPr algn="ctr"/>
+                  <a:endParaRPr lang="en-US" b="1"/>
+                </a:p>
+              </p:txBody>
+            </p:sp>
+            <p:sp>
+              <p:nvSpPr>
+                <p:cNvPr id="82" name="TextBox 81"/>
+                <p:cNvSpPr txBox="1"/>
+                <p:nvPr/>
+              </p:nvSpPr>
+              <p:spPr>
+                <a:xfrm>
+                  <a:off x="3275464" y="2240507"/>
+                  <a:ext cx="757450" cy="369332"/>
+                </a:xfrm>
+                <a:prstGeom prst="rect">
+                  <a:avLst/>
+                </a:prstGeom>
+                <a:noFill/>
+              </p:spPr>
+              <p:txBody>
+                <a:bodyPr wrap="square" rtlCol="0">
+                  <a:spAutoFit/>
+                </a:bodyPr>
+                <a:lstStyle/>
+                <a:p>
+                  <a:pPr algn="ctr"/>
+                  <a:r>
+                    <a:rPr lang="en-US" b="1" dirty="0" smtClean="0"/>
+                    <a:t>KDM</a:t>
+                  </a:r>
+                  <a:endParaRPr lang="en-US" b="1" dirty="0"/>
+                </a:p>
+              </p:txBody>
+            </p:sp>
+          </p:grpSp>
+          <p:grpSp>
+            <p:nvGrpSpPr>
+              <p:cNvPr id="37" name="Group 36"/>
+              <p:cNvGrpSpPr/>
+              <p:nvPr/>
+            </p:nvGrpSpPr>
+            <p:grpSpPr>
+              <a:xfrm>
+                <a:off x="2860240" y="2123334"/>
+                <a:ext cx="851413" cy="655092"/>
+                <a:chOff x="3242915" y="2104030"/>
+                <a:chExt cx="851413" cy="655092"/>
+              </a:xfrm>
+            </p:grpSpPr>
+            <p:sp>
+              <p:nvSpPr>
+                <p:cNvPr id="79" name="Oval 78"/>
+                <p:cNvSpPr/>
+                <p:nvPr/>
+              </p:nvSpPr>
+              <p:spPr>
+                <a:xfrm>
+                  <a:off x="3275463" y="2104030"/>
+                  <a:ext cx="818865" cy="655092"/>
+                </a:xfrm>
+                <a:prstGeom prst="ellipse">
+                  <a:avLst/>
+                </a:prstGeom>
+                <a:noFill/>
+                <a:ln w="19050"/>
+              </p:spPr>
+              <p:style>
+                <a:lnRef idx="2">
+                  <a:schemeClr val="accent1">
+                    <a:shade val="50000"/>
+                  </a:schemeClr>
+                </a:lnRef>
+                <a:fillRef idx="1">
+                  <a:schemeClr val="accent1"/>
+                </a:fillRef>
+                <a:effectRef idx="0">
+                  <a:schemeClr val="accent1"/>
+                </a:effectRef>
+                <a:fontRef idx="minor">
+                  <a:schemeClr val="lt1"/>
+                </a:fontRef>
+              </p:style>
+              <p:txBody>
+                <a:bodyPr rtlCol="0" anchor="ctr"/>
+                <a:lstStyle/>
+                <a:p>
+                  <a:pPr algn="ctr"/>
+                  <a:endParaRPr lang="en-US" b="1"/>
+                </a:p>
+              </p:txBody>
+            </p:sp>
+            <p:sp>
+              <p:nvSpPr>
+                <p:cNvPr id="80" name="TextBox 79"/>
+                <p:cNvSpPr txBox="1"/>
+                <p:nvPr/>
+              </p:nvSpPr>
+              <p:spPr>
+                <a:xfrm>
+                  <a:off x="3242915" y="2240507"/>
+                  <a:ext cx="851413" cy="295466"/>
+                </a:xfrm>
+                <a:prstGeom prst="rect">
+                  <a:avLst/>
+                </a:prstGeom>
+                <a:noFill/>
+              </p:spPr>
+              <p:txBody>
+                <a:bodyPr wrap="square" lIns="9144" tIns="9144" rIns="9144" bIns="9144" rtlCol="0">
+                  <a:spAutoFit/>
+                </a:bodyPr>
+                <a:lstStyle/>
+                <a:p>
+                  <a:pPr algn="ctr"/>
+                  <a:r>
+                    <a:rPr lang="en-US" b="1" dirty="0" smtClean="0"/>
+                    <a:t>H3S10P</a:t>
+                  </a:r>
+                  <a:endParaRPr lang="en-US" b="1" dirty="0"/>
+                </a:p>
+              </p:txBody>
+            </p:sp>
+          </p:grpSp>
+          <p:cxnSp>
+            <p:nvCxnSpPr>
+              <p:cNvPr id="38" name="Straight Arrow Connector 37"/>
+              <p:cNvCxnSpPr/>
+              <p:nvPr/>
+            </p:nvCxnSpPr>
             <p:spPr>
               <a:xfrm>
-                <a:off x="2586251" y="1153236"/>
-                <a:ext cx="818865" cy="655092"/>
+                <a:off x="1480724" y="1720744"/>
+                <a:ext cx="263830" cy="402590"/>
               </a:xfrm>
-              <a:prstGeom prst="ellipse">
+              <a:prstGeom prst="straightConnector1">
                 <a:avLst/>
               </a:prstGeom>
-              <a:noFill/>
-              <a:ln w="19050"/>
+              <a:ln w="19050">
+                <a:solidFill>
+                  <a:schemeClr val="tx1"/>
+                </a:solidFill>
+                <a:headEnd type="none"/>
+                <a:tailEnd type="arrow"/>
+              </a:ln>
             </p:spPr>
             <p:style>
-              <a:lnRef idx="2">
-                <a:schemeClr val="accent1">
-                  <a:shade val="50000"/>
-                </a:schemeClr>
+              <a:lnRef idx="1">
+                <a:schemeClr val="accent1"/>
               </a:lnRef>
-              <a:fillRef idx="1">
+              <a:fillRef idx="0">
                 <a:schemeClr val="accent1"/>
               </a:fillRef>
               <a:effectRef idx="0">
                 <a:schemeClr val="accent1"/>
               </a:effectRef>
               <a:fontRef idx="minor">
-                <a:schemeClr val="lt1"/>
+                <a:schemeClr val="tx1"/>
               </a:fontRef>
             </p:style>
-            <p:txBody>
-              <a:bodyPr rtlCol="0" anchor="ctr"/>
-              <a:lstStyle/>
-              <a:p>
-                <a:pPr algn="ctr"/>
-                <a:endParaRPr lang="en-US" b="1"/>
-              </a:p>
-            </p:txBody>
-          </p:sp>
-          <p:sp>
-            <p:nvSpPr>
-              <p:cNvPr id="75" name="TextBox 74"/>
-              <p:cNvSpPr txBox="1"/>
+          </p:cxnSp>
+          <p:cxnSp>
+            <p:nvCxnSpPr>
+              <p:cNvPr id="39" name="Straight Arrow Connector 38"/>
+              <p:cNvCxnSpPr/>
               <p:nvPr/>
-            </p:nvSpPr>
+            </p:nvCxnSpPr>
             <p:spPr>
-              <a:xfrm>
-                <a:off x="2715904" y="1289713"/>
-                <a:ext cx="559559" cy="369332"/>
+              <a:xfrm flipH="1" flipV="1">
+                <a:off x="2792001" y="1710707"/>
+                <a:ext cx="360279" cy="425444"/>
               </a:xfrm>
-              <a:prstGeom prst="rect">
+              <a:prstGeom prst="straightConnector1">
                 <a:avLst/>
               </a:prstGeom>
-              <a:noFill/>
-            </p:spPr>
-            <p:txBody>
-              <a:bodyPr wrap="square" rtlCol="0">
-                <a:spAutoFit/>
-              </a:bodyPr>
-              <a:lstStyle/>
-              <a:p>
-                <a:pPr algn="ctr"/>
-                <a:r>
-                  <a:rPr lang="en-US" b="1" dirty="0" smtClean="0"/>
-                  <a:t>MT</a:t>
-                </a:r>
-                <a:endParaRPr lang="en-US" b="1" dirty="0"/>
-              </a:p>
-            </p:txBody>
-          </p:sp>
-        </p:grpSp>
-        <p:grpSp>
-          <p:nvGrpSpPr>
-            <p:cNvPr id="52" name="Group 51"/>
-            <p:cNvGrpSpPr/>
-            <p:nvPr/>
-          </p:nvGrpSpPr>
-          <p:grpSpPr>
-            <a:xfrm>
-              <a:off x="1486253" y="2123334"/>
-              <a:ext cx="818865" cy="655092"/>
-              <a:chOff x="3275463" y="2104030"/>
-              <a:chExt cx="818865" cy="655092"/>
-            </a:xfrm>
-          </p:grpSpPr>
-          <p:sp>
-            <p:nvSpPr>
-              <p:cNvPr id="72" name="Oval 71"/>
-              <p:cNvSpPr/>
-              <p:nvPr/>
-            </p:nvSpPr>
-            <p:spPr>
-              <a:xfrm>
-                <a:off x="3275463" y="2104030"/>
-                <a:ext cx="818865" cy="655092"/>
-              </a:xfrm>
-              <a:prstGeom prst="ellipse">
-                <a:avLst/>
-              </a:prstGeom>
-              <a:noFill/>
-              <a:ln w="19050"/>
+              <a:ln w="19050">
+                <a:solidFill>
+                  <a:schemeClr val="tx1"/>
+                </a:solidFill>
+                <a:headEnd type="none"/>
+                <a:tailEnd type="arrow"/>
+              </a:ln>
             </p:spPr>
             <p:style>
-              <a:lnRef idx="2">
-                <a:schemeClr val="accent1">
-                  <a:shade val="50000"/>
-                </a:schemeClr>
+              <a:lnRef idx="1">
+                <a:schemeClr val="accent1"/>
               </a:lnRef>
-              <a:fillRef idx="1">
+              <a:fillRef idx="0">
                 <a:schemeClr val="accent1"/>
               </a:fillRef>
               <a:effectRef idx="0">
                 <a:schemeClr val="accent1"/>
               </a:effectRef>
               <a:fontRef idx="minor">
-                <a:schemeClr val="lt1"/>
+                <a:schemeClr val="tx1"/>
               </a:fontRef>
             </p:style>
-            <p:txBody>
-              <a:bodyPr rtlCol="0" anchor="ctr"/>
-              <a:lstStyle/>
-              <a:p>
-                <a:pPr algn="ctr"/>
-                <a:endParaRPr lang="en-US" b="1"/>
-              </a:p>
-            </p:txBody>
-          </p:sp>
-          <p:sp>
-            <p:nvSpPr>
-              <p:cNvPr id="73" name="TextBox 72"/>
-              <p:cNvSpPr txBox="1"/>
+          </p:cxnSp>
+          <p:grpSp>
+            <p:nvGrpSpPr>
+              <p:cNvPr id="40" name="Group 39"/>
+              <p:cNvGrpSpPr/>
               <p:nvPr/>
-            </p:nvSpPr>
+            </p:nvGrpSpPr>
+            <p:grpSpPr>
+              <a:xfrm>
+                <a:off x="4092152" y="1141135"/>
+                <a:ext cx="908212" cy="655092"/>
+                <a:chOff x="3230789" y="2104030"/>
+                <a:chExt cx="908212" cy="655092"/>
+              </a:xfrm>
+            </p:grpSpPr>
+            <p:sp>
+              <p:nvSpPr>
+                <p:cNvPr id="48" name="Oval 47"/>
+                <p:cNvSpPr/>
+                <p:nvPr/>
+              </p:nvSpPr>
+              <p:spPr>
+                <a:xfrm>
+                  <a:off x="3275463" y="2104030"/>
+                  <a:ext cx="818865" cy="655092"/>
+                </a:xfrm>
+                <a:prstGeom prst="ellipse">
+                  <a:avLst/>
+                </a:prstGeom>
+                <a:noFill/>
+                <a:ln w="19050"/>
+              </p:spPr>
+              <p:style>
+                <a:lnRef idx="2">
+                  <a:schemeClr val="accent1">
+                    <a:shade val="50000"/>
+                  </a:schemeClr>
+                </a:lnRef>
+                <a:fillRef idx="1">
+                  <a:schemeClr val="accent1"/>
+                </a:fillRef>
+                <a:effectRef idx="0">
+                  <a:schemeClr val="accent1"/>
+                </a:effectRef>
+                <a:fontRef idx="minor">
+                  <a:schemeClr val="lt1"/>
+                </a:fontRef>
+              </p:style>
+              <p:txBody>
+                <a:bodyPr rtlCol="0" anchor="ctr"/>
+                <a:lstStyle/>
+                <a:p>
+                  <a:pPr algn="ctr"/>
+                  <a:endParaRPr lang="en-US" b="1"/>
+                </a:p>
+              </p:txBody>
+            </p:sp>
+            <p:sp>
+              <p:nvSpPr>
+                <p:cNvPr id="49" name="TextBox 48"/>
+                <p:cNvSpPr txBox="1"/>
+                <p:nvPr/>
+              </p:nvSpPr>
+              <p:spPr>
+                <a:xfrm>
+                  <a:off x="3230789" y="2246910"/>
+                  <a:ext cx="908212" cy="369332"/>
+                </a:xfrm>
+                <a:prstGeom prst="rect">
+                  <a:avLst/>
+                </a:prstGeom>
+                <a:noFill/>
+              </p:spPr>
+              <p:txBody>
+                <a:bodyPr wrap="square" rtlCol="0">
+                  <a:spAutoFit/>
+                </a:bodyPr>
+                <a:lstStyle/>
+                <a:p>
+                  <a:pPr algn="ctr"/>
+                  <a:r>
+                    <a:rPr lang="en-US" b="1" dirty="0" smtClean="0"/>
+                    <a:t>Kinase</a:t>
+                  </a:r>
+                  <a:endParaRPr lang="en-US" b="1" dirty="0"/>
+                </a:p>
+              </p:txBody>
+            </p:sp>
+          </p:grpSp>
+          <p:grpSp>
+            <p:nvGrpSpPr>
+              <p:cNvPr id="41" name="Group 40"/>
+              <p:cNvGrpSpPr/>
+              <p:nvPr/>
+            </p:nvGrpSpPr>
+            <p:grpSpPr>
+              <a:xfrm>
+                <a:off x="4114489" y="2123334"/>
+                <a:ext cx="908212" cy="655092"/>
+                <a:chOff x="3230789" y="2104030"/>
+                <a:chExt cx="908212" cy="655092"/>
+              </a:xfrm>
+            </p:grpSpPr>
+            <p:sp>
+              <p:nvSpPr>
+                <p:cNvPr id="45" name="Oval 44"/>
+                <p:cNvSpPr/>
+                <p:nvPr/>
+              </p:nvSpPr>
+              <p:spPr>
+                <a:xfrm>
+                  <a:off x="3275463" y="2104030"/>
+                  <a:ext cx="818865" cy="655092"/>
+                </a:xfrm>
+                <a:prstGeom prst="ellipse">
+                  <a:avLst/>
+                </a:prstGeom>
+                <a:noFill/>
+                <a:ln w="19050"/>
+              </p:spPr>
+              <p:style>
+                <a:lnRef idx="2">
+                  <a:schemeClr val="accent1">
+                    <a:shade val="50000"/>
+                  </a:schemeClr>
+                </a:lnRef>
+                <a:fillRef idx="1">
+                  <a:schemeClr val="accent1"/>
+                </a:fillRef>
+                <a:effectRef idx="0">
+                  <a:schemeClr val="accent1"/>
+                </a:effectRef>
+                <a:fontRef idx="minor">
+                  <a:schemeClr val="lt1"/>
+                </a:fontRef>
+              </p:style>
+              <p:txBody>
+                <a:bodyPr rtlCol="0" anchor="ctr"/>
+                <a:lstStyle/>
+                <a:p>
+                  <a:pPr algn="ctr"/>
+                  <a:endParaRPr lang="en-US" b="1"/>
+                </a:p>
+              </p:txBody>
+            </p:sp>
+            <p:sp>
+              <p:nvSpPr>
+                <p:cNvPr id="46" name="TextBox 45"/>
+                <p:cNvSpPr txBox="1"/>
+                <p:nvPr/>
+              </p:nvSpPr>
+              <p:spPr>
+                <a:xfrm>
+                  <a:off x="3230789" y="2246910"/>
+                  <a:ext cx="908212" cy="369332"/>
+                </a:xfrm>
+                <a:prstGeom prst="rect">
+                  <a:avLst/>
+                </a:prstGeom>
+                <a:noFill/>
+              </p:spPr>
+              <p:txBody>
+                <a:bodyPr wrap="square" rtlCol="0">
+                  <a:spAutoFit/>
+                </a:bodyPr>
+                <a:lstStyle/>
+                <a:p>
+                  <a:pPr algn="ctr"/>
+                  <a:r>
+                    <a:rPr lang="en-US" b="1" dirty="0" smtClean="0"/>
+                    <a:t>PTP</a:t>
+                  </a:r>
+                  <a:endParaRPr lang="en-US" b="1" dirty="0"/>
+                </a:p>
+              </p:txBody>
+            </p:sp>
+          </p:grpSp>
+          <p:cxnSp>
+            <p:nvCxnSpPr>
+              <p:cNvPr id="42" name="Straight Arrow Connector 41"/>
+              <p:cNvCxnSpPr/>
+              <p:nvPr/>
+            </p:nvCxnSpPr>
             <p:spPr>
-              <a:xfrm>
-                <a:off x="3405116" y="2240507"/>
-                <a:ext cx="627797" cy="369332"/>
+              <a:xfrm flipH="1">
+                <a:off x="3688087" y="1732538"/>
+                <a:ext cx="524844" cy="469773"/>
               </a:xfrm>
-              <a:prstGeom prst="rect">
+              <a:prstGeom prst="straightConnector1">
                 <a:avLst/>
               </a:prstGeom>
-              <a:noFill/>
-            </p:spPr>
-            <p:txBody>
-              <a:bodyPr wrap="square" rtlCol="0">
-                <a:spAutoFit/>
-              </a:bodyPr>
-              <a:lstStyle/>
-              <a:p>
-                <a:pPr algn="ctr"/>
-                <a:r>
-                  <a:rPr lang="en-US" b="1" dirty="0" smtClean="0"/>
-                  <a:t>K9M</a:t>
-                </a:r>
-                <a:endParaRPr lang="en-US" b="1" dirty="0"/>
-              </a:p>
-            </p:txBody>
-          </p:sp>
-        </p:grpSp>
-        <p:grpSp>
-          <p:nvGrpSpPr>
-            <p:cNvPr id="53" name="Group 52"/>
-            <p:cNvGrpSpPr/>
-            <p:nvPr/>
-          </p:nvGrpSpPr>
-          <p:grpSpPr>
-            <a:xfrm>
-              <a:off x="2102789" y="1168412"/>
-              <a:ext cx="818865" cy="655092"/>
-              <a:chOff x="3275463" y="2104030"/>
-              <a:chExt cx="818865" cy="655092"/>
-            </a:xfrm>
-          </p:grpSpPr>
-          <p:sp>
-            <p:nvSpPr>
-              <p:cNvPr id="70" name="Oval 69"/>
-              <p:cNvSpPr/>
-              <p:nvPr/>
-            </p:nvSpPr>
-            <p:spPr>
-              <a:xfrm>
-                <a:off x="3275463" y="2104030"/>
-                <a:ext cx="818865" cy="655092"/>
-              </a:xfrm>
-              <a:prstGeom prst="ellipse">
-                <a:avLst/>
-              </a:prstGeom>
-              <a:noFill/>
-              <a:ln w="19050"/>
+              <a:ln w="19050">
+                <a:solidFill>
+                  <a:schemeClr val="tx1"/>
+                </a:solidFill>
+                <a:headEnd type="none"/>
+                <a:tailEnd type="arrow"/>
+              </a:ln>
             </p:spPr>
             <p:style>
-              <a:lnRef idx="2">
-                <a:schemeClr val="accent1">
-                  <a:shade val="50000"/>
-                </a:schemeClr>
+              <a:lnRef idx="1">
+                <a:schemeClr val="accent1"/>
               </a:lnRef>
-              <a:fillRef idx="1">
+              <a:fillRef idx="0">
                 <a:schemeClr val="accent1"/>
               </a:fillRef>
               <a:effectRef idx="0">
                 <a:schemeClr val="accent1"/>
               </a:effectRef>
               <a:fontRef idx="minor">
-                <a:schemeClr val="lt1"/>
+                <a:schemeClr val="tx1"/>
               </a:fontRef>
             </p:style>
-            <p:txBody>
-              <a:bodyPr rtlCol="0" anchor="ctr"/>
-              <a:lstStyle/>
-              <a:p>
-                <a:pPr algn="ctr"/>
-                <a:endParaRPr lang="en-US" b="1"/>
-              </a:p>
-            </p:txBody>
-          </p:sp>
-          <p:sp>
-            <p:nvSpPr>
-              <p:cNvPr id="71" name="TextBox 70"/>
-              <p:cNvSpPr txBox="1"/>
+          </p:cxnSp>
+          <p:cxnSp>
+            <p:nvCxnSpPr>
+              <p:cNvPr id="43" name="Straight Arrow Connector 42"/>
+              <p:cNvCxnSpPr/>
               <p:nvPr/>
-            </p:nvSpPr>
+            </p:nvCxnSpPr>
             <p:spPr>
-              <a:xfrm>
-                <a:off x="3275464" y="2240507"/>
-                <a:ext cx="757450" cy="369332"/>
+              <a:xfrm flipH="1" flipV="1">
+                <a:off x="3766881" y="2450880"/>
+                <a:ext cx="387096" cy="127379"/>
               </a:xfrm>
-              <a:prstGeom prst="rect">
+              <a:prstGeom prst="straightConnector1">
                 <a:avLst/>
               </a:prstGeom>
-              <a:noFill/>
-            </p:spPr>
-            <p:txBody>
-              <a:bodyPr wrap="square" rtlCol="0">
-                <a:spAutoFit/>
-              </a:bodyPr>
-              <a:lstStyle/>
-              <a:p>
-                <a:pPr algn="ctr"/>
-                <a:r>
-                  <a:rPr lang="en-US" b="1" dirty="0" smtClean="0"/>
-                  <a:t>KDM</a:t>
-                </a:r>
-                <a:endParaRPr lang="en-US" b="1" dirty="0"/>
-              </a:p>
-            </p:txBody>
-          </p:sp>
-        </p:grpSp>
-        <p:grpSp>
-          <p:nvGrpSpPr>
-            <p:cNvPr id="54" name="Group 53"/>
-            <p:cNvGrpSpPr/>
-            <p:nvPr/>
-          </p:nvGrpSpPr>
-          <p:grpSpPr>
-            <a:xfrm>
-              <a:off x="2892788" y="2123334"/>
-              <a:ext cx="818865" cy="655092"/>
-              <a:chOff x="3275463" y="2104030"/>
-              <a:chExt cx="818865" cy="655092"/>
-            </a:xfrm>
-          </p:grpSpPr>
-          <p:sp>
-            <p:nvSpPr>
-              <p:cNvPr id="68" name="Oval 67"/>
-              <p:cNvSpPr/>
-              <p:nvPr/>
-            </p:nvSpPr>
-            <p:spPr>
-              <a:xfrm>
-                <a:off x="3275463" y="2104030"/>
-                <a:ext cx="818865" cy="655092"/>
-              </a:xfrm>
-              <a:prstGeom prst="ellipse">
-                <a:avLst/>
-              </a:prstGeom>
-              <a:noFill/>
-              <a:ln w="19050"/>
+              <a:ln w="19050">
+                <a:solidFill>
+                  <a:schemeClr val="tx1"/>
+                </a:solidFill>
+                <a:headEnd type="none"/>
+                <a:tailEnd type="diamond" w="lg" len="lg"/>
+              </a:ln>
             </p:spPr>
             <p:style>
-              <a:lnRef idx="2">
-                <a:schemeClr val="accent1">
-                  <a:shade val="50000"/>
-                </a:schemeClr>
+              <a:lnRef idx="1">
+                <a:schemeClr val="accent1"/>
               </a:lnRef>
-              <a:fillRef idx="1">
+              <a:fillRef idx="0">
                 <a:schemeClr val="accent1"/>
               </a:fillRef>
               <a:effectRef idx="0">
                 <a:schemeClr val="accent1"/>
               </a:effectRef>
               <a:fontRef idx="minor">
-                <a:schemeClr val="lt1"/>
+                <a:schemeClr val="tx1"/>
               </a:fontRef>
             </p:style>
-            <p:txBody>
-              <a:bodyPr rtlCol="0" anchor="ctr"/>
-              <a:lstStyle/>
-              <a:p>
-                <a:pPr algn="ctr"/>
-                <a:endParaRPr lang="en-US" b="1"/>
-              </a:p>
-            </p:txBody>
-          </p:sp>
-          <p:sp>
-            <p:nvSpPr>
-              <p:cNvPr id="69" name="TextBox 68"/>
-              <p:cNvSpPr txBox="1"/>
+          </p:cxnSp>
+          <p:cxnSp>
+            <p:nvCxnSpPr>
+              <p:cNvPr id="44" name="Straight Arrow Connector 43"/>
+              <p:cNvCxnSpPr>
+                <a:stCxn id="81" idx="3"/>
+                <a:endCxn id="83" idx="0"/>
+              </p:cNvCxnSpPr>
               <p:nvPr/>
-            </p:nvSpPr>
+            </p:nvCxnSpPr>
             <p:spPr>
-              <a:xfrm>
-                <a:off x="3275464" y="2240507"/>
-                <a:ext cx="757450" cy="369332"/>
+              <a:xfrm flipH="1">
+                <a:off x="1895686" y="1727568"/>
+                <a:ext cx="327023" cy="395766"/>
               </a:xfrm>
-              <a:prstGeom prst="rect">
+              <a:prstGeom prst="straightConnector1">
                 <a:avLst/>
               </a:prstGeom>
-              <a:noFill/>
-            </p:spPr>
-            <p:txBody>
-              <a:bodyPr wrap="square" rtlCol="0">
-                <a:spAutoFit/>
-              </a:bodyPr>
-              <a:lstStyle/>
-              <a:p>
-                <a:pPr algn="ctr"/>
-                <a:r>
-                  <a:rPr lang="en-US" b="1" dirty="0" smtClean="0"/>
-                  <a:t>S10P</a:t>
-                </a:r>
-                <a:endParaRPr lang="en-US" b="1" dirty="0"/>
-              </a:p>
-            </p:txBody>
-          </p:sp>
-        </p:grpSp>
-        <p:cxnSp>
-          <p:nvCxnSpPr>
-            <p:cNvPr id="55" name="Straight Arrow Connector 54"/>
-            <p:cNvCxnSpPr/>
-            <p:nvPr/>
-          </p:nvCxnSpPr>
-          <p:spPr>
-            <a:xfrm>
-              <a:off x="1480724" y="1720744"/>
-              <a:ext cx="263830" cy="402590"/>
-            </a:xfrm>
-            <a:prstGeom prst="straightConnector1">
-              <a:avLst/>
-            </a:prstGeom>
-            <a:ln w="19050">
-              <a:solidFill>
-                <a:schemeClr val="tx1"/>
-              </a:solidFill>
-              <a:headEnd type="none"/>
-              <a:tailEnd type="arrow"/>
-            </a:ln>
-          </p:spPr>
-          <p:style>
-            <a:lnRef idx="1">
-              <a:schemeClr val="accent1"/>
-            </a:lnRef>
-            <a:fillRef idx="0">
-              <a:schemeClr val="accent1"/>
-            </a:fillRef>
-            <a:effectRef idx="0">
-              <a:schemeClr val="accent1"/>
-            </a:effectRef>
-            <a:fontRef idx="minor">
-              <a:schemeClr val="tx1"/>
-            </a:fontRef>
-          </p:style>
-        </p:cxnSp>
-        <p:cxnSp>
-          <p:nvCxnSpPr>
-            <p:cNvPr id="56" name="Straight Arrow Connector 55"/>
-            <p:cNvCxnSpPr>
-              <a:endCxn id="70" idx="5"/>
-            </p:cNvCxnSpPr>
-            <p:nvPr/>
-          </p:nvCxnSpPr>
-          <p:spPr>
-            <a:xfrm flipH="1" flipV="1">
-              <a:off x="2801734" y="1727568"/>
-              <a:ext cx="360279" cy="425444"/>
-            </a:xfrm>
-            <a:prstGeom prst="straightConnector1">
-              <a:avLst/>
-            </a:prstGeom>
-            <a:ln w="19050">
-              <a:solidFill>
-                <a:schemeClr val="tx1"/>
-              </a:solidFill>
-              <a:headEnd type="none"/>
-              <a:tailEnd type="arrow"/>
-            </a:ln>
-          </p:spPr>
-          <p:style>
-            <a:lnRef idx="1">
-              <a:schemeClr val="accent1"/>
-            </a:lnRef>
-            <a:fillRef idx="0">
-              <a:schemeClr val="accent1"/>
-            </a:fillRef>
-            <a:effectRef idx="0">
-              <a:schemeClr val="accent1"/>
-            </a:effectRef>
-            <a:fontRef idx="minor">
-              <a:schemeClr val="tx1"/>
-            </a:fontRef>
-          </p:style>
-        </p:cxnSp>
-        <p:grpSp>
-          <p:nvGrpSpPr>
-            <p:cNvPr id="57" name="Group 56"/>
-            <p:cNvGrpSpPr/>
-            <p:nvPr/>
-          </p:nvGrpSpPr>
-          <p:grpSpPr>
-            <a:xfrm>
-              <a:off x="4092152" y="1141135"/>
-              <a:ext cx="908212" cy="655092"/>
-              <a:chOff x="3230789" y="2104030"/>
-              <a:chExt cx="908212" cy="655092"/>
-            </a:xfrm>
-          </p:grpSpPr>
-          <p:sp>
-            <p:nvSpPr>
-              <p:cNvPr id="66" name="Oval 65"/>
-              <p:cNvSpPr/>
-              <p:nvPr/>
-            </p:nvSpPr>
-            <p:spPr>
-              <a:xfrm>
-                <a:off x="3275463" y="2104030"/>
-                <a:ext cx="818865" cy="655092"/>
-              </a:xfrm>
-              <a:prstGeom prst="ellipse">
-                <a:avLst/>
-              </a:prstGeom>
-              <a:noFill/>
-              <a:ln w="19050"/>
+              <a:ln w="19050">
+                <a:solidFill>
+                  <a:schemeClr val="tx1"/>
+                </a:solidFill>
+                <a:headEnd type="none"/>
+                <a:tailEnd type="diamond" w="lg" len="lg"/>
+              </a:ln>
             </p:spPr>
             <p:style>
-              <a:lnRef idx="2">
-                <a:schemeClr val="accent1">
-                  <a:shade val="50000"/>
-                </a:schemeClr>
+              <a:lnRef idx="1">
+                <a:schemeClr val="accent1"/>
               </a:lnRef>
-              <a:fillRef idx="1">
+              <a:fillRef idx="0">
                 <a:schemeClr val="accent1"/>
               </a:fillRef>
               <a:effectRef idx="0">
                 <a:schemeClr val="accent1"/>
               </a:effectRef>
               <a:fontRef idx="minor">
-                <a:schemeClr val="lt1"/>
+                <a:schemeClr val="tx1"/>
               </a:fontRef>
             </p:style>
-            <p:txBody>
-              <a:bodyPr rtlCol="0" anchor="ctr"/>
-              <a:lstStyle/>
-              <a:p>
-                <a:pPr algn="ctr"/>
-                <a:endParaRPr lang="en-US" b="1"/>
-              </a:p>
-            </p:txBody>
-          </p:sp>
-          <p:sp>
-            <p:nvSpPr>
-              <p:cNvPr id="67" name="TextBox 66"/>
-              <p:cNvSpPr txBox="1"/>
-              <p:nvPr/>
-            </p:nvSpPr>
-            <p:spPr>
-              <a:xfrm>
-                <a:off x="3230789" y="2246910"/>
-                <a:ext cx="908212" cy="369332"/>
-              </a:xfrm>
-              <a:prstGeom prst="rect">
-                <a:avLst/>
-              </a:prstGeom>
-              <a:noFill/>
-            </p:spPr>
-            <p:txBody>
-              <a:bodyPr wrap="square" rtlCol="0">
-                <a:spAutoFit/>
-              </a:bodyPr>
-              <a:lstStyle/>
-              <a:p>
-                <a:pPr algn="ctr"/>
-                <a:r>
-                  <a:rPr lang="en-US" b="1" dirty="0" smtClean="0"/>
-                  <a:t>Kinase</a:t>
-                </a:r>
-                <a:endParaRPr lang="en-US" b="1" dirty="0"/>
-              </a:p>
-            </p:txBody>
-          </p:sp>
+          </p:cxnSp>
         </p:grpSp>
-        <p:grpSp>
-          <p:nvGrpSpPr>
-            <p:cNvPr id="58" name="Group 57"/>
-            <p:cNvGrpSpPr/>
-            <p:nvPr/>
-          </p:nvGrpSpPr>
-          <p:grpSpPr>
-            <a:xfrm>
-              <a:off x="4114489" y="2123334"/>
-              <a:ext cx="908212" cy="655092"/>
-              <a:chOff x="3230789" y="2104030"/>
-              <a:chExt cx="908212" cy="655092"/>
-            </a:xfrm>
-          </p:grpSpPr>
-          <p:sp>
-            <p:nvSpPr>
-              <p:cNvPr id="64" name="Oval 63"/>
-              <p:cNvSpPr/>
-              <p:nvPr/>
-            </p:nvSpPr>
-            <p:spPr>
-              <a:xfrm>
-                <a:off x="3275463" y="2104030"/>
-                <a:ext cx="818865" cy="655092"/>
-              </a:xfrm>
-              <a:prstGeom prst="ellipse">
-                <a:avLst/>
-              </a:prstGeom>
-              <a:noFill/>
-              <a:ln w="19050"/>
-            </p:spPr>
-            <p:style>
-              <a:lnRef idx="2">
-                <a:schemeClr val="accent1">
-                  <a:shade val="50000"/>
-                </a:schemeClr>
-              </a:lnRef>
-              <a:fillRef idx="1">
-                <a:schemeClr val="accent1"/>
-              </a:fillRef>
-              <a:effectRef idx="0">
-                <a:schemeClr val="accent1"/>
-              </a:effectRef>
-              <a:fontRef idx="minor">
-                <a:schemeClr val="lt1"/>
-              </a:fontRef>
-            </p:style>
-            <p:txBody>
-              <a:bodyPr rtlCol="0" anchor="ctr"/>
-              <a:lstStyle/>
-              <a:p>
-                <a:pPr algn="ctr"/>
-                <a:endParaRPr lang="en-US" b="1"/>
-              </a:p>
-            </p:txBody>
-          </p:sp>
-          <p:sp>
-            <p:nvSpPr>
-              <p:cNvPr id="65" name="TextBox 64"/>
-              <p:cNvSpPr txBox="1"/>
-              <p:nvPr/>
-            </p:nvSpPr>
-            <p:spPr>
-              <a:xfrm>
-                <a:off x="3230789" y="2246910"/>
-                <a:ext cx="908212" cy="369332"/>
-              </a:xfrm>
-              <a:prstGeom prst="rect">
-                <a:avLst/>
-              </a:prstGeom>
-              <a:noFill/>
-            </p:spPr>
-            <p:txBody>
-              <a:bodyPr wrap="square" rtlCol="0">
-                <a:spAutoFit/>
-              </a:bodyPr>
-              <a:lstStyle/>
-              <a:p>
-                <a:pPr algn="ctr"/>
-                <a:r>
-                  <a:rPr lang="en-US" b="1" dirty="0" smtClean="0"/>
-                  <a:t>PTP</a:t>
-                </a:r>
-                <a:endParaRPr lang="en-US" b="1" dirty="0"/>
-              </a:p>
-            </p:txBody>
-          </p:sp>
-        </p:grpSp>
-        <p:cxnSp>
-          <p:nvCxnSpPr>
-            <p:cNvPr id="59" name="Straight Arrow Connector 58"/>
-            <p:cNvCxnSpPr/>
-            <p:nvPr/>
-          </p:nvCxnSpPr>
-          <p:spPr>
-            <a:xfrm flipH="1">
-              <a:off x="3688087" y="1732538"/>
-              <a:ext cx="524844" cy="469773"/>
-            </a:xfrm>
-            <a:prstGeom prst="straightConnector1">
-              <a:avLst/>
-            </a:prstGeom>
-            <a:ln w="19050">
-              <a:solidFill>
-                <a:schemeClr val="tx1"/>
-              </a:solidFill>
-              <a:headEnd type="none"/>
-              <a:tailEnd type="arrow"/>
-            </a:ln>
-          </p:spPr>
-          <p:style>
-            <a:lnRef idx="1">
-              <a:schemeClr val="accent1"/>
-            </a:lnRef>
-            <a:fillRef idx="0">
-              <a:schemeClr val="accent1"/>
-            </a:fillRef>
-            <a:effectRef idx="0">
-              <a:schemeClr val="accent1"/>
-            </a:effectRef>
-            <a:fontRef idx="minor">
-              <a:schemeClr val="tx1"/>
-            </a:fontRef>
-          </p:style>
-        </p:cxnSp>
-        <p:cxnSp>
-          <p:nvCxnSpPr>
-            <p:cNvPr id="60" name="Straight Arrow Connector 59"/>
-            <p:cNvCxnSpPr/>
-            <p:nvPr/>
-          </p:nvCxnSpPr>
-          <p:spPr>
-            <a:xfrm flipH="1" flipV="1">
-              <a:off x="3766881" y="2450880"/>
-              <a:ext cx="387096" cy="127379"/>
-            </a:xfrm>
-            <a:prstGeom prst="straightConnector1">
-              <a:avLst/>
-            </a:prstGeom>
-            <a:ln w="19050">
-              <a:solidFill>
-                <a:schemeClr val="tx1"/>
-              </a:solidFill>
-              <a:headEnd type="none"/>
-              <a:tailEnd type="diamond" w="lg" len="lg"/>
-            </a:ln>
-          </p:spPr>
-          <p:style>
-            <a:lnRef idx="1">
-              <a:schemeClr val="accent1"/>
-            </a:lnRef>
-            <a:fillRef idx="0">
-              <a:schemeClr val="accent1"/>
-            </a:fillRef>
-            <a:effectRef idx="0">
-              <a:schemeClr val="accent1"/>
-            </a:effectRef>
-            <a:fontRef idx="minor">
-              <a:schemeClr val="tx1"/>
-            </a:fontRef>
-          </p:style>
-        </p:cxnSp>
-        <p:cxnSp>
-          <p:nvCxnSpPr>
-            <p:cNvPr id="61" name="Straight Arrow Connector 60"/>
-            <p:cNvCxnSpPr>
-              <a:stCxn id="70" idx="3"/>
-              <a:endCxn id="72" idx="0"/>
-            </p:cNvCxnSpPr>
-            <p:nvPr/>
-          </p:nvCxnSpPr>
-          <p:spPr>
-            <a:xfrm flipH="1">
-              <a:off x="1895686" y="1727568"/>
-              <a:ext cx="327023" cy="395766"/>
-            </a:xfrm>
-            <a:prstGeom prst="straightConnector1">
-              <a:avLst/>
-            </a:prstGeom>
-            <a:ln w="19050">
-              <a:solidFill>
-                <a:schemeClr val="tx1"/>
-              </a:solidFill>
-              <a:headEnd type="none"/>
-              <a:tailEnd type="diamond" w="lg" len="lg"/>
-            </a:ln>
-          </p:spPr>
-          <p:style>
-            <a:lnRef idx="1">
-              <a:schemeClr val="accent1"/>
-            </a:lnRef>
-            <a:fillRef idx="0">
-              <a:schemeClr val="accent1"/>
-            </a:fillRef>
-            <a:effectRef idx="0">
-              <a:schemeClr val="accent1"/>
-            </a:effectRef>
-            <a:fontRef idx="minor">
-              <a:schemeClr val="tx1"/>
-            </a:fontRef>
-          </p:style>
-        </p:cxnSp>
         <p:sp>
           <p:nvSpPr>
-            <p:cNvPr id="62" name="Freeform 61"/>
+            <p:cNvPr id="87" name="Freeform 86"/>
             <p:cNvSpPr/>
             <p:nvPr/>
           </p:nvSpPr>
           <p:spPr>
             <a:xfrm>
-              <a:off x="1506724" y="796063"/>
-              <a:ext cx="2013524" cy="1256757"/>
+              <a:off x="8535601" y="859292"/>
+              <a:ext cx="1968801" cy="1295096"/>
             </a:xfrm>
             <a:custGeom>
               <a:avLst/>
               <a:gdLst>
-                <a:gd name="connsiteX0" fmla="*/ 1951630 w 2013524"/>
-                <a:gd name="connsiteY0" fmla="*/ 1256757 h 1256757"/>
-                <a:gd name="connsiteX1" fmla="*/ 1972102 w 2013524"/>
-                <a:gd name="connsiteY1" fmla="*/ 1161223 h 1256757"/>
-                <a:gd name="connsiteX2" fmla="*/ 1999397 w 2013524"/>
-                <a:gd name="connsiteY2" fmla="*/ 690375 h 1256757"/>
-                <a:gd name="connsiteX3" fmla="*/ 1726442 w 2013524"/>
-                <a:gd name="connsiteY3" fmla="*/ 253647 h 1256757"/>
-                <a:gd name="connsiteX4" fmla="*/ 1112293 w 2013524"/>
-                <a:gd name="connsiteY4" fmla="*/ 14811 h 1256757"/>
-                <a:gd name="connsiteX5" fmla="*/ 573206 w 2013524"/>
-                <a:gd name="connsiteY5" fmla="*/ 42107 h 1256757"/>
-                <a:gd name="connsiteX6" fmla="*/ 313899 w 2013524"/>
-                <a:gd name="connsiteY6" fmla="*/ 178584 h 1256757"/>
-                <a:gd name="connsiteX7" fmla="*/ 0 w 2013524"/>
-                <a:gd name="connsiteY7" fmla="*/ 362829 h 1256757"/>
+                <a:gd name="connsiteX0" fmla="*/ 1930400 w 1968801"/>
+                <a:gd name="connsiteY0" fmla="*/ 1295096 h 1295096"/>
+                <a:gd name="connsiteX1" fmla="*/ 1962150 w 1968801"/>
+                <a:gd name="connsiteY1" fmla="*/ 869646 h 1295096"/>
+                <a:gd name="connsiteX2" fmla="*/ 1816100 w 1968801"/>
+                <a:gd name="connsiteY2" fmla="*/ 387046 h 1295096"/>
+                <a:gd name="connsiteX3" fmla="*/ 1352550 w 1968801"/>
+                <a:gd name="connsiteY3" fmla="*/ 44146 h 1295096"/>
+                <a:gd name="connsiteX4" fmla="*/ 603250 w 1968801"/>
+                <a:gd name="connsiteY4" fmla="*/ 25096 h 1295096"/>
+                <a:gd name="connsiteX5" fmla="*/ 146050 w 1968801"/>
+                <a:gd name="connsiteY5" fmla="*/ 234646 h 1295096"/>
+                <a:gd name="connsiteX6" fmla="*/ 0 w 1968801"/>
+                <a:gd name="connsiteY6" fmla="*/ 361646 h 1295096"/>
               </a:gdLst>
               <a:ahLst/>
               <a:cxnLst>
@@ -8373,50 +8271,42 @@
                 <a:cxn ang="0">
                   <a:pos x="connsiteX6" y="connsiteY6"/>
                 </a:cxn>
-                <a:cxn ang="0">
-                  <a:pos x="connsiteX7" y="connsiteY7"/>
-                </a:cxn>
               </a:cxnLst>
               <a:rect l="l" t="t" r="r" b="b"/>
               <a:pathLst>
-                <a:path w="2013524" h="1256757">
+                <a:path w="1968801" h="1295096">
                   <a:moveTo>
-                    <a:pt x="1951630" y="1256757"/>
+                    <a:pt x="1930400" y="1295096"/>
                   </a:moveTo>
                   <a:cubicBezTo>
-                    <a:pt x="1957885" y="1256188"/>
-                    <a:pt x="1964141" y="1255620"/>
-                    <a:pt x="1972102" y="1161223"/>
+                    <a:pt x="1955800" y="1158042"/>
+                    <a:pt x="1981200" y="1020988"/>
+                    <a:pt x="1962150" y="869646"/>
                   </a:cubicBezTo>
                   <a:cubicBezTo>
-                    <a:pt x="1980063" y="1066826"/>
-                    <a:pt x="2040340" y="841638"/>
-                    <a:pt x="1999397" y="690375"/>
+                    <a:pt x="1943100" y="718304"/>
+                    <a:pt x="1917700" y="524629"/>
+                    <a:pt x="1816100" y="387046"/>
                   </a:cubicBezTo>
                   <a:cubicBezTo>
-                    <a:pt x="1958454" y="539112"/>
-                    <a:pt x="1874293" y="366241"/>
-                    <a:pt x="1726442" y="253647"/>
+                    <a:pt x="1714500" y="249463"/>
+                    <a:pt x="1554692" y="104471"/>
+                    <a:pt x="1352550" y="44146"/>
                   </a:cubicBezTo>
                   <a:cubicBezTo>
-                    <a:pt x="1578591" y="141053"/>
-                    <a:pt x="1304499" y="50068"/>
-                    <a:pt x="1112293" y="14811"/>
+                    <a:pt x="1150408" y="-16179"/>
+                    <a:pt x="804333" y="-6654"/>
+                    <a:pt x="603250" y="25096"/>
                   </a:cubicBezTo>
                   <a:cubicBezTo>
-                    <a:pt x="920087" y="-20446"/>
-                    <a:pt x="706272" y="14812"/>
-                    <a:pt x="573206" y="42107"/>
+                    <a:pt x="402167" y="56846"/>
+                    <a:pt x="246592" y="178554"/>
+                    <a:pt x="146050" y="234646"/>
                   </a:cubicBezTo>
                   <a:cubicBezTo>
-                    <a:pt x="440140" y="69402"/>
-                    <a:pt x="409433" y="125130"/>
-                    <a:pt x="313899" y="178584"/>
-                  </a:cubicBezTo>
-                  <a:cubicBezTo>
-                    <a:pt x="218365" y="232038"/>
-                    <a:pt x="109182" y="297433"/>
-                    <a:pt x="0" y="362829"/>
+                    <a:pt x="45508" y="290738"/>
+                    <a:pt x="22754" y="326192"/>
+                    <a:pt x="0" y="361646"/>
                   </a:cubicBezTo>
                 </a:path>
               </a:pathLst>
@@ -8450,51 +8340,21 @@
             <a:lstStyle/>
             <a:p>
               <a:pPr algn="ctr"/>
-              <a:endParaRPr lang="en-US" b="1"/>
-            </a:p>
-          </p:txBody>
-        </p:sp>
-        <p:sp>
-          <p:nvSpPr>
-            <p:cNvPr id="63" name="TextBox 62"/>
-            <p:cNvSpPr txBox="1"/>
-            <p:nvPr/>
-          </p:nvSpPr>
-          <p:spPr>
-            <a:xfrm>
-              <a:off x="797041" y="156518"/>
-              <a:ext cx="4551528" cy="461665"/>
-            </a:xfrm>
-            <a:prstGeom prst="rect">
-              <a:avLst/>
-            </a:prstGeom>
-            <a:noFill/>
-          </p:spPr>
-          <p:txBody>
-            <a:bodyPr wrap="square" rtlCol="0">
-              <a:spAutoFit/>
-            </a:bodyPr>
-            <a:lstStyle/>
-            <a:p>
-              <a:r>
-                <a:rPr lang="en-US" sz="2400" b="1" dirty="0" smtClean="0"/>
-                <a:t>Network graph</a:t>
-              </a:r>
-              <a:endParaRPr lang="en-US" sz="2400" b="1" dirty="0"/>
+              <a:endParaRPr lang="en-US"/>
             </a:p>
           </p:txBody>
         </p:sp>
       </p:grpSp>
       <p:sp>
         <p:nvSpPr>
-          <p:cNvPr id="76" name="TextBox 75"/>
+          <p:cNvPr id="47" name="TextBox 46"/>
           <p:cNvSpPr txBox="1"/>
           <p:nvPr/>
         </p:nvSpPr>
         <p:spPr>
           <a:xfrm>
-            <a:off x="9701394" y="503093"/>
-            <a:ext cx="527221" cy="584775"/>
+            <a:off x="286992" y="149971"/>
+            <a:ext cx="6936822" cy="1200329"/>
           </a:xfrm>
           <a:prstGeom prst="rect">
             <a:avLst/>
@@ -8508,35 +8368,23 @@
           <a:lstStyle/>
           <a:p>
             <a:r>
-              <a:rPr lang="en-US" sz="3200" b="1" dirty="0" smtClean="0">
-                <a:solidFill>
-                  <a:schemeClr val="accent2">
-                    <a:lumMod val="75000"/>
-                  </a:schemeClr>
-                </a:solidFill>
-              </a:rPr>
-              <a:t>x</a:t>
-            </a:r>
-            <a:endParaRPr lang="en-US" sz="3200" b="1" dirty="0">
-              <a:solidFill>
-                <a:schemeClr val="accent2">
-                  <a:lumMod val="75000"/>
-                </a:schemeClr>
-              </a:solidFill>
-            </a:endParaRPr>
+              <a:rPr lang="en-US" sz="2400" b="1" dirty="0" smtClean="0"/>
+              <a:t>Model3: S10P recruiting KDMs is crucial for fast demethylation at mitotic entrance, while S10P repelling MTs plays an assisting role</a:t>
+            </a:r>
+            <a:endParaRPr lang="en-US" sz="2400" b="1" dirty="0"/>
           </a:p>
         </p:txBody>
       </p:sp>
       <p:sp>
         <p:nvSpPr>
-          <p:cNvPr id="77" name="TextBox 76"/>
+          <p:cNvPr id="63" name="TextBox 62"/>
           <p:cNvSpPr txBox="1"/>
           <p:nvPr/>
         </p:nvSpPr>
         <p:spPr>
           <a:xfrm>
-            <a:off x="9934400" y="1571634"/>
-            <a:ext cx="527221" cy="584775"/>
+            <a:off x="7840392" y="82377"/>
+            <a:ext cx="4551528" cy="461665"/>
           </a:xfrm>
           <a:prstGeom prst="rect">
             <a:avLst/>
@@ -8550,18 +8398,10 @@
           <a:lstStyle/>
           <a:p>
             <a:r>
-              <a:rPr lang="en-US" sz="3200" b="1" dirty="0" smtClean="0">
-                <a:solidFill>
-                  <a:schemeClr val="accent4"/>
-                </a:solidFill>
-              </a:rPr>
-              <a:t>x</a:t>
-            </a:r>
-            <a:endParaRPr lang="en-US" sz="3200" b="1" dirty="0">
-              <a:solidFill>
-                <a:schemeClr val="accent4"/>
-              </a:solidFill>
-            </a:endParaRPr>
+              <a:rPr lang="en-US" sz="2400" b="1" dirty="0" smtClean="0"/>
+              <a:t>Network graph</a:t>
+            </a:r>
+            <a:endParaRPr lang="en-US" sz="2400" b="1" dirty="0"/>
           </a:p>
         </p:txBody>
       </p:sp>
@@ -8639,7 +8479,7 @@
 </p:sld>
 </file>
 
-<file path=ppt/slides/slide9.xml><?xml version="1.0" encoding="utf-8"?>
+<file path=ppt/slides/slide8.xml><?xml version="1.0" encoding="utf-8"?>
 <p:sld xmlns:a="http://schemas.openxmlformats.org/drawingml/2006/main" xmlns:r="http://schemas.openxmlformats.org/officeDocument/2006/relationships" xmlns:p="http://schemas.openxmlformats.org/presentationml/2006/main">
   <p:cSld>
     <p:spTree>
@@ -8756,7 +8596,7 @@
         <p:spPr>
           <a:xfrm>
             <a:off x="7620000" y="1552353"/>
-            <a:ext cx="4004930" cy="923330"/>
+            <a:ext cx="4004930" cy="1477328"/>
           </a:xfrm>
           <a:prstGeom prst="rect">
             <a:avLst/>
@@ -8792,6 +8632,28 @@
                 </a:solidFill>
               </a:rPr>
               <a:t>-/- cells, do we still see that the duration of mitosis is dependent on the inhibitor strength? </a:t>
+            </a:r>
+            <a:endParaRPr lang="en-US" dirty="0" smtClean="0">
+              <a:solidFill>
+                <a:srgbClr val="FF0000"/>
+              </a:solidFill>
+            </a:endParaRPr>
+          </a:p>
+          <a:p>
+            <a:endParaRPr lang="en-US" dirty="0">
+              <a:solidFill>
+                <a:srgbClr val="FF0000"/>
+              </a:solidFill>
+            </a:endParaRPr>
+          </a:p>
+          <a:p>
+            <a:r>
+              <a:rPr lang="en-US" dirty="0" smtClean="0">
+                <a:solidFill>
+                  <a:srgbClr val="FF0000"/>
+                </a:solidFill>
+              </a:rPr>
+              <a:t>Take a look at Fig 4D. </a:t>
             </a:r>
             <a:endParaRPr lang="en-US" dirty="0">
               <a:solidFill>

--- a/app/model/result_0211_2017.pptx
+++ b/app/model/result_0211_2017.pptx
@@ -4,15 +4,19 @@
   <p:sldMasterIdLst>
     <p:sldMasterId id="2147483648" r:id="rId1"/>
   </p:sldMasterIdLst>
+  <p:notesMasterIdLst>
+    <p:notesMasterId r:id="rId11"/>
+  </p:notesMasterIdLst>
   <p:sldIdLst>
     <p:sldId id="258" r:id="rId2"/>
     <p:sldId id="260" r:id="rId3"/>
     <p:sldId id="264" r:id="rId4"/>
-    <p:sldId id="267" r:id="rId5"/>
-    <p:sldId id="265" r:id="rId6"/>
-    <p:sldId id="266" r:id="rId7"/>
-    <p:sldId id="259" r:id="rId8"/>
-    <p:sldId id="262" r:id="rId9"/>
+    <p:sldId id="265" r:id="rId5"/>
+    <p:sldId id="266" r:id="rId6"/>
+    <p:sldId id="269" r:id="rId7"/>
+    <p:sldId id="268" r:id="rId8"/>
+    <p:sldId id="259" r:id="rId9"/>
+    <p:sldId id="262" r:id="rId10"/>
   </p:sldIdLst>
   <p:sldSz cx="12192000" cy="6858000"/>
   <p:notesSz cx="6858000" cy="9144000"/>
@@ -119,6 +123,356 @@
 </p:presentation>
 </file>
 
+<file path=ppt/notesMasters/notesMaster1.xml><?xml version="1.0" encoding="utf-8"?>
+<p:notesMaster xmlns:a="http://schemas.openxmlformats.org/drawingml/2006/main" xmlns:r="http://schemas.openxmlformats.org/officeDocument/2006/relationships" xmlns:p="http://schemas.openxmlformats.org/presentationml/2006/main">
+  <p:cSld>
+    <p:bg>
+      <p:bgRef idx="1001">
+        <a:schemeClr val="bg1"/>
+      </p:bgRef>
+    </p:bg>
+    <p:spTree>
+      <p:nvGrpSpPr>
+        <p:cNvPr id="1" name=""/>
+        <p:cNvGrpSpPr/>
+        <p:nvPr/>
+      </p:nvGrpSpPr>
+      <p:grpSpPr>
+        <a:xfrm>
+          <a:off x="0" y="0"/>
+          <a:ext cx="0" cy="0"/>
+          <a:chOff x="0" y="0"/>
+          <a:chExt cx="0" cy="0"/>
+        </a:xfrm>
+      </p:grpSpPr>
+      <p:sp>
+        <p:nvSpPr>
+          <p:cNvPr id="2" name="Header Placeholder 1"/>
+          <p:cNvSpPr>
+            <a:spLocks noGrp="1"/>
+          </p:cNvSpPr>
+          <p:nvPr>
+            <p:ph type="hdr" sz="quarter"/>
+          </p:nvPr>
+        </p:nvSpPr>
+        <p:spPr>
+          <a:xfrm>
+            <a:off x="0" y="0"/>
+            <a:ext cx="2971800" cy="458788"/>
+          </a:xfrm>
+          <a:prstGeom prst="rect">
+            <a:avLst/>
+          </a:prstGeom>
+        </p:spPr>
+        <p:txBody>
+          <a:bodyPr vert="horz" lIns="91440" tIns="45720" rIns="91440" bIns="45720" rtlCol="0"/>
+          <a:lstStyle>
+            <a:lvl1pPr algn="l">
+              <a:defRPr sz="1200"/>
+            </a:lvl1pPr>
+          </a:lstStyle>
+          <a:p>
+            <a:endParaRPr lang="en-US"/>
+          </a:p>
+        </p:txBody>
+      </p:sp>
+      <p:sp>
+        <p:nvSpPr>
+          <p:cNvPr id="3" name="Date Placeholder 2"/>
+          <p:cNvSpPr>
+            <a:spLocks noGrp="1"/>
+          </p:cNvSpPr>
+          <p:nvPr>
+            <p:ph type="dt" idx="1"/>
+          </p:nvPr>
+        </p:nvSpPr>
+        <p:spPr>
+          <a:xfrm>
+            <a:off x="3884613" y="0"/>
+            <a:ext cx="2971800" cy="458788"/>
+          </a:xfrm>
+          <a:prstGeom prst="rect">
+            <a:avLst/>
+          </a:prstGeom>
+        </p:spPr>
+        <p:txBody>
+          <a:bodyPr vert="horz" lIns="91440" tIns="45720" rIns="91440" bIns="45720" rtlCol="0"/>
+          <a:lstStyle>
+            <a:lvl1pPr algn="r">
+              <a:defRPr sz="1200"/>
+            </a:lvl1pPr>
+          </a:lstStyle>
+          <a:p>
+            <a:fld id="{C13B47A7-8C13-6C41-BC82-F20EACC38EDA}" type="datetimeFigureOut">
+              <a:rPr lang="en-US" smtClean="0"/>
+              <a:t>6/5/17</a:t>
+            </a:fld>
+            <a:endParaRPr lang="en-US"/>
+          </a:p>
+        </p:txBody>
+      </p:sp>
+      <p:sp>
+        <p:nvSpPr>
+          <p:cNvPr id="4" name="Slide Image Placeholder 3"/>
+          <p:cNvSpPr>
+            <a:spLocks noGrp="1" noRot="1" noChangeAspect="1"/>
+          </p:cNvSpPr>
+          <p:nvPr>
+            <p:ph type="sldImg" idx="2"/>
+          </p:nvPr>
+        </p:nvSpPr>
+        <p:spPr>
+          <a:xfrm>
+            <a:off x="685800" y="1143000"/>
+            <a:ext cx="5486400" cy="3086100"/>
+          </a:xfrm>
+          <a:prstGeom prst="rect">
+            <a:avLst/>
+          </a:prstGeom>
+          <a:noFill/>
+          <a:ln w="12700">
+            <a:solidFill>
+              <a:prstClr val="black"/>
+            </a:solidFill>
+          </a:ln>
+        </p:spPr>
+        <p:txBody>
+          <a:bodyPr vert="horz" lIns="91440" tIns="45720" rIns="91440" bIns="45720" rtlCol="0" anchor="ctr"/>
+          <a:lstStyle/>
+          <a:p>
+            <a:endParaRPr lang="en-US"/>
+          </a:p>
+        </p:txBody>
+      </p:sp>
+      <p:sp>
+        <p:nvSpPr>
+          <p:cNvPr id="5" name="Notes Placeholder 4"/>
+          <p:cNvSpPr>
+            <a:spLocks noGrp="1"/>
+          </p:cNvSpPr>
+          <p:nvPr>
+            <p:ph type="body" sz="quarter" idx="3"/>
+          </p:nvPr>
+        </p:nvSpPr>
+        <p:spPr>
+          <a:xfrm>
+            <a:off x="685800" y="4400550"/>
+            <a:ext cx="5486400" cy="3600450"/>
+          </a:xfrm>
+          <a:prstGeom prst="rect">
+            <a:avLst/>
+          </a:prstGeom>
+        </p:spPr>
+        <p:txBody>
+          <a:bodyPr vert="horz" lIns="91440" tIns="45720" rIns="91440" bIns="45720" rtlCol="0"/>
+          <a:lstStyle/>
+          <a:p>
+            <a:pPr lvl="0"/>
+            <a:r>
+              <a:rPr lang="en-US" smtClean="0"/>
+              <a:t>Click to edit Master text styles</a:t>
+            </a:r>
+          </a:p>
+          <a:p>
+            <a:pPr lvl="1"/>
+            <a:r>
+              <a:rPr lang="en-US" smtClean="0"/>
+              <a:t>Second level</a:t>
+            </a:r>
+          </a:p>
+          <a:p>
+            <a:pPr lvl="2"/>
+            <a:r>
+              <a:rPr lang="en-US" smtClean="0"/>
+              <a:t>Third level</a:t>
+            </a:r>
+          </a:p>
+          <a:p>
+            <a:pPr lvl="3"/>
+            <a:r>
+              <a:rPr lang="en-US" smtClean="0"/>
+              <a:t>Fourth level</a:t>
+            </a:r>
+          </a:p>
+          <a:p>
+            <a:pPr lvl="4"/>
+            <a:r>
+              <a:rPr lang="en-US" smtClean="0"/>
+              <a:t>Fifth level</a:t>
+            </a:r>
+            <a:endParaRPr lang="en-US"/>
+          </a:p>
+        </p:txBody>
+      </p:sp>
+      <p:sp>
+        <p:nvSpPr>
+          <p:cNvPr id="6" name="Footer Placeholder 5"/>
+          <p:cNvSpPr>
+            <a:spLocks noGrp="1"/>
+          </p:cNvSpPr>
+          <p:nvPr>
+            <p:ph type="ftr" sz="quarter" idx="4"/>
+          </p:nvPr>
+        </p:nvSpPr>
+        <p:spPr>
+          <a:xfrm>
+            <a:off x="0" y="8685213"/>
+            <a:ext cx="2971800" cy="458787"/>
+          </a:xfrm>
+          <a:prstGeom prst="rect">
+            <a:avLst/>
+          </a:prstGeom>
+        </p:spPr>
+        <p:txBody>
+          <a:bodyPr vert="horz" lIns="91440" tIns="45720" rIns="91440" bIns="45720" rtlCol="0" anchor="b"/>
+          <a:lstStyle>
+            <a:lvl1pPr algn="l">
+              <a:defRPr sz="1200"/>
+            </a:lvl1pPr>
+          </a:lstStyle>
+          <a:p>
+            <a:endParaRPr lang="en-US"/>
+          </a:p>
+        </p:txBody>
+      </p:sp>
+      <p:sp>
+        <p:nvSpPr>
+          <p:cNvPr id="7" name="Slide Number Placeholder 6"/>
+          <p:cNvSpPr>
+            <a:spLocks noGrp="1"/>
+          </p:cNvSpPr>
+          <p:nvPr>
+            <p:ph type="sldNum" sz="quarter" idx="5"/>
+          </p:nvPr>
+        </p:nvSpPr>
+        <p:spPr>
+          <a:xfrm>
+            <a:off x="3884613" y="8685213"/>
+            <a:ext cx="2971800" cy="458787"/>
+          </a:xfrm>
+          <a:prstGeom prst="rect">
+            <a:avLst/>
+          </a:prstGeom>
+        </p:spPr>
+        <p:txBody>
+          <a:bodyPr vert="horz" lIns="91440" tIns="45720" rIns="91440" bIns="45720" rtlCol="0" anchor="b"/>
+          <a:lstStyle>
+            <a:lvl1pPr algn="r">
+              <a:defRPr sz="1200"/>
+            </a:lvl1pPr>
+          </a:lstStyle>
+          <a:p>
+            <a:fld id="{BDC7C7C1-837D-3B47-9493-8D30251EF28D}" type="slidenum">
+              <a:rPr lang="en-US" smtClean="0"/>
+              <a:t>‹#›</a:t>
+            </a:fld>
+            <a:endParaRPr lang="en-US"/>
+          </a:p>
+        </p:txBody>
+      </p:sp>
+    </p:spTree>
+    <p:extLst>
+      <p:ext uri="{BB962C8B-B14F-4D97-AF65-F5344CB8AC3E}">
+        <p14:creationId xmlns:p14="http://schemas.microsoft.com/office/powerpoint/2010/main" val="522829819"/>
+      </p:ext>
+    </p:extLst>
+  </p:cSld>
+  <p:clrMap bg1="lt1" tx1="dk1" bg2="lt2" tx2="dk2" accent1="accent1" accent2="accent2" accent3="accent3" accent4="accent4" accent5="accent5" accent6="accent6" hlink="hlink" folHlink="folHlink"/>
+  <p:notesStyle>
+    <a:lvl1pPr marL="0" algn="l" defTabSz="914400" rtl="0" eaLnBrk="1" latinLnBrk="0" hangingPunct="1">
+      <a:defRPr sz="1200" kern="1200">
+        <a:solidFill>
+          <a:schemeClr val="tx1"/>
+        </a:solidFill>
+        <a:latin typeface="+mn-lt"/>
+        <a:ea typeface="+mn-ea"/>
+        <a:cs typeface="+mn-cs"/>
+      </a:defRPr>
+    </a:lvl1pPr>
+    <a:lvl2pPr marL="457200" algn="l" defTabSz="914400" rtl="0" eaLnBrk="1" latinLnBrk="0" hangingPunct="1">
+      <a:defRPr sz="1200" kern="1200">
+        <a:solidFill>
+          <a:schemeClr val="tx1"/>
+        </a:solidFill>
+        <a:latin typeface="+mn-lt"/>
+        <a:ea typeface="+mn-ea"/>
+        <a:cs typeface="+mn-cs"/>
+      </a:defRPr>
+    </a:lvl2pPr>
+    <a:lvl3pPr marL="914400" algn="l" defTabSz="914400" rtl="0" eaLnBrk="1" latinLnBrk="0" hangingPunct="1">
+      <a:defRPr sz="1200" kern="1200">
+        <a:solidFill>
+          <a:schemeClr val="tx1"/>
+        </a:solidFill>
+        <a:latin typeface="+mn-lt"/>
+        <a:ea typeface="+mn-ea"/>
+        <a:cs typeface="+mn-cs"/>
+      </a:defRPr>
+    </a:lvl3pPr>
+    <a:lvl4pPr marL="1371600" algn="l" defTabSz="914400" rtl="0" eaLnBrk="1" latinLnBrk="0" hangingPunct="1">
+      <a:defRPr sz="1200" kern="1200">
+        <a:solidFill>
+          <a:schemeClr val="tx1"/>
+        </a:solidFill>
+        <a:latin typeface="+mn-lt"/>
+        <a:ea typeface="+mn-ea"/>
+        <a:cs typeface="+mn-cs"/>
+      </a:defRPr>
+    </a:lvl4pPr>
+    <a:lvl5pPr marL="1828800" algn="l" defTabSz="914400" rtl="0" eaLnBrk="1" latinLnBrk="0" hangingPunct="1">
+      <a:defRPr sz="1200" kern="1200">
+        <a:solidFill>
+          <a:schemeClr val="tx1"/>
+        </a:solidFill>
+        <a:latin typeface="+mn-lt"/>
+        <a:ea typeface="+mn-ea"/>
+        <a:cs typeface="+mn-cs"/>
+      </a:defRPr>
+    </a:lvl5pPr>
+    <a:lvl6pPr marL="2286000" algn="l" defTabSz="914400" rtl="0" eaLnBrk="1" latinLnBrk="0" hangingPunct="1">
+      <a:defRPr sz="1200" kern="1200">
+        <a:solidFill>
+          <a:schemeClr val="tx1"/>
+        </a:solidFill>
+        <a:latin typeface="+mn-lt"/>
+        <a:ea typeface="+mn-ea"/>
+        <a:cs typeface="+mn-cs"/>
+      </a:defRPr>
+    </a:lvl6pPr>
+    <a:lvl7pPr marL="2743200" algn="l" defTabSz="914400" rtl="0" eaLnBrk="1" latinLnBrk="0" hangingPunct="1">
+      <a:defRPr sz="1200" kern="1200">
+        <a:solidFill>
+          <a:schemeClr val="tx1"/>
+        </a:solidFill>
+        <a:latin typeface="+mn-lt"/>
+        <a:ea typeface="+mn-ea"/>
+        <a:cs typeface="+mn-cs"/>
+      </a:defRPr>
+    </a:lvl7pPr>
+    <a:lvl8pPr marL="3200400" algn="l" defTabSz="914400" rtl="0" eaLnBrk="1" latinLnBrk="0" hangingPunct="1">
+      <a:defRPr sz="1200" kern="1200">
+        <a:solidFill>
+          <a:schemeClr val="tx1"/>
+        </a:solidFill>
+        <a:latin typeface="+mn-lt"/>
+        <a:ea typeface="+mn-ea"/>
+        <a:cs typeface="+mn-cs"/>
+      </a:defRPr>
+    </a:lvl8pPr>
+    <a:lvl9pPr marL="3657600" algn="l" defTabSz="914400" rtl="0" eaLnBrk="1" latinLnBrk="0" hangingPunct="1">
+      <a:defRPr sz="1200" kern="1200">
+        <a:solidFill>
+          <a:schemeClr val="tx1"/>
+        </a:solidFill>
+        <a:latin typeface="+mn-lt"/>
+        <a:ea typeface="+mn-ea"/>
+        <a:cs typeface="+mn-cs"/>
+      </a:defRPr>
+    </a:lvl9pPr>
+  </p:notesStyle>
+</p:notesMaster>
+</file>
+
 <file path=ppt/slideLayouts/slideLayout1.xml><?xml version="1.0" encoding="utf-8"?>
 <p:sldLayout xmlns:a="http://schemas.openxmlformats.org/drawingml/2006/main" xmlns:r="http://schemas.openxmlformats.org/officeDocument/2006/relationships" xmlns:p="http://schemas.openxmlformats.org/presentationml/2006/main" type="title" preserve="1">
   <p:cSld name="Title Slide">
@@ -250,7 +604,7 @@
           <a:p>
             <a:fld id="{13FF81DB-72FD-4E0B-96E8-AA8F3653C4D4}" type="datetimeFigureOut">
               <a:rPr lang="en-US" smtClean="0"/>
-              <a:t>3/9/2017</a:t>
+              <a:t>6/5/17</a:t>
             </a:fld>
             <a:endParaRPr lang="en-US"/>
           </a:p>
@@ -420,7 +774,7 @@
           <a:p>
             <a:fld id="{13FF81DB-72FD-4E0B-96E8-AA8F3653C4D4}" type="datetimeFigureOut">
               <a:rPr lang="en-US" smtClean="0"/>
-              <a:t>3/9/2017</a:t>
+              <a:t>6/5/17</a:t>
             </a:fld>
             <a:endParaRPr lang="en-US"/>
           </a:p>
@@ -600,7 +954,7 @@
           <a:p>
             <a:fld id="{13FF81DB-72FD-4E0B-96E8-AA8F3653C4D4}" type="datetimeFigureOut">
               <a:rPr lang="en-US" smtClean="0"/>
-              <a:t>3/9/2017</a:t>
+              <a:t>6/5/17</a:t>
             </a:fld>
             <a:endParaRPr lang="en-US"/>
           </a:p>
@@ -770,7 +1124,7 @@
           <a:p>
             <a:fld id="{13FF81DB-72FD-4E0B-96E8-AA8F3653C4D4}" type="datetimeFigureOut">
               <a:rPr lang="en-US" smtClean="0"/>
-              <a:t>3/9/2017</a:t>
+              <a:t>6/5/17</a:t>
             </a:fld>
             <a:endParaRPr lang="en-US"/>
           </a:p>
@@ -1016,7 +1370,7 @@
           <a:p>
             <a:fld id="{13FF81DB-72FD-4E0B-96E8-AA8F3653C4D4}" type="datetimeFigureOut">
               <a:rPr lang="en-US" smtClean="0"/>
-              <a:t>3/9/2017</a:t>
+              <a:t>6/5/17</a:t>
             </a:fld>
             <a:endParaRPr lang="en-US"/>
           </a:p>
@@ -1248,7 +1602,7 @@
           <a:p>
             <a:fld id="{13FF81DB-72FD-4E0B-96E8-AA8F3653C4D4}" type="datetimeFigureOut">
               <a:rPr lang="en-US" smtClean="0"/>
-              <a:t>3/9/2017</a:t>
+              <a:t>6/5/17</a:t>
             </a:fld>
             <a:endParaRPr lang="en-US"/>
           </a:p>
@@ -1615,7 +1969,7 @@
           <a:p>
             <a:fld id="{13FF81DB-72FD-4E0B-96E8-AA8F3653C4D4}" type="datetimeFigureOut">
               <a:rPr lang="en-US" smtClean="0"/>
-              <a:t>3/9/2017</a:t>
+              <a:t>6/5/17</a:t>
             </a:fld>
             <a:endParaRPr lang="en-US"/>
           </a:p>
@@ -1733,7 +2087,7 @@
           <a:p>
             <a:fld id="{13FF81DB-72FD-4E0B-96E8-AA8F3653C4D4}" type="datetimeFigureOut">
               <a:rPr lang="en-US" smtClean="0"/>
-              <a:t>3/9/2017</a:t>
+              <a:t>6/5/17</a:t>
             </a:fld>
             <a:endParaRPr lang="en-US"/>
           </a:p>
@@ -1828,7 +2182,7 @@
           <a:p>
             <a:fld id="{13FF81DB-72FD-4E0B-96E8-AA8F3653C4D4}" type="datetimeFigureOut">
               <a:rPr lang="en-US" smtClean="0"/>
-              <a:t>3/9/2017</a:t>
+              <a:t>6/5/17</a:t>
             </a:fld>
             <a:endParaRPr lang="en-US"/>
           </a:p>
@@ -2105,7 +2459,7 @@
           <a:p>
             <a:fld id="{13FF81DB-72FD-4E0B-96E8-AA8F3653C4D4}" type="datetimeFigureOut">
               <a:rPr lang="en-US" smtClean="0"/>
-              <a:t>3/9/2017</a:t>
+              <a:t>6/5/17</a:t>
             </a:fld>
             <a:endParaRPr lang="en-US"/>
           </a:p>
@@ -2358,7 +2712,7 @@
           <a:p>
             <a:fld id="{13FF81DB-72FD-4E0B-96E8-AA8F3653C4D4}" type="datetimeFigureOut">
               <a:rPr lang="en-US" smtClean="0"/>
-              <a:t>3/9/2017</a:t>
+              <a:t>6/5/17</a:t>
             </a:fld>
             <a:endParaRPr lang="en-US"/>
           </a:p>
@@ -2571,7 +2925,7 @@
           <a:p>
             <a:fld id="{13FF81DB-72FD-4E0B-96E8-AA8F3653C4D4}" type="datetimeFigureOut">
               <a:rPr lang="en-US" smtClean="0"/>
-              <a:t>3/9/2017</a:t>
+              <a:t>6/5/17</a:t>
             </a:fld>
             <a:endParaRPr lang="en-US"/>
           </a:p>
@@ -2984,8 +3338,8 @@
         </p:nvSpPr>
         <p:spPr>
           <a:xfrm>
-            <a:off x="797041" y="156518"/>
-            <a:ext cx="4551528" cy="461665"/>
+            <a:off x="134014" y="99364"/>
+            <a:ext cx="3680460" cy="276999"/>
           </a:xfrm>
           <a:prstGeom prst="rect">
             <a:avLst/>
@@ -2999,10 +3353,18 @@
           <a:lstStyle/>
           <a:p>
             <a:r>
-              <a:rPr lang="en-US" sz="2400" b="1" dirty="0" smtClean="0"/>
+              <a:rPr lang="en-US" sz="1200" b="1" dirty="0" smtClean="0">
+                <a:latin typeface="Arial" charset="0"/>
+                <a:ea typeface="Arial" charset="0"/>
+                <a:cs typeface="Arial" charset="0"/>
+              </a:rPr>
               <a:t>Network graph</a:t>
             </a:r>
-            <a:endParaRPr lang="en-US" sz="2400" b="1" dirty="0"/>
+            <a:endParaRPr lang="en-US" sz="1200" b="1" dirty="0">
+              <a:latin typeface="Arial" charset="0"/>
+              <a:ea typeface="Arial" charset="0"/>
+              <a:cs typeface="Arial" charset="0"/>
+            </a:endParaRPr>
           </a:p>
         </p:txBody>
       </p:sp>
@@ -3014,7 +3376,7 @@
         </p:nvSpPr>
         <p:spPr>
           <a:xfrm>
-            <a:off x="6005384" y="2191403"/>
+            <a:off x="5366035" y="1453073"/>
             <a:ext cx="3896497" cy="646331"/>
           </a:xfrm>
           <a:prstGeom prst="rect">
@@ -3058,24 +3420,1288 @@
           </a:p>
         </p:txBody>
       </p:sp>
+      <p:grpSp>
+        <p:nvGrpSpPr>
+          <p:cNvPr id="9" name="Group 8"/>
+          <p:cNvGrpSpPr/>
+          <p:nvPr/>
+        </p:nvGrpSpPr>
+        <p:grpSpPr>
+          <a:xfrm>
+            <a:off x="191165" y="612243"/>
+            <a:ext cx="3566447" cy="1430861"/>
+            <a:chOff x="797041" y="797989"/>
+            <a:chExt cx="4225660" cy="1980437"/>
+          </a:xfrm>
+        </p:grpSpPr>
+        <p:grpSp>
+          <p:nvGrpSpPr>
+            <p:cNvPr id="3" name="Group 2"/>
+            <p:cNvGrpSpPr/>
+            <p:nvPr/>
+          </p:nvGrpSpPr>
+          <p:grpSpPr>
+            <a:xfrm>
+              <a:off x="797041" y="1168412"/>
+              <a:ext cx="4225660" cy="1610014"/>
+              <a:chOff x="797041" y="1168412"/>
+              <a:chExt cx="4225660" cy="1610014"/>
+            </a:xfrm>
+          </p:grpSpPr>
+          <p:grpSp>
+            <p:nvGrpSpPr>
+              <p:cNvPr id="10" name="Group 9"/>
+              <p:cNvGrpSpPr/>
+              <p:nvPr/>
+            </p:nvGrpSpPr>
+            <p:grpSpPr>
+              <a:xfrm>
+                <a:off x="797041" y="1172540"/>
+                <a:ext cx="818865" cy="655092"/>
+                <a:chOff x="2586251" y="1153236"/>
+                <a:chExt cx="818865" cy="655092"/>
+              </a:xfrm>
+            </p:grpSpPr>
+            <p:sp>
+              <p:nvSpPr>
+                <p:cNvPr id="11" name="Oval 10"/>
+                <p:cNvSpPr/>
+                <p:nvPr/>
+              </p:nvSpPr>
+              <p:spPr>
+                <a:xfrm>
+                  <a:off x="2586251" y="1153236"/>
+                  <a:ext cx="818865" cy="655092"/>
+                </a:xfrm>
+                <a:prstGeom prst="ellipse">
+                  <a:avLst/>
+                </a:prstGeom>
+                <a:gradFill flip="none" rotWithShape="1">
+                  <a:gsLst>
+                    <a:gs pos="0">
+                      <a:schemeClr val="accent6">
+                        <a:lumMod val="0"/>
+                        <a:lumOff val="100000"/>
+                      </a:schemeClr>
+                    </a:gs>
+                    <a:gs pos="22000">
+                      <a:schemeClr val="accent6">
+                        <a:lumMod val="0"/>
+                        <a:lumOff val="100000"/>
+                      </a:schemeClr>
+                    </a:gs>
+                    <a:gs pos="100000">
+                      <a:schemeClr val="accent6">
+                        <a:lumMod val="100000"/>
+                      </a:schemeClr>
+                    </a:gs>
+                  </a:gsLst>
+                  <a:path path="circle">
+                    <a:fillToRect l="50000" t="50000" r="50000" b="50000"/>
+                  </a:path>
+                  <a:tileRect/>
+                </a:gradFill>
+                <a:ln w="19050">
+                  <a:solidFill>
+                    <a:schemeClr val="accent6">
+                      <a:lumMod val="75000"/>
+                    </a:schemeClr>
+                  </a:solidFill>
+                </a:ln>
+                <a:effectLst>
+                  <a:outerShdw blurRad="50800" dist="76200" dir="2700000" algn="tl" rotWithShape="0">
+                    <a:prstClr val="black">
+                      <a:alpha val="40000"/>
+                    </a:prstClr>
+                  </a:outerShdw>
+                </a:effectLst>
+              </p:spPr>
+              <p:style>
+                <a:lnRef idx="2">
+                  <a:schemeClr val="accent1">
+                    <a:shade val="50000"/>
+                  </a:schemeClr>
+                </a:lnRef>
+                <a:fillRef idx="1">
+                  <a:schemeClr val="accent1"/>
+                </a:fillRef>
+                <a:effectRef idx="0">
+                  <a:schemeClr val="accent1"/>
+                </a:effectRef>
+                <a:fontRef idx="minor">
+                  <a:schemeClr val="lt1"/>
+                </a:fontRef>
+              </p:style>
+              <p:txBody>
+                <a:bodyPr rtlCol="0" anchor="ctr"/>
+                <a:lstStyle/>
+                <a:p>
+                  <a:pPr algn="ctr"/>
+                  <a:endParaRPr lang="en-US" sz="1200" b="1">
+                    <a:latin typeface="Arial" charset="0"/>
+                    <a:ea typeface="Arial" charset="0"/>
+                    <a:cs typeface="Arial" charset="0"/>
+                  </a:endParaRPr>
+                </a:p>
+              </p:txBody>
+            </p:sp>
+            <p:sp>
+              <p:nvSpPr>
+                <p:cNvPr id="12" name="TextBox 11"/>
+                <p:cNvSpPr txBox="1"/>
+                <p:nvPr/>
+              </p:nvSpPr>
+              <p:spPr>
+                <a:xfrm>
+                  <a:off x="2715904" y="1289713"/>
+                  <a:ext cx="559559" cy="276999"/>
+                </a:xfrm>
+                <a:prstGeom prst="rect">
+                  <a:avLst/>
+                </a:prstGeom>
+                <a:noFill/>
+              </p:spPr>
+              <p:txBody>
+                <a:bodyPr wrap="square" rtlCol="0">
+                  <a:spAutoFit/>
+                </a:bodyPr>
+                <a:lstStyle/>
+                <a:p>
+                  <a:pPr algn="ctr"/>
+                  <a:r>
+                    <a:rPr lang="en-US" sz="1200" b="1" dirty="0" smtClean="0">
+                      <a:latin typeface="Arial" charset="0"/>
+                      <a:ea typeface="Arial" charset="0"/>
+                      <a:cs typeface="Arial" charset="0"/>
+                    </a:rPr>
+                    <a:t>MT</a:t>
+                  </a:r>
+                  <a:endParaRPr lang="en-US" sz="1200" b="1" dirty="0">
+                    <a:latin typeface="Arial" charset="0"/>
+                    <a:ea typeface="Arial" charset="0"/>
+                    <a:cs typeface="Arial" charset="0"/>
+                  </a:endParaRPr>
+                </a:p>
+              </p:txBody>
+            </p:sp>
+          </p:grpSp>
+          <p:grpSp>
+            <p:nvGrpSpPr>
+              <p:cNvPr id="13" name="Group 12"/>
+              <p:cNvGrpSpPr/>
+              <p:nvPr/>
+            </p:nvGrpSpPr>
+            <p:grpSpPr>
+              <a:xfrm>
+                <a:off x="1486253" y="2123334"/>
+                <a:ext cx="818865" cy="655092"/>
+                <a:chOff x="3275463" y="2104030"/>
+                <a:chExt cx="818865" cy="655092"/>
+              </a:xfrm>
+            </p:grpSpPr>
+            <p:sp>
+              <p:nvSpPr>
+                <p:cNvPr id="14" name="Oval 13"/>
+                <p:cNvSpPr/>
+                <p:nvPr/>
+              </p:nvSpPr>
+              <p:spPr>
+                <a:xfrm>
+                  <a:off x="3275463" y="2104030"/>
+                  <a:ext cx="818865" cy="655092"/>
+                </a:xfrm>
+                <a:prstGeom prst="ellipse">
+                  <a:avLst/>
+                </a:prstGeom>
+                <a:gradFill flip="none" rotWithShape="1">
+                  <a:gsLst>
+                    <a:gs pos="0">
+                      <a:schemeClr val="accent4">
+                        <a:lumMod val="5000"/>
+                        <a:lumOff val="95000"/>
+                      </a:schemeClr>
+                    </a:gs>
+                    <a:gs pos="74000">
+                      <a:schemeClr val="accent4">
+                        <a:lumMod val="45000"/>
+                        <a:lumOff val="55000"/>
+                      </a:schemeClr>
+                    </a:gs>
+                    <a:gs pos="83000">
+                      <a:schemeClr val="accent4">
+                        <a:lumMod val="45000"/>
+                        <a:lumOff val="55000"/>
+                      </a:schemeClr>
+                    </a:gs>
+                    <a:gs pos="100000">
+                      <a:schemeClr val="accent4">
+                        <a:lumMod val="30000"/>
+                        <a:lumOff val="70000"/>
+                      </a:schemeClr>
+                    </a:gs>
+                  </a:gsLst>
+                  <a:path path="circle">
+                    <a:fillToRect l="50000" t="50000" r="50000" b="50000"/>
+                  </a:path>
+                  <a:tileRect/>
+                </a:gradFill>
+                <a:ln w="19050">
+                  <a:solidFill>
+                    <a:schemeClr val="accent2">
+                      <a:lumMod val="75000"/>
+                    </a:schemeClr>
+                  </a:solidFill>
+                </a:ln>
+                <a:effectLst>
+                  <a:outerShdw blurRad="50800" dist="76200" dir="2700000" algn="tl" rotWithShape="0">
+                    <a:prstClr val="black">
+                      <a:alpha val="40000"/>
+                    </a:prstClr>
+                  </a:outerShdw>
+                </a:effectLst>
+              </p:spPr>
+              <p:style>
+                <a:lnRef idx="2">
+                  <a:schemeClr val="accent1">
+                    <a:shade val="50000"/>
+                  </a:schemeClr>
+                </a:lnRef>
+                <a:fillRef idx="1">
+                  <a:schemeClr val="accent1"/>
+                </a:fillRef>
+                <a:effectRef idx="0">
+                  <a:schemeClr val="accent1"/>
+                </a:effectRef>
+                <a:fontRef idx="minor">
+                  <a:schemeClr val="lt1"/>
+                </a:fontRef>
+              </p:style>
+              <p:txBody>
+                <a:bodyPr rtlCol="0" anchor="ctr"/>
+                <a:lstStyle/>
+                <a:p>
+                  <a:pPr algn="ctr"/>
+                  <a:endParaRPr lang="en-US" sz="1200" b="1">
+                    <a:latin typeface="Arial" charset="0"/>
+                    <a:ea typeface="Arial" charset="0"/>
+                    <a:cs typeface="Arial" charset="0"/>
+                  </a:endParaRPr>
+                </a:p>
+              </p:txBody>
+            </p:sp>
+            <p:sp>
+              <p:nvSpPr>
+                <p:cNvPr id="15" name="TextBox 14"/>
+                <p:cNvSpPr txBox="1"/>
+                <p:nvPr/>
+              </p:nvSpPr>
+              <p:spPr>
+                <a:xfrm>
+                  <a:off x="3295934" y="2285826"/>
+                  <a:ext cx="798394" cy="203133"/>
+                </a:xfrm>
+                <a:prstGeom prst="rect">
+                  <a:avLst/>
+                </a:prstGeom>
+                <a:noFill/>
+              </p:spPr>
+              <p:txBody>
+                <a:bodyPr wrap="square" lIns="9144" tIns="9144" rIns="9144" bIns="9144" rtlCol="0">
+                  <a:spAutoFit/>
+                </a:bodyPr>
+                <a:lstStyle/>
+                <a:p>
+                  <a:pPr algn="ctr"/>
+                  <a:r>
+                    <a:rPr lang="en-US" sz="1200" b="1" dirty="0" smtClean="0">
+                      <a:latin typeface="Arial" charset="0"/>
+                      <a:ea typeface="Arial" charset="0"/>
+                      <a:cs typeface="Arial" charset="0"/>
+                    </a:rPr>
+                    <a:t>H3K9M</a:t>
+                  </a:r>
+                  <a:endParaRPr lang="en-US" sz="1200" b="1" dirty="0">
+                    <a:latin typeface="Arial" charset="0"/>
+                    <a:ea typeface="Arial" charset="0"/>
+                    <a:cs typeface="Arial" charset="0"/>
+                  </a:endParaRPr>
+                </a:p>
+              </p:txBody>
+            </p:sp>
+          </p:grpSp>
+          <p:grpSp>
+            <p:nvGrpSpPr>
+              <p:cNvPr id="16" name="Group 15"/>
+              <p:cNvGrpSpPr/>
+              <p:nvPr/>
+            </p:nvGrpSpPr>
+            <p:grpSpPr>
+              <a:xfrm>
+                <a:off x="2102789" y="1168412"/>
+                <a:ext cx="818865" cy="655092"/>
+                <a:chOff x="3275463" y="2104030"/>
+                <a:chExt cx="818865" cy="655092"/>
+              </a:xfrm>
+            </p:grpSpPr>
+            <p:sp>
+              <p:nvSpPr>
+                <p:cNvPr id="17" name="Oval 16"/>
+                <p:cNvSpPr/>
+                <p:nvPr/>
+              </p:nvSpPr>
+              <p:spPr>
+                <a:xfrm>
+                  <a:off x="3275463" y="2104030"/>
+                  <a:ext cx="818865" cy="655092"/>
+                </a:xfrm>
+                <a:prstGeom prst="ellipse">
+                  <a:avLst/>
+                </a:prstGeom>
+                <a:gradFill>
+                  <a:gsLst>
+                    <a:gs pos="0">
+                      <a:schemeClr val="accent4">
+                        <a:lumMod val="5000"/>
+                        <a:lumOff val="95000"/>
+                      </a:schemeClr>
+                    </a:gs>
+                    <a:gs pos="74000">
+                      <a:schemeClr val="accent4">
+                        <a:lumMod val="45000"/>
+                        <a:lumOff val="55000"/>
+                      </a:schemeClr>
+                    </a:gs>
+                    <a:gs pos="83000">
+                      <a:schemeClr val="accent4">
+                        <a:lumMod val="45000"/>
+                        <a:lumOff val="55000"/>
+                      </a:schemeClr>
+                    </a:gs>
+                    <a:gs pos="100000">
+                      <a:schemeClr val="accent4">
+                        <a:lumMod val="30000"/>
+                        <a:lumOff val="70000"/>
+                      </a:schemeClr>
+                    </a:gs>
+                  </a:gsLst>
+                  <a:path path="circle">
+                    <a:fillToRect l="50000" t="50000" r="50000" b="50000"/>
+                  </a:path>
+                </a:gradFill>
+                <a:ln w="19050">
+                  <a:solidFill>
+                    <a:schemeClr val="accent2">
+                      <a:lumMod val="75000"/>
+                    </a:schemeClr>
+                  </a:solidFill>
+                </a:ln>
+                <a:effectLst>
+                  <a:outerShdw blurRad="50800" dist="76200" dir="2700000" algn="tl" rotWithShape="0">
+                    <a:prstClr val="black">
+                      <a:alpha val="40000"/>
+                    </a:prstClr>
+                  </a:outerShdw>
+                </a:effectLst>
+              </p:spPr>
+              <p:style>
+                <a:lnRef idx="2">
+                  <a:schemeClr val="accent1">
+                    <a:shade val="50000"/>
+                  </a:schemeClr>
+                </a:lnRef>
+                <a:fillRef idx="1">
+                  <a:schemeClr val="accent1"/>
+                </a:fillRef>
+                <a:effectRef idx="0">
+                  <a:schemeClr val="accent1"/>
+                </a:effectRef>
+                <a:fontRef idx="minor">
+                  <a:schemeClr val="lt1"/>
+                </a:fontRef>
+              </p:style>
+              <p:txBody>
+                <a:bodyPr rtlCol="0" anchor="ctr"/>
+                <a:lstStyle/>
+                <a:p>
+                  <a:pPr algn="ctr"/>
+                  <a:endParaRPr lang="en-US" sz="1200" b="1">
+                    <a:latin typeface="Arial" charset="0"/>
+                    <a:ea typeface="Arial" charset="0"/>
+                    <a:cs typeface="Arial" charset="0"/>
+                  </a:endParaRPr>
+                </a:p>
+              </p:txBody>
+            </p:sp>
+            <p:sp>
+              <p:nvSpPr>
+                <p:cNvPr id="18" name="TextBox 17"/>
+                <p:cNvSpPr txBox="1"/>
+                <p:nvPr/>
+              </p:nvSpPr>
+              <p:spPr>
+                <a:xfrm>
+                  <a:off x="3306170" y="2256462"/>
+                  <a:ext cx="757450" cy="276999"/>
+                </a:xfrm>
+                <a:prstGeom prst="rect">
+                  <a:avLst/>
+                </a:prstGeom>
+                <a:noFill/>
+              </p:spPr>
+              <p:txBody>
+                <a:bodyPr wrap="square" rtlCol="0">
+                  <a:spAutoFit/>
+                </a:bodyPr>
+                <a:lstStyle/>
+                <a:p>
+                  <a:pPr algn="ctr"/>
+                  <a:r>
+                    <a:rPr lang="en-US" sz="1200" b="1" dirty="0" smtClean="0">
+                      <a:latin typeface="Arial" charset="0"/>
+                      <a:ea typeface="Arial" charset="0"/>
+                      <a:cs typeface="Arial" charset="0"/>
+                    </a:rPr>
+                    <a:t>KDM</a:t>
+                  </a:r>
+                  <a:endParaRPr lang="en-US" sz="1200" b="1" dirty="0">
+                    <a:latin typeface="Arial" charset="0"/>
+                    <a:ea typeface="Arial" charset="0"/>
+                    <a:cs typeface="Arial" charset="0"/>
+                  </a:endParaRPr>
+                </a:p>
+              </p:txBody>
+            </p:sp>
+          </p:grpSp>
+          <p:grpSp>
+            <p:nvGrpSpPr>
+              <p:cNvPr id="19" name="Group 18"/>
+              <p:cNvGrpSpPr/>
+              <p:nvPr/>
+            </p:nvGrpSpPr>
+            <p:grpSpPr>
+              <a:xfrm>
+                <a:off x="2876513" y="2123334"/>
+                <a:ext cx="851413" cy="655092"/>
+                <a:chOff x="3259188" y="2104030"/>
+                <a:chExt cx="851413" cy="655092"/>
+              </a:xfrm>
+            </p:grpSpPr>
+            <p:sp>
+              <p:nvSpPr>
+                <p:cNvPr id="20" name="Oval 19"/>
+                <p:cNvSpPr/>
+                <p:nvPr/>
+              </p:nvSpPr>
+              <p:spPr>
+                <a:xfrm>
+                  <a:off x="3275463" y="2104030"/>
+                  <a:ext cx="818865" cy="655092"/>
+                </a:xfrm>
+                <a:prstGeom prst="ellipse">
+                  <a:avLst/>
+                </a:prstGeom>
+                <a:gradFill flip="none" rotWithShape="1">
+                  <a:gsLst>
+                    <a:gs pos="0">
+                      <a:schemeClr val="accent2">
+                        <a:lumMod val="5000"/>
+                        <a:lumOff val="95000"/>
+                      </a:schemeClr>
+                    </a:gs>
+                    <a:gs pos="74000">
+                      <a:schemeClr val="accent2">
+                        <a:lumMod val="45000"/>
+                        <a:lumOff val="55000"/>
+                      </a:schemeClr>
+                    </a:gs>
+                    <a:gs pos="83000">
+                      <a:schemeClr val="accent2">
+                        <a:lumMod val="45000"/>
+                        <a:lumOff val="55000"/>
+                      </a:schemeClr>
+                    </a:gs>
+                    <a:gs pos="100000">
+                      <a:schemeClr val="accent2">
+                        <a:lumMod val="30000"/>
+                        <a:lumOff val="70000"/>
+                      </a:schemeClr>
+                    </a:gs>
+                  </a:gsLst>
+                  <a:path path="circle">
+                    <a:fillToRect l="50000" t="50000" r="50000" b="50000"/>
+                  </a:path>
+                  <a:tileRect/>
+                </a:gradFill>
+                <a:ln w="19050">
+                  <a:solidFill>
+                    <a:srgbClr val="C00000"/>
+                  </a:solidFill>
+                </a:ln>
+                <a:effectLst>
+                  <a:outerShdw blurRad="50800" dist="76200" dir="2700000" algn="tl" rotWithShape="0">
+                    <a:prstClr val="black">
+                      <a:alpha val="40000"/>
+                    </a:prstClr>
+                  </a:outerShdw>
+                </a:effectLst>
+              </p:spPr>
+              <p:style>
+                <a:lnRef idx="2">
+                  <a:schemeClr val="accent1">
+                    <a:shade val="50000"/>
+                  </a:schemeClr>
+                </a:lnRef>
+                <a:fillRef idx="1">
+                  <a:schemeClr val="accent1"/>
+                </a:fillRef>
+                <a:effectRef idx="0">
+                  <a:schemeClr val="accent1"/>
+                </a:effectRef>
+                <a:fontRef idx="minor">
+                  <a:schemeClr val="lt1"/>
+                </a:fontRef>
+              </p:style>
+              <p:txBody>
+                <a:bodyPr rtlCol="0" anchor="ctr"/>
+                <a:lstStyle/>
+                <a:p>
+                  <a:pPr algn="ctr"/>
+                  <a:endParaRPr lang="en-US" sz="1200" b="1">
+                    <a:latin typeface="Arial" charset="0"/>
+                    <a:ea typeface="Arial" charset="0"/>
+                    <a:cs typeface="Arial" charset="0"/>
+                  </a:endParaRPr>
+                </a:p>
+              </p:txBody>
+            </p:sp>
+            <p:sp>
+              <p:nvSpPr>
+                <p:cNvPr id="21" name="TextBox 20"/>
+                <p:cNvSpPr txBox="1"/>
+                <p:nvPr/>
+              </p:nvSpPr>
+              <p:spPr>
+                <a:xfrm>
+                  <a:off x="3259188" y="2278337"/>
+                  <a:ext cx="851413" cy="203133"/>
+                </a:xfrm>
+                <a:prstGeom prst="rect">
+                  <a:avLst/>
+                </a:prstGeom>
+                <a:noFill/>
+              </p:spPr>
+              <p:txBody>
+                <a:bodyPr wrap="square" lIns="9144" tIns="9144" rIns="9144" bIns="9144" rtlCol="0">
+                  <a:spAutoFit/>
+                </a:bodyPr>
+                <a:lstStyle/>
+                <a:p>
+                  <a:pPr algn="ctr"/>
+                  <a:r>
+                    <a:rPr lang="en-US" sz="1200" b="1" dirty="0" smtClean="0">
+                      <a:latin typeface="Arial" charset="0"/>
+                      <a:ea typeface="Arial" charset="0"/>
+                      <a:cs typeface="Arial" charset="0"/>
+                    </a:rPr>
+                    <a:t>H3S10P</a:t>
+                  </a:r>
+                  <a:endParaRPr lang="en-US" sz="1200" b="1" dirty="0">
+                    <a:latin typeface="Arial" charset="0"/>
+                    <a:ea typeface="Arial" charset="0"/>
+                    <a:cs typeface="Arial" charset="0"/>
+                  </a:endParaRPr>
+                </a:p>
+              </p:txBody>
+            </p:sp>
+          </p:grpSp>
+          <p:cxnSp>
+            <p:nvCxnSpPr>
+              <p:cNvPr id="22" name="Straight Arrow Connector 21"/>
+              <p:cNvCxnSpPr/>
+              <p:nvPr/>
+            </p:nvCxnSpPr>
+            <p:spPr>
+              <a:xfrm>
+                <a:off x="1480724" y="1744189"/>
+                <a:ext cx="263830" cy="402590"/>
+              </a:xfrm>
+              <a:prstGeom prst="straightConnector1">
+                <a:avLst/>
+              </a:prstGeom>
+              <a:ln w="19050">
+                <a:solidFill>
+                  <a:schemeClr val="tx1"/>
+                </a:solidFill>
+                <a:headEnd type="none"/>
+                <a:tailEnd type="arrow"/>
+              </a:ln>
+              <a:effectLst>
+                <a:outerShdw blurRad="50800" dist="76200" dir="2700000" algn="tl" rotWithShape="0">
+                  <a:prstClr val="black">
+                    <a:alpha val="40000"/>
+                  </a:prstClr>
+                </a:outerShdw>
+              </a:effectLst>
+            </p:spPr>
+            <p:style>
+              <a:lnRef idx="1">
+                <a:schemeClr val="accent1"/>
+              </a:lnRef>
+              <a:fillRef idx="0">
+                <a:schemeClr val="accent1"/>
+              </a:fillRef>
+              <a:effectRef idx="0">
+                <a:schemeClr val="accent1"/>
+              </a:effectRef>
+              <a:fontRef idx="minor">
+                <a:schemeClr val="tx1"/>
+              </a:fontRef>
+            </p:style>
+          </p:cxnSp>
+          <p:cxnSp>
+            <p:nvCxnSpPr>
+              <p:cNvPr id="23" name="Straight Arrow Connector 22"/>
+              <p:cNvCxnSpPr>
+                <a:endCxn id="17" idx="5"/>
+              </p:cNvCxnSpPr>
+              <p:nvPr/>
+            </p:nvCxnSpPr>
+            <p:spPr>
+              <a:xfrm flipH="1" flipV="1">
+                <a:off x="2801734" y="1727568"/>
+                <a:ext cx="360279" cy="425444"/>
+              </a:xfrm>
+              <a:prstGeom prst="straightConnector1">
+                <a:avLst/>
+              </a:prstGeom>
+              <a:ln w="19050">
+                <a:solidFill>
+                  <a:schemeClr val="tx1"/>
+                </a:solidFill>
+                <a:headEnd type="none"/>
+                <a:tailEnd type="arrow"/>
+              </a:ln>
+              <a:effectLst>
+                <a:outerShdw blurRad="50800" dist="76200" dir="2700000" algn="tl" rotWithShape="0">
+                  <a:prstClr val="black">
+                    <a:alpha val="40000"/>
+                  </a:prstClr>
+                </a:outerShdw>
+              </a:effectLst>
+            </p:spPr>
+            <p:style>
+              <a:lnRef idx="1">
+                <a:schemeClr val="accent1"/>
+              </a:lnRef>
+              <a:fillRef idx="0">
+                <a:schemeClr val="accent1"/>
+              </a:fillRef>
+              <a:effectRef idx="0">
+                <a:schemeClr val="accent1"/>
+              </a:effectRef>
+              <a:fontRef idx="minor">
+                <a:schemeClr val="tx1"/>
+              </a:fontRef>
+            </p:style>
+          </p:cxnSp>
+          <p:grpSp>
+            <p:nvGrpSpPr>
+              <p:cNvPr id="24" name="Group 23"/>
+              <p:cNvGrpSpPr/>
+              <p:nvPr/>
+            </p:nvGrpSpPr>
+            <p:grpSpPr>
+              <a:xfrm>
+                <a:off x="4029632" y="1188025"/>
+                <a:ext cx="908212" cy="655092"/>
+                <a:chOff x="3168269" y="2150920"/>
+                <a:chExt cx="908212" cy="655092"/>
+              </a:xfrm>
+            </p:grpSpPr>
+            <p:sp>
+              <p:nvSpPr>
+                <p:cNvPr id="25" name="Oval 24"/>
+                <p:cNvSpPr/>
+                <p:nvPr/>
+              </p:nvSpPr>
+              <p:spPr>
+                <a:xfrm>
+                  <a:off x="3197313" y="2150920"/>
+                  <a:ext cx="818865" cy="655092"/>
+                </a:xfrm>
+                <a:prstGeom prst="ellipse">
+                  <a:avLst/>
+                </a:prstGeom>
+                <a:gradFill>
+                  <a:gsLst>
+                    <a:gs pos="0">
+                      <a:schemeClr val="accent2">
+                        <a:lumMod val="5000"/>
+                        <a:lumOff val="95000"/>
+                      </a:schemeClr>
+                    </a:gs>
+                    <a:gs pos="74000">
+                      <a:schemeClr val="accent2">
+                        <a:lumMod val="45000"/>
+                        <a:lumOff val="55000"/>
+                      </a:schemeClr>
+                    </a:gs>
+                    <a:gs pos="83000">
+                      <a:schemeClr val="accent2">
+                        <a:lumMod val="45000"/>
+                        <a:lumOff val="55000"/>
+                      </a:schemeClr>
+                    </a:gs>
+                    <a:gs pos="100000">
+                      <a:schemeClr val="accent2">
+                        <a:lumMod val="30000"/>
+                        <a:lumOff val="70000"/>
+                      </a:schemeClr>
+                    </a:gs>
+                  </a:gsLst>
+                  <a:path path="circle">
+                    <a:fillToRect l="50000" t="50000" r="50000" b="50000"/>
+                  </a:path>
+                </a:gradFill>
+                <a:ln w="19050">
+                  <a:solidFill>
+                    <a:srgbClr val="C00000"/>
+                  </a:solidFill>
+                </a:ln>
+                <a:effectLst>
+                  <a:outerShdw blurRad="50800" dist="76200" dir="2700000" algn="tl" rotWithShape="0">
+                    <a:prstClr val="black">
+                      <a:alpha val="40000"/>
+                    </a:prstClr>
+                  </a:outerShdw>
+                </a:effectLst>
+              </p:spPr>
+              <p:style>
+                <a:lnRef idx="2">
+                  <a:schemeClr val="accent1">
+                    <a:shade val="50000"/>
+                  </a:schemeClr>
+                </a:lnRef>
+                <a:fillRef idx="1">
+                  <a:schemeClr val="accent1"/>
+                </a:fillRef>
+                <a:effectRef idx="0">
+                  <a:schemeClr val="accent1"/>
+                </a:effectRef>
+                <a:fontRef idx="minor">
+                  <a:schemeClr val="lt1"/>
+                </a:fontRef>
+              </p:style>
+              <p:txBody>
+                <a:bodyPr rtlCol="0" anchor="ctr"/>
+                <a:lstStyle/>
+                <a:p>
+                  <a:pPr algn="ctr"/>
+                  <a:endParaRPr lang="en-US" sz="1200" b="1">
+                    <a:latin typeface="Arial" charset="0"/>
+                    <a:ea typeface="Arial" charset="0"/>
+                    <a:cs typeface="Arial" charset="0"/>
+                  </a:endParaRPr>
+                </a:p>
+              </p:txBody>
+            </p:sp>
+            <p:sp>
+              <p:nvSpPr>
+                <p:cNvPr id="26" name="TextBox 25"/>
+                <p:cNvSpPr txBox="1"/>
+                <p:nvPr/>
+              </p:nvSpPr>
+              <p:spPr>
+                <a:xfrm>
+                  <a:off x="3168269" y="2293800"/>
+                  <a:ext cx="908212" cy="276999"/>
+                </a:xfrm>
+                <a:prstGeom prst="rect">
+                  <a:avLst/>
+                </a:prstGeom>
+                <a:noFill/>
+              </p:spPr>
+              <p:txBody>
+                <a:bodyPr wrap="square" rtlCol="0">
+                  <a:spAutoFit/>
+                </a:bodyPr>
+                <a:lstStyle/>
+                <a:p>
+                  <a:pPr algn="ctr"/>
+                  <a:r>
+                    <a:rPr lang="en-US" sz="1200" b="1" dirty="0" smtClean="0">
+                      <a:latin typeface="Arial" charset="0"/>
+                      <a:ea typeface="Arial" charset="0"/>
+                      <a:cs typeface="Arial" charset="0"/>
+                    </a:rPr>
+                    <a:t>Kinase</a:t>
+                  </a:r>
+                  <a:endParaRPr lang="en-US" sz="1200" b="1" dirty="0">
+                    <a:latin typeface="Arial" charset="0"/>
+                    <a:ea typeface="Arial" charset="0"/>
+                    <a:cs typeface="Arial" charset="0"/>
+                  </a:endParaRPr>
+                </a:p>
+              </p:txBody>
+            </p:sp>
+          </p:grpSp>
+          <p:grpSp>
+            <p:nvGrpSpPr>
+              <p:cNvPr id="27" name="Group 26"/>
+              <p:cNvGrpSpPr/>
+              <p:nvPr/>
+            </p:nvGrpSpPr>
+            <p:grpSpPr>
+              <a:xfrm>
+                <a:off x="4114489" y="2123334"/>
+                <a:ext cx="908212" cy="655092"/>
+                <a:chOff x="3230789" y="2104030"/>
+                <a:chExt cx="908212" cy="655092"/>
+              </a:xfrm>
+            </p:grpSpPr>
+            <p:sp>
+              <p:nvSpPr>
+                <p:cNvPr id="28" name="Oval 27"/>
+                <p:cNvSpPr/>
+                <p:nvPr/>
+              </p:nvSpPr>
+              <p:spPr>
+                <a:xfrm>
+                  <a:off x="3275463" y="2104030"/>
+                  <a:ext cx="818865" cy="655092"/>
+                </a:xfrm>
+                <a:prstGeom prst="ellipse">
+                  <a:avLst/>
+                </a:prstGeom>
+                <a:gradFill flip="none" rotWithShape="1">
+                  <a:gsLst>
+                    <a:gs pos="0">
+                      <a:schemeClr val="accent1">
+                        <a:lumMod val="5000"/>
+                        <a:lumOff val="95000"/>
+                      </a:schemeClr>
+                    </a:gs>
+                    <a:gs pos="74000">
+                      <a:schemeClr val="accent1">
+                        <a:lumMod val="45000"/>
+                        <a:lumOff val="55000"/>
+                      </a:schemeClr>
+                    </a:gs>
+                    <a:gs pos="83000">
+                      <a:schemeClr val="accent1">
+                        <a:lumMod val="45000"/>
+                        <a:lumOff val="55000"/>
+                      </a:schemeClr>
+                    </a:gs>
+                    <a:gs pos="100000">
+                      <a:schemeClr val="accent1">
+                        <a:lumMod val="30000"/>
+                        <a:lumOff val="70000"/>
+                      </a:schemeClr>
+                    </a:gs>
+                  </a:gsLst>
+                  <a:path path="circle">
+                    <a:fillToRect l="50000" t="50000" r="50000" b="50000"/>
+                  </a:path>
+                  <a:tileRect/>
+                </a:gradFill>
+                <a:ln w="19050"/>
+                <a:effectLst>
+                  <a:outerShdw blurRad="50800" dist="76200" dir="2700000" algn="tl" rotWithShape="0">
+                    <a:prstClr val="black">
+                      <a:alpha val="40000"/>
+                    </a:prstClr>
+                  </a:outerShdw>
+                </a:effectLst>
+              </p:spPr>
+              <p:style>
+                <a:lnRef idx="2">
+                  <a:schemeClr val="accent1">
+                    <a:shade val="50000"/>
+                  </a:schemeClr>
+                </a:lnRef>
+                <a:fillRef idx="1">
+                  <a:schemeClr val="accent1"/>
+                </a:fillRef>
+                <a:effectRef idx="0">
+                  <a:schemeClr val="accent1"/>
+                </a:effectRef>
+                <a:fontRef idx="minor">
+                  <a:schemeClr val="lt1"/>
+                </a:fontRef>
+              </p:style>
+              <p:txBody>
+                <a:bodyPr rtlCol="0" anchor="ctr"/>
+                <a:lstStyle/>
+                <a:p>
+                  <a:pPr algn="ctr"/>
+                  <a:endParaRPr lang="en-US" sz="1200" b="1">
+                    <a:latin typeface="Arial" charset="0"/>
+                    <a:ea typeface="Arial" charset="0"/>
+                    <a:cs typeface="Arial" charset="0"/>
+                  </a:endParaRPr>
+                </a:p>
+              </p:txBody>
+            </p:sp>
+            <p:sp>
+              <p:nvSpPr>
+                <p:cNvPr id="29" name="TextBox 28"/>
+                <p:cNvSpPr txBox="1"/>
+                <p:nvPr/>
+              </p:nvSpPr>
+              <p:spPr>
+                <a:xfrm>
+                  <a:off x="3230789" y="2246910"/>
+                  <a:ext cx="908212" cy="276999"/>
+                </a:xfrm>
+                <a:prstGeom prst="rect">
+                  <a:avLst/>
+                </a:prstGeom>
+                <a:noFill/>
+              </p:spPr>
+              <p:txBody>
+                <a:bodyPr wrap="square" rtlCol="0">
+                  <a:spAutoFit/>
+                </a:bodyPr>
+                <a:lstStyle/>
+                <a:p>
+                  <a:pPr algn="ctr"/>
+                  <a:r>
+                    <a:rPr lang="en-US" sz="1200" b="1" dirty="0" smtClean="0">
+                      <a:latin typeface="Arial" charset="0"/>
+                      <a:ea typeface="Arial" charset="0"/>
+                      <a:cs typeface="Arial" charset="0"/>
+                    </a:rPr>
+                    <a:t>PTP</a:t>
+                  </a:r>
+                  <a:endParaRPr lang="en-US" sz="1200" b="1" dirty="0">
+                    <a:latin typeface="Arial" charset="0"/>
+                    <a:ea typeface="Arial" charset="0"/>
+                    <a:cs typeface="Arial" charset="0"/>
+                  </a:endParaRPr>
+                </a:p>
+              </p:txBody>
+            </p:sp>
+          </p:grpSp>
+          <p:cxnSp>
+            <p:nvCxnSpPr>
+              <p:cNvPr id="30" name="Straight Arrow Connector 29"/>
+              <p:cNvCxnSpPr/>
+              <p:nvPr/>
+            </p:nvCxnSpPr>
+            <p:spPr>
+              <a:xfrm flipH="1">
+                <a:off x="3633382" y="1748168"/>
+                <a:ext cx="524844" cy="469773"/>
+              </a:xfrm>
+              <a:prstGeom prst="straightConnector1">
+                <a:avLst/>
+              </a:prstGeom>
+              <a:ln w="19050">
+                <a:solidFill>
+                  <a:schemeClr val="tx1"/>
+                </a:solidFill>
+                <a:headEnd type="none"/>
+                <a:tailEnd type="arrow"/>
+              </a:ln>
+              <a:effectLst>
+                <a:outerShdw blurRad="50800" dist="76200" dir="2700000" algn="tl" rotWithShape="0">
+                  <a:prstClr val="black">
+                    <a:alpha val="40000"/>
+                  </a:prstClr>
+                </a:outerShdw>
+              </a:effectLst>
+            </p:spPr>
+            <p:style>
+              <a:lnRef idx="1">
+                <a:schemeClr val="accent1"/>
+              </a:lnRef>
+              <a:fillRef idx="0">
+                <a:schemeClr val="accent1"/>
+              </a:fillRef>
+              <a:effectRef idx="0">
+                <a:schemeClr val="accent1"/>
+              </a:effectRef>
+              <a:fontRef idx="minor">
+                <a:schemeClr val="tx1"/>
+              </a:fontRef>
+            </p:style>
+          </p:cxnSp>
+          <p:cxnSp>
+            <p:nvCxnSpPr>
+              <p:cNvPr id="31" name="Straight Arrow Connector 30"/>
+              <p:cNvCxnSpPr>
+                <a:stCxn id="29" idx="1"/>
+              </p:cNvCxnSpPr>
+              <p:nvPr/>
+            </p:nvCxnSpPr>
+            <p:spPr>
+              <a:xfrm flipH="1">
+                <a:off x="3766881" y="2404714"/>
+                <a:ext cx="347608" cy="46167"/>
+              </a:xfrm>
+              <a:prstGeom prst="straightConnector1">
+                <a:avLst/>
+              </a:prstGeom>
+              <a:ln w="19050">
+                <a:solidFill>
+                  <a:schemeClr val="tx1"/>
+                </a:solidFill>
+                <a:headEnd type="none"/>
+                <a:tailEnd type="diamond" w="lg" len="lg"/>
+              </a:ln>
+              <a:effectLst>
+                <a:outerShdw blurRad="50800" dist="76200" dir="2700000" algn="tl" rotWithShape="0">
+                  <a:prstClr val="black">
+                    <a:alpha val="40000"/>
+                  </a:prstClr>
+                </a:outerShdw>
+              </a:effectLst>
+            </p:spPr>
+            <p:style>
+              <a:lnRef idx="1">
+                <a:schemeClr val="accent1"/>
+              </a:lnRef>
+              <a:fillRef idx="0">
+                <a:schemeClr val="accent1"/>
+              </a:fillRef>
+              <a:effectRef idx="0">
+                <a:schemeClr val="accent1"/>
+              </a:effectRef>
+              <a:fontRef idx="minor">
+                <a:schemeClr val="tx1"/>
+              </a:fontRef>
+            </p:style>
+          </p:cxnSp>
+          <p:cxnSp>
+            <p:nvCxnSpPr>
+              <p:cNvPr id="32" name="Straight Arrow Connector 31"/>
+              <p:cNvCxnSpPr>
+                <a:stCxn id="17" idx="3"/>
+              </p:cNvCxnSpPr>
+              <p:nvPr/>
+            </p:nvCxnSpPr>
+            <p:spPr>
+              <a:xfrm flipH="1">
+                <a:off x="1922106" y="1727568"/>
+                <a:ext cx="300603" cy="371836"/>
+              </a:xfrm>
+              <a:prstGeom prst="straightConnector1">
+                <a:avLst/>
+              </a:prstGeom>
+              <a:ln w="19050">
+                <a:solidFill>
+                  <a:schemeClr val="tx1"/>
+                </a:solidFill>
+                <a:headEnd type="none"/>
+                <a:tailEnd type="diamond" w="lg" len="lg"/>
+              </a:ln>
+              <a:effectLst>
+                <a:outerShdw blurRad="50800" dist="76200" dir="2700000" algn="tl" rotWithShape="0">
+                  <a:prstClr val="black">
+                    <a:alpha val="40000"/>
+                  </a:prstClr>
+                </a:outerShdw>
+              </a:effectLst>
+            </p:spPr>
+            <p:style>
+              <a:lnRef idx="1">
+                <a:schemeClr val="accent1"/>
+              </a:lnRef>
+              <a:fillRef idx="0">
+                <a:schemeClr val="accent1"/>
+              </a:fillRef>
+              <a:effectRef idx="0">
+                <a:schemeClr val="accent1"/>
+              </a:effectRef>
+              <a:fontRef idx="minor">
+                <a:schemeClr val="tx1"/>
+              </a:fontRef>
+            </p:style>
+          </p:cxnSp>
+        </p:grpSp>
+        <p:sp>
+          <p:nvSpPr>
+            <p:cNvPr id="4" name="Freeform 3"/>
+            <p:cNvSpPr/>
+            <p:nvPr/>
+          </p:nvSpPr>
+          <p:spPr>
+            <a:xfrm>
+              <a:off x="1492250" y="797989"/>
+              <a:ext cx="1968801" cy="1301415"/>
+            </a:xfrm>
+            <a:custGeom>
+              <a:avLst/>
+              <a:gdLst>
+                <a:gd name="connsiteX0" fmla="*/ 1930400 w 1968801"/>
+                <a:gd name="connsiteY0" fmla="*/ 1295096 h 1295096"/>
+                <a:gd name="connsiteX1" fmla="*/ 1962150 w 1968801"/>
+                <a:gd name="connsiteY1" fmla="*/ 869646 h 1295096"/>
+                <a:gd name="connsiteX2" fmla="*/ 1816100 w 1968801"/>
+                <a:gd name="connsiteY2" fmla="*/ 387046 h 1295096"/>
+                <a:gd name="connsiteX3" fmla="*/ 1352550 w 1968801"/>
+                <a:gd name="connsiteY3" fmla="*/ 44146 h 1295096"/>
+                <a:gd name="connsiteX4" fmla="*/ 603250 w 1968801"/>
+                <a:gd name="connsiteY4" fmla="*/ 25096 h 1295096"/>
+                <a:gd name="connsiteX5" fmla="*/ 146050 w 1968801"/>
+                <a:gd name="connsiteY5" fmla="*/ 234646 h 1295096"/>
+                <a:gd name="connsiteX6" fmla="*/ 0 w 1968801"/>
+                <a:gd name="connsiteY6" fmla="*/ 361646 h 1295096"/>
+                <a:gd name="connsiteX0" fmla="*/ 1930400 w 1968801"/>
+                <a:gd name="connsiteY0" fmla="*/ 1301415 h 1301415"/>
+                <a:gd name="connsiteX1" fmla="*/ 1962150 w 1968801"/>
+                <a:gd name="connsiteY1" fmla="*/ 875965 h 1301415"/>
+                <a:gd name="connsiteX2" fmla="*/ 1816100 w 1968801"/>
+                <a:gd name="connsiteY2" fmla="*/ 393365 h 1301415"/>
+                <a:gd name="connsiteX3" fmla="*/ 1352550 w 1968801"/>
+                <a:gd name="connsiteY3" fmla="*/ 50465 h 1301415"/>
+                <a:gd name="connsiteX4" fmla="*/ 603250 w 1968801"/>
+                <a:gd name="connsiteY4" fmla="*/ 31415 h 1301415"/>
+                <a:gd name="connsiteX5" fmla="*/ 146050 w 1968801"/>
+                <a:gd name="connsiteY5" fmla="*/ 240965 h 1301415"/>
+                <a:gd name="connsiteX6" fmla="*/ 0 w 1968801"/>
+                <a:gd name="connsiteY6" fmla="*/ 367965 h 1301415"/>
+                <a:gd name="connsiteX0" fmla="*/ 1930400 w 1968801"/>
+                <a:gd name="connsiteY0" fmla="*/ 1301415 h 1301415"/>
+                <a:gd name="connsiteX1" fmla="*/ 1962150 w 1968801"/>
+                <a:gd name="connsiteY1" fmla="*/ 875965 h 1301415"/>
+                <a:gd name="connsiteX2" fmla="*/ 1816100 w 1968801"/>
+                <a:gd name="connsiteY2" fmla="*/ 393365 h 1301415"/>
+                <a:gd name="connsiteX3" fmla="*/ 1352550 w 1968801"/>
+                <a:gd name="connsiteY3" fmla="*/ 50465 h 1301415"/>
+                <a:gd name="connsiteX4" fmla="*/ 603250 w 1968801"/>
+                <a:gd name="connsiteY4" fmla="*/ 31415 h 1301415"/>
+                <a:gd name="connsiteX5" fmla="*/ 146050 w 1968801"/>
+                <a:gd name="connsiteY5" fmla="*/ 240965 h 1301415"/>
+                <a:gd name="connsiteX6" fmla="*/ 0 w 1968801"/>
+                <a:gd name="connsiteY6" fmla="*/ 367965 h 1301415"/>
+              </a:gdLst>
+              <a:ahLst/>
+              <a:cxnLst>
+                <a:cxn ang="0">
+                  <a:pos x="connsiteX0" y="connsiteY0"/>
+                </a:cxn>
+                <a:cxn ang="0">
+                  <a:pos x="connsiteX1" y="connsiteY1"/>
+                </a:cxn>
+                <a:cxn ang="0">
+                  <a:pos x="connsiteX2" y="connsiteY2"/>
+                </a:cxn>
+                <a:cxn ang="0">
+                  <a:pos x="connsiteX3" y="connsiteY3"/>
+                </a:cxn>
+                <a:cxn ang="0">
+                  <a:pos x="connsiteX4" y="connsiteY4"/>
+                </a:cxn>
+                <a:cxn ang="0">
+                  <a:pos x="connsiteX5" y="connsiteY5"/>
+                </a:cxn>
+                <a:cxn ang="0">
+                  <a:pos x="connsiteX6" y="connsiteY6"/>
+                </a:cxn>
+              </a:cxnLst>
+              <a:rect l="l" t="t" r="r" b="b"/>
+              <a:pathLst>
+                <a:path w="1968801" h="1301415">
+                  <a:moveTo>
+                    <a:pt x="1930400" y="1301415"/>
+                  </a:moveTo>
+                  <a:cubicBezTo>
+                    <a:pt x="1955800" y="1164361"/>
+                    <a:pt x="1981200" y="1027307"/>
+                    <a:pt x="1962150" y="875965"/>
+                  </a:cubicBezTo>
+                  <a:cubicBezTo>
+                    <a:pt x="1943100" y="724623"/>
+                    <a:pt x="1902069" y="530948"/>
+                    <a:pt x="1816100" y="393365"/>
+                  </a:cubicBezTo>
+                  <a:cubicBezTo>
+                    <a:pt x="1730131" y="255782"/>
+                    <a:pt x="1554692" y="110790"/>
+                    <a:pt x="1352550" y="50465"/>
+                  </a:cubicBezTo>
+                  <a:cubicBezTo>
+                    <a:pt x="1150408" y="-9860"/>
+                    <a:pt x="827780" y="-15966"/>
+                    <a:pt x="603250" y="31415"/>
+                  </a:cubicBezTo>
+                  <a:cubicBezTo>
+                    <a:pt x="378720" y="78796"/>
+                    <a:pt x="246592" y="184873"/>
+                    <a:pt x="146050" y="240965"/>
+                  </a:cubicBezTo>
+                  <a:cubicBezTo>
+                    <a:pt x="45508" y="297057"/>
+                    <a:pt x="22754" y="332511"/>
+                    <a:pt x="0" y="367965"/>
+                  </a:cubicBezTo>
+                </a:path>
+              </a:pathLst>
+            </a:custGeom>
+            <a:noFill/>
+            <a:ln w="19050">
+              <a:solidFill>
+                <a:schemeClr val="tx1"/>
+              </a:solidFill>
+              <a:tailEnd type="diamond" w="lg" len="lg"/>
+            </a:ln>
+            <a:effectLst>
+              <a:outerShdw blurRad="50800" dist="76200" dir="2700000" algn="tl" rotWithShape="0">
+                <a:prstClr val="black">
+                  <a:alpha val="40000"/>
+                </a:prstClr>
+              </a:outerShdw>
+            </a:effectLst>
+          </p:spPr>
+          <p:style>
+            <a:lnRef idx="2">
+              <a:schemeClr val="accent1">
+                <a:shade val="50000"/>
+              </a:schemeClr>
+            </a:lnRef>
+            <a:fillRef idx="1">
+              <a:schemeClr val="accent1"/>
+            </a:fillRef>
+            <a:effectRef idx="0">
+              <a:schemeClr val="accent1"/>
+            </a:effectRef>
+            <a:fontRef idx="minor">
+              <a:schemeClr val="lt1"/>
+            </a:fontRef>
+          </p:style>
+          <p:txBody>
+            <a:bodyPr rtlCol="0" anchor="ctr"/>
+            <a:lstStyle/>
+            <a:p>
+              <a:pPr algn="ctr"/>
+              <a:endParaRPr lang="en-US" sz="1200" b="1">
+                <a:latin typeface="Arial" charset="0"/>
+                <a:ea typeface="Arial" charset="0"/>
+                <a:cs typeface="Arial" charset="0"/>
+              </a:endParaRPr>
+            </a:p>
+          </p:txBody>
+        </p:sp>
+      </p:grpSp>
       <p:pic>
         <p:nvPicPr>
-          <p:cNvPr id="5" name="Picture 4"/>
+          <p:cNvPr id="33" name="Picture 32"/>
           <p:cNvPicPr>
             <a:picLocks noChangeAspect="1"/>
           </p:cNvPicPr>
           <p:nvPr/>
         </p:nvPicPr>
-        <p:blipFill>
+        <p:blipFill rotWithShape="1">
           <a:blip r:embed="rId2"/>
-          <a:stretch>
-            <a:fillRect/>
-          </a:stretch>
+          <a:srcRect r="14664"/>
+          <a:stretch/>
         </p:blipFill>
         <p:spPr>
           <a:xfrm>
-            <a:off x="219741" y="3230721"/>
-            <a:ext cx="5146294" cy="3292606"/>
+            <a:off x="3705" y="3230721"/>
+            <a:ext cx="4514381" cy="3339876"/>
           </a:xfrm>
           <a:prstGeom prst="rect">
             <a:avLst/>
@@ -3084,7 +4710,7 @@
       </p:pic>
       <p:pic>
         <p:nvPicPr>
-          <p:cNvPr id="6" name="Picture 5"/>
+          <p:cNvPr id="36" name="Picture 35"/>
           <p:cNvPicPr>
             <a:picLocks noChangeAspect="1"/>
           </p:cNvPicPr>
@@ -3098,872 +4724,14 @@
         </p:blipFill>
         <p:spPr>
           <a:xfrm>
-            <a:off x="5319641" y="3230721"/>
-            <a:ext cx="5387360" cy="3471303"/>
+            <a:off x="5366034" y="3310215"/>
+            <a:ext cx="4927893" cy="3115945"/>
           </a:xfrm>
           <a:prstGeom prst="rect">
             <a:avLst/>
           </a:prstGeom>
         </p:spPr>
       </p:pic>
-      <p:grpSp>
-        <p:nvGrpSpPr>
-          <p:cNvPr id="3" name="Group 2"/>
-          <p:cNvGrpSpPr/>
-          <p:nvPr/>
-        </p:nvGrpSpPr>
-        <p:grpSpPr>
-          <a:xfrm>
-            <a:off x="797041" y="1141135"/>
-            <a:ext cx="4225660" cy="1637291"/>
-            <a:chOff x="797041" y="1141135"/>
-            <a:chExt cx="4225660" cy="1637291"/>
-          </a:xfrm>
-        </p:grpSpPr>
-        <p:grpSp>
-          <p:nvGrpSpPr>
-            <p:cNvPr id="10" name="Group 9"/>
-            <p:cNvGrpSpPr/>
-            <p:nvPr/>
-          </p:nvGrpSpPr>
-          <p:grpSpPr>
-            <a:xfrm>
-              <a:off x="797041" y="1172540"/>
-              <a:ext cx="818865" cy="655092"/>
-              <a:chOff x="2586251" y="1153236"/>
-              <a:chExt cx="818865" cy="655092"/>
-            </a:xfrm>
-          </p:grpSpPr>
-          <p:sp>
-            <p:nvSpPr>
-              <p:cNvPr id="11" name="Oval 10"/>
-              <p:cNvSpPr/>
-              <p:nvPr/>
-            </p:nvSpPr>
-            <p:spPr>
-              <a:xfrm>
-                <a:off x="2586251" y="1153236"/>
-                <a:ext cx="818865" cy="655092"/>
-              </a:xfrm>
-              <a:prstGeom prst="ellipse">
-                <a:avLst/>
-              </a:prstGeom>
-              <a:noFill/>
-              <a:ln w="19050"/>
-            </p:spPr>
-            <p:style>
-              <a:lnRef idx="2">
-                <a:schemeClr val="accent1">
-                  <a:shade val="50000"/>
-                </a:schemeClr>
-              </a:lnRef>
-              <a:fillRef idx="1">
-                <a:schemeClr val="accent1"/>
-              </a:fillRef>
-              <a:effectRef idx="0">
-                <a:schemeClr val="accent1"/>
-              </a:effectRef>
-              <a:fontRef idx="minor">
-                <a:schemeClr val="lt1"/>
-              </a:fontRef>
-            </p:style>
-            <p:txBody>
-              <a:bodyPr rtlCol="0" anchor="ctr"/>
-              <a:lstStyle/>
-              <a:p>
-                <a:pPr algn="ctr"/>
-                <a:endParaRPr lang="en-US" b="1"/>
-              </a:p>
-            </p:txBody>
-          </p:sp>
-          <p:sp>
-            <p:nvSpPr>
-              <p:cNvPr id="12" name="TextBox 11"/>
-              <p:cNvSpPr txBox="1"/>
-              <p:nvPr/>
-            </p:nvSpPr>
-            <p:spPr>
-              <a:xfrm>
-                <a:off x="2715904" y="1289713"/>
-                <a:ext cx="559559" cy="369332"/>
-              </a:xfrm>
-              <a:prstGeom prst="rect">
-                <a:avLst/>
-              </a:prstGeom>
-              <a:noFill/>
-            </p:spPr>
-            <p:txBody>
-              <a:bodyPr wrap="square" rtlCol="0">
-                <a:spAutoFit/>
-              </a:bodyPr>
-              <a:lstStyle/>
-              <a:p>
-                <a:pPr algn="ctr"/>
-                <a:r>
-                  <a:rPr lang="en-US" b="1" dirty="0" smtClean="0"/>
-                  <a:t>MT</a:t>
-                </a:r>
-                <a:endParaRPr lang="en-US" b="1" dirty="0"/>
-              </a:p>
-            </p:txBody>
-          </p:sp>
-        </p:grpSp>
-        <p:grpSp>
-          <p:nvGrpSpPr>
-            <p:cNvPr id="13" name="Group 12"/>
-            <p:cNvGrpSpPr/>
-            <p:nvPr/>
-          </p:nvGrpSpPr>
-          <p:grpSpPr>
-            <a:xfrm>
-              <a:off x="1486253" y="2123334"/>
-              <a:ext cx="818865" cy="655092"/>
-              <a:chOff x="3275463" y="2104030"/>
-              <a:chExt cx="818865" cy="655092"/>
-            </a:xfrm>
-          </p:grpSpPr>
-          <p:sp>
-            <p:nvSpPr>
-              <p:cNvPr id="14" name="Oval 13"/>
-              <p:cNvSpPr/>
-              <p:nvPr/>
-            </p:nvSpPr>
-            <p:spPr>
-              <a:xfrm>
-                <a:off x="3275463" y="2104030"/>
-                <a:ext cx="818865" cy="655092"/>
-              </a:xfrm>
-              <a:prstGeom prst="ellipse">
-                <a:avLst/>
-              </a:prstGeom>
-              <a:noFill/>
-              <a:ln w="19050"/>
-            </p:spPr>
-            <p:style>
-              <a:lnRef idx="2">
-                <a:schemeClr val="accent1">
-                  <a:shade val="50000"/>
-                </a:schemeClr>
-              </a:lnRef>
-              <a:fillRef idx="1">
-                <a:schemeClr val="accent1"/>
-              </a:fillRef>
-              <a:effectRef idx="0">
-                <a:schemeClr val="accent1"/>
-              </a:effectRef>
-              <a:fontRef idx="minor">
-                <a:schemeClr val="lt1"/>
-              </a:fontRef>
-            </p:style>
-            <p:txBody>
-              <a:bodyPr rtlCol="0" anchor="ctr"/>
-              <a:lstStyle/>
-              <a:p>
-                <a:pPr algn="ctr"/>
-                <a:endParaRPr lang="en-US" b="1"/>
-              </a:p>
-            </p:txBody>
-          </p:sp>
-          <p:sp>
-            <p:nvSpPr>
-              <p:cNvPr id="15" name="TextBox 14"/>
-              <p:cNvSpPr txBox="1"/>
-              <p:nvPr/>
-            </p:nvSpPr>
-            <p:spPr>
-              <a:xfrm>
-                <a:off x="3295934" y="2240507"/>
-                <a:ext cx="798394" cy="295466"/>
-              </a:xfrm>
-              <a:prstGeom prst="rect">
-                <a:avLst/>
-              </a:prstGeom>
-              <a:noFill/>
-            </p:spPr>
-            <p:txBody>
-              <a:bodyPr wrap="square" lIns="9144" tIns="9144" rIns="9144" bIns="9144" rtlCol="0">
-                <a:spAutoFit/>
-              </a:bodyPr>
-              <a:lstStyle/>
-              <a:p>
-                <a:pPr algn="ctr"/>
-                <a:r>
-                  <a:rPr lang="en-US" b="1" dirty="0" smtClean="0"/>
-                  <a:t>H3K9M</a:t>
-                </a:r>
-                <a:endParaRPr lang="en-US" b="1" dirty="0"/>
-              </a:p>
-            </p:txBody>
-          </p:sp>
-        </p:grpSp>
-        <p:grpSp>
-          <p:nvGrpSpPr>
-            <p:cNvPr id="16" name="Group 15"/>
-            <p:cNvGrpSpPr/>
-            <p:nvPr/>
-          </p:nvGrpSpPr>
-          <p:grpSpPr>
-            <a:xfrm>
-              <a:off x="2102789" y="1168412"/>
-              <a:ext cx="818865" cy="655092"/>
-              <a:chOff x="3275463" y="2104030"/>
-              <a:chExt cx="818865" cy="655092"/>
-            </a:xfrm>
-          </p:grpSpPr>
-          <p:sp>
-            <p:nvSpPr>
-              <p:cNvPr id="17" name="Oval 16"/>
-              <p:cNvSpPr/>
-              <p:nvPr/>
-            </p:nvSpPr>
-            <p:spPr>
-              <a:xfrm>
-                <a:off x="3275463" y="2104030"/>
-                <a:ext cx="818865" cy="655092"/>
-              </a:xfrm>
-              <a:prstGeom prst="ellipse">
-                <a:avLst/>
-              </a:prstGeom>
-              <a:noFill/>
-              <a:ln w="19050"/>
-            </p:spPr>
-            <p:style>
-              <a:lnRef idx="2">
-                <a:schemeClr val="accent1">
-                  <a:shade val="50000"/>
-                </a:schemeClr>
-              </a:lnRef>
-              <a:fillRef idx="1">
-                <a:schemeClr val="accent1"/>
-              </a:fillRef>
-              <a:effectRef idx="0">
-                <a:schemeClr val="accent1"/>
-              </a:effectRef>
-              <a:fontRef idx="minor">
-                <a:schemeClr val="lt1"/>
-              </a:fontRef>
-            </p:style>
-            <p:txBody>
-              <a:bodyPr rtlCol="0" anchor="ctr"/>
-              <a:lstStyle/>
-              <a:p>
-                <a:pPr algn="ctr"/>
-                <a:endParaRPr lang="en-US" b="1"/>
-              </a:p>
-            </p:txBody>
-          </p:sp>
-          <p:sp>
-            <p:nvSpPr>
-              <p:cNvPr id="18" name="TextBox 17"/>
-              <p:cNvSpPr txBox="1"/>
-              <p:nvPr/>
-            </p:nvSpPr>
-            <p:spPr>
-              <a:xfrm>
-                <a:off x="3275464" y="2240507"/>
-                <a:ext cx="757450" cy="369332"/>
-              </a:xfrm>
-              <a:prstGeom prst="rect">
-                <a:avLst/>
-              </a:prstGeom>
-              <a:noFill/>
-            </p:spPr>
-            <p:txBody>
-              <a:bodyPr wrap="square" rtlCol="0">
-                <a:spAutoFit/>
-              </a:bodyPr>
-              <a:lstStyle/>
-              <a:p>
-                <a:pPr algn="ctr"/>
-                <a:r>
-                  <a:rPr lang="en-US" b="1" dirty="0" smtClean="0"/>
-                  <a:t>KDM</a:t>
-                </a:r>
-                <a:endParaRPr lang="en-US" b="1" dirty="0"/>
-              </a:p>
-            </p:txBody>
-          </p:sp>
-        </p:grpSp>
-        <p:grpSp>
-          <p:nvGrpSpPr>
-            <p:cNvPr id="19" name="Group 18"/>
-            <p:cNvGrpSpPr/>
-            <p:nvPr/>
-          </p:nvGrpSpPr>
-          <p:grpSpPr>
-            <a:xfrm>
-              <a:off x="2860240" y="2123334"/>
-              <a:ext cx="851413" cy="655092"/>
-              <a:chOff x="3242915" y="2104030"/>
-              <a:chExt cx="851413" cy="655092"/>
-            </a:xfrm>
-          </p:grpSpPr>
-          <p:sp>
-            <p:nvSpPr>
-              <p:cNvPr id="20" name="Oval 19"/>
-              <p:cNvSpPr/>
-              <p:nvPr/>
-            </p:nvSpPr>
-            <p:spPr>
-              <a:xfrm>
-                <a:off x="3275463" y="2104030"/>
-                <a:ext cx="818865" cy="655092"/>
-              </a:xfrm>
-              <a:prstGeom prst="ellipse">
-                <a:avLst/>
-              </a:prstGeom>
-              <a:noFill/>
-              <a:ln w="19050"/>
-            </p:spPr>
-            <p:style>
-              <a:lnRef idx="2">
-                <a:schemeClr val="accent1">
-                  <a:shade val="50000"/>
-                </a:schemeClr>
-              </a:lnRef>
-              <a:fillRef idx="1">
-                <a:schemeClr val="accent1"/>
-              </a:fillRef>
-              <a:effectRef idx="0">
-                <a:schemeClr val="accent1"/>
-              </a:effectRef>
-              <a:fontRef idx="minor">
-                <a:schemeClr val="lt1"/>
-              </a:fontRef>
-            </p:style>
-            <p:txBody>
-              <a:bodyPr rtlCol="0" anchor="ctr"/>
-              <a:lstStyle/>
-              <a:p>
-                <a:pPr algn="ctr"/>
-                <a:endParaRPr lang="en-US" b="1"/>
-              </a:p>
-            </p:txBody>
-          </p:sp>
-          <p:sp>
-            <p:nvSpPr>
-              <p:cNvPr id="21" name="TextBox 20"/>
-              <p:cNvSpPr txBox="1"/>
-              <p:nvPr/>
-            </p:nvSpPr>
-            <p:spPr>
-              <a:xfrm>
-                <a:off x="3242915" y="2240507"/>
-                <a:ext cx="851413" cy="295466"/>
-              </a:xfrm>
-              <a:prstGeom prst="rect">
-                <a:avLst/>
-              </a:prstGeom>
-              <a:noFill/>
-            </p:spPr>
-            <p:txBody>
-              <a:bodyPr wrap="square" lIns="9144" tIns="9144" rIns="9144" bIns="9144" rtlCol="0">
-                <a:spAutoFit/>
-              </a:bodyPr>
-              <a:lstStyle/>
-              <a:p>
-                <a:pPr algn="ctr"/>
-                <a:r>
-                  <a:rPr lang="en-US" b="1" dirty="0" smtClean="0"/>
-                  <a:t>H3S10P</a:t>
-                </a:r>
-                <a:endParaRPr lang="en-US" b="1" dirty="0"/>
-              </a:p>
-            </p:txBody>
-          </p:sp>
-        </p:grpSp>
-        <p:cxnSp>
-          <p:nvCxnSpPr>
-            <p:cNvPr id="22" name="Straight Arrow Connector 21"/>
-            <p:cNvCxnSpPr/>
-            <p:nvPr/>
-          </p:nvCxnSpPr>
-          <p:spPr>
-            <a:xfrm>
-              <a:off x="1480724" y="1720744"/>
-              <a:ext cx="263830" cy="402590"/>
-            </a:xfrm>
-            <a:prstGeom prst="straightConnector1">
-              <a:avLst/>
-            </a:prstGeom>
-            <a:ln w="19050">
-              <a:solidFill>
-                <a:schemeClr val="tx1"/>
-              </a:solidFill>
-              <a:headEnd type="none"/>
-              <a:tailEnd type="arrow"/>
-            </a:ln>
-          </p:spPr>
-          <p:style>
-            <a:lnRef idx="1">
-              <a:schemeClr val="accent1"/>
-            </a:lnRef>
-            <a:fillRef idx="0">
-              <a:schemeClr val="accent1"/>
-            </a:fillRef>
-            <a:effectRef idx="0">
-              <a:schemeClr val="accent1"/>
-            </a:effectRef>
-            <a:fontRef idx="minor">
-              <a:schemeClr val="tx1"/>
-            </a:fontRef>
-          </p:style>
-        </p:cxnSp>
-        <p:cxnSp>
-          <p:nvCxnSpPr>
-            <p:cNvPr id="23" name="Straight Arrow Connector 22"/>
-            <p:cNvCxnSpPr>
-              <a:endCxn id="17" idx="5"/>
-            </p:cNvCxnSpPr>
-            <p:nvPr/>
-          </p:nvCxnSpPr>
-          <p:spPr>
-            <a:xfrm flipH="1" flipV="1">
-              <a:off x="2801734" y="1727568"/>
-              <a:ext cx="360279" cy="425444"/>
-            </a:xfrm>
-            <a:prstGeom prst="straightConnector1">
-              <a:avLst/>
-            </a:prstGeom>
-            <a:ln w="19050">
-              <a:solidFill>
-                <a:schemeClr val="tx1"/>
-              </a:solidFill>
-              <a:headEnd type="none"/>
-              <a:tailEnd type="arrow"/>
-            </a:ln>
-          </p:spPr>
-          <p:style>
-            <a:lnRef idx="1">
-              <a:schemeClr val="accent1"/>
-            </a:lnRef>
-            <a:fillRef idx="0">
-              <a:schemeClr val="accent1"/>
-            </a:fillRef>
-            <a:effectRef idx="0">
-              <a:schemeClr val="accent1"/>
-            </a:effectRef>
-            <a:fontRef idx="minor">
-              <a:schemeClr val="tx1"/>
-            </a:fontRef>
-          </p:style>
-        </p:cxnSp>
-        <p:grpSp>
-          <p:nvGrpSpPr>
-            <p:cNvPr id="24" name="Group 23"/>
-            <p:cNvGrpSpPr/>
-            <p:nvPr/>
-          </p:nvGrpSpPr>
-          <p:grpSpPr>
-            <a:xfrm>
-              <a:off x="4092152" y="1141135"/>
-              <a:ext cx="908212" cy="655092"/>
-              <a:chOff x="3230789" y="2104030"/>
-              <a:chExt cx="908212" cy="655092"/>
-            </a:xfrm>
-          </p:grpSpPr>
-          <p:sp>
-            <p:nvSpPr>
-              <p:cNvPr id="25" name="Oval 24"/>
-              <p:cNvSpPr/>
-              <p:nvPr/>
-            </p:nvSpPr>
-            <p:spPr>
-              <a:xfrm>
-                <a:off x="3275463" y="2104030"/>
-                <a:ext cx="818865" cy="655092"/>
-              </a:xfrm>
-              <a:prstGeom prst="ellipse">
-                <a:avLst/>
-              </a:prstGeom>
-              <a:noFill/>
-              <a:ln w="19050"/>
-            </p:spPr>
-            <p:style>
-              <a:lnRef idx="2">
-                <a:schemeClr val="accent1">
-                  <a:shade val="50000"/>
-                </a:schemeClr>
-              </a:lnRef>
-              <a:fillRef idx="1">
-                <a:schemeClr val="accent1"/>
-              </a:fillRef>
-              <a:effectRef idx="0">
-                <a:schemeClr val="accent1"/>
-              </a:effectRef>
-              <a:fontRef idx="minor">
-                <a:schemeClr val="lt1"/>
-              </a:fontRef>
-            </p:style>
-            <p:txBody>
-              <a:bodyPr rtlCol="0" anchor="ctr"/>
-              <a:lstStyle/>
-              <a:p>
-                <a:pPr algn="ctr"/>
-                <a:endParaRPr lang="en-US" b="1"/>
-              </a:p>
-            </p:txBody>
-          </p:sp>
-          <p:sp>
-            <p:nvSpPr>
-              <p:cNvPr id="26" name="TextBox 25"/>
-              <p:cNvSpPr txBox="1"/>
-              <p:nvPr/>
-            </p:nvSpPr>
-            <p:spPr>
-              <a:xfrm>
-                <a:off x="3230789" y="2246910"/>
-                <a:ext cx="908212" cy="369332"/>
-              </a:xfrm>
-              <a:prstGeom prst="rect">
-                <a:avLst/>
-              </a:prstGeom>
-              <a:noFill/>
-            </p:spPr>
-            <p:txBody>
-              <a:bodyPr wrap="square" rtlCol="0">
-                <a:spAutoFit/>
-              </a:bodyPr>
-              <a:lstStyle/>
-              <a:p>
-                <a:pPr algn="ctr"/>
-                <a:r>
-                  <a:rPr lang="en-US" b="1" dirty="0" smtClean="0"/>
-                  <a:t>Kinase</a:t>
-                </a:r>
-                <a:endParaRPr lang="en-US" b="1" dirty="0"/>
-              </a:p>
-            </p:txBody>
-          </p:sp>
-        </p:grpSp>
-        <p:grpSp>
-          <p:nvGrpSpPr>
-            <p:cNvPr id="27" name="Group 26"/>
-            <p:cNvGrpSpPr/>
-            <p:nvPr/>
-          </p:nvGrpSpPr>
-          <p:grpSpPr>
-            <a:xfrm>
-              <a:off x="4114489" y="2123334"/>
-              <a:ext cx="908212" cy="655092"/>
-              <a:chOff x="3230789" y="2104030"/>
-              <a:chExt cx="908212" cy="655092"/>
-            </a:xfrm>
-          </p:grpSpPr>
-          <p:sp>
-            <p:nvSpPr>
-              <p:cNvPr id="28" name="Oval 27"/>
-              <p:cNvSpPr/>
-              <p:nvPr/>
-            </p:nvSpPr>
-            <p:spPr>
-              <a:xfrm>
-                <a:off x="3275463" y="2104030"/>
-                <a:ext cx="818865" cy="655092"/>
-              </a:xfrm>
-              <a:prstGeom prst="ellipse">
-                <a:avLst/>
-              </a:prstGeom>
-              <a:noFill/>
-              <a:ln w="19050"/>
-            </p:spPr>
-            <p:style>
-              <a:lnRef idx="2">
-                <a:schemeClr val="accent1">
-                  <a:shade val="50000"/>
-                </a:schemeClr>
-              </a:lnRef>
-              <a:fillRef idx="1">
-                <a:schemeClr val="accent1"/>
-              </a:fillRef>
-              <a:effectRef idx="0">
-                <a:schemeClr val="accent1"/>
-              </a:effectRef>
-              <a:fontRef idx="minor">
-                <a:schemeClr val="lt1"/>
-              </a:fontRef>
-            </p:style>
-            <p:txBody>
-              <a:bodyPr rtlCol="0" anchor="ctr"/>
-              <a:lstStyle/>
-              <a:p>
-                <a:pPr algn="ctr"/>
-                <a:endParaRPr lang="en-US" b="1"/>
-              </a:p>
-            </p:txBody>
-          </p:sp>
-          <p:sp>
-            <p:nvSpPr>
-              <p:cNvPr id="29" name="TextBox 28"/>
-              <p:cNvSpPr txBox="1"/>
-              <p:nvPr/>
-            </p:nvSpPr>
-            <p:spPr>
-              <a:xfrm>
-                <a:off x="3230789" y="2246910"/>
-                <a:ext cx="908212" cy="369332"/>
-              </a:xfrm>
-              <a:prstGeom prst="rect">
-                <a:avLst/>
-              </a:prstGeom>
-              <a:noFill/>
-            </p:spPr>
-            <p:txBody>
-              <a:bodyPr wrap="square" rtlCol="0">
-                <a:spAutoFit/>
-              </a:bodyPr>
-              <a:lstStyle/>
-              <a:p>
-                <a:pPr algn="ctr"/>
-                <a:r>
-                  <a:rPr lang="en-US" b="1" dirty="0" smtClean="0"/>
-                  <a:t>PTP</a:t>
-                </a:r>
-                <a:endParaRPr lang="en-US" b="1" dirty="0"/>
-              </a:p>
-            </p:txBody>
-          </p:sp>
-        </p:grpSp>
-        <p:cxnSp>
-          <p:nvCxnSpPr>
-            <p:cNvPr id="30" name="Straight Arrow Connector 29"/>
-            <p:cNvCxnSpPr/>
-            <p:nvPr/>
-          </p:nvCxnSpPr>
-          <p:spPr>
-            <a:xfrm flipH="1">
-              <a:off x="3688087" y="1732538"/>
-              <a:ext cx="524844" cy="469773"/>
-            </a:xfrm>
-            <a:prstGeom prst="straightConnector1">
-              <a:avLst/>
-            </a:prstGeom>
-            <a:ln w="19050">
-              <a:solidFill>
-                <a:schemeClr val="tx1"/>
-              </a:solidFill>
-              <a:headEnd type="none"/>
-              <a:tailEnd type="arrow"/>
-            </a:ln>
-          </p:spPr>
-          <p:style>
-            <a:lnRef idx="1">
-              <a:schemeClr val="accent1"/>
-            </a:lnRef>
-            <a:fillRef idx="0">
-              <a:schemeClr val="accent1"/>
-            </a:fillRef>
-            <a:effectRef idx="0">
-              <a:schemeClr val="accent1"/>
-            </a:effectRef>
-            <a:fontRef idx="minor">
-              <a:schemeClr val="tx1"/>
-            </a:fontRef>
-          </p:style>
-        </p:cxnSp>
-        <p:cxnSp>
-          <p:nvCxnSpPr>
-            <p:cNvPr id="31" name="Straight Arrow Connector 30"/>
-            <p:cNvCxnSpPr/>
-            <p:nvPr/>
-          </p:nvCxnSpPr>
-          <p:spPr>
-            <a:xfrm flipH="1" flipV="1">
-              <a:off x="3766881" y="2450880"/>
-              <a:ext cx="387096" cy="127379"/>
-            </a:xfrm>
-            <a:prstGeom prst="straightConnector1">
-              <a:avLst/>
-            </a:prstGeom>
-            <a:ln w="19050">
-              <a:solidFill>
-                <a:schemeClr val="tx1"/>
-              </a:solidFill>
-              <a:headEnd type="none"/>
-              <a:tailEnd type="diamond" w="lg" len="lg"/>
-            </a:ln>
-          </p:spPr>
-          <p:style>
-            <a:lnRef idx="1">
-              <a:schemeClr val="accent1"/>
-            </a:lnRef>
-            <a:fillRef idx="0">
-              <a:schemeClr val="accent1"/>
-            </a:fillRef>
-            <a:effectRef idx="0">
-              <a:schemeClr val="accent1"/>
-            </a:effectRef>
-            <a:fontRef idx="minor">
-              <a:schemeClr val="tx1"/>
-            </a:fontRef>
-          </p:style>
-        </p:cxnSp>
-        <p:cxnSp>
-          <p:nvCxnSpPr>
-            <p:cNvPr id="32" name="Straight Arrow Connector 31"/>
-            <p:cNvCxnSpPr>
-              <a:stCxn id="17" idx="3"/>
-              <a:endCxn id="14" idx="0"/>
-            </p:cNvCxnSpPr>
-            <p:nvPr/>
-          </p:nvCxnSpPr>
-          <p:spPr>
-            <a:xfrm flipH="1">
-              <a:off x="1895686" y="1727568"/>
-              <a:ext cx="327023" cy="395766"/>
-            </a:xfrm>
-            <a:prstGeom prst="straightConnector1">
-              <a:avLst/>
-            </a:prstGeom>
-            <a:ln w="19050">
-              <a:solidFill>
-                <a:schemeClr val="tx1"/>
-              </a:solidFill>
-              <a:headEnd type="none"/>
-              <a:tailEnd type="diamond" w="lg" len="lg"/>
-            </a:ln>
-          </p:spPr>
-          <p:style>
-            <a:lnRef idx="1">
-              <a:schemeClr val="accent1"/>
-            </a:lnRef>
-            <a:fillRef idx="0">
-              <a:schemeClr val="accent1"/>
-            </a:fillRef>
-            <a:effectRef idx="0">
-              <a:schemeClr val="accent1"/>
-            </a:effectRef>
-            <a:fontRef idx="minor">
-              <a:schemeClr val="tx1"/>
-            </a:fontRef>
-          </p:style>
-        </p:cxnSp>
-      </p:grpSp>
-      <p:sp>
-        <p:nvSpPr>
-          <p:cNvPr id="4" name="Freeform 3"/>
-          <p:cNvSpPr/>
-          <p:nvPr/>
-        </p:nvSpPr>
-        <p:spPr>
-          <a:xfrm>
-            <a:off x="1492250" y="749604"/>
-            <a:ext cx="1968801" cy="1295096"/>
-          </a:xfrm>
-          <a:custGeom>
-            <a:avLst/>
-            <a:gdLst>
-              <a:gd name="connsiteX0" fmla="*/ 1930400 w 1968801"/>
-              <a:gd name="connsiteY0" fmla="*/ 1295096 h 1295096"/>
-              <a:gd name="connsiteX1" fmla="*/ 1962150 w 1968801"/>
-              <a:gd name="connsiteY1" fmla="*/ 869646 h 1295096"/>
-              <a:gd name="connsiteX2" fmla="*/ 1816100 w 1968801"/>
-              <a:gd name="connsiteY2" fmla="*/ 387046 h 1295096"/>
-              <a:gd name="connsiteX3" fmla="*/ 1352550 w 1968801"/>
-              <a:gd name="connsiteY3" fmla="*/ 44146 h 1295096"/>
-              <a:gd name="connsiteX4" fmla="*/ 603250 w 1968801"/>
-              <a:gd name="connsiteY4" fmla="*/ 25096 h 1295096"/>
-              <a:gd name="connsiteX5" fmla="*/ 146050 w 1968801"/>
-              <a:gd name="connsiteY5" fmla="*/ 234646 h 1295096"/>
-              <a:gd name="connsiteX6" fmla="*/ 0 w 1968801"/>
-              <a:gd name="connsiteY6" fmla="*/ 361646 h 1295096"/>
-            </a:gdLst>
-            <a:ahLst/>
-            <a:cxnLst>
-              <a:cxn ang="0">
-                <a:pos x="connsiteX0" y="connsiteY0"/>
-              </a:cxn>
-              <a:cxn ang="0">
-                <a:pos x="connsiteX1" y="connsiteY1"/>
-              </a:cxn>
-              <a:cxn ang="0">
-                <a:pos x="connsiteX2" y="connsiteY2"/>
-              </a:cxn>
-              <a:cxn ang="0">
-                <a:pos x="connsiteX3" y="connsiteY3"/>
-              </a:cxn>
-              <a:cxn ang="0">
-                <a:pos x="connsiteX4" y="connsiteY4"/>
-              </a:cxn>
-              <a:cxn ang="0">
-                <a:pos x="connsiteX5" y="connsiteY5"/>
-              </a:cxn>
-              <a:cxn ang="0">
-                <a:pos x="connsiteX6" y="connsiteY6"/>
-              </a:cxn>
-            </a:cxnLst>
-            <a:rect l="l" t="t" r="r" b="b"/>
-            <a:pathLst>
-              <a:path w="1968801" h="1295096">
-                <a:moveTo>
-                  <a:pt x="1930400" y="1295096"/>
-                </a:moveTo>
-                <a:cubicBezTo>
-                  <a:pt x="1955800" y="1158042"/>
-                  <a:pt x="1981200" y="1020988"/>
-                  <a:pt x="1962150" y="869646"/>
-                </a:cubicBezTo>
-                <a:cubicBezTo>
-                  <a:pt x="1943100" y="718304"/>
-                  <a:pt x="1917700" y="524629"/>
-                  <a:pt x="1816100" y="387046"/>
-                </a:cubicBezTo>
-                <a:cubicBezTo>
-                  <a:pt x="1714500" y="249463"/>
-                  <a:pt x="1554692" y="104471"/>
-                  <a:pt x="1352550" y="44146"/>
-                </a:cubicBezTo>
-                <a:cubicBezTo>
-                  <a:pt x="1150408" y="-16179"/>
-                  <a:pt x="804333" y="-6654"/>
-                  <a:pt x="603250" y="25096"/>
-                </a:cubicBezTo>
-                <a:cubicBezTo>
-                  <a:pt x="402167" y="56846"/>
-                  <a:pt x="246592" y="178554"/>
-                  <a:pt x="146050" y="234646"/>
-                </a:cubicBezTo>
-                <a:cubicBezTo>
-                  <a:pt x="45508" y="290738"/>
-                  <a:pt x="22754" y="326192"/>
-                  <a:pt x="0" y="361646"/>
-                </a:cubicBezTo>
-              </a:path>
-            </a:pathLst>
-          </a:custGeom>
-          <a:noFill/>
-          <a:ln w="19050">
-            <a:solidFill>
-              <a:schemeClr val="tx1"/>
-            </a:solidFill>
-            <a:tailEnd type="diamond" w="lg" len="lg"/>
-          </a:ln>
-        </p:spPr>
-        <p:style>
-          <a:lnRef idx="2">
-            <a:schemeClr val="accent1">
-              <a:shade val="50000"/>
-            </a:schemeClr>
-          </a:lnRef>
-          <a:fillRef idx="1">
-            <a:schemeClr val="accent1"/>
-          </a:fillRef>
-          <a:effectRef idx="0">
-            <a:schemeClr val="accent1"/>
-          </a:effectRef>
-          <a:fontRef idx="minor">
-            <a:schemeClr val="lt1"/>
-          </a:fontRef>
-        </p:style>
-        <p:txBody>
-          <a:bodyPr rtlCol="0" anchor="ctr"/>
-          <a:lstStyle/>
-          <a:p>
-            <a:pPr algn="ctr"/>
-            <a:endParaRPr lang="en-US"/>
-          </a:p>
-        </p:txBody>
-      </p:sp>
     </p:spTree>
     <p:extLst>
       <p:ext uri="{BB962C8B-B14F-4D97-AF65-F5344CB8AC3E}">
@@ -4026,7 +4794,7 @@
             </a:r>
             <a:r>
               <a:rPr lang="en-US" dirty="0" smtClean="0"/>
-              <a:t>(‘model1');</a:t>
+              <a:t>(‘model4');</a:t>
             </a:r>
           </a:p>
           <a:p>
@@ -4055,14 +4823,14 @@
       </p:sp>
       <p:sp>
         <p:nvSpPr>
-          <p:cNvPr id="4" name="TextBox 3"/>
+          <p:cNvPr id="5" name="TextBox 4"/>
           <p:cNvSpPr txBox="1"/>
           <p:nvPr/>
         </p:nvSpPr>
         <p:spPr>
           <a:xfrm>
-            <a:off x="8547412" y="987688"/>
-            <a:ext cx="2507673" cy="369332"/>
+            <a:off x="1011382" y="1678132"/>
+            <a:ext cx="5292436" cy="2862322"/>
           </a:xfrm>
           <a:prstGeom prst="rect">
             <a:avLst/>
@@ -4075,45 +4843,6 @@
           </a:bodyPr>
           <a:lstStyle/>
           <a:p>
-            <a:pPr algn="ctr"/>
-            <a:r>
-              <a:rPr lang="en-US" b="1" dirty="0" smtClean="0"/>
-              <a:t>Signal Matrix (</a:t>
-            </a:r>
-            <a:r>
-              <a:rPr lang="en-US" b="1" dirty="0" err="1" smtClean="0"/>
-              <a:t>mol</a:t>
-            </a:r>
-            <a:r>
-              <a:rPr lang="en-US" b="1" dirty="0" smtClean="0"/>
-              <a:t>/min)</a:t>
-            </a:r>
-            <a:endParaRPr lang="en-US" b="1" dirty="0"/>
-          </a:p>
-        </p:txBody>
-      </p:sp>
-      <p:sp>
-        <p:nvSpPr>
-          <p:cNvPr id="5" name="TextBox 4"/>
-          <p:cNvSpPr txBox="1"/>
-          <p:nvPr/>
-        </p:nvSpPr>
-        <p:spPr>
-          <a:xfrm>
-            <a:off x="1011382" y="1678132"/>
-            <a:ext cx="5292436" cy="4247317"/>
-          </a:xfrm>
-          <a:prstGeom prst="rect">
-            <a:avLst/>
-          </a:prstGeom>
-          <a:noFill/>
-        </p:spPr>
-        <p:txBody>
-          <a:bodyPr wrap="square" rtlCol="0">
-            <a:spAutoFit/>
-          </a:bodyPr>
-          <a:lstStyle/>
-          <a:p>
             <a:r>
               <a:rPr lang="en-US" dirty="0" smtClean="0"/>
               <a:t>% The </a:t>
@@ -4166,68 +4895,6 @@
             </a:r>
           </a:p>
           <a:p>
-            <a:endParaRPr lang="en-US" dirty="0"/>
-          </a:p>
-          <a:p>
-            <a:r>
-              <a:rPr lang="en-US" dirty="0" smtClean="0"/>
-              <a:t>% S10p repels MTs and recruits KDMs</a:t>
-            </a:r>
-          </a:p>
-          <a:p>
-            <a:r>
-              <a:rPr lang="en-US" b="1" dirty="0" err="1" smtClean="0"/>
-              <a:t>delta_phospho</a:t>
-            </a:r>
-            <a:r>
-              <a:rPr lang="en-US" b="1" dirty="0" smtClean="0"/>
-              <a:t> </a:t>
-            </a:r>
-            <a:r>
-              <a:rPr lang="en-US" b="1" dirty="0"/>
-              <a:t>= y(1,i+1)-y(1,i);</a:t>
-            </a:r>
-            <a:endParaRPr lang="en-US" dirty="0"/>
-          </a:p>
-          <a:p>
-            <a:r>
-              <a:rPr lang="en-US" b="1" dirty="0" smtClean="0"/>
-              <a:t>y(5</a:t>
-            </a:r>
-            <a:r>
-              <a:rPr lang="en-US" b="1" dirty="0"/>
-              <a:t>, i+1) = y(5,i+1) - a1*</a:t>
-            </a:r>
-            <a:r>
-              <a:rPr lang="en-US" b="1" dirty="0" err="1"/>
-              <a:t>delta_phospho</a:t>
-            </a:r>
-            <a:r>
-              <a:rPr lang="en-US" b="1" dirty="0"/>
-              <a:t>;</a:t>
-            </a:r>
-            <a:endParaRPr lang="en-US" dirty="0"/>
-          </a:p>
-          <a:p>
-            <a:r>
-              <a:rPr lang="es-ES" b="1" dirty="0" smtClean="0"/>
-              <a:t>y(6</a:t>
-            </a:r>
-            <a:r>
-              <a:rPr lang="es-ES" b="1" dirty="0"/>
-              <a:t>, i+1) = y(6, i+1) + a2*</a:t>
-            </a:r>
-            <a:r>
-              <a:rPr lang="es-ES" b="1" dirty="0" err="1"/>
-              <a:t>delta_phospho</a:t>
-            </a:r>
-            <a:r>
-              <a:rPr lang="es-ES" b="1" dirty="0"/>
-              <a:t>;</a:t>
-            </a:r>
-            <a:endParaRPr lang="es-ES" dirty="0"/>
-          </a:p>
-          <a:p>
             <a:endParaRPr lang="en-US" dirty="0" smtClean="0"/>
           </a:p>
           <a:p>
@@ -4238,267 +4905,66 @@
           </a:p>
           <a:p>
             <a:r>
+              <a:rPr lang="en-US" b="1" dirty="0" err="1"/>
+              <a:t>data.base_phosphor</a:t>
+            </a:r>
+            <a:r>
               <a:rPr lang="en-US" b="1" dirty="0"/>
-              <a:t>y(1, 1) = 0; % H3S10 phosphorylation</a:t>
-            </a:r>
-            <a:endParaRPr lang="en-US" dirty="0"/>
-          </a:p>
-          <a:p>
+              <a:t> = 0;</a:t>
+            </a:r>
+          </a:p>
+          <a:p>
+            <a:r>
+              <a:rPr lang="en-US" b="1" dirty="0" err="1"/>
+              <a:t>data.base_kinase</a:t>
+            </a:r>
             <a:r>
               <a:rPr lang="en-US" b="1" dirty="0"/>
-              <a:t>y(2, 1) = 500; % kinase/</a:t>
-            </a:r>
+              <a:t> = 1000;</a:t>
+            </a:r>
+          </a:p>
+          <a:p>
             <a:r>
               <a:rPr lang="en-US" b="1" dirty="0" err="1"/>
-              <a:t>phospho_plus</a:t>
-            </a:r>
-            <a:endParaRPr lang="en-US" dirty="0"/>
-          </a:p>
-          <a:p>
+              <a:t>data.base_phosphotase</a:t>
+            </a:r>
             <a:r>
               <a:rPr lang="en-US" b="1" dirty="0"/>
-              <a:t>y(3, 1) = 500; % </a:t>
-            </a:r>
+              <a:t> = 1000;</a:t>
+            </a:r>
+          </a:p>
+          <a:p>
             <a:r>
               <a:rPr lang="en-US" b="1" dirty="0" err="1"/>
-              <a:t>phosphotase</a:t>
+              <a:t>data.base_methyltransferase</a:t>
             </a:r>
             <a:r>
               <a:rPr lang="en-US" b="1" dirty="0"/>
-              <a:t>/</a:t>
-            </a:r>
+              <a:t> = 100;</a:t>
+            </a:r>
+          </a:p>
+          <a:p>
             <a:r>
               <a:rPr lang="en-US" b="1" dirty="0" err="1"/>
-              <a:t>phospho_minus</a:t>
-            </a:r>
-            <a:endParaRPr lang="en-US" dirty="0"/>
-          </a:p>
-          <a:p>
+              <a:t>data.base_demethylase</a:t>
+            </a:r>
             <a:r>
               <a:rPr lang="en-US" b="1" dirty="0"/>
-              <a:t>y(4, 1) = </a:t>
-            </a:r>
+              <a:t> = 100;</a:t>
+            </a:r>
+          </a:p>
+          <a:p>
             <a:r>
               <a:rPr lang="en-US" b="1" dirty="0" err="1"/>
-              <a:t>data.basal_methyl</a:t>
+              <a:t>data.min_demethylase</a:t>
             </a:r>
             <a:r>
               <a:rPr lang="en-US" b="1" dirty="0"/>
-              <a:t>; % K9 methylation</a:t>
-            </a:r>
-            <a:endParaRPr lang="en-US" dirty="0"/>
-          </a:p>
-          <a:p>
-            <a:r>
-              <a:rPr lang="en-US" b="1" dirty="0"/>
-              <a:t>y(5, 1) = 100; % </a:t>
-            </a:r>
-            <a:r>
-              <a:rPr lang="en-US" b="1" dirty="0" err="1"/>
-              <a:t>methyltransferaze</a:t>
-            </a:r>
-            <a:r>
-              <a:rPr lang="en-US" b="1" dirty="0"/>
-              <a:t>/</a:t>
-            </a:r>
-            <a:r>
-              <a:rPr lang="en-US" b="1" dirty="0" err="1"/>
-              <a:t>methyl_plus</a:t>
-            </a:r>
-            <a:endParaRPr lang="en-US" dirty="0"/>
-          </a:p>
-          <a:p>
-            <a:r>
-              <a:rPr lang="en-US" b="1" dirty="0"/>
-              <a:t>y(6, 1) = 100; % </a:t>
+              <a:t> = 100</a:t>
             </a:r>
             <a:r>
               <a:rPr lang="en-US" b="1" dirty="0" smtClean="0"/>
-              <a:t>demethylase/</a:t>
-            </a:r>
-            <a:r>
-              <a:rPr lang="en-US" b="1" dirty="0" err="1" smtClean="0"/>
-              <a:t>methyl_minus</a:t>
-            </a:r>
-            <a:endParaRPr lang="en-US" dirty="0"/>
-          </a:p>
-        </p:txBody>
-      </p:sp>
-      <p:sp>
-        <p:nvSpPr>
-          <p:cNvPr id="7" name="TextBox 6"/>
-          <p:cNvSpPr txBox="1"/>
-          <p:nvPr/>
-        </p:nvSpPr>
-        <p:spPr>
-          <a:xfrm>
-            <a:off x="7793107" y="1276350"/>
-            <a:ext cx="852487" cy="1996700"/>
-          </a:xfrm>
-          <a:prstGeom prst="rect">
-            <a:avLst/>
-          </a:prstGeom>
-          <a:noFill/>
-        </p:spPr>
-        <p:txBody>
-          <a:bodyPr wrap="square" rtlCol="0">
-            <a:spAutoFit/>
-          </a:bodyPr>
-          <a:lstStyle/>
-          <a:p>
-            <a:pPr algn="r">
-              <a:lnSpc>
-                <a:spcPts val="2500"/>
-              </a:lnSpc>
-            </a:pPr>
-            <a:r>
-              <a:rPr lang="en-US" b="1" dirty="0" smtClean="0"/>
-              <a:t>S10p</a:t>
-            </a:r>
-          </a:p>
-          <a:p>
-            <a:pPr algn="r">
-              <a:lnSpc>
-                <a:spcPts val="2500"/>
-              </a:lnSpc>
-            </a:pPr>
-            <a:r>
-              <a:rPr lang="en-US" b="1" dirty="0" smtClean="0"/>
-              <a:t>Kinase</a:t>
-            </a:r>
-          </a:p>
-          <a:p>
-            <a:pPr algn="r">
-              <a:lnSpc>
-                <a:spcPts val="2500"/>
-              </a:lnSpc>
-            </a:pPr>
-            <a:r>
-              <a:rPr lang="en-US" b="1" dirty="0" smtClean="0"/>
-              <a:t>PTP</a:t>
-            </a:r>
-          </a:p>
-          <a:p>
-            <a:pPr algn="r">
-              <a:lnSpc>
-                <a:spcPts val="2500"/>
-              </a:lnSpc>
-            </a:pPr>
-            <a:r>
-              <a:rPr lang="en-US" b="1" dirty="0" smtClean="0"/>
-              <a:t>K9me</a:t>
-            </a:r>
-          </a:p>
-          <a:p>
-            <a:pPr algn="r">
-              <a:lnSpc>
-                <a:spcPts val="2500"/>
-              </a:lnSpc>
-            </a:pPr>
-            <a:r>
-              <a:rPr lang="en-US" b="1" dirty="0" smtClean="0"/>
-              <a:t>MT</a:t>
-            </a:r>
-          </a:p>
-          <a:p>
-            <a:pPr algn="r">
-              <a:lnSpc>
-                <a:spcPts val="2500"/>
-              </a:lnSpc>
-            </a:pPr>
-            <a:r>
-              <a:rPr lang="en-US" b="1" dirty="0" smtClean="0"/>
-              <a:t>KDM</a:t>
-            </a:r>
-            <a:endParaRPr lang="en-US" b="1" dirty="0"/>
-          </a:p>
-        </p:txBody>
-      </p:sp>
-      <p:sp>
-        <p:nvSpPr>
-          <p:cNvPr id="8" name="TextBox 7"/>
-          <p:cNvSpPr txBox="1"/>
-          <p:nvPr/>
-        </p:nvSpPr>
-        <p:spPr>
-          <a:xfrm rot="16200000">
-            <a:off x="9246139" y="2432377"/>
-            <a:ext cx="852487" cy="2400657"/>
-          </a:xfrm>
-          <a:prstGeom prst="rect">
-            <a:avLst/>
-          </a:prstGeom>
-          <a:noFill/>
-        </p:spPr>
-        <p:txBody>
-          <a:bodyPr wrap="square" rtlCol="0">
-            <a:spAutoFit/>
-          </a:bodyPr>
-          <a:lstStyle/>
-          <a:p>
-            <a:pPr algn="r">
-              <a:lnSpc>
-                <a:spcPts val="3000"/>
-              </a:lnSpc>
-            </a:pPr>
-            <a:r>
-              <a:rPr lang="en-US" b="1" dirty="0" smtClean="0"/>
-              <a:t>S10p</a:t>
-            </a:r>
-          </a:p>
-          <a:p>
-            <a:pPr algn="r">
-              <a:lnSpc>
-                <a:spcPts val="3000"/>
-              </a:lnSpc>
-            </a:pPr>
-            <a:r>
-              <a:rPr lang="en-US" b="1" dirty="0" smtClean="0"/>
-              <a:t>Kinase</a:t>
-            </a:r>
-          </a:p>
-          <a:p>
-            <a:pPr algn="r">
-              <a:lnSpc>
-                <a:spcPts val="3000"/>
-              </a:lnSpc>
-            </a:pPr>
-            <a:r>
-              <a:rPr lang="en-US" b="1" dirty="0" smtClean="0"/>
-              <a:t>PTP</a:t>
-            </a:r>
-          </a:p>
-          <a:p>
-            <a:pPr algn="r">
-              <a:lnSpc>
-                <a:spcPts val="3000"/>
-              </a:lnSpc>
-            </a:pPr>
-            <a:r>
-              <a:rPr lang="en-US" b="1" dirty="0" smtClean="0"/>
-              <a:t>K9me</a:t>
-            </a:r>
-          </a:p>
-          <a:p>
-            <a:pPr algn="r">
-              <a:lnSpc>
-                <a:spcPts val="3000"/>
-              </a:lnSpc>
-            </a:pPr>
-            <a:r>
-              <a:rPr lang="en-US" b="1" dirty="0" smtClean="0"/>
-              <a:t>MT</a:t>
-            </a:r>
-          </a:p>
-          <a:p>
-            <a:pPr algn="r">
-              <a:lnSpc>
-                <a:spcPts val="3000"/>
-              </a:lnSpc>
-            </a:pPr>
-            <a:r>
-              <a:rPr lang="en-US" b="1" dirty="0" smtClean="0"/>
-              <a:t>KDM</a:t>
+              <a:t>;</a:t>
             </a:r>
             <a:endParaRPr lang="en-US" b="1" dirty="0"/>
           </a:p>
@@ -4613,29 +5079,935 @@
           </a:p>
         </p:txBody>
       </p:sp>
-      <p:pic>
-        <p:nvPicPr>
-          <p:cNvPr id="6" name="Picture 5"/>
-          <p:cNvPicPr>
-            <a:picLocks noChangeAspect="1"/>
-          </p:cNvPicPr>
+      <p:grpSp>
+        <p:nvGrpSpPr>
+          <p:cNvPr id="26" name="Group 25"/>
+          <p:cNvGrpSpPr/>
           <p:nvPr/>
-        </p:nvPicPr>
-        <p:blipFill rotWithShape="1">
-          <a:blip r:embed="rId2"/>
-          <a:srcRect l="10929" t="6052" r="8125" b="9606"/>
-          <a:stretch/>
-        </p:blipFill>
-        <p:spPr>
+        </p:nvGrpSpPr>
+        <p:grpSpPr>
           <a:xfrm>
-            <a:off x="8654341" y="1357020"/>
-            <a:ext cx="2457451" cy="1916030"/>
+            <a:off x="7793107" y="1070091"/>
+            <a:ext cx="3549673" cy="2988858"/>
+            <a:chOff x="7793107" y="1070091"/>
+            <a:chExt cx="3549673" cy="2988858"/>
           </a:xfrm>
-          <a:prstGeom prst="rect">
-            <a:avLst/>
-          </a:prstGeom>
-        </p:spPr>
-      </p:pic>
+        </p:grpSpPr>
+        <p:sp>
+          <p:nvSpPr>
+            <p:cNvPr id="4" name="TextBox 3"/>
+            <p:cNvSpPr txBox="1"/>
+            <p:nvPr/>
+          </p:nvSpPr>
+          <p:spPr>
+            <a:xfrm>
+              <a:off x="8554236" y="1070091"/>
+              <a:ext cx="2507673" cy="276999"/>
+            </a:xfrm>
+            <a:prstGeom prst="rect">
+              <a:avLst/>
+            </a:prstGeom>
+            <a:noFill/>
+          </p:spPr>
+          <p:txBody>
+            <a:bodyPr wrap="square" rtlCol="0">
+              <a:spAutoFit/>
+            </a:bodyPr>
+            <a:lstStyle/>
+            <a:p>
+              <a:pPr algn="ctr"/>
+              <a:r>
+                <a:rPr lang="en-US" sz="1200" b="1" dirty="0" smtClean="0">
+                  <a:latin typeface="Arial" charset="0"/>
+                  <a:ea typeface="Arial" charset="0"/>
+                  <a:cs typeface="Arial" charset="0"/>
+                </a:rPr>
+                <a:t>Signal </a:t>
+              </a:r>
+              <a:r>
+                <a:rPr lang="en-US" sz="1200" b="1" smtClean="0">
+                  <a:latin typeface="Arial" charset="0"/>
+                  <a:ea typeface="Arial" charset="0"/>
+                  <a:cs typeface="Arial" charset="0"/>
+                </a:rPr>
+                <a:t>Matrix (min</a:t>
+              </a:r>
+              <a:r>
+                <a:rPr lang="en-US" sz="1200" b="1" baseline="30000" smtClean="0">
+                  <a:latin typeface="Arial" charset="0"/>
+                  <a:ea typeface="Arial" charset="0"/>
+                  <a:cs typeface="Arial" charset="0"/>
+                </a:rPr>
+                <a:t>-1</a:t>
+              </a:r>
+              <a:r>
+                <a:rPr lang="en-US" sz="1200" b="1" smtClean="0">
+                  <a:latin typeface="Arial" charset="0"/>
+                  <a:ea typeface="Arial" charset="0"/>
+                  <a:cs typeface="Arial" charset="0"/>
+                </a:rPr>
+                <a:t>)</a:t>
+              </a:r>
+              <a:endParaRPr lang="en-US" sz="1200" b="1" dirty="0">
+                <a:latin typeface="Arial" charset="0"/>
+                <a:ea typeface="Arial" charset="0"/>
+                <a:cs typeface="Arial" charset="0"/>
+              </a:endParaRPr>
+            </a:p>
+          </p:txBody>
+        </p:sp>
+        <p:sp>
+          <p:nvSpPr>
+            <p:cNvPr id="7" name="TextBox 6"/>
+            <p:cNvSpPr txBox="1"/>
+            <p:nvPr/>
+          </p:nvSpPr>
+          <p:spPr>
+            <a:xfrm>
+              <a:off x="7793107" y="1276350"/>
+              <a:ext cx="852487" cy="1970861"/>
+            </a:xfrm>
+            <a:prstGeom prst="rect">
+              <a:avLst/>
+            </a:prstGeom>
+            <a:noFill/>
+          </p:spPr>
+          <p:txBody>
+            <a:bodyPr wrap="square" rtlCol="0">
+              <a:spAutoFit/>
+            </a:bodyPr>
+            <a:lstStyle/>
+            <a:p>
+              <a:pPr algn="r">
+                <a:lnSpc>
+                  <a:spcPts val="2500"/>
+                </a:lnSpc>
+              </a:pPr>
+              <a:r>
+                <a:rPr lang="en-US" sz="1200" b="1" dirty="0" smtClean="0">
+                  <a:latin typeface="Arial" charset="0"/>
+                  <a:ea typeface="Arial" charset="0"/>
+                  <a:cs typeface="Arial" charset="0"/>
+                </a:rPr>
+                <a:t>S10p</a:t>
+              </a:r>
+            </a:p>
+            <a:p>
+              <a:pPr algn="r">
+                <a:lnSpc>
+                  <a:spcPts val="2500"/>
+                </a:lnSpc>
+              </a:pPr>
+              <a:r>
+                <a:rPr lang="en-US" sz="1200" b="1" dirty="0" smtClean="0">
+                  <a:latin typeface="Arial" charset="0"/>
+                  <a:ea typeface="Arial" charset="0"/>
+                  <a:cs typeface="Arial" charset="0"/>
+                </a:rPr>
+                <a:t>Kinase</a:t>
+              </a:r>
+            </a:p>
+            <a:p>
+              <a:pPr algn="r">
+                <a:lnSpc>
+                  <a:spcPts val="2500"/>
+                </a:lnSpc>
+              </a:pPr>
+              <a:r>
+                <a:rPr lang="en-US" sz="1200" b="1" dirty="0" smtClean="0">
+                  <a:latin typeface="Arial" charset="0"/>
+                  <a:ea typeface="Arial" charset="0"/>
+                  <a:cs typeface="Arial" charset="0"/>
+                </a:rPr>
+                <a:t>PTP</a:t>
+              </a:r>
+            </a:p>
+            <a:p>
+              <a:pPr algn="r">
+                <a:lnSpc>
+                  <a:spcPts val="2500"/>
+                </a:lnSpc>
+              </a:pPr>
+              <a:r>
+                <a:rPr lang="en-US" sz="1200" b="1" dirty="0" smtClean="0">
+                  <a:latin typeface="Arial" charset="0"/>
+                  <a:ea typeface="Arial" charset="0"/>
+                  <a:cs typeface="Arial" charset="0"/>
+                </a:rPr>
+                <a:t>K9me</a:t>
+              </a:r>
+            </a:p>
+            <a:p>
+              <a:pPr algn="r">
+                <a:lnSpc>
+                  <a:spcPts val="2500"/>
+                </a:lnSpc>
+              </a:pPr>
+              <a:r>
+                <a:rPr lang="en-US" sz="1200" b="1" dirty="0" smtClean="0">
+                  <a:latin typeface="Arial" charset="0"/>
+                  <a:ea typeface="Arial" charset="0"/>
+                  <a:cs typeface="Arial" charset="0"/>
+                </a:rPr>
+                <a:t>MT</a:t>
+              </a:r>
+            </a:p>
+            <a:p>
+              <a:pPr algn="r">
+                <a:lnSpc>
+                  <a:spcPts val="2500"/>
+                </a:lnSpc>
+              </a:pPr>
+              <a:r>
+                <a:rPr lang="en-US" sz="1200" b="1" dirty="0" smtClean="0">
+                  <a:latin typeface="Arial" charset="0"/>
+                  <a:ea typeface="Arial" charset="0"/>
+                  <a:cs typeface="Arial" charset="0"/>
+                </a:rPr>
+                <a:t>KDM</a:t>
+              </a:r>
+              <a:endParaRPr lang="en-US" sz="1200" b="1" dirty="0">
+                <a:latin typeface="Arial" charset="0"/>
+                <a:ea typeface="Arial" charset="0"/>
+                <a:cs typeface="Arial" charset="0"/>
+              </a:endParaRPr>
+            </a:p>
+          </p:txBody>
+        </p:sp>
+        <p:sp>
+          <p:nvSpPr>
+            <p:cNvPr id="8" name="TextBox 7"/>
+            <p:cNvSpPr txBox="1"/>
+            <p:nvPr/>
+          </p:nvSpPr>
+          <p:spPr>
+            <a:xfrm rot="16200000">
+              <a:off x="9246139" y="2462930"/>
+              <a:ext cx="852487" cy="2339551"/>
+            </a:xfrm>
+            <a:prstGeom prst="rect">
+              <a:avLst/>
+            </a:prstGeom>
+            <a:noFill/>
+          </p:spPr>
+          <p:txBody>
+            <a:bodyPr wrap="square" rtlCol="0">
+              <a:spAutoFit/>
+            </a:bodyPr>
+            <a:lstStyle/>
+            <a:p>
+              <a:pPr algn="r">
+                <a:lnSpc>
+                  <a:spcPts val="3000"/>
+                </a:lnSpc>
+              </a:pPr>
+              <a:r>
+                <a:rPr lang="en-US" sz="1200" b="1" dirty="0" smtClean="0">
+                  <a:latin typeface="Arial" charset="0"/>
+                  <a:ea typeface="Arial" charset="0"/>
+                  <a:cs typeface="Arial" charset="0"/>
+                </a:rPr>
+                <a:t>S10p</a:t>
+              </a:r>
+            </a:p>
+            <a:p>
+              <a:pPr algn="r">
+                <a:lnSpc>
+                  <a:spcPts val="3000"/>
+                </a:lnSpc>
+              </a:pPr>
+              <a:r>
+                <a:rPr lang="en-US" sz="1200" b="1" dirty="0" smtClean="0">
+                  <a:latin typeface="Arial" charset="0"/>
+                  <a:ea typeface="Arial" charset="0"/>
+                  <a:cs typeface="Arial" charset="0"/>
+                </a:rPr>
+                <a:t>Kinase</a:t>
+              </a:r>
+            </a:p>
+            <a:p>
+              <a:pPr algn="r">
+                <a:lnSpc>
+                  <a:spcPts val="3000"/>
+                </a:lnSpc>
+              </a:pPr>
+              <a:r>
+                <a:rPr lang="en-US" sz="1200" b="1" dirty="0" smtClean="0">
+                  <a:latin typeface="Arial" charset="0"/>
+                  <a:ea typeface="Arial" charset="0"/>
+                  <a:cs typeface="Arial" charset="0"/>
+                </a:rPr>
+                <a:t>PTP</a:t>
+              </a:r>
+            </a:p>
+            <a:p>
+              <a:pPr algn="r">
+                <a:lnSpc>
+                  <a:spcPts val="3000"/>
+                </a:lnSpc>
+              </a:pPr>
+              <a:r>
+                <a:rPr lang="en-US" sz="1200" b="1" dirty="0" smtClean="0">
+                  <a:latin typeface="Arial" charset="0"/>
+                  <a:ea typeface="Arial" charset="0"/>
+                  <a:cs typeface="Arial" charset="0"/>
+                </a:rPr>
+                <a:t>K9me</a:t>
+              </a:r>
+            </a:p>
+            <a:p>
+              <a:pPr algn="r">
+                <a:lnSpc>
+                  <a:spcPts val="3000"/>
+                </a:lnSpc>
+              </a:pPr>
+              <a:r>
+                <a:rPr lang="en-US" sz="1200" b="1" dirty="0" smtClean="0">
+                  <a:latin typeface="Arial" charset="0"/>
+                  <a:ea typeface="Arial" charset="0"/>
+                  <a:cs typeface="Arial" charset="0"/>
+                </a:rPr>
+                <a:t>MT</a:t>
+              </a:r>
+            </a:p>
+            <a:p>
+              <a:pPr algn="r">
+                <a:lnSpc>
+                  <a:spcPts val="3000"/>
+                </a:lnSpc>
+              </a:pPr>
+              <a:r>
+                <a:rPr lang="en-US" sz="1200" b="1" dirty="0" smtClean="0">
+                  <a:latin typeface="Arial" charset="0"/>
+                  <a:ea typeface="Arial" charset="0"/>
+                  <a:cs typeface="Arial" charset="0"/>
+                </a:rPr>
+                <a:t>KDM</a:t>
+              </a:r>
+              <a:endParaRPr lang="en-US" sz="1200" b="1" dirty="0">
+                <a:latin typeface="Arial" charset="0"/>
+                <a:ea typeface="Arial" charset="0"/>
+                <a:cs typeface="Arial" charset="0"/>
+              </a:endParaRPr>
+            </a:p>
+          </p:txBody>
+        </p:sp>
+        <p:pic>
+          <p:nvPicPr>
+            <p:cNvPr id="3" name="Picture 2"/>
+            <p:cNvPicPr>
+              <a:picLocks noChangeAspect="1"/>
+            </p:cNvPicPr>
+            <p:nvPr/>
+          </p:nvPicPr>
+          <p:blipFill rotWithShape="1">
+            <a:blip r:embed="rId2"/>
+            <a:srcRect l="11288" t="6174" r="11782" b="9836"/>
+            <a:stretch/>
+          </p:blipFill>
+          <p:spPr>
+            <a:xfrm>
+              <a:off x="8659616" y="1314759"/>
+              <a:ext cx="2366194" cy="1937540"/>
+            </a:xfrm>
+            <a:prstGeom prst="rect">
+              <a:avLst/>
+            </a:prstGeom>
+          </p:spPr>
+        </p:pic>
+        <p:sp>
+          <p:nvSpPr>
+            <p:cNvPr id="10" name="TextBox 9"/>
+            <p:cNvSpPr txBox="1"/>
+            <p:nvPr/>
+          </p:nvSpPr>
+          <p:spPr>
+            <a:xfrm>
+              <a:off x="9084688" y="1357020"/>
+              <a:ext cx="192765" cy="276999"/>
+            </a:xfrm>
+            <a:prstGeom prst="rect">
+              <a:avLst/>
+            </a:prstGeom>
+            <a:noFill/>
+          </p:spPr>
+          <p:txBody>
+            <a:bodyPr wrap="square" rtlCol="0">
+              <a:spAutoFit/>
+            </a:bodyPr>
+            <a:lstStyle/>
+            <a:p>
+              <a:r>
+                <a:rPr lang="en-US" sz="1200" b="1" dirty="0" smtClean="0">
+                  <a:solidFill>
+                    <a:schemeClr val="bg1"/>
+                  </a:solidFill>
+                  <a:latin typeface="Arial" charset="0"/>
+                  <a:ea typeface="Arial" charset="0"/>
+                  <a:cs typeface="Arial" charset="0"/>
+                </a:rPr>
+                <a:t>5</a:t>
+              </a:r>
+              <a:endParaRPr lang="en-US" sz="1200" b="1" dirty="0">
+                <a:solidFill>
+                  <a:schemeClr val="bg1"/>
+                </a:solidFill>
+                <a:latin typeface="Arial" charset="0"/>
+                <a:ea typeface="Arial" charset="0"/>
+                <a:cs typeface="Arial" charset="0"/>
+              </a:endParaRPr>
+            </a:p>
+          </p:txBody>
+        </p:sp>
+        <p:sp>
+          <p:nvSpPr>
+            <p:cNvPr id="11" name="TextBox 10"/>
+            <p:cNvSpPr txBox="1"/>
+            <p:nvPr/>
+          </p:nvSpPr>
+          <p:spPr>
+            <a:xfrm>
+              <a:off x="9438027" y="1357020"/>
+              <a:ext cx="323811" cy="276999"/>
+            </a:xfrm>
+            <a:prstGeom prst="rect">
+              <a:avLst/>
+            </a:prstGeom>
+            <a:noFill/>
+          </p:spPr>
+          <p:txBody>
+            <a:bodyPr wrap="square" rtlCol="0">
+              <a:spAutoFit/>
+            </a:bodyPr>
+            <a:lstStyle/>
+            <a:p>
+              <a:r>
+                <a:rPr lang="en-US" sz="1200" b="1" smtClean="0">
+                  <a:solidFill>
+                    <a:schemeClr val="bg1"/>
+                  </a:solidFill>
+                  <a:latin typeface="Arial" charset="0"/>
+                  <a:ea typeface="Arial" charset="0"/>
+                  <a:cs typeface="Arial" charset="0"/>
+                </a:rPr>
+                <a:t>-5</a:t>
+              </a:r>
+              <a:endParaRPr lang="en-US" sz="1200" b="1" dirty="0">
+                <a:solidFill>
+                  <a:schemeClr val="bg1"/>
+                </a:solidFill>
+                <a:latin typeface="Arial" charset="0"/>
+                <a:ea typeface="Arial" charset="0"/>
+                <a:cs typeface="Arial" charset="0"/>
+              </a:endParaRPr>
+            </a:p>
+          </p:txBody>
+        </p:sp>
+        <p:sp>
+          <p:nvSpPr>
+            <p:cNvPr id="12" name="TextBox 11"/>
+            <p:cNvSpPr txBox="1"/>
+            <p:nvPr/>
+          </p:nvSpPr>
+          <p:spPr>
+            <a:xfrm>
+              <a:off x="10179302" y="2303594"/>
+              <a:ext cx="279392" cy="276999"/>
+            </a:xfrm>
+            <a:prstGeom prst="rect">
+              <a:avLst/>
+            </a:prstGeom>
+            <a:noFill/>
+          </p:spPr>
+          <p:txBody>
+            <a:bodyPr wrap="square" rtlCol="0">
+              <a:spAutoFit/>
+            </a:bodyPr>
+            <a:lstStyle/>
+            <a:p>
+              <a:r>
+                <a:rPr lang="en-US" sz="1200" b="1" smtClean="0">
+                  <a:solidFill>
+                    <a:schemeClr val="bg1"/>
+                  </a:solidFill>
+                  <a:latin typeface="Arial" charset="0"/>
+                  <a:ea typeface="Arial" charset="0"/>
+                  <a:cs typeface="Arial" charset="0"/>
+                </a:rPr>
+                <a:t>4</a:t>
+              </a:r>
+              <a:endParaRPr lang="en-US" sz="1200" b="1" dirty="0">
+                <a:solidFill>
+                  <a:schemeClr val="bg1"/>
+                </a:solidFill>
+                <a:latin typeface="Arial" charset="0"/>
+                <a:ea typeface="Arial" charset="0"/>
+                <a:cs typeface="Arial" charset="0"/>
+              </a:endParaRPr>
+            </a:p>
+          </p:txBody>
+        </p:sp>
+        <p:sp>
+          <p:nvSpPr>
+            <p:cNvPr id="13" name="TextBox 12"/>
+            <p:cNvSpPr txBox="1"/>
+            <p:nvPr/>
+          </p:nvSpPr>
+          <p:spPr>
+            <a:xfrm>
+              <a:off x="10507314" y="2303593"/>
+              <a:ext cx="323811" cy="276999"/>
+            </a:xfrm>
+            <a:prstGeom prst="rect">
+              <a:avLst/>
+            </a:prstGeom>
+            <a:noFill/>
+          </p:spPr>
+          <p:txBody>
+            <a:bodyPr wrap="square" rtlCol="0">
+              <a:spAutoFit/>
+            </a:bodyPr>
+            <a:lstStyle/>
+            <a:p>
+              <a:r>
+                <a:rPr lang="en-US" sz="1200" b="1" smtClean="0">
+                  <a:solidFill>
+                    <a:schemeClr val="bg1"/>
+                  </a:solidFill>
+                  <a:latin typeface="Arial" charset="0"/>
+                  <a:ea typeface="Arial" charset="0"/>
+                  <a:cs typeface="Arial" charset="0"/>
+                </a:rPr>
+                <a:t>-4</a:t>
+              </a:r>
+              <a:endParaRPr lang="en-US" sz="1200" b="1" dirty="0">
+                <a:solidFill>
+                  <a:schemeClr val="bg1"/>
+                </a:solidFill>
+                <a:latin typeface="Arial" charset="0"/>
+                <a:ea typeface="Arial" charset="0"/>
+                <a:cs typeface="Arial" charset="0"/>
+              </a:endParaRPr>
+            </a:p>
+          </p:txBody>
+        </p:sp>
+        <p:sp>
+          <p:nvSpPr>
+            <p:cNvPr id="14" name="TextBox 13"/>
+            <p:cNvSpPr txBox="1"/>
+            <p:nvPr/>
+          </p:nvSpPr>
+          <p:spPr>
+            <a:xfrm>
+              <a:off x="9084688" y="2654459"/>
+              <a:ext cx="311391" cy="203133"/>
+            </a:xfrm>
+            <a:prstGeom prst="rect">
+              <a:avLst/>
+            </a:prstGeom>
+            <a:noFill/>
+          </p:spPr>
+          <p:txBody>
+            <a:bodyPr wrap="square" lIns="9144" tIns="9144" rIns="9144" bIns="9144" rtlCol="0">
+              <a:spAutoFit/>
+            </a:bodyPr>
+            <a:lstStyle/>
+            <a:p>
+              <a:r>
+                <a:rPr lang="en-US" sz="1200" b="1" dirty="0" smtClean="0">
+                  <a:latin typeface="Arial" charset="0"/>
+                  <a:ea typeface="Arial" charset="0"/>
+                  <a:cs typeface="Arial" charset="0"/>
+                </a:rPr>
+                <a:t>-.15</a:t>
+              </a:r>
+              <a:endParaRPr lang="en-US" sz="1200" b="1" dirty="0">
+                <a:latin typeface="Arial" charset="0"/>
+                <a:ea typeface="Arial" charset="0"/>
+                <a:cs typeface="Arial" charset="0"/>
+              </a:endParaRPr>
+            </a:p>
+          </p:txBody>
+        </p:sp>
+        <p:sp>
+          <p:nvSpPr>
+            <p:cNvPr id="15" name="TextBox 14"/>
+            <p:cNvSpPr txBox="1"/>
+            <p:nvPr/>
+          </p:nvSpPr>
+          <p:spPr>
+            <a:xfrm>
+              <a:off x="9423198" y="2650703"/>
+              <a:ext cx="311391" cy="203133"/>
+            </a:xfrm>
+            <a:prstGeom prst="rect">
+              <a:avLst/>
+            </a:prstGeom>
+            <a:noFill/>
+          </p:spPr>
+          <p:txBody>
+            <a:bodyPr wrap="square" lIns="9144" tIns="9144" rIns="9144" bIns="9144" rtlCol="0">
+              <a:spAutoFit/>
+            </a:bodyPr>
+            <a:lstStyle/>
+            <a:p>
+              <a:r>
+                <a:rPr lang="en-US" sz="1200" b="1" dirty="0">
+                  <a:latin typeface="Arial" charset="0"/>
+                  <a:ea typeface="Arial" charset="0"/>
+                  <a:cs typeface="Arial" charset="0"/>
+                </a:rPr>
+                <a:t> </a:t>
+              </a:r>
+              <a:r>
+                <a:rPr lang="en-US" sz="1200" b="1" dirty="0" smtClean="0">
+                  <a:latin typeface="Arial" charset="0"/>
+                  <a:ea typeface="Arial" charset="0"/>
+                  <a:cs typeface="Arial" charset="0"/>
+                </a:rPr>
+                <a:t>.15</a:t>
+              </a:r>
+              <a:endParaRPr lang="en-US" sz="1200" b="1" dirty="0">
+                <a:latin typeface="Arial" charset="0"/>
+                <a:ea typeface="Arial" charset="0"/>
+                <a:cs typeface="Arial" charset="0"/>
+              </a:endParaRPr>
+            </a:p>
+          </p:txBody>
+        </p:sp>
+        <p:sp>
+          <p:nvSpPr>
+            <p:cNvPr id="16" name="TextBox 15"/>
+            <p:cNvSpPr txBox="1"/>
+            <p:nvPr/>
+          </p:nvSpPr>
+          <p:spPr>
+            <a:xfrm>
+              <a:off x="9396078" y="2977774"/>
+              <a:ext cx="328754" cy="203133"/>
+            </a:xfrm>
+            <a:prstGeom prst="rect">
+              <a:avLst/>
+            </a:prstGeom>
+            <a:noFill/>
+          </p:spPr>
+          <p:txBody>
+            <a:bodyPr wrap="square" lIns="9144" tIns="9144" rIns="9144" bIns="9144" rtlCol="0">
+              <a:spAutoFit/>
+            </a:bodyPr>
+            <a:lstStyle/>
+            <a:p>
+              <a:r>
+                <a:rPr lang="en-US" sz="1200" b="1">
+                  <a:latin typeface="Arial" charset="0"/>
+                  <a:ea typeface="Arial" charset="0"/>
+                  <a:cs typeface="Arial" charset="0"/>
+                </a:rPr>
+                <a:t> </a:t>
+              </a:r>
+              <a:r>
+                <a:rPr lang="en-US" sz="1200" b="1" smtClean="0">
+                  <a:latin typeface="Arial" charset="0"/>
+                  <a:ea typeface="Arial" charset="0"/>
+                  <a:cs typeface="Arial" charset="0"/>
+                </a:rPr>
+                <a:t>-.15</a:t>
+              </a:r>
+              <a:endParaRPr lang="en-US" sz="1200" b="1" dirty="0">
+                <a:latin typeface="Arial" charset="0"/>
+                <a:ea typeface="Arial" charset="0"/>
+                <a:cs typeface="Arial" charset="0"/>
+              </a:endParaRPr>
+            </a:p>
+          </p:txBody>
+        </p:sp>
+        <p:sp>
+          <p:nvSpPr>
+            <p:cNvPr id="17" name="TextBox 16"/>
+            <p:cNvSpPr txBox="1"/>
+            <p:nvPr/>
+          </p:nvSpPr>
+          <p:spPr>
+            <a:xfrm>
+              <a:off x="9084687" y="2956251"/>
+              <a:ext cx="311391" cy="203133"/>
+            </a:xfrm>
+            <a:prstGeom prst="rect">
+              <a:avLst/>
+            </a:prstGeom>
+            <a:noFill/>
+          </p:spPr>
+          <p:txBody>
+            <a:bodyPr wrap="square" lIns="9144" tIns="9144" rIns="9144" bIns="9144" rtlCol="0">
+              <a:spAutoFit/>
+            </a:bodyPr>
+            <a:lstStyle/>
+            <a:p>
+              <a:r>
+                <a:rPr lang="en-US" sz="1200" b="1" dirty="0">
+                  <a:latin typeface="Arial" charset="0"/>
+                  <a:ea typeface="Arial" charset="0"/>
+                  <a:cs typeface="Arial" charset="0"/>
+                </a:rPr>
+                <a:t> </a:t>
+              </a:r>
+              <a:r>
+                <a:rPr lang="en-US" sz="1200" b="1" smtClean="0">
+                  <a:latin typeface="Arial" charset="0"/>
+                  <a:ea typeface="Arial" charset="0"/>
+                  <a:cs typeface="Arial" charset="0"/>
+                </a:rPr>
+                <a:t>.15</a:t>
+              </a:r>
+              <a:endParaRPr lang="en-US" sz="1200" b="1" dirty="0">
+                <a:latin typeface="Arial" charset="0"/>
+                <a:ea typeface="Arial" charset="0"/>
+                <a:cs typeface="Arial" charset="0"/>
+              </a:endParaRPr>
+            </a:p>
+          </p:txBody>
+        </p:sp>
+        <p:sp>
+          <p:nvSpPr>
+            <p:cNvPr id="20" name="Rectangle 19"/>
+            <p:cNvSpPr/>
+            <p:nvPr/>
+          </p:nvSpPr>
+          <p:spPr>
+            <a:xfrm>
+              <a:off x="9057569" y="2585034"/>
+              <a:ext cx="704269" cy="642550"/>
+            </a:xfrm>
+            <a:prstGeom prst="rect">
+              <a:avLst/>
+            </a:prstGeom>
+            <a:noFill/>
+            <a:ln>
+              <a:solidFill>
+                <a:schemeClr val="tx1"/>
+              </a:solidFill>
+            </a:ln>
+          </p:spPr>
+          <p:style>
+            <a:lnRef idx="2">
+              <a:schemeClr val="accent1">
+                <a:shade val="50000"/>
+              </a:schemeClr>
+            </a:lnRef>
+            <a:fillRef idx="1">
+              <a:schemeClr val="accent1"/>
+            </a:fillRef>
+            <a:effectRef idx="0">
+              <a:schemeClr val="accent1"/>
+            </a:effectRef>
+            <a:fontRef idx="minor">
+              <a:schemeClr val="lt1"/>
+            </a:fontRef>
+          </p:style>
+          <p:txBody>
+            <a:bodyPr rtlCol="0" anchor="ctr"/>
+            <a:lstStyle/>
+            <a:p>
+              <a:pPr algn="ctr"/>
+              <a:endParaRPr lang="en-US" sz="1200" b="1">
+                <a:latin typeface="Arial" charset="0"/>
+                <a:ea typeface="Arial" charset="0"/>
+                <a:cs typeface="Arial" charset="0"/>
+              </a:endParaRPr>
+            </a:p>
+          </p:txBody>
+        </p:sp>
+        <p:cxnSp>
+          <p:nvCxnSpPr>
+            <p:cNvPr id="22" name="Straight Connector 21"/>
+            <p:cNvCxnSpPr>
+              <a:stCxn id="20" idx="1"/>
+              <a:endCxn id="20" idx="3"/>
+            </p:cNvCxnSpPr>
+            <p:nvPr/>
+          </p:nvCxnSpPr>
+          <p:spPr>
+            <a:xfrm>
+              <a:off x="9057569" y="2906309"/>
+              <a:ext cx="704269" cy="0"/>
+            </a:xfrm>
+            <a:prstGeom prst="line">
+              <a:avLst/>
+            </a:prstGeom>
+            <a:ln>
+              <a:solidFill>
+                <a:schemeClr val="tx1"/>
+              </a:solidFill>
+            </a:ln>
+          </p:spPr>
+          <p:style>
+            <a:lnRef idx="1">
+              <a:schemeClr val="accent1"/>
+            </a:lnRef>
+            <a:fillRef idx="0">
+              <a:schemeClr val="accent1"/>
+            </a:fillRef>
+            <a:effectRef idx="0">
+              <a:schemeClr val="accent1"/>
+            </a:effectRef>
+            <a:fontRef idx="minor">
+              <a:schemeClr val="tx1"/>
+            </a:fontRef>
+          </p:style>
+        </p:cxnSp>
+        <p:cxnSp>
+          <p:nvCxnSpPr>
+            <p:cNvPr id="24" name="Straight Connector 23"/>
+            <p:cNvCxnSpPr>
+              <a:stCxn id="20" idx="0"/>
+              <a:endCxn id="20" idx="2"/>
+            </p:cNvCxnSpPr>
+            <p:nvPr/>
+          </p:nvCxnSpPr>
+          <p:spPr>
+            <a:xfrm>
+              <a:off x="9409704" y="2585034"/>
+              <a:ext cx="0" cy="642550"/>
+            </a:xfrm>
+            <a:prstGeom prst="line">
+              <a:avLst/>
+            </a:prstGeom>
+            <a:ln>
+              <a:solidFill>
+                <a:schemeClr val="tx1"/>
+              </a:solidFill>
+            </a:ln>
+          </p:spPr>
+          <p:style>
+            <a:lnRef idx="1">
+              <a:schemeClr val="accent1"/>
+            </a:lnRef>
+            <a:fillRef idx="0">
+              <a:schemeClr val="accent1"/>
+            </a:fillRef>
+            <a:effectRef idx="0">
+              <a:schemeClr val="accent1"/>
+            </a:effectRef>
+            <a:fontRef idx="minor">
+              <a:schemeClr val="tx1"/>
+            </a:fontRef>
+          </p:style>
+        </p:cxnSp>
+        <p:sp>
+          <p:nvSpPr>
+            <p:cNvPr id="25" name="TextBox 24"/>
+            <p:cNvSpPr txBox="1"/>
+            <p:nvPr/>
+          </p:nvSpPr>
+          <p:spPr>
+            <a:xfrm>
+              <a:off x="11031389" y="1251713"/>
+              <a:ext cx="311391" cy="2049792"/>
+            </a:xfrm>
+            <a:prstGeom prst="rect">
+              <a:avLst/>
+            </a:prstGeom>
+            <a:noFill/>
+          </p:spPr>
+          <p:txBody>
+            <a:bodyPr wrap="square" lIns="9144" tIns="9144" rIns="9144" bIns="9144" rtlCol="0">
+              <a:spAutoFit/>
+            </a:bodyPr>
+            <a:lstStyle/>
+            <a:p>
+              <a:r>
+                <a:rPr lang="en-US" sz="1200" b="1" dirty="0" smtClean="0">
+                  <a:latin typeface="Arial" charset="0"/>
+                  <a:ea typeface="Arial" charset="0"/>
+                  <a:cs typeface="Arial" charset="0"/>
+                </a:rPr>
+                <a:t>5</a:t>
+              </a:r>
+            </a:p>
+            <a:p>
+              <a:endParaRPr lang="en-US" sz="1200" b="1" dirty="0">
+                <a:latin typeface="Arial" charset="0"/>
+                <a:ea typeface="Arial" charset="0"/>
+                <a:cs typeface="Arial" charset="0"/>
+              </a:endParaRPr>
+            </a:p>
+            <a:p>
+              <a:endParaRPr lang="en-US" sz="1200" b="1" dirty="0" smtClean="0">
+                <a:latin typeface="Arial" charset="0"/>
+                <a:ea typeface="Arial" charset="0"/>
+                <a:cs typeface="Arial" charset="0"/>
+              </a:endParaRPr>
+            </a:p>
+            <a:p>
+              <a:endParaRPr lang="en-US" sz="1200" b="1" dirty="0">
+                <a:latin typeface="Arial" charset="0"/>
+                <a:ea typeface="Arial" charset="0"/>
+                <a:cs typeface="Arial" charset="0"/>
+              </a:endParaRPr>
+            </a:p>
+            <a:p>
+              <a:endParaRPr lang="en-US" sz="1200" b="1" dirty="0" smtClean="0">
+                <a:latin typeface="Arial" charset="0"/>
+                <a:ea typeface="Arial" charset="0"/>
+                <a:cs typeface="Arial" charset="0"/>
+              </a:endParaRPr>
+            </a:p>
+            <a:p>
+              <a:r>
+                <a:rPr lang="en-US" sz="1200" b="1" dirty="0" smtClean="0">
+                  <a:latin typeface="Arial" charset="0"/>
+                  <a:ea typeface="Arial" charset="0"/>
+                  <a:cs typeface="Arial" charset="0"/>
+                </a:rPr>
+                <a:t>0</a:t>
+              </a:r>
+            </a:p>
+            <a:p>
+              <a:endParaRPr lang="en-US" sz="1200" b="1" dirty="0">
+                <a:latin typeface="Arial" charset="0"/>
+                <a:ea typeface="Arial" charset="0"/>
+                <a:cs typeface="Arial" charset="0"/>
+              </a:endParaRPr>
+            </a:p>
+            <a:p>
+              <a:endParaRPr lang="en-US" sz="1200" b="1" dirty="0" smtClean="0">
+                <a:latin typeface="Arial" charset="0"/>
+                <a:ea typeface="Arial" charset="0"/>
+                <a:cs typeface="Arial" charset="0"/>
+              </a:endParaRPr>
+            </a:p>
+            <a:p>
+              <a:endParaRPr lang="en-US" sz="1200" b="1" dirty="0">
+                <a:latin typeface="Arial" charset="0"/>
+                <a:ea typeface="Arial" charset="0"/>
+                <a:cs typeface="Arial" charset="0"/>
+              </a:endParaRPr>
+            </a:p>
+            <a:p>
+              <a:endParaRPr lang="en-US" sz="1200" b="1" dirty="0" smtClean="0">
+                <a:latin typeface="Arial" charset="0"/>
+                <a:ea typeface="Arial" charset="0"/>
+                <a:cs typeface="Arial" charset="0"/>
+              </a:endParaRPr>
+            </a:p>
+            <a:p>
+              <a:r>
+                <a:rPr lang="en-US" sz="1200" b="1" dirty="0" smtClean="0">
+                  <a:latin typeface="Arial" charset="0"/>
+                  <a:ea typeface="Arial" charset="0"/>
+                  <a:cs typeface="Arial" charset="0"/>
+                </a:rPr>
+                <a:t>-5</a:t>
+              </a:r>
+              <a:endParaRPr lang="en-US" sz="1200" b="1" dirty="0">
+                <a:latin typeface="Arial" charset="0"/>
+                <a:ea typeface="Arial" charset="0"/>
+                <a:cs typeface="Arial" charset="0"/>
+              </a:endParaRPr>
+            </a:p>
+          </p:txBody>
+        </p:sp>
+      </p:grpSp>
     </p:spTree>
     <p:extLst>
       <p:ext uri="{BB962C8B-B14F-4D97-AF65-F5344CB8AC3E}">
@@ -4705,7 +6077,7 @@
         <p:spPr>
           <a:xfrm>
             <a:off x="1146629" y="904740"/>
-            <a:ext cx="10710293" cy="5355312"/>
+            <a:ext cx="10710293" cy="5078313"/>
           </a:xfrm>
           <a:prstGeom prst="rect">
             <a:avLst/>
@@ -4720,288 +6092,293 @@
           <a:p>
             <a:r>
               <a:rPr lang="en-US" b="1" dirty="0"/>
-              <a:t> case 'model4' % Follow the references, 3/2/2017</a:t>
+              <a:t> </a:t>
+            </a:r>
+            <a:r>
+              <a:rPr lang="en-US" dirty="0"/>
+              <a:t>    case 'model4' % Follow the references, 3/2/2017</a:t>
+            </a:r>
+          </a:p>
+          <a:p>
+            <a:r>
+              <a:rPr lang="en-US" dirty="0"/>
+              <a:t>        </a:t>
+            </a:r>
+            <a:r>
+              <a:rPr lang="en-US" dirty="0" err="1"/>
+              <a:t>data.num_histone</a:t>
+            </a:r>
+            <a:r>
+              <a:rPr lang="en-US" dirty="0"/>
+              <a:t> = 60000; % 60M histone</a:t>
+            </a:r>
+          </a:p>
+          <a:p>
+            <a:r>
+              <a:rPr lang="en-US" dirty="0"/>
+              <a:t>        </a:t>
+            </a:r>
+            <a:r>
+              <a:rPr lang="en-US" dirty="0" err="1"/>
+              <a:t>data.base_methyl</a:t>
+            </a:r>
+            <a:r>
+              <a:rPr lang="en-US" dirty="0"/>
+              <a:t> = </a:t>
+            </a:r>
+            <a:r>
+              <a:rPr lang="en-US" dirty="0" err="1"/>
+              <a:t>data.num_histone</a:t>
+            </a:r>
+            <a:r>
+              <a:rPr lang="en-US" dirty="0"/>
+              <a:t>*0.57; </a:t>
+            </a:r>
+          </a:p>
+          <a:p>
+            <a:r>
+              <a:rPr lang="en-US" dirty="0"/>
+              <a:t>        </a:t>
+            </a:r>
+            <a:r>
+              <a:rPr lang="en-US" dirty="0" err="1"/>
+              <a:t>data.max_methyl_enzyme</a:t>
+            </a:r>
+            <a:r>
+              <a:rPr lang="en-US" dirty="0"/>
+              <a:t> = 1200; % max number of </a:t>
+            </a:r>
+            <a:r>
+              <a:rPr lang="en-US" dirty="0" err="1"/>
+              <a:t>methyltrasferase</a:t>
+            </a:r>
+            <a:r>
+              <a:rPr lang="en-US" dirty="0"/>
+              <a:t> and KDMS</a:t>
+            </a:r>
+          </a:p>
+          <a:p>
+            <a:r>
+              <a:rPr lang="en-US" dirty="0"/>
+              <a:t>        </a:t>
+            </a:r>
+            <a:r>
+              <a:rPr lang="en-US" dirty="0" err="1"/>
+              <a:t>data.more_methyl</a:t>
+            </a:r>
+            <a:r>
+              <a:rPr lang="en-US" dirty="0"/>
+              <a:t> = 600; % more methyltransferase binds with h3k9 during mitosis</a:t>
+            </a:r>
+          </a:p>
+          <a:p>
+            <a:r>
+              <a:rPr lang="en-US" dirty="0"/>
+              <a:t>        % </a:t>
+            </a:r>
+            <a:r>
+              <a:rPr lang="en-US" dirty="0" err="1"/>
+              <a:t>Kinase:KDM</a:t>
+            </a:r>
+            <a:r>
+              <a:rPr lang="en-US" dirty="0"/>
+              <a:t> ratio = 5.9:1 </a:t>
+            </a:r>
+            <a:endParaRPr lang="en-US" dirty="0" smtClean="0"/>
+          </a:p>
+          <a:p>
+            <a:r>
+              <a:rPr lang="en-US" dirty="0" smtClean="0"/>
+              <a:t>        % </a:t>
+            </a:r>
+            <a:r>
+              <a:rPr lang="en-US" dirty="0"/>
+              <a:t>7.1M aurora b kinase, max number of kinase and </a:t>
+            </a:r>
+            <a:r>
+              <a:rPr lang="en-US" dirty="0" err="1" smtClean="0"/>
+              <a:t>phosphotase</a:t>
             </a:r>
             <a:endParaRPr lang="en-US" dirty="0"/>
           </a:p>
           <a:p>
             <a:r>
-              <a:rPr lang="en-US" b="1" dirty="0"/>
-              <a:t>        </a:t>
-            </a:r>
-            <a:r>
-              <a:rPr lang="en-US" b="1" dirty="0" err="1"/>
+              <a:rPr lang="en-US" dirty="0"/>
+              <a:t>        </a:t>
+            </a:r>
+            <a:r>
+              <a:rPr lang="en-US" dirty="0" err="1"/>
+              <a:t>data.max_phosphor_enzyme</a:t>
+            </a:r>
+            <a:r>
+              <a:rPr lang="en-US" dirty="0"/>
+              <a:t> = </a:t>
+            </a:r>
+            <a:r>
+              <a:rPr lang="en-US" dirty="0" err="1"/>
+              <a:t>data.max_methyl_enzyme</a:t>
+            </a:r>
+            <a:r>
+              <a:rPr lang="en-US" dirty="0"/>
+              <a:t>*5.9;         </a:t>
+            </a:r>
+            <a:endParaRPr lang="en-US" dirty="0" smtClean="0"/>
+          </a:p>
+          <a:p>
+            <a:r>
+              <a:rPr lang="en-US" dirty="0"/>
+              <a:t> </a:t>
+            </a:r>
+            <a:r>
+              <a:rPr lang="en-US" dirty="0" smtClean="0"/>
+              <a:t>       </a:t>
+            </a:r>
+            <a:r>
+              <a:rPr lang="en-US" dirty="0" err="1" smtClean="0"/>
+              <a:t>data.more_kinase</a:t>
+            </a:r>
+            <a:r>
+              <a:rPr lang="en-US" dirty="0" smtClean="0"/>
+              <a:t> </a:t>
+            </a:r>
+            <a:r>
+              <a:rPr lang="en-US" dirty="0"/>
+              <a:t>= 1000; % 1000K more kinase binds to h3s10 during mitosis</a:t>
+            </a:r>
+          </a:p>
+          <a:p>
+            <a:r>
+              <a:rPr lang="en-US" dirty="0"/>
+              <a:t>        </a:t>
+            </a:r>
+            <a:r>
+              <a:rPr lang="en-US" dirty="0" err="1"/>
+              <a:t>data.max_time_phospho</a:t>
+            </a:r>
+            <a:r>
+              <a:rPr lang="en-US" dirty="0"/>
+              <a:t> = 60 * </a:t>
+            </a:r>
+            <a:r>
+              <a:rPr lang="en-US" dirty="0" err="1"/>
               <a:t>data.num_histone</a:t>
             </a:r>
             <a:r>
-              <a:rPr lang="en-US" b="1" dirty="0"/>
-              <a:t> = 60000; % 60M histone</a:t>
-            </a:r>
-            <a:endParaRPr lang="en-US" dirty="0"/>
-          </a:p>
-          <a:p>
-            <a:r>
-              <a:rPr lang="en-US" b="1" dirty="0"/>
-              <a:t>        </a:t>
-            </a:r>
-            <a:r>
-              <a:rPr lang="en-US" b="1" dirty="0" err="1"/>
-              <a:t>data.base_methyl</a:t>
-            </a:r>
-            <a:r>
-              <a:rPr lang="en-US" b="1" dirty="0"/>
-              <a:t> = </a:t>
-            </a:r>
-            <a:r>
-              <a:rPr lang="en-US" b="1" dirty="0" err="1"/>
-              <a:t>data.num_histone</a:t>
-            </a:r>
-            <a:r>
-              <a:rPr lang="en-US" b="1" dirty="0"/>
-              <a:t>*0.57; </a:t>
-            </a:r>
-            <a:endParaRPr lang="en-US" dirty="0"/>
-          </a:p>
-          <a:p>
-            <a:r>
-              <a:rPr lang="en-US" b="1" dirty="0"/>
-              <a:t>        </a:t>
-            </a:r>
-            <a:r>
-              <a:rPr lang="en-US" b="1" dirty="0" err="1"/>
-              <a:t>data.max_methyl_enzyme</a:t>
-            </a:r>
-            <a:r>
-              <a:rPr lang="en-US" b="1" dirty="0"/>
-              <a:t> = 1200; % max number of </a:t>
-            </a:r>
-            <a:r>
-              <a:rPr lang="en-US" b="1" dirty="0" err="1"/>
-              <a:t>methyltrasferase</a:t>
-            </a:r>
-            <a:r>
-              <a:rPr lang="en-US" b="1" dirty="0"/>
-              <a:t> and KDMS</a:t>
-            </a:r>
-            <a:endParaRPr lang="en-US" dirty="0"/>
-          </a:p>
-          <a:p>
-            <a:r>
-              <a:rPr lang="en-US" b="1" dirty="0"/>
-              <a:t>        </a:t>
-            </a:r>
-            <a:r>
-              <a:rPr lang="en-US" b="1" dirty="0" err="1"/>
-              <a:t>data.more_methyl</a:t>
-            </a:r>
-            <a:r>
-              <a:rPr lang="en-US" b="1" dirty="0"/>
-              <a:t> = 600; % more methyltransferase binds with h3k9 during mitosis</a:t>
-            </a:r>
-            <a:endParaRPr lang="en-US" dirty="0"/>
-          </a:p>
-          <a:p>
-            <a:r>
-              <a:rPr lang="en-US" b="1" dirty="0"/>
-              <a:t>        % </a:t>
-            </a:r>
-            <a:r>
-              <a:rPr lang="en-US" b="1" dirty="0" err="1"/>
-              <a:t>Kinase:KDM</a:t>
-            </a:r>
-            <a:r>
-              <a:rPr lang="en-US" b="1" dirty="0"/>
-              <a:t> ratio = 5.9:1 </a:t>
-            </a:r>
-            <a:endParaRPr lang="en-US" dirty="0"/>
-          </a:p>
-          <a:p>
-            <a:r>
-              <a:rPr lang="en-US" b="1" dirty="0"/>
-              <a:t>        </a:t>
-            </a:r>
-            <a:r>
-              <a:rPr lang="en-US" b="1" dirty="0" err="1"/>
-              <a:t>data.max_phosphor_enzyme</a:t>
-            </a:r>
-            <a:r>
-              <a:rPr lang="en-US" b="1" dirty="0"/>
-              <a:t> = </a:t>
-            </a:r>
-            <a:r>
-              <a:rPr lang="en-US" b="1" dirty="0" err="1"/>
-              <a:t>data.max_methyl_enzyme</a:t>
-            </a:r>
-            <a:r>
-              <a:rPr lang="en-US" b="1" dirty="0"/>
-              <a:t>*5.9; % 7.1M aurora b kinase, max number of kinase and </a:t>
-            </a:r>
-            <a:r>
-              <a:rPr lang="en-US" b="1" dirty="0" err="1"/>
-              <a:t>phosphotase</a:t>
-            </a:r>
-            <a:endParaRPr lang="en-US" dirty="0"/>
-          </a:p>
-          <a:p>
-            <a:r>
-              <a:rPr lang="en-US" b="1" dirty="0"/>
-              <a:t>        </a:t>
-            </a:r>
-            <a:r>
-              <a:rPr lang="en-US" b="1" dirty="0" err="1"/>
-              <a:t>data.more_phospho</a:t>
-            </a:r>
-            <a:r>
-              <a:rPr lang="en-US" b="1" dirty="0"/>
-              <a:t> = 1000; % 1000K more kinase binds to h3s10 during mitosis</a:t>
-            </a:r>
-            <a:endParaRPr lang="en-US" dirty="0"/>
-          </a:p>
-          <a:p>
-            <a:r>
-              <a:rPr lang="en-US" b="1" dirty="0"/>
-              <a:t>        </a:t>
-            </a:r>
-            <a:r>
-              <a:rPr lang="en-US" b="1" dirty="0" err="1"/>
-              <a:t>data.max_time_phospho</a:t>
-            </a:r>
-            <a:r>
-              <a:rPr lang="en-US" b="1" dirty="0"/>
-              <a:t> = 30 * </a:t>
-            </a:r>
-            <a:r>
-              <a:rPr lang="en-US" b="1" dirty="0" err="1"/>
-              <a:t>data.num_histone</a:t>
-            </a:r>
-            <a:r>
-              <a:rPr lang="en-US" b="1" dirty="0"/>
-              <a:t>;  %</a:t>
-            </a:r>
-            <a:r>
-              <a:rPr lang="en-US" b="1" dirty="0" err="1"/>
+              <a:rPr lang="en-US" dirty="0"/>
+              <a:t>;  %</a:t>
+            </a:r>
+            <a:r>
+              <a:rPr lang="en-US" dirty="0" err="1"/>
               <a:t>num_histone</a:t>
             </a:r>
             <a:r>
-              <a:rPr lang="en-US" b="1" dirty="0"/>
-              <a:t> for 30 min</a:t>
-            </a:r>
-            <a:endParaRPr lang="en-US" dirty="0"/>
-          </a:p>
-          <a:p>
-            <a:r>
-              <a:rPr lang="en-US" b="1" dirty="0"/>
-              <a:t>        </a:t>
-            </a:r>
-            <a:r>
-              <a:rPr lang="en-US" b="1" dirty="0" err="1"/>
-              <a:t>data.dt</a:t>
-            </a:r>
-            <a:r>
-              <a:rPr lang="en-US" b="1" dirty="0"/>
+              <a:rPr lang="en-US" dirty="0"/>
+              <a:t> for 60 min</a:t>
+            </a:r>
+          </a:p>
+          <a:p>
+            <a:r>
+              <a:rPr lang="en-US" dirty="0"/>
+              <a:t>        </a:t>
+            </a:r>
+            <a:r>
+              <a:rPr lang="en-US" dirty="0" err="1"/>
+              <a:t>data.time</a:t>
+            </a:r>
+            <a:r>
+              <a:rPr lang="en-US" dirty="0"/>
               <a:t>(1) = 40; % min, time to exit mitosis; enter mitosis at 0 min</a:t>
             </a:r>
-            <a:endParaRPr lang="en-US" dirty="0"/>
-          </a:p>
-          <a:p>
-            <a:r>
-              <a:rPr lang="fr-FR" b="1" dirty="0"/>
-              <a:t>        </a:t>
-            </a:r>
-            <a:r>
-              <a:rPr lang="fr-FR" b="1" dirty="0" err="1"/>
-              <a:t>data.dt</a:t>
-            </a:r>
-            <a:r>
-              <a:rPr lang="fr-FR" b="1" dirty="0"/>
-              <a:t>(2) = 300; % min, </a:t>
-            </a:r>
-            <a:r>
-              <a:rPr lang="fr-FR" b="1" dirty="0" err="1"/>
-              <a:t>cell</a:t>
-            </a:r>
-            <a:r>
-              <a:rPr lang="fr-FR" b="1" dirty="0"/>
-              <a:t> cycle duration</a:t>
-            </a:r>
-            <a:endParaRPr lang="fr-FR" dirty="0"/>
-          </a:p>
-          <a:p>
-            <a:r>
-              <a:rPr lang="en-US" b="1" dirty="0"/>
-              <a:t>        % </a:t>
-            </a:r>
-            <a:endParaRPr lang="en-US" dirty="0"/>
-          </a:p>
-          <a:p>
-            <a:r>
-              <a:rPr lang="en-US" b="1" dirty="0"/>
-              <a:t>        </a:t>
-            </a:r>
-            <a:r>
-              <a:rPr lang="en-US" b="1" dirty="0" err="1"/>
+          </a:p>
+          <a:p>
+            <a:r>
+              <a:rPr lang="en-US" dirty="0"/>
+              <a:t>        </a:t>
+            </a:r>
+            <a:r>
+              <a:rPr lang="en-US" dirty="0" err="1"/>
+              <a:t>data.time</a:t>
+            </a:r>
+            <a:r>
+              <a:rPr lang="en-US" dirty="0"/>
+              <a:t>(2) = 1440; % min, cell cycle duration 24 </a:t>
+            </a:r>
+            <a:r>
+              <a:rPr lang="en-US" dirty="0" err="1"/>
+              <a:t>hrs</a:t>
+            </a:r>
+            <a:r>
+              <a:rPr lang="en-US" dirty="0"/>
+              <a:t> for HeLa cells</a:t>
+            </a:r>
+          </a:p>
+          <a:p>
+            <a:r>
+              <a:rPr lang="en-US" dirty="0"/>
+              <a:t>        % </a:t>
+            </a:r>
+          </a:p>
+          <a:p>
+            <a:r>
+              <a:rPr lang="en-US" dirty="0"/>
+              <a:t>        </a:t>
+            </a:r>
+            <a:r>
+              <a:rPr lang="en-US" dirty="0" err="1"/>
               <a:t>data.a</a:t>
             </a:r>
             <a:r>
-              <a:rPr lang="en-US" b="1" dirty="0"/>
-              <a:t>(1) = 0.03; % phosphorylation repels methyltransferase</a:t>
-            </a:r>
-            <a:endParaRPr lang="en-US" dirty="0"/>
-          </a:p>
-          <a:p>
-            <a:r>
-              <a:rPr lang="en-US" b="1" dirty="0"/>
-              <a:t>        </a:t>
-            </a:r>
-            <a:r>
-              <a:rPr lang="en-US" b="1" dirty="0" err="1"/>
+              <a:rPr lang="en-US" dirty="0"/>
+              <a:t>(1) = 0.03; % min^(-1) phosphorylation repels methyltransferase</a:t>
+            </a:r>
+          </a:p>
+          <a:p>
+            <a:r>
+              <a:rPr lang="en-US" dirty="0"/>
+              <a:t>        </a:t>
+            </a:r>
+            <a:r>
+              <a:rPr lang="en-US" dirty="0" err="1"/>
               <a:t>data.a</a:t>
             </a:r>
             <a:r>
-              <a:rPr lang="en-US" b="1" dirty="0"/>
-              <a:t>(2) = 0.03;  % phosphorylation recruit demethylase</a:t>
-            </a:r>
-            <a:endParaRPr lang="en-US" dirty="0"/>
-          </a:p>
-          <a:p>
-            <a:r>
-              <a:rPr lang="en-US" b="1" dirty="0"/>
-              <a:t>        </a:t>
-            </a:r>
-            <a:r>
-              <a:rPr lang="en-US" b="1" dirty="0" err="1"/>
+              <a:rPr lang="en-US" dirty="0"/>
+              <a:t>(2) = 0.03;  % min^(-1) phosphorylation recruit demethylase</a:t>
+            </a:r>
+          </a:p>
+          <a:p>
+            <a:r>
+              <a:rPr lang="en-US" dirty="0"/>
+              <a:t>        </a:t>
+            </a:r>
+            <a:r>
+              <a:rPr lang="en-US" dirty="0" err="1"/>
               <a:t>data.b</a:t>
             </a:r>
             <a:r>
-              <a:rPr lang="en-US" b="1" dirty="0"/>
-              <a:t> = 1; % the strength of kinase; </a:t>
-            </a:r>
-            <a:endParaRPr lang="en-US" dirty="0"/>
-          </a:p>
-          <a:p>
-            <a:r>
-              <a:rPr lang="en-US" b="1" dirty="0"/>
-              <a:t>        %</a:t>
-            </a:r>
-            <a:endParaRPr lang="en-US" dirty="0"/>
-          </a:p>
-          <a:p>
-            <a:r>
-              <a:rPr lang="en-US" b="1" dirty="0"/>
-              <a:t>        </a:t>
-            </a:r>
-            <a:r>
-              <a:rPr lang="en-US" b="1" dirty="0" err="1"/>
+              <a:rPr lang="en-US" dirty="0"/>
+              <a:t> = 1; % the strength of kinase; </a:t>
+            </a:r>
+          </a:p>
+          <a:p>
+            <a:r>
+              <a:rPr lang="en-US" dirty="0"/>
+              <a:t>        %</a:t>
+            </a:r>
+          </a:p>
+          <a:p>
+            <a:r>
+              <a:rPr lang="en-US" dirty="0"/>
+              <a:t>        </a:t>
+            </a:r>
+            <a:r>
+              <a:rPr lang="en-US" dirty="0" err="1"/>
               <a:t>data.time_step</a:t>
             </a:r>
             <a:r>
-              <a:rPr lang="en-US" b="1" dirty="0"/>
+              <a:rPr lang="en-US" dirty="0"/>
               <a:t> = 1/60; % min</a:t>
             </a:r>
-            <a:endParaRPr lang="en-US" dirty="0"/>
-          </a:p>
-          <a:p>
-            <a:endParaRPr lang="en-US" dirty="0"/>
           </a:p>
         </p:txBody>
       </p:sp>
@@ -5019,657 +6396,6 @@
 </file>
 
 <file path=ppt/slides/slide4.xml><?xml version="1.0" encoding="utf-8"?>
-<p:sld xmlns:a="http://schemas.openxmlformats.org/drawingml/2006/main" xmlns:r="http://schemas.openxmlformats.org/officeDocument/2006/relationships" xmlns:p="http://schemas.openxmlformats.org/presentationml/2006/main">
-  <p:cSld>
-    <p:spTree>
-      <p:nvGrpSpPr>
-        <p:cNvPr id="1" name=""/>
-        <p:cNvGrpSpPr/>
-        <p:nvPr/>
-      </p:nvGrpSpPr>
-      <p:grpSpPr>
-        <a:xfrm>
-          <a:off x="0" y="0"/>
-          <a:ext cx="0" cy="0"/>
-          <a:chOff x="0" y="0"/>
-          <a:chExt cx="0" cy="0"/>
-        </a:xfrm>
-      </p:grpSpPr>
-      <p:cxnSp>
-        <p:nvCxnSpPr>
-          <p:cNvPr id="5" name="Straight Connector 4"/>
-          <p:cNvCxnSpPr/>
-          <p:nvPr/>
-        </p:nvCxnSpPr>
-        <p:spPr>
-          <a:xfrm>
-            <a:off x="4007652" y="4547626"/>
-            <a:ext cx="1413164" cy="0"/>
-          </a:xfrm>
-          <a:prstGeom prst="line">
-            <a:avLst/>
-          </a:prstGeom>
-          <a:ln w="101600">
-            <a:solidFill>
-              <a:srgbClr val="00B0F0"/>
-            </a:solidFill>
-          </a:ln>
-        </p:spPr>
-        <p:style>
-          <a:lnRef idx="1">
-            <a:schemeClr val="accent1"/>
-          </a:lnRef>
-          <a:fillRef idx="0">
-            <a:schemeClr val="accent1"/>
-          </a:fillRef>
-          <a:effectRef idx="0">
-            <a:schemeClr val="accent1"/>
-          </a:effectRef>
-          <a:fontRef idx="minor">
-            <a:schemeClr val="tx1"/>
-          </a:fontRef>
-        </p:style>
-      </p:cxnSp>
-      <p:sp>
-        <p:nvSpPr>
-          <p:cNvPr id="7" name="TextBox 6"/>
-          <p:cNvSpPr txBox="1"/>
-          <p:nvPr/>
-        </p:nvSpPr>
-        <p:spPr>
-          <a:xfrm>
-            <a:off x="4007652" y="4608575"/>
-            <a:ext cx="4399900" cy="369332"/>
-          </a:xfrm>
-          <a:prstGeom prst="rect">
-            <a:avLst/>
-          </a:prstGeom>
-          <a:noFill/>
-          <a:ln>
-            <a:noFill/>
-          </a:ln>
-        </p:spPr>
-        <p:txBody>
-          <a:bodyPr wrap="square" rtlCol="0">
-            <a:spAutoFit/>
-          </a:bodyPr>
-          <a:lstStyle/>
-          <a:p>
-            <a:r>
-              <a:rPr lang="en-US" b="1" dirty="0" smtClean="0"/>
-              <a:t>State: 0                       1            2                   0</a:t>
-            </a:r>
-            <a:endParaRPr lang="en-US" b="1" dirty="0"/>
-          </a:p>
-        </p:txBody>
-      </p:sp>
-      <p:cxnSp>
-        <p:nvCxnSpPr>
-          <p:cNvPr id="10" name="Straight Arrow Connector 9"/>
-          <p:cNvCxnSpPr/>
-          <p:nvPr/>
-        </p:nvCxnSpPr>
-        <p:spPr>
-          <a:xfrm flipV="1">
-            <a:off x="5420816" y="3757051"/>
-            <a:ext cx="0" cy="729627"/>
-          </a:xfrm>
-          <a:prstGeom prst="straightConnector1">
-            <a:avLst/>
-          </a:prstGeom>
-          <a:ln w="19050">
-            <a:solidFill>
-              <a:schemeClr val="tx1"/>
-            </a:solidFill>
-            <a:tailEnd type="triangle"/>
-          </a:ln>
-        </p:spPr>
-        <p:style>
-          <a:lnRef idx="1">
-            <a:schemeClr val="accent1"/>
-          </a:lnRef>
-          <a:fillRef idx="0">
-            <a:schemeClr val="accent1"/>
-          </a:fillRef>
-          <a:effectRef idx="0">
-            <a:schemeClr val="accent1"/>
-          </a:effectRef>
-          <a:fontRef idx="minor">
-            <a:schemeClr val="tx1"/>
-          </a:fontRef>
-        </p:style>
-      </p:cxnSp>
-      <p:pic>
-        <p:nvPicPr>
-          <p:cNvPr id="11" name="Picture 10"/>
-          <p:cNvPicPr>
-            <a:picLocks noChangeAspect="1"/>
-          </p:cNvPicPr>
-          <p:nvPr/>
-        </p:nvPicPr>
-        <p:blipFill rotWithShape="1">
-          <a:blip r:embed="rId2"/>
-          <a:srcRect l="-1" r="36183" b="10718"/>
-          <a:stretch/>
-        </p:blipFill>
-        <p:spPr>
-          <a:xfrm>
-            <a:off x="3009220" y="656865"/>
-            <a:ext cx="5398332" cy="3093614"/>
-          </a:xfrm>
-          <a:prstGeom prst="rect">
-            <a:avLst/>
-          </a:prstGeom>
-        </p:spPr>
-      </p:pic>
-      <p:cxnSp>
-        <p:nvCxnSpPr>
-          <p:cNvPr id="12" name="Straight Connector 11"/>
-          <p:cNvCxnSpPr/>
-          <p:nvPr/>
-        </p:nvCxnSpPr>
-        <p:spPr>
-          <a:xfrm>
-            <a:off x="5420816" y="4547626"/>
-            <a:ext cx="940965" cy="0"/>
-          </a:xfrm>
-          <a:prstGeom prst="line">
-            <a:avLst/>
-          </a:prstGeom>
-          <a:ln w="101600">
-            <a:solidFill>
-              <a:schemeClr val="accent2"/>
-            </a:solidFill>
-          </a:ln>
-        </p:spPr>
-        <p:style>
-          <a:lnRef idx="1">
-            <a:schemeClr val="accent1"/>
-          </a:lnRef>
-          <a:fillRef idx="0">
-            <a:schemeClr val="accent1"/>
-          </a:fillRef>
-          <a:effectRef idx="0">
-            <a:schemeClr val="accent1"/>
-          </a:effectRef>
-          <a:fontRef idx="minor">
-            <a:schemeClr val="tx1"/>
-          </a:fontRef>
-        </p:style>
-      </p:cxnSp>
-      <p:cxnSp>
-        <p:nvCxnSpPr>
-          <p:cNvPr id="13" name="Straight Arrow Connector 12"/>
-          <p:cNvCxnSpPr/>
-          <p:nvPr/>
-        </p:nvCxnSpPr>
-        <p:spPr>
-          <a:xfrm flipV="1">
-            <a:off x="6361781" y="3757051"/>
-            <a:ext cx="0" cy="729627"/>
-          </a:xfrm>
-          <a:prstGeom prst="straightConnector1">
-            <a:avLst/>
-          </a:prstGeom>
-          <a:ln w="19050">
-            <a:solidFill>
-              <a:schemeClr val="tx1"/>
-            </a:solidFill>
-            <a:tailEnd type="triangle"/>
-          </a:ln>
-        </p:spPr>
-        <p:style>
-          <a:lnRef idx="1">
-            <a:schemeClr val="accent1"/>
-          </a:lnRef>
-          <a:fillRef idx="0">
-            <a:schemeClr val="accent1"/>
-          </a:fillRef>
-          <a:effectRef idx="0">
-            <a:schemeClr val="accent1"/>
-          </a:effectRef>
-          <a:fontRef idx="minor">
-            <a:schemeClr val="tx1"/>
-          </a:fontRef>
-        </p:style>
-      </p:cxnSp>
-      <p:cxnSp>
-        <p:nvCxnSpPr>
-          <p:cNvPr id="15" name="Straight Connector 14"/>
-          <p:cNvCxnSpPr/>
-          <p:nvPr/>
-        </p:nvCxnSpPr>
-        <p:spPr>
-          <a:xfrm>
-            <a:off x="6343860" y="1074391"/>
-            <a:ext cx="8389" cy="2315361"/>
-          </a:xfrm>
-          <a:prstGeom prst="line">
-            <a:avLst/>
-          </a:prstGeom>
-          <a:ln w="19050">
-            <a:solidFill>
-              <a:schemeClr val="tx1">
-                <a:lumMod val="50000"/>
-                <a:lumOff val="50000"/>
-              </a:schemeClr>
-            </a:solidFill>
-            <a:prstDash val="dash"/>
-          </a:ln>
-        </p:spPr>
-        <p:style>
-          <a:lnRef idx="1">
-            <a:schemeClr val="accent1"/>
-          </a:lnRef>
-          <a:fillRef idx="0">
-            <a:schemeClr val="accent1"/>
-          </a:fillRef>
-          <a:effectRef idx="0">
-            <a:schemeClr val="accent1"/>
-          </a:effectRef>
-          <a:fontRef idx="minor">
-            <a:schemeClr val="tx1"/>
-          </a:fontRef>
-        </p:style>
-      </p:cxnSp>
-      <p:cxnSp>
-        <p:nvCxnSpPr>
-          <p:cNvPr id="19" name="Straight Arrow Connector 18"/>
-          <p:cNvCxnSpPr/>
-          <p:nvPr/>
-        </p:nvCxnSpPr>
-        <p:spPr>
-          <a:xfrm flipV="1">
-            <a:off x="7017520" y="3757051"/>
-            <a:ext cx="0" cy="729627"/>
-          </a:xfrm>
-          <a:prstGeom prst="straightConnector1">
-            <a:avLst/>
-          </a:prstGeom>
-          <a:ln w="19050">
-            <a:solidFill>
-              <a:schemeClr val="tx1"/>
-            </a:solidFill>
-            <a:tailEnd type="triangle"/>
-          </a:ln>
-        </p:spPr>
-        <p:style>
-          <a:lnRef idx="1">
-            <a:schemeClr val="accent1"/>
-          </a:lnRef>
-          <a:fillRef idx="0">
-            <a:schemeClr val="accent1"/>
-          </a:fillRef>
-          <a:effectRef idx="0">
-            <a:schemeClr val="accent1"/>
-          </a:effectRef>
-          <a:fontRef idx="minor">
-            <a:schemeClr val="tx1"/>
-          </a:fontRef>
-        </p:style>
-      </p:cxnSp>
-      <p:cxnSp>
-        <p:nvCxnSpPr>
-          <p:cNvPr id="20" name="Straight Connector 19"/>
-          <p:cNvCxnSpPr/>
-          <p:nvPr/>
-        </p:nvCxnSpPr>
-        <p:spPr>
-          <a:xfrm>
-            <a:off x="6361781" y="4547626"/>
-            <a:ext cx="655739" cy="0"/>
-          </a:xfrm>
-          <a:prstGeom prst="line">
-            <a:avLst/>
-          </a:prstGeom>
-          <a:ln w="101600">
-            <a:solidFill>
-              <a:schemeClr val="accent6"/>
-            </a:solidFill>
-          </a:ln>
-        </p:spPr>
-        <p:style>
-          <a:lnRef idx="1">
-            <a:schemeClr val="accent1"/>
-          </a:lnRef>
-          <a:fillRef idx="0">
-            <a:schemeClr val="accent1"/>
-          </a:fillRef>
-          <a:effectRef idx="0">
-            <a:schemeClr val="accent1"/>
-          </a:effectRef>
-          <a:fontRef idx="minor">
-            <a:schemeClr val="tx1"/>
-          </a:fontRef>
-        </p:style>
-      </p:cxnSp>
-      <p:cxnSp>
-        <p:nvCxnSpPr>
-          <p:cNvPr id="22" name="Straight Connector 21"/>
-          <p:cNvCxnSpPr/>
-          <p:nvPr/>
-        </p:nvCxnSpPr>
-        <p:spPr>
-          <a:xfrm>
-            <a:off x="7017520" y="4547626"/>
-            <a:ext cx="1413164" cy="0"/>
-          </a:xfrm>
-          <a:prstGeom prst="line">
-            <a:avLst/>
-          </a:prstGeom>
-          <a:ln w="101600">
-            <a:solidFill>
-              <a:srgbClr val="00B0F0"/>
-            </a:solidFill>
-          </a:ln>
-        </p:spPr>
-        <p:style>
-          <a:lnRef idx="1">
-            <a:schemeClr val="accent1"/>
-          </a:lnRef>
-          <a:fillRef idx="0">
-            <a:schemeClr val="accent1"/>
-          </a:fillRef>
-          <a:effectRef idx="0">
-            <a:schemeClr val="accent1"/>
-          </a:effectRef>
-          <a:fontRef idx="minor">
-            <a:schemeClr val="tx1"/>
-          </a:fontRef>
-        </p:style>
-      </p:cxnSp>
-      <p:graphicFrame>
-        <p:nvGraphicFramePr>
-          <p:cNvPr id="24" name="Table 23"/>
-          <p:cNvGraphicFramePr>
-            <a:graphicFrameLocks noGrp="1"/>
-          </p:cNvGraphicFramePr>
-          <p:nvPr>
-            <p:extLst>
-              <p:ext uri="{D42A27DB-BD31-4B8C-83A1-F6EECF244321}">
-                <p14:modId xmlns:p14="http://schemas.microsoft.com/office/powerpoint/2010/main" val="1539564109"/>
-              </p:ext>
-            </p:extLst>
-          </p:nvPr>
-        </p:nvGraphicFramePr>
-        <p:xfrm>
-          <a:off x="1055834" y="5013088"/>
-          <a:ext cx="10341764" cy="1381760"/>
-        </p:xfrm>
-        <a:graphic>
-          <a:graphicData uri="http://schemas.openxmlformats.org/drawingml/2006/table">
-            <a:tbl>
-              <a:tblPr firstRow="1" bandRow="1">
-                <a:tableStyleId>{5C22544A-7EE6-4342-B048-85BDC9FD1C3A}</a:tableStyleId>
-              </a:tblPr>
-              <a:tblGrid>
-                <a:gridCol w="1038373"/>
-                <a:gridCol w="2900946"/>
-                <a:gridCol w="2723745"/>
-                <a:gridCol w="3678700"/>
-              </a:tblGrid>
-              <a:tr h="370840">
-                <a:tc>
-                  <a:txBody>
-                    <a:bodyPr/>
-                    <a:lstStyle/>
-                    <a:p>
-                      <a:r>
-                        <a:rPr lang="en-US" dirty="0" smtClean="0"/>
-                        <a:t>Descript</a:t>
-                      </a:r>
-                      <a:endParaRPr lang="en-US" dirty="0"/>
-                    </a:p>
-                  </a:txBody>
-                  <a:tcPr/>
-                </a:tc>
-                <a:tc>
-                  <a:txBody>
-                    <a:bodyPr/>
-                    <a:lstStyle/>
-                    <a:p>
-                      <a:r>
-                        <a:rPr lang="en-US" dirty="0" smtClean="0"/>
-                        <a:t>Enter mitosis</a:t>
-                      </a:r>
-                      <a:r>
-                        <a:rPr lang="en-US" baseline="0" dirty="0" smtClean="0"/>
-                        <a:t> (</a:t>
-                      </a:r>
-                      <a:r>
-                        <a:rPr lang="en-US" dirty="0" smtClean="0"/>
-                        <a:t>0/1)</a:t>
-                      </a:r>
-                      <a:endParaRPr lang="en-US" dirty="0"/>
-                    </a:p>
-                  </a:txBody>
-                  <a:tcPr/>
-                </a:tc>
-                <a:tc>
-                  <a:txBody>
-                    <a:bodyPr/>
-                    <a:lstStyle/>
-                    <a:p>
-                      <a:r>
-                        <a:rPr lang="en-US" dirty="0" smtClean="0"/>
-                        <a:t>Exit</a:t>
-                      </a:r>
-                      <a:r>
-                        <a:rPr lang="en-US" baseline="0" dirty="0" smtClean="0"/>
-                        <a:t> mitosis (1/2)</a:t>
-                      </a:r>
-                      <a:endParaRPr lang="en-US" dirty="0"/>
-                    </a:p>
-                  </a:txBody>
-                  <a:tcPr/>
-                </a:tc>
-                <a:tc>
-                  <a:txBody>
-                    <a:bodyPr/>
-                    <a:lstStyle/>
-                    <a:p>
-                      <a:r>
-                        <a:rPr lang="en-US" dirty="0" smtClean="0"/>
-                        <a:t>Enter interphase (2/0)</a:t>
-                      </a:r>
-                      <a:endParaRPr lang="en-US" dirty="0"/>
-                    </a:p>
-                  </a:txBody>
-                  <a:tcPr/>
-                </a:tc>
-              </a:tr>
-              <a:tr h="370840">
-                <a:tc>
-                  <a:txBody>
-                    <a:bodyPr/>
-                    <a:lstStyle/>
-                    <a:p>
-                      <a:r>
-                        <a:rPr lang="en-US" dirty="0" smtClean="0"/>
-                        <a:t>Switch</a:t>
-                      </a:r>
-                      <a:endParaRPr lang="en-US" dirty="0"/>
-                    </a:p>
-                  </a:txBody>
-                  <a:tcPr/>
-                </a:tc>
-                <a:tc>
-                  <a:txBody>
-                    <a:bodyPr/>
-                    <a:lstStyle/>
-                    <a:p>
-                      <a:r>
-                        <a:rPr lang="en-US" dirty="0" smtClean="0"/>
-                        <a:t>T= 0 min</a:t>
-                      </a:r>
-                      <a:endParaRPr lang="en-US" dirty="0"/>
-                    </a:p>
-                  </a:txBody>
-                  <a:tcPr/>
-                </a:tc>
-                <a:tc>
-                  <a:txBody>
-                    <a:bodyPr/>
-                    <a:lstStyle/>
-                    <a:p>
-                      <a:r>
-                        <a:rPr lang="en-US" dirty="0" smtClean="0"/>
-                        <a:t>Cumulative phosphor</a:t>
-                      </a:r>
-                      <a:r>
-                        <a:rPr lang="en-US" baseline="0" dirty="0" smtClean="0"/>
-                        <a:t> &gt;= threshold</a:t>
-                      </a:r>
-                      <a:endParaRPr lang="en-US" dirty="0" smtClean="0"/>
-                    </a:p>
-                  </a:txBody>
-                  <a:tcPr/>
-                </a:tc>
-                <a:tc>
-                  <a:txBody>
-                    <a:bodyPr/>
-                    <a:lstStyle/>
-                    <a:p>
-                      <a:r>
-                        <a:rPr lang="en-US" dirty="0" smtClean="0"/>
-                        <a:t>Methylation</a:t>
-                      </a:r>
-                      <a:r>
-                        <a:rPr lang="en-US" baseline="0" dirty="0" smtClean="0"/>
-                        <a:t> increases to the basal level</a:t>
-                      </a:r>
-                      <a:endParaRPr lang="en-US" dirty="0"/>
-                    </a:p>
-                  </a:txBody>
-                  <a:tcPr/>
-                </a:tc>
-              </a:tr>
-              <a:tr h="370840">
-                <a:tc>
-                  <a:txBody>
-                    <a:bodyPr/>
-                    <a:lstStyle/>
-                    <a:p>
-                      <a:r>
-                        <a:rPr lang="en-US" dirty="0" smtClean="0"/>
-                        <a:t>Phenom</a:t>
-                      </a:r>
-                      <a:endParaRPr lang="en-US" dirty="0"/>
-                    </a:p>
-                  </a:txBody>
-                  <a:tcPr/>
-                </a:tc>
-                <a:tc>
-                  <a:txBody>
-                    <a:bodyPr/>
-                    <a:lstStyle/>
-                    <a:p>
-                      <a:r>
-                        <a:rPr lang="en-US" dirty="0" smtClean="0"/>
-                        <a:t>Both</a:t>
-                      </a:r>
-                      <a:r>
-                        <a:rPr lang="en-US" baseline="0" dirty="0" smtClean="0"/>
-                        <a:t> kinase and MT increase</a:t>
-                      </a:r>
-                      <a:endParaRPr lang="en-US" dirty="0"/>
-                    </a:p>
-                  </a:txBody>
-                  <a:tcPr/>
-                </a:tc>
-                <a:tc>
-                  <a:txBody>
-                    <a:bodyPr/>
-                    <a:lstStyle/>
-                    <a:p>
-                      <a:r>
-                        <a:rPr lang="en-US" dirty="0" smtClean="0"/>
-                        <a:t>Kinase</a:t>
-                      </a:r>
-                      <a:r>
-                        <a:rPr lang="en-US" baseline="0" dirty="0" smtClean="0"/>
-                        <a:t> decrease</a:t>
-                      </a:r>
-                      <a:endParaRPr lang="en-US" dirty="0"/>
-                    </a:p>
-                  </a:txBody>
-                  <a:tcPr/>
-                </a:tc>
-                <a:tc>
-                  <a:txBody>
-                    <a:bodyPr/>
-                    <a:lstStyle/>
-                    <a:p>
-                      <a:r>
-                        <a:rPr lang="en-US" dirty="0" smtClean="0"/>
-                        <a:t>Kinase</a:t>
-                      </a:r>
-                      <a:r>
-                        <a:rPr lang="en-US" baseline="0" dirty="0" smtClean="0"/>
-                        <a:t> and MT reset to basal levels. </a:t>
-                      </a:r>
-                      <a:endParaRPr lang="en-US" dirty="0"/>
-                    </a:p>
-                  </a:txBody>
-                  <a:tcPr/>
-                </a:tc>
-              </a:tr>
-            </a:tbl>
-          </a:graphicData>
-        </a:graphic>
-      </p:graphicFrame>
-      <p:sp>
-        <p:nvSpPr>
-          <p:cNvPr id="25" name="TextBox 24"/>
-          <p:cNvSpPr txBox="1"/>
-          <p:nvPr/>
-        </p:nvSpPr>
-        <p:spPr>
-          <a:xfrm>
-            <a:off x="1738745" y="160020"/>
-            <a:ext cx="8799715" cy="461665"/>
-          </a:xfrm>
-          <a:prstGeom prst="rect">
-            <a:avLst/>
-          </a:prstGeom>
-          <a:noFill/>
-        </p:spPr>
-        <p:txBody>
-          <a:bodyPr wrap="square" rtlCol="0">
-            <a:spAutoFit/>
-          </a:bodyPr>
-          <a:lstStyle/>
-          <a:p>
-            <a:r>
-              <a:rPr lang="en-US" sz="2400" b="1" dirty="0" smtClean="0"/>
-              <a:t>Control of three </a:t>
-            </a:r>
-            <a:r>
-              <a:rPr lang="en-US" sz="2400" b="1" dirty="0"/>
-              <a:t>s</a:t>
-            </a:r>
-            <a:r>
-              <a:rPr lang="en-US" sz="2400" b="1" dirty="0" smtClean="0"/>
-              <a:t>tates between interphase and mitosis</a:t>
-            </a:r>
-            <a:endParaRPr lang="en-US" sz="2400" b="1" dirty="0"/>
-          </a:p>
-        </p:txBody>
-      </p:sp>
-    </p:spTree>
-    <p:extLst>
-      <p:ext uri="{BB962C8B-B14F-4D97-AF65-F5344CB8AC3E}">
-        <p14:creationId xmlns:p14="http://schemas.microsoft.com/office/powerpoint/2010/main" val="3982633013"/>
-      </p:ext>
-    </p:extLst>
-  </p:cSld>
-  <p:clrMapOvr>
-    <a:masterClrMapping/>
-  </p:clrMapOvr>
-</p:sld>
-</file>
-
-<file path=ppt/slides/slide5.xml><?xml version="1.0" encoding="utf-8"?>
 <p:sld xmlns:a="http://schemas.openxmlformats.org/drawingml/2006/main" xmlns:r="http://schemas.openxmlformats.org/officeDocument/2006/relationships" xmlns:p="http://schemas.openxmlformats.org/presentationml/2006/main">
   <p:cSld>
     <p:spTree>
@@ -5725,7 +6451,7 @@
           <p:nvPr>
             <p:extLst>
               <p:ext uri="{D42A27DB-BD31-4B8C-83A1-F6EECF244321}">
-                <p14:modId xmlns:p14="http://schemas.microsoft.com/office/powerpoint/2010/main" val="515019031"/>
+                <p14:modId xmlns:p14="http://schemas.microsoft.com/office/powerpoint/2010/main" val="1115503197"/>
               </p:ext>
             </p:extLst>
           </p:nvPr>
@@ -5920,22 +6646,7 @@
                       </a:r>
                       <a:r>
                         <a:rPr lang="en-US" baseline="0" dirty="0" smtClean="0"/>
-                        <a:t>histones </a:t>
-                      </a:r>
-                      <a:r>
-                        <a:rPr lang="en-US" baseline="0" dirty="0" smtClean="0">
-                          <a:sym typeface="Wingdings" panose="05000000000000000000" pitchFamily="2" charset="2"/>
-                        </a:rPr>
-                        <a:t> change to </a:t>
-                      </a:r>
-                      <a:r>
-                        <a:rPr lang="en-US" baseline="0" dirty="0" smtClean="0">
-                          <a:solidFill>
-                            <a:srgbClr val="FF0000"/>
-                          </a:solidFill>
-                          <a:sym typeface="Wingdings" panose="05000000000000000000" pitchFamily="2" charset="2"/>
-                        </a:rPr>
-                        <a:t>50%</a:t>
+                        <a:t>histones</a:t>
                       </a:r>
                       <a:endParaRPr lang="en-US" dirty="0">
                         <a:solidFill>
@@ -5988,23 +6699,7 @@
                       </a:r>
                       <a:r>
                         <a:rPr lang="en-US" dirty="0" smtClean="0"/>
-                        <a:t> -/- </a:t>
-                      </a:r>
-                      <a:r>
-                        <a:rPr lang="en-US" dirty="0" smtClean="0"/>
-                        <a:t>decreased </a:t>
-                      </a:r>
-                      <a:r>
-                        <a:rPr lang="en-US" dirty="0" smtClean="0"/>
-                        <a:t>40%; TCP (inhibitor KDM) </a:t>
-                      </a:r>
-                      <a:r>
-                        <a:rPr lang="en-US" dirty="0" smtClean="0"/>
-                        <a:t>increased </a:t>
-                      </a:r>
-                      <a:r>
-                        <a:rPr lang="en-US" dirty="0" smtClean="0"/>
-                        <a:t>30%</a:t>
+                        <a:t> -/- decreased 40%; TCP (inhibitor KDM) increased 30%</a:t>
                       </a:r>
                       <a:r>
                         <a:rPr lang="en-US" dirty="0" smtClean="0">
@@ -6022,13 +6717,13 @@
                         <a:rPr lang="en-US" dirty="0" smtClean="0">
                           <a:sym typeface="Wingdings" panose="05000000000000000000" pitchFamily="2" charset="2"/>
                         </a:rPr>
-                        <a:t> 4/7 </a:t>
+                        <a:t> 4/7 is about </a:t>
                       </a:r>
                       <a:r>
                         <a:rPr lang="en-US" dirty="0" smtClean="0">
                           <a:sym typeface="Wingdings" panose="05000000000000000000" pitchFamily="2" charset="2"/>
                         </a:rPr>
-                        <a:t>is about 50% </a:t>
+                        <a:t>57% </a:t>
                       </a:r>
                       <a:endParaRPr lang="en-US" dirty="0" smtClean="0">
                         <a:sym typeface="Wingdings" panose="05000000000000000000" pitchFamily="2" charset="2"/>
@@ -6187,23 +6882,7 @@
                             <a:schemeClr val="tx1"/>
                           </a:solidFill>
                         </a:rPr>
-                        <a:t>KDM4C </a:t>
-                      </a:r>
-                      <a:r>
-                        <a:rPr lang="en-US" dirty="0" smtClean="0">
-                          <a:solidFill>
-                            <a:schemeClr val="tx1"/>
-                          </a:solidFill>
-                        </a:rPr>
-                        <a:t>relative </a:t>
-                      </a:r>
-                      <a:r>
-                        <a:rPr lang="en-US" dirty="0" smtClean="0">
-                          <a:solidFill>
-                            <a:schemeClr val="tx1"/>
-                          </a:solidFill>
-                        </a:rPr>
-                        <a:t>to H3F3A and</a:t>
+                        <a:t>KDM4C relative to H3F3A and</a:t>
                       </a:r>
                       <a:r>
                         <a:rPr lang="en-US" baseline="0" dirty="0" smtClean="0">
@@ -6522,7 +7201,15 @@
                             <a:schemeClr val="tx1"/>
                           </a:solidFill>
                         </a:rPr>
-                        <a:t> D Wang Z 2016 </a:t>
+                        <a:t> D </a:t>
+                      </a:r>
+                      <a:r>
+                        <a:rPr lang="en-US" baseline="0" dirty="0" smtClean="0">
+                          <a:solidFill>
+                            <a:schemeClr val="tx1"/>
+                          </a:solidFill>
+                        </a:rPr>
+                        <a:t>et al. 2016 </a:t>
                       </a:r>
                       <a:r>
                         <a:rPr lang="en-US" baseline="0" dirty="0" err="1" smtClean="0">
@@ -6530,7 +7217,7 @@
                             <a:schemeClr val="tx1"/>
                           </a:solidFill>
                         </a:rPr>
-                        <a:t>elife</a:t>
+                        <a:t>Elife</a:t>
                       </a:r>
                       <a:endParaRPr lang="en-US" dirty="0">
                         <a:solidFill>
@@ -6602,7 +7289,11 @@
                     <a:p>
                       <a:r>
                         <a:rPr lang="en-US" dirty="0" smtClean="0"/>
-                        <a:t>30 min</a:t>
+                        <a:t>60 </a:t>
+                      </a:r>
+                      <a:r>
+                        <a:rPr lang="en-US" dirty="0" smtClean="0"/>
+                        <a:t>min</a:t>
                       </a:r>
                       <a:r>
                         <a:rPr lang="en-US" baseline="0" dirty="0" smtClean="0"/>
@@ -6628,11 +7319,7 @@
                     <a:p>
                       <a:r>
                         <a:rPr lang="en-US" dirty="0" smtClean="0"/>
-                        <a:t>[CDK1</a:t>
-                      </a:r>
-                      <a:r>
-                        <a:rPr lang="en-US" baseline="0" dirty="0" smtClean="0"/>
-                        <a:t> is the master regulator]</a:t>
+                        <a:t>Santamaria D et al 2007 Nature</a:t>
                       </a:r>
                       <a:endParaRPr lang="en-US" dirty="0"/>
                     </a:p>
@@ -6644,6 +7331,14 @@
                     <a:bodyPr/>
                     <a:lstStyle/>
                     <a:p>
+                      <a:r>
+                        <a:rPr lang="en-US" dirty="0" smtClean="0"/>
+                        <a:t>Kinase is the master regulator of cell cycle.</a:t>
+                      </a:r>
+                      <a:r>
+                        <a:rPr lang="en-US" baseline="0" dirty="0" smtClean="0"/>
+                        <a:t> </a:t>
+                      </a:r>
                       <a:endParaRPr lang="en-US" dirty="0"/>
                     </a:p>
                   </a:txBody>
@@ -6667,7 +7362,7 @@
 </p:sld>
 </file>
 
-<file path=ppt/slides/slide6.xml><?xml version="1.0" encoding="utf-8"?>
+<file path=ppt/slides/slide5.xml><?xml version="1.0" encoding="utf-8"?>
 <p:sld xmlns:a="http://schemas.openxmlformats.org/drawingml/2006/main" xmlns:r="http://schemas.openxmlformats.org/officeDocument/2006/relationships" xmlns:p="http://schemas.openxmlformats.org/presentationml/2006/main">
   <p:cSld>
     <p:spTree>
@@ -6723,14 +7418,14 @@
           <p:nvPr>
             <p:extLst>
               <p:ext uri="{D42A27DB-BD31-4B8C-83A1-F6EECF244321}">
-                <p14:modId xmlns:p14="http://schemas.microsoft.com/office/powerpoint/2010/main" val="1687260168"/>
+                <p14:modId xmlns:p14="http://schemas.microsoft.com/office/powerpoint/2010/main" val="51413619"/>
               </p:ext>
             </p:extLst>
           </p:nvPr>
         </p:nvGraphicFramePr>
         <p:xfrm>
           <a:off x="882468" y="702249"/>
-          <a:ext cx="10429447" cy="4519540"/>
+          <a:ext cx="10429447" cy="4044318"/>
         </p:xfrm>
         <a:graphic>
           <a:graphicData uri="http://schemas.openxmlformats.org/drawingml/2006/table">
@@ -6988,7 +7683,7 @@
                   <a:tcPr/>
                 </a:tc>
               </a:tr>
-              <a:tr h="538148">
+              <a:tr h="428686">
                 <a:tc>
                   <a:txBody>
                     <a:bodyPr/>
@@ -7036,7 +7731,7 @@
                     <a:bodyPr/>
                     <a:lstStyle/>
                     <a:p>
-                      <a:endParaRPr lang="en-US"/>
+                      <a:endParaRPr lang="en-US" dirty="0"/>
                     </a:p>
                   </a:txBody>
                   <a:tcPr/>
@@ -7108,11 +7803,11 @@
                     <a:p>
                       <a:r>
                         <a:rPr lang="en-US" dirty="0" smtClean="0"/>
-                        <a:t>S10P</a:t>
+                        <a:t>Signal</a:t>
                       </a:r>
                       <a:r>
                         <a:rPr lang="en-US" baseline="0" dirty="0" smtClean="0"/>
-                        <a:t> repels MTs (a(1))</a:t>
+                        <a:t> Matrix</a:t>
                       </a:r>
                       <a:endParaRPr lang="en-US" dirty="0"/>
                     </a:p>
@@ -7126,7 +7821,11 @@
                     <a:p>
                       <a:r>
                         <a:rPr lang="en-US" dirty="0" smtClean="0"/>
-                        <a:t>0.03</a:t>
+                        <a:t>Min</a:t>
+                      </a:r>
+                      <a:r>
+                        <a:rPr lang="en-US" baseline="30000" dirty="0" smtClean="0"/>
+                        <a:t>-1</a:t>
                       </a:r>
                       <a:endParaRPr lang="en-US" dirty="0"/>
                     </a:p>
@@ -7162,7 +7861,7 @@
                   <a:tcPr/>
                 </a:tc>
               </a:tr>
-              <a:tr h="182880">
+              <a:tr h="243840">
                 <a:tc>
                   <a:txBody>
                     <a:bodyPr/>
@@ -7170,11 +7869,15 @@
                     <a:p>
                       <a:r>
                         <a:rPr lang="en-US" dirty="0" smtClean="0"/>
-                        <a:t>S10P recruits</a:t>
-                      </a:r>
-                      <a:r>
-                        <a:rPr lang="en-US" baseline="0" dirty="0" smtClean="0"/>
-                        <a:t> KDMs (a(2))</a:t>
+                        <a:t>Earliest time to exist mitosis (</a:t>
+                      </a:r>
+                      <a:r>
+                        <a:rPr lang="en-US" dirty="0" err="1" smtClean="0"/>
+                        <a:t>dt</a:t>
+                      </a:r>
+                      <a:r>
+                        <a:rPr lang="en-US" dirty="0" smtClean="0"/>
+                        <a:t>(1))</a:t>
                       </a:r>
                       <a:endParaRPr lang="en-US" dirty="0"/>
                     </a:p>
@@ -7188,7 +7891,11 @@
                     <a:p>
                       <a:r>
                         <a:rPr lang="en-US" dirty="0" smtClean="0"/>
-                        <a:t>0.03</a:t>
+                        <a:t>40</a:t>
+                      </a:r>
+                      <a:r>
+                        <a:rPr lang="en-US" baseline="0" dirty="0" smtClean="0"/>
+                        <a:t> min</a:t>
                       </a:r>
                       <a:endParaRPr lang="en-US" dirty="0"/>
                     </a:p>
@@ -7214,25 +7921,33 @@
                     <a:bodyPr/>
                     <a:lstStyle/>
                     <a:p>
+                      <a:pPr marL="0" marR="0" indent="0" algn="l" defTabSz="914400" rtl="0" eaLnBrk="1" fontAlgn="auto" latinLnBrk="0" hangingPunct="1">
+                        <a:lnSpc>
+                          <a:spcPct val="100000"/>
+                        </a:lnSpc>
+                        <a:spcBef>
+                          <a:spcPts val="0"/>
+                        </a:spcBef>
+                        <a:spcAft>
+                          <a:spcPts val="0"/>
+                        </a:spcAft>
+                        <a:buClrTx/>
+                        <a:buSzTx/>
+                        <a:buFontTx/>
+                        <a:buNone/>
+                        <a:tabLst/>
+                        <a:defRPr/>
+                      </a:pPr>
                       <a:r>
                         <a:rPr lang="en-US" dirty="0" smtClean="0"/>
-                        <a:t>Based</a:t>
-                      </a:r>
-                      <a:r>
-                        <a:rPr lang="en-US" baseline="0" dirty="0" smtClean="0"/>
-                        <a:t> on kinetics in </a:t>
-                      </a:r>
-                      <a:r>
-                        <a:rPr lang="en-US" dirty="0" smtClean="0"/>
-                        <a:t>Fig. 2</a:t>
-                      </a:r>
-                      <a:endParaRPr lang="en-US" dirty="0"/>
+                        <a:t>Based on kinetics in Fig. 2</a:t>
+                      </a:r>
                     </a:p>
                   </a:txBody>
                   <a:tcPr/>
                 </a:tc>
               </a:tr>
-              <a:tr h="243840">
+              <a:tr h="121920">
                 <a:tc>
                   <a:txBody>
                     <a:bodyPr/>
@@ -7240,7 +7955,7 @@
                     <a:p>
                       <a:r>
                         <a:rPr lang="en-US" dirty="0" smtClean="0"/>
-                        <a:t>Earliest time to exist mitosis (</a:t>
+                        <a:t>Duration of a cell cycle (</a:t>
                       </a:r>
                       <a:r>
                         <a:rPr lang="en-US" dirty="0" err="1" smtClean="0"/>
@@ -7248,7 +7963,7 @@
                       </a:r>
                       <a:r>
                         <a:rPr lang="en-US" dirty="0" smtClean="0"/>
-                        <a:t>(1))</a:t>
+                        <a:t>(2)) </a:t>
                       </a:r>
                       <a:endParaRPr lang="en-US" dirty="0"/>
                     </a:p>
@@ -7262,11 +7977,11 @@
                     <a:p>
                       <a:r>
                         <a:rPr lang="en-US" dirty="0" smtClean="0"/>
-                        <a:t>40</a:t>
-                      </a:r>
-                      <a:r>
-                        <a:rPr lang="en-US" baseline="0" dirty="0" smtClean="0"/>
-                        <a:t> min</a:t>
+                        <a:t>1440 </a:t>
+                      </a:r>
+                      <a:r>
+                        <a:rPr lang="en-US" dirty="0" smtClean="0"/>
+                        <a:t>min</a:t>
                       </a:r>
                       <a:endParaRPr lang="en-US" dirty="0"/>
                     </a:p>
@@ -7292,69 +8007,27 @@
                     <a:bodyPr/>
                     <a:lstStyle/>
                     <a:p>
-                      <a:endParaRPr lang="en-US" baseline="0" dirty="0" smtClean="0"/>
-                    </a:p>
-                  </a:txBody>
-                  <a:tcPr/>
-                </a:tc>
-              </a:tr>
-              <a:tr h="121920">
-                <a:tc>
-                  <a:txBody>
-                    <a:bodyPr/>
-                    <a:lstStyle/>
-                    <a:p>
+                      <a:pPr marL="0" marR="0" indent="0" algn="l" defTabSz="914400" rtl="0" eaLnBrk="1" fontAlgn="auto" latinLnBrk="0" hangingPunct="1">
+                        <a:lnSpc>
+                          <a:spcPct val="100000"/>
+                        </a:lnSpc>
+                        <a:spcBef>
+                          <a:spcPts val="0"/>
+                        </a:spcBef>
+                        <a:spcAft>
+                          <a:spcPts val="0"/>
+                        </a:spcAft>
+                        <a:buClrTx/>
+                        <a:buSzTx/>
+                        <a:buFontTx/>
+                        <a:buNone/>
+                        <a:tabLst/>
+                        <a:defRPr/>
+                      </a:pPr>
                       <a:r>
                         <a:rPr lang="en-US" dirty="0" smtClean="0"/>
-                        <a:t>Duration of a cell cycle (</a:t>
-                      </a:r>
-                      <a:r>
-                        <a:rPr lang="en-US" dirty="0" err="1" smtClean="0"/>
-                        <a:t>dt</a:t>
-                      </a:r>
-                      <a:r>
-                        <a:rPr lang="en-US" dirty="0" smtClean="0"/>
-                        <a:t>(2)) </a:t>
-                      </a:r>
-                      <a:endParaRPr lang="en-US" dirty="0"/>
-                    </a:p>
-                  </a:txBody>
-                  <a:tcPr/>
-                </a:tc>
-                <a:tc>
-                  <a:txBody>
-                    <a:bodyPr/>
-                    <a:lstStyle/>
-                    <a:p>
-                      <a:r>
-                        <a:rPr lang="en-US" dirty="0" smtClean="0"/>
-                        <a:t>300 min</a:t>
-                      </a:r>
-                      <a:endParaRPr lang="en-US" dirty="0"/>
-                    </a:p>
-                  </a:txBody>
-                  <a:tcPr/>
-                </a:tc>
-                <a:tc>
-                  <a:txBody>
-                    <a:bodyPr/>
-                    <a:lstStyle/>
-                    <a:p>
-                      <a:endParaRPr lang="en-US" dirty="0">
-                        <a:solidFill>
-                          <a:srgbClr val="FF0000"/>
-                        </a:solidFill>
-                      </a:endParaRPr>
-                    </a:p>
-                  </a:txBody>
-                  <a:tcPr/>
-                </a:tc>
-                <a:tc>
-                  <a:txBody>
-                    <a:bodyPr/>
-                    <a:lstStyle/>
-                    <a:p>
-                      <a:endParaRPr lang="en-US" baseline="0" dirty="0" smtClean="0"/>
+                        <a:t>Based on kinetics in Fig. 2</a:t>
+                      </a:r>
                     </a:p>
                   </a:txBody>
                   <a:tcPr/>
@@ -7368,6 +8041,982 @@
     <p:extLst>
       <p:ext uri="{BB962C8B-B14F-4D97-AF65-F5344CB8AC3E}">
         <p14:creationId xmlns:p14="http://schemas.microsoft.com/office/powerpoint/2010/main" val="289164213"/>
+      </p:ext>
+    </p:extLst>
+  </p:cSld>
+  <p:clrMapOvr>
+    <a:masterClrMapping/>
+  </p:clrMapOvr>
+</p:sld>
+</file>
+
+<file path=ppt/slides/slide6.xml><?xml version="1.0" encoding="utf-8"?>
+<p:sld xmlns:a="http://schemas.openxmlformats.org/drawingml/2006/main" xmlns:r="http://schemas.openxmlformats.org/officeDocument/2006/relationships" xmlns:p="http://schemas.openxmlformats.org/presentationml/2006/main">
+  <p:cSld>
+    <p:spTree>
+      <p:nvGrpSpPr>
+        <p:cNvPr id="1" name=""/>
+        <p:cNvGrpSpPr/>
+        <p:nvPr/>
+      </p:nvGrpSpPr>
+      <p:grpSpPr>
+        <a:xfrm>
+          <a:off x="0" y="0"/>
+          <a:ext cx="0" cy="0"/>
+          <a:chOff x="0" y="0"/>
+          <a:chExt cx="0" cy="0"/>
+        </a:xfrm>
+      </p:grpSpPr>
+      <p:sp>
+        <p:nvSpPr>
+          <p:cNvPr id="7" name="TextBox 6"/>
+          <p:cNvSpPr txBox="1"/>
+          <p:nvPr/>
+        </p:nvSpPr>
+        <p:spPr>
+          <a:xfrm>
+            <a:off x="4007652" y="4608575"/>
+            <a:ext cx="4399900" cy="369332"/>
+          </a:xfrm>
+          <a:prstGeom prst="rect">
+            <a:avLst/>
+          </a:prstGeom>
+          <a:noFill/>
+          <a:ln>
+            <a:noFill/>
+          </a:ln>
+        </p:spPr>
+        <p:txBody>
+          <a:bodyPr wrap="square" rtlCol="0">
+            <a:spAutoFit/>
+          </a:bodyPr>
+          <a:lstStyle/>
+          <a:p>
+            <a:r>
+              <a:rPr lang="en-US" b="1" dirty="0" smtClean="0"/>
+              <a:t>State: 0                       1            2                   0</a:t>
+            </a:r>
+            <a:endParaRPr lang="en-US" b="1" dirty="0"/>
+          </a:p>
+        </p:txBody>
+      </p:sp>
+      <p:graphicFrame>
+        <p:nvGraphicFramePr>
+          <p:cNvPr id="24" name="Table 23"/>
+          <p:cNvGraphicFramePr>
+            <a:graphicFrameLocks noGrp="1"/>
+          </p:cNvGraphicFramePr>
+          <p:nvPr>
+            <p:extLst>
+              <p:ext uri="{D42A27DB-BD31-4B8C-83A1-F6EECF244321}">
+                <p14:modId xmlns:p14="http://schemas.microsoft.com/office/powerpoint/2010/main" val="281123133"/>
+              </p:ext>
+            </p:extLst>
+          </p:nvPr>
+        </p:nvGraphicFramePr>
+        <p:xfrm>
+          <a:off x="1055834" y="5013088"/>
+          <a:ext cx="10341764" cy="1651000"/>
+        </p:xfrm>
+        <a:graphic>
+          <a:graphicData uri="http://schemas.openxmlformats.org/drawingml/2006/table">
+            <a:tbl>
+              <a:tblPr firstRow="1" bandRow="1">
+                <a:tableStyleId>{5C22544A-7EE6-4342-B048-85BDC9FD1C3A}</a:tableStyleId>
+              </a:tblPr>
+              <a:tblGrid>
+                <a:gridCol w="1038373"/>
+                <a:gridCol w="2900946"/>
+                <a:gridCol w="2723745"/>
+                <a:gridCol w="3678700"/>
+              </a:tblGrid>
+              <a:tr h="370840">
+                <a:tc>
+                  <a:txBody>
+                    <a:bodyPr/>
+                    <a:lstStyle/>
+                    <a:p>
+                      <a:r>
+                        <a:rPr lang="en-US" dirty="0" smtClean="0"/>
+                        <a:t>Descript</a:t>
+                      </a:r>
+                      <a:endParaRPr lang="en-US" dirty="0"/>
+                    </a:p>
+                  </a:txBody>
+                  <a:tcPr/>
+                </a:tc>
+                <a:tc>
+                  <a:txBody>
+                    <a:bodyPr/>
+                    <a:lstStyle/>
+                    <a:p>
+                      <a:r>
+                        <a:rPr lang="en-US" dirty="0" smtClean="0"/>
+                        <a:t>Enter mitosis</a:t>
+                      </a:r>
+                      <a:r>
+                        <a:rPr lang="en-US" baseline="0" dirty="0" smtClean="0"/>
+                        <a:t> (</a:t>
+                      </a:r>
+                      <a:r>
+                        <a:rPr lang="en-US" dirty="0" smtClean="0"/>
+                        <a:t>0/1)</a:t>
+                      </a:r>
+                      <a:endParaRPr lang="en-US" dirty="0"/>
+                    </a:p>
+                  </a:txBody>
+                  <a:tcPr/>
+                </a:tc>
+                <a:tc>
+                  <a:txBody>
+                    <a:bodyPr/>
+                    <a:lstStyle/>
+                    <a:p>
+                      <a:r>
+                        <a:rPr lang="en-US" dirty="0" smtClean="0"/>
+                        <a:t>Exit</a:t>
+                      </a:r>
+                      <a:r>
+                        <a:rPr lang="en-US" baseline="0" dirty="0" smtClean="0"/>
+                        <a:t> mitosis (1/2)</a:t>
+                      </a:r>
+                      <a:endParaRPr lang="en-US" dirty="0"/>
+                    </a:p>
+                  </a:txBody>
+                  <a:tcPr/>
+                </a:tc>
+                <a:tc>
+                  <a:txBody>
+                    <a:bodyPr/>
+                    <a:lstStyle/>
+                    <a:p>
+                      <a:r>
+                        <a:rPr lang="en-US" dirty="0" smtClean="0"/>
+                        <a:t>Enter interphase (2/0)</a:t>
+                      </a:r>
+                      <a:endParaRPr lang="en-US" dirty="0"/>
+                    </a:p>
+                  </a:txBody>
+                  <a:tcPr/>
+                </a:tc>
+              </a:tr>
+              <a:tr h="370840">
+                <a:tc>
+                  <a:txBody>
+                    <a:bodyPr/>
+                    <a:lstStyle/>
+                    <a:p>
+                      <a:r>
+                        <a:rPr lang="en-US" dirty="0" smtClean="0"/>
+                        <a:t>Switch</a:t>
+                      </a:r>
+                      <a:endParaRPr lang="en-US" dirty="0"/>
+                    </a:p>
+                  </a:txBody>
+                  <a:tcPr/>
+                </a:tc>
+                <a:tc>
+                  <a:txBody>
+                    <a:bodyPr/>
+                    <a:lstStyle/>
+                    <a:p>
+                      <a:r>
+                        <a:rPr lang="en-US" dirty="0" smtClean="0"/>
+                        <a:t>T= 0 min</a:t>
+                      </a:r>
+                      <a:endParaRPr lang="en-US" dirty="0"/>
+                    </a:p>
+                  </a:txBody>
+                  <a:tcPr/>
+                </a:tc>
+                <a:tc>
+                  <a:txBody>
+                    <a:bodyPr/>
+                    <a:lstStyle/>
+                    <a:p>
+                      <a:r>
+                        <a:rPr lang="en-US" dirty="0" smtClean="0"/>
+                        <a:t>Cumulative phosphor</a:t>
+                      </a:r>
+                      <a:r>
+                        <a:rPr lang="en-US" baseline="0" dirty="0" smtClean="0"/>
+                        <a:t> &gt;= threshold</a:t>
+                      </a:r>
+                      <a:endParaRPr lang="en-US" dirty="0" smtClean="0"/>
+                    </a:p>
+                  </a:txBody>
+                  <a:tcPr/>
+                </a:tc>
+                <a:tc>
+                  <a:txBody>
+                    <a:bodyPr/>
+                    <a:lstStyle/>
+                    <a:p>
+                      <a:r>
+                        <a:rPr lang="en-US" dirty="0" smtClean="0"/>
+                        <a:t>Methylation</a:t>
+                      </a:r>
+                      <a:r>
+                        <a:rPr lang="en-US" baseline="0" dirty="0" smtClean="0"/>
+                        <a:t> increases to the basal level</a:t>
+                      </a:r>
+                      <a:endParaRPr lang="en-US" dirty="0"/>
+                    </a:p>
+                  </a:txBody>
+                  <a:tcPr/>
+                </a:tc>
+              </a:tr>
+              <a:tr h="370840">
+                <a:tc>
+                  <a:txBody>
+                    <a:bodyPr/>
+                    <a:lstStyle/>
+                    <a:p>
+                      <a:r>
+                        <a:rPr lang="en-US" dirty="0" smtClean="0"/>
+                        <a:t>Phenom</a:t>
+                      </a:r>
+                      <a:endParaRPr lang="en-US" dirty="0"/>
+                    </a:p>
+                  </a:txBody>
+                  <a:tcPr/>
+                </a:tc>
+                <a:tc>
+                  <a:txBody>
+                    <a:bodyPr/>
+                    <a:lstStyle/>
+                    <a:p>
+                      <a:r>
+                        <a:rPr lang="en-US" dirty="0" smtClean="0"/>
+                        <a:t>Both</a:t>
+                      </a:r>
+                      <a:r>
+                        <a:rPr lang="en-US" baseline="0" dirty="0" smtClean="0"/>
+                        <a:t> kinase and MT increase.</a:t>
+                      </a:r>
+                      <a:endParaRPr lang="en-US" dirty="0"/>
+                    </a:p>
+                  </a:txBody>
+                  <a:tcPr/>
+                </a:tc>
+                <a:tc>
+                  <a:txBody>
+                    <a:bodyPr/>
+                    <a:lstStyle/>
+                    <a:p>
+                      <a:r>
+                        <a:rPr lang="en-US" dirty="0" smtClean="0"/>
+                        <a:t>Kinase</a:t>
+                      </a:r>
+                      <a:r>
+                        <a:rPr lang="en-US" baseline="0" dirty="0" smtClean="0"/>
+                        <a:t> decrease</a:t>
+                      </a:r>
+                      <a:endParaRPr lang="en-US" dirty="0"/>
+                    </a:p>
+                  </a:txBody>
+                  <a:tcPr/>
+                </a:tc>
+                <a:tc>
+                  <a:txBody>
+                    <a:bodyPr/>
+                    <a:lstStyle/>
+                    <a:p>
+                      <a:r>
+                        <a:rPr lang="en-US" dirty="0" smtClean="0"/>
+                        <a:t>Kinase</a:t>
+                      </a:r>
+                      <a:r>
+                        <a:rPr lang="en-US" baseline="0" dirty="0" smtClean="0"/>
+                        <a:t> and MT reset to basal levels. </a:t>
+                      </a:r>
+                      <a:endParaRPr lang="en-US" dirty="0"/>
+                    </a:p>
+                  </a:txBody>
+                  <a:tcPr/>
+                </a:tc>
+              </a:tr>
+            </a:tbl>
+          </a:graphicData>
+        </a:graphic>
+      </p:graphicFrame>
+      <p:sp>
+        <p:nvSpPr>
+          <p:cNvPr id="25" name="TextBox 24"/>
+          <p:cNvSpPr txBox="1"/>
+          <p:nvPr/>
+        </p:nvSpPr>
+        <p:spPr>
+          <a:xfrm>
+            <a:off x="1738745" y="160020"/>
+            <a:ext cx="8799715" cy="461665"/>
+          </a:xfrm>
+          <a:prstGeom prst="rect">
+            <a:avLst/>
+          </a:prstGeom>
+          <a:noFill/>
+        </p:spPr>
+        <p:txBody>
+          <a:bodyPr wrap="square" rtlCol="0">
+            <a:spAutoFit/>
+          </a:bodyPr>
+          <a:lstStyle/>
+          <a:p>
+            <a:r>
+              <a:rPr lang="en-US" sz="2400" b="1" dirty="0" smtClean="0"/>
+              <a:t>Control of three </a:t>
+            </a:r>
+            <a:r>
+              <a:rPr lang="en-US" sz="2400" b="1" dirty="0"/>
+              <a:t>s</a:t>
+            </a:r>
+            <a:r>
+              <a:rPr lang="en-US" sz="2400" b="1" dirty="0" smtClean="0"/>
+              <a:t>tates between interphase and mitosis</a:t>
+            </a:r>
+            <a:endParaRPr lang="en-US" sz="2400" b="1" dirty="0"/>
+          </a:p>
+        </p:txBody>
+      </p:sp>
+      <p:grpSp>
+        <p:nvGrpSpPr>
+          <p:cNvPr id="14" name="Group 13"/>
+          <p:cNvGrpSpPr/>
+          <p:nvPr/>
+        </p:nvGrpSpPr>
+        <p:grpSpPr>
+          <a:xfrm>
+            <a:off x="4601187" y="1389040"/>
+            <a:ext cx="3557449" cy="2404305"/>
+            <a:chOff x="4725275" y="228600"/>
+            <a:chExt cx="3557449" cy="2404305"/>
+          </a:xfrm>
+        </p:grpSpPr>
+        <p:pic>
+          <p:nvPicPr>
+            <p:cNvPr id="16" name="Picture 15"/>
+            <p:cNvPicPr>
+              <a:picLocks noChangeAspect="1"/>
+            </p:cNvPicPr>
+            <p:nvPr/>
+          </p:nvPicPr>
+          <p:blipFill rotWithShape="1">
+            <a:blip r:embed="rId2"/>
+            <a:srcRect l="3253" r="5191" b="12671"/>
+            <a:stretch/>
+          </p:blipFill>
+          <p:spPr>
+            <a:xfrm>
+              <a:off x="4725275" y="228600"/>
+              <a:ext cx="3557449" cy="1651960"/>
+            </a:xfrm>
+            <a:prstGeom prst="rect">
+              <a:avLst/>
+            </a:prstGeom>
+          </p:spPr>
+        </p:pic>
+        <p:sp>
+          <p:nvSpPr>
+            <p:cNvPr id="17" name="Freeform 16"/>
+            <p:cNvSpPr/>
+            <p:nvPr/>
+          </p:nvSpPr>
+          <p:spPr>
+            <a:xfrm>
+              <a:off x="5849044" y="475792"/>
+              <a:ext cx="1215356" cy="1169165"/>
+            </a:xfrm>
+            <a:custGeom>
+              <a:avLst/>
+              <a:gdLst>
+                <a:gd name="connsiteX0" fmla="*/ 224018 w 692419"/>
+                <a:gd name="connsiteY0" fmla="*/ 0 h 949020"/>
+                <a:gd name="connsiteX1" fmla="*/ 657798 w 692419"/>
+                <a:gd name="connsiteY1" fmla="*/ 0 h 949020"/>
+                <a:gd name="connsiteX2" fmla="*/ 692419 w 692419"/>
+                <a:gd name="connsiteY2" fmla="*/ 946984 h 949020"/>
+                <a:gd name="connsiteX3" fmla="*/ 0 w 692419"/>
+                <a:gd name="connsiteY3" fmla="*/ 949020 h 949020"/>
+                <a:gd name="connsiteX4" fmla="*/ 224018 w 692419"/>
+                <a:gd name="connsiteY4" fmla="*/ 0 h 949020"/>
+                <a:gd name="connsiteX0" fmla="*/ 306703 w 692419"/>
+                <a:gd name="connsiteY0" fmla="*/ 42333 h 949020"/>
+                <a:gd name="connsiteX1" fmla="*/ 657798 w 692419"/>
+                <a:gd name="connsiteY1" fmla="*/ 0 h 949020"/>
+                <a:gd name="connsiteX2" fmla="*/ 692419 w 692419"/>
+                <a:gd name="connsiteY2" fmla="*/ 946984 h 949020"/>
+                <a:gd name="connsiteX3" fmla="*/ 0 w 692419"/>
+                <a:gd name="connsiteY3" fmla="*/ 949020 h 949020"/>
+                <a:gd name="connsiteX4" fmla="*/ 306703 w 692419"/>
+                <a:gd name="connsiteY4" fmla="*/ 42333 h 949020"/>
+                <a:gd name="connsiteX0" fmla="*/ 321737 w 692419"/>
+                <a:gd name="connsiteY0" fmla="*/ 0 h 949020"/>
+                <a:gd name="connsiteX1" fmla="*/ 657798 w 692419"/>
+                <a:gd name="connsiteY1" fmla="*/ 0 h 949020"/>
+                <a:gd name="connsiteX2" fmla="*/ 692419 w 692419"/>
+                <a:gd name="connsiteY2" fmla="*/ 946984 h 949020"/>
+                <a:gd name="connsiteX3" fmla="*/ 0 w 692419"/>
+                <a:gd name="connsiteY3" fmla="*/ 949020 h 949020"/>
+                <a:gd name="connsiteX4" fmla="*/ 321737 w 692419"/>
+                <a:gd name="connsiteY4" fmla="*/ 0 h 949020"/>
+                <a:gd name="connsiteX0" fmla="*/ 321737 w 752554"/>
+                <a:gd name="connsiteY0" fmla="*/ 0 h 968151"/>
+                <a:gd name="connsiteX1" fmla="*/ 657798 w 752554"/>
+                <a:gd name="connsiteY1" fmla="*/ 0 h 968151"/>
+                <a:gd name="connsiteX2" fmla="*/ 752554 w 752554"/>
+                <a:gd name="connsiteY2" fmla="*/ 968151 h 968151"/>
+                <a:gd name="connsiteX3" fmla="*/ 0 w 752554"/>
+                <a:gd name="connsiteY3" fmla="*/ 949020 h 968151"/>
+                <a:gd name="connsiteX4" fmla="*/ 321737 w 752554"/>
+                <a:gd name="connsiteY4" fmla="*/ 0 h 968151"/>
+                <a:gd name="connsiteX0" fmla="*/ 321737 w 752554"/>
+                <a:gd name="connsiteY0" fmla="*/ 0 h 968151"/>
+                <a:gd name="connsiteX1" fmla="*/ 702899 w 752554"/>
+                <a:gd name="connsiteY1" fmla="*/ 10583 h 968151"/>
+                <a:gd name="connsiteX2" fmla="*/ 752554 w 752554"/>
+                <a:gd name="connsiteY2" fmla="*/ 968151 h 968151"/>
+                <a:gd name="connsiteX3" fmla="*/ 0 w 752554"/>
+                <a:gd name="connsiteY3" fmla="*/ 949020 h 968151"/>
+                <a:gd name="connsiteX4" fmla="*/ 321737 w 752554"/>
+                <a:gd name="connsiteY4" fmla="*/ 0 h 968151"/>
+                <a:gd name="connsiteX0" fmla="*/ 321737 w 730004"/>
+                <a:gd name="connsiteY0" fmla="*/ 0 h 978734"/>
+                <a:gd name="connsiteX1" fmla="*/ 702899 w 730004"/>
+                <a:gd name="connsiteY1" fmla="*/ 10583 h 978734"/>
+                <a:gd name="connsiteX2" fmla="*/ 730004 w 730004"/>
+                <a:gd name="connsiteY2" fmla="*/ 978734 h 978734"/>
+                <a:gd name="connsiteX3" fmla="*/ 0 w 730004"/>
+                <a:gd name="connsiteY3" fmla="*/ 949020 h 978734"/>
+                <a:gd name="connsiteX4" fmla="*/ 321737 w 730004"/>
+                <a:gd name="connsiteY4" fmla="*/ 0 h 978734"/>
+                <a:gd name="connsiteX0" fmla="*/ 321737 w 730004"/>
+                <a:gd name="connsiteY0" fmla="*/ 0 h 978734"/>
+                <a:gd name="connsiteX1" fmla="*/ 687865 w 730004"/>
+                <a:gd name="connsiteY1" fmla="*/ 10583 h 978734"/>
+                <a:gd name="connsiteX2" fmla="*/ 730004 w 730004"/>
+                <a:gd name="connsiteY2" fmla="*/ 978734 h 978734"/>
+                <a:gd name="connsiteX3" fmla="*/ 0 w 730004"/>
+                <a:gd name="connsiteY3" fmla="*/ 949020 h 978734"/>
+                <a:gd name="connsiteX4" fmla="*/ 321737 w 730004"/>
+                <a:gd name="connsiteY4" fmla="*/ 0 h 978734"/>
+                <a:gd name="connsiteX0" fmla="*/ 321737 w 714970"/>
+                <a:gd name="connsiteY0" fmla="*/ 0 h 978734"/>
+                <a:gd name="connsiteX1" fmla="*/ 687865 w 714970"/>
+                <a:gd name="connsiteY1" fmla="*/ 10583 h 978734"/>
+                <a:gd name="connsiteX2" fmla="*/ 714970 w 714970"/>
+                <a:gd name="connsiteY2" fmla="*/ 978734 h 978734"/>
+                <a:gd name="connsiteX3" fmla="*/ 0 w 714970"/>
+                <a:gd name="connsiteY3" fmla="*/ 949020 h 978734"/>
+                <a:gd name="connsiteX4" fmla="*/ 321737 w 714970"/>
+                <a:gd name="connsiteY4" fmla="*/ 0 h 978734"/>
+                <a:gd name="connsiteX0" fmla="*/ 321737 w 722487"/>
+                <a:gd name="connsiteY0" fmla="*/ 0 h 978734"/>
+                <a:gd name="connsiteX1" fmla="*/ 687865 w 722487"/>
+                <a:gd name="connsiteY1" fmla="*/ 10583 h 978734"/>
+                <a:gd name="connsiteX2" fmla="*/ 722487 w 722487"/>
+                <a:gd name="connsiteY2" fmla="*/ 978734 h 978734"/>
+                <a:gd name="connsiteX3" fmla="*/ 0 w 722487"/>
+                <a:gd name="connsiteY3" fmla="*/ 949020 h 978734"/>
+                <a:gd name="connsiteX4" fmla="*/ 321737 w 722487"/>
+                <a:gd name="connsiteY4" fmla="*/ 0 h 978734"/>
+                <a:gd name="connsiteX0" fmla="*/ 324883 w 725633"/>
+                <a:gd name="connsiteY0" fmla="*/ 0 h 978734"/>
+                <a:gd name="connsiteX1" fmla="*/ 691011 w 725633"/>
+                <a:gd name="connsiteY1" fmla="*/ 10583 h 978734"/>
+                <a:gd name="connsiteX2" fmla="*/ 725633 w 725633"/>
+                <a:gd name="connsiteY2" fmla="*/ 978734 h 978734"/>
+                <a:gd name="connsiteX3" fmla="*/ 0 w 725633"/>
+                <a:gd name="connsiteY3" fmla="*/ 962311 h 978734"/>
+                <a:gd name="connsiteX4" fmla="*/ 324883 w 725633"/>
+                <a:gd name="connsiteY4" fmla="*/ 0 h 978734"/>
+                <a:gd name="connsiteX0" fmla="*/ 324883 w 719340"/>
+                <a:gd name="connsiteY0" fmla="*/ 0 h 974304"/>
+                <a:gd name="connsiteX1" fmla="*/ 691011 w 719340"/>
+                <a:gd name="connsiteY1" fmla="*/ 10583 h 974304"/>
+                <a:gd name="connsiteX2" fmla="*/ 719340 w 719340"/>
+                <a:gd name="connsiteY2" fmla="*/ 974304 h 974304"/>
+                <a:gd name="connsiteX3" fmla="*/ 0 w 719340"/>
+                <a:gd name="connsiteY3" fmla="*/ 962311 h 974304"/>
+                <a:gd name="connsiteX4" fmla="*/ 324883 w 719340"/>
+                <a:gd name="connsiteY4" fmla="*/ 0 h 974304"/>
+                <a:gd name="connsiteX0" fmla="*/ 324883 w 719340"/>
+                <a:gd name="connsiteY0" fmla="*/ 0 h 974304"/>
+                <a:gd name="connsiteX1" fmla="*/ 700450 w 719340"/>
+                <a:gd name="connsiteY1" fmla="*/ 15013 h 974304"/>
+                <a:gd name="connsiteX2" fmla="*/ 719340 w 719340"/>
+                <a:gd name="connsiteY2" fmla="*/ 974304 h 974304"/>
+                <a:gd name="connsiteX3" fmla="*/ 0 w 719340"/>
+                <a:gd name="connsiteY3" fmla="*/ 962311 h 974304"/>
+                <a:gd name="connsiteX4" fmla="*/ 324883 w 719340"/>
+                <a:gd name="connsiteY4" fmla="*/ 0 h 974304"/>
+                <a:gd name="connsiteX0" fmla="*/ 324883 w 719340"/>
+                <a:gd name="connsiteY0" fmla="*/ 0 h 974304"/>
+                <a:gd name="connsiteX1" fmla="*/ 709890 w 719340"/>
+                <a:gd name="connsiteY1" fmla="*/ 19443 h 974304"/>
+                <a:gd name="connsiteX2" fmla="*/ 719340 w 719340"/>
+                <a:gd name="connsiteY2" fmla="*/ 974304 h 974304"/>
+                <a:gd name="connsiteX3" fmla="*/ 0 w 719340"/>
+                <a:gd name="connsiteY3" fmla="*/ 962311 h 974304"/>
+                <a:gd name="connsiteX4" fmla="*/ 324883 w 719340"/>
+                <a:gd name="connsiteY4" fmla="*/ 0 h 974304"/>
+                <a:gd name="connsiteX0" fmla="*/ 324883 w 719340"/>
+                <a:gd name="connsiteY0" fmla="*/ 0 h 974304"/>
+                <a:gd name="connsiteX1" fmla="*/ 703597 w 719340"/>
+                <a:gd name="connsiteY1" fmla="*/ 6152 h 974304"/>
+                <a:gd name="connsiteX2" fmla="*/ 719340 w 719340"/>
+                <a:gd name="connsiteY2" fmla="*/ 974304 h 974304"/>
+                <a:gd name="connsiteX3" fmla="*/ 0 w 719340"/>
+                <a:gd name="connsiteY3" fmla="*/ 962311 h 974304"/>
+                <a:gd name="connsiteX4" fmla="*/ 324883 w 719340"/>
+                <a:gd name="connsiteY4" fmla="*/ 0 h 974304"/>
+              </a:gdLst>
+              <a:ahLst/>
+              <a:cxnLst>
+                <a:cxn ang="0">
+                  <a:pos x="connsiteX0" y="connsiteY0"/>
+                </a:cxn>
+                <a:cxn ang="0">
+                  <a:pos x="connsiteX1" y="connsiteY1"/>
+                </a:cxn>
+                <a:cxn ang="0">
+                  <a:pos x="connsiteX2" y="connsiteY2"/>
+                </a:cxn>
+                <a:cxn ang="0">
+                  <a:pos x="connsiteX3" y="connsiteY3"/>
+                </a:cxn>
+                <a:cxn ang="0">
+                  <a:pos x="connsiteX4" y="connsiteY4"/>
+                </a:cxn>
+              </a:cxnLst>
+              <a:rect l="l" t="t" r="r" b="b"/>
+              <a:pathLst>
+                <a:path w="719340" h="974304">
+                  <a:moveTo>
+                    <a:pt x="324883" y="0"/>
+                  </a:moveTo>
+                  <a:lnTo>
+                    <a:pt x="703597" y="6152"/>
+                  </a:lnTo>
+                  <a:lnTo>
+                    <a:pt x="719340" y="974304"/>
+                  </a:lnTo>
+                  <a:lnTo>
+                    <a:pt x="0" y="962311"/>
+                  </a:lnTo>
+                  <a:lnTo>
+                    <a:pt x="324883" y="0"/>
+                  </a:lnTo>
+                  <a:close/>
+                </a:path>
+              </a:pathLst>
+            </a:custGeom>
+            <a:solidFill>
+              <a:schemeClr val="tx1">
+                <a:lumMod val="50000"/>
+                <a:lumOff val="50000"/>
+                <a:alpha val="30000"/>
+              </a:schemeClr>
+            </a:solidFill>
+            <a:ln>
+              <a:noFill/>
+            </a:ln>
+          </p:spPr>
+          <p:style>
+            <a:lnRef idx="2">
+              <a:schemeClr val="accent1">
+                <a:shade val="50000"/>
+              </a:schemeClr>
+            </a:lnRef>
+            <a:fillRef idx="1">
+              <a:schemeClr val="accent1"/>
+            </a:fillRef>
+            <a:effectRef idx="0">
+              <a:schemeClr val="accent1"/>
+            </a:effectRef>
+            <a:fontRef idx="minor">
+              <a:schemeClr val="lt1"/>
+            </a:fontRef>
+          </p:style>
+          <p:txBody>
+            <a:bodyPr lIns="114949" tIns="57475" rIns="114949" bIns="57475" rtlCol="0" anchor="ctr"/>
+            <a:lstStyle/>
+            <a:p>
+              <a:pPr algn="ctr"/>
+              <a:endParaRPr lang="en-US"/>
+            </a:p>
+          </p:txBody>
+        </p:sp>
+        <p:cxnSp>
+          <p:nvCxnSpPr>
+            <p:cNvPr id="18" name="Straight Connector 17"/>
+            <p:cNvCxnSpPr/>
+            <p:nvPr/>
+          </p:nvCxnSpPr>
+          <p:spPr>
+            <a:xfrm>
+              <a:off x="5106275" y="2280635"/>
+              <a:ext cx="770522" cy="0"/>
+            </a:xfrm>
+            <a:prstGeom prst="line">
+              <a:avLst/>
+            </a:prstGeom>
+            <a:ln w="101600">
+              <a:solidFill>
+                <a:srgbClr val="00B0F0"/>
+              </a:solidFill>
+            </a:ln>
+          </p:spPr>
+          <p:style>
+            <a:lnRef idx="1">
+              <a:schemeClr val="accent1"/>
+            </a:lnRef>
+            <a:fillRef idx="0">
+              <a:schemeClr val="accent1"/>
+            </a:fillRef>
+            <a:effectRef idx="0">
+              <a:schemeClr val="accent1"/>
+            </a:effectRef>
+            <a:fontRef idx="minor">
+              <a:schemeClr val="tx1"/>
+            </a:fontRef>
+          </p:style>
+        </p:cxnSp>
+        <p:sp>
+          <p:nvSpPr>
+            <p:cNvPr id="21" name="TextBox 20"/>
+            <p:cNvSpPr txBox="1"/>
+            <p:nvPr/>
+          </p:nvSpPr>
+          <p:spPr>
+            <a:xfrm>
+              <a:off x="5009792" y="2286000"/>
+              <a:ext cx="3087274" cy="346905"/>
+            </a:xfrm>
+            <a:prstGeom prst="rect">
+              <a:avLst/>
+            </a:prstGeom>
+            <a:noFill/>
+            <a:ln>
+              <a:noFill/>
+            </a:ln>
+          </p:spPr>
+          <p:txBody>
+            <a:bodyPr wrap="square" lIns="114949" tIns="57475" rIns="114949" bIns="57475" rtlCol="0">
+              <a:spAutoFit/>
+            </a:bodyPr>
+            <a:lstStyle/>
+            <a:p>
+              <a:r>
+                <a:rPr lang="en-US" sz="1500" b="1" dirty="0">
+                  <a:latin typeface="Arial" panose="020B0604020202020204" pitchFamily="34" charset="0"/>
+                  <a:cs typeface="Arial" panose="020B0604020202020204" pitchFamily="34" charset="0"/>
+                </a:rPr>
+                <a:t>State: 0         </a:t>
+              </a:r>
+              <a:r>
+                <a:rPr lang="en-US" sz="1500" b="1" dirty="0" smtClean="0">
+                  <a:latin typeface="Arial" panose="020B0604020202020204" pitchFamily="34" charset="0"/>
+                  <a:cs typeface="Arial" panose="020B0604020202020204" pitchFamily="34" charset="0"/>
+                </a:rPr>
+                <a:t>   1              2        0</a:t>
+              </a:r>
+              <a:endParaRPr lang="en-US" sz="1500" b="1" dirty="0">
+                <a:latin typeface="Arial" panose="020B0604020202020204" pitchFamily="34" charset="0"/>
+                <a:cs typeface="Arial" panose="020B0604020202020204" pitchFamily="34" charset="0"/>
+              </a:endParaRPr>
+            </a:p>
+          </p:txBody>
+        </p:sp>
+        <p:cxnSp>
+          <p:nvCxnSpPr>
+            <p:cNvPr id="23" name="Straight Arrow Connector 22"/>
+            <p:cNvCxnSpPr/>
+            <p:nvPr/>
+          </p:nvCxnSpPr>
+          <p:spPr>
+            <a:xfrm flipV="1">
+              <a:off x="5876796" y="1938632"/>
+              <a:ext cx="0" cy="274320"/>
+            </a:xfrm>
+            <a:prstGeom prst="straightConnector1">
+              <a:avLst/>
+            </a:prstGeom>
+            <a:ln w="19050">
+              <a:solidFill>
+                <a:schemeClr val="tx1"/>
+              </a:solidFill>
+              <a:tailEnd type="triangle"/>
+            </a:ln>
+          </p:spPr>
+          <p:style>
+            <a:lnRef idx="1">
+              <a:schemeClr val="accent1"/>
+            </a:lnRef>
+            <a:fillRef idx="0">
+              <a:schemeClr val="accent1"/>
+            </a:fillRef>
+            <a:effectRef idx="0">
+              <a:schemeClr val="accent1"/>
+            </a:effectRef>
+            <a:fontRef idx="minor">
+              <a:schemeClr val="tx1"/>
+            </a:fontRef>
+          </p:style>
+        </p:cxnSp>
+        <p:cxnSp>
+          <p:nvCxnSpPr>
+            <p:cNvPr id="26" name="Straight Connector 25"/>
+            <p:cNvCxnSpPr/>
+            <p:nvPr/>
+          </p:nvCxnSpPr>
+          <p:spPr>
+            <a:xfrm>
+              <a:off x="5876797" y="2280636"/>
+              <a:ext cx="1191313" cy="1536"/>
+            </a:xfrm>
+            <a:prstGeom prst="line">
+              <a:avLst/>
+            </a:prstGeom>
+            <a:ln w="101600">
+              <a:solidFill>
+                <a:schemeClr val="accent2"/>
+              </a:solidFill>
+            </a:ln>
+          </p:spPr>
+          <p:style>
+            <a:lnRef idx="1">
+              <a:schemeClr val="accent1"/>
+            </a:lnRef>
+            <a:fillRef idx="0">
+              <a:schemeClr val="accent1"/>
+            </a:fillRef>
+            <a:effectRef idx="0">
+              <a:schemeClr val="accent1"/>
+            </a:effectRef>
+            <a:fontRef idx="minor">
+              <a:schemeClr val="tx1"/>
+            </a:fontRef>
+          </p:style>
+        </p:cxnSp>
+        <p:cxnSp>
+          <p:nvCxnSpPr>
+            <p:cNvPr id="27" name="Straight Arrow Connector 26"/>
+            <p:cNvCxnSpPr/>
+            <p:nvPr/>
+          </p:nvCxnSpPr>
+          <p:spPr>
+            <a:xfrm flipV="1">
+              <a:off x="7068319" y="1938632"/>
+              <a:ext cx="0" cy="274320"/>
+            </a:xfrm>
+            <a:prstGeom prst="straightConnector1">
+              <a:avLst/>
+            </a:prstGeom>
+            <a:ln w="19050">
+              <a:solidFill>
+                <a:schemeClr val="tx1"/>
+              </a:solidFill>
+              <a:tailEnd type="triangle"/>
+            </a:ln>
+          </p:spPr>
+          <p:style>
+            <a:lnRef idx="1">
+              <a:schemeClr val="accent1"/>
+            </a:lnRef>
+            <a:fillRef idx="0">
+              <a:schemeClr val="accent1"/>
+            </a:fillRef>
+            <a:effectRef idx="0">
+              <a:schemeClr val="accent1"/>
+            </a:effectRef>
+            <a:fontRef idx="minor">
+              <a:schemeClr val="tx1"/>
+            </a:fontRef>
+          </p:style>
+        </p:cxnSp>
+        <p:cxnSp>
+          <p:nvCxnSpPr>
+            <p:cNvPr id="28" name="Straight Connector 27"/>
+            <p:cNvCxnSpPr/>
+            <p:nvPr/>
+          </p:nvCxnSpPr>
+          <p:spPr>
+            <a:xfrm>
+              <a:off x="7031824" y="483225"/>
+              <a:ext cx="36286" cy="1184798"/>
+            </a:xfrm>
+            <a:prstGeom prst="line">
+              <a:avLst/>
+            </a:prstGeom>
+            <a:ln w="19050">
+              <a:solidFill>
+                <a:schemeClr val="tx1">
+                  <a:lumMod val="50000"/>
+                  <a:lumOff val="50000"/>
+                </a:schemeClr>
+              </a:solidFill>
+              <a:prstDash val="dash"/>
+            </a:ln>
+          </p:spPr>
+          <p:style>
+            <a:lnRef idx="1">
+              <a:schemeClr val="accent1"/>
+            </a:lnRef>
+            <a:fillRef idx="0">
+              <a:schemeClr val="accent1"/>
+            </a:fillRef>
+            <a:effectRef idx="0">
+              <a:schemeClr val="accent1"/>
+            </a:effectRef>
+            <a:fontRef idx="minor">
+              <a:schemeClr val="tx1"/>
+            </a:fontRef>
+          </p:style>
+        </p:cxnSp>
+        <p:cxnSp>
+          <p:nvCxnSpPr>
+            <p:cNvPr id="29" name="Straight Arrow Connector 28"/>
+            <p:cNvCxnSpPr/>
+            <p:nvPr/>
+          </p:nvCxnSpPr>
+          <p:spPr>
+            <a:xfrm flipV="1">
+              <a:off x="7587757" y="1938632"/>
+              <a:ext cx="0" cy="274320"/>
+            </a:xfrm>
+            <a:prstGeom prst="straightConnector1">
+              <a:avLst/>
+            </a:prstGeom>
+            <a:ln w="19050">
+              <a:solidFill>
+                <a:schemeClr val="tx1"/>
+              </a:solidFill>
+              <a:tailEnd type="triangle"/>
+            </a:ln>
+          </p:spPr>
+          <p:style>
+            <a:lnRef idx="1">
+              <a:schemeClr val="accent1"/>
+            </a:lnRef>
+            <a:fillRef idx="0">
+              <a:schemeClr val="accent1"/>
+            </a:fillRef>
+            <a:effectRef idx="0">
+              <a:schemeClr val="accent1"/>
+            </a:effectRef>
+            <a:fontRef idx="minor">
+              <a:schemeClr val="tx1"/>
+            </a:fontRef>
+          </p:style>
+        </p:cxnSp>
+        <p:cxnSp>
+          <p:nvCxnSpPr>
+            <p:cNvPr id="30" name="Straight Connector 29"/>
+            <p:cNvCxnSpPr/>
+            <p:nvPr/>
+          </p:nvCxnSpPr>
+          <p:spPr>
+            <a:xfrm>
+              <a:off x="7068110" y="2282172"/>
+              <a:ext cx="532263" cy="0"/>
+            </a:xfrm>
+            <a:prstGeom prst="line">
+              <a:avLst/>
+            </a:prstGeom>
+            <a:ln w="101600">
+              <a:solidFill>
+                <a:schemeClr val="accent6"/>
+              </a:solidFill>
+            </a:ln>
+          </p:spPr>
+          <p:style>
+            <a:lnRef idx="1">
+              <a:schemeClr val="accent1"/>
+            </a:lnRef>
+            <a:fillRef idx="0">
+              <a:schemeClr val="accent1"/>
+            </a:fillRef>
+            <a:effectRef idx="0">
+              <a:schemeClr val="accent1"/>
+            </a:effectRef>
+            <a:fontRef idx="minor">
+              <a:schemeClr val="tx1"/>
+            </a:fontRef>
+          </p:style>
+        </p:cxnSp>
+        <p:cxnSp>
+          <p:nvCxnSpPr>
+            <p:cNvPr id="31" name="Straight Connector 30"/>
+            <p:cNvCxnSpPr/>
+            <p:nvPr/>
+          </p:nvCxnSpPr>
+          <p:spPr>
+            <a:xfrm flipV="1">
+              <a:off x="7593549" y="2280061"/>
+              <a:ext cx="554772" cy="2111"/>
+            </a:xfrm>
+            <a:prstGeom prst="line">
+              <a:avLst/>
+            </a:prstGeom>
+            <a:ln w="101600">
+              <a:solidFill>
+                <a:srgbClr val="00B0F0"/>
+              </a:solidFill>
+            </a:ln>
+          </p:spPr>
+          <p:style>
+            <a:lnRef idx="1">
+              <a:schemeClr val="accent1"/>
+            </a:lnRef>
+            <a:fillRef idx="0">
+              <a:schemeClr val="accent1"/>
+            </a:fillRef>
+            <a:effectRef idx="0">
+              <a:schemeClr val="accent1"/>
+            </a:effectRef>
+            <a:fontRef idx="minor">
+              <a:schemeClr val="tx1"/>
+            </a:fontRef>
+          </p:style>
+        </p:cxnSp>
+        <p:sp>
+          <p:nvSpPr>
+            <p:cNvPr id="32" name="TextBox 31"/>
+            <p:cNvSpPr txBox="1"/>
+            <p:nvPr/>
+          </p:nvSpPr>
+          <p:spPr>
+            <a:xfrm>
+              <a:off x="5922937" y="1898355"/>
+              <a:ext cx="1127988" cy="254047"/>
+            </a:xfrm>
+            <a:prstGeom prst="rect">
+              <a:avLst/>
+            </a:prstGeom>
+            <a:noFill/>
+          </p:spPr>
+          <p:txBody>
+            <a:bodyPr wrap="square" lIns="11495" tIns="11495" rIns="11495" bIns="11495" rtlCol="0">
+              <a:spAutoFit/>
+            </a:bodyPr>
+            <a:lstStyle/>
+            <a:p>
+              <a:pPr algn="ctr"/>
+              <a:r>
+                <a:rPr lang="en-US" sz="1500" b="1" dirty="0">
+                  <a:latin typeface="Arial" panose="020B0604020202020204" pitchFamily="34" charset="0"/>
+                  <a:cs typeface="Arial" panose="020B0604020202020204" pitchFamily="34" charset="0"/>
+                </a:rPr>
+                <a:t>Time (min)</a:t>
+              </a:r>
+            </a:p>
+          </p:txBody>
+        </p:sp>
+      </p:grpSp>
+    </p:spTree>
+    <p:extLst>
+      <p:ext uri="{BB962C8B-B14F-4D97-AF65-F5344CB8AC3E}">
+        <p14:creationId xmlns:p14="http://schemas.microsoft.com/office/powerpoint/2010/main" val="958883708"/>
       </p:ext>
     </p:extLst>
   </p:cSld>
@@ -7394,957 +9043,122 @@
           <a:chExt cx="0" cy="0"/>
         </a:xfrm>
       </p:grpSpPr>
-      <p:grpSp>
-        <p:nvGrpSpPr>
-          <p:cNvPr id="3" name="Group 2"/>
-          <p:cNvGrpSpPr/>
+      <p:pic>
+        <p:nvPicPr>
+          <p:cNvPr id="4" name="Picture 3"/>
+          <p:cNvPicPr>
+            <a:picLocks noChangeAspect="1"/>
+          </p:cNvPicPr>
           <p:nvPr/>
-        </p:nvGrpSpPr>
-        <p:grpSpPr>
+        </p:nvPicPr>
+        <p:blipFill rotWithShape="1">
+          <a:blip r:embed="rId2"/>
+          <a:srcRect l="4051" t="2412" r="5318" b="3031"/>
+          <a:stretch/>
+        </p:blipFill>
+        <p:spPr>
           <a:xfrm>
-            <a:off x="7840392" y="544042"/>
-            <a:ext cx="4225660" cy="2344072"/>
-            <a:chOff x="7840392" y="544042"/>
-            <a:chExt cx="4225660" cy="2344072"/>
+            <a:off x="425595" y="373264"/>
+            <a:ext cx="10903528" cy="6484736"/>
           </a:xfrm>
-        </p:grpSpPr>
-        <p:sp>
-          <p:nvSpPr>
-            <p:cNvPr id="76" name="TextBox 75"/>
-            <p:cNvSpPr txBox="1"/>
-            <p:nvPr/>
-          </p:nvSpPr>
-          <p:spPr>
-            <a:xfrm>
-              <a:off x="9549181" y="544042"/>
-              <a:ext cx="527221" cy="584775"/>
-            </a:xfrm>
-            <a:prstGeom prst="rect">
-              <a:avLst/>
-            </a:prstGeom>
-            <a:noFill/>
-          </p:spPr>
-          <p:txBody>
-            <a:bodyPr wrap="square" rtlCol="0">
-              <a:spAutoFit/>
-            </a:bodyPr>
-            <a:lstStyle/>
-            <a:p>
-              <a:r>
-                <a:rPr lang="en-US" sz="3200" b="1" dirty="0" smtClean="0">
-                  <a:solidFill>
-                    <a:schemeClr val="accent2">
-                      <a:lumMod val="75000"/>
-                    </a:schemeClr>
-                  </a:solidFill>
-                </a:rPr>
-                <a:t>x</a:t>
-              </a:r>
-              <a:endParaRPr lang="en-US" sz="3200" b="1" dirty="0">
-                <a:solidFill>
-                  <a:schemeClr val="accent2">
-                    <a:lumMod val="75000"/>
-                  </a:schemeClr>
-                </a:solidFill>
-              </a:endParaRPr>
-            </a:p>
-          </p:txBody>
-        </p:sp>
-        <p:sp>
-          <p:nvSpPr>
-            <p:cNvPr id="77" name="TextBox 76"/>
-            <p:cNvSpPr txBox="1"/>
-            <p:nvPr/>
-          </p:nvSpPr>
-          <p:spPr>
-            <a:xfrm>
-              <a:off x="9853730" y="1727224"/>
-              <a:ext cx="527221" cy="584775"/>
-            </a:xfrm>
-            <a:prstGeom prst="rect">
-              <a:avLst/>
-            </a:prstGeom>
-            <a:noFill/>
-          </p:spPr>
-          <p:txBody>
-            <a:bodyPr wrap="square" rtlCol="0">
-              <a:spAutoFit/>
-            </a:bodyPr>
-            <a:lstStyle/>
-            <a:p>
-              <a:r>
-                <a:rPr lang="en-US" sz="3200" b="1" dirty="0" smtClean="0">
-                  <a:solidFill>
-                    <a:schemeClr val="accent4"/>
-                  </a:solidFill>
-                </a:rPr>
-                <a:t>x</a:t>
-              </a:r>
-              <a:endParaRPr lang="en-US" sz="3200" b="1" dirty="0">
-                <a:solidFill>
-                  <a:schemeClr val="accent4"/>
-                </a:solidFill>
-              </a:endParaRPr>
-            </a:p>
-          </p:txBody>
-        </p:sp>
-        <p:grpSp>
-          <p:nvGrpSpPr>
-            <p:cNvPr id="33" name="Group 32"/>
-            <p:cNvGrpSpPr/>
-            <p:nvPr/>
-          </p:nvGrpSpPr>
-          <p:grpSpPr>
-            <a:xfrm>
-              <a:off x="7840392" y="1250823"/>
-              <a:ext cx="4225660" cy="1637291"/>
-              <a:chOff x="797041" y="1141135"/>
-              <a:chExt cx="4225660" cy="1637291"/>
-            </a:xfrm>
-          </p:grpSpPr>
-          <p:grpSp>
-            <p:nvGrpSpPr>
-              <p:cNvPr id="34" name="Group 33"/>
-              <p:cNvGrpSpPr/>
-              <p:nvPr/>
-            </p:nvGrpSpPr>
-            <p:grpSpPr>
-              <a:xfrm>
-                <a:off x="797041" y="1172540"/>
-                <a:ext cx="818865" cy="655092"/>
-                <a:chOff x="2586251" y="1153236"/>
-                <a:chExt cx="818865" cy="655092"/>
-              </a:xfrm>
-            </p:grpSpPr>
-            <p:sp>
-              <p:nvSpPr>
-                <p:cNvPr id="85" name="Oval 84"/>
-                <p:cNvSpPr/>
-                <p:nvPr/>
-              </p:nvSpPr>
-              <p:spPr>
-                <a:xfrm>
-                  <a:off x="2586251" y="1153236"/>
-                  <a:ext cx="818865" cy="655092"/>
-                </a:xfrm>
-                <a:prstGeom prst="ellipse">
-                  <a:avLst/>
-                </a:prstGeom>
-                <a:noFill/>
-                <a:ln w="19050"/>
-              </p:spPr>
-              <p:style>
-                <a:lnRef idx="2">
-                  <a:schemeClr val="accent1">
-                    <a:shade val="50000"/>
-                  </a:schemeClr>
-                </a:lnRef>
-                <a:fillRef idx="1">
-                  <a:schemeClr val="accent1"/>
-                </a:fillRef>
-                <a:effectRef idx="0">
-                  <a:schemeClr val="accent1"/>
-                </a:effectRef>
-                <a:fontRef idx="minor">
-                  <a:schemeClr val="lt1"/>
-                </a:fontRef>
-              </p:style>
-              <p:txBody>
-                <a:bodyPr rtlCol="0" anchor="ctr"/>
-                <a:lstStyle/>
-                <a:p>
-                  <a:pPr algn="ctr"/>
-                  <a:endParaRPr lang="en-US" b="1"/>
-                </a:p>
-              </p:txBody>
-            </p:sp>
-            <p:sp>
-              <p:nvSpPr>
-                <p:cNvPr id="86" name="TextBox 85"/>
-                <p:cNvSpPr txBox="1"/>
-                <p:nvPr/>
-              </p:nvSpPr>
-              <p:spPr>
-                <a:xfrm>
-                  <a:off x="2715904" y="1289713"/>
-                  <a:ext cx="559559" cy="369332"/>
-                </a:xfrm>
-                <a:prstGeom prst="rect">
-                  <a:avLst/>
-                </a:prstGeom>
-                <a:noFill/>
-              </p:spPr>
-              <p:txBody>
-                <a:bodyPr wrap="square" rtlCol="0">
-                  <a:spAutoFit/>
-                </a:bodyPr>
-                <a:lstStyle/>
-                <a:p>
-                  <a:pPr algn="ctr"/>
-                  <a:r>
-                    <a:rPr lang="en-US" b="1" dirty="0" smtClean="0"/>
-                    <a:t>MT</a:t>
-                  </a:r>
-                  <a:endParaRPr lang="en-US" b="1" dirty="0"/>
-                </a:p>
-              </p:txBody>
-            </p:sp>
-          </p:grpSp>
-          <p:grpSp>
-            <p:nvGrpSpPr>
-              <p:cNvPr id="35" name="Group 34"/>
-              <p:cNvGrpSpPr/>
-              <p:nvPr/>
-            </p:nvGrpSpPr>
-            <p:grpSpPr>
-              <a:xfrm>
-                <a:off x="1486253" y="2123334"/>
-                <a:ext cx="818865" cy="655092"/>
-                <a:chOff x="3275463" y="2104030"/>
-                <a:chExt cx="818865" cy="655092"/>
-              </a:xfrm>
-            </p:grpSpPr>
-            <p:sp>
-              <p:nvSpPr>
-                <p:cNvPr id="83" name="Oval 82"/>
-                <p:cNvSpPr/>
-                <p:nvPr/>
-              </p:nvSpPr>
-              <p:spPr>
-                <a:xfrm>
-                  <a:off x="3275463" y="2104030"/>
-                  <a:ext cx="818865" cy="655092"/>
-                </a:xfrm>
-                <a:prstGeom prst="ellipse">
-                  <a:avLst/>
-                </a:prstGeom>
-                <a:noFill/>
-                <a:ln w="19050"/>
-              </p:spPr>
-              <p:style>
-                <a:lnRef idx="2">
-                  <a:schemeClr val="accent1">
-                    <a:shade val="50000"/>
-                  </a:schemeClr>
-                </a:lnRef>
-                <a:fillRef idx="1">
-                  <a:schemeClr val="accent1"/>
-                </a:fillRef>
-                <a:effectRef idx="0">
-                  <a:schemeClr val="accent1"/>
-                </a:effectRef>
-                <a:fontRef idx="minor">
-                  <a:schemeClr val="lt1"/>
-                </a:fontRef>
-              </p:style>
-              <p:txBody>
-                <a:bodyPr rtlCol="0" anchor="ctr"/>
-                <a:lstStyle/>
-                <a:p>
-                  <a:pPr algn="ctr"/>
-                  <a:endParaRPr lang="en-US" b="1"/>
-                </a:p>
-              </p:txBody>
-            </p:sp>
-            <p:sp>
-              <p:nvSpPr>
-                <p:cNvPr id="84" name="TextBox 83"/>
-                <p:cNvSpPr txBox="1"/>
-                <p:nvPr/>
-              </p:nvSpPr>
-              <p:spPr>
-                <a:xfrm>
-                  <a:off x="3295934" y="2240507"/>
-                  <a:ext cx="798394" cy="295466"/>
-                </a:xfrm>
-                <a:prstGeom prst="rect">
-                  <a:avLst/>
-                </a:prstGeom>
-                <a:noFill/>
-              </p:spPr>
-              <p:txBody>
-                <a:bodyPr wrap="square" lIns="9144" tIns="9144" rIns="9144" bIns="9144" rtlCol="0">
-                  <a:spAutoFit/>
-                </a:bodyPr>
-                <a:lstStyle/>
-                <a:p>
-                  <a:pPr algn="ctr"/>
-                  <a:r>
-                    <a:rPr lang="en-US" b="1" dirty="0" smtClean="0"/>
-                    <a:t>H3K9M</a:t>
-                  </a:r>
-                  <a:endParaRPr lang="en-US" b="1" dirty="0"/>
-                </a:p>
-              </p:txBody>
-            </p:sp>
-          </p:grpSp>
-          <p:grpSp>
-            <p:nvGrpSpPr>
-              <p:cNvPr id="36" name="Group 35"/>
-              <p:cNvGrpSpPr/>
-              <p:nvPr/>
-            </p:nvGrpSpPr>
-            <p:grpSpPr>
-              <a:xfrm>
-                <a:off x="2102789" y="1168412"/>
-                <a:ext cx="818865" cy="655092"/>
-                <a:chOff x="3275463" y="2104030"/>
-                <a:chExt cx="818865" cy="655092"/>
-              </a:xfrm>
-            </p:grpSpPr>
-            <p:sp>
-              <p:nvSpPr>
-                <p:cNvPr id="81" name="Oval 80"/>
-                <p:cNvSpPr/>
-                <p:nvPr/>
-              </p:nvSpPr>
-              <p:spPr>
-                <a:xfrm>
-                  <a:off x="3275463" y="2104030"/>
-                  <a:ext cx="818865" cy="655092"/>
-                </a:xfrm>
-                <a:prstGeom prst="ellipse">
-                  <a:avLst/>
-                </a:prstGeom>
-                <a:noFill/>
-                <a:ln w="19050"/>
-              </p:spPr>
-              <p:style>
-                <a:lnRef idx="2">
-                  <a:schemeClr val="accent1">
-                    <a:shade val="50000"/>
-                  </a:schemeClr>
-                </a:lnRef>
-                <a:fillRef idx="1">
-                  <a:schemeClr val="accent1"/>
-                </a:fillRef>
-                <a:effectRef idx="0">
-                  <a:schemeClr val="accent1"/>
-                </a:effectRef>
-                <a:fontRef idx="minor">
-                  <a:schemeClr val="lt1"/>
-                </a:fontRef>
-              </p:style>
-              <p:txBody>
-                <a:bodyPr rtlCol="0" anchor="ctr"/>
-                <a:lstStyle/>
-                <a:p>
-                  <a:pPr algn="ctr"/>
-                  <a:endParaRPr lang="en-US" b="1"/>
-                </a:p>
-              </p:txBody>
-            </p:sp>
-            <p:sp>
-              <p:nvSpPr>
-                <p:cNvPr id="82" name="TextBox 81"/>
-                <p:cNvSpPr txBox="1"/>
-                <p:nvPr/>
-              </p:nvSpPr>
-              <p:spPr>
-                <a:xfrm>
-                  <a:off x="3275464" y="2240507"/>
-                  <a:ext cx="757450" cy="369332"/>
-                </a:xfrm>
-                <a:prstGeom prst="rect">
-                  <a:avLst/>
-                </a:prstGeom>
-                <a:noFill/>
-              </p:spPr>
-              <p:txBody>
-                <a:bodyPr wrap="square" rtlCol="0">
-                  <a:spAutoFit/>
-                </a:bodyPr>
-                <a:lstStyle/>
-                <a:p>
-                  <a:pPr algn="ctr"/>
-                  <a:r>
-                    <a:rPr lang="en-US" b="1" dirty="0" smtClean="0"/>
-                    <a:t>KDM</a:t>
-                  </a:r>
-                  <a:endParaRPr lang="en-US" b="1" dirty="0"/>
-                </a:p>
-              </p:txBody>
-            </p:sp>
-          </p:grpSp>
-          <p:grpSp>
-            <p:nvGrpSpPr>
-              <p:cNvPr id="37" name="Group 36"/>
-              <p:cNvGrpSpPr/>
-              <p:nvPr/>
-            </p:nvGrpSpPr>
-            <p:grpSpPr>
-              <a:xfrm>
-                <a:off x="2860240" y="2123334"/>
-                <a:ext cx="851413" cy="655092"/>
-                <a:chOff x="3242915" y="2104030"/>
-                <a:chExt cx="851413" cy="655092"/>
-              </a:xfrm>
-            </p:grpSpPr>
-            <p:sp>
-              <p:nvSpPr>
-                <p:cNvPr id="79" name="Oval 78"/>
-                <p:cNvSpPr/>
-                <p:nvPr/>
-              </p:nvSpPr>
-              <p:spPr>
-                <a:xfrm>
-                  <a:off x="3275463" y="2104030"/>
-                  <a:ext cx="818865" cy="655092"/>
-                </a:xfrm>
-                <a:prstGeom prst="ellipse">
-                  <a:avLst/>
-                </a:prstGeom>
-                <a:noFill/>
-                <a:ln w="19050"/>
-              </p:spPr>
-              <p:style>
-                <a:lnRef idx="2">
-                  <a:schemeClr val="accent1">
-                    <a:shade val="50000"/>
-                  </a:schemeClr>
-                </a:lnRef>
-                <a:fillRef idx="1">
-                  <a:schemeClr val="accent1"/>
-                </a:fillRef>
-                <a:effectRef idx="0">
-                  <a:schemeClr val="accent1"/>
-                </a:effectRef>
-                <a:fontRef idx="minor">
-                  <a:schemeClr val="lt1"/>
-                </a:fontRef>
-              </p:style>
-              <p:txBody>
-                <a:bodyPr rtlCol="0" anchor="ctr"/>
-                <a:lstStyle/>
-                <a:p>
-                  <a:pPr algn="ctr"/>
-                  <a:endParaRPr lang="en-US" b="1"/>
-                </a:p>
-              </p:txBody>
-            </p:sp>
-            <p:sp>
-              <p:nvSpPr>
-                <p:cNvPr id="80" name="TextBox 79"/>
-                <p:cNvSpPr txBox="1"/>
-                <p:nvPr/>
-              </p:nvSpPr>
-              <p:spPr>
-                <a:xfrm>
-                  <a:off x="3242915" y="2240507"/>
-                  <a:ext cx="851413" cy="295466"/>
-                </a:xfrm>
-                <a:prstGeom prst="rect">
-                  <a:avLst/>
-                </a:prstGeom>
-                <a:noFill/>
-              </p:spPr>
-              <p:txBody>
-                <a:bodyPr wrap="square" lIns="9144" tIns="9144" rIns="9144" bIns="9144" rtlCol="0">
-                  <a:spAutoFit/>
-                </a:bodyPr>
-                <a:lstStyle/>
-                <a:p>
-                  <a:pPr algn="ctr"/>
-                  <a:r>
-                    <a:rPr lang="en-US" b="1" dirty="0" smtClean="0"/>
-                    <a:t>H3S10P</a:t>
-                  </a:r>
-                  <a:endParaRPr lang="en-US" b="1" dirty="0"/>
-                </a:p>
-              </p:txBody>
-            </p:sp>
-          </p:grpSp>
-          <p:cxnSp>
-            <p:nvCxnSpPr>
-              <p:cNvPr id="38" name="Straight Arrow Connector 37"/>
-              <p:cNvCxnSpPr/>
-              <p:nvPr/>
-            </p:nvCxnSpPr>
-            <p:spPr>
-              <a:xfrm>
-                <a:off x="1480724" y="1720744"/>
-                <a:ext cx="263830" cy="402590"/>
-              </a:xfrm>
-              <a:prstGeom prst="straightConnector1">
-                <a:avLst/>
-              </a:prstGeom>
-              <a:ln w="19050">
-                <a:solidFill>
-                  <a:schemeClr val="tx1"/>
-                </a:solidFill>
-                <a:headEnd type="none"/>
-                <a:tailEnd type="arrow"/>
-              </a:ln>
-            </p:spPr>
-            <p:style>
-              <a:lnRef idx="1">
-                <a:schemeClr val="accent1"/>
-              </a:lnRef>
-              <a:fillRef idx="0">
-                <a:schemeClr val="accent1"/>
-              </a:fillRef>
-              <a:effectRef idx="0">
-                <a:schemeClr val="accent1"/>
-              </a:effectRef>
-              <a:fontRef idx="minor">
-                <a:schemeClr val="tx1"/>
-              </a:fontRef>
-            </p:style>
-          </p:cxnSp>
-          <p:cxnSp>
-            <p:nvCxnSpPr>
-              <p:cNvPr id="39" name="Straight Arrow Connector 38"/>
-              <p:cNvCxnSpPr/>
-              <p:nvPr/>
-            </p:nvCxnSpPr>
-            <p:spPr>
-              <a:xfrm flipH="1" flipV="1">
-                <a:off x="2792001" y="1710707"/>
-                <a:ext cx="360279" cy="425444"/>
-              </a:xfrm>
-              <a:prstGeom prst="straightConnector1">
-                <a:avLst/>
-              </a:prstGeom>
-              <a:ln w="19050">
-                <a:solidFill>
-                  <a:schemeClr val="tx1"/>
-                </a:solidFill>
-                <a:headEnd type="none"/>
-                <a:tailEnd type="arrow"/>
-              </a:ln>
-            </p:spPr>
-            <p:style>
-              <a:lnRef idx="1">
-                <a:schemeClr val="accent1"/>
-              </a:lnRef>
-              <a:fillRef idx="0">
-                <a:schemeClr val="accent1"/>
-              </a:fillRef>
-              <a:effectRef idx="0">
-                <a:schemeClr val="accent1"/>
-              </a:effectRef>
-              <a:fontRef idx="minor">
-                <a:schemeClr val="tx1"/>
-              </a:fontRef>
-            </p:style>
-          </p:cxnSp>
-          <p:grpSp>
-            <p:nvGrpSpPr>
-              <p:cNvPr id="40" name="Group 39"/>
-              <p:cNvGrpSpPr/>
-              <p:nvPr/>
-            </p:nvGrpSpPr>
-            <p:grpSpPr>
-              <a:xfrm>
-                <a:off x="4092152" y="1141135"/>
-                <a:ext cx="908212" cy="655092"/>
-                <a:chOff x="3230789" y="2104030"/>
-                <a:chExt cx="908212" cy="655092"/>
-              </a:xfrm>
-            </p:grpSpPr>
-            <p:sp>
-              <p:nvSpPr>
-                <p:cNvPr id="48" name="Oval 47"/>
-                <p:cNvSpPr/>
-                <p:nvPr/>
-              </p:nvSpPr>
-              <p:spPr>
-                <a:xfrm>
-                  <a:off x="3275463" y="2104030"/>
-                  <a:ext cx="818865" cy="655092"/>
-                </a:xfrm>
-                <a:prstGeom prst="ellipse">
-                  <a:avLst/>
-                </a:prstGeom>
-                <a:noFill/>
-                <a:ln w="19050"/>
-              </p:spPr>
-              <p:style>
-                <a:lnRef idx="2">
-                  <a:schemeClr val="accent1">
-                    <a:shade val="50000"/>
-                  </a:schemeClr>
-                </a:lnRef>
-                <a:fillRef idx="1">
-                  <a:schemeClr val="accent1"/>
-                </a:fillRef>
-                <a:effectRef idx="0">
-                  <a:schemeClr val="accent1"/>
-                </a:effectRef>
-                <a:fontRef idx="minor">
-                  <a:schemeClr val="lt1"/>
-                </a:fontRef>
-              </p:style>
-              <p:txBody>
-                <a:bodyPr rtlCol="0" anchor="ctr"/>
-                <a:lstStyle/>
-                <a:p>
-                  <a:pPr algn="ctr"/>
-                  <a:endParaRPr lang="en-US" b="1"/>
-                </a:p>
-              </p:txBody>
-            </p:sp>
-            <p:sp>
-              <p:nvSpPr>
-                <p:cNvPr id="49" name="TextBox 48"/>
-                <p:cNvSpPr txBox="1"/>
-                <p:nvPr/>
-              </p:nvSpPr>
-              <p:spPr>
-                <a:xfrm>
-                  <a:off x="3230789" y="2246910"/>
-                  <a:ext cx="908212" cy="369332"/>
-                </a:xfrm>
-                <a:prstGeom prst="rect">
-                  <a:avLst/>
-                </a:prstGeom>
-                <a:noFill/>
-              </p:spPr>
-              <p:txBody>
-                <a:bodyPr wrap="square" rtlCol="0">
-                  <a:spAutoFit/>
-                </a:bodyPr>
-                <a:lstStyle/>
-                <a:p>
-                  <a:pPr algn="ctr"/>
-                  <a:r>
-                    <a:rPr lang="en-US" b="1" dirty="0" smtClean="0"/>
-                    <a:t>Kinase</a:t>
-                  </a:r>
-                  <a:endParaRPr lang="en-US" b="1" dirty="0"/>
-                </a:p>
-              </p:txBody>
-            </p:sp>
-          </p:grpSp>
-          <p:grpSp>
-            <p:nvGrpSpPr>
-              <p:cNvPr id="41" name="Group 40"/>
-              <p:cNvGrpSpPr/>
-              <p:nvPr/>
-            </p:nvGrpSpPr>
-            <p:grpSpPr>
-              <a:xfrm>
-                <a:off x="4114489" y="2123334"/>
-                <a:ext cx="908212" cy="655092"/>
-                <a:chOff x="3230789" y="2104030"/>
-                <a:chExt cx="908212" cy="655092"/>
-              </a:xfrm>
-            </p:grpSpPr>
-            <p:sp>
-              <p:nvSpPr>
-                <p:cNvPr id="45" name="Oval 44"/>
-                <p:cNvSpPr/>
-                <p:nvPr/>
-              </p:nvSpPr>
-              <p:spPr>
-                <a:xfrm>
-                  <a:off x="3275463" y="2104030"/>
-                  <a:ext cx="818865" cy="655092"/>
-                </a:xfrm>
-                <a:prstGeom prst="ellipse">
-                  <a:avLst/>
-                </a:prstGeom>
-                <a:noFill/>
-                <a:ln w="19050"/>
-              </p:spPr>
-              <p:style>
-                <a:lnRef idx="2">
-                  <a:schemeClr val="accent1">
-                    <a:shade val="50000"/>
-                  </a:schemeClr>
-                </a:lnRef>
-                <a:fillRef idx="1">
-                  <a:schemeClr val="accent1"/>
-                </a:fillRef>
-                <a:effectRef idx="0">
-                  <a:schemeClr val="accent1"/>
-                </a:effectRef>
-                <a:fontRef idx="minor">
-                  <a:schemeClr val="lt1"/>
-                </a:fontRef>
-              </p:style>
-              <p:txBody>
-                <a:bodyPr rtlCol="0" anchor="ctr"/>
-                <a:lstStyle/>
-                <a:p>
-                  <a:pPr algn="ctr"/>
-                  <a:endParaRPr lang="en-US" b="1"/>
-                </a:p>
-              </p:txBody>
-            </p:sp>
-            <p:sp>
-              <p:nvSpPr>
-                <p:cNvPr id="46" name="TextBox 45"/>
-                <p:cNvSpPr txBox="1"/>
-                <p:nvPr/>
-              </p:nvSpPr>
-              <p:spPr>
-                <a:xfrm>
-                  <a:off x="3230789" y="2246910"/>
-                  <a:ext cx="908212" cy="369332"/>
-                </a:xfrm>
-                <a:prstGeom prst="rect">
-                  <a:avLst/>
-                </a:prstGeom>
-                <a:noFill/>
-              </p:spPr>
-              <p:txBody>
-                <a:bodyPr wrap="square" rtlCol="0">
-                  <a:spAutoFit/>
-                </a:bodyPr>
-                <a:lstStyle/>
-                <a:p>
-                  <a:pPr algn="ctr"/>
-                  <a:r>
-                    <a:rPr lang="en-US" b="1" dirty="0" smtClean="0"/>
-                    <a:t>PTP</a:t>
-                  </a:r>
-                  <a:endParaRPr lang="en-US" b="1" dirty="0"/>
-                </a:p>
-              </p:txBody>
-            </p:sp>
-          </p:grpSp>
-          <p:cxnSp>
-            <p:nvCxnSpPr>
-              <p:cNvPr id="42" name="Straight Arrow Connector 41"/>
-              <p:cNvCxnSpPr/>
-              <p:nvPr/>
-            </p:nvCxnSpPr>
-            <p:spPr>
-              <a:xfrm flipH="1">
-                <a:off x="3688087" y="1732538"/>
-                <a:ext cx="524844" cy="469773"/>
-              </a:xfrm>
-              <a:prstGeom prst="straightConnector1">
-                <a:avLst/>
-              </a:prstGeom>
-              <a:ln w="19050">
-                <a:solidFill>
-                  <a:schemeClr val="tx1"/>
-                </a:solidFill>
-                <a:headEnd type="none"/>
-                <a:tailEnd type="arrow"/>
-              </a:ln>
-            </p:spPr>
-            <p:style>
-              <a:lnRef idx="1">
-                <a:schemeClr val="accent1"/>
-              </a:lnRef>
-              <a:fillRef idx="0">
-                <a:schemeClr val="accent1"/>
-              </a:fillRef>
-              <a:effectRef idx="0">
-                <a:schemeClr val="accent1"/>
-              </a:effectRef>
-              <a:fontRef idx="minor">
-                <a:schemeClr val="tx1"/>
-              </a:fontRef>
-            </p:style>
-          </p:cxnSp>
-          <p:cxnSp>
-            <p:nvCxnSpPr>
-              <p:cNvPr id="43" name="Straight Arrow Connector 42"/>
-              <p:cNvCxnSpPr/>
-              <p:nvPr/>
-            </p:nvCxnSpPr>
-            <p:spPr>
-              <a:xfrm flipH="1" flipV="1">
-                <a:off x="3766881" y="2450880"/>
-                <a:ext cx="387096" cy="127379"/>
-              </a:xfrm>
-              <a:prstGeom prst="straightConnector1">
-                <a:avLst/>
-              </a:prstGeom>
-              <a:ln w="19050">
-                <a:solidFill>
-                  <a:schemeClr val="tx1"/>
-                </a:solidFill>
-                <a:headEnd type="none"/>
-                <a:tailEnd type="diamond" w="lg" len="lg"/>
-              </a:ln>
-            </p:spPr>
-            <p:style>
-              <a:lnRef idx="1">
-                <a:schemeClr val="accent1"/>
-              </a:lnRef>
-              <a:fillRef idx="0">
-                <a:schemeClr val="accent1"/>
-              </a:fillRef>
-              <a:effectRef idx="0">
-                <a:schemeClr val="accent1"/>
-              </a:effectRef>
-              <a:fontRef idx="minor">
-                <a:schemeClr val="tx1"/>
-              </a:fontRef>
-            </p:style>
-          </p:cxnSp>
-          <p:cxnSp>
-            <p:nvCxnSpPr>
-              <p:cNvPr id="44" name="Straight Arrow Connector 43"/>
-              <p:cNvCxnSpPr>
-                <a:stCxn id="81" idx="3"/>
-                <a:endCxn id="83" idx="0"/>
-              </p:cNvCxnSpPr>
-              <p:nvPr/>
-            </p:nvCxnSpPr>
-            <p:spPr>
-              <a:xfrm flipH="1">
-                <a:off x="1895686" y="1727568"/>
-                <a:ext cx="327023" cy="395766"/>
-              </a:xfrm>
-              <a:prstGeom prst="straightConnector1">
-                <a:avLst/>
-              </a:prstGeom>
-              <a:ln w="19050">
-                <a:solidFill>
-                  <a:schemeClr val="tx1"/>
-                </a:solidFill>
-                <a:headEnd type="none"/>
-                <a:tailEnd type="diamond" w="lg" len="lg"/>
-              </a:ln>
-            </p:spPr>
-            <p:style>
-              <a:lnRef idx="1">
-                <a:schemeClr val="accent1"/>
-              </a:lnRef>
-              <a:fillRef idx="0">
-                <a:schemeClr val="accent1"/>
-              </a:fillRef>
-              <a:effectRef idx="0">
-                <a:schemeClr val="accent1"/>
-              </a:effectRef>
-              <a:fontRef idx="minor">
-                <a:schemeClr val="tx1"/>
-              </a:fontRef>
-            </p:style>
-          </p:cxnSp>
-        </p:grpSp>
-        <p:sp>
-          <p:nvSpPr>
-            <p:cNvPr id="87" name="Freeform 86"/>
-            <p:cNvSpPr/>
-            <p:nvPr/>
-          </p:nvSpPr>
-          <p:spPr>
-            <a:xfrm>
-              <a:off x="8535601" y="859292"/>
-              <a:ext cx="1968801" cy="1295096"/>
-            </a:xfrm>
-            <a:custGeom>
-              <a:avLst/>
-              <a:gdLst>
-                <a:gd name="connsiteX0" fmla="*/ 1930400 w 1968801"/>
-                <a:gd name="connsiteY0" fmla="*/ 1295096 h 1295096"/>
-                <a:gd name="connsiteX1" fmla="*/ 1962150 w 1968801"/>
-                <a:gd name="connsiteY1" fmla="*/ 869646 h 1295096"/>
-                <a:gd name="connsiteX2" fmla="*/ 1816100 w 1968801"/>
-                <a:gd name="connsiteY2" fmla="*/ 387046 h 1295096"/>
-                <a:gd name="connsiteX3" fmla="*/ 1352550 w 1968801"/>
-                <a:gd name="connsiteY3" fmla="*/ 44146 h 1295096"/>
-                <a:gd name="connsiteX4" fmla="*/ 603250 w 1968801"/>
-                <a:gd name="connsiteY4" fmla="*/ 25096 h 1295096"/>
-                <a:gd name="connsiteX5" fmla="*/ 146050 w 1968801"/>
-                <a:gd name="connsiteY5" fmla="*/ 234646 h 1295096"/>
-                <a:gd name="connsiteX6" fmla="*/ 0 w 1968801"/>
-                <a:gd name="connsiteY6" fmla="*/ 361646 h 1295096"/>
-              </a:gdLst>
-              <a:ahLst/>
-              <a:cxnLst>
-                <a:cxn ang="0">
-                  <a:pos x="connsiteX0" y="connsiteY0"/>
-                </a:cxn>
-                <a:cxn ang="0">
-                  <a:pos x="connsiteX1" y="connsiteY1"/>
-                </a:cxn>
-                <a:cxn ang="0">
-                  <a:pos x="connsiteX2" y="connsiteY2"/>
-                </a:cxn>
-                <a:cxn ang="0">
-                  <a:pos x="connsiteX3" y="connsiteY3"/>
-                </a:cxn>
-                <a:cxn ang="0">
-                  <a:pos x="connsiteX4" y="connsiteY4"/>
-                </a:cxn>
-                <a:cxn ang="0">
-                  <a:pos x="connsiteX5" y="connsiteY5"/>
-                </a:cxn>
-                <a:cxn ang="0">
-                  <a:pos x="connsiteX6" y="connsiteY6"/>
-                </a:cxn>
-              </a:cxnLst>
-              <a:rect l="l" t="t" r="r" b="b"/>
-              <a:pathLst>
-                <a:path w="1968801" h="1295096">
-                  <a:moveTo>
-                    <a:pt x="1930400" y="1295096"/>
-                  </a:moveTo>
-                  <a:cubicBezTo>
-                    <a:pt x="1955800" y="1158042"/>
-                    <a:pt x="1981200" y="1020988"/>
-                    <a:pt x="1962150" y="869646"/>
-                  </a:cubicBezTo>
-                  <a:cubicBezTo>
-                    <a:pt x="1943100" y="718304"/>
-                    <a:pt x="1917700" y="524629"/>
-                    <a:pt x="1816100" y="387046"/>
-                  </a:cubicBezTo>
-                  <a:cubicBezTo>
-                    <a:pt x="1714500" y="249463"/>
-                    <a:pt x="1554692" y="104471"/>
-                    <a:pt x="1352550" y="44146"/>
-                  </a:cubicBezTo>
-                  <a:cubicBezTo>
-                    <a:pt x="1150408" y="-16179"/>
-                    <a:pt x="804333" y="-6654"/>
-                    <a:pt x="603250" y="25096"/>
-                  </a:cubicBezTo>
-                  <a:cubicBezTo>
-                    <a:pt x="402167" y="56846"/>
-                    <a:pt x="246592" y="178554"/>
-                    <a:pt x="146050" y="234646"/>
-                  </a:cubicBezTo>
-                  <a:cubicBezTo>
-                    <a:pt x="45508" y="290738"/>
-                    <a:pt x="22754" y="326192"/>
-                    <a:pt x="0" y="361646"/>
-                  </a:cubicBezTo>
-                </a:path>
-              </a:pathLst>
-            </a:custGeom>
-            <a:noFill/>
-            <a:ln w="19050">
-              <a:solidFill>
-                <a:schemeClr val="tx1"/>
-              </a:solidFill>
-              <a:tailEnd type="diamond" w="lg" len="lg"/>
-            </a:ln>
-          </p:spPr>
-          <p:style>
-            <a:lnRef idx="2">
-              <a:schemeClr val="accent1">
-                <a:shade val="50000"/>
-              </a:schemeClr>
-            </a:lnRef>
-            <a:fillRef idx="1">
-              <a:schemeClr val="accent1"/>
-            </a:fillRef>
-            <a:effectRef idx="0">
-              <a:schemeClr val="accent1"/>
-            </a:effectRef>
-            <a:fontRef idx="minor">
-              <a:schemeClr val="lt1"/>
-            </a:fontRef>
-          </p:style>
-          <p:txBody>
-            <a:bodyPr rtlCol="0" anchor="ctr"/>
-            <a:lstStyle/>
-            <a:p>
-              <a:pPr algn="ctr"/>
-              <a:endParaRPr lang="en-US"/>
-            </a:p>
-          </p:txBody>
-        </p:sp>
-      </p:grpSp>
+          <a:prstGeom prst="rect">
+            <a:avLst/>
+          </a:prstGeom>
+        </p:spPr>
+      </p:pic>
+      <p:sp>
+        <p:nvSpPr>
+          <p:cNvPr id="3" name="TextBox 2"/>
+          <p:cNvSpPr txBox="1"/>
+          <p:nvPr/>
+        </p:nvSpPr>
+        <p:spPr>
+          <a:xfrm>
+            <a:off x="425595" y="50098"/>
+            <a:ext cx="7148945" cy="646331"/>
+          </a:xfrm>
+          <a:prstGeom prst="rect">
+            <a:avLst/>
+          </a:prstGeom>
+          <a:noFill/>
+        </p:spPr>
+        <p:txBody>
+          <a:bodyPr wrap="square" rtlCol="0">
+            <a:spAutoFit/>
+          </a:bodyPr>
+          <a:lstStyle/>
+          <a:p>
+            <a:r>
+              <a:rPr lang="en-US" dirty="0" smtClean="0"/>
+              <a:t>&gt;&gt; data = </a:t>
+            </a:r>
+            <a:r>
+              <a:rPr lang="en-US" dirty="0" err="1" smtClean="0"/>
+              <a:t>model_init_data</a:t>
+            </a:r>
+            <a:r>
+              <a:rPr lang="en-US" dirty="0"/>
+              <a:t>('model4</a:t>
+            </a:r>
+            <a:r>
+              <a:rPr lang="en-US" dirty="0" smtClean="0"/>
+              <a:t>');</a:t>
+            </a:r>
+          </a:p>
+          <a:p>
+            <a:r>
+              <a:rPr lang="en-US" dirty="0" smtClean="0"/>
+              <a:t>&gt;&gt; res = </a:t>
+            </a:r>
+            <a:r>
+              <a:rPr lang="en-US" dirty="0" err="1" smtClean="0"/>
+              <a:t>phospho_methyl_model</a:t>
+            </a:r>
+            <a:r>
+              <a:rPr lang="en-US" dirty="0" smtClean="0"/>
+              <a:t>(data, 'b',1, '</a:t>
+            </a:r>
+            <a:r>
+              <a:rPr lang="en-US" dirty="0" err="1" smtClean="0"/>
+              <a:t>show_figure</a:t>
+            </a:r>
+            <a:r>
+              <a:rPr lang="en-US" dirty="0" smtClean="0"/>
+              <a:t>', 1);</a:t>
+            </a:r>
+          </a:p>
+        </p:txBody>
+      </p:sp>
+    </p:spTree>
+    <p:extLst>
+      <p:ext uri="{BB962C8B-B14F-4D97-AF65-F5344CB8AC3E}">
+        <p14:creationId xmlns:p14="http://schemas.microsoft.com/office/powerpoint/2010/main" val="1845168056"/>
+      </p:ext>
+    </p:extLst>
+  </p:cSld>
+  <p:clrMapOvr>
+    <a:masterClrMapping/>
+  </p:clrMapOvr>
+</p:sld>
+</file>
+
+<file path=ppt/slides/slide8.xml><?xml version="1.0" encoding="utf-8"?>
+<p:sld xmlns:a="http://schemas.openxmlformats.org/drawingml/2006/main" xmlns:r="http://schemas.openxmlformats.org/officeDocument/2006/relationships" xmlns:p="http://schemas.openxmlformats.org/presentationml/2006/main">
+  <p:cSld>
+    <p:spTree>
+      <p:nvGrpSpPr>
+        <p:cNvPr id="1" name=""/>
+        <p:cNvGrpSpPr/>
+        <p:nvPr/>
+      </p:nvGrpSpPr>
+      <p:grpSpPr>
+        <a:xfrm>
+          <a:off x="0" y="0"/>
+          <a:ext cx="0" cy="0"/>
+          <a:chOff x="0" y="0"/>
+          <a:chExt cx="0" cy="0"/>
+        </a:xfrm>
+      </p:grpSpPr>
       <p:sp>
         <p:nvSpPr>
           <p:cNvPr id="47" name="TextBox 46"/>
@@ -8377,14 +9191,51 @@
       </p:sp>
       <p:sp>
         <p:nvSpPr>
-          <p:cNvPr id="63" name="TextBox 62"/>
+          <p:cNvPr id="78" name="Rectangle 77"/>
+          <p:cNvSpPr/>
+          <p:nvPr/>
+        </p:nvSpPr>
+        <p:spPr>
+          <a:xfrm>
+            <a:off x="778009" y="5402647"/>
+            <a:ext cx="2778902" cy="369332"/>
+          </a:xfrm>
+          <a:prstGeom prst="rect">
+            <a:avLst/>
+          </a:prstGeom>
+        </p:spPr>
+        <p:txBody>
+          <a:bodyPr wrap="none">
+            <a:spAutoFit/>
+          </a:bodyPr>
+          <a:lstStyle/>
+          <a:p>
+            <a:r>
+              <a:rPr lang="en-US" b="1" dirty="0" smtClean="0"/>
+              <a:t>&gt;&gt; </a:t>
+            </a:r>
+            <a:r>
+              <a:rPr lang="en-US" b="1" dirty="0" err="1" smtClean="0"/>
+              <a:t>test_pm_model</a:t>
+            </a:r>
+            <a:r>
+              <a:rPr lang="en-US" b="1" dirty="0" smtClean="0"/>
+              <a:t>(’test3');</a:t>
+            </a:r>
+            <a:endParaRPr lang="en-US" b="1" dirty="0"/>
+          </a:p>
+        </p:txBody>
+      </p:sp>
+      <p:sp>
+        <p:nvSpPr>
+          <p:cNvPr id="93" name="TextBox 92"/>
           <p:cNvSpPr txBox="1"/>
           <p:nvPr/>
         </p:nvSpPr>
         <p:spPr>
           <a:xfrm>
-            <a:off x="7840392" y="82377"/>
-            <a:ext cx="4551528" cy="461665"/>
+            <a:off x="8164712" y="326541"/>
+            <a:ext cx="3680460" cy="276999"/>
           </a:xfrm>
           <a:prstGeom prst="rect">
             <a:avLst/>
@@ -8398,53 +9249,1382 @@
           <a:lstStyle/>
           <a:p>
             <a:r>
-              <a:rPr lang="en-US" sz="2400" b="1" dirty="0" smtClean="0"/>
+              <a:rPr lang="en-US" sz="1200" b="1" dirty="0" smtClean="0">
+                <a:latin typeface="Arial" charset="0"/>
+                <a:ea typeface="Arial" charset="0"/>
+                <a:cs typeface="Arial" charset="0"/>
+              </a:rPr>
               <a:t>Network graph</a:t>
             </a:r>
-            <a:endParaRPr lang="en-US" sz="2400" b="1" dirty="0"/>
+            <a:endParaRPr lang="en-US" sz="1200" b="1" dirty="0">
+              <a:latin typeface="Arial" charset="0"/>
+              <a:ea typeface="Arial" charset="0"/>
+              <a:cs typeface="Arial" charset="0"/>
+            </a:endParaRPr>
           </a:p>
         </p:txBody>
       </p:sp>
-      <p:sp>
-        <p:nvSpPr>
-          <p:cNvPr id="78" name="Rectangle 77"/>
-          <p:cNvSpPr/>
+      <p:grpSp>
+        <p:nvGrpSpPr>
+          <p:cNvPr id="3" name="Group 2"/>
+          <p:cNvGrpSpPr/>
           <p:nvPr/>
-        </p:nvSpPr>
-        <p:spPr>
+        </p:nvGrpSpPr>
+        <p:grpSpPr>
           <a:xfrm>
-            <a:off x="778009" y="5402647"/>
-            <a:ext cx="2991268" cy="369332"/>
+            <a:off x="8164711" y="694096"/>
+            <a:ext cx="3566447" cy="1704777"/>
+            <a:chOff x="8164711" y="694096"/>
+            <a:chExt cx="3566447" cy="1704777"/>
           </a:xfrm>
-          <a:prstGeom prst="rect">
-            <a:avLst/>
-          </a:prstGeom>
-        </p:spPr>
-        <p:txBody>
-          <a:bodyPr wrap="none">
-            <a:spAutoFit/>
-          </a:bodyPr>
-          <a:lstStyle/>
-          <a:p>
-            <a:r>
-              <a:rPr lang="en-US" b="1" dirty="0" smtClean="0"/>
-              <a:t>&gt;&gt; </a:t>
-            </a:r>
-            <a:r>
-              <a:rPr lang="en-US" b="1" dirty="0" err="1" smtClean="0"/>
-              <a:t>test_pm_model</a:t>
-            </a:r>
-            <a:r>
-              <a:rPr lang="en-US" b="1" dirty="0" smtClean="0"/>
-              <a:t>('model3');</a:t>
-            </a:r>
-            <a:endParaRPr lang="en-US" b="1" dirty="0"/>
-          </a:p>
-        </p:txBody>
-      </p:sp>
+        </p:grpSpPr>
+        <p:sp>
+          <p:nvSpPr>
+            <p:cNvPr id="76" name="TextBox 75"/>
+            <p:cNvSpPr txBox="1"/>
+            <p:nvPr/>
+          </p:nvSpPr>
+          <p:spPr>
+            <a:xfrm>
+              <a:off x="9483133" y="694096"/>
+              <a:ext cx="404137" cy="461665"/>
+            </a:xfrm>
+            <a:prstGeom prst="rect">
+              <a:avLst/>
+            </a:prstGeom>
+            <a:noFill/>
+          </p:spPr>
+          <p:txBody>
+            <a:bodyPr wrap="square" rtlCol="0">
+              <a:spAutoFit/>
+            </a:bodyPr>
+            <a:lstStyle/>
+            <a:p>
+              <a:r>
+                <a:rPr lang="en-US" sz="2400" b="1" dirty="0" smtClean="0">
+                  <a:solidFill>
+                    <a:schemeClr val="accent6">
+                      <a:lumMod val="50000"/>
+                    </a:schemeClr>
+                  </a:solidFill>
+                </a:rPr>
+                <a:t>x</a:t>
+              </a:r>
+              <a:endParaRPr lang="en-US" sz="2400" b="1" dirty="0">
+                <a:solidFill>
+                  <a:schemeClr val="accent6">
+                    <a:lumMod val="50000"/>
+                  </a:schemeClr>
+                </a:solidFill>
+              </a:endParaRPr>
+            </a:p>
+          </p:txBody>
+        </p:sp>
+        <p:grpSp>
+          <p:nvGrpSpPr>
+            <p:cNvPr id="94" name="Group 93"/>
+            <p:cNvGrpSpPr/>
+            <p:nvPr/>
+          </p:nvGrpSpPr>
+          <p:grpSpPr>
+            <a:xfrm>
+              <a:off x="8164711" y="968012"/>
+              <a:ext cx="3566447" cy="1430861"/>
+              <a:chOff x="797041" y="797989"/>
+              <a:chExt cx="4225660" cy="1980437"/>
+            </a:xfrm>
+          </p:grpSpPr>
+          <p:grpSp>
+            <p:nvGrpSpPr>
+              <p:cNvPr id="95" name="Group 94"/>
+              <p:cNvGrpSpPr/>
+              <p:nvPr/>
+            </p:nvGrpSpPr>
+            <p:grpSpPr>
+              <a:xfrm>
+                <a:off x="797041" y="1168412"/>
+                <a:ext cx="4225660" cy="1610014"/>
+                <a:chOff x="797041" y="1168412"/>
+                <a:chExt cx="4225660" cy="1610014"/>
+              </a:xfrm>
+            </p:grpSpPr>
+            <p:grpSp>
+              <p:nvGrpSpPr>
+                <p:cNvPr id="97" name="Group 96"/>
+                <p:cNvGrpSpPr/>
+                <p:nvPr/>
+              </p:nvGrpSpPr>
+              <p:grpSpPr>
+                <a:xfrm>
+                  <a:off x="797041" y="1172540"/>
+                  <a:ext cx="818865" cy="655092"/>
+                  <a:chOff x="2586251" y="1153236"/>
+                  <a:chExt cx="818865" cy="655092"/>
+                </a:xfrm>
+              </p:grpSpPr>
+              <p:sp>
+                <p:nvSpPr>
+                  <p:cNvPr id="118" name="Oval 117"/>
+                  <p:cNvSpPr/>
+                  <p:nvPr/>
+                </p:nvSpPr>
+                <p:spPr>
+                  <a:xfrm>
+                    <a:off x="2586251" y="1153236"/>
+                    <a:ext cx="818865" cy="655092"/>
+                  </a:xfrm>
+                  <a:prstGeom prst="ellipse">
+                    <a:avLst/>
+                  </a:prstGeom>
+                  <a:gradFill flip="none" rotWithShape="1">
+                    <a:gsLst>
+                      <a:gs pos="0">
+                        <a:schemeClr val="accent6">
+                          <a:lumMod val="0"/>
+                          <a:lumOff val="100000"/>
+                        </a:schemeClr>
+                      </a:gs>
+                      <a:gs pos="22000">
+                        <a:schemeClr val="accent6">
+                          <a:lumMod val="0"/>
+                          <a:lumOff val="100000"/>
+                        </a:schemeClr>
+                      </a:gs>
+                      <a:gs pos="100000">
+                        <a:schemeClr val="accent6">
+                          <a:lumMod val="100000"/>
+                        </a:schemeClr>
+                      </a:gs>
+                    </a:gsLst>
+                    <a:path path="circle">
+                      <a:fillToRect l="50000" t="50000" r="50000" b="50000"/>
+                    </a:path>
+                    <a:tileRect/>
+                  </a:gradFill>
+                  <a:ln w="19050">
+                    <a:solidFill>
+                      <a:schemeClr val="accent6">
+                        <a:lumMod val="75000"/>
+                      </a:schemeClr>
+                    </a:solidFill>
+                  </a:ln>
+                  <a:effectLst>
+                    <a:outerShdw blurRad="50800" dist="76200" dir="2700000" algn="tl" rotWithShape="0">
+                      <a:prstClr val="black">
+                        <a:alpha val="40000"/>
+                      </a:prstClr>
+                    </a:outerShdw>
+                  </a:effectLst>
+                </p:spPr>
+                <p:style>
+                  <a:lnRef idx="2">
+                    <a:schemeClr val="accent1">
+                      <a:shade val="50000"/>
+                    </a:schemeClr>
+                  </a:lnRef>
+                  <a:fillRef idx="1">
+                    <a:schemeClr val="accent1"/>
+                  </a:fillRef>
+                  <a:effectRef idx="0">
+                    <a:schemeClr val="accent1"/>
+                  </a:effectRef>
+                  <a:fontRef idx="minor">
+                    <a:schemeClr val="lt1"/>
+                  </a:fontRef>
+                </p:style>
+                <p:txBody>
+                  <a:bodyPr rtlCol="0" anchor="ctr"/>
+                  <a:lstStyle/>
+                  <a:p>
+                    <a:pPr algn="ctr"/>
+                    <a:endParaRPr lang="en-US" sz="1200" b="1">
+                      <a:latin typeface="Arial" charset="0"/>
+                      <a:ea typeface="Arial" charset="0"/>
+                      <a:cs typeface="Arial" charset="0"/>
+                    </a:endParaRPr>
+                  </a:p>
+                </p:txBody>
+              </p:sp>
+              <p:sp>
+                <p:nvSpPr>
+                  <p:cNvPr id="119" name="TextBox 118"/>
+                  <p:cNvSpPr txBox="1"/>
+                  <p:nvPr/>
+                </p:nvSpPr>
+                <p:spPr>
+                  <a:xfrm>
+                    <a:off x="2715904" y="1289713"/>
+                    <a:ext cx="559559" cy="276999"/>
+                  </a:xfrm>
+                  <a:prstGeom prst="rect">
+                    <a:avLst/>
+                  </a:prstGeom>
+                  <a:noFill/>
+                </p:spPr>
+                <p:txBody>
+                  <a:bodyPr wrap="square" rtlCol="0">
+                    <a:spAutoFit/>
+                  </a:bodyPr>
+                  <a:lstStyle/>
+                  <a:p>
+                    <a:pPr algn="ctr"/>
+                    <a:r>
+                      <a:rPr lang="en-US" sz="1200" b="1" dirty="0" smtClean="0">
+                        <a:latin typeface="Arial" charset="0"/>
+                        <a:ea typeface="Arial" charset="0"/>
+                        <a:cs typeface="Arial" charset="0"/>
+                      </a:rPr>
+                      <a:t>MT</a:t>
+                    </a:r>
+                    <a:endParaRPr lang="en-US" sz="1200" b="1" dirty="0">
+                      <a:latin typeface="Arial" charset="0"/>
+                      <a:ea typeface="Arial" charset="0"/>
+                      <a:cs typeface="Arial" charset="0"/>
+                    </a:endParaRPr>
+                  </a:p>
+                </p:txBody>
+              </p:sp>
+            </p:grpSp>
+            <p:grpSp>
+              <p:nvGrpSpPr>
+                <p:cNvPr id="98" name="Group 97"/>
+                <p:cNvGrpSpPr/>
+                <p:nvPr/>
+              </p:nvGrpSpPr>
+              <p:grpSpPr>
+                <a:xfrm>
+                  <a:off x="1486253" y="2123334"/>
+                  <a:ext cx="818865" cy="655092"/>
+                  <a:chOff x="3275463" y="2104030"/>
+                  <a:chExt cx="818865" cy="655092"/>
+                </a:xfrm>
+              </p:grpSpPr>
+              <p:sp>
+                <p:nvSpPr>
+                  <p:cNvPr id="116" name="Oval 115"/>
+                  <p:cNvSpPr/>
+                  <p:nvPr/>
+                </p:nvSpPr>
+                <p:spPr>
+                  <a:xfrm>
+                    <a:off x="3275463" y="2104030"/>
+                    <a:ext cx="818865" cy="655092"/>
+                  </a:xfrm>
+                  <a:prstGeom prst="ellipse">
+                    <a:avLst/>
+                  </a:prstGeom>
+                  <a:gradFill flip="none" rotWithShape="1">
+                    <a:gsLst>
+                      <a:gs pos="0">
+                        <a:schemeClr val="accent4">
+                          <a:lumMod val="5000"/>
+                          <a:lumOff val="95000"/>
+                        </a:schemeClr>
+                      </a:gs>
+                      <a:gs pos="74000">
+                        <a:schemeClr val="accent4">
+                          <a:lumMod val="45000"/>
+                          <a:lumOff val="55000"/>
+                        </a:schemeClr>
+                      </a:gs>
+                      <a:gs pos="83000">
+                        <a:schemeClr val="accent4">
+                          <a:lumMod val="45000"/>
+                          <a:lumOff val="55000"/>
+                        </a:schemeClr>
+                      </a:gs>
+                      <a:gs pos="100000">
+                        <a:schemeClr val="accent4">
+                          <a:lumMod val="30000"/>
+                          <a:lumOff val="70000"/>
+                        </a:schemeClr>
+                      </a:gs>
+                    </a:gsLst>
+                    <a:path path="circle">
+                      <a:fillToRect l="50000" t="50000" r="50000" b="50000"/>
+                    </a:path>
+                    <a:tileRect/>
+                  </a:gradFill>
+                  <a:ln w="19050">
+                    <a:solidFill>
+                      <a:schemeClr val="accent2">
+                        <a:lumMod val="75000"/>
+                      </a:schemeClr>
+                    </a:solidFill>
+                  </a:ln>
+                  <a:effectLst>
+                    <a:outerShdw blurRad="50800" dist="76200" dir="2700000" algn="tl" rotWithShape="0">
+                      <a:prstClr val="black">
+                        <a:alpha val="40000"/>
+                      </a:prstClr>
+                    </a:outerShdw>
+                  </a:effectLst>
+                </p:spPr>
+                <p:style>
+                  <a:lnRef idx="2">
+                    <a:schemeClr val="accent1">
+                      <a:shade val="50000"/>
+                    </a:schemeClr>
+                  </a:lnRef>
+                  <a:fillRef idx="1">
+                    <a:schemeClr val="accent1"/>
+                  </a:fillRef>
+                  <a:effectRef idx="0">
+                    <a:schemeClr val="accent1"/>
+                  </a:effectRef>
+                  <a:fontRef idx="minor">
+                    <a:schemeClr val="lt1"/>
+                  </a:fontRef>
+                </p:style>
+                <p:txBody>
+                  <a:bodyPr rtlCol="0" anchor="ctr"/>
+                  <a:lstStyle/>
+                  <a:p>
+                    <a:pPr algn="ctr"/>
+                    <a:endParaRPr lang="en-US" sz="1200" b="1">
+                      <a:latin typeface="Arial" charset="0"/>
+                      <a:ea typeface="Arial" charset="0"/>
+                      <a:cs typeface="Arial" charset="0"/>
+                    </a:endParaRPr>
+                  </a:p>
+                </p:txBody>
+              </p:sp>
+              <p:sp>
+                <p:nvSpPr>
+                  <p:cNvPr id="117" name="TextBox 116"/>
+                  <p:cNvSpPr txBox="1"/>
+                  <p:nvPr/>
+                </p:nvSpPr>
+                <p:spPr>
+                  <a:xfrm>
+                    <a:off x="3295934" y="2285826"/>
+                    <a:ext cx="798394" cy="203133"/>
+                  </a:xfrm>
+                  <a:prstGeom prst="rect">
+                    <a:avLst/>
+                  </a:prstGeom>
+                  <a:noFill/>
+                </p:spPr>
+                <p:txBody>
+                  <a:bodyPr wrap="square" lIns="9144" tIns="9144" rIns="9144" bIns="9144" rtlCol="0">
+                    <a:spAutoFit/>
+                  </a:bodyPr>
+                  <a:lstStyle/>
+                  <a:p>
+                    <a:pPr algn="ctr"/>
+                    <a:r>
+                      <a:rPr lang="en-US" sz="1200" b="1" dirty="0" smtClean="0">
+                        <a:latin typeface="Arial" charset="0"/>
+                        <a:ea typeface="Arial" charset="0"/>
+                        <a:cs typeface="Arial" charset="0"/>
+                      </a:rPr>
+                      <a:t>H3K9M</a:t>
+                    </a:r>
+                    <a:endParaRPr lang="en-US" sz="1200" b="1" dirty="0">
+                      <a:latin typeface="Arial" charset="0"/>
+                      <a:ea typeface="Arial" charset="0"/>
+                      <a:cs typeface="Arial" charset="0"/>
+                    </a:endParaRPr>
+                  </a:p>
+                </p:txBody>
+              </p:sp>
+            </p:grpSp>
+            <p:grpSp>
+              <p:nvGrpSpPr>
+                <p:cNvPr id="99" name="Group 98"/>
+                <p:cNvGrpSpPr/>
+                <p:nvPr/>
+              </p:nvGrpSpPr>
+              <p:grpSpPr>
+                <a:xfrm>
+                  <a:off x="2102789" y="1168412"/>
+                  <a:ext cx="818865" cy="655092"/>
+                  <a:chOff x="3275463" y="2104030"/>
+                  <a:chExt cx="818865" cy="655092"/>
+                </a:xfrm>
+              </p:grpSpPr>
+              <p:sp>
+                <p:nvSpPr>
+                  <p:cNvPr id="114" name="Oval 113"/>
+                  <p:cNvSpPr/>
+                  <p:nvPr/>
+                </p:nvSpPr>
+                <p:spPr>
+                  <a:xfrm>
+                    <a:off x="3275463" y="2104030"/>
+                    <a:ext cx="818865" cy="655092"/>
+                  </a:xfrm>
+                  <a:prstGeom prst="ellipse">
+                    <a:avLst/>
+                  </a:prstGeom>
+                  <a:gradFill>
+                    <a:gsLst>
+                      <a:gs pos="0">
+                        <a:schemeClr val="accent4">
+                          <a:lumMod val="5000"/>
+                          <a:lumOff val="95000"/>
+                        </a:schemeClr>
+                      </a:gs>
+                      <a:gs pos="74000">
+                        <a:schemeClr val="accent4">
+                          <a:lumMod val="45000"/>
+                          <a:lumOff val="55000"/>
+                        </a:schemeClr>
+                      </a:gs>
+                      <a:gs pos="83000">
+                        <a:schemeClr val="accent4">
+                          <a:lumMod val="45000"/>
+                          <a:lumOff val="55000"/>
+                        </a:schemeClr>
+                      </a:gs>
+                      <a:gs pos="100000">
+                        <a:schemeClr val="accent4">
+                          <a:lumMod val="30000"/>
+                          <a:lumOff val="70000"/>
+                        </a:schemeClr>
+                      </a:gs>
+                    </a:gsLst>
+                    <a:path path="circle">
+                      <a:fillToRect l="50000" t="50000" r="50000" b="50000"/>
+                    </a:path>
+                  </a:gradFill>
+                  <a:ln w="19050">
+                    <a:solidFill>
+                      <a:schemeClr val="accent2">
+                        <a:lumMod val="75000"/>
+                      </a:schemeClr>
+                    </a:solidFill>
+                  </a:ln>
+                  <a:effectLst>
+                    <a:outerShdw blurRad="50800" dist="76200" dir="2700000" algn="tl" rotWithShape="0">
+                      <a:prstClr val="black">
+                        <a:alpha val="40000"/>
+                      </a:prstClr>
+                    </a:outerShdw>
+                  </a:effectLst>
+                </p:spPr>
+                <p:style>
+                  <a:lnRef idx="2">
+                    <a:schemeClr val="accent1">
+                      <a:shade val="50000"/>
+                    </a:schemeClr>
+                  </a:lnRef>
+                  <a:fillRef idx="1">
+                    <a:schemeClr val="accent1"/>
+                  </a:fillRef>
+                  <a:effectRef idx="0">
+                    <a:schemeClr val="accent1"/>
+                  </a:effectRef>
+                  <a:fontRef idx="minor">
+                    <a:schemeClr val="lt1"/>
+                  </a:fontRef>
+                </p:style>
+                <p:txBody>
+                  <a:bodyPr rtlCol="0" anchor="ctr"/>
+                  <a:lstStyle/>
+                  <a:p>
+                    <a:pPr algn="ctr"/>
+                    <a:endParaRPr lang="en-US" sz="1200" b="1">
+                      <a:latin typeface="Arial" charset="0"/>
+                      <a:ea typeface="Arial" charset="0"/>
+                      <a:cs typeface="Arial" charset="0"/>
+                    </a:endParaRPr>
+                  </a:p>
+                </p:txBody>
+              </p:sp>
+              <p:sp>
+                <p:nvSpPr>
+                  <p:cNvPr id="115" name="TextBox 114"/>
+                  <p:cNvSpPr txBox="1"/>
+                  <p:nvPr/>
+                </p:nvSpPr>
+                <p:spPr>
+                  <a:xfrm>
+                    <a:off x="3306170" y="2256462"/>
+                    <a:ext cx="757450" cy="276999"/>
+                  </a:xfrm>
+                  <a:prstGeom prst="rect">
+                    <a:avLst/>
+                  </a:prstGeom>
+                  <a:noFill/>
+                </p:spPr>
+                <p:txBody>
+                  <a:bodyPr wrap="square" rtlCol="0">
+                    <a:spAutoFit/>
+                  </a:bodyPr>
+                  <a:lstStyle/>
+                  <a:p>
+                    <a:pPr algn="ctr"/>
+                    <a:r>
+                      <a:rPr lang="en-US" sz="1200" b="1" dirty="0" smtClean="0">
+                        <a:latin typeface="Arial" charset="0"/>
+                        <a:ea typeface="Arial" charset="0"/>
+                        <a:cs typeface="Arial" charset="0"/>
+                      </a:rPr>
+                      <a:t>KDM</a:t>
+                    </a:r>
+                    <a:endParaRPr lang="en-US" sz="1200" b="1" dirty="0">
+                      <a:latin typeface="Arial" charset="0"/>
+                      <a:ea typeface="Arial" charset="0"/>
+                      <a:cs typeface="Arial" charset="0"/>
+                    </a:endParaRPr>
+                  </a:p>
+                </p:txBody>
+              </p:sp>
+            </p:grpSp>
+            <p:grpSp>
+              <p:nvGrpSpPr>
+                <p:cNvPr id="100" name="Group 99"/>
+                <p:cNvGrpSpPr/>
+                <p:nvPr/>
+              </p:nvGrpSpPr>
+              <p:grpSpPr>
+                <a:xfrm>
+                  <a:off x="2876513" y="2123334"/>
+                  <a:ext cx="851413" cy="655092"/>
+                  <a:chOff x="3259188" y="2104030"/>
+                  <a:chExt cx="851413" cy="655092"/>
+                </a:xfrm>
+              </p:grpSpPr>
+              <p:sp>
+                <p:nvSpPr>
+                  <p:cNvPr id="112" name="Oval 111"/>
+                  <p:cNvSpPr/>
+                  <p:nvPr/>
+                </p:nvSpPr>
+                <p:spPr>
+                  <a:xfrm>
+                    <a:off x="3275463" y="2104030"/>
+                    <a:ext cx="818865" cy="655092"/>
+                  </a:xfrm>
+                  <a:prstGeom prst="ellipse">
+                    <a:avLst/>
+                  </a:prstGeom>
+                  <a:gradFill flip="none" rotWithShape="1">
+                    <a:gsLst>
+                      <a:gs pos="0">
+                        <a:schemeClr val="accent2">
+                          <a:lumMod val="5000"/>
+                          <a:lumOff val="95000"/>
+                        </a:schemeClr>
+                      </a:gs>
+                      <a:gs pos="74000">
+                        <a:schemeClr val="accent2">
+                          <a:lumMod val="45000"/>
+                          <a:lumOff val="55000"/>
+                        </a:schemeClr>
+                      </a:gs>
+                      <a:gs pos="83000">
+                        <a:schemeClr val="accent2">
+                          <a:lumMod val="45000"/>
+                          <a:lumOff val="55000"/>
+                        </a:schemeClr>
+                      </a:gs>
+                      <a:gs pos="100000">
+                        <a:schemeClr val="accent2">
+                          <a:lumMod val="30000"/>
+                          <a:lumOff val="70000"/>
+                        </a:schemeClr>
+                      </a:gs>
+                    </a:gsLst>
+                    <a:path path="circle">
+                      <a:fillToRect l="50000" t="50000" r="50000" b="50000"/>
+                    </a:path>
+                    <a:tileRect/>
+                  </a:gradFill>
+                  <a:ln w="19050">
+                    <a:solidFill>
+                      <a:srgbClr val="C00000"/>
+                    </a:solidFill>
+                  </a:ln>
+                  <a:effectLst>
+                    <a:outerShdw blurRad="50800" dist="76200" dir="2700000" algn="tl" rotWithShape="0">
+                      <a:prstClr val="black">
+                        <a:alpha val="40000"/>
+                      </a:prstClr>
+                    </a:outerShdw>
+                  </a:effectLst>
+                </p:spPr>
+                <p:style>
+                  <a:lnRef idx="2">
+                    <a:schemeClr val="accent1">
+                      <a:shade val="50000"/>
+                    </a:schemeClr>
+                  </a:lnRef>
+                  <a:fillRef idx="1">
+                    <a:schemeClr val="accent1"/>
+                  </a:fillRef>
+                  <a:effectRef idx="0">
+                    <a:schemeClr val="accent1"/>
+                  </a:effectRef>
+                  <a:fontRef idx="minor">
+                    <a:schemeClr val="lt1"/>
+                  </a:fontRef>
+                </p:style>
+                <p:txBody>
+                  <a:bodyPr rtlCol="0" anchor="ctr"/>
+                  <a:lstStyle/>
+                  <a:p>
+                    <a:pPr algn="ctr"/>
+                    <a:endParaRPr lang="en-US" sz="1200" b="1">
+                      <a:latin typeface="Arial" charset="0"/>
+                      <a:ea typeface="Arial" charset="0"/>
+                      <a:cs typeface="Arial" charset="0"/>
+                    </a:endParaRPr>
+                  </a:p>
+                </p:txBody>
+              </p:sp>
+              <p:sp>
+                <p:nvSpPr>
+                  <p:cNvPr id="113" name="TextBox 112"/>
+                  <p:cNvSpPr txBox="1"/>
+                  <p:nvPr/>
+                </p:nvSpPr>
+                <p:spPr>
+                  <a:xfrm>
+                    <a:off x="3259188" y="2278337"/>
+                    <a:ext cx="851413" cy="203133"/>
+                  </a:xfrm>
+                  <a:prstGeom prst="rect">
+                    <a:avLst/>
+                  </a:prstGeom>
+                  <a:noFill/>
+                </p:spPr>
+                <p:txBody>
+                  <a:bodyPr wrap="square" lIns="9144" tIns="9144" rIns="9144" bIns="9144" rtlCol="0">
+                    <a:spAutoFit/>
+                  </a:bodyPr>
+                  <a:lstStyle/>
+                  <a:p>
+                    <a:pPr algn="ctr"/>
+                    <a:r>
+                      <a:rPr lang="en-US" sz="1200" b="1" dirty="0" smtClean="0">
+                        <a:latin typeface="Arial" charset="0"/>
+                        <a:ea typeface="Arial" charset="0"/>
+                        <a:cs typeface="Arial" charset="0"/>
+                      </a:rPr>
+                      <a:t>H3S10P</a:t>
+                    </a:r>
+                    <a:endParaRPr lang="en-US" sz="1200" b="1" dirty="0">
+                      <a:latin typeface="Arial" charset="0"/>
+                      <a:ea typeface="Arial" charset="0"/>
+                      <a:cs typeface="Arial" charset="0"/>
+                    </a:endParaRPr>
+                  </a:p>
+                </p:txBody>
+              </p:sp>
+            </p:grpSp>
+            <p:cxnSp>
+              <p:nvCxnSpPr>
+                <p:cNvPr id="101" name="Straight Arrow Connector 100"/>
+                <p:cNvCxnSpPr/>
+                <p:nvPr/>
+              </p:nvCxnSpPr>
+              <p:spPr>
+                <a:xfrm>
+                  <a:off x="1480724" y="1744189"/>
+                  <a:ext cx="263830" cy="402590"/>
+                </a:xfrm>
+                <a:prstGeom prst="straightConnector1">
+                  <a:avLst/>
+                </a:prstGeom>
+                <a:ln w="19050">
+                  <a:solidFill>
+                    <a:schemeClr val="tx1"/>
+                  </a:solidFill>
+                  <a:headEnd type="none"/>
+                  <a:tailEnd type="arrow"/>
+                </a:ln>
+                <a:effectLst>
+                  <a:outerShdw blurRad="50800" dist="76200" dir="2700000" algn="tl" rotWithShape="0">
+                    <a:prstClr val="black">
+                      <a:alpha val="40000"/>
+                    </a:prstClr>
+                  </a:outerShdw>
+                </a:effectLst>
+              </p:spPr>
+              <p:style>
+                <a:lnRef idx="1">
+                  <a:schemeClr val="accent1"/>
+                </a:lnRef>
+                <a:fillRef idx="0">
+                  <a:schemeClr val="accent1"/>
+                </a:fillRef>
+                <a:effectRef idx="0">
+                  <a:schemeClr val="accent1"/>
+                </a:effectRef>
+                <a:fontRef idx="minor">
+                  <a:schemeClr val="tx1"/>
+                </a:fontRef>
+              </p:style>
+            </p:cxnSp>
+            <p:cxnSp>
+              <p:nvCxnSpPr>
+                <p:cNvPr id="102" name="Straight Arrow Connector 101"/>
+                <p:cNvCxnSpPr>
+                  <a:endCxn id="108" idx="5"/>
+                </p:cNvCxnSpPr>
+                <p:nvPr/>
+              </p:nvCxnSpPr>
+              <p:spPr>
+                <a:xfrm flipH="1" flipV="1">
+                  <a:off x="2801734" y="1727568"/>
+                  <a:ext cx="360279" cy="425444"/>
+                </a:xfrm>
+                <a:prstGeom prst="straightConnector1">
+                  <a:avLst/>
+                </a:prstGeom>
+                <a:ln w="19050">
+                  <a:solidFill>
+                    <a:schemeClr val="tx1"/>
+                  </a:solidFill>
+                  <a:headEnd type="none"/>
+                  <a:tailEnd type="arrow"/>
+                </a:ln>
+                <a:effectLst>
+                  <a:outerShdw blurRad="50800" dist="76200" dir="2700000" algn="tl" rotWithShape="0">
+                    <a:prstClr val="black">
+                      <a:alpha val="40000"/>
+                    </a:prstClr>
+                  </a:outerShdw>
+                </a:effectLst>
+              </p:spPr>
+              <p:style>
+                <a:lnRef idx="1">
+                  <a:schemeClr val="accent1"/>
+                </a:lnRef>
+                <a:fillRef idx="0">
+                  <a:schemeClr val="accent1"/>
+                </a:fillRef>
+                <a:effectRef idx="0">
+                  <a:schemeClr val="accent1"/>
+                </a:effectRef>
+                <a:fontRef idx="minor">
+                  <a:schemeClr val="tx1"/>
+                </a:fontRef>
+              </p:style>
+            </p:cxnSp>
+            <p:grpSp>
+              <p:nvGrpSpPr>
+                <p:cNvPr id="103" name="Group 102"/>
+                <p:cNvGrpSpPr/>
+                <p:nvPr/>
+              </p:nvGrpSpPr>
+              <p:grpSpPr>
+                <a:xfrm>
+                  <a:off x="4029632" y="1188025"/>
+                  <a:ext cx="908212" cy="655092"/>
+                  <a:chOff x="3168269" y="2150920"/>
+                  <a:chExt cx="908212" cy="655092"/>
+                </a:xfrm>
+              </p:grpSpPr>
+              <p:sp>
+                <p:nvSpPr>
+                  <p:cNvPr id="110" name="Oval 109"/>
+                  <p:cNvSpPr/>
+                  <p:nvPr/>
+                </p:nvSpPr>
+                <p:spPr>
+                  <a:xfrm>
+                    <a:off x="3197313" y="2150920"/>
+                    <a:ext cx="818865" cy="655092"/>
+                  </a:xfrm>
+                  <a:prstGeom prst="ellipse">
+                    <a:avLst/>
+                  </a:prstGeom>
+                  <a:gradFill>
+                    <a:gsLst>
+                      <a:gs pos="0">
+                        <a:schemeClr val="accent2">
+                          <a:lumMod val="5000"/>
+                          <a:lumOff val="95000"/>
+                        </a:schemeClr>
+                      </a:gs>
+                      <a:gs pos="74000">
+                        <a:schemeClr val="accent2">
+                          <a:lumMod val="45000"/>
+                          <a:lumOff val="55000"/>
+                        </a:schemeClr>
+                      </a:gs>
+                      <a:gs pos="83000">
+                        <a:schemeClr val="accent2">
+                          <a:lumMod val="45000"/>
+                          <a:lumOff val="55000"/>
+                        </a:schemeClr>
+                      </a:gs>
+                      <a:gs pos="100000">
+                        <a:schemeClr val="accent2">
+                          <a:lumMod val="30000"/>
+                          <a:lumOff val="70000"/>
+                        </a:schemeClr>
+                      </a:gs>
+                    </a:gsLst>
+                    <a:path path="circle">
+                      <a:fillToRect l="50000" t="50000" r="50000" b="50000"/>
+                    </a:path>
+                  </a:gradFill>
+                  <a:ln w="19050">
+                    <a:solidFill>
+                      <a:srgbClr val="C00000"/>
+                    </a:solidFill>
+                  </a:ln>
+                  <a:effectLst>
+                    <a:outerShdw blurRad="50800" dist="76200" dir="2700000" algn="tl" rotWithShape="0">
+                      <a:prstClr val="black">
+                        <a:alpha val="40000"/>
+                      </a:prstClr>
+                    </a:outerShdw>
+                  </a:effectLst>
+                </p:spPr>
+                <p:style>
+                  <a:lnRef idx="2">
+                    <a:schemeClr val="accent1">
+                      <a:shade val="50000"/>
+                    </a:schemeClr>
+                  </a:lnRef>
+                  <a:fillRef idx="1">
+                    <a:schemeClr val="accent1"/>
+                  </a:fillRef>
+                  <a:effectRef idx="0">
+                    <a:schemeClr val="accent1"/>
+                  </a:effectRef>
+                  <a:fontRef idx="minor">
+                    <a:schemeClr val="lt1"/>
+                  </a:fontRef>
+                </p:style>
+                <p:txBody>
+                  <a:bodyPr rtlCol="0" anchor="ctr"/>
+                  <a:lstStyle/>
+                  <a:p>
+                    <a:pPr algn="ctr"/>
+                    <a:endParaRPr lang="en-US" sz="1200" b="1">
+                      <a:latin typeface="Arial" charset="0"/>
+                      <a:ea typeface="Arial" charset="0"/>
+                      <a:cs typeface="Arial" charset="0"/>
+                    </a:endParaRPr>
+                  </a:p>
+                </p:txBody>
+              </p:sp>
+              <p:sp>
+                <p:nvSpPr>
+                  <p:cNvPr id="111" name="TextBox 110"/>
+                  <p:cNvSpPr txBox="1"/>
+                  <p:nvPr/>
+                </p:nvSpPr>
+                <p:spPr>
+                  <a:xfrm>
+                    <a:off x="3168269" y="2293800"/>
+                    <a:ext cx="908212" cy="276999"/>
+                  </a:xfrm>
+                  <a:prstGeom prst="rect">
+                    <a:avLst/>
+                  </a:prstGeom>
+                  <a:noFill/>
+                </p:spPr>
+                <p:txBody>
+                  <a:bodyPr wrap="square" rtlCol="0">
+                    <a:spAutoFit/>
+                  </a:bodyPr>
+                  <a:lstStyle/>
+                  <a:p>
+                    <a:pPr algn="ctr"/>
+                    <a:r>
+                      <a:rPr lang="en-US" sz="1200" b="1" dirty="0" smtClean="0">
+                        <a:latin typeface="Arial" charset="0"/>
+                        <a:ea typeface="Arial" charset="0"/>
+                        <a:cs typeface="Arial" charset="0"/>
+                      </a:rPr>
+                      <a:t>Kinase</a:t>
+                    </a:r>
+                    <a:endParaRPr lang="en-US" sz="1200" b="1" dirty="0">
+                      <a:latin typeface="Arial" charset="0"/>
+                      <a:ea typeface="Arial" charset="0"/>
+                      <a:cs typeface="Arial" charset="0"/>
+                    </a:endParaRPr>
+                  </a:p>
+                </p:txBody>
+              </p:sp>
+            </p:grpSp>
+            <p:grpSp>
+              <p:nvGrpSpPr>
+                <p:cNvPr id="104" name="Group 103"/>
+                <p:cNvGrpSpPr/>
+                <p:nvPr/>
+              </p:nvGrpSpPr>
+              <p:grpSpPr>
+                <a:xfrm>
+                  <a:off x="4114489" y="2123334"/>
+                  <a:ext cx="908212" cy="655092"/>
+                  <a:chOff x="3230789" y="2104030"/>
+                  <a:chExt cx="908212" cy="655092"/>
+                </a:xfrm>
+              </p:grpSpPr>
+              <p:sp>
+                <p:nvSpPr>
+                  <p:cNvPr id="108" name="Oval 107"/>
+                  <p:cNvSpPr/>
+                  <p:nvPr/>
+                </p:nvSpPr>
+                <p:spPr>
+                  <a:xfrm>
+                    <a:off x="3275463" y="2104030"/>
+                    <a:ext cx="818865" cy="655092"/>
+                  </a:xfrm>
+                  <a:prstGeom prst="ellipse">
+                    <a:avLst/>
+                  </a:prstGeom>
+                  <a:gradFill flip="none" rotWithShape="1">
+                    <a:gsLst>
+                      <a:gs pos="0">
+                        <a:schemeClr val="accent1">
+                          <a:lumMod val="5000"/>
+                          <a:lumOff val="95000"/>
+                        </a:schemeClr>
+                      </a:gs>
+                      <a:gs pos="74000">
+                        <a:schemeClr val="accent1">
+                          <a:lumMod val="45000"/>
+                          <a:lumOff val="55000"/>
+                        </a:schemeClr>
+                      </a:gs>
+                      <a:gs pos="83000">
+                        <a:schemeClr val="accent1">
+                          <a:lumMod val="45000"/>
+                          <a:lumOff val="55000"/>
+                        </a:schemeClr>
+                      </a:gs>
+                      <a:gs pos="100000">
+                        <a:schemeClr val="accent1">
+                          <a:lumMod val="30000"/>
+                          <a:lumOff val="70000"/>
+                        </a:schemeClr>
+                      </a:gs>
+                    </a:gsLst>
+                    <a:path path="circle">
+                      <a:fillToRect l="50000" t="50000" r="50000" b="50000"/>
+                    </a:path>
+                    <a:tileRect/>
+                  </a:gradFill>
+                  <a:ln w="19050"/>
+                  <a:effectLst>
+                    <a:outerShdw blurRad="50800" dist="76200" dir="2700000" algn="tl" rotWithShape="0">
+                      <a:prstClr val="black">
+                        <a:alpha val="40000"/>
+                      </a:prstClr>
+                    </a:outerShdw>
+                  </a:effectLst>
+                </p:spPr>
+                <p:style>
+                  <a:lnRef idx="2">
+                    <a:schemeClr val="accent1">
+                      <a:shade val="50000"/>
+                    </a:schemeClr>
+                  </a:lnRef>
+                  <a:fillRef idx="1">
+                    <a:schemeClr val="accent1"/>
+                  </a:fillRef>
+                  <a:effectRef idx="0">
+                    <a:schemeClr val="accent1"/>
+                  </a:effectRef>
+                  <a:fontRef idx="minor">
+                    <a:schemeClr val="lt1"/>
+                  </a:fontRef>
+                </p:style>
+                <p:txBody>
+                  <a:bodyPr rtlCol="0" anchor="ctr"/>
+                  <a:lstStyle/>
+                  <a:p>
+                    <a:pPr algn="ctr"/>
+                    <a:endParaRPr lang="en-US" sz="1200" b="1">
+                      <a:latin typeface="Arial" charset="0"/>
+                      <a:ea typeface="Arial" charset="0"/>
+                      <a:cs typeface="Arial" charset="0"/>
+                    </a:endParaRPr>
+                  </a:p>
+                </p:txBody>
+              </p:sp>
+              <p:sp>
+                <p:nvSpPr>
+                  <p:cNvPr id="109" name="TextBox 108"/>
+                  <p:cNvSpPr txBox="1"/>
+                  <p:nvPr/>
+                </p:nvSpPr>
+                <p:spPr>
+                  <a:xfrm>
+                    <a:off x="3230789" y="2246910"/>
+                    <a:ext cx="908212" cy="276999"/>
+                  </a:xfrm>
+                  <a:prstGeom prst="rect">
+                    <a:avLst/>
+                  </a:prstGeom>
+                  <a:noFill/>
+                </p:spPr>
+                <p:txBody>
+                  <a:bodyPr wrap="square" rtlCol="0">
+                    <a:spAutoFit/>
+                  </a:bodyPr>
+                  <a:lstStyle/>
+                  <a:p>
+                    <a:pPr algn="ctr"/>
+                    <a:r>
+                      <a:rPr lang="en-US" sz="1200" b="1" dirty="0" smtClean="0">
+                        <a:latin typeface="Arial" charset="0"/>
+                        <a:ea typeface="Arial" charset="0"/>
+                        <a:cs typeface="Arial" charset="0"/>
+                      </a:rPr>
+                      <a:t>PTP</a:t>
+                    </a:r>
+                    <a:endParaRPr lang="en-US" sz="1200" b="1" dirty="0">
+                      <a:latin typeface="Arial" charset="0"/>
+                      <a:ea typeface="Arial" charset="0"/>
+                      <a:cs typeface="Arial" charset="0"/>
+                    </a:endParaRPr>
+                  </a:p>
+                </p:txBody>
+              </p:sp>
+            </p:grpSp>
+            <p:cxnSp>
+              <p:nvCxnSpPr>
+                <p:cNvPr id="105" name="Straight Arrow Connector 104"/>
+                <p:cNvCxnSpPr/>
+                <p:nvPr/>
+              </p:nvCxnSpPr>
+              <p:spPr>
+                <a:xfrm flipH="1">
+                  <a:off x="3633382" y="1748168"/>
+                  <a:ext cx="524844" cy="469773"/>
+                </a:xfrm>
+                <a:prstGeom prst="straightConnector1">
+                  <a:avLst/>
+                </a:prstGeom>
+                <a:ln w="19050">
+                  <a:solidFill>
+                    <a:schemeClr val="tx1"/>
+                  </a:solidFill>
+                  <a:headEnd type="none"/>
+                  <a:tailEnd type="arrow"/>
+                </a:ln>
+                <a:effectLst>
+                  <a:outerShdw blurRad="50800" dist="76200" dir="2700000" algn="tl" rotWithShape="0">
+                    <a:prstClr val="black">
+                      <a:alpha val="40000"/>
+                    </a:prstClr>
+                  </a:outerShdw>
+                </a:effectLst>
+              </p:spPr>
+              <p:style>
+                <a:lnRef idx="1">
+                  <a:schemeClr val="accent1"/>
+                </a:lnRef>
+                <a:fillRef idx="0">
+                  <a:schemeClr val="accent1"/>
+                </a:fillRef>
+                <a:effectRef idx="0">
+                  <a:schemeClr val="accent1"/>
+                </a:effectRef>
+                <a:fontRef idx="minor">
+                  <a:schemeClr val="tx1"/>
+                </a:fontRef>
+              </p:style>
+            </p:cxnSp>
+            <p:cxnSp>
+              <p:nvCxnSpPr>
+                <p:cNvPr id="106" name="Straight Arrow Connector 105"/>
+                <p:cNvCxnSpPr/>
+                <p:nvPr/>
+              </p:nvCxnSpPr>
+              <p:spPr>
+                <a:xfrm flipH="1">
+                  <a:off x="3766881" y="2404714"/>
+                  <a:ext cx="347608" cy="46167"/>
+                </a:xfrm>
+                <a:prstGeom prst="straightConnector1">
+                  <a:avLst/>
+                </a:prstGeom>
+                <a:ln w="19050">
+                  <a:solidFill>
+                    <a:schemeClr val="tx1"/>
+                  </a:solidFill>
+                  <a:headEnd type="none"/>
+                  <a:tailEnd type="diamond" w="lg" len="lg"/>
+                </a:ln>
+                <a:effectLst>
+                  <a:outerShdw blurRad="50800" dist="76200" dir="2700000" algn="tl" rotWithShape="0">
+                    <a:prstClr val="black">
+                      <a:alpha val="40000"/>
+                    </a:prstClr>
+                  </a:outerShdw>
+                </a:effectLst>
+              </p:spPr>
+              <p:style>
+                <a:lnRef idx="1">
+                  <a:schemeClr val="accent1"/>
+                </a:lnRef>
+                <a:fillRef idx="0">
+                  <a:schemeClr val="accent1"/>
+                </a:fillRef>
+                <a:effectRef idx="0">
+                  <a:schemeClr val="accent1"/>
+                </a:effectRef>
+                <a:fontRef idx="minor">
+                  <a:schemeClr val="tx1"/>
+                </a:fontRef>
+              </p:style>
+            </p:cxnSp>
+            <p:cxnSp>
+              <p:nvCxnSpPr>
+                <p:cNvPr id="107" name="Straight Arrow Connector 106"/>
+                <p:cNvCxnSpPr>
+                  <a:stCxn id="108" idx="3"/>
+                </p:cNvCxnSpPr>
+                <p:nvPr/>
+              </p:nvCxnSpPr>
+              <p:spPr>
+                <a:xfrm flipH="1">
+                  <a:off x="1922106" y="1727568"/>
+                  <a:ext cx="300603" cy="371836"/>
+                </a:xfrm>
+                <a:prstGeom prst="straightConnector1">
+                  <a:avLst/>
+                </a:prstGeom>
+                <a:ln w="19050">
+                  <a:solidFill>
+                    <a:schemeClr val="tx1"/>
+                  </a:solidFill>
+                  <a:headEnd type="none"/>
+                  <a:tailEnd type="diamond" w="lg" len="lg"/>
+                </a:ln>
+                <a:effectLst>
+                  <a:outerShdw blurRad="50800" dist="76200" dir="2700000" algn="tl" rotWithShape="0">
+                    <a:prstClr val="black">
+                      <a:alpha val="40000"/>
+                    </a:prstClr>
+                  </a:outerShdw>
+                </a:effectLst>
+              </p:spPr>
+              <p:style>
+                <a:lnRef idx="1">
+                  <a:schemeClr val="accent1"/>
+                </a:lnRef>
+                <a:fillRef idx="0">
+                  <a:schemeClr val="accent1"/>
+                </a:fillRef>
+                <a:effectRef idx="0">
+                  <a:schemeClr val="accent1"/>
+                </a:effectRef>
+                <a:fontRef idx="minor">
+                  <a:schemeClr val="tx1"/>
+                </a:fontRef>
+              </p:style>
+            </p:cxnSp>
+          </p:grpSp>
+          <p:sp>
+            <p:nvSpPr>
+              <p:cNvPr id="96" name="Freeform 95"/>
+              <p:cNvSpPr/>
+              <p:nvPr/>
+            </p:nvSpPr>
+            <p:spPr>
+              <a:xfrm>
+                <a:off x="1492250" y="797989"/>
+                <a:ext cx="1968801" cy="1301415"/>
+              </a:xfrm>
+              <a:custGeom>
+                <a:avLst/>
+                <a:gdLst>
+                  <a:gd name="connsiteX0" fmla="*/ 1930400 w 1968801"/>
+                  <a:gd name="connsiteY0" fmla="*/ 1295096 h 1295096"/>
+                  <a:gd name="connsiteX1" fmla="*/ 1962150 w 1968801"/>
+                  <a:gd name="connsiteY1" fmla="*/ 869646 h 1295096"/>
+                  <a:gd name="connsiteX2" fmla="*/ 1816100 w 1968801"/>
+                  <a:gd name="connsiteY2" fmla="*/ 387046 h 1295096"/>
+                  <a:gd name="connsiteX3" fmla="*/ 1352550 w 1968801"/>
+                  <a:gd name="connsiteY3" fmla="*/ 44146 h 1295096"/>
+                  <a:gd name="connsiteX4" fmla="*/ 603250 w 1968801"/>
+                  <a:gd name="connsiteY4" fmla="*/ 25096 h 1295096"/>
+                  <a:gd name="connsiteX5" fmla="*/ 146050 w 1968801"/>
+                  <a:gd name="connsiteY5" fmla="*/ 234646 h 1295096"/>
+                  <a:gd name="connsiteX6" fmla="*/ 0 w 1968801"/>
+                  <a:gd name="connsiteY6" fmla="*/ 361646 h 1295096"/>
+                  <a:gd name="connsiteX0" fmla="*/ 1930400 w 1968801"/>
+                  <a:gd name="connsiteY0" fmla="*/ 1301415 h 1301415"/>
+                  <a:gd name="connsiteX1" fmla="*/ 1962150 w 1968801"/>
+                  <a:gd name="connsiteY1" fmla="*/ 875965 h 1301415"/>
+                  <a:gd name="connsiteX2" fmla="*/ 1816100 w 1968801"/>
+                  <a:gd name="connsiteY2" fmla="*/ 393365 h 1301415"/>
+                  <a:gd name="connsiteX3" fmla="*/ 1352550 w 1968801"/>
+                  <a:gd name="connsiteY3" fmla="*/ 50465 h 1301415"/>
+                  <a:gd name="connsiteX4" fmla="*/ 603250 w 1968801"/>
+                  <a:gd name="connsiteY4" fmla="*/ 31415 h 1301415"/>
+                  <a:gd name="connsiteX5" fmla="*/ 146050 w 1968801"/>
+                  <a:gd name="connsiteY5" fmla="*/ 240965 h 1301415"/>
+                  <a:gd name="connsiteX6" fmla="*/ 0 w 1968801"/>
+                  <a:gd name="connsiteY6" fmla="*/ 367965 h 1301415"/>
+                  <a:gd name="connsiteX0" fmla="*/ 1930400 w 1968801"/>
+                  <a:gd name="connsiteY0" fmla="*/ 1301415 h 1301415"/>
+                  <a:gd name="connsiteX1" fmla="*/ 1962150 w 1968801"/>
+                  <a:gd name="connsiteY1" fmla="*/ 875965 h 1301415"/>
+                  <a:gd name="connsiteX2" fmla="*/ 1816100 w 1968801"/>
+                  <a:gd name="connsiteY2" fmla="*/ 393365 h 1301415"/>
+                  <a:gd name="connsiteX3" fmla="*/ 1352550 w 1968801"/>
+                  <a:gd name="connsiteY3" fmla="*/ 50465 h 1301415"/>
+                  <a:gd name="connsiteX4" fmla="*/ 603250 w 1968801"/>
+                  <a:gd name="connsiteY4" fmla="*/ 31415 h 1301415"/>
+                  <a:gd name="connsiteX5" fmla="*/ 146050 w 1968801"/>
+                  <a:gd name="connsiteY5" fmla="*/ 240965 h 1301415"/>
+                  <a:gd name="connsiteX6" fmla="*/ 0 w 1968801"/>
+                  <a:gd name="connsiteY6" fmla="*/ 367965 h 1301415"/>
+                </a:gdLst>
+                <a:ahLst/>
+                <a:cxnLst>
+                  <a:cxn ang="0">
+                    <a:pos x="connsiteX0" y="connsiteY0"/>
+                  </a:cxn>
+                  <a:cxn ang="0">
+                    <a:pos x="connsiteX1" y="connsiteY1"/>
+                  </a:cxn>
+                  <a:cxn ang="0">
+                    <a:pos x="connsiteX2" y="connsiteY2"/>
+                  </a:cxn>
+                  <a:cxn ang="0">
+                    <a:pos x="connsiteX3" y="connsiteY3"/>
+                  </a:cxn>
+                  <a:cxn ang="0">
+                    <a:pos x="connsiteX4" y="connsiteY4"/>
+                  </a:cxn>
+                  <a:cxn ang="0">
+                    <a:pos x="connsiteX5" y="connsiteY5"/>
+                  </a:cxn>
+                  <a:cxn ang="0">
+                    <a:pos x="connsiteX6" y="connsiteY6"/>
+                  </a:cxn>
+                </a:cxnLst>
+                <a:rect l="l" t="t" r="r" b="b"/>
+                <a:pathLst>
+                  <a:path w="1968801" h="1301415">
+                    <a:moveTo>
+                      <a:pt x="1930400" y="1301415"/>
+                    </a:moveTo>
+                    <a:cubicBezTo>
+                      <a:pt x="1955800" y="1164361"/>
+                      <a:pt x="1981200" y="1027307"/>
+                      <a:pt x="1962150" y="875965"/>
+                    </a:cubicBezTo>
+                    <a:cubicBezTo>
+                      <a:pt x="1943100" y="724623"/>
+                      <a:pt x="1902069" y="530948"/>
+                      <a:pt x="1816100" y="393365"/>
+                    </a:cubicBezTo>
+                    <a:cubicBezTo>
+                      <a:pt x="1730131" y="255782"/>
+                      <a:pt x="1554692" y="110790"/>
+                      <a:pt x="1352550" y="50465"/>
+                    </a:cubicBezTo>
+                    <a:cubicBezTo>
+                      <a:pt x="1150408" y="-9860"/>
+                      <a:pt x="827780" y="-15966"/>
+                      <a:pt x="603250" y="31415"/>
+                    </a:cubicBezTo>
+                    <a:cubicBezTo>
+                      <a:pt x="378720" y="78796"/>
+                      <a:pt x="246592" y="184873"/>
+                      <a:pt x="146050" y="240965"/>
+                    </a:cubicBezTo>
+                    <a:cubicBezTo>
+                      <a:pt x="45508" y="297057"/>
+                      <a:pt x="22754" y="332511"/>
+                      <a:pt x="0" y="367965"/>
+                    </a:cubicBezTo>
+                  </a:path>
+                </a:pathLst>
+              </a:custGeom>
+              <a:noFill/>
+              <a:ln w="19050">
+                <a:solidFill>
+                  <a:schemeClr val="tx1"/>
+                </a:solidFill>
+                <a:tailEnd type="diamond" w="lg" len="lg"/>
+              </a:ln>
+              <a:effectLst>
+                <a:outerShdw blurRad="50800" dist="76200" dir="2700000" algn="tl" rotWithShape="0">
+                  <a:prstClr val="black">
+                    <a:alpha val="40000"/>
+                  </a:prstClr>
+                </a:outerShdw>
+              </a:effectLst>
+            </p:spPr>
+            <p:style>
+              <a:lnRef idx="2">
+                <a:schemeClr val="accent1">
+                  <a:shade val="50000"/>
+                </a:schemeClr>
+              </a:lnRef>
+              <a:fillRef idx="1">
+                <a:schemeClr val="accent1"/>
+              </a:fillRef>
+              <a:effectRef idx="0">
+                <a:schemeClr val="accent1"/>
+              </a:effectRef>
+              <a:fontRef idx="minor">
+                <a:schemeClr val="lt1"/>
+              </a:fontRef>
+            </p:style>
+            <p:txBody>
+              <a:bodyPr rtlCol="0" anchor="ctr"/>
+              <a:lstStyle/>
+              <a:p>
+                <a:pPr algn="ctr"/>
+                <a:endParaRPr lang="en-US" sz="1200" b="1">
+                  <a:latin typeface="Arial" charset="0"/>
+                  <a:ea typeface="Arial" charset="0"/>
+                  <a:cs typeface="Arial" charset="0"/>
+                </a:endParaRPr>
+              </a:p>
+            </p:txBody>
+          </p:sp>
+        </p:grpSp>
+        <p:sp>
+          <p:nvSpPr>
+            <p:cNvPr id="77" name="TextBox 76"/>
+            <p:cNvSpPr txBox="1"/>
+            <p:nvPr/>
+          </p:nvSpPr>
+          <p:spPr>
+            <a:xfrm>
+              <a:off x="9888898" y="1575179"/>
+              <a:ext cx="371330" cy="461665"/>
+            </a:xfrm>
+            <a:prstGeom prst="rect">
+              <a:avLst/>
+            </a:prstGeom>
+            <a:noFill/>
+          </p:spPr>
+          <p:txBody>
+            <a:bodyPr wrap="square" rtlCol="0">
+              <a:spAutoFit/>
+            </a:bodyPr>
+            <a:lstStyle/>
+            <a:p>
+              <a:r>
+                <a:rPr lang="en-US" sz="2400" b="1" dirty="0" smtClean="0">
+                  <a:solidFill>
+                    <a:schemeClr val="accent4"/>
+                  </a:solidFill>
+                </a:rPr>
+                <a:t>x</a:t>
+              </a:r>
+              <a:endParaRPr lang="en-US" sz="2400" b="1" dirty="0">
+                <a:solidFill>
+                  <a:schemeClr val="accent4"/>
+                </a:solidFill>
+              </a:endParaRPr>
+            </a:p>
+          </p:txBody>
+        </p:sp>
+      </p:grpSp>
       <p:pic>
         <p:nvPicPr>
-          <p:cNvPr id="2" name="Picture 1"/>
+          <p:cNvPr id="35" name="Picture 34"/>
           <p:cNvPicPr>
             <a:picLocks noChangeAspect="1"/>
           </p:cNvPicPr>
@@ -8458,8 +10638,8 @@
         </p:blipFill>
         <p:spPr>
           <a:xfrm>
-            <a:off x="634812" y="1600079"/>
-            <a:ext cx="6141807" cy="3482283"/>
+            <a:off x="1029282" y="1575179"/>
+            <a:ext cx="5708198" cy="3634130"/>
           </a:xfrm>
           <a:prstGeom prst="rect">
             <a:avLst/>
@@ -8479,7 +10659,7 @@
 </p:sld>
 </file>
 
-<file path=ppt/slides/slide8.xml><?xml version="1.0" encoding="utf-8"?>
+<file path=ppt/slides/slide9.xml><?xml version="1.0" encoding="utf-8"?>
 <p:sld xmlns:a="http://schemas.openxmlformats.org/drawingml/2006/main" xmlns:r="http://schemas.openxmlformats.org/officeDocument/2006/relationships" xmlns:p="http://schemas.openxmlformats.org/presentationml/2006/main">
   <p:cSld>
     <p:spTree>
@@ -8535,7 +10715,7 @@
         <p:spPr>
           <a:xfrm>
             <a:off x="778009" y="5402647"/>
-            <a:ext cx="2991268" cy="369332"/>
+            <a:ext cx="2778902" cy="369332"/>
           </a:xfrm>
           <a:prstGeom prst="rect">
             <a:avLst/>
@@ -8556,8 +10736,12 @@
               <a:t>test_pm_model</a:t>
             </a:r>
             <a:r>
+              <a:rPr lang="en-US" b="1" dirty="0"/>
+              <a:t>('test2</a:t>
+            </a:r>
+            <a:r>
               <a:rPr lang="en-US" b="1" dirty="0" smtClean="0"/>
-              <a:t>('model2');</a:t>
+              <a:t>');</a:t>
             </a:r>
             <a:endParaRPr lang="en-US" b="1" dirty="0"/>
           </a:p>
@@ -8565,104 +10749,27 @@
       </p:sp>
       <p:pic>
         <p:nvPicPr>
-          <p:cNvPr id="5" name="Picture 4"/>
+          <p:cNvPr id="7" name="Picture 6"/>
           <p:cNvPicPr>
             <a:picLocks noChangeAspect="1"/>
           </p:cNvPicPr>
           <p:nvPr/>
         </p:nvPicPr>
-        <p:blipFill>
+        <p:blipFill rotWithShape="1">
           <a:blip r:embed="rId2"/>
-          <a:stretch>
-            <a:fillRect/>
-          </a:stretch>
+          <a:srcRect r="14132"/>
+          <a:stretch/>
         </p:blipFill>
         <p:spPr>
           <a:xfrm>
-            <a:off x="674653" y="1324364"/>
-            <a:ext cx="6065129" cy="3898125"/>
+            <a:off x="1070919" y="1037092"/>
+            <a:ext cx="5662390" cy="4103337"/>
           </a:xfrm>
           <a:prstGeom prst="rect">
             <a:avLst/>
           </a:prstGeom>
         </p:spPr>
       </p:pic>
-      <p:sp>
-        <p:nvSpPr>
-          <p:cNvPr id="6" name="TextBox 5"/>
-          <p:cNvSpPr txBox="1"/>
-          <p:nvPr/>
-        </p:nvSpPr>
-        <p:spPr>
-          <a:xfrm>
-            <a:off x="7620000" y="1552353"/>
-            <a:ext cx="4004930" cy="1477328"/>
-          </a:xfrm>
-          <a:prstGeom prst="rect">
-            <a:avLst/>
-          </a:prstGeom>
-          <a:noFill/>
-        </p:spPr>
-        <p:txBody>
-          <a:bodyPr wrap="square" rtlCol="0">
-            <a:spAutoFit/>
-          </a:bodyPr>
-          <a:lstStyle/>
-          <a:p>
-            <a:r>
-              <a:rPr lang="en-US" dirty="0" smtClean="0">
-                <a:solidFill>
-                  <a:srgbClr val="FF0000"/>
-                </a:solidFill>
-              </a:rPr>
-              <a:t>Q: In </a:t>
-            </a:r>
-            <a:r>
-              <a:rPr lang="en-US" dirty="0" err="1" smtClean="0">
-                <a:solidFill>
-                  <a:srgbClr val="FF0000"/>
-                </a:solidFill>
-              </a:rPr>
-              <a:t>Sua</a:t>
-            </a:r>
-            <a:r>
-              <a:rPr lang="en-US" dirty="0" smtClean="0">
-                <a:solidFill>
-                  <a:srgbClr val="FF0000"/>
-                </a:solidFill>
-              </a:rPr>
-              <a:t>-/- cells, do we still see that the duration of mitosis is dependent on the inhibitor strength? </a:t>
-            </a:r>
-            <a:endParaRPr lang="en-US" dirty="0" smtClean="0">
-              <a:solidFill>
-                <a:srgbClr val="FF0000"/>
-              </a:solidFill>
-            </a:endParaRPr>
-          </a:p>
-          <a:p>
-            <a:endParaRPr lang="en-US" dirty="0">
-              <a:solidFill>
-                <a:srgbClr val="FF0000"/>
-              </a:solidFill>
-            </a:endParaRPr>
-          </a:p>
-          <a:p>
-            <a:r>
-              <a:rPr lang="en-US" dirty="0" smtClean="0">
-                <a:solidFill>
-                  <a:srgbClr val="FF0000"/>
-                </a:solidFill>
-              </a:rPr>
-              <a:t>Take a look at Fig 4D. </a:t>
-            </a:r>
-            <a:endParaRPr lang="en-US" dirty="0">
-              <a:solidFill>
-                <a:srgbClr val="FF0000"/>
-              </a:solidFill>
-            </a:endParaRPr>
-          </a:p>
-        </p:txBody>
-      </p:sp>
     </p:spTree>
     <p:extLst>
       <p:ext uri="{BB962C8B-B14F-4D97-AF65-F5344CB8AC3E}">
@@ -8935,4 +11042,265 @@
     </a:ext>
   </a:extLst>
 </a:theme>
+</file>
+
+<file path=ppt/theme/theme2.xml><?xml version="1.0" encoding="utf-8"?>
+<a:theme xmlns:a="http://schemas.openxmlformats.org/drawingml/2006/main" name="Office Theme">
+  <a:themeElements>
+    <a:clrScheme name="Office">
+      <a:dk1>
+        <a:sysClr val="windowText" lastClr="000000"/>
+      </a:dk1>
+      <a:lt1>
+        <a:sysClr val="window" lastClr="FFFFFF"/>
+      </a:lt1>
+      <a:dk2>
+        <a:srgbClr val="44546A"/>
+      </a:dk2>
+      <a:lt2>
+        <a:srgbClr val="E7E6E6"/>
+      </a:lt2>
+      <a:accent1>
+        <a:srgbClr val="4472C4"/>
+      </a:accent1>
+      <a:accent2>
+        <a:srgbClr val="ED7D31"/>
+      </a:accent2>
+      <a:accent3>
+        <a:srgbClr val="A5A5A5"/>
+      </a:accent3>
+      <a:accent4>
+        <a:srgbClr val="FFC000"/>
+      </a:accent4>
+      <a:accent5>
+        <a:srgbClr val="5B9BD5"/>
+      </a:accent5>
+      <a:accent6>
+        <a:srgbClr val="70AD47"/>
+      </a:accent6>
+      <a:hlink>
+        <a:srgbClr val="0563C1"/>
+      </a:hlink>
+      <a:folHlink>
+        <a:srgbClr val="954F72"/>
+      </a:folHlink>
+    </a:clrScheme>
+    <a:fontScheme name="Office">
+      <a:majorFont>
+        <a:latin typeface="Calibri Light" panose="020F0302020204030204"/>
+        <a:ea typeface=""/>
+        <a:cs typeface=""/>
+        <a:font script="Jpan" typeface="Yu Gothic Light"/>
+        <a:font script="Hang" typeface="맑은 고딕"/>
+        <a:font script="Hans" typeface="DengXian Light"/>
+        <a:font script="Hant" typeface="新細明體"/>
+        <a:font script="Arab" typeface="Times New Roman"/>
+        <a:font script="Hebr" typeface="Times New Roman"/>
+        <a:font script="Thai" typeface="Angsana New"/>
+        <a:font script="Ethi" typeface="Nyala"/>
+        <a:font script="Beng" typeface="Vrinda"/>
+        <a:font script="Gujr" typeface="Shruti"/>
+        <a:font script="Khmr" typeface="MoolBoran"/>
+        <a:font script="Knda" typeface="Tunga"/>
+        <a:font script="Guru" typeface="Raavi"/>
+        <a:font script="Cans" typeface="Euphemia"/>
+        <a:font script="Cher" typeface="Plantagenet Cherokee"/>
+        <a:font script="Yiii" typeface="Microsoft Yi Baiti"/>
+        <a:font script="Tibt" typeface="Microsoft Himalaya"/>
+        <a:font script="Thaa" typeface="MV Boli"/>
+        <a:font script="Deva" typeface="Mangal"/>
+        <a:font script="Telu" typeface="Gautami"/>
+        <a:font script="Taml" typeface="Latha"/>
+        <a:font script="Syrc" typeface="Estrangelo Edessa"/>
+        <a:font script="Orya" typeface="Kalinga"/>
+        <a:font script="Mlym" typeface="Kartika"/>
+        <a:font script="Laoo" typeface="DokChampa"/>
+        <a:font script="Sinh" typeface="Iskoola Pota"/>
+        <a:font script="Mong" typeface="Mongolian Baiti"/>
+        <a:font script="Viet" typeface="Times New Roman"/>
+        <a:font script="Uigh" typeface="Microsoft Uighur"/>
+        <a:font script="Geor" typeface="Sylfaen"/>
+      </a:majorFont>
+      <a:minorFont>
+        <a:latin typeface="Calibri" panose="020F0502020204030204"/>
+        <a:ea typeface=""/>
+        <a:cs typeface=""/>
+        <a:font script="Jpan" typeface="Yu Gothic"/>
+        <a:font script="Hang" typeface="맑은 고딕"/>
+        <a:font script="Hans" typeface="DengXian"/>
+        <a:font script="Hant" typeface="新細明體"/>
+        <a:font script="Arab" typeface="Arial"/>
+        <a:font script="Hebr" typeface="Arial"/>
+        <a:font script="Thai" typeface="Cordia New"/>
+        <a:font script="Ethi" typeface="Nyala"/>
+        <a:font script="Beng" typeface="Vrinda"/>
+        <a:font script="Gujr" typeface="Shruti"/>
+        <a:font script="Khmr" typeface="DaunPenh"/>
+        <a:font script="Knda" typeface="Tunga"/>
+        <a:font script="Guru" typeface="Raavi"/>
+        <a:font script="Cans" typeface="Euphemia"/>
+        <a:font script="Cher" typeface="Plantagenet Cherokee"/>
+        <a:font script="Yiii" typeface="Microsoft Yi Baiti"/>
+        <a:font script="Tibt" typeface="Microsoft Himalaya"/>
+        <a:font script="Thaa" typeface="MV Boli"/>
+        <a:font script="Deva" typeface="Mangal"/>
+        <a:font script="Telu" typeface="Gautami"/>
+        <a:font script="Taml" typeface="Latha"/>
+        <a:font script="Syrc" typeface="Estrangelo Edessa"/>
+        <a:font script="Orya" typeface="Kalinga"/>
+        <a:font script="Mlym" typeface="Kartika"/>
+        <a:font script="Laoo" typeface="DokChampa"/>
+        <a:font script="Sinh" typeface="Iskoola Pota"/>
+        <a:font script="Mong" typeface="Mongolian Baiti"/>
+        <a:font script="Viet" typeface="Arial"/>
+        <a:font script="Uigh" typeface="Microsoft Uighur"/>
+        <a:font script="Geor" typeface="Sylfaen"/>
+      </a:minorFont>
+    </a:fontScheme>
+    <a:fmtScheme name="Office">
+      <a:fillStyleLst>
+        <a:solidFill>
+          <a:schemeClr val="phClr"/>
+        </a:solidFill>
+        <a:gradFill rotWithShape="1">
+          <a:gsLst>
+            <a:gs pos="0">
+              <a:schemeClr val="phClr">
+                <a:lumMod val="110000"/>
+                <a:satMod val="105000"/>
+                <a:tint val="67000"/>
+              </a:schemeClr>
+            </a:gs>
+            <a:gs pos="50000">
+              <a:schemeClr val="phClr">
+                <a:lumMod val="105000"/>
+                <a:satMod val="103000"/>
+                <a:tint val="73000"/>
+              </a:schemeClr>
+            </a:gs>
+            <a:gs pos="100000">
+              <a:schemeClr val="phClr">
+                <a:lumMod val="105000"/>
+                <a:satMod val="109000"/>
+                <a:tint val="81000"/>
+              </a:schemeClr>
+            </a:gs>
+          </a:gsLst>
+          <a:lin ang="5400000" scaled="0"/>
+        </a:gradFill>
+        <a:gradFill rotWithShape="1">
+          <a:gsLst>
+            <a:gs pos="0">
+              <a:schemeClr val="phClr">
+                <a:satMod val="103000"/>
+                <a:lumMod val="102000"/>
+                <a:tint val="94000"/>
+              </a:schemeClr>
+            </a:gs>
+            <a:gs pos="50000">
+              <a:schemeClr val="phClr">
+                <a:satMod val="110000"/>
+                <a:lumMod val="100000"/>
+                <a:shade val="100000"/>
+              </a:schemeClr>
+            </a:gs>
+            <a:gs pos="100000">
+              <a:schemeClr val="phClr">
+                <a:lumMod val="99000"/>
+                <a:satMod val="120000"/>
+                <a:shade val="78000"/>
+              </a:schemeClr>
+            </a:gs>
+          </a:gsLst>
+          <a:lin ang="5400000" scaled="0"/>
+        </a:gradFill>
+      </a:fillStyleLst>
+      <a:lnStyleLst>
+        <a:ln w="6350" cap="flat" cmpd="sng" algn="ctr">
+          <a:solidFill>
+            <a:schemeClr val="phClr"/>
+          </a:solidFill>
+          <a:prstDash val="solid"/>
+          <a:miter lim="800000"/>
+        </a:ln>
+        <a:ln w="12700" cap="flat" cmpd="sng" algn="ctr">
+          <a:solidFill>
+            <a:schemeClr val="phClr"/>
+          </a:solidFill>
+          <a:prstDash val="solid"/>
+          <a:miter lim="800000"/>
+        </a:ln>
+        <a:ln w="19050" cap="flat" cmpd="sng" algn="ctr">
+          <a:solidFill>
+            <a:schemeClr val="phClr"/>
+          </a:solidFill>
+          <a:prstDash val="solid"/>
+          <a:miter lim="800000"/>
+        </a:ln>
+      </a:lnStyleLst>
+      <a:effectStyleLst>
+        <a:effectStyle>
+          <a:effectLst/>
+        </a:effectStyle>
+        <a:effectStyle>
+          <a:effectLst/>
+        </a:effectStyle>
+        <a:effectStyle>
+          <a:effectLst>
+            <a:outerShdw blurRad="57150" dist="19050" dir="5400000" algn="ctr" rotWithShape="0">
+              <a:srgbClr val="000000">
+                <a:alpha val="63000"/>
+              </a:srgbClr>
+            </a:outerShdw>
+          </a:effectLst>
+        </a:effectStyle>
+      </a:effectStyleLst>
+      <a:bgFillStyleLst>
+        <a:solidFill>
+          <a:schemeClr val="phClr"/>
+        </a:solidFill>
+        <a:solidFill>
+          <a:schemeClr val="phClr">
+            <a:tint val="95000"/>
+            <a:satMod val="170000"/>
+          </a:schemeClr>
+        </a:solidFill>
+        <a:gradFill rotWithShape="1">
+          <a:gsLst>
+            <a:gs pos="0">
+              <a:schemeClr val="phClr">
+                <a:tint val="93000"/>
+                <a:satMod val="150000"/>
+                <a:shade val="98000"/>
+                <a:lumMod val="102000"/>
+              </a:schemeClr>
+            </a:gs>
+            <a:gs pos="50000">
+              <a:schemeClr val="phClr">
+                <a:tint val="98000"/>
+                <a:satMod val="130000"/>
+                <a:shade val="90000"/>
+                <a:lumMod val="103000"/>
+              </a:schemeClr>
+            </a:gs>
+            <a:gs pos="100000">
+              <a:schemeClr val="phClr">
+                <a:shade val="63000"/>
+                <a:satMod val="120000"/>
+              </a:schemeClr>
+            </a:gs>
+          </a:gsLst>
+          <a:lin ang="5400000" scaled="0"/>
+        </a:gradFill>
+      </a:bgFillStyleLst>
+    </a:fmtScheme>
+  </a:themeElements>
+  <a:objectDefaults/>
+  <a:extraClrSchemeLst/>
+  <a:extLst>
+    <a:ext uri="{05A4C25C-085E-4340-85A3-A5531E510DB2}">
+      <thm15:themeFamily xmlns:thm15="http://schemas.microsoft.com/office/thememl/2012/main" name="Office Theme" id="{62F939B6-93AF-4DB8-9C6B-D6C7DFDC589F}" vid="{4A3C46E8-61CC-4603-A589-7422A47A8E4A}"/>
+    </a:ext>
+  </a:extLst>
+</a:theme>
 </file>
--- a/app/model/result_0211_2017.pptx
+++ b/app/model/result_0211_2017.pptx
@@ -5,7 +5,7 @@
     <p:sldMasterId id="2147483648" r:id="rId1"/>
   </p:sldMasterIdLst>
   <p:notesMasterIdLst>
-    <p:notesMasterId r:id="rId11"/>
+    <p:notesMasterId r:id="rId12"/>
   </p:notesMasterIdLst>
   <p:sldIdLst>
     <p:sldId id="258" r:id="rId2"/>
@@ -17,6 +17,7 @@
     <p:sldId id="268" r:id="rId8"/>
     <p:sldId id="259" r:id="rId9"/>
     <p:sldId id="262" r:id="rId10"/>
+    <p:sldId id="273" r:id="rId11"/>
   </p:sldIdLst>
   <p:sldSz cx="12192000" cy="6858000"/>
   <p:notesSz cx="6858000" cy="9144000"/>
@@ -205,7 +206,7 @@
           <a:p>
             <a:fld id="{C13B47A7-8C13-6C41-BC82-F20EACC38EDA}" type="datetimeFigureOut">
               <a:rPr lang="en-US" smtClean="0"/>
-              <a:t>6/5/17</a:t>
+              <a:t>7/4/17</a:t>
             </a:fld>
             <a:endParaRPr lang="en-US"/>
           </a:p>
@@ -604,7 +605,7 @@
           <a:p>
             <a:fld id="{13FF81DB-72FD-4E0B-96E8-AA8F3653C4D4}" type="datetimeFigureOut">
               <a:rPr lang="en-US" smtClean="0"/>
-              <a:t>6/5/17</a:t>
+              <a:t>7/4/17</a:t>
             </a:fld>
             <a:endParaRPr lang="en-US"/>
           </a:p>
@@ -774,7 +775,7 @@
           <a:p>
             <a:fld id="{13FF81DB-72FD-4E0B-96E8-AA8F3653C4D4}" type="datetimeFigureOut">
               <a:rPr lang="en-US" smtClean="0"/>
-              <a:t>6/5/17</a:t>
+              <a:t>7/4/17</a:t>
             </a:fld>
             <a:endParaRPr lang="en-US"/>
           </a:p>
@@ -954,7 +955,7 @@
           <a:p>
             <a:fld id="{13FF81DB-72FD-4E0B-96E8-AA8F3653C4D4}" type="datetimeFigureOut">
               <a:rPr lang="en-US" smtClean="0"/>
-              <a:t>6/5/17</a:t>
+              <a:t>7/4/17</a:t>
             </a:fld>
             <a:endParaRPr lang="en-US"/>
           </a:p>
@@ -1124,7 +1125,7 @@
           <a:p>
             <a:fld id="{13FF81DB-72FD-4E0B-96E8-AA8F3653C4D4}" type="datetimeFigureOut">
               <a:rPr lang="en-US" smtClean="0"/>
-              <a:t>6/5/17</a:t>
+              <a:t>7/4/17</a:t>
             </a:fld>
             <a:endParaRPr lang="en-US"/>
           </a:p>
@@ -1370,7 +1371,7 @@
           <a:p>
             <a:fld id="{13FF81DB-72FD-4E0B-96E8-AA8F3653C4D4}" type="datetimeFigureOut">
               <a:rPr lang="en-US" smtClean="0"/>
-              <a:t>6/5/17</a:t>
+              <a:t>7/4/17</a:t>
             </a:fld>
             <a:endParaRPr lang="en-US"/>
           </a:p>
@@ -1602,7 +1603,7 @@
           <a:p>
             <a:fld id="{13FF81DB-72FD-4E0B-96E8-AA8F3653C4D4}" type="datetimeFigureOut">
               <a:rPr lang="en-US" smtClean="0"/>
-              <a:t>6/5/17</a:t>
+              <a:t>7/4/17</a:t>
             </a:fld>
             <a:endParaRPr lang="en-US"/>
           </a:p>
@@ -1969,7 +1970,7 @@
           <a:p>
             <a:fld id="{13FF81DB-72FD-4E0B-96E8-AA8F3653C4D4}" type="datetimeFigureOut">
               <a:rPr lang="en-US" smtClean="0"/>
-              <a:t>6/5/17</a:t>
+              <a:t>7/4/17</a:t>
             </a:fld>
             <a:endParaRPr lang="en-US"/>
           </a:p>
@@ -2087,7 +2088,7 @@
           <a:p>
             <a:fld id="{13FF81DB-72FD-4E0B-96E8-AA8F3653C4D4}" type="datetimeFigureOut">
               <a:rPr lang="en-US" smtClean="0"/>
-              <a:t>6/5/17</a:t>
+              <a:t>7/4/17</a:t>
             </a:fld>
             <a:endParaRPr lang="en-US"/>
           </a:p>
@@ -2182,7 +2183,7 @@
           <a:p>
             <a:fld id="{13FF81DB-72FD-4E0B-96E8-AA8F3653C4D4}" type="datetimeFigureOut">
               <a:rPr lang="en-US" smtClean="0"/>
-              <a:t>6/5/17</a:t>
+              <a:t>7/4/17</a:t>
             </a:fld>
             <a:endParaRPr lang="en-US"/>
           </a:p>
@@ -2459,7 +2460,7 @@
           <a:p>
             <a:fld id="{13FF81DB-72FD-4E0B-96E8-AA8F3653C4D4}" type="datetimeFigureOut">
               <a:rPr lang="en-US" smtClean="0"/>
-              <a:t>6/5/17</a:t>
+              <a:t>7/4/17</a:t>
             </a:fld>
             <a:endParaRPr lang="en-US"/>
           </a:p>
@@ -2712,7 +2713,7 @@
           <a:p>
             <a:fld id="{13FF81DB-72FD-4E0B-96E8-AA8F3653C4D4}" type="datetimeFigureOut">
               <a:rPr lang="en-US" smtClean="0"/>
-              <a:t>6/5/17</a:t>
+              <a:t>7/4/17</a:t>
             </a:fld>
             <a:endParaRPr lang="en-US"/>
           </a:p>
@@ -2925,7 +2926,7 @@
           <a:p>
             <a:fld id="{13FF81DB-72FD-4E0B-96E8-AA8F3653C4D4}" type="datetimeFigureOut">
               <a:rPr lang="en-US" smtClean="0"/>
-              <a:t>6/5/17</a:t>
+              <a:t>7/4/17</a:t>
             </a:fld>
             <a:endParaRPr lang="en-US"/>
           </a:p>
@@ -3353,12 +3354,12 @@
           <a:lstStyle/>
           <a:p>
             <a:r>
-              <a:rPr lang="en-US" sz="1200" b="1" dirty="0" smtClean="0">
+              <a:rPr lang="en-US" sz="1200" b="1" smtClean="0">
                 <a:latin typeface="Arial" charset="0"/>
                 <a:ea typeface="Arial" charset="0"/>
                 <a:cs typeface="Arial" charset="0"/>
               </a:rPr>
-              <a:t>Network graph</a:t>
+              <a:t>Network graph (updated 7/4/2017)</a:t>
             </a:r>
             <a:endParaRPr lang="en-US" sz="1200" b="1" dirty="0">
               <a:latin typeface="Arial" charset="0"/>
@@ -3414,7 +3415,7 @@
             </a:r>
             <a:r>
               <a:rPr lang="en-US" b="1" dirty="0" smtClean="0"/>
-              <a:t>('model4');</a:t>
+              <a:t>(’test4');</a:t>
             </a:r>
             <a:endParaRPr lang="en-US" b="1" dirty="0"/>
           </a:p>
@@ -4687,7 +4688,7 @@
       </p:grpSp>
       <p:pic>
         <p:nvPicPr>
-          <p:cNvPr id="33" name="Picture 32"/>
+          <p:cNvPr id="37" name="Picture 36"/>
           <p:cNvPicPr>
             <a:picLocks noChangeAspect="1"/>
           </p:cNvPicPr>
@@ -4695,13 +4696,13 @@
         </p:nvPicPr>
         <p:blipFill rotWithShape="1">
           <a:blip r:embed="rId2"/>
-          <a:srcRect r="14664"/>
+          <a:srcRect r="17342"/>
           <a:stretch/>
         </p:blipFill>
         <p:spPr>
           <a:xfrm>
-            <a:off x="3705" y="3230721"/>
-            <a:ext cx="4514381" cy="3339876"/>
+            <a:off x="613956" y="3418792"/>
+            <a:ext cx="3942147" cy="2898790"/>
           </a:xfrm>
           <a:prstGeom prst="rect">
             <a:avLst/>
@@ -4710,22 +4711,21 @@
       </p:pic>
       <p:pic>
         <p:nvPicPr>
-          <p:cNvPr id="36" name="Picture 35"/>
+          <p:cNvPr id="38" name="Picture 37"/>
           <p:cNvPicPr>
             <a:picLocks noChangeAspect="1"/>
           </p:cNvPicPr>
           <p:nvPr/>
         </p:nvPicPr>
-        <p:blipFill>
+        <p:blipFill rotWithShape="1">
           <a:blip r:embed="rId3"/>
-          <a:stretch>
-            <a:fillRect/>
-          </a:stretch>
+          <a:srcRect r="14876"/>
+          <a:stretch/>
         </p:blipFill>
         <p:spPr>
           <a:xfrm>
-            <a:off x="5366034" y="3310215"/>
-            <a:ext cx="4927893" cy="3115945"/>
+            <a:off x="5366035" y="3399498"/>
+            <a:ext cx="3924413" cy="2798106"/>
           </a:xfrm>
           <a:prstGeom prst="rect">
             <a:avLst/>
@@ -4742,6 +4742,2078 @@
   <p:clrMapOvr>
     <a:masterClrMapping/>
   </p:clrMapOvr>
+</p:sld>
+</file>
+
+<file path=ppt/slides/slide10.xml><?xml version="1.0" encoding="utf-8"?>
+<p:sld xmlns:a="http://schemas.openxmlformats.org/drawingml/2006/main" xmlns:r="http://schemas.openxmlformats.org/officeDocument/2006/relationships" xmlns:p="http://schemas.openxmlformats.org/presentationml/2006/main">
+  <p:cSld>
+    <p:spTree>
+      <p:nvGrpSpPr>
+        <p:cNvPr id="1" name=""/>
+        <p:cNvGrpSpPr/>
+        <p:nvPr/>
+      </p:nvGrpSpPr>
+      <p:grpSpPr>
+        <a:xfrm>
+          <a:off x="0" y="0"/>
+          <a:ext cx="0" cy="0"/>
+          <a:chOff x="0" y="0"/>
+          <a:chExt cx="0" cy="0"/>
+        </a:xfrm>
+      </p:grpSpPr>
+      <p:pic>
+        <p:nvPicPr>
+          <p:cNvPr id="4" name="Picture 3"/>
+          <p:cNvPicPr>
+            <a:picLocks noChangeAspect="1"/>
+          </p:cNvPicPr>
+          <p:nvPr/>
+        </p:nvPicPr>
+        <p:blipFill>
+          <a:blip r:embed="rId2"/>
+          <a:stretch>
+            <a:fillRect/>
+          </a:stretch>
+        </p:blipFill>
+        <p:spPr>
+          <a:xfrm>
+            <a:off x="214169" y="3619499"/>
+            <a:ext cx="5036704" cy="2684537"/>
+          </a:xfrm>
+          <a:prstGeom prst="rect">
+            <a:avLst/>
+          </a:prstGeom>
+        </p:spPr>
+      </p:pic>
+      <p:pic>
+        <p:nvPicPr>
+          <p:cNvPr id="5" name="Picture 4"/>
+          <p:cNvPicPr>
+            <a:picLocks noChangeAspect="1"/>
+          </p:cNvPicPr>
+          <p:nvPr/>
+        </p:nvPicPr>
+        <p:blipFill>
+          <a:blip r:embed="rId3"/>
+          <a:stretch>
+            <a:fillRect/>
+          </a:stretch>
+        </p:blipFill>
+        <p:spPr>
+          <a:xfrm>
+            <a:off x="6400800" y="3591250"/>
+            <a:ext cx="4705350" cy="2504749"/>
+          </a:xfrm>
+          <a:prstGeom prst="rect">
+            <a:avLst/>
+          </a:prstGeom>
+        </p:spPr>
+      </p:pic>
+      <p:pic>
+        <p:nvPicPr>
+          <p:cNvPr id="15" name="Picture 14"/>
+          <p:cNvPicPr>
+            <a:picLocks noChangeAspect="1"/>
+          </p:cNvPicPr>
+          <p:nvPr/>
+        </p:nvPicPr>
+        <p:blipFill>
+          <a:blip r:embed="rId4"/>
+          <a:stretch>
+            <a:fillRect/>
+          </a:stretch>
+        </p:blipFill>
+        <p:spPr>
+          <a:xfrm>
+            <a:off x="3255826" y="374956"/>
+            <a:ext cx="5508653" cy="2894717"/>
+          </a:xfrm>
+          <a:prstGeom prst="rect">
+            <a:avLst/>
+          </a:prstGeom>
+        </p:spPr>
+      </p:pic>
+      <p:sp>
+        <p:nvSpPr>
+          <p:cNvPr id="46" name="TextBox 45"/>
+          <p:cNvSpPr txBox="1"/>
+          <p:nvPr/>
+        </p:nvSpPr>
+        <p:spPr>
+          <a:xfrm>
+            <a:off x="214169" y="532834"/>
+            <a:ext cx="2657368" cy="923330"/>
+          </a:xfrm>
+          <a:prstGeom prst="rect">
+            <a:avLst/>
+          </a:prstGeom>
+          <a:noFill/>
+        </p:spPr>
+        <p:txBody>
+          <a:bodyPr wrap="square" rtlCol="0">
+            <a:spAutoFit/>
+          </a:bodyPr>
+          <a:lstStyle/>
+          <a:p>
+            <a:r>
+              <a:rPr lang="en-US" dirty="0"/>
+              <a:t>&gt;&gt; </a:t>
+            </a:r>
+            <a:r>
+              <a:rPr lang="en-US" dirty="0" err="1" smtClean="0"/>
+              <a:t>test_pm_model</a:t>
+            </a:r>
+            <a:r>
+              <a:rPr lang="en-US" dirty="0"/>
+              <a:t>('test5', '</a:t>
+            </a:r>
+            <a:r>
+              <a:rPr lang="en-US" dirty="0" err="1"/>
+              <a:t>show_figure</a:t>
+            </a:r>
+            <a:r>
+              <a:rPr lang="en-US" dirty="0"/>
+              <a:t>', 1</a:t>
+            </a:r>
+            <a:r>
+              <a:rPr lang="en-US" dirty="0" smtClean="0"/>
+              <a:t>);</a:t>
+            </a:r>
+          </a:p>
+          <a:p>
+            <a:r>
+              <a:rPr lang="en-US" dirty="0" smtClean="0"/>
+              <a:t>% uses model2</a:t>
+            </a:r>
+            <a:endParaRPr lang="en-US" dirty="0"/>
+          </a:p>
+        </p:txBody>
+      </p:sp>
+      <p:grpSp>
+        <p:nvGrpSpPr>
+          <p:cNvPr id="26" name="Group 25"/>
+          <p:cNvGrpSpPr/>
+          <p:nvPr/>
+        </p:nvGrpSpPr>
+        <p:grpSpPr>
+          <a:xfrm>
+            <a:off x="8431275" y="374956"/>
+            <a:ext cx="3343799" cy="2847420"/>
+            <a:chOff x="4781799" y="39612"/>
+            <a:chExt cx="3343799" cy="2847420"/>
+          </a:xfrm>
+        </p:grpSpPr>
+        <p:grpSp>
+          <p:nvGrpSpPr>
+            <p:cNvPr id="27" name="Group 26"/>
+            <p:cNvGrpSpPr/>
+            <p:nvPr/>
+          </p:nvGrpSpPr>
+          <p:grpSpPr>
+            <a:xfrm>
+              <a:off x="4781799" y="39612"/>
+              <a:ext cx="3343799" cy="2847420"/>
+              <a:chOff x="8455111" y="0"/>
+              <a:chExt cx="3809638" cy="3160786"/>
+            </a:xfrm>
+          </p:grpSpPr>
+          <p:pic>
+            <p:nvPicPr>
+              <p:cNvPr id="58" name="Picture 57"/>
+              <p:cNvPicPr>
+                <a:picLocks noChangeAspect="1"/>
+              </p:cNvPicPr>
+              <p:nvPr/>
+            </p:nvPicPr>
+            <p:blipFill rotWithShape="1">
+              <a:blip r:embed="rId5"/>
+              <a:srcRect l="11295" t="6324" r="11950" b="9944"/>
+              <a:stretch/>
+            </p:blipFill>
+            <p:spPr>
+              <a:xfrm>
+                <a:off x="9494814" y="251338"/>
+                <a:ext cx="2353769" cy="1925782"/>
+              </a:xfrm>
+              <a:prstGeom prst="rect">
+                <a:avLst/>
+              </a:prstGeom>
+            </p:spPr>
+          </p:pic>
+          <p:grpSp>
+            <p:nvGrpSpPr>
+              <p:cNvPr id="59" name="Group 58"/>
+              <p:cNvGrpSpPr/>
+              <p:nvPr/>
+            </p:nvGrpSpPr>
+            <p:grpSpPr>
+              <a:xfrm>
+                <a:off x="8455111" y="0"/>
+                <a:ext cx="3809638" cy="3160786"/>
+                <a:chOff x="4470918" y="0"/>
+                <a:chExt cx="3809638" cy="3160786"/>
+              </a:xfrm>
+            </p:grpSpPr>
+            <p:sp>
+              <p:nvSpPr>
+                <p:cNvPr id="70" name="TextBox 69"/>
+                <p:cNvSpPr txBox="1"/>
+                <p:nvPr/>
+              </p:nvSpPr>
+              <p:spPr>
+                <a:xfrm>
+                  <a:off x="5419263" y="0"/>
+                  <a:ext cx="2507673" cy="276999"/>
+                </a:xfrm>
+                <a:prstGeom prst="rect">
+                  <a:avLst/>
+                </a:prstGeom>
+                <a:noFill/>
+              </p:spPr>
+              <p:txBody>
+                <a:bodyPr wrap="square" rtlCol="0">
+                  <a:spAutoFit/>
+                </a:bodyPr>
+                <a:lstStyle/>
+                <a:p>
+                  <a:pPr algn="ctr"/>
+                  <a:r>
+                    <a:rPr lang="en-US" sz="1200" b="1" dirty="0" smtClean="0">
+                      <a:latin typeface="Arial" charset="0"/>
+                      <a:ea typeface="Arial" charset="0"/>
+                      <a:cs typeface="Arial" charset="0"/>
+                    </a:rPr>
+                    <a:t>Signal Matrix (min</a:t>
+                  </a:r>
+                  <a:r>
+                    <a:rPr lang="en-US" sz="1200" b="1" baseline="30000" dirty="0" smtClean="0">
+                      <a:latin typeface="Arial" charset="0"/>
+                      <a:ea typeface="Arial" charset="0"/>
+                      <a:cs typeface="Arial" charset="0"/>
+                    </a:rPr>
+                    <a:t>-1</a:t>
+                  </a:r>
+                  <a:r>
+                    <a:rPr lang="en-US" sz="1200" b="1" dirty="0" smtClean="0">
+                      <a:latin typeface="Arial" charset="0"/>
+                      <a:ea typeface="Arial" charset="0"/>
+                      <a:cs typeface="Arial" charset="0"/>
+                    </a:rPr>
+                    <a:t>)</a:t>
+                  </a:r>
+                  <a:endParaRPr lang="en-US" sz="1200" b="1" dirty="0">
+                    <a:latin typeface="Arial" charset="0"/>
+                    <a:ea typeface="Arial" charset="0"/>
+                    <a:cs typeface="Arial" charset="0"/>
+                  </a:endParaRPr>
+                </a:p>
+              </p:txBody>
+            </p:sp>
+            <p:sp>
+              <p:nvSpPr>
+                <p:cNvPr id="71" name="TextBox 70"/>
+                <p:cNvSpPr txBox="1"/>
+                <p:nvPr/>
+              </p:nvSpPr>
+              <p:spPr>
+                <a:xfrm>
+                  <a:off x="4470918" y="252080"/>
+                  <a:ext cx="593868" cy="1860204"/>
+                </a:xfrm>
+                <a:prstGeom prst="rect">
+                  <a:avLst/>
+                </a:prstGeom>
+                <a:noFill/>
+              </p:spPr>
+              <p:txBody>
+                <a:bodyPr wrap="square" lIns="9144" tIns="9144" rIns="9144" bIns="9144" rtlCol="0">
+                  <a:spAutoFit/>
+                </a:bodyPr>
+                <a:lstStyle/>
+                <a:p>
+                  <a:pPr algn="r">
+                    <a:lnSpc>
+                      <a:spcPts val="2200"/>
+                    </a:lnSpc>
+                  </a:pPr>
+                  <a:r>
+                    <a:rPr lang="en-US" sz="1200" b="1" dirty="0" smtClean="0">
+                      <a:latin typeface="Arial" charset="0"/>
+                      <a:ea typeface="Arial" charset="0"/>
+                      <a:cs typeface="Arial" charset="0"/>
+                    </a:rPr>
+                    <a:t>S10p</a:t>
+                  </a:r>
+                </a:p>
+                <a:p>
+                  <a:pPr algn="r">
+                    <a:lnSpc>
+                      <a:spcPts val="2200"/>
+                    </a:lnSpc>
+                  </a:pPr>
+                  <a:r>
+                    <a:rPr lang="en-US" sz="1200" b="1" dirty="0" smtClean="0">
+                      <a:latin typeface="Arial" charset="0"/>
+                      <a:ea typeface="Arial" charset="0"/>
+                      <a:cs typeface="Arial" charset="0"/>
+                    </a:rPr>
+                    <a:t>Kinase</a:t>
+                  </a:r>
+                </a:p>
+                <a:p>
+                  <a:pPr algn="r">
+                    <a:lnSpc>
+                      <a:spcPts val="2200"/>
+                    </a:lnSpc>
+                  </a:pPr>
+                  <a:r>
+                    <a:rPr lang="en-US" sz="1200" b="1" dirty="0" smtClean="0">
+                      <a:latin typeface="Arial" charset="0"/>
+                      <a:ea typeface="Arial" charset="0"/>
+                      <a:cs typeface="Arial" charset="0"/>
+                    </a:rPr>
+                    <a:t>PTP</a:t>
+                  </a:r>
+                </a:p>
+                <a:p>
+                  <a:pPr algn="r">
+                    <a:lnSpc>
+                      <a:spcPts val="2200"/>
+                    </a:lnSpc>
+                  </a:pPr>
+                  <a:r>
+                    <a:rPr lang="en-US" sz="1200" b="1" dirty="0" smtClean="0">
+                      <a:latin typeface="Arial" charset="0"/>
+                      <a:ea typeface="Arial" charset="0"/>
+                      <a:cs typeface="Arial" charset="0"/>
+                    </a:rPr>
+                    <a:t>K9me</a:t>
+                  </a:r>
+                </a:p>
+                <a:p>
+                  <a:pPr algn="r">
+                    <a:lnSpc>
+                      <a:spcPts val="2200"/>
+                    </a:lnSpc>
+                  </a:pPr>
+                  <a:r>
+                    <a:rPr lang="en-US" sz="1200" b="1" dirty="0" smtClean="0">
+                      <a:latin typeface="Arial" charset="0"/>
+                      <a:ea typeface="Arial" charset="0"/>
+                      <a:cs typeface="Arial" charset="0"/>
+                    </a:rPr>
+                    <a:t>MT</a:t>
+                  </a:r>
+                </a:p>
+                <a:p>
+                  <a:pPr algn="r">
+                    <a:lnSpc>
+                      <a:spcPts val="2200"/>
+                    </a:lnSpc>
+                  </a:pPr>
+                  <a:r>
+                    <a:rPr lang="en-US" sz="1200" b="1" dirty="0" smtClean="0">
+                      <a:latin typeface="Arial" charset="0"/>
+                      <a:ea typeface="Arial" charset="0"/>
+                      <a:cs typeface="Arial" charset="0"/>
+                    </a:rPr>
+                    <a:t>KDM</a:t>
+                  </a:r>
+                  <a:endParaRPr lang="en-US" sz="1200" b="1" dirty="0">
+                    <a:latin typeface="Arial" charset="0"/>
+                    <a:ea typeface="Arial" charset="0"/>
+                    <a:cs typeface="Arial" charset="0"/>
+                  </a:endParaRPr>
+                </a:p>
+              </p:txBody>
+            </p:sp>
+            <p:sp>
+              <p:nvSpPr>
+                <p:cNvPr id="72" name="TextBox 71"/>
+                <p:cNvSpPr txBox="1"/>
+                <p:nvPr/>
+              </p:nvSpPr>
+              <p:spPr>
+                <a:xfrm rot="16200000">
+                  <a:off x="6333367" y="1763176"/>
+                  <a:ext cx="582592" cy="2212628"/>
+                </a:xfrm>
+                <a:prstGeom prst="rect">
+                  <a:avLst/>
+                </a:prstGeom>
+                <a:noFill/>
+              </p:spPr>
+              <p:txBody>
+                <a:bodyPr wrap="square" lIns="9144" tIns="9144" rIns="9144" bIns="9144" rtlCol="0">
+                  <a:spAutoFit/>
+                </a:bodyPr>
+                <a:lstStyle/>
+                <a:p>
+                  <a:pPr algn="r">
+                    <a:lnSpc>
+                      <a:spcPts val="2500"/>
+                    </a:lnSpc>
+                  </a:pPr>
+                  <a:r>
+                    <a:rPr lang="en-US" sz="1200" b="1" dirty="0" smtClean="0">
+                      <a:latin typeface="Arial" charset="0"/>
+                      <a:ea typeface="Arial" charset="0"/>
+                      <a:cs typeface="Arial" charset="0"/>
+                    </a:rPr>
+                    <a:t>S10p</a:t>
+                  </a:r>
+                </a:p>
+                <a:p>
+                  <a:pPr algn="r">
+                    <a:lnSpc>
+                      <a:spcPts val="2500"/>
+                    </a:lnSpc>
+                  </a:pPr>
+                  <a:r>
+                    <a:rPr lang="en-US" sz="1200" b="1" dirty="0" smtClean="0">
+                      <a:latin typeface="Arial" charset="0"/>
+                      <a:ea typeface="Arial" charset="0"/>
+                      <a:cs typeface="Arial" charset="0"/>
+                    </a:rPr>
+                    <a:t>Kinase</a:t>
+                  </a:r>
+                </a:p>
+                <a:p>
+                  <a:pPr algn="r">
+                    <a:lnSpc>
+                      <a:spcPts val="2500"/>
+                    </a:lnSpc>
+                  </a:pPr>
+                  <a:r>
+                    <a:rPr lang="en-US" sz="1200" b="1" dirty="0" smtClean="0">
+                      <a:latin typeface="Arial" charset="0"/>
+                      <a:ea typeface="Arial" charset="0"/>
+                      <a:cs typeface="Arial" charset="0"/>
+                    </a:rPr>
+                    <a:t>PTP</a:t>
+                  </a:r>
+                </a:p>
+                <a:p>
+                  <a:pPr algn="r">
+                    <a:lnSpc>
+                      <a:spcPts val="2500"/>
+                    </a:lnSpc>
+                  </a:pPr>
+                  <a:r>
+                    <a:rPr lang="en-US" sz="1200" b="1" dirty="0" smtClean="0">
+                      <a:latin typeface="Arial" charset="0"/>
+                      <a:ea typeface="Arial" charset="0"/>
+                      <a:cs typeface="Arial" charset="0"/>
+                    </a:rPr>
+                    <a:t>K9me</a:t>
+                  </a:r>
+                </a:p>
+                <a:p>
+                  <a:pPr algn="r">
+                    <a:lnSpc>
+                      <a:spcPts val="2500"/>
+                    </a:lnSpc>
+                  </a:pPr>
+                  <a:r>
+                    <a:rPr lang="en-US" sz="1200" b="1" dirty="0" smtClean="0">
+                      <a:latin typeface="Arial" charset="0"/>
+                      <a:ea typeface="Arial" charset="0"/>
+                      <a:cs typeface="Arial" charset="0"/>
+                    </a:rPr>
+                    <a:t>MT</a:t>
+                  </a:r>
+                </a:p>
+                <a:p>
+                  <a:pPr algn="r">
+                    <a:lnSpc>
+                      <a:spcPts val="2500"/>
+                    </a:lnSpc>
+                  </a:pPr>
+                  <a:r>
+                    <a:rPr lang="en-US" sz="1200" b="1" dirty="0" smtClean="0">
+                      <a:latin typeface="Arial" charset="0"/>
+                      <a:ea typeface="Arial" charset="0"/>
+                      <a:cs typeface="Arial" charset="0"/>
+                    </a:rPr>
+                    <a:t>KDM</a:t>
+                  </a:r>
+                  <a:endParaRPr lang="en-US" sz="1200" b="1" dirty="0">
+                    <a:latin typeface="Arial" charset="0"/>
+                    <a:ea typeface="Arial" charset="0"/>
+                    <a:cs typeface="Arial" charset="0"/>
+                  </a:endParaRPr>
+                </a:p>
+              </p:txBody>
+            </p:sp>
+            <p:sp>
+              <p:nvSpPr>
+                <p:cNvPr id="73" name="TextBox 72"/>
+                <p:cNvSpPr txBox="1"/>
+                <p:nvPr/>
+              </p:nvSpPr>
+              <p:spPr>
+                <a:xfrm>
+                  <a:off x="5926787" y="318404"/>
+                  <a:ext cx="708921" cy="225488"/>
+                </a:xfrm>
+                <a:prstGeom prst="rect">
+                  <a:avLst/>
+                </a:prstGeom>
+                <a:noFill/>
+              </p:spPr>
+              <p:txBody>
+                <a:bodyPr wrap="square" lIns="9144" tIns="9144" rIns="9144" bIns="9144" rtlCol="0">
+                  <a:spAutoFit/>
+                </a:bodyPr>
+                <a:lstStyle/>
+                <a:p>
+                  <a:r>
+                    <a:rPr lang="en-US" sz="1200" b="1" dirty="0" smtClean="0">
+                      <a:solidFill>
+                        <a:schemeClr val="bg1"/>
+                      </a:solidFill>
+                      <a:latin typeface="Arial" charset="0"/>
+                      <a:ea typeface="Arial" charset="0"/>
+                      <a:cs typeface="Arial" charset="0"/>
+                    </a:rPr>
+                    <a:t>1.7  -1.7 </a:t>
+                  </a:r>
+                  <a:endParaRPr lang="en-US" sz="1200" b="1" dirty="0">
+                    <a:solidFill>
+                      <a:schemeClr val="bg1"/>
+                    </a:solidFill>
+                    <a:latin typeface="Arial" charset="0"/>
+                    <a:ea typeface="Arial" charset="0"/>
+                    <a:cs typeface="Arial" charset="0"/>
+                  </a:endParaRPr>
+                </a:p>
+              </p:txBody>
+            </p:sp>
+            <p:sp>
+              <p:nvSpPr>
+                <p:cNvPr id="74" name="TextBox 73"/>
+                <p:cNvSpPr txBox="1"/>
+                <p:nvPr/>
+              </p:nvSpPr>
+              <p:spPr>
+                <a:xfrm>
+                  <a:off x="7017226" y="1246428"/>
+                  <a:ext cx="682936" cy="225488"/>
+                </a:xfrm>
+                <a:prstGeom prst="rect">
+                  <a:avLst/>
+                </a:prstGeom>
+                <a:noFill/>
+              </p:spPr>
+              <p:txBody>
+                <a:bodyPr wrap="square" lIns="9144" tIns="9144" rIns="9144" bIns="9144" rtlCol="0">
+                  <a:spAutoFit/>
+                </a:bodyPr>
+                <a:lstStyle/>
+                <a:p>
+                  <a:r>
+                    <a:rPr lang="en-US" sz="1200" b="1" smtClean="0">
+                      <a:solidFill>
+                        <a:schemeClr val="bg1"/>
+                      </a:solidFill>
+                      <a:latin typeface="Arial" charset="0"/>
+                      <a:ea typeface="Arial" charset="0"/>
+                      <a:cs typeface="Arial" charset="0"/>
+                    </a:rPr>
+                    <a:t>1.3  -</a:t>
+                  </a:r>
+                  <a:r>
+                    <a:rPr lang="en-US" sz="1200" b="1" dirty="0" smtClean="0">
+                      <a:solidFill>
+                        <a:schemeClr val="bg1"/>
+                      </a:solidFill>
+                      <a:latin typeface="Arial" charset="0"/>
+                      <a:ea typeface="Arial" charset="0"/>
+                      <a:cs typeface="Arial" charset="0"/>
+                    </a:rPr>
+                    <a:t>1.3</a:t>
+                  </a:r>
+                  <a:endParaRPr lang="en-US" sz="1200" b="1" dirty="0">
+                    <a:solidFill>
+                      <a:schemeClr val="bg1"/>
+                    </a:solidFill>
+                    <a:latin typeface="Arial" charset="0"/>
+                    <a:ea typeface="Arial" charset="0"/>
+                    <a:cs typeface="Arial" charset="0"/>
+                  </a:endParaRPr>
+                </a:p>
+              </p:txBody>
+            </p:sp>
+            <p:sp>
+              <p:nvSpPr>
+                <p:cNvPr id="75" name="TextBox 74"/>
+                <p:cNvSpPr txBox="1"/>
+                <p:nvPr/>
+              </p:nvSpPr>
+              <p:spPr>
+                <a:xfrm>
+                  <a:off x="7896416" y="212901"/>
+                  <a:ext cx="384140" cy="2070388"/>
+                </a:xfrm>
+                <a:prstGeom prst="rect">
+                  <a:avLst/>
+                </a:prstGeom>
+                <a:noFill/>
+              </p:spPr>
+              <p:txBody>
+                <a:bodyPr wrap="square" lIns="9144" tIns="9144" rIns="9144" bIns="9144" rtlCol="0">
+                  <a:spAutoFit/>
+                </a:bodyPr>
+                <a:lstStyle/>
+                <a:p>
+                  <a:r>
+                    <a:rPr lang="en-US" sz="1200" b="1" dirty="0" smtClean="0">
+                      <a:latin typeface="Arial" charset="0"/>
+                      <a:ea typeface="Arial" charset="0"/>
+                      <a:cs typeface="Arial" charset="0"/>
+                    </a:rPr>
+                    <a:t>.01</a:t>
+                  </a:r>
+                </a:p>
+                <a:p>
+                  <a:endParaRPr lang="en-US" sz="1200" b="1" dirty="0" smtClean="0">
+                    <a:latin typeface="Arial" charset="0"/>
+                    <a:ea typeface="Arial" charset="0"/>
+                    <a:cs typeface="Arial" charset="0"/>
+                  </a:endParaRPr>
+                </a:p>
+                <a:p>
+                  <a:endParaRPr lang="en-US" sz="1200" b="1" dirty="0">
+                    <a:latin typeface="Arial" charset="0"/>
+                    <a:ea typeface="Arial" charset="0"/>
+                    <a:cs typeface="Arial" charset="0"/>
+                  </a:endParaRPr>
+                </a:p>
+                <a:p>
+                  <a:endParaRPr lang="en-US" sz="1200" b="1" dirty="0" smtClean="0">
+                    <a:latin typeface="Arial" charset="0"/>
+                    <a:ea typeface="Arial" charset="0"/>
+                    <a:cs typeface="Arial" charset="0"/>
+                  </a:endParaRPr>
+                </a:p>
+                <a:p>
+                  <a:r>
+                    <a:rPr lang="en-US" sz="1200" b="1" dirty="0" smtClean="0">
+                      <a:latin typeface="Arial" charset="0"/>
+                      <a:ea typeface="Arial" charset="0"/>
+                      <a:cs typeface="Arial" charset="0"/>
+                    </a:rPr>
+                    <a:t>0</a:t>
+                  </a:r>
+                </a:p>
+                <a:p>
+                  <a:endParaRPr lang="en-US" sz="1200" b="1" dirty="0">
+                    <a:latin typeface="Arial" charset="0"/>
+                    <a:ea typeface="Arial" charset="0"/>
+                    <a:cs typeface="Arial" charset="0"/>
+                  </a:endParaRPr>
+                </a:p>
+                <a:p>
+                  <a:endParaRPr lang="en-US" sz="1200" b="1" dirty="0" smtClean="0">
+                    <a:latin typeface="Arial" charset="0"/>
+                    <a:ea typeface="Arial" charset="0"/>
+                    <a:cs typeface="Arial" charset="0"/>
+                  </a:endParaRPr>
+                </a:p>
+                <a:p>
+                  <a:endParaRPr lang="en-US" sz="1200" b="1" dirty="0">
+                    <a:latin typeface="Arial" charset="0"/>
+                    <a:ea typeface="Arial" charset="0"/>
+                    <a:cs typeface="Arial" charset="0"/>
+                  </a:endParaRPr>
+                </a:p>
+                <a:p>
+                  <a:endParaRPr lang="en-US" sz="1200" b="1" dirty="0" smtClean="0">
+                    <a:latin typeface="Arial" charset="0"/>
+                    <a:ea typeface="Arial" charset="0"/>
+                    <a:cs typeface="Arial" charset="0"/>
+                  </a:endParaRPr>
+                </a:p>
+                <a:p>
+                  <a:r>
+                    <a:rPr lang="en-US" sz="1200" b="1" dirty="0" smtClean="0">
+                      <a:latin typeface="Arial" charset="0"/>
+                      <a:ea typeface="Arial" charset="0"/>
+                      <a:cs typeface="Arial" charset="0"/>
+                    </a:rPr>
+                    <a:t>-.01</a:t>
+                  </a:r>
+                  <a:endParaRPr lang="en-US" sz="1200" b="1" dirty="0">
+                    <a:latin typeface="Arial" charset="0"/>
+                    <a:ea typeface="Arial" charset="0"/>
+                    <a:cs typeface="Arial" charset="0"/>
+                  </a:endParaRPr>
+                </a:p>
+              </p:txBody>
+            </p:sp>
+          </p:grpSp>
+          <p:sp>
+            <p:nvSpPr>
+              <p:cNvPr id="60" name="TextBox 59"/>
+              <p:cNvSpPr txBox="1"/>
+              <p:nvPr/>
+            </p:nvSpPr>
+            <p:spPr>
+              <a:xfrm>
+                <a:off x="9511008" y="1585372"/>
+                <a:ext cx="399972" cy="575678"/>
+              </a:xfrm>
+              <a:prstGeom prst="rect">
+                <a:avLst/>
+              </a:prstGeom>
+              <a:noFill/>
+            </p:spPr>
+            <p:txBody>
+              <a:bodyPr wrap="square" lIns="9144" tIns="9144" rIns="9144" bIns="9144" rtlCol="0">
+                <a:spAutoFit/>
+              </a:bodyPr>
+              <a:lstStyle/>
+              <a:p>
+                <a:pPr algn="r">
+                  <a:lnSpc>
+                    <a:spcPts val="1300"/>
+                  </a:lnSpc>
+                </a:pPr>
+                <a:r>
+                  <a:rPr lang="en-US" sz="1100" b="1" dirty="0" smtClean="0">
+                    <a:latin typeface="Arial" charset="0"/>
+                    <a:ea typeface="Arial" charset="0"/>
+                    <a:cs typeface="Arial" charset="0"/>
+                  </a:rPr>
+                  <a:t>-5e-3</a:t>
+                </a:r>
+              </a:p>
+              <a:p>
+                <a:pPr algn="r">
+                  <a:lnSpc>
+                    <a:spcPts val="1300"/>
+                  </a:lnSpc>
+                </a:pPr>
+                <a:endParaRPr lang="en-US" sz="1100" b="1" dirty="0">
+                  <a:latin typeface="Arial" charset="0"/>
+                  <a:ea typeface="Arial" charset="0"/>
+                  <a:cs typeface="Arial" charset="0"/>
+                </a:endParaRPr>
+              </a:p>
+              <a:p>
+                <a:pPr algn="r">
+                  <a:lnSpc>
+                    <a:spcPts val="1300"/>
+                  </a:lnSpc>
+                </a:pPr>
+                <a:r>
+                  <a:rPr lang="en-US" sz="1100" b="1" dirty="0" smtClean="0">
+                    <a:latin typeface="Arial" charset="0"/>
+                    <a:ea typeface="Arial" charset="0"/>
+                    <a:cs typeface="Arial" charset="0"/>
+                  </a:rPr>
+                  <a:t>5e-3</a:t>
+                </a:r>
+                <a:endParaRPr lang="en-US" sz="1100" b="1" dirty="0">
+                  <a:latin typeface="Arial" charset="0"/>
+                  <a:ea typeface="Arial" charset="0"/>
+                  <a:cs typeface="Arial" charset="0"/>
+                </a:endParaRPr>
+              </a:p>
+            </p:txBody>
+          </p:sp>
+          <p:cxnSp>
+            <p:nvCxnSpPr>
+              <p:cNvPr id="61" name="Straight Arrow Connector 60"/>
+              <p:cNvCxnSpPr/>
+              <p:nvPr/>
+            </p:nvCxnSpPr>
+            <p:spPr>
+              <a:xfrm flipH="1" flipV="1">
+                <a:off x="10072146" y="592812"/>
+                <a:ext cx="7959" cy="731487"/>
+              </a:xfrm>
+              <a:prstGeom prst="straightConnector1">
+                <a:avLst/>
+              </a:prstGeom>
+              <a:ln w="19050">
+                <a:solidFill>
+                  <a:schemeClr val="tx1">
+                    <a:lumMod val="65000"/>
+                    <a:lumOff val="35000"/>
+                  </a:schemeClr>
+                </a:solidFill>
+                <a:tailEnd type="arrow"/>
+              </a:ln>
+            </p:spPr>
+            <p:style>
+              <a:lnRef idx="1">
+                <a:schemeClr val="accent1"/>
+              </a:lnRef>
+              <a:fillRef idx="0">
+                <a:schemeClr val="accent1"/>
+              </a:fillRef>
+              <a:effectRef idx="0">
+                <a:schemeClr val="accent1"/>
+              </a:effectRef>
+              <a:fontRef idx="minor">
+                <a:schemeClr val="tx1"/>
+              </a:fontRef>
+            </p:style>
+          </p:cxnSp>
+          <p:cxnSp>
+            <p:nvCxnSpPr>
+              <p:cNvPr id="62" name="Straight Arrow Connector 61"/>
+              <p:cNvCxnSpPr/>
+              <p:nvPr/>
+            </p:nvCxnSpPr>
+            <p:spPr>
+              <a:xfrm flipH="1" flipV="1">
+                <a:off x="10401300" y="659125"/>
+                <a:ext cx="10988" cy="646622"/>
+              </a:xfrm>
+              <a:prstGeom prst="straightConnector1">
+                <a:avLst/>
+              </a:prstGeom>
+              <a:ln w="19050">
+                <a:solidFill>
+                  <a:schemeClr val="tx1">
+                    <a:lumMod val="65000"/>
+                    <a:lumOff val="35000"/>
+                  </a:schemeClr>
+                </a:solidFill>
+                <a:headEnd type="none" w="lg" len="lg"/>
+                <a:tailEnd type="diamond" w="lg" len="lg"/>
+              </a:ln>
+            </p:spPr>
+            <p:style>
+              <a:lnRef idx="1">
+                <a:schemeClr val="accent1"/>
+              </a:lnRef>
+              <a:fillRef idx="0">
+                <a:schemeClr val="accent1"/>
+              </a:fillRef>
+              <a:effectRef idx="0">
+                <a:schemeClr val="accent1"/>
+              </a:effectRef>
+              <a:fontRef idx="minor">
+                <a:schemeClr val="tx1"/>
+              </a:fontRef>
+            </p:style>
+          </p:cxnSp>
+          <p:cxnSp>
+            <p:nvCxnSpPr>
+              <p:cNvPr id="63" name="Straight Arrow Connector 62"/>
+              <p:cNvCxnSpPr/>
+              <p:nvPr/>
+            </p:nvCxnSpPr>
+            <p:spPr>
+              <a:xfrm flipH="1">
+                <a:off x="9235912" y="431268"/>
+                <a:ext cx="645202" cy="4124"/>
+              </a:xfrm>
+              <a:prstGeom prst="straightConnector1">
+                <a:avLst/>
+              </a:prstGeom>
+              <a:ln w="19050">
+                <a:solidFill>
+                  <a:schemeClr val="tx1">
+                    <a:lumMod val="65000"/>
+                    <a:lumOff val="35000"/>
+                  </a:schemeClr>
+                </a:solidFill>
+                <a:tailEnd type="none"/>
+              </a:ln>
+            </p:spPr>
+            <p:style>
+              <a:lnRef idx="1">
+                <a:schemeClr val="accent1"/>
+              </a:lnRef>
+              <a:fillRef idx="0">
+                <a:schemeClr val="accent1"/>
+              </a:fillRef>
+              <a:effectRef idx="0">
+                <a:schemeClr val="accent1"/>
+              </a:effectRef>
+              <a:fontRef idx="minor">
+                <a:schemeClr val="tx1"/>
+              </a:fontRef>
+            </p:style>
+          </p:cxnSp>
+          <p:cxnSp>
+            <p:nvCxnSpPr>
+              <p:cNvPr id="64" name="Straight Arrow Connector 63"/>
+              <p:cNvCxnSpPr/>
+              <p:nvPr/>
+            </p:nvCxnSpPr>
+            <p:spPr>
+              <a:xfrm flipH="1" flipV="1">
+                <a:off x="11153421" y="1535518"/>
+                <a:ext cx="8808" cy="673111"/>
+              </a:xfrm>
+              <a:prstGeom prst="straightConnector1">
+                <a:avLst/>
+              </a:prstGeom>
+              <a:ln w="19050">
+                <a:solidFill>
+                  <a:schemeClr val="tx1">
+                    <a:lumMod val="65000"/>
+                    <a:lumOff val="35000"/>
+                  </a:schemeClr>
+                </a:solidFill>
+                <a:tailEnd type="arrow"/>
+              </a:ln>
+            </p:spPr>
+            <p:style>
+              <a:lnRef idx="1">
+                <a:schemeClr val="accent1"/>
+              </a:lnRef>
+              <a:fillRef idx="0">
+                <a:schemeClr val="accent1"/>
+              </a:fillRef>
+              <a:effectRef idx="0">
+                <a:schemeClr val="accent1"/>
+              </a:effectRef>
+              <a:fontRef idx="minor">
+                <a:schemeClr val="tx1"/>
+              </a:fontRef>
+            </p:style>
+          </p:cxnSp>
+          <p:cxnSp>
+            <p:nvCxnSpPr>
+              <p:cNvPr id="65" name="Straight Arrow Connector 64"/>
+              <p:cNvCxnSpPr/>
+              <p:nvPr/>
+            </p:nvCxnSpPr>
+            <p:spPr>
+              <a:xfrm flipV="1">
+                <a:off x="11524400" y="1604837"/>
+                <a:ext cx="1" cy="719376"/>
+              </a:xfrm>
+              <a:prstGeom prst="straightConnector1">
+                <a:avLst/>
+              </a:prstGeom>
+              <a:ln w="19050">
+                <a:solidFill>
+                  <a:schemeClr val="tx1">
+                    <a:lumMod val="65000"/>
+                    <a:lumOff val="35000"/>
+                  </a:schemeClr>
+                </a:solidFill>
+                <a:tailEnd type="diamond" w="lg" len="lg"/>
+              </a:ln>
+            </p:spPr>
+            <p:style>
+              <a:lnRef idx="1">
+                <a:schemeClr val="accent1"/>
+              </a:lnRef>
+              <a:fillRef idx="0">
+                <a:schemeClr val="accent1"/>
+              </a:fillRef>
+              <a:effectRef idx="0">
+                <a:schemeClr val="accent1"/>
+              </a:effectRef>
+              <a:fontRef idx="minor">
+                <a:schemeClr val="tx1"/>
+              </a:fontRef>
+            </p:style>
+          </p:cxnSp>
+          <p:cxnSp>
+            <p:nvCxnSpPr>
+              <p:cNvPr id="66" name="Straight Arrow Connector 65"/>
+              <p:cNvCxnSpPr/>
+              <p:nvPr/>
+            </p:nvCxnSpPr>
+            <p:spPr>
+              <a:xfrm flipH="1">
+                <a:off x="9051048" y="1379217"/>
+                <a:ext cx="1870776" cy="9798"/>
+              </a:xfrm>
+              <a:prstGeom prst="straightConnector1">
+                <a:avLst/>
+              </a:prstGeom>
+              <a:ln w="19050">
+                <a:solidFill>
+                  <a:schemeClr val="tx1">
+                    <a:lumMod val="65000"/>
+                    <a:lumOff val="35000"/>
+                  </a:schemeClr>
+                </a:solidFill>
+                <a:tailEnd type="arrow"/>
+              </a:ln>
+            </p:spPr>
+            <p:style>
+              <a:lnRef idx="1">
+                <a:schemeClr val="accent1"/>
+              </a:lnRef>
+              <a:fillRef idx="0">
+                <a:schemeClr val="accent1"/>
+              </a:fillRef>
+              <a:effectRef idx="0">
+                <a:schemeClr val="accent1"/>
+              </a:effectRef>
+              <a:fontRef idx="minor">
+                <a:schemeClr val="tx1"/>
+              </a:fontRef>
+            </p:style>
+          </p:cxnSp>
+          <p:cxnSp>
+            <p:nvCxnSpPr>
+              <p:cNvPr id="67" name="Straight Arrow Connector 66"/>
+              <p:cNvCxnSpPr/>
+              <p:nvPr/>
+            </p:nvCxnSpPr>
+            <p:spPr>
+              <a:xfrm flipV="1">
+                <a:off x="9715785" y="2076041"/>
+                <a:ext cx="901" cy="265176"/>
+              </a:xfrm>
+              <a:prstGeom prst="straightConnector1">
+                <a:avLst/>
+              </a:prstGeom>
+              <a:ln w="19050">
+                <a:solidFill>
+                  <a:schemeClr val="tx1">
+                    <a:lumMod val="65000"/>
+                    <a:lumOff val="35000"/>
+                  </a:schemeClr>
+                </a:solidFill>
+                <a:tailEnd type="arrow"/>
+              </a:ln>
+            </p:spPr>
+            <p:style>
+              <a:lnRef idx="1">
+                <a:schemeClr val="accent1"/>
+              </a:lnRef>
+              <a:fillRef idx="0">
+                <a:schemeClr val="accent1"/>
+              </a:fillRef>
+              <a:effectRef idx="0">
+                <a:schemeClr val="accent1"/>
+              </a:effectRef>
+              <a:fontRef idx="minor">
+                <a:schemeClr val="tx1"/>
+              </a:fontRef>
+            </p:style>
+          </p:cxnSp>
+          <p:cxnSp>
+            <p:nvCxnSpPr>
+              <p:cNvPr id="68" name="Straight Arrow Connector 67"/>
+              <p:cNvCxnSpPr/>
+              <p:nvPr/>
+            </p:nvCxnSpPr>
+            <p:spPr>
+              <a:xfrm flipH="1">
+                <a:off x="9086900" y="2032336"/>
+                <a:ext cx="395644" cy="7808"/>
+              </a:xfrm>
+              <a:prstGeom prst="straightConnector1">
+                <a:avLst/>
+              </a:prstGeom>
+              <a:ln w="19050">
+                <a:solidFill>
+                  <a:schemeClr val="tx1">
+                    <a:lumMod val="65000"/>
+                    <a:lumOff val="35000"/>
+                  </a:schemeClr>
+                </a:solidFill>
+                <a:tailEnd type="none"/>
+              </a:ln>
+            </p:spPr>
+            <p:style>
+              <a:lnRef idx="1">
+                <a:schemeClr val="accent1"/>
+              </a:lnRef>
+              <a:fillRef idx="0">
+                <a:schemeClr val="accent1"/>
+              </a:fillRef>
+              <a:effectRef idx="0">
+                <a:schemeClr val="accent1"/>
+              </a:effectRef>
+              <a:fontRef idx="minor">
+                <a:schemeClr val="tx1"/>
+              </a:fontRef>
+            </p:style>
+          </p:cxnSp>
+          <p:cxnSp>
+            <p:nvCxnSpPr>
+              <p:cNvPr id="69" name="Straight Arrow Connector 68"/>
+              <p:cNvCxnSpPr/>
+              <p:nvPr/>
+            </p:nvCxnSpPr>
+            <p:spPr>
+              <a:xfrm flipH="1">
+                <a:off x="9382791" y="1692589"/>
+                <a:ext cx="101013" cy="42"/>
+              </a:xfrm>
+              <a:prstGeom prst="straightConnector1">
+                <a:avLst/>
+              </a:prstGeom>
+              <a:ln w="19050">
+                <a:solidFill>
+                  <a:schemeClr val="tx1">
+                    <a:lumMod val="65000"/>
+                    <a:lumOff val="35000"/>
+                  </a:schemeClr>
+                </a:solidFill>
+                <a:tailEnd type="none" w="lg" len="lg"/>
+              </a:ln>
+            </p:spPr>
+            <p:style>
+              <a:lnRef idx="1">
+                <a:schemeClr val="accent1"/>
+              </a:lnRef>
+              <a:fillRef idx="0">
+                <a:schemeClr val="accent1"/>
+              </a:fillRef>
+              <a:effectRef idx="0">
+                <a:schemeClr val="accent1"/>
+              </a:effectRef>
+              <a:fontRef idx="minor">
+                <a:schemeClr val="tx1"/>
+              </a:fontRef>
+            </p:style>
+          </p:cxnSp>
+        </p:grpSp>
+        <p:cxnSp>
+          <p:nvCxnSpPr>
+            <p:cNvPr id="30" name="Straight Connector 29"/>
+            <p:cNvCxnSpPr/>
+            <p:nvPr/>
+          </p:nvCxnSpPr>
+          <p:spPr>
+            <a:xfrm>
+              <a:off x="5486031" y="434274"/>
+              <a:ext cx="3608" cy="799471"/>
+            </a:xfrm>
+            <a:prstGeom prst="line">
+              <a:avLst/>
+            </a:prstGeom>
+            <a:ln w="19050"/>
+          </p:spPr>
+          <p:style>
+            <a:lnRef idx="2">
+              <a:schemeClr val="dk1"/>
+            </a:lnRef>
+            <a:fillRef idx="0">
+              <a:schemeClr val="dk1"/>
+            </a:fillRef>
+            <a:effectRef idx="1">
+              <a:schemeClr val="dk1"/>
+            </a:effectRef>
+            <a:fontRef idx="minor">
+              <a:schemeClr val="tx1"/>
+            </a:fontRef>
+          </p:style>
+        </p:cxnSp>
+        <p:cxnSp>
+          <p:nvCxnSpPr>
+            <p:cNvPr id="32" name="Straight Arrow Connector 31"/>
+            <p:cNvCxnSpPr/>
+            <p:nvPr/>
+          </p:nvCxnSpPr>
+          <p:spPr>
+            <a:xfrm flipH="1" flipV="1">
+              <a:off x="5493026" y="2140226"/>
+              <a:ext cx="392417" cy="326"/>
+            </a:xfrm>
+            <a:prstGeom prst="straightConnector1">
+              <a:avLst/>
+            </a:prstGeom>
+            <a:ln w="19050">
+              <a:solidFill>
+                <a:schemeClr val="tx1">
+                  <a:lumMod val="65000"/>
+                  <a:lumOff val="35000"/>
+                </a:schemeClr>
+              </a:solidFill>
+              <a:tailEnd type="none"/>
+            </a:ln>
+          </p:spPr>
+          <p:style>
+            <a:lnRef idx="1">
+              <a:schemeClr val="accent1"/>
+            </a:lnRef>
+            <a:fillRef idx="0">
+              <a:schemeClr val="accent1"/>
+            </a:fillRef>
+            <a:effectRef idx="0">
+              <a:schemeClr val="accent1"/>
+            </a:effectRef>
+            <a:fontRef idx="minor">
+              <a:schemeClr val="tx1"/>
+            </a:fontRef>
+          </p:style>
+        </p:cxnSp>
+        <p:sp>
+          <p:nvSpPr>
+            <p:cNvPr id="34" name="Oval 33"/>
+            <p:cNvSpPr/>
+            <p:nvPr/>
+          </p:nvSpPr>
+          <p:spPr>
+            <a:xfrm>
+              <a:off x="6163017" y="2069926"/>
+              <a:ext cx="118872" cy="118872"/>
+            </a:xfrm>
+            <a:prstGeom prst="ellipse">
+              <a:avLst/>
+            </a:prstGeom>
+            <a:noFill/>
+            <a:ln w="19050">
+              <a:solidFill>
+                <a:schemeClr val="tx1">
+                  <a:lumMod val="65000"/>
+                  <a:lumOff val="35000"/>
+                </a:schemeClr>
+              </a:solidFill>
+            </a:ln>
+          </p:spPr>
+          <p:style>
+            <a:lnRef idx="1">
+              <a:schemeClr val="accent1"/>
+            </a:lnRef>
+            <a:fillRef idx="3">
+              <a:schemeClr val="accent1"/>
+            </a:fillRef>
+            <a:effectRef idx="2">
+              <a:schemeClr val="accent1"/>
+            </a:effectRef>
+            <a:fontRef idx="minor">
+              <a:schemeClr val="lt1"/>
+            </a:fontRef>
+          </p:style>
+          <p:txBody>
+            <a:bodyPr rtlCol="0" anchor="ctr"/>
+            <a:lstStyle/>
+            <a:p>
+              <a:pPr algn="ctr"/>
+              <a:endParaRPr lang="en-US"/>
+            </a:p>
+          </p:txBody>
+        </p:sp>
+        <p:cxnSp>
+          <p:nvCxnSpPr>
+            <p:cNvPr id="35" name="Straight Connector 34"/>
+            <p:cNvCxnSpPr/>
+            <p:nvPr/>
+          </p:nvCxnSpPr>
+          <p:spPr>
+            <a:xfrm flipH="1">
+              <a:off x="7016747" y="2027071"/>
+              <a:ext cx="142542" cy="203135"/>
+            </a:xfrm>
+            <a:prstGeom prst="line">
+              <a:avLst/>
+            </a:prstGeom>
+            <a:ln w="19050">
+              <a:solidFill>
+                <a:schemeClr val="tx1">
+                  <a:lumMod val="65000"/>
+                  <a:lumOff val="35000"/>
+                </a:schemeClr>
+              </a:solidFill>
+            </a:ln>
+          </p:spPr>
+          <p:style>
+            <a:lnRef idx="2">
+              <a:schemeClr val="accent1"/>
+            </a:lnRef>
+            <a:fillRef idx="0">
+              <a:schemeClr val="accent1"/>
+            </a:fillRef>
+            <a:effectRef idx="1">
+              <a:schemeClr val="accent1"/>
+            </a:effectRef>
+            <a:fontRef idx="minor">
+              <a:schemeClr val="tx1"/>
+            </a:fontRef>
+          </p:style>
+        </p:cxnSp>
+        <p:sp>
+          <p:nvSpPr>
+            <p:cNvPr id="36" name="Oval 35"/>
+            <p:cNvSpPr/>
+            <p:nvPr/>
+          </p:nvSpPr>
+          <p:spPr>
+            <a:xfrm>
+              <a:off x="7220046" y="2133479"/>
+              <a:ext cx="118872" cy="118872"/>
+            </a:xfrm>
+            <a:prstGeom prst="ellipse">
+              <a:avLst/>
+            </a:prstGeom>
+            <a:noFill/>
+            <a:ln w="19050">
+              <a:solidFill>
+                <a:schemeClr val="tx1">
+                  <a:lumMod val="65000"/>
+                  <a:lumOff val="35000"/>
+                </a:schemeClr>
+              </a:solidFill>
+            </a:ln>
+          </p:spPr>
+          <p:style>
+            <a:lnRef idx="1">
+              <a:schemeClr val="accent1"/>
+            </a:lnRef>
+            <a:fillRef idx="3">
+              <a:schemeClr val="accent1"/>
+            </a:fillRef>
+            <a:effectRef idx="2">
+              <a:schemeClr val="accent1"/>
+            </a:effectRef>
+            <a:fontRef idx="minor">
+              <a:schemeClr val="lt1"/>
+            </a:fontRef>
+          </p:style>
+          <p:txBody>
+            <a:bodyPr rtlCol="0" anchor="ctr"/>
+            <a:lstStyle/>
+            <a:p>
+              <a:pPr algn="ctr"/>
+              <a:endParaRPr lang="en-US"/>
+            </a:p>
+          </p:txBody>
+        </p:sp>
+        <p:cxnSp>
+          <p:nvCxnSpPr>
+            <p:cNvPr id="37" name="Straight Connector 36"/>
+            <p:cNvCxnSpPr/>
+            <p:nvPr/>
+          </p:nvCxnSpPr>
+          <p:spPr>
+            <a:xfrm>
+              <a:off x="7157893" y="2033715"/>
+              <a:ext cx="87206" cy="115002"/>
+            </a:xfrm>
+            <a:prstGeom prst="line">
+              <a:avLst/>
+            </a:prstGeom>
+            <a:ln w="19050">
+              <a:solidFill>
+                <a:schemeClr val="tx1">
+                  <a:lumMod val="65000"/>
+                  <a:lumOff val="35000"/>
+                </a:schemeClr>
+              </a:solidFill>
+            </a:ln>
+          </p:spPr>
+          <p:style>
+            <a:lnRef idx="2">
+              <a:schemeClr val="accent1"/>
+            </a:lnRef>
+            <a:fillRef idx="0">
+              <a:schemeClr val="accent1"/>
+            </a:fillRef>
+            <a:effectRef idx="1">
+              <a:schemeClr val="accent1"/>
+            </a:effectRef>
+            <a:fontRef idx="minor">
+              <a:schemeClr val="tx1"/>
+            </a:fontRef>
+          </p:style>
+        </p:cxnSp>
+        <p:cxnSp>
+          <p:nvCxnSpPr>
+            <p:cNvPr id="38" name="Straight Connector 37"/>
+            <p:cNvCxnSpPr/>
+            <p:nvPr/>
+          </p:nvCxnSpPr>
+          <p:spPr>
+            <a:xfrm>
+              <a:off x="5604631" y="1564433"/>
+              <a:ext cx="3550" cy="240418"/>
+            </a:xfrm>
+            <a:prstGeom prst="line">
+              <a:avLst/>
+            </a:prstGeom>
+            <a:ln w="19050"/>
+          </p:spPr>
+          <p:style>
+            <a:lnRef idx="2">
+              <a:schemeClr val="dk1"/>
+            </a:lnRef>
+            <a:fillRef idx="0">
+              <a:schemeClr val="dk1"/>
+            </a:fillRef>
+            <a:effectRef idx="1">
+              <a:schemeClr val="dk1"/>
+            </a:effectRef>
+            <a:fontRef idx="minor">
+              <a:schemeClr val="tx1"/>
+            </a:fontRef>
+          </p:style>
+        </p:cxnSp>
+        <p:cxnSp>
+          <p:nvCxnSpPr>
+            <p:cNvPr id="40" name="Straight Arrow Connector 39"/>
+            <p:cNvCxnSpPr/>
+            <p:nvPr/>
+          </p:nvCxnSpPr>
+          <p:spPr>
+            <a:xfrm flipH="1">
+              <a:off x="5596043" y="2227845"/>
+              <a:ext cx="1426989" cy="1173"/>
+            </a:xfrm>
+            <a:prstGeom prst="straightConnector1">
+              <a:avLst/>
+            </a:prstGeom>
+            <a:ln w="19050">
+              <a:solidFill>
+                <a:schemeClr val="tx1">
+                  <a:lumMod val="65000"/>
+                  <a:lumOff val="35000"/>
+                </a:schemeClr>
+              </a:solidFill>
+              <a:tailEnd type="none"/>
+            </a:ln>
+          </p:spPr>
+          <p:style>
+            <a:lnRef idx="1">
+              <a:schemeClr val="accent1"/>
+            </a:lnRef>
+            <a:fillRef idx="0">
+              <a:schemeClr val="accent1"/>
+            </a:fillRef>
+            <a:effectRef idx="0">
+              <a:schemeClr val="accent1"/>
+            </a:effectRef>
+            <a:fontRef idx="minor">
+              <a:schemeClr val="tx1"/>
+            </a:fontRef>
+          </p:style>
+        </p:cxnSp>
+        <p:sp>
+          <p:nvSpPr>
+            <p:cNvPr id="41" name="Arc 40"/>
+            <p:cNvSpPr/>
+            <p:nvPr/>
+          </p:nvSpPr>
+          <p:spPr>
+            <a:xfrm rot="5400000">
+              <a:off x="6139067" y="1208003"/>
+              <a:ext cx="143039" cy="174600"/>
+            </a:xfrm>
+            <a:prstGeom prst="arc">
+              <a:avLst>
+                <a:gd name="adj1" fmla="val 10630097"/>
+                <a:gd name="adj2" fmla="val 0"/>
+              </a:avLst>
+            </a:prstGeom>
+            <a:ln w="19050">
+              <a:solidFill>
+                <a:schemeClr val="tx1">
+                  <a:lumMod val="65000"/>
+                  <a:lumOff val="35000"/>
+                </a:schemeClr>
+              </a:solidFill>
+            </a:ln>
+          </p:spPr>
+          <p:style>
+            <a:lnRef idx="2">
+              <a:schemeClr val="accent1"/>
+            </a:lnRef>
+            <a:fillRef idx="0">
+              <a:schemeClr val="accent1"/>
+            </a:fillRef>
+            <a:effectRef idx="1">
+              <a:schemeClr val="accent1"/>
+            </a:effectRef>
+            <a:fontRef idx="minor">
+              <a:schemeClr val="tx1"/>
+            </a:fontRef>
+          </p:style>
+          <p:txBody>
+            <a:bodyPr rtlCol="0" anchor="ctr"/>
+            <a:lstStyle/>
+            <a:p>
+              <a:pPr algn="ctr"/>
+              <a:endParaRPr lang="en-US"/>
+            </a:p>
+          </p:txBody>
+        </p:sp>
+        <p:cxnSp>
+          <p:nvCxnSpPr>
+            <p:cNvPr id="42" name="Straight Arrow Connector 41"/>
+            <p:cNvCxnSpPr/>
+            <p:nvPr/>
+          </p:nvCxnSpPr>
+          <p:spPr>
+            <a:xfrm flipH="1" flipV="1">
+              <a:off x="6215972" y="1361489"/>
+              <a:ext cx="6481" cy="708437"/>
+            </a:xfrm>
+            <a:prstGeom prst="straightConnector1">
+              <a:avLst/>
+            </a:prstGeom>
+            <a:ln w="19050">
+              <a:solidFill>
+                <a:schemeClr val="tx1">
+                  <a:lumMod val="65000"/>
+                  <a:lumOff val="35000"/>
+                </a:schemeClr>
+              </a:solidFill>
+              <a:tailEnd type="none"/>
+            </a:ln>
+          </p:spPr>
+          <p:style>
+            <a:lnRef idx="1">
+              <a:schemeClr val="accent1"/>
+            </a:lnRef>
+            <a:fillRef idx="0">
+              <a:schemeClr val="accent1"/>
+            </a:fillRef>
+            <a:effectRef idx="0">
+              <a:schemeClr val="accent1"/>
+            </a:effectRef>
+            <a:fontRef idx="minor">
+              <a:schemeClr val="tx1"/>
+            </a:fontRef>
+          </p:style>
+        </p:cxnSp>
+        <p:sp>
+          <p:nvSpPr>
+            <p:cNvPr id="43" name="Arc 42"/>
+            <p:cNvSpPr/>
+            <p:nvPr/>
+          </p:nvSpPr>
+          <p:spPr>
+            <a:xfrm rot="5400000">
+              <a:off x="6418491" y="1194791"/>
+              <a:ext cx="143039" cy="174600"/>
+            </a:xfrm>
+            <a:prstGeom prst="arc">
+              <a:avLst>
+                <a:gd name="adj1" fmla="val 10630097"/>
+                <a:gd name="adj2" fmla="val 0"/>
+              </a:avLst>
+            </a:prstGeom>
+            <a:ln w="19050">
+              <a:solidFill>
+                <a:schemeClr val="tx1">
+                  <a:lumMod val="65000"/>
+                  <a:lumOff val="35000"/>
+                </a:schemeClr>
+              </a:solidFill>
+            </a:ln>
+          </p:spPr>
+          <p:style>
+            <a:lnRef idx="2">
+              <a:schemeClr val="accent1"/>
+            </a:lnRef>
+            <a:fillRef idx="0">
+              <a:schemeClr val="accent1"/>
+            </a:fillRef>
+            <a:effectRef idx="1">
+              <a:schemeClr val="accent1"/>
+            </a:effectRef>
+            <a:fontRef idx="minor">
+              <a:schemeClr val="tx1"/>
+            </a:fontRef>
+          </p:style>
+          <p:txBody>
+            <a:bodyPr rtlCol="0" anchor="ctr"/>
+            <a:lstStyle/>
+            <a:p>
+              <a:pPr algn="ctr"/>
+              <a:endParaRPr lang="en-US"/>
+            </a:p>
+          </p:txBody>
+        </p:sp>
+        <p:cxnSp>
+          <p:nvCxnSpPr>
+            <p:cNvPr id="44" name="Straight Arrow Connector 43"/>
+            <p:cNvCxnSpPr/>
+            <p:nvPr/>
+          </p:nvCxnSpPr>
+          <p:spPr>
+            <a:xfrm flipV="1">
+              <a:off x="6493546" y="1348287"/>
+              <a:ext cx="2186" cy="785192"/>
+            </a:xfrm>
+            <a:prstGeom prst="straightConnector1">
+              <a:avLst/>
+            </a:prstGeom>
+            <a:ln w="19050">
+              <a:solidFill>
+                <a:schemeClr val="tx1">
+                  <a:lumMod val="65000"/>
+                  <a:lumOff val="35000"/>
+                </a:schemeClr>
+              </a:solidFill>
+              <a:headEnd type="oval" w="lg" len="lg"/>
+              <a:tailEnd type="none" w="lg" len="lg"/>
+            </a:ln>
+          </p:spPr>
+          <p:style>
+            <a:lnRef idx="1">
+              <a:schemeClr val="accent1"/>
+            </a:lnRef>
+            <a:fillRef idx="0">
+              <a:schemeClr val="accent1"/>
+            </a:fillRef>
+            <a:effectRef idx="0">
+              <a:schemeClr val="accent1"/>
+            </a:effectRef>
+            <a:fontRef idx="minor">
+              <a:schemeClr val="tx1"/>
+            </a:fontRef>
+          </p:style>
+        </p:cxnSp>
+        <p:cxnSp>
+          <p:nvCxnSpPr>
+            <p:cNvPr id="45" name="Straight Connector 44"/>
+            <p:cNvCxnSpPr/>
+            <p:nvPr/>
+          </p:nvCxnSpPr>
+          <p:spPr>
+            <a:xfrm>
+              <a:off x="5338983" y="1869060"/>
+              <a:ext cx="1643" cy="450070"/>
+            </a:xfrm>
+            <a:prstGeom prst="line">
+              <a:avLst/>
+            </a:prstGeom>
+            <a:ln w="19050"/>
+          </p:spPr>
+          <p:style>
+            <a:lnRef idx="2">
+              <a:schemeClr val="dk1"/>
+            </a:lnRef>
+            <a:fillRef idx="0">
+              <a:schemeClr val="dk1"/>
+            </a:fillRef>
+            <a:effectRef idx="1">
+              <a:schemeClr val="dk1"/>
+            </a:effectRef>
+            <a:fontRef idx="minor">
+              <a:schemeClr val="tx1"/>
+            </a:fontRef>
+          </p:style>
+        </p:cxnSp>
+        <p:cxnSp>
+          <p:nvCxnSpPr>
+            <p:cNvPr id="48" name="Straight Arrow Connector 47"/>
+            <p:cNvCxnSpPr/>
+            <p:nvPr/>
+          </p:nvCxnSpPr>
+          <p:spPr>
+            <a:xfrm flipH="1">
+              <a:off x="5336334" y="2305502"/>
+              <a:ext cx="2009487" cy="0"/>
+            </a:xfrm>
+            <a:prstGeom prst="straightConnector1">
+              <a:avLst/>
+            </a:prstGeom>
+            <a:ln w="19050">
+              <a:solidFill>
+                <a:schemeClr val="tx1">
+                  <a:lumMod val="65000"/>
+                  <a:lumOff val="35000"/>
+                </a:schemeClr>
+              </a:solidFill>
+              <a:tailEnd type="none"/>
+            </a:ln>
+          </p:spPr>
+          <p:style>
+            <a:lnRef idx="1">
+              <a:schemeClr val="accent1"/>
+            </a:lnRef>
+            <a:fillRef idx="0">
+              <a:schemeClr val="accent1"/>
+            </a:fillRef>
+            <a:effectRef idx="0">
+              <a:schemeClr val="accent1"/>
+            </a:effectRef>
+            <a:fontRef idx="minor">
+              <a:schemeClr val="tx1"/>
+            </a:fontRef>
+          </p:style>
+        </p:cxnSp>
+        <p:sp>
+          <p:nvSpPr>
+            <p:cNvPr id="49" name="Arc 48"/>
+            <p:cNvSpPr/>
+            <p:nvPr/>
+          </p:nvSpPr>
+          <p:spPr>
+            <a:xfrm rot="16200000">
+              <a:off x="5546074" y="1798844"/>
+              <a:ext cx="143039" cy="174600"/>
+            </a:xfrm>
+            <a:prstGeom prst="arc">
+              <a:avLst>
+                <a:gd name="adj1" fmla="val 10630097"/>
+                <a:gd name="adj2" fmla="val 0"/>
+              </a:avLst>
+            </a:prstGeom>
+            <a:ln w="19050">
+              <a:solidFill>
+                <a:schemeClr val="tx1">
+                  <a:lumMod val="65000"/>
+                  <a:lumOff val="35000"/>
+                </a:schemeClr>
+              </a:solidFill>
+            </a:ln>
+          </p:spPr>
+          <p:style>
+            <a:lnRef idx="2">
+              <a:schemeClr val="accent1"/>
+            </a:lnRef>
+            <a:fillRef idx="0">
+              <a:schemeClr val="accent1"/>
+            </a:fillRef>
+            <a:effectRef idx="1">
+              <a:schemeClr val="accent1"/>
+            </a:effectRef>
+            <a:fontRef idx="minor">
+              <a:schemeClr val="tx1"/>
+            </a:fontRef>
+          </p:style>
+          <p:txBody>
+            <a:bodyPr rtlCol="0" anchor="ctr"/>
+            <a:lstStyle/>
+            <a:p>
+              <a:pPr algn="ctr"/>
+              <a:endParaRPr lang="en-US"/>
+            </a:p>
+          </p:txBody>
+        </p:sp>
+        <p:cxnSp>
+          <p:nvCxnSpPr>
+            <p:cNvPr id="50" name="Straight Connector 49"/>
+            <p:cNvCxnSpPr/>
+            <p:nvPr/>
+          </p:nvCxnSpPr>
+          <p:spPr>
+            <a:xfrm flipH="1">
+              <a:off x="5603777" y="1953821"/>
+              <a:ext cx="5144" cy="280821"/>
+            </a:xfrm>
+            <a:prstGeom prst="line">
+              <a:avLst/>
+            </a:prstGeom>
+            <a:ln w="19050"/>
+          </p:spPr>
+          <p:style>
+            <a:lnRef idx="2">
+              <a:schemeClr val="dk1"/>
+            </a:lnRef>
+            <a:fillRef idx="0">
+              <a:schemeClr val="dk1"/>
+            </a:fillRef>
+            <a:effectRef idx="1">
+              <a:schemeClr val="dk1"/>
+            </a:effectRef>
+            <a:fontRef idx="minor">
+              <a:schemeClr val="tx1"/>
+            </a:fontRef>
+          </p:style>
+        </p:cxnSp>
+        <p:sp>
+          <p:nvSpPr>
+            <p:cNvPr id="51" name="Arc 50"/>
+            <p:cNvSpPr/>
+            <p:nvPr/>
+          </p:nvSpPr>
+          <p:spPr>
+            <a:xfrm rot="16200000">
+              <a:off x="5428316" y="1796910"/>
+              <a:ext cx="143039" cy="174600"/>
+            </a:xfrm>
+            <a:prstGeom prst="arc">
+              <a:avLst>
+                <a:gd name="adj1" fmla="val 10630097"/>
+                <a:gd name="adj2" fmla="val 0"/>
+              </a:avLst>
+            </a:prstGeom>
+            <a:ln w="19050">
+              <a:solidFill>
+                <a:schemeClr val="tx1">
+                  <a:lumMod val="65000"/>
+                  <a:lumOff val="35000"/>
+                </a:schemeClr>
+              </a:solidFill>
+            </a:ln>
+          </p:spPr>
+          <p:style>
+            <a:lnRef idx="2">
+              <a:schemeClr val="accent1"/>
+            </a:lnRef>
+            <a:fillRef idx="0">
+              <a:schemeClr val="accent1"/>
+            </a:fillRef>
+            <a:effectRef idx="1">
+              <a:schemeClr val="accent1"/>
+            </a:effectRef>
+            <a:fontRef idx="minor">
+              <a:schemeClr val="tx1"/>
+            </a:fontRef>
+          </p:style>
+          <p:txBody>
+            <a:bodyPr rtlCol="0" anchor="ctr"/>
+            <a:lstStyle/>
+            <a:p>
+              <a:pPr algn="ctr"/>
+              <a:endParaRPr lang="en-US"/>
+            </a:p>
+          </p:txBody>
+        </p:sp>
+        <p:sp>
+          <p:nvSpPr>
+            <p:cNvPr id="52" name="Arc 51"/>
+            <p:cNvSpPr/>
+            <p:nvPr/>
+          </p:nvSpPr>
+          <p:spPr>
+            <a:xfrm rot="5400000">
+              <a:off x="5416315" y="1210988"/>
+              <a:ext cx="143039" cy="174600"/>
+            </a:xfrm>
+            <a:prstGeom prst="arc">
+              <a:avLst>
+                <a:gd name="adj1" fmla="val 10630097"/>
+                <a:gd name="adj2" fmla="val 0"/>
+              </a:avLst>
+            </a:prstGeom>
+            <a:ln w="19050">
+              <a:solidFill>
+                <a:schemeClr val="tx1">
+                  <a:lumMod val="65000"/>
+                  <a:lumOff val="35000"/>
+                </a:schemeClr>
+              </a:solidFill>
+            </a:ln>
+          </p:spPr>
+          <p:style>
+            <a:lnRef idx="2">
+              <a:schemeClr val="accent1"/>
+            </a:lnRef>
+            <a:fillRef idx="0">
+              <a:schemeClr val="accent1"/>
+            </a:fillRef>
+            <a:effectRef idx="1">
+              <a:schemeClr val="accent1"/>
+            </a:effectRef>
+            <a:fontRef idx="minor">
+              <a:schemeClr val="tx1"/>
+            </a:fontRef>
+          </p:style>
+          <p:txBody>
+            <a:bodyPr rtlCol="0" anchor="ctr"/>
+            <a:lstStyle/>
+            <a:p>
+              <a:pPr algn="ctr"/>
+              <a:endParaRPr lang="en-US"/>
+            </a:p>
+          </p:txBody>
+        </p:sp>
+        <p:cxnSp>
+          <p:nvCxnSpPr>
+            <p:cNvPr id="53" name="Straight Connector 52"/>
+            <p:cNvCxnSpPr/>
+            <p:nvPr/>
+          </p:nvCxnSpPr>
+          <p:spPr>
+            <a:xfrm>
+              <a:off x="5492353" y="1369771"/>
+              <a:ext cx="2006" cy="442957"/>
+            </a:xfrm>
+            <a:prstGeom prst="line">
+              <a:avLst/>
+            </a:prstGeom>
+            <a:ln w="19050"/>
+          </p:spPr>
+          <p:style>
+            <a:lnRef idx="2">
+              <a:schemeClr val="dk1"/>
+            </a:lnRef>
+            <a:fillRef idx="0">
+              <a:schemeClr val="dk1"/>
+            </a:fillRef>
+            <a:effectRef idx="1">
+              <a:schemeClr val="dk1"/>
+            </a:effectRef>
+            <a:fontRef idx="minor">
+              <a:schemeClr val="tx1"/>
+            </a:fontRef>
+          </p:style>
+        </p:cxnSp>
+        <p:cxnSp>
+          <p:nvCxnSpPr>
+            <p:cNvPr id="54" name="Straight Connector 53"/>
+            <p:cNvCxnSpPr/>
+            <p:nvPr/>
+          </p:nvCxnSpPr>
+          <p:spPr>
+            <a:xfrm flipH="1">
+              <a:off x="5493026" y="1949349"/>
+              <a:ext cx="632" cy="184251"/>
+            </a:xfrm>
+            <a:prstGeom prst="line">
+              <a:avLst/>
+            </a:prstGeom>
+            <a:ln w="19050"/>
+          </p:spPr>
+          <p:style>
+            <a:lnRef idx="2">
+              <a:schemeClr val="dk1"/>
+            </a:lnRef>
+            <a:fillRef idx="0">
+              <a:schemeClr val="dk1"/>
+            </a:fillRef>
+            <a:effectRef idx="1">
+              <a:schemeClr val="dk1"/>
+            </a:effectRef>
+            <a:fontRef idx="minor">
+              <a:schemeClr val="tx1"/>
+            </a:fontRef>
+          </p:style>
+        </p:cxnSp>
+        <p:cxnSp>
+          <p:nvCxnSpPr>
+            <p:cNvPr id="55" name="Straight Connector 54"/>
+            <p:cNvCxnSpPr/>
+            <p:nvPr/>
+          </p:nvCxnSpPr>
+          <p:spPr>
+            <a:xfrm flipH="1">
+              <a:off x="7332633" y="2102620"/>
+              <a:ext cx="142542" cy="203135"/>
+            </a:xfrm>
+            <a:prstGeom prst="line">
+              <a:avLst/>
+            </a:prstGeom>
+            <a:ln w="19050">
+              <a:solidFill>
+                <a:schemeClr val="tx1">
+                  <a:lumMod val="65000"/>
+                  <a:lumOff val="35000"/>
+                </a:schemeClr>
+              </a:solidFill>
+            </a:ln>
+          </p:spPr>
+          <p:style>
+            <a:lnRef idx="2">
+              <a:schemeClr val="accent1"/>
+            </a:lnRef>
+            <a:fillRef idx="0">
+              <a:schemeClr val="accent1"/>
+            </a:fillRef>
+            <a:effectRef idx="1">
+              <a:schemeClr val="accent1"/>
+            </a:effectRef>
+            <a:fontRef idx="minor">
+              <a:schemeClr val="tx1"/>
+            </a:fontRef>
+          </p:style>
+        </p:cxnSp>
+        <p:sp>
+          <p:nvSpPr>
+            <p:cNvPr id="56" name="Oval 55"/>
+            <p:cNvSpPr/>
+            <p:nvPr/>
+          </p:nvSpPr>
+          <p:spPr>
+            <a:xfrm>
+              <a:off x="7535932" y="2209028"/>
+              <a:ext cx="118872" cy="118872"/>
+            </a:xfrm>
+            <a:prstGeom prst="ellipse">
+              <a:avLst/>
+            </a:prstGeom>
+            <a:noFill/>
+            <a:ln w="19050">
+              <a:solidFill>
+                <a:schemeClr val="tx1">
+                  <a:lumMod val="65000"/>
+                  <a:lumOff val="35000"/>
+                </a:schemeClr>
+              </a:solidFill>
+            </a:ln>
+          </p:spPr>
+          <p:style>
+            <a:lnRef idx="1">
+              <a:schemeClr val="accent1"/>
+            </a:lnRef>
+            <a:fillRef idx="3">
+              <a:schemeClr val="accent1"/>
+            </a:fillRef>
+            <a:effectRef idx="2">
+              <a:schemeClr val="accent1"/>
+            </a:effectRef>
+            <a:fontRef idx="minor">
+              <a:schemeClr val="lt1"/>
+            </a:fontRef>
+          </p:style>
+          <p:txBody>
+            <a:bodyPr rtlCol="0" anchor="ctr"/>
+            <a:lstStyle/>
+            <a:p>
+              <a:pPr algn="ctr"/>
+              <a:endParaRPr lang="en-US"/>
+            </a:p>
+          </p:txBody>
+        </p:sp>
+        <p:cxnSp>
+          <p:nvCxnSpPr>
+            <p:cNvPr id="57" name="Straight Connector 56"/>
+            <p:cNvCxnSpPr/>
+            <p:nvPr/>
+          </p:nvCxnSpPr>
+          <p:spPr>
+            <a:xfrm>
+              <a:off x="7473779" y="2109264"/>
+              <a:ext cx="87206" cy="115002"/>
+            </a:xfrm>
+            <a:prstGeom prst="line">
+              <a:avLst/>
+            </a:prstGeom>
+            <a:ln w="19050">
+              <a:solidFill>
+                <a:schemeClr val="tx1">
+                  <a:lumMod val="65000"/>
+                  <a:lumOff val="35000"/>
+                </a:schemeClr>
+              </a:solidFill>
+            </a:ln>
+          </p:spPr>
+          <p:style>
+            <a:lnRef idx="2">
+              <a:schemeClr val="accent1"/>
+            </a:lnRef>
+            <a:fillRef idx="0">
+              <a:schemeClr val="accent1"/>
+            </a:fillRef>
+            <a:effectRef idx="1">
+              <a:schemeClr val="accent1"/>
+            </a:effectRef>
+            <a:fontRef idx="minor">
+              <a:schemeClr val="tx1"/>
+            </a:fontRef>
+          </p:style>
+        </p:cxnSp>
+      </p:grpSp>
+    </p:spTree>
+    <p:extLst>
+      <p:ext uri="{BB962C8B-B14F-4D97-AF65-F5344CB8AC3E}">
+        <p14:creationId xmlns:p14="http://schemas.microsoft.com/office/powerpoint/2010/main" val="1562889149"/>
+      </p:ext>
+    </p:extLst>
+  </p:cSld>
+  <p:clrMapOvr>
+    <a:masterClrMapping/>
+  </p:clrMapOvr>
+  <p:timing>
+    <p:tnLst>
+      <p:par>
+        <p:cTn id="1" dur="indefinite" restart="never" nodeType="tmRoot"/>
+      </p:par>
+    </p:tnLst>
+  </p:timing>
 </p:sld>
 </file>
 
@@ -4793,8 +6865,12 @@
               <a:t>model_init_data</a:t>
             </a:r>
             <a:r>
+              <a:rPr lang="en-US" dirty="0"/>
+              <a:t>('</a:t>
+            </a:r>
+            <a:r>
               <a:rPr lang="en-US" dirty="0" smtClean="0"/>
-              <a:t>(‘model4');</a:t>
+              <a:t>test5');</a:t>
             </a:r>
           </a:p>
           <a:p>
@@ -4829,7 +6905,7 @@
         </p:nvSpPr>
         <p:spPr>
           <a:xfrm>
-            <a:off x="1011382" y="1678132"/>
+            <a:off x="996681" y="1457336"/>
             <a:ext cx="5292436" cy="2862322"/>
           </a:xfrm>
           <a:prstGeom prst="rect">
@@ -4920,7 +6996,15 @@
             </a:r>
             <a:r>
               <a:rPr lang="en-US" b="1" dirty="0"/>
-              <a:t> = 1000;</a:t>
+              <a:t> = </a:t>
+            </a:r>
+            <a:r>
+              <a:rPr lang="en-US" b="1" dirty="0" smtClean="0"/>
+              <a:t>2000</a:t>
+            </a:r>
+            <a:r>
+              <a:rPr lang="en-US" b="1" dirty="0"/>
+              <a:t>;</a:t>
             </a:r>
           </a:p>
           <a:p>
@@ -4930,8 +7014,17 @@
             </a:r>
             <a:r>
               <a:rPr lang="en-US" b="1" dirty="0"/>
-              <a:t> = 1000;</a:t>
-            </a:r>
+              <a:t> = </a:t>
+            </a:r>
+            <a:r>
+              <a:rPr lang="en-US" b="1" dirty="0" err="1" smtClean="0"/>
+              <a:t>data.base_kinase</a:t>
+            </a:r>
+            <a:r>
+              <a:rPr lang="en-US" b="1" dirty="0" smtClean="0"/>
+              <a:t>;</a:t>
+            </a:r>
+            <a:endParaRPr lang="en-US" b="1" dirty="0"/>
           </a:p>
           <a:p>
             <a:r>
@@ -5081,723 +7174,1092 @@
       </p:sp>
       <p:grpSp>
         <p:nvGrpSpPr>
-          <p:cNvPr id="26" name="Group 25"/>
+          <p:cNvPr id="23" name="Group 22"/>
           <p:cNvGrpSpPr/>
           <p:nvPr/>
         </p:nvGrpSpPr>
         <p:grpSpPr>
           <a:xfrm>
-            <a:off x="7793107" y="1070091"/>
-            <a:ext cx="3549673" cy="2988858"/>
-            <a:chOff x="7793107" y="1070091"/>
-            <a:chExt cx="3549673" cy="2988858"/>
+            <a:off x="7308327" y="649212"/>
+            <a:ext cx="3343799" cy="2847420"/>
+            <a:chOff x="4781799" y="39612"/>
+            <a:chExt cx="3343799" cy="2847420"/>
           </a:xfrm>
         </p:grpSpPr>
-        <p:sp>
-          <p:nvSpPr>
-            <p:cNvPr id="4" name="TextBox 3"/>
-            <p:cNvSpPr txBox="1"/>
+        <p:grpSp>
+          <p:nvGrpSpPr>
+            <p:cNvPr id="27" name="Group 26"/>
+            <p:cNvGrpSpPr/>
             <p:nvPr/>
-          </p:nvSpPr>
-          <p:spPr>
+          </p:nvGrpSpPr>
+          <p:grpSpPr>
             <a:xfrm>
-              <a:off x="8554236" y="1070091"/>
-              <a:ext cx="2507673" cy="276999"/>
+              <a:off x="4781799" y="39612"/>
+              <a:ext cx="3343799" cy="2847420"/>
+              <a:chOff x="8455111" y="0"/>
+              <a:chExt cx="3809638" cy="3160786"/>
             </a:xfrm>
-            <a:prstGeom prst="rect">
-              <a:avLst/>
-            </a:prstGeom>
-            <a:noFill/>
-          </p:spPr>
-          <p:txBody>
-            <a:bodyPr wrap="square" rtlCol="0">
-              <a:spAutoFit/>
-            </a:bodyPr>
-            <a:lstStyle/>
-            <a:p>
-              <a:pPr algn="ctr"/>
-              <a:r>
-                <a:rPr lang="en-US" sz="1200" b="1" dirty="0" smtClean="0">
+          </p:grpSpPr>
+          <p:pic>
+            <p:nvPicPr>
+              <p:cNvPr id="51" name="Picture 50"/>
+              <p:cNvPicPr>
+                <a:picLocks noChangeAspect="1"/>
+              </p:cNvPicPr>
+              <p:nvPr/>
+            </p:nvPicPr>
+            <p:blipFill rotWithShape="1">
+              <a:blip r:embed="rId2"/>
+              <a:srcRect l="11295" t="6324" r="11950" b="9944"/>
+              <a:stretch/>
+            </p:blipFill>
+            <p:spPr>
+              <a:xfrm>
+                <a:off x="9494814" y="251338"/>
+                <a:ext cx="2353769" cy="1925782"/>
+              </a:xfrm>
+              <a:prstGeom prst="rect">
+                <a:avLst/>
+              </a:prstGeom>
+            </p:spPr>
+          </p:pic>
+          <p:grpSp>
+            <p:nvGrpSpPr>
+              <p:cNvPr id="52" name="Group 51"/>
+              <p:cNvGrpSpPr/>
+              <p:nvPr/>
+            </p:nvGrpSpPr>
+            <p:grpSpPr>
+              <a:xfrm>
+                <a:off x="8455111" y="0"/>
+                <a:ext cx="3809638" cy="3160786"/>
+                <a:chOff x="4470918" y="0"/>
+                <a:chExt cx="3809638" cy="3160786"/>
+              </a:xfrm>
+            </p:grpSpPr>
+            <p:sp>
+              <p:nvSpPr>
+                <p:cNvPr id="63" name="TextBox 62"/>
+                <p:cNvSpPr txBox="1"/>
+                <p:nvPr/>
+              </p:nvSpPr>
+              <p:spPr>
+                <a:xfrm>
+                  <a:off x="5419263" y="0"/>
+                  <a:ext cx="2507673" cy="276999"/>
+                </a:xfrm>
+                <a:prstGeom prst="rect">
+                  <a:avLst/>
+                </a:prstGeom>
+                <a:noFill/>
+              </p:spPr>
+              <p:txBody>
+                <a:bodyPr wrap="square" rtlCol="0">
+                  <a:spAutoFit/>
+                </a:bodyPr>
+                <a:lstStyle/>
+                <a:p>
+                  <a:pPr algn="ctr"/>
+                  <a:r>
+                    <a:rPr lang="en-US" sz="1200" b="1" dirty="0" smtClean="0">
+                      <a:latin typeface="Arial" charset="0"/>
+                      <a:ea typeface="Arial" charset="0"/>
+                      <a:cs typeface="Arial" charset="0"/>
+                    </a:rPr>
+                    <a:t>Signal Matrix (min</a:t>
+                  </a:r>
+                  <a:r>
+                    <a:rPr lang="en-US" sz="1200" b="1" baseline="30000" dirty="0" smtClean="0">
+                      <a:latin typeface="Arial" charset="0"/>
+                      <a:ea typeface="Arial" charset="0"/>
+                      <a:cs typeface="Arial" charset="0"/>
+                    </a:rPr>
+                    <a:t>-1</a:t>
+                  </a:r>
+                  <a:r>
+                    <a:rPr lang="en-US" sz="1200" b="1" dirty="0" smtClean="0">
+                      <a:latin typeface="Arial" charset="0"/>
+                      <a:ea typeface="Arial" charset="0"/>
+                      <a:cs typeface="Arial" charset="0"/>
+                    </a:rPr>
+                    <a:t>)</a:t>
+                  </a:r>
+                  <a:endParaRPr lang="en-US" sz="1200" b="1" dirty="0">
+                    <a:latin typeface="Arial" charset="0"/>
+                    <a:ea typeface="Arial" charset="0"/>
+                    <a:cs typeface="Arial" charset="0"/>
+                  </a:endParaRPr>
+                </a:p>
+              </p:txBody>
+            </p:sp>
+            <p:sp>
+              <p:nvSpPr>
+                <p:cNvPr id="64" name="TextBox 63"/>
+                <p:cNvSpPr txBox="1"/>
+                <p:nvPr/>
+              </p:nvSpPr>
+              <p:spPr>
+                <a:xfrm>
+                  <a:off x="4470918" y="252080"/>
+                  <a:ext cx="593868" cy="1860204"/>
+                </a:xfrm>
+                <a:prstGeom prst="rect">
+                  <a:avLst/>
+                </a:prstGeom>
+                <a:noFill/>
+              </p:spPr>
+              <p:txBody>
+                <a:bodyPr wrap="square" lIns="9144" tIns="9144" rIns="9144" bIns="9144" rtlCol="0">
+                  <a:spAutoFit/>
+                </a:bodyPr>
+                <a:lstStyle/>
+                <a:p>
+                  <a:pPr algn="r">
+                    <a:lnSpc>
+                      <a:spcPts val="2200"/>
+                    </a:lnSpc>
+                  </a:pPr>
+                  <a:r>
+                    <a:rPr lang="en-US" sz="1200" b="1" dirty="0" smtClean="0">
+                      <a:latin typeface="Arial" charset="0"/>
+                      <a:ea typeface="Arial" charset="0"/>
+                      <a:cs typeface="Arial" charset="0"/>
+                    </a:rPr>
+                    <a:t>S10p</a:t>
+                  </a:r>
+                </a:p>
+                <a:p>
+                  <a:pPr algn="r">
+                    <a:lnSpc>
+                      <a:spcPts val="2200"/>
+                    </a:lnSpc>
+                  </a:pPr>
+                  <a:r>
+                    <a:rPr lang="en-US" sz="1200" b="1" dirty="0" smtClean="0">
+                      <a:latin typeface="Arial" charset="0"/>
+                      <a:ea typeface="Arial" charset="0"/>
+                      <a:cs typeface="Arial" charset="0"/>
+                    </a:rPr>
+                    <a:t>Kinase</a:t>
+                  </a:r>
+                </a:p>
+                <a:p>
+                  <a:pPr algn="r">
+                    <a:lnSpc>
+                      <a:spcPts val="2200"/>
+                    </a:lnSpc>
+                  </a:pPr>
+                  <a:r>
+                    <a:rPr lang="en-US" sz="1200" b="1" dirty="0" smtClean="0">
+                      <a:latin typeface="Arial" charset="0"/>
+                      <a:ea typeface="Arial" charset="0"/>
+                      <a:cs typeface="Arial" charset="0"/>
+                    </a:rPr>
+                    <a:t>PTP</a:t>
+                  </a:r>
+                </a:p>
+                <a:p>
+                  <a:pPr algn="r">
+                    <a:lnSpc>
+                      <a:spcPts val="2200"/>
+                    </a:lnSpc>
+                  </a:pPr>
+                  <a:r>
+                    <a:rPr lang="en-US" sz="1200" b="1" dirty="0" smtClean="0">
+                      <a:latin typeface="Arial" charset="0"/>
+                      <a:ea typeface="Arial" charset="0"/>
+                      <a:cs typeface="Arial" charset="0"/>
+                    </a:rPr>
+                    <a:t>K9me</a:t>
+                  </a:r>
+                </a:p>
+                <a:p>
+                  <a:pPr algn="r">
+                    <a:lnSpc>
+                      <a:spcPts val="2200"/>
+                    </a:lnSpc>
+                  </a:pPr>
+                  <a:r>
+                    <a:rPr lang="en-US" sz="1200" b="1" dirty="0" smtClean="0">
+                      <a:latin typeface="Arial" charset="0"/>
+                      <a:ea typeface="Arial" charset="0"/>
+                      <a:cs typeface="Arial" charset="0"/>
+                    </a:rPr>
+                    <a:t>MT</a:t>
+                  </a:r>
+                </a:p>
+                <a:p>
+                  <a:pPr algn="r">
+                    <a:lnSpc>
+                      <a:spcPts val="2200"/>
+                    </a:lnSpc>
+                  </a:pPr>
+                  <a:r>
+                    <a:rPr lang="en-US" sz="1200" b="1" dirty="0" smtClean="0">
+                      <a:latin typeface="Arial" charset="0"/>
+                      <a:ea typeface="Arial" charset="0"/>
+                      <a:cs typeface="Arial" charset="0"/>
+                    </a:rPr>
+                    <a:t>KDM</a:t>
+                  </a:r>
+                  <a:endParaRPr lang="en-US" sz="1200" b="1" dirty="0">
+                    <a:latin typeface="Arial" charset="0"/>
+                    <a:ea typeface="Arial" charset="0"/>
+                    <a:cs typeface="Arial" charset="0"/>
+                  </a:endParaRPr>
+                </a:p>
+              </p:txBody>
+            </p:sp>
+            <p:sp>
+              <p:nvSpPr>
+                <p:cNvPr id="65" name="TextBox 64"/>
+                <p:cNvSpPr txBox="1"/>
+                <p:nvPr/>
+              </p:nvSpPr>
+              <p:spPr>
+                <a:xfrm rot="16200000">
+                  <a:off x="6333367" y="1763176"/>
+                  <a:ext cx="582592" cy="2212628"/>
+                </a:xfrm>
+                <a:prstGeom prst="rect">
+                  <a:avLst/>
+                </a:prstGeom>
+                <a:noFill/>
+              </p:spPr>
+              <p:txBody>
+                <a:bodyPr wrap="square" lIns="9144" tIns="9144" rIns="9144" bIns="9144" rtlCol="0">
+                  <a:spAutoFit/>
+                </a:bodyPr>
+                <a:lstStyle/>
+                <a:p>
+                  <a:pPr algn="r">
+                    <a:lnSpc>
+                      <a:spcPts val="2500"/>
+                    </a:lnSpc>
+                  </a:pPr>
+                  <a:r>
+                    <a:rPr lang="en-US" sz="1200" b="1" dirty="0" smtClean="0">
+                      <a:latin typeface="Arial" charset="0"/>
+                      <a:ea typeface="Arial" charset="0"/>
+                      <a:cs typeface="Arial" charset="0"/>
+                    </a:rPr>
+                    <a:t>S10p</a:t>
+                  </a:r>
+                </a:p>
+                <a:p>
+                  <a:pPr algn="r">
+                    <a:lnSpc>
+                      <a:spcPts val="2500"/>
+                    </a:lnSpc>
+                  </a:pPr>
+                  <a:r>
+                    <a:rPr lang="en-US" sz="1200" b="1" dirty="0" smtClean="0">
+                      <a:latin typeface="Arial" charset="0"/>
+                      <a:ea typeface="Arial" charset="0"/>
+                      <a:cs typeface="Arial" charset="0"/>
+                    </a:rPr>
+                    <a:t>Kinase</a:t>
+                  </a:r>
+                </a:p>
+                <a:p>
+                  <a:pPr algn="r">
+                    <a:lnSpc>
+                      <a:spcPts val="2500"/>
+                    </a:lnSpc>
+                  </a:pPr>
+                  <a:r>
+                    <a:rPr lang="en-US" sz="1200" b="1" dirty="0" smtClean="0">
+                      <a:latin typeface="Arial" charset="0"/>
+                      <a:ea typeface="Arial" charset="0"/>
+                      <a:cs typeface="Arial" charset="0"/>
+                    </a:rPr>
+                    <a:t>PTP</a:t>
+                  </a:r>
+                </a:p>
+                <a:p>
+                  <a:pPr algn="r">
+                    <a:lnSpc>
+                      <a:spcPts val="2500"/>
+                    </a:lnSpc>
+                  </a:pPr>
+                  <a:r>
+                    <a:rPr lang="en-US" sz="1200" b="1" dirty="0" smtClean="0">
+                      <a:latin typeface="Arial" charset="0"/>
+                      <a:ea typeface="Arial" charset="0"/>
+                      <a:cs typeface="Arial" charset="0"/>
+                    </a:rPr>
+                    <a:t>K9me</a:t>
+                  </a:r>
+                </a:p>
+                <a:p>
+                  <a:pPr algn="r">
+                    <a:lnSpc>
+                      <a:spcPts val="2500"/>
+                    </a:lnSpc>
+                  </a:pPr>
+                  <a:r>
+                    <a:rPr lang="en-US" sz="1200" b="1" dirty="0" smtClean="0">
+                      <a:latin typeface="Arial" charset="0"/>
+                      <a:ea typeface="Arial" charset="0"/>
+                      <a:cs typeface="Arial" charset="0"/>
+                    </a:rPr>
+                    <a:t>MT</a:t>
+                  </a:r>
+                </a:p>
+                <a:p>
+                  <a:pPr algn="r">
+                    <a:lnSpc>
+                      <a:spcPts val="2500"/>
+                    </a:lnSpc>
+                  </a:pPr>
+                  <a:r>
+                    <a:rPr lang="en-US" sz="1200" b="1" dirty="0" smtClean="0">
+                      <a:latin typeface="Arial" charset="0"/>
+                      <a:ea typeface="Arial" charset="0"/>
+                      <a:cs typeface="Arial" charset="0"/>
+                    </a:rPr>
+                    <a:t>KDM</a:t>
+                  </a:r>
+                  <a:endParaRPr lang="en-US" sz="1200" b="1" dirty="0">
+                    <a:latin typeface="Arial" charset="0"/>
+                    <a:ea typeface="Arial" charset="0"/>
+                    <a:cs typeface="Arial" charset="0"/>
+                  </a:endParaRPr>
+                </a:p>
+              </p:txBody>
+            </p:sp>
+            <p:sp>
+              <p:nvSpPr>
+                <p:cNvPr id="66" name="TextBox 65"/>
+                <p:cNvSpPr txBox="1"/>
+                <p:nvPr/>
+              </p:nvSpPr>
+              <p:spPr>
+                <a:xfrm>
+                  <a:off x="5926787" y="318404"/>
+                  <a:ext cx="708921" cy="225488"/>
+                </a:xfrm>
+                <a:prstGeom prst="rect">
+                  <a:avLst/>
+                </a:prstGeom>
+                <a:noFill/>
+              </p:spPr>
+              <p:txBody>
+                <a:bodyPr wrap="square" lIns="9144" tIns="9144" rIns="9144" bIns="9144" rtlCol="0">
+                  <a:spAutoFit/>
+                </a:bodyPr>
+                <a:lstStyle/>
+                <a:p>
+                  <a:r>
+                    <a:rPr lang="en-US" sz="1200" b="1" dirty="0" smtClean="0">
+                      <a:solidFill>
+                        <a:schemeClr val="bg1"/>
+                      </a:solidFill>
+                      <a:latin typeface="Arial" charset="0"/>
+                      <a:ea typeface="Arial" charset="0"/>
+                      <a:cs typeface="Arial" charset="0"/>
+                    </a:rPr>
+                    <a:t>1.7  -1.7 </a:t>
+                  </a:r>
+                  <a:endParaRPr lang="en-US" sz="1200" b="1" dirty="0">
+                    <a:solidFill>
+                      <a:schemeClr val="bg1"/>
+                    </a:solidFill>
+                    <a:latin typeface="Arial" charset="0"/>
+                    <a:ea typeface="Arial" charset="0"/>
+                    <a:cs typeface="Arial" charset="0"/>
+                  </a:endParaRPr>
+                </a:p>
+              </p:txBody>
+            </p:sp>
+            <p:sp>
+              <p:nvSpPr>
+                <p:cNvPr id="67" name="TextBox 66"/>
+                <p:cNvSpPr txBox="1"/>
+                <p:nvPr/>
+              </p:nvSpPr>
+              <p:spPr>
+                <a:xfrm>
+                  <a:off x="7017226" y="1246428"/>
+                  <a:ext cx="682936" cy="225488"/>
+                </a:xfrm>
+                <a:prstGeom prst="rect">
+                  <a:avLst/>
+                </a:prstGeom>
+                <a:noFill/>
+              </p:spPr>
+              <p:txBody>
+                <a:bodyPr wrap="square" lIns="9144" tIns="9144" rIns="9144" bIns="9144" rtlCol="0">
+                  <a:spAutoFit/>
+                </a:bodyPr>
+                <a:lstStyle/>
+                <a:p>
+                  <a:r>
+                    <a:rPr lang="en-US" sz="1200" b="1" smtClean="0">
+                      <a:solidFill>
+                        <a:schemeClr val="bg1"/>
+                      </a:solidFill>
+                      <a:latin typeface="Arial" charset="0"/>
+                      <a:ea typeface="Arial" charset="0"/>
+                      <a:cs typeface="Arial" charset="0"/>
+                    </a:rPr>
+                    <a:t>1.3  -</a:t>
+                  </a:r>
+                  <a:r>
+                    <a:rPr lang="en-US" sz="1200" b="1" dirty="0" smtClean="0">
+                      <a:solidFill>
+                        <a:schemeClr val="bg1"/>
+                      </a:solidFill>
+                      <a:latin typeface="Arial" charset="0"/>
+                      <a:ea typeface="Arial" charset="0"/>
+                      <a:cs typeface="Arial" charset="0"/>
+                    </a:rPr>
+                    <a:t>1.3</a:t>
+                  </a:r>
+                  <a:endParaRPr lang="en-US" sz="1200" b="1" dirty="0">
+                    <a:solidFill>
+                      <a:schemeClr val="bg1"/>
+                    </a:solidFill>
+                    <a:latin typeface="Arial" charset="0"/>
+                    <a:ea typeface="Arial" charset="0"/>
+                    <a:cs typeface="Arial" charset="0"/>
+                  </a:endParaRPr>
+                </a:p>
+              </p:txBody>
+            </p:sp>
+            <p:sp>
+              <p:nvSpPr>
+                <p:cNvPr id="68" name="TextBox 67"/>
+                <p:cNvSpPr txBox="1"/>
+                <p:nvPr/>
+              </p:nvSpPr>
+              <p:spPr>
+                <a:xfrm>
+                  <a:off x="7896416" y="212901"/>
+                  <a:ext cx="384140" cy="2070388"/>
+                </a:xfrm>
+                <a:prstGeom prst="rect">
+                  <a:avLst/>
+                </a:prstGeom>
+                <a:noFill/>
+              </p:spPr>
+              <p:txBody>
+                <a:bodyPr wrap="square" lIns="9144" tIns="9144" rIns="9144" bIns="9144" rtlCol="0">
+                  <a:spAutoFit/>
+                </a:bodyPr>
+                <a:lstStyle/>
+                <a:p>
+                  <a:r>
+                    <a:rPr lang="en-US" sz="1200" b="1" dirty="0" smtClean="0">
+                      <a:latin typeface="Arial" charset="0"/>
+                      <a:ea typeface="Arial" charset="0"/>
+                      <a:cs typeface="Arial" charset="0"/>
+                    </a:rPr>
+                    <a:t>.01</a:t>
+                  </a:r>
+                </a:p>
+                <a:p>
+                  <a:endParaRPr lang="en-US" sz="1200" b="1" dirty="0" smtClean="0">
+                    <a:latin typeface="Arial" charset="0"/>
+                    <a:ea typeface="Arial" charset="0"/>
+                    <a:cs typeface="Arial" charset="0"/>
+                  </a:endParaRPr>
+                </a:p>
+                <a:p>
+                  <a:endParaRPr lang="en-US" sz="1200" b="1" dirty="0">
+                    <a:latin typeface="Arial" charset="0"/>
+                    <a:ea typeface="Arial" charset="0"/>
+                    <a:cs typeface="Arial" charset="0"/>
+                  </a:endParaRPr>
+                </a:p>
+                <a:p>
+                  <a:endParaRPr lang="en-US" sz="1200" b="1" dirty="0" smtClean="0">
+                    <a:latin typeface="Arial" charset="0"/>
+                    <a:ea typeface="Arial" charset="0"/>
+                    <a:cs typeface="Arial" charset="0"/>
+                  </a:endParaRPr>
+                </a:p>
+                <a:p>
+                  <a:r>
+                    <a:rPr lang="en-US" sz="1200" b="1" dirty="0" smtClean="0">
+                      <a:latin typeface="Arial" charset="0"/>
+                      <a:ea typeface="Arial" charset="0"/>
+                      <a:cs typeface="Arial" charset="0"/>
+                    </a:rPr>
+                    <a:t>0</a:t>
+                  </a:r>
+                </a:p>
+                <a:p>
+                  <a:endParaRPr lang="en-US" sz="1200" b="1" dirty="0">
+                    <a:latin typeface="Arial" charset="0"/>
+                    <a:ea typeface="Arial" charset="0"/>
+                    <a:cs typeface="Arial" charset="0"/>
+                  </a:endParaRPr>
+                </a:p>
+                <a:p>
+                  <a:endParaRPr lang="en-US" sz="1200" b="1" dirty="0" smtClean="0">
+                    <a:latin typeface="Arial" charset="0"/>
+                    <a:ea typeface="Arial" charset="0"/>
+                    <a:cs typeface="Arial" charset="0"/>
+                  </a:endParaRPr>
+                </a:p>
+                <a:p>
+                  <a:endParaRPr lang="en-US" sz="1200" b="1" dirty="0">
+                    <a:latin typeface="Arial" charset="0"/>
+                    <a:ea typeface="Arial" charset="0"/>
+                    <a:cs typeface="Arial" charset="0"/>
+                  </a:endParaRPr>
+                </a:p>
+                <a:p>
+                  <a:endParaRPr lang="en-US" sz="1200" b="1" dirty="0" smtClean="0">
+                    <a:latin typeface="Arial" charset="0"/>
+                    <a:ea typeface="Arial" charset="0"/>
+                    <a:cs typeface="Arial" charset="0"/>
+                  </a:endParaRPr>
+                </a:p>
+                <a:p>
+                  <a:r>
+                    <a:rPr lang="en-US" sz="1200" b="1" dirty="0" smtClean="0">
+                      <a:latin typeface="Arial" charset="0"/>
+                      <a:ea typeface="Arial" charset="0"/>
+                      <a:cs typeface="Arial" charset="0"/>
+                    </a:rPr>
+                    <a:t>-.01</a:t>
+                  </a:r>
+                  <a:endParaRPr lang="en-US" sz="1200" b="1" dirty="0">
+                    <a:latin typeface="Arial" charset="0"/>
+                    <a:ea typeface="Arial" charset="0"/>
+                    <a:cs typeface="Arial" charset="0"/>
+                  </a:endParaRPr>
+                </a:p>
+              </p:txBody>
+            </p:sp>
+          </p:grpSp>
+          <p:sp>
+            <p:nvSpPr>
+              <p:cNvPr id="53" name="TextBox 52"/>
+              <p:cNvSpPr txBox="1"/>
+              <p:nvPr/>
+            </p:nvSpPr>
+            <p:spPr>
+              <a:xfrm>
+                <a:off x="9511008" y="1585372"/>
+                <a:ext cx="399972" cy="575678"/>
+              </a:xfrm>
+              <a:prstGeom prst="rect">
+                <a:avLst/>
+              </a:prstGeom>
+              <a:noFill/>
+            </p:spPr>
+            <p:txBody>
+              <a:bodyPr wrap="square" lIns="9144" tIns="9144" rIns="9144" bIns="9144" rtlCol="0">
+                <a:spAutoFit/>
+              </a:bodyPr>
+              <a:lstStyle/>
+              <a:p>
+                <a:pPr algn="r">
+                  <a:lnSpc>
+                    <a:spcPts val="1300"/>
+                  </a:lnSpc>
+                </a:pPr>
+                <a:r>
+                  <a:rPr lang="en-US" sz="1100" b="1" dirty="0" smtClean="0">
+                    <a:latin typeface="Arial" charset="0"/>
+                    <a:ea typeface="Arial" charset="0"/>
+                    <a:cs typeface="Arial" charset="0"/>
+                  </a:rPr>
+                  <a:t>-5e-3</a:t>
+                </a:r>
+              </a:p>
+              <a:p>
+                <a:pPr algn="r">
+                  <a:lnSpc>
+                    <a:spcPts val="1300"/>
+                  </a:lnSpc>
+                </a:pPr>
+                <a:endParaRPr lang="en-US" sz="1100" b="1" dirty="0">
                   <a:latin typeface="Arial" charset="0"/>
                   <a:ea typeface="Arial" charset="0"/>
                   <a:cs typeface="Arial" charset="0"/>
-                </a:rPr>
-                <a:t>Signal </a:t>
-              </a:r>
-              <a:r>
-                <a:rPr lang="en-US" sz="1200" b="1" smtClean="0">
+                </a:endParaRPr>
+              </a:p>
+              <a:p>
+                <a:pPr algn="r">
+                  <a:lnSpc>
+                    <a:spcPts val="1300"/>
+                  </a:lnSpc>
+                </a:pPr>
+                <a:r>
+                  <a:rPr lang="en-US" sz="1100" b="1" dirty="0" smtClean="0">
+                    <a:latin typeface="Arial" charset="0"/>
+                    <a:ea typeface="Arial" charset="0"/>
+                    <a:cs typeface="Arial" charset="0"/>
+                  </a:rPr>
+                  <a:t>5e-3</a:t>
+                </a:r>
+                <a:endParaRPr lang="en-US" sz="1100" b="1" dirty="0">
                   <a:latin typeface="Arial" charset="0"/>
                   <a:ea typeface="Arial" charset="0"/>
                   <a:cs typeface="Arial" charset="0"/>
-                </a:rPr>
-                <a:t>Matrix (min</a:t>
-              </a:r>
-              <a:r>
-                <a:rPr lang="en-US" sz="1200" b="1" baseline="30000" smtClean="0">
-                  <a:latin typeface="Arial" charset="0"/>
-                  <a:ea typeface="Arial" charset="0"/>
-                  <a:cs typeface="Arial" charset="0"/>
-                </a:rPr>
-                <a:t>-1</a:t>
-              </a:r>
-              <a:r>
-                <a:rPr lang="en-US" sz="1200" b="1" smtClean="0">
-                  <a:latin typeface="Arial" charset="0"/>
-                  <a:ea typeface="Arial" charset="0"/>
-                  <a:cs typeface="Arial" charset="0"/>
-                </a:rPr>
-                <a:t>)</a:t>
-              </a:r>
-              <a:endParaRPr lang="en-US" sz="1200" b="1" dirty="0">
-                <a:latin typeface="Arial" charset="0"/>
-                <a:ea typeface="Arial" charset="0"/>
-                <a:cs typeface="Arial" charset="0"/>
-              </a:endParaRPr>
-            </a:p>
-          </p:txBody>
-        </p:sp>
+                </a:endParaRPr>
+              </a:p>
+            </p:txBody>
+          </p:sp>
+          <p:cxnSp>
+            <p:nvCxnSpPr>
+              <p:cNvPr id="54" name="Straight Arrow Connector 53"/>
+              <p:cNvCxnSpPr/>
+              <p:nvPr/>
+            </p:nvCxnSpPr>
+            <p:spPr>
+              <a:xfrm flipH="1" flipV="1">
+                <a:off x="10072146" y="592812"/>
+                <a:ext cx="7959" cy="731487"/>
+              </a:xfrm>
+              <a:prstGeom prst="straightConnector1">
+                <a:avLst/>
+              </a:prstGeom>
+              <a:ln w="19050">
+                <a:solidFill>
+                  <a:schemeClr val="tx1">
+                    <a:lumMod val="65000"/>
+                    <a:lumOff val="35000"/>
+                  </a:schemeClr>
+                </a:solidFill>
+                <a:tailEnd type="arrow"/>
+              </a:ln>
+            </p:spPr>
+            <p:style>
+              <a:lnRef idx="1">
+                <a:schemeClr val="accent1"/>
+              </a:lnRef>
+              <a:fillRef idx="0">
+                <a:schemeClr val="accent1"/>
+              </a:fillRef>
+              <a:effectRef idx="0">
+                <a:schemeClr val="accent1"/>
+              </a:effectRef>
+              <a:fontRef idx="minor">
+                <a:schemeClr val="tx1"/>
+              </a:fontRef>
+            </p:style>
+          </p:cxnSp>
+          <p:cxnSp>
+            <p:nvCxnSpPr>
+              <p:cNvPr id="55" name="Straight Arrow Connector 54"/>
+              <p:cNvCxnSpPr/>
+              <p:nvPr/>
+            </p:nvCxnSpPr>
+            <p:spPr>
+              <a:xfrm flipH="1" flipV="1">
+                <a:off x="10401300" y="659125"/>
+                <a:ext cx="10988" cy="646622"/>
+              </a:xfrm>
+              <a:prstGeom prst="straightConnector1">
+                <a:avLst/>
+              </a:prstGeom>
+              <a:ln w="19050">
+                <a:solidFill>
+                  <a:schemeClr val="tx1">
+                    <a:lumMod val="65000"/>
+                    <a:lumOff val="35000"/>
+                  </a:schemeClr>
+                </a:solidFill>
+                <a:headEnd type="none" w="lg" len="lg"/>
+                <a:tailEnd type="diamond" w="lg" len="lg"/>
+              </a:ln>
+            </p:spPr>
+            <p:style>
+              <a:lnRef idx="1">
+                <a:schemeClr val="accent1"/>
+              </a:lnRef>
+              <a:fillRef idx="0">
+                <a:schemeClr val="accent1"/>
+              </a:fillRef>
+              <a:effectRef idx="0">
+                <a:schemeClr val="accent1"/>
+              </a:effectRef>
+              <a:fontRef idx="minor">
+                <a:schemeClr val="tx1"/>
+              </a:fontRef>
+            </p:style>
+          </p:cxnSp>
+          <p:cxnSp>
+            <p:nvCxnSpPr>
+              <p:cNvPr id="56" name="Straight Arrow Connector 55"/>
+              <p:cNvCxnSpPr/>
+              <p:nvPr/>
+            </p:nvCxnSpPr>
+            <p:spPr>
+              <a:xfrm flipH="1">
+                <a:off x="9235912" y="431268"/>
+                <a:ext cx="645202" cy="4124"/>
+              </a:xfrm>
+              <a:prstGeom prst="straightConnector1">
+                <a:avLst/>
+              </a:prstGeom>
+              <a:ln w="19050">
+                <a:solidFill>
+                  <a:schemeClr val="tx1">
+                    <a:lumMod val="65000"/>
+                    <a:lumOff val="35000"/>
+                  </a:schemeClr>
+                </a:solidFill>
+                <a:tailEnd type="none"/>
+              </a:ln>
+            </p:spPr>
+            <p:style>
+              <a:lnRef idx="1">
+                <a:schemeClr val="accent1"/>
+              </a:lnRef>
+              <a:fillRef idx="0">
+                <a:schemeClr val="accent1"/>
+              </a:fillRef>
+              <a:effectRef idx="0">
+                <a:schemeClr val="accent1"/>
+              </a:effectRef>
+              <a:fontRef idx="minor">
+                <a:schemeClr val="tx1"/>
+              </a:fontRef>
+            </p:style>
+          </p:cxnSp>
+          <p:cxnSp>
+            <p:nvCxnSpPr>
+              <p:cNvPr id="57" name="Straight Arrow Connector 56"/>
+              <p:cNvCxnSpPr/>
+              <p:nvPr/>
+            </p:nvCxnSpPr>
+            <p:spPr>
+              <a:xfrm flipH="1" flipV="1">
+                <a:off x="11153421" y="1535518"/>
+                <a:ext cx="8808" cy="673111"/>
+              </a:xfrm>
+              <a:prstGeom prst="straightConnector1">
+                <a:avLst/>
+              </a:prstGeom>
+              <a:ln w="19050">
+                <a:solidFill>
+                  <a:schemeClr val="tx1">
+                    <a:lumMod val="65000"/>
+                    <a:lumOff val="35000"/>
+                  </a:schemeClr>
+                </a:solidFill>
+                <a:tailEnd type="arrow"/>
+              </a:ln>
+            </p:spPr>
+            <p:style>
+              <a:lnRef idx="1">
+                <a:schemeClr val="accent1"/>
+              </a:lnRef>
+              <a:fillRef idx="0">
+                <a:schemeClr val="accent1"/>
+              </a:fillRef>
+              <a:effectRef idx="0">
+                <a:schemeClr val="accent1"/>
+              </a:effectRef>
+              <a:fontRef idx="minor">
+                <a:schemeClr val="tx1"/>
+              </a:fontRef>
+            </p:style>
+          </p:cxnSp>
+          <p:cxnSp>
+            <p:nvCxnSpPr>
+              <p:cNvPr id="58" name="Straight Arrow Connector 57"/>
+              <p:cNvCxnSpPr/>
+              <p:nvPr/>
+            </p:nvCxnSpPr>
+            <p:spPr>
+              <a:xfrm flipV="1">
+                <a:off x="11524400" y="1604837"/>
+                <a:ext cx="1" cy="719376"/>
+              </a:xfrm>
+              <a:prstGeom prst="straightConnector1">
+                <a:avLst/>
+              </a:prstGeom>
+              <a:ln w="19050">
+                <a:solidFill>
+                  <a:schemeClr val="tx1">
+                    <a:lumMod val="65000"/>
+                    <a:lumOff val="35000"/>
+                  </a:schemeClr>
+                </a:solidFill>
+                <a:tailEnd type="diamond" w="lg" len="lg"/>
+              </a:ln>
+            </p:spPr>
+            <p:style>
+              <a:lnRef idx="1">
+                <a:schemeClr val="accent1"/>
+              </a:lnRef>
+              <a:fillRef idx="0">
+                <a:schemeClr val="accent1"/>
+              </a:fillRef>
+              <a:effectRef idx="0">
+                <a:schemeClr val="accent1"/>
+              </a:effectRef>
+              <a:fontRef idx="minor">
+                <a:schemeClr val="tx1"/>
+              </a:fontRef>
+            </p:style>
+          </p:cxnSp>
+          <p:cxnSp>
+            <p:nvCxnSpPr>
+              <p:cNvPr id="59" name="Straight Arrow Connector 58"/>
+              <p:cNvCxnSpPr/>
+              <p:nvPr/>
+            </p:nvCxnSpPr>
+            <p:spPr>
+              <a:xfrm flipH="1">
+                <a:off x="9051048" y="1379217"/>
+                <a:ext cx="1870776" cy="9798"/>
+              </a:xfrm>
+              <a:prstGeom prst="straightConnector1">
+                <a:avLst/>
+              </a:prstGeom>
+              <a:ln w="19050">
+                <a:solidFill>
+                  <a:schemeClr val="tx1">
+                    <a:lumMod val="65000"/>
+                    <a:lumOff val="35000"/>
+                  </a:schemeClr>
+                </a:solidFill>
+                <a:tailEnd type="arrow"/>
+              </a:ln>
+            </p:spPr>
+            <p:style>
+              <a:lnRef idx="1">
+                <a:schemeClr val="accent1"/>
+              </a:lnRef>
+              <a:fillRef idx="0">
+                <a:schemeClr val="accent1"/>
+              </a:fillRef>
+              <a:effectRef idx="0">
+                <a:schemeClr val="accent1"/>
+              </a:effectRef>
+              <a:fontRef idx="minor">
+                <a:schemeClr val="tx1"/>
+              </a:fontRef>
+            </p:style>
+          </p:cxnSp>
+          <p:cxnSp>
+            <p:nvCxnSpPr>
+              <p:cNvPr id="60" name="Straight Arrow Connector 59"/>
+              <p:cNvCxnSpPr/>
+              <p:nvPr/>
+            </p:nvCxnSpPr>
+            <p:spPr>
+              <a:xfrm flipV="1">
+                <a:off x="9715785" y="2076041"/>
+                <a:ext cx="901" cy="265176"/>
+              </a:xfrm>
+              <a:prstGeom prst="straightConnector1">
+                <a:avLst/>
+              </a:prstGeom>
+              <a:ln w="19050">
+                <a:solidFill>
+                  <a:schemeClr val="tx1">
+                    <a:lumMod val="65000"/>
+                    <a:lumOff val="35000"/>
+                  </a:schemeClr>
+                </a:solidFill>
+                <a:tailEnd type="arrow"/>
+              </a:ln>
+            </p:spPr>
+            <p:style>
+              <a:lnRef idx="1">
+                <a:schemeClr val="accent1"/>
+              </a:lnRef>
+              <a:fillRef idx="0">
+                <a:schemeClr val="accent1"/>
+              </a:fillRef>
+              <a:effectRef idx="0">
+                <a:schemeClr val="accent1"/>
+              </a:effectRef>
+              <a:fontRef idx="minor">
+                <a:schemeClr val="tx1"/>
+              </a:fontRef>
+            </p:style>
+          </p:cxnSp>
+          <p:cxnSp>
+            <p:nvCxnSpPr>
+              <p:cNvPr id="61" name="Straight Arrow Connector 60"/>
+              <p:cNvCxnSpPr/>
+              <p:nvPr/>
+            </p:nvCxnSpPr>
+            <p:spPr>
+              <a:xfrm flipH="1">
+                <a:off x="9086900" y="2032336"/>
+                <a:ext cx="395644" cy="7808"/>
+              </a:xfrm>
+              <a:prstGeom prst="straightConnector1">
+                <a:avLst/>
+              </a:prstGeom>
+              <a:ln w="19050">
+                <a:solidFill>
+                  <a:schemeClr val="tx1">
+                    <a:lumMod val="65000"/>
+                    <a:lumOff val="35000"/>
+                  </a:schemeClr>
+                </a:solidFill>
+                <a:tailEnd type="none"/>
+              </a:ln>
+            </p:spPr>
+            <p:style>
+              <a:lnRef idx="1">
+                <a:schemeClr val="accent1"/>
+              </a:lnRef>
+              <a:fillRef idx="0">
+                <a:schemeClr val="accent1"/>
+              </a:fillRef>
+              <a:effectRef idx="0">
+                <a:schemeClr val="accent1"/>
+              </a:effectRef>
+              <a:fontRef idx="minor">
+                <a:schemeClr val="tx1"/>
+              </a:fontRef>
+            </p:style>
+          </p:cxnSp>
+          <p:cxnSp>
+            <p:nvCxnSpPr>
+              <p:cNvPr id="62" name="Straight Arrow Connector 61"/>
+              <p:cNvCxnSpPr/>
+              <p:nvPr/>
+            </p:nvCxnSpPr>
+            <p:spPr>
+              <a:xfrm flipH="1">
+                <a:off x="9382791" y="1692589"/>
+                <a:ext cx="101013" cy="42"/>
+              </a:xfrm>
+              <a:prstGeom prst="straightConnector1">
+                <a:avLst/>
+              </a:prstGeom>
+              <a:ln w="19050">
+                <a:solidFill>
+                  <a:schemeClr val="tx1">
+                    <a:lumMod val="65000"/>
+                    <a:lumOff val="35000"/>
+                  </a:schemeClr>
+                </a:solidFill>
+                <a:tailEnd type="none" w="lg" len="lg"/>
+              </a:ln>
+            </p:spPr>
+            <p:style>
+              <a:lnRef idx="1">
+                <a:schemeClr val="accent1"/>
+              </a:lnRef>
+              <a:fillRef idx="0">
+                <a:schemeClr val="accent1"/>
+              </a:fillRef>
+              <a:effectRef idx="0">
+                <a:schemeClr val="accent1"/>
+              </a:effectRef>
+              <a:fontRef idx="minor">
+                <a:schemeClr val="tx1"/>
+              </a:fontRef>
+            </p:style>
+          </p:cxnSp>
+        </p:grpSp>
+        <p:cxnSp>
+          <p:nvCxnSpPr>
+            <p:cNvPr id="28" name="Straight Connector 27"/>
+            <p:cNvCxnSpPr/>
+            <p:nvPr/>
+          </p:nvCxnSpPr>
+          <p:spPr>
+            <a:xfrm>
+              <a:off x="5486031" y="434274"/>
+              <a:ext cx="3608" cy="799471"/>
+            </a:xfrm>
+            <a:prstGeom prst="line">
+              <a:avLst/>
+            </a:prstGeom>
+            <a:ln w="19050"/>
+          </p:spPr>
+          <p:style>
+            <a:lnRef idx="2">
+              <a:schemeClr val="dk1"/>
+            </a:lnRef>
+            <a:fillRef idx="0">
+              <a:schemeClr val="dk1"/>
+            </a:fillRef>
+            <a:effectRef idx="1">
+              <a:schemeClr val="dk1"/>
+            </a:effectRef>
+            <a:fontRef idx="minor">
+              <a:schemeClr val="tx1"/>
+            </a:fontRef>
+          </p:style>
+        </p:cxnSp>
+        <p:cxnSp>
+          <p:nvCxnSpPr>
+            <p:cNvPr id="29" name="Straight Arrow Connector 28"/>
+            <p:cNvCxnSpPr/>
+            <p:nvPr/>
+          </p:nvCxnSpPr>
+          <p:spPr>
+            <a:xfrm flipH="1" flipV="1">
+              <a:off x="5493026" y="2140226"/>
+              <a:ext cx="392417" cy="326"/>
+            </a:xfrm>
+            <a:prstGeom prst="straightConnector1">
+              <a:avLst/>
+            </a:prstGeom>
+            <a:ln w="19050">
+              <a:solidFill>
+                <a:schemeClr val="tx1">
+                  <a:lumMod val="65000"/>
+                  <a:lumOff val="35000"/>
+                </a:schemeClr>
+              </a:solidFill>
+              <a:tailEnd type="none"/>
+            </a:ln>
+          </p:spPr>
+          <p:style>
+            <a:lnRef idx="1">
+              <a:schemeClr val="accent1"/>
+            </a:lnRef>
+            <a:fillRef idx="0">
+              <a:schemeClr val="accent1"/>
+            </a:fillRef>
+            <a:effectRef idx="0">
+              <a:schemeClr val="accent1"/>
+            </a:effectRef>
+            <a:fontRef idx="minor">
+              <a:schemeClr val="tx1"/>
+            </a:fontRef>
+          </p:style>
+        </p:cxnSp>
         <p:sp>
           <p:nvSpPr>
-            <p:cNvPr id="7" name="TextBox 6"/>
-            <p:cNvSpPr txBox="1"/>
-            <p:nvPr/>
-          </p:nvSpPr>
-          <p:spPr>
-            <a:xfrm>
-              <a:off x="7793107" y="1276350"/>
-              <a:ext cx="852487" cy="1970861"/>
-            </a:xfrm>
-            <a:prstGeom prst="rect">
-              <a:avLst/>
-            </a:prstGeom>
-            <a:noFill/>
-          </p:spPr>
-          <p:txBody>
-            <a:bodyPr wrap="square" rtlCol="0">
-              <a:spAutoFit/>
-            </a:bodyPr>
-            <a:lstStyle/>
-            <a:p>
-              <a:pPr algn="r">
-                <a:lnSpc>
-                  <a:spcPts val="2500"/>
-                </a:lnSpc>
-              </a:pPr>
-              <a:r>
-                <a:rPr lang="en-US" sz="1200" b="1" dirty="0" smtClean="0">
-                  <a:latin typeface="Arial" charset="0"/>
-                  <a:ea typeface="Arial" charset="0"/>
-                  <a:cs typeface="Arial" charset="0"/>
-                </a:rPr>
-                <a:t>S10p</a:t>
-              </a:r>
-            </a:p>
-            <a:p>
-              <a:pPr algn="r">
-                <a:lnSpc>
-                  <a:spcPts val="2500"/>
-                </a:lnSpc>
-              </a:pPr>
-              <a:r>
-                <a:rPr lang="en-US" sz="1200" b="1" dirty="0" smtClean="0">
-                  <a:latin typeface="Arial" charset="0"/>
-                  <a:ea typeface="Arial" charset="0"/>
-                  <a:cs typeface="Arial" charset="0"/>
-                </a:rPr>
-                <a:t>Kinase</a:t>
-              </a:r>
-            </a:p>
-            <a:p>
-              <a:pPr algn="r">
-                <a:lnSpc>
-                  <a:spcPts val="2500"/>
-                </a:lnSpc>
-              </a:pPr>
-              <a:r>
-                <a:rPr lang="en-US" sz="1200" b="1" dirty="0" smtClean="0">
-                  <a:latin typeface="Arial" charset="0"/>
-                  <a:ea typeface="Arial" charset="0"/>
-                  <a:cs typeface="Arial" charset="0"/>
-                </a:rPr>
-                <a:t>PTP</a:t>
-              </a:r>
-            </a:p>
-            <a:p>
-              <a:pPr algn="r">
-                <a:lnSpc>
-                  <a:spcPts val="2500"/>
-                </a:lnSpc>
-              </a:pPr>
-              <a:r>
-                <a:rPr lang="en-US" sz="1200" b="1" dirty="0" smtClean="0">
-                  <a:latin typeface="Arial" charset="0"/>
-                  <a:ea typeface="Arial" charset="0"/>
-                  <a:cs typeface="Arial" charset="0"/>
-                </a:rPr>
-                <a:t>K9me</a:t>
-              </a:r>
-            </a:p>
-            <a:p>
-              <a:pPr algn="r">
-                <a:lnSpc>
-                  <a:spcPts val="2500"/>
-                </a:lnSpc>
-              </a:pPr>
-              <a:r>
-                <a:rPr lang="en-US" sz="1200" b="1" dirty="0" smtClean="0">
-                  <a:latin typeface="Arial" charset="0"/>
-                  <a:ea typeface="Arial" charset="0"/>
-                  <a:cs typeface="Arial" charset="0"/>
-                </a:rPr>
-                <a:t>MT</a:t>
-              </a:r>
-            </a:p>
-            <a:p>
-              <a:pPr algn="r">
-                <a:lnSpc>
-                  <a:spcPts val="2500"/>
-                </a:lnSpc>
-              </a:pPr>
-              <a:r>
-                <a:rPr lang="en-US" sz="1200" b="1" dirty="0" smtClean="0">
-                  <a:latin typeface="Arial" charset="0"/>
-                  <a:ea typeface="Arial" charset="0"/>
-                  <a:cs typeface="Arial" charset="0"/>
-                </a:rPr>
-                <a:t>KDM</a:t>
-              </a:r>
-              <a:endParaRPr lang="en-US" sz="1200" b="1" dirty="0">
-                <a:latin typeface="Arial" charset="0"/>
-                <a:ea typeface="Arial" charset="0"/>
-                <a:cs typeface="Arial" charset="0"/>
-              </a:endParaRPr>
-            </a:p>
-          </p:txBody>
-        </p:sp>
-        <p:sp>
-          <p:nvSpPr>
-            <p:cNvPr id="8" name="TextBox 7"/>
-            <p:cNvSpPr txBox="1"/>
-            <p:nvPr/>
-          </p:nvSpPr>
-          <p:spPr>
-            <a:xfrm rot="16200000">
-              <a:off x="9246139" y="2462930"/>
-              <a:ext cx="852487" cy="2339551"/>
-            </a:xfrm>
-            <a:prstGeom prst="rect">
-              <a:avLst/>
-            </a:prstGeom>
-            <a:noFill/>
-          </p:spPr>
-          <p:txBody>
-            <a:bodyPr wrap="square" rtlCol="0">
-              <a:spAutoFit/>
-            </a:bodyPr>
-            <a:lstStyle/>
-            <a:p>
-              <a:pPr algn="r">
-                <a:lnSpc>
-                  <a:spcPts val="3000"/>
-                </a:lnSpc>
-              </a:pPr>
-              <a:r>
-                <a:rPr lang="en-US" sz="1200" b="1" dirty="0" smtClean="0">
-                  <a:latin typeface="Arial" charset="0"/>
-                  <a:ea typeface="Arial" charset="0"/>
-                  <a:cs typeface="Arial" charset="0"/>
-                </a:rPr>
-                <a:t>S10p</a:t>
-              </a:r>
-            </a:p>
-            <a:p>
-              <a:pPr algn="r">
-                <a:lnSpc>
-                  <a:spcPts val="3000"/>
-                </a:lnSpc>
-              </a:pPr>
-              <a:r>
-                <a:rPr lang="en-US" sz="1200" b="1" dirty="0" smtClean="0">
-                  <a:latin typeface="Arial" charset="0"/>
-                  <a:ea typeface="Arial" charset="0"/>
-                  <a:cs typeface="Arial" charset="0"/>
-                </a:rPr>
-                <a:t>Kinase</a:t>
-              </a:r>
-            </a:p>
-            <a:p>
-              <a:pPr algn="r">
-                <a:lnSpc>
-                  <a:spcPts val="3000"/>
-                </a:lnSpc>
-              </a:pPr>
-              <a:r>
-                <a:rPr lang="en-US" sz="1200" b="1" dirty="0" smtClean="0">
-                  <a:latin typeface="Arial" charset="0"/>
-                  <a:ea typeface="Arial" charset="0"/>
-                  <a:cs typeface="Arial" charset="0"/>
-                </a:rPr>
-                <a:t>PTP</a:t>
-              </a:r>
-            </a:p>
-            <a:p>
-              <a:pPr algn="r">
-                <a:lnSpc>
-                  <a:spcPts val="3000"/>
-                </a:lnSpc>
-              </a:pPr>
-              <a:r>
-                <a:rPr lang="en-US" sz="1200" b="1" dirty="0" smtClean="0">
-                  <a:latin typeface="Arial" charset="0"/>
-                  <a:ea typeface="Arial" charset="0"/>
-                  <a:cs typeface="Arial" charset="0"/>
-                </a:rPr>
-                <a:t>K9me</a:t>
-              </a:r>
-            </a:p>
-            <a:p>
-              <a:pPr algn="r">
-                <a:lnSpc>
-                  <a:spcPts val="3000"/>
-                </a:lnSpc>
-              </a:pPr>
-              <a:r>
-                <a:rPr lang="en-US" sz="1200" b="1" dirty="0" smtClean="0">
-                  <a:latin typeface="Arial" charset="0"/>
-                  <a:ea typeface="Arial" charset="0"/>
-                  <a:cs typeface="Arial" charset="0"/>
-                </a:rPr>
-                <a:t>MT</a:t>
-              </a:r>
-            </a:p>
-            <a:p>
-              <a:pPr algn="r">
-                <a:lnSpc>
-                  <a:spcPts val="3000"/>
-                </a:lnSpc>
-              </a:pPr>
-              <a:r>
-                <a:rPr lang="en-US" sz="1200" b="1" dirty="0" smtClean="0">
-                  <a:latin typeface="Arial" charset="0"/>
-                  <a:ea typeface="Arial" charset="0"/>
-                  <a:cs typeface="Arial" charset="0"/>
-                </a:rPr>
-                <a:t>KDM</a:t>
-              </a:r>
-              <a:endParaRPr lang="en-US" sz="1200" b="1" dirty="0">
-                <a:latin typeface="Arial" charset="0"/>
-                <a:ea typeface="Arial" charset="0"/>
-                <a:cs typeface="Arial" charset="0"/>
-              </a:endParaRPr>
-            </a:p>
-          </p:txBody>
-        </p:sp>
-        <p:pic>
-          <p:nvPicPr>
-            <p:cNvPr id="3" name="Picture 2"/>
-            <p:cNvPicPr>
-              <a:picLocks noChangeAspect="1"/>
-            </p:cNvPicPr>
-            <p:nvPr/>
-          </p:nvPicPr>
-          <p:blipFill rotWithShape="1">
-            <a:blip r:embed="rId2"/>
-            <a:srcRect l="11288" t="6174" r="11782" b="9836"/>
-            <a:stretch/>
-          </p:blipFill>
-          <p:spPr>
-            <a:xfrm>
-              <a:off x="8659616" y="1314759"/>
-              <a:ext cx="2366194" cy="1937540"/>
-            </a:xfrm>
-            <a:prstGeom prst="rect">
-              <a:avLst/>
-            </a:prstGeom>
-          </p:spPr>
-        </p:pic>
-        <p:sp>
-          <p:nvSpPr>
-            <p:cNvPr id="10" name="TextBox 9"/>
-            <p:cNvSpPr txBox="1"/>
-            <p:nvPr/>
-          </p:nvSpPr>
-          <p:spPr>
-            <a:xfrm>
-              <a:off x="9084688" y="1357020"/>
-              <a:ext cx="192765" cy="276999"/>
-            </a:xfrm>
-            <a:prstGeom prst="rect">
-              <a:avLst/>
-            </a:prstGeom>
-            <a:noFill/>
-          </p:spPr>
-          <p:txBody>
-            <a:bodyPr wrap="square" rtlCol="0">
-              <a:spAutoFit/>
-            </a:bodyPr>
-            <a:lstStyle/>
-            <a:p>
-              <a:r>
-                <a:rPr lang="en-US" sz="1200" b="1" dirty="0" smtClean="0">
-                  <a:solidFill>
-                    <a:schemeClr val="bg1"/>
-                  </a:solidFill>
-                  <a:latin typeface="Arial" charset="0"/>
-                  <a:ea typeface="Arial" charset="0"/>
-                  <a:cs typeface="Arial" charset="0"/>
-                </a:rPr>
-                <a:t>5</a:t>
-              </a:r>
-              <a:endParaRPr lang="en-US" sz="1200" b="1" dirty="0">
-                <a:solidFill>
-                  <a:schemeClr val="bg1"/>
-                </a:solidFill>
-                <a:latin typeface="Arial" charset="0"/>
-                <a:ea typeface="Arial" charset="0"/>
-                <a:cs typeface="Arial" charset="0"/>
-              </a:endParaRPr>
-            </a:p>
-          </p:txBody>
-        </p:sp>
-        <p:sp>
-          <p:nvSpPr>
-            <p:cNvPr id="11" name="TextBox 10"/>
-            <p:cNvSpPr txBox="1"/>
-            <p:nvPr/>
-          </p:nvSpPr>
-          <p:spPr>
-            <a:xfrm>
-              <a:off x="9438027" y="1357020"/>
-              <a:ext cx="323811" cy="276999"/>
-            </a:xfrm>
-            <a:prstGeom prst="rect">
-              <a:avLst/>
-            </a:prstGeom>
-            <a:noFill/>
-          </p:spPr>
-          <p:txBody>
-            <a:bodyPr wrap="square" rtlCol="0">
-              <a:spAutoFit/>
-            </a:bodyPr>
-            <a:lstStyle/>
-            <a:p>
-              <a:r>
-                <a:rPr lang="en-US" sz="1200" b="1" smtClean="0">
-                  <a:solidFill>
-                    <a:schemeClr val="bg1"/>
-                  </a:solidFill>
-                  <a:latin typeface="Arial" charset="0"/>
-                  <a:ea typeface="Arial" charset="0"/>
-                  <a:cs typeface="Arial" charset="0"/>
-                </a:rPr>
-                <a:t>-5</a:t>
-              </a:r>
-              <a:endParaRPr lang="en-US" sz="1200" b="1" dirty="0">
-                <a:solidFill>
-                  <a:schemeClr val="bg1"/>
-                </a:solidFill>
-                <a:latin typeface="Arial" charset="0"/>
-                <a:ea typeface="Arial" charset="0"/>
-                <a:cs typeface="Arial" charset="0"/>
-              </a:endParaRPr>
-            </a:p>
-          </p:txBody>
-        </p:sp>
-        <p:sp>
-          <p:nvSpPr>
-            <p:cNvPr id="12" name="TextBox 11"/>
-            <p:cNvSpPr txBox="1"/>
-            <p:nvPr/>
-          </p:nvSpPr>
-          <p:spPr>
-            <a:xfrm>
-              <a:off x="10179302" y="2303594"/>
-              <a:ext cx="279392" cy="276999"/>
-            </a:xfrm>
-            <a:prstGeom prst="rect">
-              <a:avLst/>
-            </a:prstGeom>
-            <a:noFill/>
-          </p:spPr>
-          <p:txBody>
-            <a:bodyPr wrap="square" rtlCol="0">
-              <a:spAutoFit/>
-            </a:bodyPr>
-            <a:lstStyle/>
-            <a:p>
-              <a:r>
-                <a:rPr lang="en-US" sz="1200" b="1" smtClean="0">
-                  <a:solidFill>
-                    <a:schemeClr val="bg1"/>
-                  </a:solidFill>
-                  <a:latin typeface="Arial" charset="0"/>
-                  <a:ea typeface="Arial" charset="0"/>
-                  <a:cs typeface="Arial" charset="0"/>
-                </a:rPr>
-                <a:t>4</a:t>
-              </a:r>
-              <a:endParaRPr lang="en-US" sz="1200" b="1" dirty="0">
-                <a:solidFill>
-                  <a:schemeClr val="bg1"/>
-                </a:solidFill>
-                <a:latin typeface="Arial" charset="0"/>
-                <a:ea typeface="Arial" charset="0"/>
-                <a:cs typeface="Arial" charset="0"/>
-              </a:endParaRPr>
-            </a:p>
-          </p:txBody>
-        </p:sp>
-        <p:sp>
-          <p:nvSpPr>
-            <p:cNvPr id="13" name="TextBox 12"/>
-            <p:cNvSpPr txBox="1"/>
-            <p:nvPr/>
-          </p:nvSpPr>
-          <p:spPr>
-            <a:xfrm>
-              <a:off x="10507314" y="2303593"/>
-              <a:ext cx="323811" cy="276999"/>
-            </a:xfrm>
-            <a:prstGeom prst="rect">
-              <a:avLst/>
-            </a:prstGeom>
-            <a:noFill/>
-          </p:spPr>
-          <p:txBody>
-            <a:bodyPr wrap="square" rtlCol="0">
-              <a:spAutoFit/>
-            </a:bodyPr>
-            <a:lstStyle/>
-            <a:p>
-              <a:r>
-                <a:rPr lang="en-US" sz="1200" b="1" smtClean="0">
-                  <a:solidFill>
-                    <a:schemeClr val="bg1"/>
-                  </a:solidFill>
-                  <a:latin typeface="Arial" charset="0"/>
-                  <a:ea typeface="Arial" charset="0"/>
-                  <a:cs typeface="Arial" charset="0"/>
-                </a:rPr>
-                <a:t>-4</a:t>
-              </a:r>
-              <a:endParaRPr lang="en-US" sz="1200" b="1" dirty="0">
-                <a:solidFill>
-                  <a:schemeClr val="bg1"/>
-                </a:solidFill>
-                <a:latin typeface="Arial" charset="0"/>
-                <a:ea typeface="Arial" charset="0"/>
-                <a:cs typeface="Arial" charset="0"/>
-              </a:endParaRPr>
-            </a:p>
-          </p:txBody>
-        </p:sp>
-        <p:sp>
-          <p:nvSpPr>
-            <p:cNvPr id="14" name="TextBox 13"/>
-            <p:cNvSpPr txBox="1"/>
-            <p:nvPr/>
-          </p:nvSpPr>
-          <p:spPr>
-            <a:xfrm>
-              <a:off x="9084688" y="2654459"/>
-              <a:ext cx="311391" cy="203133"/>
-            </a:xfrm>
-            <a:prstGeom prst="rect">
-              <a:avLst/>
-            </a:prstGeom>
-            <a:noFill/>
-          </p:spPr>
-          <p:txBody>
-            <a:bodyPr wrap="square" lIns="9144" tIns="9144" rIns="9144" bIns="9144" rtlCol="0">
-              <a:spAutoFit/>
-            </a:bodyPr>
-            <a:lstStyle/>
-            <a:p>
-              <a:r>
-                <a:rPr lang="en-US" sz="1200" b="1" dirty="0" smtClean="0">
-                  <a:latin typeface="Arial" charset="0"/>
-                  <a:ea typeface="Arial" charset="0"/>
-                  <a:cs typeface="Arial" charset="0"/>
-                </a:rPr>
-                <a:t>-.15</a:t>
-              </a:r>
-              <a:endParaRPr lang="en-US" sz="1200" b="1" dirty="0">
-                <a:latin typeface="Arial" charset="0"/>
-                <a:ea typeface="Arial" charset="0"/>
-                <a:cs typeface="Arial" charset="0"/>
-              </a:endParaRPr>
-            </a:p>
-          </p:txBody>
-        </p:sp>
-        <p:sp>
-          <p:nvSpPr>
-            <p:cNvPr id="15" name="TextBox 14"/>
-            <p:cNvSpPr txBox="1"/>
-            <p:nvPr/>
-          </p:nvSpPr>
-          <p:spPr>
-            <a:xfrm>
-              <a:off x="9423198" y="2650703"/>
-              <a:ext cx="311391" cy="203133"/>
-            </a:xfrm>
-            <a:prstGeom prst="rect">
-              <a:avLst/>
-            </a:prstGeom>
-            <a:noFill/>
-          </p:spPr>
-          <p:txBody>
-            <a:bodyPr wrap="square" lIns="9144" tIns="9144" rIns="9144" bIns="9144" rtlCol="0">
-              <a:spAutoFit/>
-            </a:bodyPr>
-            <a:lstStyle/>
-            <a:p>
-              <a:r>
-                <a:rPr lang="en-US" sz="1200" b="1" dirty="0">
-                  <a:latin typeface="Arial" charset="0"/>
-                  <a:ea typeface="Arial" charset="0"/>
-                  <a:cs typeface="Arial" charset="0"/>
-                </a:rPr>
-                <a:t> </a:t>
-              </a:r>
-              <a:r>
-                <a:rPr lang="en-US" sz="1200" b="1" dirty="0" smtClean="0">
-                  <a:latin typeface="Arial" charset="0"/>
-                  <a:ea typeface="Arial" charset="0"/>
-                  <a:cs typeface="Arial" charset="0"/>
-                </a:rPr>
-                <a:t>.15</a:t>
-              </a:r>
-              <a:endParaRPr lang="en-US" sz="1200" b="1" dirty="0">
-                <a:latin typeface="Arial" charset="0"/>
-                <a:ea typeface="Arial" charset="0"/>
-                <a:cs typeface="Arial" charset="0"/>
-              </a:endParaRPr>
-            </a:p>
-          </p:txBody>
-        </p:sp>
-        <p:sp>
-          <p:nvSpPr>
-            <p:cNvPr id="16" name="TextBox 15"/>
-            <p:cNvSpPr txBox="1"/>
-            <p:nvPr/>
-          </p:nvSpPr>
-          <p:spPr>
-            <a:xfrm>
-              <a:off x="9396078" y="2977774"/>
-              <a:ext cx="328754" cy="203133"/>
-            </a:xfrm>
-            <a:prstGeom prst="rect">
-              <a:avLst/>
-            </a:prstGeom>
-            <a:noFill/>
-          </p:spPr>
-          <p:txBody>
-            <a:bodyPr wrap="square" lIns="9144" tIns="9144" rIns="9144" bIns="9144" rtlCol="0">
-              <a:spAutoFit/>
-            </a:bodyPr>
-            <a:lstStyle/>
-            <a:p>
-              <a:r>
-                <a:rPr lang="en-US" sz="1200" b="1">
-                  <a:latin typeface="Arial" charset="0"/>
-                  <a:ea typeface="Arial" charset="0"/>
-                  <a:cs typeface="Arial" charset="0"/>
-                </a:rPr>
-                <a:t> </a:t>
-              </a:r>
-              <a:r>
-                <a:rPr lang="en-US" sz="1200" b="1" smtClean="0">
-                  <a:latin typeface="Arial" charset="0"/>
-                  <a:ea typeface="Arial" charset="0"/>
-                  <a:cs typeface="Arial" charset="0"/>
-                </a:rPr>
-                <a:t>-.15</a:t>
-              </a:r>
-              <a:endParaRPr lang="en-US" sz="1200" b="1" dirty="0">
-                <a:latin typeface="Arial" charset="0"/>
-                <a:ea typeface="Arial" charset="0"/>
-                <a:cs typeface="Arial" charset="0"/>
-              </a:endParaRPr>
-            </a:p>
-          </p:txBody>
-        </p:sp>
-        <p:sp>
-          <p:nvSpPr>
-            <p:cNvPr id="17" name="TextBox 16"/>
-            <p:cNvSpPr txBox="1"/>
-            <p:nvPr/>
-          </p:nvSpPr>
-          <p:spPr>
-            <a:xfrm>
-              <a:off x="9084687" y="2956251"/>
-              <a:ext cx="311391" cy="203133"/>
-            </a:xfrm>
-            <a:prstGeom prst="rect">
-              <a:avLst/>
-            </a:prstGeom>
-            <a:noFill/>
-          </p:spPr>
-          <p:txBody>
-            <a:bodyPr wrap="square" lIns="9144" tIns="9144" rIns="9144" bIns="9144" rtlCol="0">
-              <a:spAutoFit/>
-            </a:bodyPr>
-            <a:lstStyle/>
-            <a:p>
-              <a:r>
-                <a:rPr lang="en-US" sz="1200" b="1" dirty="0">
-                  <a:latin typeface="Arial" charset="0"/>
-                  <a:ea typeface="Arial" charset="0"/>
-                  <a:cs typeface="Arial" charset="0"/>
-                </a:rPr>
-                <a:t> </a:t>
-              </a:r>
-              <a:r>
-                <a:rPr lang="en-US" sz="1200" b="1" smtClean="0">
-                  <a:latin typeface="Arial" charset="0"/>
-                  <a:ea typeface="Arial" charset="0"/>
-                  <a:cs typeface="Arial" charset="0"/>
-                </a:rPr>
-                <a:t>.15</a:t>
-              </a:r>
-              <a:endParaRPr lang="en-US" sz="1200" b="1" dirty="0">
-                <a:latin typeface="Arial" charset="0"/>
-                <a:ea typeface="Arial" charset="0"/>
-                <a:cs typeface="Arial" charset="0"/>
-              </a:endParaRPr>
-            </a:p>
-          </p:txBody>
-        </p:sp>
-        <p:sp>
-          <p:nvSpPr>
-            <p:cNvPr id="20" name="Rectangle 19"/>
+            <p:cNvPr id="30" name="Oval 29"/>
             <p:cNvSpPr/>
             <p:nvPr/>
           </p:nvSpPr>
           <p:spPr>
             <a:xfrm>
-              <a:off x="9057569" y="2585034"/>
-              <a:ext cx="704269" cy="642550"/>
+              <a:off x="6163017" y="2069926"/>
+              <a:ext cx="118872" cy="118872"/>
             </a:xfrm>
-            <a:prstGeom prst="rect">
+            <a:prstGeom prst="ellipse">
               <a:avLst/>
             </a:prstGeom>
             <a:noFill/>
-            <a:ln>
+            <a:ln w="19050">
               <a:solidFill>
-                <a:schemeClr val="tx1"/>
+                <a:schemeClr val="tx1">
+                  <a:lumMod val="65000"/>
+                  <a:lumOff val="35000"/>
+                </a:schemeClr>
               </a:solidFill>
             </a:ln>
           </p:spPr>
           <p:style>
-            <a:lnRef idx="2">
-              <a:schemeClr val="accent1">
-                <a:shade val="50000"/>
-              </a:schemeClr>
+            <a:lnRef idx="1">
+              <a:schemeClr val="accent1"/>
             </a:lnRef>
-            <a:fillRef idx="1">
+            <a:fillRef idx="3">
               <a:schemeClr val="accent1"/>
             </a:fillRef>
-            <a:effectRef idx="0">
+            <a:effectRef idx="2">
               <a:schemeClr val="accent1"/>
             </a:effectRef>
             <a:fontRef idx="minor">
@@ -5809,35 +8271,363 @@
             <a:lstStyle/>
             <a:p>
               <a:pPr algn="ctr"/>
-              <a:endParaRPr lang="en-US" sz="1200" b="1">
-                <a:latin typeface="Arial" charset="0"/>
-                <a:ea typeface="Arial" charset="0"/>
-                <a:cs typeface="Arial" charset="0"/>
-              </a:endParaRPr>
+              <a:endParaRPr lang="en-US"/>
             </a:p>
           </p:txBody>
         </p:sp>
         <p:cxnSp>
           <p:nvCxnSpPr>
-            <p:cNvPr id="22" name="Straight Connector 21"/>
-            <p:cNvCxnSpPr>
-              <a:stCxn id="20" idx="1"/>
-              <a:endCxn id="20" idx="3"/>
-            </p:cNvCxnSpPr>
+            <p:cNvPr id="31" name="Straight Connector 30"/>
+            <p:cNvCxnSpPr/>
+            <p:nvPr/>
+          </p:nvCxnSpPr>
+          <p:spPr>
+            <a:xfrm flipH="1">
+              <a:off x="7016747" y="2027071"/>
+              <a:ext cx="142542" cy="203135"/>
+            </a:xfrm>
+            <a:prstGeom prst="line">
+              <a:avLst/>
+            </a:prstGeom>
+            <a:ln w="19050">
+              <a:solidFill>
+                <a:schemeClr val="tx1">
+                  <a:lumMod val="65000"/>
+                  <a:lumOff val="35000"/>
+                </a:schemeClr>
+              </a:solidFill>
+            </a:ln>
+          </p:spPr>
+          <p:style>
+            <a:lnRef idx="2">
+              <a:schemeClr val="accent1"/>
+            </a:lnRef>
+            <a:fillRef idx="0">
+              <a:schemeClr val="accent1"/>
+            </a:fillRef>
+            <a:effectRef idx="1">
+              <a:schemeClr val="accent1"/>
+            </a:effectRef>
+            <a:fontRef idx="minor">
+              <a:schemeClr val="tx1"/>
+            </a:fontRef>
+          </p:style>
+        </p:cxnSp>
+        <p:sp>
+          <p:nvSpPr>
+            <p:cNvPr id="32" name="Oval 31"/>
+            <p:cNvSpPr/>
+            <p:nvPr/>
+          </p:nvSpPr>
+          <p:spPr>
+            <a:xfrm>
+              <a:off x="7220046" y="2133479"/>
+              <a:ext cx="118872" cy="118872"/>
+            </a:xfrm>
+            <a:prstGeom prst="ellipse">
+              <a:avLst/>
+            </a:prstGeom>
+            <a:noFill/>
+            <a:ln w="19050">
+              <a:solidFill>
+                <a:schemeClr val="tx1">
+                  <a:lumMod val="65000"/>
+                  <a:lumOff val="35000"/>
+                </a:schemeClr>
+              </a:solidFill>
+            </a:ln>
+          </p:spPr>
+          <p:style>
+            <a:lnRef idx="1">
+              <a:schemeClr val="accent1"/>
+            </a:lnRef>
+            <a:fillRef idx="3">
+              <a:schemeClr val="accent1"/>
+            </a:fillRef>
+            <a:effectRef idx="2">
+              <a:schemeClr val="accent1"/>
+            </a:effectRef>
+            <a:fontRef idx="minor">
+              <a:schemeClr val="lt1"/>
+            </a:fontRef>
+          </p:style>
+          <p:txBody>
+            <a:bodyPr rtlCol="0" anchor="ctr"/>
+            <a:lstStyle/>
+            <a:p>
+              <a:pPr algn="ctr"/>
+              <a:endParaRPr lang="en-US"/>
+            </a:p>
+          </p:txBody>
+        </p:sp>
+        <p:cxnSp>
+          <p:nvCxnSpPr>
+            <p:cNvPr id="33" name="Straight Connector 32"/>
+            <p:cNvCxnSpPr/>
             <p:nvPr/>
           </p:nvCxnSpPr>
           <p:spPr>
             <a:xfrm>
-              <a:off x="9057569" y="2906309"/>
-              <a:ext cx="704269" cy="0"/>
+              <a:off x="7157893" y="2033715"/>
+              <a:ext cx="87206" cy="115002"/>
             </a:xfrm>
             <a:prstGeom prst="line">
               <a:avLst/>
             </a:prstGeom>
-            <a:ln>
+            <a:ln w="19050">
               <a:solidFill>
-                <a:schemeClr val="tx1"/>
+                <a:schemeClr val="tx1">
+                  <a:lumMod val="65000"/>
+                  <a:lumOff val="35000"/>
+                </a:schemeClr>
               </a:solidFill>
+            </a:ln>
+          </p:spPr>
+          <p:style>
+            <a:lnRef idx="2">
+              <a:schemeClr val="accent1"/>
+            </a:lnRef>
+            <a:fillRef idx="0">
+              <a:schemeClr val="accent1"/>
+            </a:fillRef>
+            <a:effectRef idx="1">
+              <a:schemeClr val="accent1"/>
+            </a:effectRef>
+            <a:fontRef idx="minor">
+              <a:schemeClr val="tx1"/>
+            </a:fontRef>
+          </p:style>
+        </p:cxnSp>
+        <p:cxnSp>
+          <p:nvCxnSpPr>
+            <p:cNvPr id="34" name="Straight Connector 33"/>
+            <p:cNvCxnSpPr/>
+            <p:nvPr/>
+          </p:nvCxnSpPr>
+          <p:spPr>
+            <a:xfrm>
+              <a:off x="5604631" y="1564433"/>
+              <a:ext cx="3550" cy="240418"/>
+            </a:xfrm>
+            <a:prstGeom prst="line">
+              <a:avLst/>
+            </a:prstGeom>
+            <a:ln w="19050"/>
+          </p:spPr>
+          <p:style>
+            <a:lnRef idx="2">
+              <a:schemeClr val="dk1"/>
+            </a:lnRef>
+            <a:fillRef idx="0">
+              <a:schemeClr val="dk1"/>
+            </a:fillRef>
+            <a:effectRef idx="1">
+              <a:schemeClr val="dk1"/>
+            </a:effectRef>
+            <a:fontRef idx="minor">
+              <a:schemeClr val="tx1"/>
+            </a:fontRef>
+          </p:style>
+        </p:cxnSp>
+        <p:cxnSp>
+          <p:nvCxnSpPr>
+            <p:cNvPr id="35" name="Straight Arrow Connector 34"/>
+            <p:cNvCxnSpPr/>
+            <p:nvPr/>
+          </p:nvCxnSpPr>
+          <p:spPr>
+            <a:xfrm flipH="1">
+              <a:off x="5596043" y="2227845"/>
+              <a:ext cx="1426989" cy="1173"/>
+            </a:xfrm>
+            <a:prstGeom prst="straightConnector1">
+              <a:avLst/>
+            </a:prstGeom>
+            <a:ln w="19050">
+              <a:solidFill>
+                <a:schemeClr val="tx1">
+                  <a:lumMod val="65000"/>
+                  <a:lumOff val="35000"/>
+                </a:schemeClr>
+              </a:solidFill>
+              <a:tailEnd type="none"/>
+            </a:ln>
+          </p:spPr>
+          <p:style>
+            <a:lnRef idx="1">
+              <a:schemeClr val="accent1"/>
+            </a:lnRef>
+            <a:fillRef idx="0">
+              <a:schemeClr val="accent1"/>
+            </a:fillRef>
+            <a:effectRef idx="0">
+              <a:schemeClr val="accent1"/>
+            </a:effectRef>
+            <a:fontRef idx="minor">
+              <a:schemeClr val="tx1"/>
+            </a:fontRef>
+          </p:style>
+        </p:cxnSp>
+        <p:sp>
+          <p:nvSpPr>
+            <p:cNvPr id="36" name="Arc 35"/>
+            <p:cNvSpPr/>
+            <p:nvPr/>
+          </p:nvSpPr>
+          <p:spPr>
+            <a:xfrm rot="5400000">
+              <a:off x="6139067" y="1208003"/>
+              <a:ext cx="143039" cy="174600"/>
+            </a:xfrm>
+            <a:prstGeom prst="arc">
+              <a:avLst>
+                <a:gd name="adj1" fmla="val 10630097"/>
+                <a:gd name="adj2" fmla="val 0"/>
+              </a:avLst>
+            </a:prstGeom>
+            <a:ln w="19050">
+              <a:solidFill>
+                <a:schemeClr val="tx1">
+                  <a:lumMod val="65000"/>
+                  <a:lumOff val="35000"/>
+                </a:schemeClr>
+              </a:solidFill>
+            </a:ln>
+          </p:spPr>
+          <p:style>
+            <a:lnRef idx="2">
+              <a:schemeClr val="accent1"/>
+            </a:lnRef>
+            <a:fillRef idx="0">
+              <a:schemeClr val="accent1"/>
+            </a:fillRef>
+            <a:effectRef idx="1">
+              <a:schemeClr val="accent1"/>
+            </a:effectRef>
+            <a:fontRef idx="minor">
+              <a:schemeClr val="tx1"/>
+            </a:fontRef>
+          </p:style>
+          <p:txBody>
+            <a:bodyPr rtlCol="0" anchor="ctr"/>
+            <a:lstStyle/>
+            <a:p>
+              <a:pPr algn="ctr"/>
+              <a:endParaRPr lang="en-US"/>
+            </a:p>
+          </p:txBody>
+        </p:sp>
+        <p:cxnSp>
+          <p:nvCxnSpPr>
+            <p:cNvPr id="37" name="Straight Arrow Connector 36"/>
+            <p:cNvCxnSpPr/>
+            <p:nvPr/>
+          </p:nvCxnSpPr>
+          <p:spPr>
+            <a:xfrm flipH="1" flipV="1">
+              <a:off x="6215972" y="1361489"/>
+              <a:ext cx="6481" cy="708437"/>
+            </a:xfrm>
+            <a:prstGeom prst="straightConnector1">
+              <a:avLst/>
+            </a:prstGeom>
+            <a:ln w="19050">
+              <a:solidFill>
+                <a:schemeClr val="tx1">
+                  <a:lumMod val="65000"/>
+                  <a:lumOff val="35000"/>
+                </a:schemeClr>
+              </a:solidFill>
+              <a:tailEnd type="none"/>
+            </a:ln>
+          </p:spPr>
+          <p:style>
+            <a:lnRef idx="1">
+              <a:schemeClr val="accent1"/>
+            </a:lnRef>
+            <a:fillRef idx="0">
+              <a:schemeClr val="accent1"/>
+            </a:fillRef>
+            <a:effectRef idx="0">
+              <a:schemeClr val="accent1"/>
+            </a:effectRef>
+            <a:fontRef idx="minor">
+              <a:schemeClr val="tx1"/>
+            </a:fontRef>
+          </p:style>
+        </p:cxnSp>
+        <p:sp>
+          <p:nvSpPr>
+            <p:cNvPr id="38" name="Arc 37"/>
+            <p:cNvSpPr/>
+            <p:nvPr/>
+          </p:nvSpPr>
+          <p:spPr>
+            <a:xfrm rot="5400000">
+              <a:off x="6418491" y="1194791"/>
+              <a:ext cx="143039" cy="174600"/>
+            </a:xfrm>
+            <a:prstGeom prst="arc">
+              <a:avLst>
+                <a:gd name="adj1" fmla="val 10630097"/>
+                <a:gd name="adj2" fmla="val 0"/>
+              </a:avLst>
+            </a:prstGeom>
+            <a:ln w="19050">
+              <a:solidFill>
+                <a:schemeClr val="tx1">
+                  <a:lumMod val="65000"/>
+                  <a:lumOff val="35000"/>
+                </a:schemeClr>
+              </a:solidFill>
+            </a:ln>
+          </p:spPr>
+          <p:style>
+            <a:lnRef idx="2">
+              <a:schemeClr val="accent1"/>
+            </a:lnRef>
+            <a:fillRef idx="0">
+              <a:schemeClr val="accent1"/>
+            </a:fillRef>
+            <a:effectRef idx="1">
+              <a:schemeClr val="accent1"/>
+            </a:effectRef>
+            <a:fontRef idx="minor">
+              <a:schemeClr val="tx1"/>
+            </a:fontRef>
+          </p:style>
+          <p:txBody>
+            <a:bodyPr rtlCol="0" anchor="ctr"/>
+            <a:lstStyle/>
+            <a:p>
+              <a:pPr algn="ctr"/>
+              <a:endParaRPr lang="en-US"/>
+            </a:p>
+          </p:txBody>
+        </p:sp>
+        <p:cxnSp>
+          <p:nvCxnSpPr>
+            <p:cNvPr id="39" name="Straight Arrow Connector 38"/>
+            <p:cNvCxnSpPr/>
+            <p:nvPr/>
+          </p:nvCxnSpPr>
+          <p:spPr>
+            <a:xfrm flipV="1">
+              <a:off x="6493546" y="1348287"/>
+              <a:ext cx="2186" cy="785192"/>
+            </a:xfrm>
+            <a:prstGeom prst="straightConnector1">
+              <a:avLst/>
+            </a:prstGeom>
+            <a:ln w="19050">
+              <a:solidFill>
+                <a:schemeClr val="tx1">
+                  <a:lumMod val="65000"/>
+                  <a:lumOff val="35000"/>
+                </a:schemeClr>
+              </a:solidFill>
+              <a:headEnd type="oval" w="lg" len="lg"/>
+              <a:tailEnd type="none" w="lg" len="lg"/>
             </a:ln>
           </p:spPr>
           <p:style>
@@ -5857,25 +8647,57 @@
         </p:cxnSp>
         <p:cxnSp>
           <p:nvCxnSpPr>
-            <p:cNvPr id="24" name="Straight Connector 23"/>
-            <p:cNvCxnSpPr>
-              <a:stCxn id="20" idx="0"/>
-              <a:endCxn id="20" idx="2"/>
-            </p:cNvCxnSpPr>
+            <p:cNvPr id="40" name="Straight Connector 39"/>
+            <p:cNvCxnSpPr/>
             <p:nvPr/>
           </p:nvCxnSpPr>
           <p:spPr>
             <a:xfrm>
-              <a:off x="9409704" y="2585034"/>
-              <a:ext cx="0" cy="642550"/>
+              <a:off x="5338983" y="1869060"/>
+              <a:ext cx="1643" cy="450070"/>
             </a:xfrm>
             <a:prstGeom prst="line">
               <a:avLst/>
             </a:prstGeom>
-            <a:ln>
+            <a:ln w="19050"/>
+          </p:spPr>
+          <p:style>
+            <a:lnRef idx="2">
+              <a:schemeClr val="dk1"/>
+            </a:lnRef>
+            <a:fillRef idx="0">
+              <a:schemeClr val="dk1"/>
+            </a:fillRef>
+            <a:effectRef idx="1">
+              <a:schemeClr val="dk1"/>
+            </a:effectRef>
+            <a:fontRef idx="minor">
+              <a:schemeClr val="tx1"/>
+            </a:fontRef>
+          </p:style>
+        </p:cxnSp>
+        <p:cxnSp>
+          <p:nvCxnSpPr>
+            <p:cNvPr id="41" name="Straight Arrow Connector 40"/>
+            <p:cNvCxnSpPr/>
+            <p:nvPr/>
+          </p:nvCxnSpPr>
+          <p:spPr>
+            <a:xfrm flipH="1">
+              <a:off x="5336334" y="2305502"/>
+              <a:ext cx="2009487" cy="0"/>
+            </a:xfrm>
+            <a:prstGeom prst="straightConnector1">
+              <a:avLst/>
+            </a:prstGeom>
+            <a:ln w="19050">
               <a:solidFill>
-                <a:schemeClr val="tx1"/>
+                <a:schemeClr val="tx1">
+                  <a:lumMod val="65000"/>
+                  <a:lumOff val="35000"/>
+                </a:schemeClr>
               </a:solidFill>
+              <a:tailEnd type="none"/>
             </a:ln>
           </p:spPr>
           <p:style>
@@ -5895,118 +8717,367 @@
         </p:cxnSp>
         <p:sp>
           <p:nvSpPr>
-            <p:cNvPr id="25" name="TextBox 24"/>
-            <p:cNvSpPr txBox="1"/>
+            <p:cNvPr id="42" name="Arc 41"/>
+            <p:cNvSpPr/>
+            <p:nvPr/>
+          </p:nvSpPr>
+          <p:spPr>
+            <a:xfrm rot="16200000">
+              <a:off x="5546074" y="1798844"/>
+              <a:ext cx="143039" cy="174600"/>
+            </a:xfrm>
+            <a:prstGeom prst="arc">
+              <a:avLst>
+                <a:gd name="adj1" fmla="val 10630097"/>
+                <a:gd name="adj2" fmla="val 0"/>
+              </a:avLst>
+            </a:prstGeom>
+            <a:ln w="19050">
+              <a:solidFill>
+                <a:schemeClr val="tx1">
+                  <a:lumMod val="65000"/>
+                  <a:lumOff val="35000"/>
+                </a:schemeClr>
+              </a:solidFill>
+            </a:ln>
+          </p:spPr>
+          <p:style>
+            <a:lnRef idx="2">
+              <a:schemeClr val="accent1"/>
+            </a:lnRef>
+            <a:fillRef idx="0">
+              <a:schemeClr val="accent1"/>
+            </a:fillRef>
+            <a:effectRef idx="1">
+              <a:schemeClr val="accent1"/>
+            </a:effectRef>
+            <a:fontRef idx="minor">
+              <a:schemeClr val="tx1"/>
+            </a:fontRef>
+          </p:style>
+          <p:txBody>
+            <a:bodyPr rtlCol="0" anchor="ctr"/>
+            <a:lstStyle/>
+            <a:p>
+              <a:pPr algn="ctr"/>
+              <a:endParaRPr lang="en-US"/>
+            </a:p>
+          </p:txBody>
+        </p:sp>
+        <p:cxnSp>
+          <p:nvCxnSpPr>
+            <p:cNvPr id="43" name="Straight Connector 42"/>
+            <p:cNvCxnSpPr/>
+            <p:nvPr/>
+          </p:nvCxnSpPr>
+          <p:spPr>
+            <a:xfrm flipH="1">
+              <a:off x="5603777" y="1953821"/>
+              <a:ext cx="5144" cy="280821"/>
+            </a:xfrm>
+            <a:prstGeom prst="line">
+              <a:avLst/>
+            </a:prstGeom>
+            <a:ln w="19050"/>
+          </p:spPr>
+          <p:style>
+            <a:lnRef idx="2">
+              <a:schemeClr val="dk1"/>
+            </a:lnRef>
+            <a:fillRef idx="0">
+              <a:schemeClr val="dk1"/>
+            </a:fillRef>
+            <a:effectRef idx="1">
+              <a:schemeClr val="dk1"/>
+            </a:effectRef>
+            <a:fontRef idx="minor">
+              <a:schemeClr val="tx1"/>
+            </a:fontRef>
+          </p:style>
+        </p:cxnSp>
+        <p:sp>
+          <p:nvSpPr>
+            <p:cNvPr id="44" name="Arc 43"/>
+            <p:cNvSpPr/>
+            <p:nvPr/>
+          </p:nvSpPr>
+          <p:spPr>
+            <a:xfrm rot="16200000">
+              <a:off x="5428316" y="1796910"/>
+              <a:ext cx="143039" cy="174600"/>
+            </a:xfrm>
+            <a:prstGeom prst="arc">
+              <a:avLst>
+                <a:gd name="adj1" fmla="val 10630097"/>
+                <a:gd name="adj2" fmla="val 0"/>
+              </a:avLst>
+            </a:prstGeom>
+            <a:ln w="19050">
+              <a:solidFill>
+                <a:schemeClr val="tx1">
+                  <a:lumMod val="65000"/>
+                  <a:lumOff val="35000"/>
+                </a:schemeClr>
+              </a:solidFill>
+            </a:ln>
+          </p:spPr>
+          <p:style>
+            <a:lnRef idx="2">
+              <a:schemeClr val="accent1"/>
+            </a:lnRef>
+            <a:fillRef idx="0">
+              <a:schemeClr val="accent1"/>
+            </a:fillRef>
+            <a:effectRef idx="1">
+              <a:schemeClr val="accent1"/>
+            </a:effectRef>
+            <a:fontRef idx="minor">
+              <a:schemeClr val="tx1"/>
+            </a:fontRef>
+          </p:style>
+          <p:txBody>
+            <a:bodyPr rtlCol="0" anchor="ctr"/>
+            <a:lstStyle/>
+            <a:p>
+              <a:pPr algn="ctr"/>
+              <a:endParaRPr lang="en-US"/>
+            </a:p>
+          </p:txBody>
+        </p:sp>
+        <p:sp>
+          <p:nvSpPr>
+            <p:cNvPr id="45" name="Arc 44"/>
+            <p:cNvSpPr/>
+            <p:nvPr/>
+          </p:nvSpPr>
+          <p:spPr>
+            <a:xfrm rot="5400000">
+              <a:off x="5416315" y="1210988"/>
+              <a:ext cx="143039" cy="174600"/>
+            </a:xfrm>
+            <a:prstGeom prst="arc">
+              <a:avLst>
+                <a:gd name="adj1" fmla="val 10630097"/>
+                <a:gd name="adj2" fmla="val 0"/>
+              </a:avLst>
+            </a:prstGeom>
+            <a:ln w="19050">
+              <a:solidFill>
+                <a:schemeClr val="tx1">
+                  <a:lumMod val="65000"/>
+                  <a:lumOff val="35000"/>
+                </a:schemeClr>
+              </a:solidFill>
+            </a:ln>
+          </p:spPr>
+          <p:style>
+            <a:lnRef idx="2">
+              <a:schemeClr val="accent1"/>
+            </a:lnRef>
+            <a:fillRef idx="0">
+              <a:schemeClr val="accent1"/>
+            </a:fillRef>
+            <a:effectRef idx="1">
+              <a:schemeClr val="accent1"/>
+            </a:effectRef>
+            <a:fontRef idx="minor">
+              <a:schemeClr val="tx1"/>
+            </a:fontRef>
+          </p:style>
+          <p:txBody>
+            <a:bodyPr rtlCol="0" anchor="ctr"/>
+            <a:lstStyle/>
+            <a:p>
+              <a:pPr algn="ctr"/>
+              <a:endParaRPr lang="en-US"/>
+            </a:p>
+          </p:txBody>
+        </p:sp>
+        <p:cxnSp>
+          <p:nvCxnSpPr>
+            <p:cNvPr id="46" name="Straight Connector 45"/>
+            <p:cNvCxnSpPr/>
+            <p:nvPr/>
+          </p:nvCxnSpPr>
+          <p:spPr>
+            <a:xfrm>
+              <a:off x="5492353" y="1369771"/>
+              <a:ext cx="2006" cy="442957"/>
+            </a:xfrm>
+            <a:prstGeom prst="line">
+              <a:avLst/>
+            </a:prstGeom>
+            <a:ln w="19050"/>
+          </p:spPr>
+          <p:style>
+            <a:lnRef idx="2">
+              <a:schemeClr val="dk1"/>
+            </a:lnRef>
+            <a:fillRef idx="0">
+              <a:schemeClr val="dk1"/>
+            </a:fillRef>
+            <a:effectRef idx="1">
+              <a:schemeClr val="dk1"/>
+            </a:effectRef>
+            <a:fontRef idx="minor">
+              <a:schemeClr val="tx1"/>
+            </a:fontRef>
+          </p:style>
+        </p:cxnSp>
+        <p:cxnSp>
+          <p:nvCxnSpPr>
+            <p:cNvPr id="47" name="Straight Connector 46"/>
+            <p:cNvCxnSpPr/>
+            <p:nvPr/>
+          </p:nvCxnSpPr>
+          <p:spPr>
+            <a:xfrm flipH="1">
+              <a:off x="5493026" y="1949349"/>
+              <a:ext cx="632" cy="184251"/>
+            </a:xfrm>
+            <a:prstGeom prst="line">
+              <a:avLst/>
+            </a:prstGeom>
+            <a:ln w="19050"/>
+          </p:spPr>
+          <p:style>
+            <a:lnRef idx="2">
+              <a:schemeClr val="dk1"/>
+            </a:lnRef>
+            <a:fillRef idx="0">
+              <a:schemeClr val="dk1"/>
+            </a:fillRef>
+            <a:effectRef idx="1">
+              <a:schemeClr val="dk1"/>
+            </a:effectRef>
+            <a:fontRef idx="minor">
+              <a:schemeClr val="tx1"/>
+            </a:fontRef>
+          </p:style>
+        </p:cxnSp>
+        <p:cxnSp>
+          <p:nvCxnSpPr>
+            <p:cNvPr id="48" name="Straight Connector 47"/>
+            <p:cNvCxnSpPr/>
+            <p:nvPr/>
+          </p:nvCxnSpPr>
+          <p:spPr>
+            <a:xfrm flipH="1">
+              <a:off x="7332633" y="2102620"/>
+              <a:ext cx="142542" cy="203135"/>
+            </a:xfrm>
+            <a:prstGeom prst="line">
+              <a:avLst/>
+            </a:prstGeom>
+            <a:ln w="19050">
+              <a:solidFill>
+                <a:schemeClr val="tx1">
+                  <a:lumMod val="65000"/>
+                  <a:lumOff val="35000"/>
+                </a:schemeClr>
+              </a:solidFill>
+            </a:ln>
+          </p:spPr>
+          <p:style>
+            <a:lnRef idx="2">
+              <a:schemeClr val="accent1"/>
+            </a:lnRef>
+            <a:fillRef idx="0">
+              <a:schemeClr val="accent1"/>
+            </a:fillRef>
+            <a:effectRef idx="1">
+              <a:schemeClr val="accent1"/>
+            </a:effectRef>
+            <a:fontRef idx="minor">
+              <a:schemeClr val="tx1"/>
+            </a:fontRef>
+          </p:style>
+        </p:cxnSp>
+        <p:sp>
+          <p:nvSpPr>
+            <p:cNvPr id="49" name="Oval 48"/>
+            <p:cNvSpPr/>
             <p:nvPr/>
           </p:nvSpPr>
           <p:spPr>
             <a:xfrm>
-              <a:off x="11031389" y="1251713"/>
-              <a:ext cx="311391" cy="2049792"/>
+              <a:off x="7535932" y="2209028"/>
+              <a:ext cx="118872" cy="118872"/>
             </a:xfrm>
-            <a:prstGeom prst="rect">
+            <a:prstGeom prst="ellipse">
               <a:avLst/>
             </a:prstGeom>
             <a:noFill/>
+            <a:ln w="19050">
+              <a:solidFill>
+                <a:schemeClr val="tx1">
+                  <a:lumMod val="65000"/>
+                  <a:lumOff val="35000"/>
+                </a:schemeClr>
+              </a:solidFill>
+            </a:ln>
           </p:spPr>
+          <p:style>
+            <a:lnRef idx="1">
+              <a:schemeClr val="accent1"/>
+            </a:lnRef>
+            <a:fillRef idx="3">
+              <a:schemeClr val="accent1"/>
+            </a:fillRef>
+            <a:effectRef idx="2">
+              <a:schemeClr val="accent1"/>
+            </a:effectRef>
+            <a:fontRef idx="minor">
+              <a:schemeClr val="lt1"/>
+            </a:fontRef>
+          </p:style>
           <p:txBody>
-            <a:bodyPr wrap="square" lIns="9144" tIns="9144" rIns="9144" bIns="9144" rtlCol="0">
-              <a:spAutoFit/>
-            </a:bodyPr>
+            <a:bodyPr rtlCol="0" anchor="ctr"/>
             <a:lstStyle/>
             <a:p>
-              <a:r>
-                <a:rPr lang="en-US" sz="1200" b="1" dirty="0" smtClean="0">
-                  <a:latin typeface="Arial" charset="0"/>
-                  <a:ea typeface="Arial" charset="0"/>
-                  <a:cs typeface="Arial" charset="0"/>
-                </a:rPr>
-                <a:t>5</a:t>
-              </a:r>
-            </a:p>
-            <a:p>
-              <a:endParaRPr lang="en-US" sz="1200" b="1" dirty="0">
-                <a:latin typeface="Arial" charset="0"/>
-                <a:ea typeface="Arial" charset="0"/>
-                <a:cs typeface="Arial" charset="0"/>
-              </a:endParaRPr>
-            </a:p>
-            <a:p>
-              <a:endParaRPr lang="en-US" sz="1200" b="1" dirty="0" smtClean="0">
-                <a:latin typeface="Arial" charset="0"/>
-                <a:ea typeface="Arial" charset="0"/>
-                <a:cs typeface="Arial" charset="0"/>
-              </a:endParaRPr>
-            </a:p>
-            <a:p>
-              <a:endParaRPr lang="en-US" sz="1200" b="1" dirty="0">
-                <a:latin typeface="Arial" charset="0"/>
-                <a:ea typeface="Arial" charset="0"/>
-                <a:cs typeface="Arial" charset="0"/>
-              </a:endParaRPr>
-            </a:p>
-            <a:p>
-              <a:endParaRPr lang="en-US" sz="1200" b="1" dirty="0" smtClean="0">
-                <a:latin typeface="Arial" charset="0"/>
-                <a:ea typeface="Arial" charset="0"/>
-                <a:cs typeface="Arial" charset="0"/>
-              </a:endParaRPr>
-            </a:p>
-            <a:p>
-              <a:r>
-                <a:rPr lang="en-US" sz="1200" b="1" dirty="0" smtClean="0">
-                  <a:latin typeface="Arial" charset="0"/>
-                  <a:ea typeface="Arial" charset="0"/>
-                  <a:cs typeface="Arial" charset="0"/>
-                </a:rPr>
-                <a:t>0</a:t>
-              </a:r>
-            </a:p>
-            <a:p>
-              <a:endParaRPr lang="en-US" sz="1200" b="1" dirty="0">
-                <a:latin typeface="Arial" charset="0"/>
-                <a:ea typeface="Arial" charset="0"/>
-                <a:cs typeface="Arial" charset="0"/>
-              </a:endParaRPr>
-            </a:p>
-            <a:p>
-              <a:endParaRPr lang="en-US" sz="1200" b="1" dirty="0" smtClean="0">
-                <a:latin typeface="Arial" charset="0"/>
-                <a:ea typeface="Arial" charset="0"/>
-                <a:cs typeface="Arial" charset="0"/>
-              </a:endParaRPr>
-            </a:p>
-            <a:p>
-              <a:endParaRPr lang="en-US" sz="1200" b="1" dirty="0">
-                <a:latin typeface="Arial" charset="0"/>
-                <a:ea typeface="Arial" charset="0"/>
-                <a:cs typeface="Arial" charset="0"/>
-              </a:endParaRPr>
-            </a:p>
-            <a:p>
-              <a:endParaRPr lang="en-US" sz="1200" b="1" dirty="0" smtClean="0">
-                <a:latin typeface="Arial" charset="0"/>
-                <a:ea typeface="Arial" charset="0"/>
-                <a:cs typeface="Arial" charset="0"/>
-              </a:endParaRPr>
-            </a:p>
-            <a:p>
-              <a:r>
-                <a:rPr lang="en-US" sz="1200" b="1" dirty="0" smtClean="0">
-                  <a:latin typeface="Arial" charset="0"/>
-                  <a:ea typeface="Arial" charset="0"/>
-                  <a:cs typeface="Arial" charset="0"/>
-                </a:rPr>
-                <a:t>-5</a:t>
-              </a:r>
-              <a:endParaRPr lang="en-US" sz="1200" b="1" dirty="0">
-                <a:latin typeface="Arial" charset="0"/>
-                <a:ea typeface="Arial" charset="0"/>
-                <a:cs typeface="Arial" charset="0"/>
-              </a:endParaRPr>
+              <a:pPr algn="ctr"/>
+              <a:endParaRPr lang="en-US"/>
             </a:p>
           </p:txBody>
         </p:sp>
+        <p:cxnSp>
+          <p:nvCxnSpPr>
+            <p:cNvPr id="50" name="Straight Connector 49"/>
+            <p:cNvCxnSpPr/>
+            <p:nvPr/>
+          </p:nvCxnSpPr>
+          <p:spPr>
+            <a:xfrm>
+              <a:off x="7473779" y="2109264"/>
+              <a:ext cx="87206" cy="115002"/>
+            </a:xfrm>
+            <a:prstGeom prst="line">
+              <a:avLst/>
+            </a:prstGeom>
+            <a:ln w="19050">
+              <a:solidFill>
+                <a:schemeClr val="tx1">
+                  <a:lumMod val="65000"/>
+                  <a:lumOff val="35000"/>
+                </a:schemeClr>
+              </a:solidFill>
+            </a:ln>
+          </p:spPr>
+          <p:style>
+            <a:lnRef idx="2">
+              <a:schemeClr val="accent1"/>
+            </a:lnRef>
+            <a:fillRef idx="0">
+              <a:schemeClr val="accent1"/>
+            </a:fillRef>
+            <a:effectRef idx="1">
+              <a:schemeClr val="accent1"/>
+            </a:effectRef>
+            <a:fontRef idx="minor">
+              <a:schemeClr val="tx1"/>
+            </a:fontRef>
+          </p:style>
+        </p:cxnSp>
       </p:grpSp>
     </p:spTree>
     <p:extLst>
@@ -6168,7 +9239,15 @@
             </a:r>
             <a:r>
               <a:rPr lang="en-US" dirty="0"/>
-              <a:t> = 600; % more methyltransferase binds with h3k9 during mitosis</a:t>
+              <a:t> = </a:t>
+            </a:r>
+            <a:r>
+              <a:rPr lang="en-US" dirty="0" smtClean="0"/>
+              <a:t>700</a:t>
+            </a:r>
+            <a:r>
+              <a:rPr lang="en-US" dirty="0"/>
+              <a:t>; % more methyltransferase binds with h3k9 during mitosis</a:t>
             </a:r>
           </a:p>
           <a:p>
@@ -6243,7 +9322,15 @@
             </a:r>
             <a:r>
               <a:rPr lang="en-US" dirty="0"/>
-              <a:t>= 1000; % 1000K more kinase binds to h3s10 during mitosis</a:t>
+              <a:t>= </a:t>
+            </a:r>
+            <a:r>
+              <a:rPr lang="en-US" dirty="0" smtClean="0"/>
+              <a:t>2000</a:t>
+            </a:r>
+            <a:r>
+              <a:rPr lang="en-US" dirty="0"/>
+              <a:t>; % 1000K more kinase binds to h3s10 during mitosis</a:t>
             </a:r>
           </a:p>
           <a:p>
@@ -6257,7 +9344,15 @@
             </a:r>
             <a:r>
               <a:rPr lang="en-US" dirty="0"/>
-              <a:t> = 60 * </a:t>
+              <a:t> = </a:t>
+            </a:r>
+            <a:r>
+              <a:rPr lang="en-US" dirty="0" smtClean="0"/>
+              <a:t>90 </a:t>
+            </a:r>
+            <a:r>
+              <a:rPr lang="en-US" dirty="0"/>
+              <a:t>* </a:t>
             </a:r>
             <a:r>
               <a:rPr lang="en-US" dirty="0" err="1"/>
@@ -6329,7 +9424,15 @@
             </a:r>
             <a:r>
               <a:rPr lang="en-US" dirty="0"/>
-              <a:t>(1) = 0.03; % min^(-1) phosphorylation repels methyltransferase</a:t>
+              <a:t>(1) = </a:t>
+            </a:r>
+            <a:r>
+              <a:rPr lang="en-US" dirty="0" smtClean="0"/>
+              <a:t>0.005; </a:t>
+            </a:r>
+            <a:r>
+              <a:rPr lang="en-US" dirty="0"/>
+              <a:t>% min^(-1) phosphorylation repels methyltransferase</a:t>
             </a:r>
           </a:p>
           <a:p>
@@ -6343,7 +9446,15 @@
             </a:r>
             <a:r>
               <a:rPr lang="en-US" dirty="0"/>
-              <a:t>(2) = 0.03;  % min^(-1) phosphorylation recruit demethylase</a:t>
+              <a:t>(2) = </a:t>
+            </a:r>
+            <a:r>
+              <a:rPr lang="en-US" dirty="0" smtClean="0"/>
+              <a:t>0.005;</a:t>
+            </a:r>
+            <a:r>
+              <a:rPr lang="en-US" dirty="0"/>
+              <a:t>  % min^(-1) phosphorylation recruit demethylase</a:t>
             </a:r>
           </a:p>
           <a:p>
@@ -6451,7 +9562,7 @@
           <p:nvPr>
             <p:extLst>
               <p:ext uri="{D42A27DB-BD31-4B8C-83A1-F6EECF244321}">
-                <p14:modId xmlns:p14="http://schemas.microsoft.com/office/powerpoint/2010/main" val="1115503197"/>
+                <p14:modId xmlns:p14="http://schemas.microsoft.com/office/powerpoint/2010/main" val="1172475791"/>
               </p:ext>
             </p:extLst>
           </p:nvPr>
@@ -6538,7 +9649,15 @@
                     <a:p>
                       <a:r>
                         <a:rPr lang="en-US" dirty="0" smtClean="0"/>
-                        <a:t>Total number of histones (</a:t>
+                        <a:t>Total number of histone</a:t>
+                      </a:r>
+                      <a:r>
+                        <a:rPr lang="en-US" baseline="0" dirty="0" smtClean="0"/>
+                        <a:t> 3</a:t>
+                      </a:r>
+                      <a:r>
+                        <a:rPr lang="en-US" dirty="0" smtClean="0"/>
+                        <a:t> (</a:t>
                       </a:r>
                       <a:r>
                         <a:rPr lang="en-US" dirty="0" err="1" smtClean="0"/>
@@ -6592,7 +9711,7 @@
                     <a:p>
                       <a:r>
                         <a:rPr lang="en-US" dirty="0" smtClean="0"/>
-                        <a:t>About 60 M molecule of</a:t>
+                        <a:t>There are ~60 million molecules of</a:t>
                       </a:r>
                       <a:r>
                         <a:rPr lang="en-US" baseline="0" dirty="0" smtClean="0"/>
@@ -6642,11 +9761,7 @@
                       </a:r>
                       <a:r>
                         <a:rPr lang="en-US" baseline="0" dirty="0" smtClean="0"/>
-                        <a:t> </a:t>
-                      </a:r>
-                      <a:r>
-                        <a:rPr lang="en-US" baseline="0" dirty="0" smtClean="0"/>
-                        <a:t>histones</a:t>
+                        <a:t> histones</a:t>
                       </a:r>
                       <a:endParaRPr lang="en-US" dirty="0">
                         <a:solidFill>
@@ -6717,17 +9832,8 @@
                         <a:rPr lang="en-US" dirty="0" smtClean="0">
                           <a:sym typeface="Wingdings" panose="05000000000000000000" pitchFamily="2" charset="2"/>
                         </a:rPr>
-                        <a:t> 4/7 is about </a:t>
-                      </a:r>
-                      <a:r>
-                        <a:rPr lang="en-US" dirty="0" smtClean="0">
-                          <a:sym typeface="Wingdings" panose="05000000000000000000" pitchFamily="2" charset="2"/>
-                        </a:rPr>
-                        <a:t>57% </a:t>
-                      </a:r>
-                      <a:endParaRPr lang="en-US" dirty="0" smtClean="0">
-                        <a:sym typeface="Wingdings" panose="05000000000000000000" pitchFamily="2" charset="2"/>
-                      </a:endParaRPr>
+                        <a:t> 4/7 is about 57%.</a:t>
+                      </a:r>
                     </a:p>
                   </a:txBody>
                   <a:tcPr/>
@@ -6858,7 +9964,7 @@
                             <a:schemeClr val="tx1"/>
                           </a:solidFill>
                         </a:rPr>
-                        <a:t> based on </a:t>
+                        <a:t> based on the </a:t>
                       </a:r>
                       <a:r>
                         <a:rPr lang="en-US" baseline="0" dirty="0" err="1" smtClean="0">
@@ -6874,7 +9980,7 @@
                             <a:schemeClr val="tx1"/>
                           </a:solidFill>
                         </a:rPr>
-                        <a:t> copy number from HeLa cells. </a:t>
+                        <a:t> copy number in HeLa cells, for </a:t>
                       </a:r>
                       <a:r>
                         <a:rPr lang="en-US" dirty="0" smtClean="0">
@@ -6898,7 +10004,7 @@
                             <a:schemeClr val="tx1"/>
                           </a:solidFill>
                         </a:rPr>
-                        <a:t>H3F3B, KDM4D was negligible.</a:t>
+                        <a:t>H3F3B. KDM4D was negligible.</a:t>
                       </a:r>
                       <a:endParaRPr lang="en-US" dirty="0">
                         <a:solidFill>
@@ -6949,7 +10055,7 @@
                           </a:solidFill>
                           <a:sym typeface="Wingdings" panose="05000000000000000000" pitchFamily="2" charset="2"/>
                         </a:rPr>
-                        <a:t>600K</a:t>
+                        <a:t>700K</a:t>
                       </a:r>
                       <a:endParaRPr lang="en-US" dirty="0">
                         <a:solidFill>
@@ -6997,7 +10103,7 @@
                     <a:p>
                       <a:r>
                         <a:rPr lang="en-US" dirty="0" smtClean="0"/>
-                        <a:t> 50% of </a:t>
+                        <a:t> ~50% of </a:t>
                       </a:r>
                       <a:r>
                         <a:rPr lang="en-US" dirty="0" err="1" smtClean="0"/>
@@ -7005,15 +10111,11 @@
                       </a:r>
                       <a:r>
                         <a:rPr lang="en-US" dirty="0" smtClean="0"/>
-                        <a:t>, SUV39H1 increases </a:t>
-                      </a:r>
-                      <a:r>
-                        <a:rPr lang="en-US" dirty="0" err="1" smtClean="0"/>
-                        <a:t>collocalization</a:t>
+                        <a:t>. SUV39H1 increases collocalization</a:t>
                       </a:r>
                       <a:r>
                         <a:rPr lang="en-US" baseline="0" dirty="0" smtClean="0"/>
-                        <a:t> with chromosome and </a:t>
+                        <a:t> with chromosomes and </a:t>
                       </a:r>
                       <a:r>
                         <a:rPr lang="en-US" baseline="0" dirty="0" err="1" smtClean="0"/>
@@ -7045,7 +10147,7 @@
                       </a:r>
                       <a:r>
                         <a:rPr lang="en-US" baseline="0" dirty="0" err="1" smtClean="0"/>
-                        <a:t>max_phosphor_enzyme</a:t>
+                        <a:t>max_phospho_enzyme</a:t>
                       </a:r>
                       <a:r>
                         <a:rPr lang="en-US" baseline="0" dirty="0" smtClean="0"/>
@@ -7108,7 +10210,7 @@
                       </a:r>
                       <a:r>
                         <a:rPr lang="en-US" dirty="0" smtClean="0"/>
-                        <a:t> copy data shows</a:t>
+                        <a:t> data showed</a:t>
                       </a:r>
                       <a:r>
                         <a:rPr lang="en-US" baseline="0" dirty="0" smtClean="0"/>
@@ -7120,7 +10222,7 @@
                       </a:r>
                       <a:r>
                         <a:rPr lang="en-US" baseline="0" dirty="0" smtClean="0"/>
-                        <a:t> approximately </a:t>
+                        <a:t> ~</a:t>
                       </a:r>
                       <a:r>
                         <a:rPr lang="en-US" dirty="0" smtClean="0"/>
@@ -7148,7 +10250,7 @@
                       </a:r>
                       <a:r>
                         <a:rPr lang="en-US" baseline="0" dirty="0" err="1" smtClean="0"/>
-                        <a:t>more_phosphor</a:t>
+                        <a:t>more_phospho</a:t>
                       </a:r>
                       <a:r>
                         <a:rPr lang="en-US" baseline="0" dirty="0" smtClean="0"/>
@@ -7171,7 +10273,7 @@
                           </a:solidFill>
                           <a:sym typeface="Wingdings" panose="05000000000000000000" pitchFamily="2" charset="2"/>
                         </a:rPr>
-                        <a:t>1000K</a:t>
+                        <a:t>2000K</a:t>
                       </a:r>
                       <a:endParaRPr lang="en-US" dirty="0">
                         <a:solidFill>
@@ -7201,15 +10303,7 @@
                             <a:schemeClr val="tx1"/>
                           </a:solidFill>
                         </a:rPr>
-                        <a:t> D </a:t>
-                      </a:r>
-                      <a:r>
-                        <a:rPr lang="en-US" baseline="0" dirty="0" smtClean="0">
-                          <a:solidFill>
-                            <a:schemeClr val="tx1"/>
-                          </a:solidFill>
-                        </a:rPr>
-                        <a:t>et al. 2016 </a:t>
+                        <a:t> D et al. 2016 </a:t>
                       </a:r>
                       <a:r>
                         <a:rPr lang="en-US" baseline="0" dirty="0" err="1" smtClean="0">
@@ -7235,15 +10329,15 @@
                     <a:p>
                       <a:r>
                         <a:rPr lang="en-US" dirty="0" smtClean="0"/>
-                        <a:t>15% of </a:t>
+                        <a:t>30% of </a:t>
                       </a:r>
                       <a:r>
                         <a:rPr lang="en-US" dirty="0" err="1" smtClean="0"/>
-                        <a:t>max_phosphor_enzyme</a:t>
+                        <a:t>max_phospho_enzyme</a:t>
                       </a:r>
                       <a:r>
                         <a:rPr lang="en-US" dirty="0" smtClean="0"/>
-                        <a:t>, the</a:t>
+                        <a:t>. The</a:t>
                       </a:r>
                       <a:r>
                         <a:rPr lang="en-US" baseline="0" dirty="0" smtClean="0"/>
@@ -7289,11 +10383,7 @@
                     <a:p>
                       <a:r>
                         <a:rPr lang="en-US" dirty="0" smtClean="0"/>
-                        <a:t>60 </a:t>
-                      </a:r>
-                      <a:r>
-                        <a:rPr lang="en-US" dirty="0" smtClean="0"/>
-                        <a:t>min</a:t>
+                        <a:t>90 min</a:t>
                       </a:r>
                       <a:r>
                         <a:rPr lang="en-US" baseline="0" dirty="0" smtClean="0"/>
@@ -7418,14 +10508,14 @@
           <p:nvPr>
             <p:extLst>
               <p:ext uri="{D42A27DB-BD31-4B8C-83A1-F6EECF244321}">
-                <p14:modId xmlns:p14="http://schemas.microsoft.com/office/powerpoint/2010/main" val="51413619"/>
+                <p14:modId xmlns:p14="http://schemas.microsoft.com/office/powerpoint/2010/main" val="325339624"/>
               </p:ext>
             </p:extLst>
           </p:nvPr>
         </p:nvGraphicFramePr>
         <p:xfrm>
           <a:off x="882468" y="702249"/>
-          <a:ext cx="10429447" cy="4044318"/>
+          <a:ext cx="8148199" cy="4044318"/>
         </p:xfrm>
         <a:graphic>
           <a:graphicData uri="http://schemas.openxmlformats.org/drawingml/2006/table">
@@ -7436,7 +10526,6 @@
               <a:tblGrid>
                 <a:gridCol w="3622920"/>
                 <a:gridCol w="1279462"/>
-                <a:gridCol w="2281248"/>
                 <a:gridCol w="3245817"/>
               </a:tblGrid>
               <a:tr h="538148">
@@ -7462,20 +10551,6 @@
                       <a:r>
                         <a:rPr lang="en-US" dirty="0" smtClean="0"/>
                         <a:t>Value/unit</a:t>
-                      </a:r>
-                      <a:endParaRPr lang="en-US" dirty="0"/>
-                    </a:p>
-                  </a:txBody>
-                  <a:tcPr/>
-                </a:tc>
-                <a:tc>
-                  <a:txBody>
-                    <a:bodyPr/>
-                    <a:lstStyle/>
-                    <a:p>
-                      <a:r>
-                        <a:rPr lang="en-US" dirty="0" smtClean="0"/>
-                        <a:t>Reference</a:t>
                       </a:r>
                       <a:endParaRPr lang="en-US" dirty="0"/>
                     </a:p>
@@ -7534,82 +10609,6 @@
                         <a:t>0</a:t>
                       </a:r>
                       <a:endParaRPr lang="en-US" dirty="0"/>
-                    </a:p>
-                  </a:txBody>
-                  <a:tcPr/>
-                </a:tc>
-                <a:tc>
-                  <a:txBody>
-                    <a:bodyPr/>
-                    <a:lstStyle/>
-                    <a:p>
-                      <a:endParaRPr lang="en-US" dirty="0"/>
-                    </a:p>
-                  </a:txBody>
-                  <a:tcPr/>
-                </a:tc>
-                <a:tc>
-                  <a:txBody>
-                    <a:bodyPr/>
-                    <a:lstStyle/>
-                    <a:p>
-                      <a:r>
-                        <a:rPr lang="en-US" dirty="0" smtClean="0"/>
-                        <a:t>OK</a:t>
-                      </a:r>
-                      <a:endParaRPr lang="en-US" dirty="0"/>
-                    </a:p>
-                  </a:txBody>
-                  <a:tcPr/>
-                </a:tc>
-              </a:tr>
-              <a:tr h="538148">
-                <a:tc>
-                  <a:txBody>
-                    <a:bodyPr/>
-                    <a:lstStyle/>
-                    <a:p>
-                      <a:r>
-                        <a:rPr lang="en-US" dirty="0" smtClean="0"/>
-                        <a:t>Basal</a:t>
-                      </a:r>
-                      <a:r>
-                        <a:rPr lang="en-US" baseline="0" dirty="0" smtClean="0"/>
-                        <a:t> level of </a:t>
-                      </a:r>
-                      <a:r>
-                        <a:rPr lang="en-US" dirty="0" smtClean="0"/>
-                        <a:t>Serine kinase</a:t>
-                      </a:r>
-                      <a:endParaRPr lang="en-US" dirty="0"/>
-                    </a:p>
-                  </a:txBody>
-                  <a:tcPr/>
-                </a:tc>
-                <a:tc>
-                  <a:txBody>
-                    <a:bodyPr/>
-                    <a:lstStyle/>
-                    <a:p>
-                      <a:r>
-                        <a:rPr lang="en-US" dirty="0" smtClean="0"/>
-                        <a:t>1000K</a:t>
-                      </a:r>
-                      <a:endParaRPr lang="en-US" dirty="0"/>
-                    </a:p>
-                  </a:txBody>
-                  <a:tcPr/>
-                </a:tc>
-                <a:tc>
-                  <a:txBody>
-                    <a:bodyPr/>
-                    <a:lstStyle/>
-                    <a:p>
-                      <a:endParaRPr lang="en-US" dirty="0">
-                        <a:solidFill>
-                          <a:srgbClr val="FF0000"/>
-                        </a:solidFill>
-                      </a:endParaRPr>
                     </a:p>
                   </a:txBody>
                   <a:tcPr/>
@@ -7633,7 +10632,15 @@
                     <a:p>
                       <a:r>
                         <a:rPr lang="en-US" dirty="0" smtClean="0"/>
-                        <a:t>Basal level of PTP</a:t>
+                        <a:t>Basal</a:t>
+                      </a:r>
+                      <a:r>
+                        <a:rPr lang="en-US" baseline="0" dirty="0" smtClean="0"/>
+                        <a:t> level of </a:t>
+                      </a:r>
+                      <a:r>
+                        <a:rPr lang="en-US" dirty="0" smtClean="0"/>
+                        <a:t>Serine kinase</a:t>
                       </a:r>
                       <a:endParaRPr lang="en-US" dirty="0"/>
                     </a:p>
@@ -7647,7 +10654,7 @@
                     <a:p>
                       <a:r>
                         <a:rPr lang="en-US" dirty="0" smtClean="0"/>
-                        <a:t>1000K</a:t>
+                        <a:t>2000K</a:t>
                       </a:r>
                       <a:endParaRPr lang="en-US" dirty="0"/>
                     </a:p>
@@ -7659,11 +10666,23 @@
                     <a:bodyPr/>
                     <a:lstStyle/>
                     <a:p>
-                      <a:endParaRPr lang="en-US" dirty="0">
-                        <a:solidFill>
-                          <a:srgbClr val="FF0000"/>
-                        </a:solidFill>
-                      </a:endParaRPr>
+                      <a:endParaRPr lang="en-US" dirty="0"/>
+                    </a:p>
+                  </a:txBody>
+                  <a:tcPr/>
+                </a:tc>
+              </a:tr>
+              <a:tr h="538148">
+                <a:tc>
+                  <a:txBody>
+                    <a:bodyPr/>
+                    <a:lstStyle/>
+                    <a:p>
+                      <a:r>
+                        <a:rPr lang="en-US" dirty="0" smtClean="0"/>
+                        <a:t>Basal level of PTP</a:t>
+                      </a:r>
+                      <a:endParaRPr lang="en-US" dirty="0"/>
                     </a:p>
                   </a:txBody>
                   <a:tcPr/>
@@ -7675,8 +10694,18 @@
                     <a:p>
                       <a:r>
                         <a:rPr lang="en-US" dirty="0" smtClean="0"/>
-                        <a:t>OK</a:t>
-                      </a:r>
+                        <a:t>2000K</a:t>
+                      </a:r>
+                      <a:endParaRPr lang="en-US" dirty="0"/>
+                    </a:p>
+                  </a:txBody>
+                  <a:tcPr/>
+                </a:tc>
+                <a:tc>
+                  <a:txBody>
+                    <a:bodyPr/>
+                    <a:lstStyle/>
+                    <a:p>
                       <a:endParaRPr lang="en-US" dirty="0"/>
                     </a:p>
                   </a:txBody>
@@ -7708,20 +10737,6 @@
                         <a:t>100K</a:t>
                       </a:r>
                       <a:endParaRPr lang="en-US" dirty="0"/>
-                    </a:p>
-                  </a:txBody>
-                  <a:tcPr/>
-                </a:tc>
-                <a:tc>
-                  <a:txBody>
-                    <a:bodyPr/>
-                    <a:lstStyle/>
-                    <a:p>
-                      <a:endParaRPr lang="en-US" dirty="0">
-                        <a:solidFill>
-                          <a:srgbClr val="FF0000"/>
-                        </a:solidFill>
-                      </a:endParaRPr>
                     </a:p>
                   </a:txBody>
                   <a:tcPr/>
@@ -7771,24 +10786,6 @@
                     <a:bodyPr/>
                     <a:lstStyle/>
                     <a:p>
-                      <a:endParaRPr lang="en-US" dirty="0">
-                        <a:solidFill>
-                          <a:srgbClr val="FF0000"/>
-                        </a:solidFill>
-                      </a:endParaRPr>
-                    </a:p>
-                  </a:txBody>
-                  <a:tcPr/>
-                </a:tc>
-                <a:tc>
-                  <a:txBody>
-                    <a:bodyPr/>
-                    <a:lstStyle/>
-                    <a:p>
-                      <a:r>
-                        <a:rPr lang="en-US" dirty="0" smtClean="0"/>
-                        <a:t>OK</a:t>
-                      </a:r>
                       <a:endParaRPr lang="en-US" dirty="0"/>
                     </a:p>
                   </a:txBody>
@@ -7837,20 +10834,6 @@
                     <a:bodyPr/>
                     <a:lstStyle/>
                     <a:p>
-                      <a:endParaRPr lang="en-US" dirty="0">
-                        <a:solidFill>
-                          <a:srgbClr val="FF0000"/>
-                        </a:solidFill>
-                      </a:endParaRPr>
-                    </a:p>
-                  </a:txBody>
-                  <a:tcPr/>
-                </a:tc>
-                <a:tc>
-                  <a:txBody>
-                    <a:bodyPr/>
-                    <a:lstStyle/>
-                    <a:p>
                       <a:r>
                         <a:rPr lang="en-US" dirty="0" smtClean="0"/>
                         <a:t>Based on kinetics in Fig. 2</a:t>
@@ -7898,20 +10881,6 @@
                         <a:t> min</a:t>
                       </a:r>
                       <a:endParaRPr lang="en-US" dirty="0"/>
-                    </a:p>
-                  </a:txBody>
-                  <a:tcPr/>
-                </a:tc>
-                <a:tc>
-                  <a:txBody>
-                    <a:bodyPr/>
-                    <a:lstStyle/>
-                    <a:p>
-                      <a:endParaRPr lang="en-US" dirty="0">
-                        <a:solidFill>
-                          <a:srgbClr val="FF0000"/>
-                        </a:solidFill>
-                      </a:endParaRPr>
                     </a:p>
                   </a:txBody>
                   <a:tcPr/>
@@ -7977,27 +10946,9 @@
                     <a:p>
                       <a:r>
                         <a:rPr lang="en-US" dirty="0" smtClean="0"/>
-                        <a:t>1440 </a:t>
-                      </a:r>
-                      <a:r>
-                        <a:rPr lang="en-US" dirty="0" smtClean="0"/>
-                        <a:t>min</a:t>
+                        <a:t>1440 min</a:t>
                       </a:r>
                       <a:endParaRPr lang="en-US" dirty="0"/>
-                    </a:p>
-                  </a:txBody>
-                  <a:tcPr/>
-                </a:tc>
-                <a:tc>
-                  <a:txBody>
-                    <a:bodyPr/>
-                    <a:lstStyle/>
-                    <a:p>
-                      <a:endParaRPr lang="en-US" dirty="0">
-                        <a:solidFill>
-                          <a:srgbClr val="FF0000"/>
-                        </a:solidFill>
-                      </a:endParaRPr>
                     </a:p>
                   </a:txBody>
                   <a:tcPr/>
@@ -8380,21 +11331,21 @@
       </p:sp>
       <p:grpSp>
         <p:nvGrpSpPr>
-          <p:cNvPr id="14" name="Group 13"/>
+          <p:cNvPr id="19" name="Group 18"/>
           <p:cNvGrpSpPr/>
           <p:nvPr/>
         </p:nvGrpSpPr>
         <p:grpSpPr>
           <a:xfrm>
-            <a:off x="4601187" y="1389040"/>
-            <a:ext cx="3557449" cy="2404305"/>
-            <a:chOff x="4725275" y="228600"/>
-            <a:chExt cx="3557449" cy="2404305"/>
+            <a:off x="4408385" y="1543960"/>
+            <a:ext cx="3460433" cy="2546852"/>
+            <a:chOff x="120654" y="2955113"/>
+            <a:chExt cx="3460433" cy="2546852"/>
           </a:xfrm>
         </p:grpSpPr>
         <p:pic>
           <p:nvPicPr>
-            <p:cNvPr id="16" name="Picture 15"/>
+            <p:cNvPr id="20" name="Picture 19"/>
             <p:cNvPicPr>
               <a:picLocks noChangeAspect="1"/>
             </p:cNvPicPr>
@@ -8402,616 +11353,661 @@
           </p:nvPicPr>
           <p:blipFill rotWithShape="1">
             <a:blip r:embed="rId2"/>
-            <a:srcRect l="3253" r="5191" b="12671"/>
+            <a:srcRect l="5254" r="32010" b="10125"/>
             <a:stretch/>
           </p:blipFill>
           <p:spPr>
             <a:xfrm>
-              <a:off x="4725275" y="228600"/>
-              <a:ext cx="3557449" cy="1651960"/>
+              <a:off x="120654" y="2955113"/>
+              <a:ext cx="3325124" cy="1873756"/>
             </a:xfrm>
             <a:prstGeom prst="rect">
               <a:avLst/>
             </a:prstGeom>
           </p:spPr>
         </p:pic>
-        <p:sp>
-          <p:nvSpPr>
-            <p:cNvPr id="17" name="Freeform 16"/>
-            <p:cNvSpPr/>
+        <p:grpSp>
+          <p:nvGrpSpPr>
+            <p:cNvPr id="22" name="Group 21"/>
+            <p:cNvGrpSpPr/>
             <p:nvPr/>
-          </p:nvSpPr>
-          <p:spPr>
+          </p:nvGrpSpPr>
+          <p:grpSpPr>
             <a:xfrm>
-              <a:off x="5849044" y="475792"/>
-              <a:ext cx="1215356" cy="1169165"/>
+              <a:off x="493813" y="3214750"/>
+              <a:ext cx="3087274" cy="2287215"/>
+              <a:chOff x="5009792" y="483577"/>
+              <a:chExt cx="3087274" cy="2124675"/>
             </a:xfrm>
-            <a:custGeom>
-              <a:avLst/>
-              <a:gdLst>
-                <a:gd name="connsiteX0" fmla="*/ 224018 w 692419"/>
-                <a:gd name="connsiteY0" fmla="*/ 0 h 949020"/>
-                <a:gd name="connsiteX1" fmla="*/ 657798 w 692419"/>
-                <a:gd name="connsiteY1" fmla="*/ 0 h 949020"/>
-                <a:gd name="connsiteX2" fmla="*/ 692419 w 692419"/>
-                <a:gd name="connsiteY2" fmla="*/ 946984 h 949020"/>
-                <a:gd name="connsiteX3" fmla="*/ 0 w 692419"/>
-                <a:gd name="connsiteY3" fmla="*/ 949020 h 949020"/>
-                <a:gd name="connsiteX4" fmla="*/ 224018 w 692419"/>
-                <a:gd name="connsiteY4" fmla="*/ 0 h 949020"/>
-                <a:gd name="connsiteX0" fmla="*/ 306703 w 692419"/>
-                <a:gd name="connsiteY0" fmla="*/ 42333 h 949020"/>
-                <a:gd name="connsiteX1" fmla="*/ 657798 w 692419"/>
-                <a:gd name="connsiteY1" fmla="*/ 0 h 949020"/>
-                <a:gd name="connsiteX2" fmla="*/ 692419 w 692419"/>
-                <a:gd name="connsiteY2" fmla="*/ 946984 h 949020"/>
-                <a:gd name="connsiteX3" fmla="*/ 0 w 692419"/>
-                <a:gd name="connsiteY3" fmla="*/ 949020 h 949020"/>
-                <a:gd name="connsiteX4" fmla="*/ 306703 w 692419"/>
-                <a:gd name="connsiteY4" fmla="*/ 42333 h 949020"/>
-                <a:gd name="connsiteX0" fmla="*/ 321737 w 692419"/>
-                <a:gd name="connsiteY0" fmla="*/ 0 h 949020"/>
-                <a:gd name="connsiteX1" fmla="*/ 657798 w 692419"/>
-                <a:gd name="connsiteY1" fmla="*/ 0 h 949020"/>
-                <a:gd name="connsiteX2" fmla="*/ 692419 w 692419"/>
-                <a:gd name="connsiteY2" fmla="*/ 946984 h 949020"/>
-                <a:gd name="connsiteX3" fmla="*/ 0 w 692419"/>
-                <a:gd name="connsiteY3" fmla="*/ 949020 h 949020"/>
-                <a:gd name="connsiteX4" fmla="*/ 321737 w 692419"/>
-                <a:gd name="connsiteY4" fmla="*/ 0 h 949020"/>
-                <a:gd name="connsiteX0" fmla="*/ 321737 w 752554"/>
-                <a:gd name="connsiteY0" fmla="*/ 0 h 968151"/>
-                <a:gd name="connsiteX1" fmla="*/ 657798 w 752554"/>
-                <a:gd name="connsiteY1" fmla="*/ 0 h 968151"/>
-                <a:gd name="connsiteX2" fmla="*/ 752554 w 752554"/>
-                <a:gd name="connsiteY2" fmla="*/ 968151 h 968151"/>
-                <a:gd name="connsiteX3" fmla="*/ 0 w 752554"/>
-                <a:gd name="connsiteY3" fmla="*/ 949020 h 968151"/>
-                <a:gd name="connsiteX4" fmla="*/ 321737 w 752554"/>
-                <a:gd name="connsiteY4" fmla="*/ 0 h 968151"/>
-                <a:gd name="connsiteX0" fmla="*/ 321737 w 752554"/>
-                <a:gd name="connsiteY0" fmla="*/ 0 h 968151"/>
-                <a:gd name="connsiteX1" fmla="*/ 702899 w 752554"/>
-                <a:gd name="connsiteY1" fmla="*/ 10583 h 968151"/>
-                <a:gd name="connsiteX2" fmla="*/ 752554 w 752554"/>
-                <a:gd name="connsiteY2" fmla="*/ 968151 h 968151"/>
-                <a:gd name="connsiteX3" fmla="*/ 0 w 752554"/>
-                <a:gd name="connsiteY3" fmla="*/ 949020 h 968151"/>
-                <a:gd name="connsiteX4" fmla="*/ 321737 w 752554"/>
-                <a:gd name="connsiteY4" fmla="*/ 0 h 968151"/>
-                <a:gd name="connsiteX0" fmla="*/ 321737 w 730004"/>
-                <a:gd name="connsiteY0" fmla="*/ 0 h 978734"/>
-                <a:gd name="connsiteX1" fmla="*/ 702899 w 730004"/>
-                <a:gd name="connsiteY1" fmla="*/ 10583 h 978734"/>
-                <a:gd name="connsiteX2" fmla="*/ 730004 w 730004"/>
-                <a:gd name="connsiteY2" fmla="*/ 978734 h 978734"/>
-                <a:gd name="connsiteX3" fmla="*/ 0 w 730004"/>
-                <a:gd name="connsiteY3" fmla="*/ 949020 h 978734"/>
-                <a:gd name="connsiteX4" fmla="*/ 321737 w 730004"/>
-                <a:gd name="connsiteY4" fmla="*/ 0 h 978734"/>
-                <a:gd name="connsiteX0" fmla="*/ 321737 w 730004"/>
-                <a:gd name="connsiteY0" fmla="*/ 0 h 978734"/>
-                <a:gd name="connsiteX1" fmla="*/ 687865 w 730004"/>
-                <a:gd name="connsiteY1" fmla="*/ 10583 h 978734"/>
-                <a:gd name="connsiteX2" fmla="*/ 730004 w 730004"/>
-                <a:gd name="connsiteY2" fmla="*/ 978734 h 978734"/>
-                <a:gd name="connsiteX3" fmla="*/ 0 w 730004"/>
-                <a:gd name="connsiteY3" fmla="*/ 949020 h 978734"/>
-                <a:gd name="connsiteX4" fmla="*/ 321737 w 730004"/>
-                <a:gd name="connsiteY4" fmla="*/ 0 h 978734"/>
-                <a:gd name="connsiteX0" fmla="*/ 321737 w 714970"/>
-                <a:gd name="connsiteY0" fmla="*/ 0 h 978734"/>
-                <a:gd name="connsiteX1" fmla="*/ 687865 w 714970"/>
-                <a:gd name="connsiteY1" fmla="*/ 10583 h 978734"/>
-                <a:gd name="connsiteX2" fmla="*/ 714970 w 714970"/>
-                <a:gd name="connsiteY2" fmla="*/ 978734 h 978734"/>
-                <a:gd name="connsiteX3" fmla="*/ 0 w 714970"/>
-                <a:gd name="connsiteY3" fmla="*/ 949020 h 978734"/>
-                <a:gd name="connsiteX4" fmla="*/ 321737 w 714970"/>
-                <a:gd name="connsiteY4" fmla="*/ 0 h 978734"/>
-                <a:gd name="connsiteX0" fmla="*/ 321737 w 722487"/>
-                <a:gd name="connsiteY0" fmla="*/ 0 h 978734"/>
-                <a:gd name="connsiteX1" fmla="*/ 687865 w 722487"/>
-                <a:gd name="connsiteY1" fmla="*/ 10583 h 978734"/>
-                <a:gd name="connsiteX2" fmla="*/ 722487 w 722487"/>
-                <a:gd name="connsiteY2" fmla="*/ 978734 h 978734"/>
-                <a:gd name="connsiteX3" fmla="*/ 0 w 722487"/>
-                <a:gd name="connsiteY3" fmla="*/ 949020 h 978734"/>
-                <a:gd name="connsiteX4" fmla="*/ 321737 w 722487"/>
-                <a:gd name="connsiteY4" fmla="*/ 0 h 978734"/>
-                <a:gd name="connsiteX0" fmla="*/ 324883 w 725633"/>
-                <a:gd name="connsiteY0" fmla="*/ 0 h 978734"/>
-                <a:gd name="connsiteX1" fmla="*/ 691011 w 725633"/>
-                <a:gd name="connsiteY1" fmla="*/ 10583 h 978734"/>
-                <a:gd name="connsiteX2" fmla="*/ 725633 w 725633"/>
-                <a:gd name="connsiteY2" fmla="*/ 978734 h 978734"/>
-                <a:gd name="connsiteX3" fmla="*/ 0 w 725633"/>
-                <a:gd name="connsiteY3" fmla="*/ 962311 h 978734"/>
-                <a:gd name="connsiteX4" fmla="*/ 324883 w 725633"/>
-                <a:gd name="connsiteY4" fmla="*/ 0 h 978734"/>
-                <a:gd name="connsiteX0" fmla="*/ 324883 w 719340"/>
-                <a:gd name="connsiteY0" fmla="*/ 0 h 974304"/>
-                <a:gd name="connsiteX1" fmla="*/ 691011 w 719340"/>
-                <a:gd name="connsiteY1" fmla="*/ 10583 h 974304"/>
-                <a:gd name="connsiteX2" fmla="*/ 719340 w 719340"/>
-                <a:gd name="connsiteY2" fmla="*/ 974304 h 974304"/>
-                <a:gd name="connsiteX3" fmla="*/ 0 w 719340"/>
-                <a:gd name="connsiteY3" fmla="*/ 962311 h 974304"/>
-                <a:gd name="connsiteX4" fmla="*/ 324883 w 719340"/>
-                <a:gd name="connsiteY4" fmla="*/ 0 h 974304"/>
-                <a:gd name="connsiteX0" fmla="*/ 324883 w 719340"/>
-                <a:gd name="connsiteY0" fmla="*/ 0 h 974304"/>
-                <a:gd name="connsiteX1" fmla="*/ 700450 w 719340"/>
-                <a:gd name="connsiteY1" fmla="*/ 15013 h 974304"/>
-                <a:gd name="connsiteX2" fmla="*/ 719340 w 719340"/>
-                <a:gd name="connsiteY2" fmla="*/ 974304 h 974304"/>
-                <a:gd name="connsiteX3" fmla="*/ 0 w 719340"/>
-                <a:gd name="connsiteY3" fmla="*/ 962311 h 974304"/>
-                <a:gd name="connsiteX4" fmla="*/ 324883 w 719340"/>
-                <a:gd name="connsiteY4" fmla="*/ 0 h 974304"/>
-                <a:gd name="connsiteX0" fmla="*/ 324883 w 719340"/>
-                <a:gd name="connsiteY0" fmla="*/ 0 h 974304"/>
-                <a:gd name="connsiteX1" fmla="*/ 709890 w 719340"/>
-                <a:gd name="connsiteY1" fmla="*/ 19443 h 974304"/>
-                <a:gd name="connsiteX2" fmla="*/ 719340 w 719340"/>
-                <a:gd name="connsiteY2" fmla="*/ 974304 h 974304"/>
-                <a:gd name="connsiteX3" fmla="*/ 0 w 719340"/>
-                <a:gd name="connsiteY3" fmla="*/ 962311 h 974304"/>
-                <a:gd name="connsiteX4" fmla="*/ 324883 w 719340"/>
-                <a:gd name="connsiteY4" fmla="*/ 0 h 974304"/>
-                <a:gd name="connsiteX0" fmla="*/ 324883 w 719340"/>
-                <a:gd name="connsiteY0" fmla="*/ 0 h 974304"/>
-                <a:gd name="connsiteX1" fmla="*/ 703597 w 719340"/>
-                <a:gd name="connsiteY1" fmla="*/ 6152 h 974304"/>
-                <a:gd name="connsiteX2" fmla="*/ 719340 w 719340"/>
-                <a:gd name="connsiteY2" fmla="*/ 974304 h 974304"/>
-                <a:gd name="connsiteX3" fmla="*/ 0 w 719340"/>
-                <a:gd name="connsiteY3" fmla="*/ 962311 h 974304"/>
-                <a:gd name="connsiteX4" fmla="*/ 324883 w 719340"/>
-                <a:gd name="connsiteY4" fmla="*/ 0 h 974304"/>
-              </a:gdLst>
-              <a:ahLst/>
-              <a:cxnLst>
-                <a:cxn ang="0">
-                  <a:pos x="connsiteX0" y="connsiteY0"/>
-                </a:cxn>
-                <a:cxn ang="0">
-                  <a:pos x="connsiteX1" y="connsiteY1"/>
-                </a:cxn>
-                <a:cxn ang="0">
-                  <a:pos x="connsiteX2" y="connsiteY2"/>
-                </a:cxn>
-                <a:cxn ang="0">
-                  <a:pos x="connsiteX3" y="connsiteY3"/>
-                </a:cxn>
-                <a:cxn ang="0">
-                  <a:pos x="connsiteX4" y="connsiteY4"/>
-                </a:cxn>
-              </a:cxnLst>
-              <a:rect l="l" t="t" r="r" b="b"/>
-              <a:pathLst>
-                <a:path w="719340" h="974304">
-                  <a:moveTo>
-                    <a:pt x="324883" y="0"/>
-                  </a:moveTo>
-                  <a:lnTo>
-                    <a:pt x="703597" y="6152"/>
-                  </a:lnTo>
-                  <a:lnTo>
-                    <a:pt x="719340" y="974304"/>
-                  </a:lnTo>
-                  <a:lnTo>
-                    <a:pt x="0" y="962311"/>
-                  </a:lnTo>
-                  <a:lnTo>
-                    <a:pt x="324883" y="0"/>
-                  </a:lnTo>
-                  <a:close/>
-                </a:path>
-              </a:pathLst>
-            </a:custGeom>
-            <a:solidFill>
-              <a:schemeClr val="tx1">
-                <a:lumMod val="50000"/>
-                <a:lumOff val="50000"/>
-                <a:alpha val="30000"/>
-              </a:schemeClr>
-            </a:solidFill>
-            <a:ln>
-              <a:noFill/>
-            </a:ln>
-          </p:spPr>
-          <p:style>
-            <a:lnRef idx="2">
-              <a:schemeClr val="accent1">
-                <a:shade val="50000"/>
-              </a:schemeClr>
-            </a:lnRef>
-            <a:fillRef idx="1">
-              <a:schemeClr val="accent1"/>
-            </a:fillRef>
-            <a:effectRef idx="0">
-              <a:schemeClr val="accent1"/>
-            </a:effectRef>
-            <a:fontRef idx="minor">
-              <a:schemeClr val="lt1"/>
-            </a:fontRef>
-          </p:style>
-          <p:txBody>
-            <a:bodyPr lIns="114949" tIns="57475" rIns="114949" bIns="57475" rtlCol="0" anchor="ctr"/>
-            <a:lstStyle/>
-            <a:p>
-              <a:pPr algn="ctr"/>
-              <a:endParaRPr lang="en-US"/>
-            </a:p>
-          </p:txBody>
-        </p:sp>
-        <p:cxnSp>
-          <p:nvCxnSpPr>
-            <p:cNvPr id="18" name="Straight Connector 17"/>
-            <p:cNvCxnSpPr/>
-            <p:nvPr/>
-          </p:nvCxnSpPr>
-          <p:spPr>
-            <a:xfrm>
-              <a:off x="5106275" y="2280635"/>
-              <a:ext cx="770522" cy="0"/>
-            </a:xfrm>
-            <a:prstGeom prst="line">
-              <a:avLst/>
-            </a:prstGeom>
-            <a:ln w="101600">
-              <a:solidFill>
-                <a:srgbClr val="00B0F0"/>
-              </a:solidFill>
-            </a:ln>
-          </p:spPr>
-          <p:style>
-            <a:lnRef idx="1">
-              <a:schemeClr val="accent1"/>
-            </a:lnRef>
-            <a:fillRef idx="0">
-              <a:schemeClr val="accent1"/>
-            </a:fillRef>
-            <a:effectRef idx="0">
-              <a:schemeClr val="accent1"/>
-            </a:effectRef>
-            <a:fontRef idx="minor">
-              <a:schemeClr val="tx1"/>
-            </a:fontRef>
-          </p:style>
-        </p:cxnSp>
-        <p:sp>
-          <p:nvSpPr>
-            <p:cNvPr id="21" name="TextBox 20"/>
-            <p:cNvSpPr txBox="1"/>
-            <p:nvPr/>
-          </p:nvSpPr>
-          <p:spPr>
-            <a:xfrm>
-              <a:off x="5009792" y="2286000"/>
-              <a:ext cx="3087274" cy="346905"/>
-            </a:xfrm>
-            <a:prstGeom prst="rect">
-              <a:avLst/>
-            </a:prstGeom>
-            <a:noFill/>
-            <a:ln>
-              <a:noFill/>
-            </a:ln>
-          </p:spPr>
-          <p:txBody>
-            <a:bodyPr wrap="square" lIns="114949" tIns="57475" rIns="114949" bIns="57475" rtlCol="0">
-              <a:spAutoFit/>
-            </a:bodyPr>
-            <a:lstStyle/>
-            <a:p>
-              <a:r>
-                <a:rPr lang="en-US" sz="1500" b="1" dirty="0">
-                  <a:latin typeface="Arial" panose="020B0604020202020204" pitchFamily="34" charset="0"/>
-                  <a:cs typeface="Arial" panose="020B0604020202020204" pitchFamily="34" charset="0"/>
-                </a:rPr>
-                <a:t>State: 0         </a:t>
-              </a:r>
-              <a:r>
-                <a:rPr lang="en-US" sz="1500" b="1" dirty="0" smtClean="0">
-                  <a:latin typeface="Arial" panose="020B0604020202020204" pitchFamily="34" charset="0"/>
-                  <a:cs typeface="Arial" panose="020B0604020202020204" pitchFamily="34" charset="0"/>
-                </a:rPr>
-                <a:t>   1              2        0</a:t>
-              </a:r>
-              <a:endParaRPr lang="en-US" sz="1500" b="1" dirty="0">
-                <a:latin typeface="Arial" panose="020B0604020202020204" pitchFamily="34" charset="0"/>
-                <a:cs typeface="Arial" panose="020B0604020202020204" pitchFamily="34" charset="0"/>
-              </a:endParaRPr>
-            </a:p>
-          </p:txBody>
-        </p:sp>
-        <p:cxnSp>
-          <p:nvCxnSpPr>
-            <p:cNvPr id="23" name="Straight Arrow Connector 22"/>
-            <p:cNvCxnSpPr/>
-            <p:nvPr/>
-          </p:nvCxnSpPr>
-          <p:spPr>
-            <a:xfrm flipV="1">
-              <a:off x="5876796" y="1938632"/>
-              <a:ext cx="0" cy="274320"/>
-            </a:xfrm>
-            <a:prstGeom prst="straightConnector1">
-              <a:avLst/>
-            </a:prstGeom>
-            <a:ln w="19050">
-              <a:solidFill>
-                <a:schemeClr val="tx1"/>
-              </a:solidFill>
-              <a:tailEnd type="triangle"/>
-            </a:ln>
-          </p:spPr>
-          <p:style>
-            <a:lnRef idx="1">
-              <a:schemeClr val="accent1"/>
-            </a:lnRef>
-            <a:fillRef idx="0">
-              <a:schemeClr val="accent1"/>
-            </a:fillRef>
-            <a:effectRef idx="0">
-              <a:schemeClr val="accent1"/>
-            </a:effectRef>
-            <a:fontRef idx="minor">
-              <a:schemeClr val="tx1"/>
-            </a:fontRef>
-          </p:style>
-        </p:cxnSp>
-        <p:cxnSp>
-          <p:nvCxnSpPr>
-            <p:cNvPr id="26" name="Straight Connector 25"/>
-            <p:cNvCxnSpPr/>
-            <p:nvPr/>
-          </p:nvCxnSpPr>
-          <p:spPr>
-            <a:xfrm>
-              <a:off x="5876797" y="2280636"/>
-              <a:ext cx="1191313" cy="1536"/>
-            </a:xfrm>
-            <a:prstGeom prst="line">
-              <a:avLst/>
-            </a:prstGeom>
-            <a:ln w="101600">
-              <a:solidFill>
-                <a:schemeClr val="accent2"/>
-              </a:solidFill>
-            </a:ln>
-          </p:spPr>
-          <p:style>
-            <a:lnRef idx="1">
-              <a:schemeClr val="accent1"/>
-            </a:lnRef>
-            <a:fillRef idx="0">
-              <a:schemeClr val="accent1"/>
-            </a:fillRef>
-            <a:effectRef idx="0">
-              <a:schemeClr val="accent1"/>
-            </a:effectRef>
-            <a:fontRef idx="minor">
-              <a:schemeClr val="tx1"/>
-            </a:fontRef>
-          </p:style>
-        </p:cxnSp>
-        <p:cxnSp>
-          <p:nvCxnSpPr>
-            <p:cNvPr id="27" name="Straight Arrow Connector 26"/>
-            <p:cNvCxnSpPr/>
-            <p:nvPr/>
-          </p:nvCxnSpPr>
-          <p:spPr>
-            <a:xfrm flipV="1">
-              <a:off x="7068319" y="1938632"/>
-              <a:ext cx="0" cy="274320"/>
-            </a:xfrm>
-            <a:prstGeom prst="straightConnector1">
-              <a:avLst/>
-            </a:prstGeom>
-            <a:ln w="19050">
-              <a:solidFill>
-                <a:schemeClr val="tx1"/>
-              </a:solidFill>
-              <a:tailEnd type="triangle"/>
-            </a:ln>
-          </p:spPr>
-          <p:style>
-            <a:lnRef idx="1">
-              <a:schemeClr val="accent1"/>
-            </a:lnRef>
-            <a:fillRef idx="0">
-              <a:schemeClr val="accent1"/>
-            </a:fillRef>
-            <a:effectRef idx="0">
-              <a:schemeClr val="accent1"/>
-            </a:effectRef>
-            <a:fontRef idx="minor">
-              <a:schemeClr val="tx1"/>
-            </a:fontRef>
-          </p:style>
-        </p:cxnSp>
-        <p:cxnSp>
-          <p:nvCxnSpPr>
-            <p:cNvPr id="28" name="Straight Connector 27"/>
-            <p:cNvCxnSpPr/>
-            <p:nvPr/>
-          </p:nvCxnSpPr>
-          <p:spPr>
-            <a:xfrm>
-              <a:off x="7031824" y="483225"/>
-              <a:ext cx="36286" cy="1184798"/>
-            </a:xfrm>
-            <a:prstGeom prst="line">
-              <a:avLst/>
-            </a:prstGeom>
-            <a:ln w="19050">
+          </p:grpSpPr>
+          <p:sp>
+            <p:nvSpPr>
+              <p:cNvPr id="33" name="Freeform 32"/>
+              <p:cNvSpPr/>
+              <p:nvPr/>
+            </p:nvSpPr>
+            <p:spPr>
+              <a:xfrm>
+                <a:off x="5876796" y="483577"/>
+                <a:ext cx="827472" cy="1243227"/>
+              </a:xfrm>
+              <a:custGeom>
+                <a:avLst/>
+                <a:gdLst>
+                  <a:gd name="connsiteX0" fmla="*/ 224018 w 692419"/>
+                  <a:gd name="connsiteY0" fmla="*/ 0 h 949020"/>
+                  <a:gd name="connsiteX1" fmla="*/ 657798 w 692419"/>
+                  <a:gd name="connsiteY1" fmla="*/ 0 h 949020"/>
+                  <a:gd name="connsiteX2" fmla="*/ 692419 w 692419"/>
+                  <a:gd name="connsiteY2" fmla="*/ 946984 h 949020"/>
+                  <a:gd name="connsiteX3" fmla="*/ 0 w 692419"/>
+                  <a:gd name="connsiteY3" fmla="*/ 949020 h 949020"/>
+                  <a:gd name="connsiteX4" fmla="*/ 224018 w 692419"/>
+                  <a:gd name="connsiteY4" fmla="*/ 0 h 949020"/>
+                  <a:gd name="connsiteX0" fmla="*/ 306703 w 692419"/>
+                  <a:gd name="connsiteY0" fmla="*/ 42333 h 949020"/>
+                  <a:gd name="connsiteX1" fmla="*/ 657798 w 692419"/>
+                  <a:gd name="connsiteY1" fmla="*/ 0 h 949020"/>
+                  <a:gd name="connsiteX2" fmla="*/ 692419 w 692419"/>
+                  <a:gd name="connsiteY2" fmla="*/ 946984 h 949020"/>
+                  <a:gd name="connsiteX3" fmla="*/ 0 w 692419"/>
+                  <a:gd name="connsiteY3" fmla="*/ 949020 h 949020"/>
+                  <a:gd name="connsiteX4" fmla="*/ 306703 w 692419"/>
+                  <a:gd name="connsiteY4" fmla="*/ 42333 h 949020"/>
+                  <a:gd name="connsiteX0" fmla="*/ 321737 w 692419"/>
+                  <a:gd name="connsiteY0" fmla="*/ 0 h 949020"/>
+                  <a:gd name="connsiteX1" fmla="*/ 657798 w 692419"/>
+                  <a:gd name="connsiteY1" fmla="*/ 0 h 949020"/>
+                  <a:gd name="connsiteX2" fmla="*/ 692419 w 692419"/>
+                  <a:gd name="connsiteY2" fmla="*/ 946984 h 949020"/>
+                  <a:gd name="connsiteX3" fmla="*/ 0 w 692419"/>
+                  <a:gd name="connsiteY3" fmla="*/ 949020 h 949020"/>
+                  <a:gd name="connsiteX4" fmla="*/ 321737 w 692419"/>
+                  <a:gd name="connsiteY4" fmla="*/ 0 h 949020"/>
+                  <a:gd name="connsiteX0" fmla="*/ 321737 w 752554"/>
+                  <a:gd name="connsiteY0" fmla="*/ 0 h 968151"/>
+                  <a:gd name="connsiteX1" fmla="*/ 657798 w 752554"/>
+                  <a:gd name="connsiteY1" fmla="*/ 0 h 968151"/>
+                  <a:gd name="connsiteX2" fmla="*/ 752554 w 752554"/>
+                  <a:gd name="connsiteY2" fmla="*/ 968151 h 968151"/>
+                  <a:gd name="connsiteX3" fmla="*/ 0 w 752554"/>
+                  <a:gd name="connsiteY3" fmla="*/ 949020 h 968151"/>
+                  <a:gd name="connsiteX4" fmla="*/ 321737 w 752554"/>
+                  <a:gd name="connsiteY4" fmla="*/ 0 h 968151"/>
+                  <a:gd name="connsiteX0" fmla="*/ 321737 w 752554"/>
+                  <a:gd name="connsiteY0" fmla="*/ 0 h 968151"/>
+                  <a:gd name="connsiteX1" fmla="*/ 702899 w 752554"/>
+                  <a:gd name="connsiteY1" fmla="*/ 10583 h 968151"/>
+                  <a:gd name="connsiteX2" fmla="*/ 752554 w 752554"/>
+                  <a:gd name="connsiteY2" fmla="*/ 968151 h 968151"/>
+                  <a:gd name="connsiteX3" fmla="*/ 0 w 752554"/>
+                  <a:gd name="connsiteY3" fmla="*/ 949020 h 968151"/>
+                  <a:gd name="connsiteX4" fmla="*/ 321737 w 752554"/>
+                  <a:gd name="connsiteY4" fmla="*/ 0 h 968151"/>
+                  <a:gd name="connsiteX0" fmla="*/ 321737 w 730004"/>
+                  <a:gd name="connsiteY0" fmla="*/ 0 h 978734"/>
+                  <a:gd name="connsiteX1" fmla="*/ 702899 w 730004"/>
+                  <a:gd name="connsiteY1" fmla="*/ 10583 h 978734"/>
+                  <a:gd name="connsiteX2" fmla="*/ 730004 w 730004"/>
+                  <a:gd name="connsiteY2" fmla="*/ 978734 h 978734"/>
+                  <a:gd name="connsiteX3" fmla="*/ 0 w 730004"/>
+                  <a:gd name="connsiteY3" fmla="*/ 949020 h 978734"/>
+                  <a:gd name="connsiteX4" fmla="*/ 321737 w 730004"/>
+                  <a:gd name="connsiteY4" fmla="*/ 0 h 978734"/>
+                  <a:gd name="connsiteX0" fmla="*/ 321737 w 730004"/>
+                  <a:gd name="connsiteY0" fmla="*/ 0 h 978734"/>
+                  <a:gd name="connsiteX1" fmla="*/ 687865 w 730004"/>
+                  <a:gd name="connsiteY1" fmla="*/ 10583 h 978734"/>
+                  <a:gd name="connsiteX2" fmla="*/ 730004 w 730004"/>
+                  <a:gd name="connsiteY2" fmla="*/ 978734 h 978734"/>
+                  <a:gd name="connsiteX3" fmla="*/ 0 w 730004"/>
+                  <a:gd name="connsiteY3" fmla="*/ 949020 h 978734"/>
+                  <a:gd name="connsiteX4" fmla="*/ 321737 w 730004"/>
+                  <a:gd name="connsiteY4" fmla="*/ 0 h 978734"/>
+                  <a:gd name="connsiteX0" fmla="*/ 321737 w 714970"/>
+                  <a:gd name="connsiteY0" fmla="*/ 0 h 978734"/>
+                  <a:gd name="connsiteX1" fmla="*/ 687865 w 714970"/>
+                  <a:gd name="connsiteY1" fmla="*/ 10583 h 978734"/>
+                  <a:gd name="connsiteX2" fmla="*/ 714970 w 714970"/>
+                  <a:gd name="connsiteY2" fmla="*/ 978734 h 978734"/>
+                  <a:gd name="connsiteX3" fmla="*/ 0 w 714970"/>
+                  <a:gd name="connsiteY3" fmla="*/ 949020 h 978734"/>
+                  <a:gd name="connsiteX4" fmla="*/ 321737 w 714970"/>
+                  <a:gd name="connsiteY4" fmla="*/ 0 h 978734"/>
+                  <a:gd name="connsiteX0" fmla="*/ 321737 w 722487"/>
+                  <a:gd name="connsiteY0" fmla="*/ 0 h 978734"/>
+                  <a:gd name="connsiteX1" fmla="*/ 687865 w 722487"/>
+                  <a:gd name="connsiteY1" fmla="*/ 10583 h 978734"/>
+                  <a:gd name="connsiteX2" fmla="*/ 722487 w 722487"/>
+                  <a:gd name="connsiteY2" fmla="*/ 978734 h 978734"/>
+                  <a:gd name="connsiteX3" fmla="*/ 0 w 722487"/>
+                  <a:gd name="connsiteY3" fmla="*/ 949020 h 978734"/>
+                  <a:gd name="connsiteX4" fmla="*/ 321737 w 722487"/>
+                  <a:gd name="connsiteY4" fmla="*/ 0 h 978734"/>
+                  <a:gd name="connsiteX0" fmla="*/ 324883 w 725633"/>
+                  <a:gd name="connsiteY0" fmla="*/ 0 h 978734"/>
+                  <a:gd name="connsiteX1" fmla="*/ 691011 w 725633"/>
+                  <a:gd name="connsiteY1" fmla="*/ 10583 h 978734"/>
+                  <a:gd name="connsiteX2" fmla="*/ 725633 w 725633"/>
+                  <a:gd name="connsiteY2" fmla="*/ 978734 h 978734"/>
+                  <a:gd name="connsiteX3" fmla="*/ 0 w 725633"/>
+                  <a:gd name="connsiteY3" fmla="*/ 962311 h 978734"/>
+                  <a:gd name="connsiteX4" fmla="*/ 324883 w 725633"/>
+                  <a:gd name="connsiteY4" fmla="*/ 0 h 978734"/>
+                  <a:gd name="connsiteX0" fmla="*/ 324883 w 719340"/>
+                  <a:gd name="connsiteY0" fmla="*/ 0 h 974304"/>
+                  <a:gd name="connsiteX1" fmla="*/ 691011 w 719340"/>
+                  <a:gd name="connsiteY1" fmla="*/ 10583 h 974304"/>
+                  <a:gd name="connsiteX2" fmla="*/ 719340 w 719340"/>
+                  <a:gd name="connsiteY2" fmla="*/ 974304 h 974304"/>
+                  <a:gd name="connsiteX3" fmla="*/ 0 w 719340"/>
+                  <a:gd name="connsiteY3" fmla="*/ 962311 h 974304"/>
+                  <a:gd name="connsiteX4" fmla="*/ 324883 w 719340"/>
+                  <a:gd name="connsiteY4" fmla="*/ 0 h 974304"/>
+                  <a:gd name="connsiteX0" fmla="*/ 324883 w 719340"/>
+                  <a:gd name="connsiteY0" fmla="*/ 0 h 974304"/>
+                  <a:gd name="connsiteX1" fmla="*/ 700450 w 719340"/>
+                  <a:gd name="connsiteY1" fmla="*/ 15013 h 974304"/>
+                  <a:gd name="connsiteX2" fmla="*/ 719340 w 719340"/>
+                  <a:gd name="connsiteY2" fmla="*/ 974304 h 974304"/>
+                  <a:gd name="connsiteX3" fmla="*/ 0 w 719340"/>
+                  <a:gd name="connsiteY3" fmla="*/ 962311 h 974304"/>
+                  <a:gd name="connsiteX4" fmla="*/ 324883 w 719340"/>
+                  <a:gd name="connsiteY4" fmla="*/ 0 h 974304"/>
+                  <a:gd name="connsiteX0" fmla="*/ 324883 w 719340"/>
+                  <a:gd name="connsiteY0" fmla="*/ 0 h 974304"/>
+                  <a:gd name="connsiteX1" fmla="*/ 709890 w 719340"/>
+                  <a:gd name="connsiteY1" fmla="*/ 19443 h 974304"/>
+                  <a:gd name="connsiteX2" fmla="*/ 719340 w 719340"/>
+                  <a:gd name="connsiteY2" fmla="*/ 974304 h 974304"/>
+                  <a:gd name="connsiteX3" fmla="*/ 0 w 719340"/>
+                  <a:gd name="connsiteY3" fmla="*/ 962311 h 974304"/>
+                  <a:gd name="connsiteX4" fmla="*/ 324883 w 719340"/>
+                  <a:gd name="connsiteY4" fmla="*/ 0 h 974304"/>
+                  <a:gd name="connsiteX0" fmla="*/ 324883 w 719340"/>
+                  <a:gd name="connsiteY0" fmla="*/ 0 h 974304"/>
+                  <a:gd name="connsiteX1" fmla="*/ 703597 w 719340"/>
+                  <a:gd name="connsiteY1" fmla="*/ 6152 h 974304"/>
+                  <a:gd name="connsiteX2" fmla="*/ 719340 w 719340"/>
+                  <a:gd name="connsiteY2" fmla="*/ 974304 h 974304"/>
+                  <a:gd name="connsiteX3" fmla="*/ 0 w 719340"/>
+                  <a:gd name="connsiteY3" fmla="*/ 962311 h 974304"/>
+                  <a:gd name="connsiteX4" fmla="*/ 324883 w 719340"/>
+                  <a:gd name="connsiteY4" fmla="*/ 0 h 974304"/>
+                  <a:gd name="connsiteX0" fmla="*/ 133703 w 719340"/>
+                  <a:gd name="connsiteY0" fmla="*/ 7010 h 968152"/>
+                  <a:gd name="connsiteX1" fmla="*/ 703597 w 719340"/>
+                  <a:gd name="connsiteY1" fmla="*/ 0 h 968152"/>
+                  <a:gd name="connsiteX2" fmla="*/ 719340 w 719340"/>
+                  <a:gd name="connsiteY2" fmla="*/ 968152 h 968152"/>
+                  <a:gd name="connsiteX3" fmla="*/ 0 w 719340"/>
+                  <a:gd name="connsiteY3" fmla="*/ 956159 h 968152"/>
+                  <a:gd name="connsiteX4" fmla="*/ 133703 w 719340"/>
+                  <a:gd name="connsiteY4" fmla="*/ 7010 h 968152"/>
+                  <a:gd name="connsiteX0" fmla="*/ 133703 w 719340"/>
+                  <a:gd name="connsiteY0" fmla="*/ 7010 h 982483"/>
+                  <a:gd name="connsiteX1" fmla="*/ 703597 w 719340"/>
+                  <a:gd name="connsiteY1" fmla="*/ 0 h 982483"/>
+                  <a:gd name="connsiteX2" fmla="*/ 719340 w 719340"/>
+                  <a:gd name="connsiteY2" fmla="*/ 968152 h 982483"/>
+                  <a:gd name="connsiteX3" fmla="*/ 0 w 719340"/>
+                  <a:gd name="connsiteY3" fmla="*/ 982483 h 982483"/>
+                  <a:gd name="connsiteX4" fmla="*/ 133703 w 719340"/>
+                  <a:gd name="connsiteY4" fmla="*/ 7010 h 982483"/>
+                  <a:gd name="connsiteX0" fmla="*/ 133703 w 735271"/>
+                  <a:gd name="connsiteY0" fmla="*/ 7010 h 982483"/>
+                  <a:gd name="connsiteX1" fmla="*/ 703597 w 735271"/>
+                  <a:gd name="connsiteY1" fmla="*/ 0 h 982483"/>
+                  <a:gd name="connsiteX2" fmla="*/ 735271 w 735271"/>
+                  <a:gd name="connsiteY2" fmla="*/ 981314 h 982483"/>
+                  <a:gd name="connsiteX3" fmla="*/ 0 w 735271"/>
+                  <a:gd name="connsiteY3" fmla="*/ 982483 h 982483"/>
+                  <a:gd name="connsiteX4" fmla="*/ 133703 w 735271"/>
+                  <a:gd name="connsiteY4" fmla="*/ 7010 h 982483"/>
+                </a:gdLst>
+                <a:ahLst/>
+                <a:cxnLst>
+                  <a:cxn ang="0">
+                    <a:pos x="connsiteX0" y="connsiteY0"/>
+                  </a:cxn>
+                  <a:cxn ang="0">
+                    <a:pos x="connsiteX1" y="connsiteY1"/>
+                  </a:cxn>
+                  <a:cxn ang="0">
+                    <a:pos x="connsiteX2" y="connsiteY2"/>
+                  </a:cxn>
+                  <a:cxn ang="0">
+                    <a:pos x="connsiteX3" y="connsiteY3"/>
+                  </a:cxn>
+                  <a:cxn ang="0">
+                    <a:pos x="connsiteX4" y="connsiteY4"/>
+                  </a:cxn>
+                </a:cxnLst>
+                <a:rect l="l" t="t" r="r" b="b"/>
+                <a:pathLst>
+                  <a:path w="735271" h="982483">
+                    <a:moveTo>
+                      <a:pt x="133703" y="7010"/>
+                    </a:moveTo>
+                    <a:lnTo>
+                      <a:pt x="703597" y="0"/>
+                    </a:lnTo>
+                    <a:lnTo>
+                      <a:pt x="735271" y="981314"/>
+                    </a:lnTo>
+                    <a:lnTo>
+                      <a:pt x="0" y="982483"/>
+                    </a:lnTo>
+                    <a:lnTo>
+                      <a:pt x="133703" y="7010"/>
+                    </a:lnTo>
+                    <a:close/>
+                  </a:path>
+                </a:pathLst>
+              </a:custGeom>
               <a:solidFill>
                 <a:schemeClr val="tx1">
                   <a:lumMod val="50000"/>
                   <a:lumOff val="50000"/>
+                  <a:alpha val="30000"/>
                 </a:schemeClr>
               </a:solidFill>
-              <a:prstDash val="dash"/>
-            </a:ln>
-          </p:spPr>
-          <p:style>
-            <a:lnRef idx="1">
-              <a:schemeClr val="accent1"/>
-            </a:lnRef>
-            <a:fillRef idx="0">
-              <a:schemeClr val="accent1"/>
-            </a:fillRef>
-            <a:effectRef idx="0">
-              <a:schemeClr val="accent1"/>
-            </a:effectRef>
-            <a:fontRef idx="minor">
-              <a:schemeClr val="tx1"/>
-            </a:fontRef>
-          </p:style>
-        </p:cxnSp>
-        <p:cxnSp>
-          <p:nvCxnSpPr>
-            <p:cNvPr id="29" name="Straight Arrow Connector 28"/>
-            <p:cNvCxnSpPr/>
-            <p:nvPr/>
-          </p:nvCxnSpPr>
-          <p:spPr>
-            <a:xfrm flipV="1">
-              <a:off x="7587757" y="1938632"/>
-              <a:ext cx="0" cy="274320"/>
-            </a:xfrm>
-            <a:prstGeom prst="straightConnector1">
-              <a:avLst/>
-            </a:prstGeom>
-            <a:ln w="19050">
-              <a:solidFill>
+              <a:ln>
+                <a:noFill/>
+              </a:ln>
+            </p:spPr>
+            <p:style>
+              <a:lnRef idx="2">
+                <a:schemeClr val="accent1">
+                  <a:shade val="50000"/>
+                </a:schemeClr>
+              </a:lnRef>
+              <a:fillRef idx="1">
+                <a:schemeClr val="accent1"/>
+              </a:fillRef>
+              <a:effectRef idx="0">
+                <a:schemeClr val="accent1"/>
+              </a:effectRef>
+              <a:fontRef idx="minor">
+                <a:schemeClr val="lt1"/>
+              </a:fontRef>
+            </p:style>
+            <p:txBody>
+              <a:bodyPr lIns="114949" tIns="57475" rIns="114949" bIns="57475" rtlCol="0" anchor="ctr"/>
+              <a:lstStyle/>
+              <a:p>
+                <a:pPr algn="ctr"/>
+                <a:endParaRPr lang="en-US"/>
+              </a:p>
+            </p:txBody>
+          </p:sp>
+          <p:cxnSp>
+            <p:nvCxnSpPr>
+              <p:cNvPr id="34" name="Straight Connector 33"/>
+              <p:cNvCxnSpPr/>
+              <p:nvPr/>
+            </p:nvCxnSpPr>
+            <p:spPr>
+              <a:xfrm>
+                <a:off x="5106275" y="2280635"/>
+                <a:ext cx="770522" cy="0"/>
+              </a:xfrm>
+              <a:prstGeom prst="line">
+                <a:avLst/>
+              </a:prstGeom>
+              <a:ln w="101600">
+                <a:solidFill>
+                  <a:srgbClr val="00B0F0"/>
+                </a:solidFill>
+              </a:ln>
+            </p:spPr>
+            <p:style>
+              <a:lnRef idx="1">
+                <a:schemeClr val="accent1"/>
+              </a:lnRef>
+              <a:fillRef idx="0">
+                <a:schemeClr val="accent1"/>
+              </a:fillRef>
+              <a:effectRef idx="0">
+                <a:schemeClr val="accent1"/>
+              </a:effectRef>
+              <a:fontRef idx="minor">
                 <a:schemeClr val="tx1"/>
-              </a:solidFill>
-              <a:tailEnd type="triangle"/>
-            </a:ln>
-          </p:spPr>
-          <p:style>
-            <a:lnRef idx="1">
-              <a:schemeClr val="accent1"/>
-            </a:lnRef>
-            <a:fillRef idx="0">
-              <a:schemeClr val="accent1"/>
-            </a:fillRef>
-            <a:effectRef idx="0">
-              <a:schemeClr val="accent1"/>
-            </a:effectRef>
-            <a:fontRef idx="minor">
-              <a:schemeClr val="tx1"/>
-            </a:fontRef>
-          </p:style>
-        </p:cxnSp>
-        <p:cxnSp>
-          <p:nvCxnSpPr>
-            <p:cNvPr id="30" name="Straight Connector 29"/>
-            <p:cNvCxnSpPr/>
-            <p:nvPr/>
-          </p:nvCxnSpPr>
-          <p:spPr>
-            <a:xfrm>
-              <a:off x="7068110" y="2282172"/>
-              <a:ext cx="532263" cy="0"/>
-            </a:xfrm>
-            <a:prstGeom prst="line">
-              <a:avLst/>
-            </a:prstGeom>
-            <a:ln w="101600">
-              <a:solidFill>
-                <a:schemeClr val="accent6"/>
-              </a:solidFill>
-            </a:ln>
-          </p:spPr>
-          <p:style>
-            <a:lnRef idx="1">
-              <a:schemeClr val="accent1"/>
-            </a:lnRef>
-            <a:fillRef idx="0">
-              <a:schemeClr val="accent1"/>
-            </a:fillRef>
-            <a:effectRef idx="0">
-              <a:schemeClr val="accent1"/>
-            </a:effectRef>
-            <a:fontRef idx="minor">
-              <a:schemeClr val="tx1"/>
-            </a:fontRef>
-          </p:style>
-        </p:cxnSp>
-        <p:cxnSp>
-          <p:nvCxnSpPr>
-            <p:cNvPr id="31" name="Straight Connector 30"/>
-            <p:cNvCxnSpPr/>
-            <p:nvPr/>
-          </p:nvCxnSpPr>
-          <p:spPr>
-            <a:xfrm flipV="1">
-              <a:off x="7593549" y="2280061"/>
-              <a:ext cx="554772" cy="2111"/>
-            </a:xfrm>
-            <a:prstGeom prst="line">
-              <a:avLst/>
-            </a:prstGeom>
-            <a:ln w="101600">
-              <a:solidFill>
-                <a:srgbClr val="00B0F0"/>
-              </a:solidFill>
-            </a:ln>
-          </p:spPr>
-          <p:style>
-            <a:lnRef idx="1">
-              <a:schemeClr val="accent1"/>
-            </a:lnRef>
-            <a:fillRef idx="0">
-              <a:schemeClr val="accent1"/>
-            </a:fillRef>
-            <a:effectRef idx="0">
-              <a:schemeClr val="accent1"/>
-            </a:effectRef>
-            <a:fontRef idx="minor">
-              <a:schemeClr val="tx1"/>
-            </a:fontRef>
-          </p:style>
-        </p:cxnSp>
-        <p:sp>
-          <p:nvSpPr>
-            <p:cNvPr id="32" name="TextBox 31"/>
-            <p:cNvSpPr txBox="1"/>
-            <p:nvPr/>
-          </p:nvSpPr>
-          <p:spPr>
-            <a:xfrm>
-              <a:off x="5922937" y="1898355"/>
-              <a:ext cx="1127988" cy="254047"/>
-            </a:xfrm>
-            <a:prstGeom prst="rect">
-              <a:avLst/>
-            </a:prstGeom>
-            <a:noFill/>
-          </p:spPr>
-          <p:txBody>
-            <a:bodyPr wrap="square" lIns="11495" tIns="11495" rIns="11495" bIns="11495" rtlCol="0">
-              <a:spAutoFit/>
-            </a:bodyPr>
-            <a:lstStyle/>
-            <a:p>
-              <a:pPr algn="ctr"/>
-              <a:r>
-                <a:rPr lang="en-US" sz="1500" b="1" dirty="0">
+              </a:fontRef>
+            </p:style>
+          </p:cxnSp>
+          <p:sp>
+            <p:nvSpPr>
+              <p:cNvPr id="35" name="TextBox 34"/>
+              <p:cNvSpPr txBox="1"/>
+              <p:nvPr/>
+            </p:nvSpPr>
+            <p:spPr>
+              <a:xfrm>
+                <a:off x="5009792" y="2286000"/>
+                <a:ext cx="3087274" cy="322252"/>
+              </a:xfrm>
+              <a:prstGeom prst="rect">
+                <a:avLst/>
+              </a:prstGeom>
+              <a:noFill/>
+              <a:ln>
+                <a:noFill/>
+              </a:ln>
+            </p:spPr>
+            <p:txBody>
+              <a:bodyPr wrap="square" lIns="114949" tIns="57475" rIns="114949" bIns="57475" rtlCol="0">
+                <a:spAutoFit/>
+              </a:bodyPr>
+              <a:lstStyle/>
+              <a:p>
+                <a:r>
+                  <a:rPr lang="en-US" sz="1500" b="1" dirty="0">
+                    <a:latin typeface="Arial" panose="020B0604020202020204" pitchFamily="34" charset="0"/>
+                    <a:cs typeface="Arial" panose="020B0604020202020204" pitchFamily="34" charset="0"/>
+                  </a:rPr>
+                  <a:t>State: 0         </a:t>
+                </a:r>
+                <a:r>
+                  <a:rPr lang="en-US" sz="1500" b="1" dirty="0" smtClean="0">
+                    <a:latin typeface="Arial" panose="020B0604020202020204" pitchFamily="34" charset="0"/>
+                    <a:cs typeface="Arial" panose="020B0604020202020204" pitchFamily="34" charset="0"/>
+                  </a:rPr>
+                  <a:t>1       2          0</a:t>
+                </a:r>
+                <a:endParaRPr lang="en-US" sz="1500" b="1" dirty="0">
                   <a:latin typeface="Arial" panose="020B0604020202020204" pitchFamily="34" charset="0"/>
                   <a:cs typeface="Arial" panose="020B0604020202020204" pitchFamily="34" charset="0"/>
-                </a:rPr>
-                <a:t>Time (min)</a:t>
-              </a:r>
-            </a:p>
-          </p:txBody>
-        </p:sp>
+                </a:endParaRPr>
+              </a:p>
+            </p:txBody>
+          </p:sp>
+          <p:cxnSp>
+            <p:nvCxnSpPr>
+              <p:cNvPr id="36" name="Straight Arrow Connector 35"/>
+              <p:cNvCxnSpPr/>
+              <p:nvPr/>
+            </p:nvCxnSpPr>
+            <p:spPr>
+              <a:xfrm flipV="1">
+                <a:off x="5876796" y="1938632"/>
+                <a:ext cx="0" cy="274320"/>
+              </a:xfrm>
+              <a:prstGeom prst="straightConnector1">
+                <a:avLst/>
+              </a:prstGeom>
+              <a:ln w="19050">
+                <a:solidFill>
+                  <a:schemeClr val="tx1"/>
+                </a:solidFill>
+                <a:tailEnd type="triangle"/>
+              </a:ln>
+            </p:spPr>
+            <p:style>
+              <a:lnRef idx="1">
+                <a:schemeClr val="accent1"/>
+              </a:lnRef>
+              <a:fillRef idx="0">
+                <a:schemeClr val="accent1"/>
+              </a:fillRef>
+              <a:effectRef idx="0">
+                <a:schemeClr val="accent1"/>
+              </a:effectRef>
+              <a:fontRef idx="minor">
+                <a:schemeClr val="tx1"/>
+              </a:fontRef>
+            </p:style>
+          </p:cxnSp>
+          <p:cxnSp>
+            <p:nvCxnSpPr>
+              <p:cNvPr id="37" name="Straight Connector 36"/>
+              <p:cNvCxnSpPr/>
+              <p:nvPr/>
+            </p:nvCxnSpPr>
+            <p:spPr>
+              <a:xfrm>
+                <a:off x="5876797" y="2280636"/>
+                <a:ext cx="822960" cy="1536"/>
+              </a:xfrm>
+              <a:prstGeom prst="line">
+                <a:avLst/>
+              </a:prstGeom>
+              <a:ln w="101600">
+                <a:solidFill>
+                  <a:schemeClr val="accent2"/>
+                </a:solidFill>
+              </a:ln>
+            </p:spPr>
+            <p:style>
+              <a:lnRef idx="1">
+                <a:schemeClr val="accent1"/>
+              </a:lnRef>
+              <a:fillRef idx="0">
+                <a:schemeClr val="accent1"/>
+              </a:fillRef>
+              <a:effectRef idx="0">
+                <a:schemeClr val="accent1"/>
+              </a:effectRef>
+              <a:fontRef idx="minor">
+                <a:schemeClr val="tx1"/>
+              </a:fontRef>
+            </p:style>
+          </p:cxnSp>
+          <p:cxnSp>
+            <p:nvCxnSpPr>
+              <p:cNvPr id="38" name="Straight Arrow Connector 37"/>
+              <p:cNvCxnSpPr/>
+              <p:nvPr/>
+            </p:nvCxnSpPr>
+            <p:spPr>
+              <a:xfrm flipV="1">
+                <a:off x="6692251" y="1938632"/>
+                <a:ext cx="0" cy="274320"/>
+              </a:xfrm>
+              <a:prstGeom prst="straightConnector1">
+                <a:avLst/>
+              </a:prstGeom>
+              <a:ln w="19050">
+                <a:solidFill>
+                  <a:schemeClr val="tx1"/>
+                </a:solidFill>
+                <a:tailEnd type="triangle"/>
+              </a:ln>
+            </p:spPr>
+            <p:style>
+              <a:lnRef idx="1">
+                <a:schemeClr val="accent1"/>
+              </a:lnRef>
+              <a:fillRef idx="0">
+                <a:schemeClr val="accent1"/>
+              </a:fillRef>
+              <a:effectRef idx="0">
+                <a:schemeClr val="accent1"/>
+              </a:effectRef>
+              <a:fontRef idx="minor">
+                <a:schemeClr val="tx1"/>
+              </a:fontRef>
+            </p:style>
+          </p:cxnSp>
+          <p:cxnSp>
+            <p:nvCxnSpPr>
+              <p:cNvPr id="39" name="Straight Connector 38"/>
+              <p:cNvCxnSpPr/>
+              <p:nvPr/>
+            </p:nvCxnSpPr>
+            <p:spPr>
+              <a:xfrm>
+                <a:off x="6668622" y="483577"/>
+                <a:ext cx="17717" cy="1251958"/>
+              </a:xfrm>
+              <a:prstGeom prst="line">
+                <a:avLst/>
+              </a:prstGeom>
+              <a:ln w="19050">
+                <a:solidFill>
+                  <a:schemeClr val="tx1">
+                    <a:lumMod val="50000"/>
+                    <a:lumOff val="50000"/>
+                  </a:schemeClr>
+                </a:solidFill>
+                <a:prstDash val="dash"/>
+              </a:ln>
+            </p:spPr>
+            <p:style>
+              <a:lnRef idx="1">
+                <a:schemeClr val="accent1"/>
+              </a:lnRef>
+              <a:fillRef idx="0">
+                <a:schemeClr val="accent1"/>
+              </a:fillRef>
+              <a:effectRef idx="0">
+                <a:schemeClr val="accent1"/>
+              </a:effectRef>
+              <a:fontRef idx="minor">
+                <a:schemeClr val="tx1"/>
+              </a:fontRef>
+            </p:style>
+          </p:cxnSp>
+          <p:cxnSp>
+            <p:nvCxnSpPr>
+              <p:cNvPr id="40" name="Straight Arrow Connector 39"/>
+              <p:cNvCxnSpPr/>
+              <p:nvPr/>
+            </p:nvCxnSpPr>
+            <p:spPr>
+              <a:xfrm flipV="1">
+                <a:off x="6838555" y="1938632"/>
+                <a:ext cx="0" cy="274320"/>
+              </a:xfrm>
+              <a:prstGeom prst="straightConnector1">
+                <a:avLst/>
+              </a:prstGeom>
+              <a:ln w="19050">
+                <a:solidFill>
+                  <a:schemeClr val="tx1"/>
+                </a:solidFill>
+                <a:tailEnd type="triangle"/>
+              </a:ln>
+            </p:spPr>
+            <p:style>
+              <a:lnRef idx="1">
+                <a:schemeClr val="accent1"/>
+              </a:lnRef>
+              <a:fillRef idx="0">
+                <a:schemeClr val="accent1"/>
+              </a:fillRef>
+              <a:effectRef idx="0">
+                <a:schemeClr val="accent1"/>
+              </a:effectRef>
+              <a:fontRef idx="minor">
+                <a:schemeClr val="tx1"/>
+              </a:fontRef>
+            </p:style>
+          </p:cxnSp>
+          <p:cxnSp>
+            <p:nvCxnSpPr>
+              <p:cNvPr id="41" name="Straight Connector 40"/>
+              <p:cNvCxnSpPr/>
+              <p:nvPr/>
+            </p:nvCxnSpPr>
+            <p:spPr>
+              <a:xfrm>
+                <a:off x="6692967" y="2280061"/>
+                <a:ext cx="164592" cy="0"/>
+              </a:xfrm>
+              <a:prstGeom prst="line">
+                <a:avLst/>
+              </a:prstGeom>
+              <a:ln w="101600">
+                <a:solidFill>
+                  <a:schemeClr val="accent6"/>
+                </a:solidFill>
+              </a:ln>
+            </p:spPr>
+            <p:style>
+              <a:lnRef idx="1">
+                <a:schemeClr val="accent1"/>
+              </a:lnRef>
+              <a:fillRef idx="0">
+                <a:schemeClr val="accent1"/>
+              </a:fillRef>
+              <a:effectRef idx="0">
+                <a:schemeClr val="accent1"/>
+              </a:effectRef>
+              <a:fontRef idx="minor">
+                <a:schemeClr val="tx1"/>
+              </a:fontRef>
+            </p:style>
+          </p:cxnSp>
+          <p:cxnSp>
+            <p:nvCxnSpPr>
+              <p:cNvPr id="42" name="Straight Connector 41"/>
+              <p:cNvCxnSpPr/>
+              <p:nvPr/>
+            </p:nvCxnSpPr>
+            <p:spPr>
+              <a:xfrm flipV="1">
+                <a:off x="6851587" y="2280061"/>
+                <a:ext cx="1106424" cy="2111"/>
+              </a:xfrm>
+              <a:prstGeom prst="line">
+                <a:avLst/>
+              </a:prstGeom>
+              <a:ln w="101600">
+                <a:solidFill>
+                  <a:srgbClr val="00B0F0"/>
+                </a:solidFill>
+              </a:ln>
+            </p:spPr>
+            <p:style>
+              <a:lnRef idx="1">
+                <a:schemeClr val="accent1"/>
+              </a:lnRef>
+              <a:fillRef idx="0">
+                <a:schemeClr val="accent1"/>
+              </a:fillRef>
+              <a:effectRef idx="0">
+                <a:schemeClr val="accent1"/>
+              </a:effectRef>
+              <a:fontRef idx="minor">
+                <a:schemeClr val="tx1"/>
+              </a:fontRef>
+            </p:style>
+          </p:cxnSp>
+          <p:sp>
+            <p:nvSpPr>
+              <p:cNvPr id="43" name="TextBox 42"/>
+              <p:cNvSpPr txBox="1"/>
+              <p:nvPr/>
+            </p:nvSpPr>
+            <p:spPr>
+              <a:xfrm>
+                <a:off x="6925002" y="1929014"/>
+                <a:ext cx="1127988" cy="254047"/>
+              </a:xfrm>
+              <a:prstGeom prst="rect">
+                <a:avLst/>
+              </a:prstGeom>
+              <a:noFill/>
+            </p:spPr>
+            <p:txBody>
+              <a:bodyPr wrap="square" lIns="11495" tIns="11495" rIns="11495" bIns="11495" rtlCol="0">
+                <a:spAutoFit/>
+              </a:bodyPr>
+              <a:lstStyle/>
+              <a:p>
+                <a:pPr algn="ctr"/>
+                <a:r>
+                  <a:rPr lang="en-US" sz="1500" b="1" dirty="0">
+                    <a:latin typeface="Arial" panose="020B0604020202020204" pitchFamily="34" charset="0"/>
+                    <a:cs typeface="Arial" panose="020B0604020202020204" pitchFamily="34" charset="0"/>
+                  </a:rPr>
+                  <a:t>Time (min)</a:t>
+                </a:r>
+              </a:p>
+            </p:txBody>
+          </p:sp>
+        </p:grpSp>
       </p:grpSp>
     </p:spTree>
     <p:extLst>
@@ -9045,21 +12041,22 @@
       </p:grpSpPr>
       <p:pic>
         <p:nvPicPr>
-          <p:cNvPr id="4" name="Picture 3"/>
+          <p:cNvPr id="5" name="Picture 4"/>
           <p:cNvPicPr>
             <a:picLocks noChangeAspect="1"/>
           </p:cNvPicPr>
           <p:nvPr/>
         </p:nvPicPr>
-        <p:blipFill rotWithShape="1">
+        <p:blipFill>
           <a:blip r:embed="rId2"/>
-          <a:srcRect l="4051" t="2412" r="5318" b="3031"/>
-          <a:stretch/>
+          <a:stretch>
+            <a:fillRect/>
+          </a:stretch>
         </p:blipFill>
         <p:spPr>
           <a:xfrm>
-            <a:off x="425595" y="373264"/>
-            <a:ext cx="10903528" cy="6484736"/>
+            <a:off x="245828" y="1012463"/>
+            <a:ext cx="9972993" cy="5845536"/>
           </a:xfrm>
           <a:prstGeom prst="rect">
             <a:avLst/>
@@ -9075,7 +12072,7 @@
         <p:spPr>
           <a:xfrm>
             <a:off x="425595" y="50098"/>
-            <a:ext cx="7148945" cy="646331"/>
+            <a:ext cx="7148945" cy="369332"/>
           </a:xfrm>
           <a:prstGeom prst="rect">
             <a:avLst/>
@@ -9090,25 +12087,7 @@
           <a:p>
             <a:r>
               <a:rPr lang="en-US" dirty="0" smtClean="0"/>
-              <a:t>&gt;&gt; data = </a:t>
-            </a:r>
-            <a:r>
-              <a:rPr lang="en-US" dirty="0" err="1" smtClean="0"/>
-              <a:t>model_init_data</a:t>
-            </a:r>
-            <a:r>
-              <a:rPr lang="en-US" dirty="0"/>
-              <a:t>('model4</a:t>
-            </a:r>
-            <a:r>
-              <a:rPr lang="en-US" dirty="0" smtClean="0"/>
-              <a:t>');</a:t>
-            </a:r>
-          </a:p>
-          <a:p>
-            <a:r>
-              <a:rPr lang="en-US" dirty="0" smtClean="0"/>
-              <a:t>&gt;&gt; res = </a:t>
+              <a:t>&gt;&gt; </a:t>
             </a:r>
             <a:r>
               <a:rPr lang="en-US" dirty="0" err="1" smtClean="0"/>
@@ -9116,15 +12095,15 @@
             </a:r>
             <a:r>
               <a:rPr lang="en-US" dirty="0" smtClean="0"/>
-              <a:t>(data, 'b',1, '</a:t>
-            </a:r>
-            <a:r>
-              <a:rPr lang="en-US" dirty="0" err="1" smtClean="0"/>
-              <a:t>show_figure</a:t>
+              <a:t>(</a:t>
+            </a:r>
+            <a:r>
+              <a:rPr lang="mr-IN" dirty="0"/>
+              <a:t>'</a:t>
             </a:r>
             <a:r>
               <a:rPr lang="en-US" dirty="0" smtClean="0"/>
-              <a:t>', 1);</a:t>
+              <a:t>test5');</a:t>
             </a:r>
           </a:p>
         </p:txBody>
@@ -10624,22 +13603,21 @@
       </p:grpSp>
       <p:pic>
         <p:nvPicPr>
-          <p:cNvPr id="35" name="Picture 34"/>
+          <p:cNvPr id="36" name="Picture 35"/>
           <p:cNvPicPr>
             <a:picLocks noChangeAspect="1"/>
           </p:cNvPicPr>
           <p:nvPr/>
         </p:nvPicPr>
-        <p:blipFill>
+        <p:blipFill rotWithShape="1">
           <a:blip r:embed="rId2"/>
-          <a:stretch>
-            <a:fillRect/>
-          </a:stretch>
+          <a:srcRect r="16660"/>
+          <a:stretch/>
         </p:blipFill>
         <p:spPr>
           <a:xfrm>
-            <a:off x="1029282" y="1575179"/>
-            <a:ext cx="5708198" cy="3634130"/>
+            <a:off x="1313355" y="2059528"/>
+            <a:ext cx="3920907" cy="2910137"/>
           </a:xfrm>
           <a:prstGeom prst="rect">
             <a:avLst/>
@@ -10749,7 +13727,7 @@
       </p:sp>
       <p:pic>
         <p:nvPicPr>
-          <p:cNvPr id="7" name="Picture 6"/>
+          <p:cNvPr id="5" name="Picture 4"/>
           <p:cNvPicPr>
             <a:picLocks noChangeAspect="1"/>
           </p:cNvPicPr>
@@ -10757,13 +13735,13 @@
         </p:nvPicPr>
         <p:blipFill rotWithShape="1">
           <a:blip r:embed="rId2"/>
-          <a:srcRect r="14132"/>
+          <a:srcRect l="1351" t="1458" r="16095"/>
           <a:stretch/>
         </p:blipFill>
         <p:spPr>
           <a:xfrm>
-            <a:off x="1070919" y="1037092"/>
-            <a:ext cx="5662390" cy="4103337"/>
+            <a:off x="1710096" y="1623984"/>
+            <a:ext cx="4199793" cy="2450711"/>
           </a:xfrm>
           <a:prstGeom prst="rect">
             <a:avLst/>

--- a/app/model/result_0211_2017.pptx
+++ b/app/model/result_0211_2017.pptx
@@ -206,7 +206,7 @@
           <a:p>
             <a:fld id="{C13B47A7-8C13-6C41-BC82-F20EACC38EDA}" type="datetimeFigureOut">
               <a:rPr lang="en-US" smtClean="0"/>
-              <a:t>7/4/17</a:t>
+              <a:t>12/30/17</a:t>
             </a:fld>
             <a:endParaRPr lang="en-US"/>
           </a:p>
@@ -605,7 +605,7 @@
           <a:p>
             <a:fld id="{13FF81DB-72FD-4E0B-96E8-AA8F3653C4D4}" type="datetimeFigureOut">
               <a:rPr lang="en-US" smtClean="0"/>
-              <a:t>7/4/17</a:t>
+              <a:t>12/30/17</a:t>
             </a:fld>
             <a:endParaRPr lang="en-US"/>
           </a:p>
@@ -775,7 +775,7 @@
           <a:p>
             <a:fld id="{13FF81DB-72FD-4E0B-96E8-AA8F3653C4D4}" type="datetimeFigureOut">
               <a:rPr lang="en-US" smtClean="0"/>
-              <a:t>7/4/17</a:t>
+              <a:t>12/30/17</a:t>
             </a:fld>
             <a:endParaRPr lang="en-US"/>
           </a:p>
@@ -955,7 +955,7 @@
           <a:p>
             <a:fld id="{13FF81DB-72FD-4E0B-96E8-AA8F3653C4D4}" type="datetimeFigureOut">
               <a:rPr lang="en-US" smtClean="0"/>
-              <a:t>7/4/17</a:t>
+              <a:t>12/30/17</a:t>
             </a:fld>
             <a:endParaRPr lang="en-US"/>
           </a:p>
@@ -1125,7 +1125,7 @@
           <a:p>
             <a:fld id="{13FF81DB-72FD-4E0B-96E8-AA8F3653C4D4}" type="datetimeFigureOut">
               <a:rPr lang="en-US" smtClean="0"/>
-              <a:t>7/4/17</a:t>
+              <a:t>12/30/17</a:t>
             </a:fld>
             <a:endParaRPr lang="en-US"/>
           </a:p>
@@ -1371,7 +1371,7 @@
           <a:p>
             <a:fld id="{13FF81DB-72FD-4E0B-96E8-AA8F3653C4D4}" type="datetimeFigureOut">
               <a:rPr lang="en-US" smtClean="0"/>
-              <a:t>7/4/17</a:t>
+              <a:t>12/30/17</a:t>
             </a:fld>
             <a:endParaRPr lang="en-US"/>
           </a:p>
@@ -1603,7 +1603,7 @@
           <a:p>
             <a:fld id="{13FF81DB-72FD-4E0B-96E8-AA8F3653C4D4}" type="datetimeFigureOut">
               <a:rPr lang="en-US" smtClean="0"/>
-              <a:t>7/4/17</a:t>
+              <a:t>12/30/17</a:t>
             </a:fld>
             <a:endParaRPr lang="en-US"/>
           </a:p>
@@ -1970,7 +1970,7 @@
           <a:p>
             <a:fld id="{13FF81DB-72FD-4E0B-96E8-AA8F3653C4D4}" type="datetimeFigureOut">
               <a:rPr lang="en-US" smtClean="0"/>
-              <a:t>7/4/17</a:t>
+              <a:t>12/30/17</a:t>
             </a:fld>
             <a:endParaRPr lang="en-US"/>
           </a:p>
@@ -2088,7 +2088,7 @@
           <a:p>
             <a:fld id="{13FF81DB-72FD-4E0B-96E8-AA8F3653C4D4}" type="datetimeFigureOut">
               <a:rPr lang="en-US" smtClean="0"/>
-              <a:t>7/4/17</a:t>
+              <a:t>12/30/17</a:t>
             </a:fld>
             <a:endParaRPr lang="en-US"/>
           </a:p>
@@ -2183,7 +2183,7 @@
           <a:p>
             <a:fld id="{13FF81DB-72FD-4E0B-96E8-AA8F3653C4D4}" type="datetimeFigureOut">
               <a:rPr lang="en-US" smtClean="0"/>
-              <a:t>7/4/17</a:t>
+              <a:t>12/30/17</a:t>
             </a:fld>
             <a:endParaRPr lang="en-US"/>
           </a:p>
@@ -2460,7 +2460,7 @@
           <a:p>
             <a:fld id="{13FF81DB-72FD-4E0B-96E8-AA8F3653C4D4}" type="datetimeFigureOut">
               <a:rPr lang="en-US" smtClean="0"/>
-              <a:t>7/4/17</a:t>
+              <a:t>12/30/17</a:t>
             </a:fld>
             <a:endParaRPr lang="en-US"/>
           </a:p>
@@ -2713,7 +2713,7 @@
           <a:p>
             <a:fld id="{13FF81DB-72FD-4E0B-96E8-AA8F3653C4D4}" type="datetimeFigureOut">
               <a:rPr lang="en-US" smtClean="0"/>
-              <a:t>7/4/17</a:t>
+              <a:t>12/30/17</a:t>
             </a:fld>
             <a:endParaRPr lang="en-US"/>
           </a:p>
@@ -2926,7 +2926,7 @@
           <a:p>
             <a:fld id="{13FF81DB-72FD-4E0B-96E8-AA8F3653C4D4}" type="datetimeFigureOut">
               <a:rPr lang="en-US" smtClean="0"/>
-              <a:t>7/4/17</a:t>
+              <a:t>12/30/17</a:t>
             </a:fld>
             <a:endParaRPr lang="en-US"/>
           </a:p>
@@ -3354,12 +3354,28 @@
           <a:lstStyle/>
           <a:p>
             <a:r>
-              <a:rPr lang="en-US" sz="1200" b="1" smtClean="0">
+              <a:rPr lang="en-US" sz="1200" b="1" dirty="0" smtClean="0">
                 <a:latin typeface="Arial" charset="0"/>
                 <a:ea typeface="Arial" charset="0"/>
                 <a:cs typeface="Arial" charset="0"/>
               </a:rPr>
-              <a:t>Network graph (updated 7/4/2017)</a:t>
+              <a:t>Network graph (updated </a:t>
+            </a:r>
+            <a:r>
+              <a:rPr lang="en-US" sz="1200" b="1" dirty="0" smtClean="0">
+                <a:latin typeface="Arial" charset="0"/>
+                <a:ea typeface="Arial" charset="0"/>
+                <a:cs typeface="Arial" charset="0"/>
+              </a:rPr>
+              <a:t>12/30/2017</a:t>
+            </a:r>
+            <a:r>
+              <a:rPr lang="en-US" sz="1200" b="1" dirty="0" smtClean="0">
+                <a:latin typeface="Arial" charset="0"/>
+                <a:ea typeface="Arial" charset="0"/>
+                <a:cs typeface="Arial" charset="0"/>
+              </a:rPr>
+              <a:t>)</a:t>
             </a:r>
             <a:endParaRPr lang="en-US" sz="1200" b="1" dirty="0">
               <a:latin typeface="Arial" charset="0"/>

--- a/app/model/result_0211_2017.pptx
+++ b/app/model/result_0211_2017.pptx
@@ -5,11 +5,11 @@
     <p:sldMasterId id="2147483648" r:id="rId1"/>
   </p:sldMasterIdLst>
   <p:notesMasterIdLst>
-    <p:notesMasterId r:id="rId12"/>
+    <p:notesMasterId r:id="rId13"/>
   </p:notesMasterIdLst>
   <p:sldIdLst>
     <p:sldId id="258" r:id="rId2"/>
-    <p:sldId id="260" r:id="rId3"/>
+    <p:sldId id="275" r:id="rId3"/>
     <p:sldId id="264" r:id="rId4"/>
     <p:sldId id="265" r:id="rId5"/>
     <p:sldId id="266" r:id="rId6"/>
@@ -18,6 +18,7 @@
     <p:sldId id="259" r:id="rId9"/>
     <p:sldId id="262" r:id="rId10"/>
     <p:sldId id="273" r:id="rId11"/>
+    <p:sldId id="274" r:id="rId12"/>
   </p:sldIdLst>
   <p:sldSz cx="12192000" cy="6858000"/>
   <p:notesSz cx="6858000" cy="9144000"/>
@@ -206,7 +207,7 @@
           <a:p>
             <a:fld id="{C13B47A7-8C13-6C41-BC82-F20EACC38EDA}" type="datetimeFigureOut">
               <a:rPr lang="en-US" smtClean="0"/>
-              <a:t>12/30/17</a:t>
+              <a:t>9/11/18</a:t>
             </a:fld>
             <a:endParaRPr lang="en-US"/>
           </a:p>
@@ -270,38 +271,37 @@
           <a:p>
             <a:pPr lvl="0"/>
             <a:r>
-              <a:rPr lang="en-US" smtClean="0"/>
+              <a:rPr lang="en-US"/>
               <a:t>Click to edit Master text styles</a:t>
             </a:r>
           </a:p>
           <a:p>
             <a:pPr lvl="1"/>
             <a:r>
-              <a:rPr lang="en-US" smtClean="0"/>
+              <a:rPr lang="en-US"/>
               <a:t>Second level</a:t>
             </a:r>
           </a:p>
           <a:p>
             <a:pPr lvl="2"/>
             <a:r>
-              <a:rPr lang="en-US" smtClean="0"/>
+              <a:rPr lang="en-US"/>
               <a:t>Third level</a:t>
             </a:r>
           </a:p>
           <a:p>
             <a:pPr lvl="3"/>
             <a:r>
-              <a:rPr lang="en-US" smtClean="0"/>
+              <a:rPr lang="en-US"/>
               <a:t>Fourth level</a:t>
             </a:r>
           </a:p>
           <a:p>
             <a:pPr lvl="4"/>
             <a:r>
-              <a:rPr lang="en-US" smtClean="0"/>
+              <a:rPr lang="en-US"/>
               <a:t>Fifth level</a:t>
             </a:r>
-            <a:endParaRPr lang="en-US"/>
           </a:p>
         </p:txBody>
       </p:sp>
@@ -474,6 +474,258 @@
 </p:notesMaster>
 </file>
 
+<file path=ppt/notesSlides/notesSlide1.xml><?xml version="1.0" encoding="utf-8"?>
+<p:notes xmlns:a="http://schemas.openxmlformats.org/drawingml/2006/main" xmlns:r="http://schemas.openxmlformats.org/officeDocument/2006/relationships" xmlns:p="http://schemas.openxmlformats.org/presentationml/2006/main">
+  <p:cSld>
+    <p:spTree>
+      <p:nvGrpSpPr>
+        <p:cNvPr id="1" name=""/>
+        <p:cNvGrpSpPr/>
+        <p:nvPr/>
+      </p:nvGrpSpPr>
+      <p:grpSpPr>
+        <a:xfrm>
+          <a:off x="0" y="0"/>
+          <a:ext cx="0" cy="0"/>
+          <a:chOff x="0" y="0"/>
+          <a:chExt cx="0" cy="0"/>
+        </a:xfrm>
+      </p:grpSpPr>
+      <p:sp>
+        <p:nvSpPr>
+          <p:cNvPr id="2" name="Slide Image Placeholder 1"/>
+          <p:cNvSpPr>
+            <a:spLocks noGrp="1" noRot="1" noChangeAspect="1"/>
+          </p:cNvSpPr>
+          <p:nvPr>
+            <p:ph type="sldImg"/>
+          </p:nvPr>
+        </p:nvSpPr>
+        <p:spPr/>
+      </p:sp>
+      <p:sp>
+        <p:nvSpPr>
+          <p:cNvPr id="3" name="Notes Placeholder 2"/>
+          <p:cNvSpPr>
+            <a:spLocks noGrp="1"/>
+          </p:cNvSpPr>
+          <p:nvPr>
+            <p:ph type="body" idx="1"/>
+          </p:nvPr>
+        </p:nvSpPr>
+        <p:spPr/>
+        <p:txBody>
+          <a:bodyPr/>
+          <a:lstStyle/>
+          <a:p>
+            <a:endParaRPr lang="en-US" dirty="0"/>
+          </a:p>
+        </p:txBody>
+      </p:sp>
+      <p:sp>
+        <p:nvSpPr>
+          <p:cNvPr id="4" name="Slide Number Placeholder 3"/>
+          <p:cNvSpPr>
+            <a:spLocks noGrp="1"/>
+          </p:cNvSpPr>
+          <p:nvPr>
+            <p:ph type="sldNum" sz="quarter" idx="10"/>
+          </p:nvPr>
+        </p:nvSpPr>
+        <p:spPr/>
+        <p:txBody>
+          <a:bodyPr/>
+          <a:lstStyle/>
+          <a:p>
+            <a:fld id="{BDC7C7C1-837D-3B47-9493-8D30251EF28D}" type="slidenum">
+              <a:rPr lang="en-US" smtClean="0"/>
+              <a:t>2</a:t>
+            </a:fld>
+            <a:endParaRPr lang="en-US"/>
+          </a:p>
+        </p:txBody>
+      </p:sp>
+    </p:spTree>
+    <p:extLst>
+      <p:ext uri="{BB962C8B-B14F-4D97-AF65-F5344CB8AC3E}">
+        <p14:creationId xmlns:p14="http://schemas.microsoft.com/office/powerpoint/2010/main" val="1756285586"/>
+      </p:ext>
+    </p:extLst>
+  </p:cSld>
+  <p:clrMapOvr>
+    <a:masterClrMapping/>
+  </p:clrMapOvr>
+</p:notes>
+</file>
+
+<file path=ppt/notesSlides/notesSlide2.xml><?xml version="1.0" encoding="utf-8"?>
+<p:notes xmlns:a="http://schemas.openxmlformats.org/drawingml/2006/main" xmlns:r="http://schemas.openxmlformats.org/officeDocument/2006/relationships" xmlns:p="http://schemas.openxmlformats.org/presentationml/2006/main">
+  <p:cSld>
+    <p:spTree>
+      <p:nvGrpSpPr>
+        <p:cNvPr id="1" name=""/>
+        <p:cNvGrpSpPr/>
+        <p:nvPr/>
+      </p:nvGrpSpPr>
+      <p:grpSpPr>
+        <a:xfrm>
+          <a:off x="0" y="0"/>
+          <a:ext cx="0" cy="0"/>
+          <a:chOff x="0" y="0"/>
+          <a:chExt cx="0" cy="0"/>
+        </a:xfrm>
+      </p:grpSpPr>
+      <p:sp>
+        <p:nvSpPr>
+          <p:cNvPr id="2" name="Slide Image Placeholder 1"/>
+          <p:cNvSpPr>
+            <a:spLocks noGrp="1" noRot="1" noChangeAspect="1"/>
+          </p:cNvSpPr>
+          <p:nvPr>
+            <p:ph type="sldImg"/>
+          </p:nvPr>
+        </p:nvSpPr>
+        <p:spPr/>
+      </p:sp>
+      <p:sp>
+        <p:nvSpPr>
+          <p:cNvPr id="3" name="Notes Placeholder 2"/>
+          <p:cNvSpPr>
+            <a:spLocks noGrp="1"/>
+          </p:cNvSpPr>
+          <p:nvPr>
+            <p:ph type="body" idx="1"/>
+          </p:nvPr>
+        </p:nvSpPr>
+        <p:spPr/>
+        <p:txBody>
+          <a:bodyPr/>
+          <a:lstStyle/>
+          <a:p>
+            <a:endParaRPr lang="en-US" dirty="0"/>
+          </a:p>
+        </p:txBody>
+      </p:sp>
+      <p:sp>
+        <p:nvSpPr>
+          <p:cNvPr id="4" name="Slide Number Placeholder 3"/>
+          <p:cNvSpPr>
+            <a:spLocks noGrp="1"/>
+          </p:cNvSpPr>
+          <p:nvPr>
+            <p:ph type="sldNum" sz="quarter" idx="10"/>
+          </p:nvPr>
+        </p:nvSpPr>
+        <p:spPr/>
+        <p:txBody>
+          <a:bodyPr/>
+          <a:lstStyle/>
+          <a:p>
+            <a:fld id="{BDC7C7C1-837D-3B47-9493-8D30251EF28D}" type="slidenum">
+              <a:rPr lang="en-US" smtClean="0"/>
+              <a:t>7</a:t>
+            </a:fld>
+            <a:endParaRPr lang="en-US"/>
+          </a:p>
+        </p:txBody>
+      </p:sp>
+    </p:spTree>
+    <p:extLst>
+      <p:ext uri="{BB962C8B-B14F-4D97-AF65-F5344CB8AC3E}">
+        <p14:creationId xmlns:p14="http://schemas.microsoft.com/office/powerpoint/2010/main" val="2030395854"/>
+      </p:ext>
+    </p:extLst>
+  </p:cSld>
+  <p:clrMapOvr>
+    <a:masterClrMapping/>
+  </p:clrMapOvr>
+</p:notes>
+</file>
+
+<file path=ppt/notesSlides/notesSlide3.xml><?xml version="1.0" encoding="utf-8"?>
+<p:notes xmlns:a="http://schemas.openxmlformats.org/drawingml/2006/main" xmlns:r="http://schemas.openxmlformats.org/officeDocument/2006/relationships" xmlns:p="http://schemas.openxmlformats.org/presentationml/2006/main">
+  <p:cSld>
+    <p:spTree>
+      <p:nvGrpSpPr>
+        <p:cNvPr id="1" name=""/>
+        <p:cNvGrpSpPr/>
+        <p:nvPr/>
+      </p:nvGrpSpPr>
+      <p:grpSpPr>
+        <a:xfrm>
+          <a:off x="0" y="0"/>
+          <a:ext cx="0" cy="0"/>
+          <a:chOff x="0" y="0"/>
+          <a:chExt cx="0" cy="0"/>
+        </a:xfrm>
+      </p:grpSpPr>
+      <p:sp>
+        <p:nvSpPr>
+          <p:cNvPr id="2" name="Slide Image Placeholder 1"/>
+          <p:cNvSpPr>
+            <a:spLocks noGrp="1" noRot="1" noChangeAspect="1"/>
+          </p:cNvSpPr>
+          <p:nvPr>
+            <p:ph type="sldImg"/>
+          </p:nvPr>
+        </p:nvSpPr>
+        <p:spPr/>
+      </p:sp>
+      <p:sp>
+        <p:nvSpPr>
+          <p:cNvPr id="3" name="Notes Placeholder 2"/>
+          <p:cNvSpPr>
+            <a:spLocks noGrp="1"/>
+          </p:cNvSpPr>
+          <p:nvPr>
+            <p:ph type="body" idx="1"/>
+          </p:nvPr>
+        </p:nvSpPr>
+        <p:spPr/>
+        <p:txBody>
+          <a:bodyPr/>
+          <a:lstStyle/>
+          <a:p>
+            <a:endParaRPr lang="en-US" dirty="0"/>
+          </a:p>
+        </p:txBody>
+      </p:sp>
+      <p:sp>
+        <p:nvSpPr>
+          <p:cNvPr id="4" name="Slide Number Placeholder 3"/>
+          <p:cNvSpPr>
+            <a:spLocks noGrp="1"/>
+          </p:cNvSpPr>
+          <p:nvPr>
+            <p:ph type="sldNum" sz="quarter" idx="10"/>
+          </p:nvPr>
+        </p:nvSpPr>
+        <p:spPr/>
+        <p:txBody>
+          <a:bodyPr/>
+          <a:lstStyle/>
+          <a:p>
+            <a:fld id="{BDC7C7C1-837D-3B47-9493-8D30251EF28D}" type="slidenum">
+              <a:rPr lang="en-US" smtClean="0"/>
+              <a:t>10</a:t>
+            </a:fld>
+            <a:endParaRPr lang="en-US"/>
+          </a:p>
+        </p:txBody>
+      </p:sp>
+    </p:spTree>
+    <p:extLst>
+      <p:ext uri="{BB962C8B-B14F-4D97-AF65-F5344CB8AC3E}">
+        <p14:creationId xmlns:p14="http://schemas.microsoft.com/office/powerpoint/2010/main" val="2320469377"/>
+      </p:ext>
+    </p:extLst>
+  </p:cSld>
+  <p:clrMapOvr>
+    <a:masterClrMapping/>
+  </p:clrMapOvr>
+</p:notes>
+</file>
+
 <file path=ppt/slideLayouts/slideLayout1.xml><?xml version="1.0" encoding="utf-8"?>
 <p:sldLayout xmlns:a="http://schemas.openxmlformats.org/drawingml/2006/main" xmlns:r="http://schemas.openxmlformats.org/officeDocument/2006/relationships" xmlns:p="http://schemas.openxmlformats.org/presentationml/2006/main" type="title" preserve="1">
   <p:cSld name="Title Slide">
@@ -516,10 +768,9 @@
           </a:lstStyle>
           <a:p>
             <a:r>
-              <a:rPr lang="en-US" smtClean="0"/>
+              <a:rPr lang="en-US"/>
               <a:t>Click to edit Master title style</a:t>
             </a:r>
-            <a:endParaRPr lang="en-US"/>
           </a:p>
         </p:txBody>
       </p:sp>
@@ -581,10 +832,9 @@
           </a:lstStyle>
           <a:p>
             <a:r>
-              <a:rPr lang="en-US" smtClean="0"/>
+              <a:rPr lang="en-US"/>
               <a:t>Click to edit Master subtitle style</a:t>
             </a:r>
-            <a:endParaRPr lang="en-US"/>
           </a:p>
         </p:txBody>
       </p:sp>
@@ -605,7 +855,7 @@
           <a:p>
             <a:fld id="{13FF81DB-72FD-4E0B-96E8-AA8F3653C4D4}" type="datetimeFigureOut">
               <a:rPr lang="en-US" smtClean="0"/>
-              <a:t>12/30/17</a:t>
+              <a:t>9/11/18</a:t>
             </a:fld>
             <a:endParaRPr lang="en-US"/>
           </a:p>
@@ -699,10 +949,9 @@
           <a:lstStyle/>
           <a:p>
             <a:r>
-              <a:rPr lang="en-US" smtClean="0"/>
+              <a:rPr lang="en-US"/>
               <a:t>Click to edit Master title style</a:t>
             </a:r>
-            <a:endParaRPr lang="en-US"/>
           </a:p>
         </p:txBody>
       </p:sp>
@@ -723,38 +972,37 @@
           <a:p>
             <a:pPr lvl="0"/>
             <a:r>
-              <a:rPr lang="en-US" smtClean="0"/>
+              <a:rPr lang="en-US"/>
               <a:t>Click to edit Master text styles</a:t>
             </a:r>
           </a:p>
           <a:p>
             <a:pPr lvl="1"/>
             <a:r>
-              <a:rPr lang="en-US" smtClean="0"/>
+              <a:rPr lang="en-US"/>
               <a:t>Second level</a:t>
             </a:r>
           </a:p>
           <a:p>
             <a:pPr lvl="2"/>
             <a:r>
-              <a:rPr lang="en-US" smtClean="0"/>
+              <a:rPr lang="en-US"/>
               <a:t>Third level</a:t>
             </a:r>
           </a:p>
           <a:p>
             <a:pPr lvl="3"/>
             <a:r>
-              <a:rPr lang="en-US" smtClean="0"/>
+              <a:rPr lang="en-US"/>
               <a:t>Fourth level</a:t>
             </a:r>
           </a:p>
           <a:p>
             <a:pPr lvl="4"/>
             <a:r>
-              <a:rPr lang="en-US" smtClean="0"/>
+              <a:rPr lang="en-US"/>
               <a:t>Fifth level</a:t>
             </a:r>
-            <a:endParaRPr lang="en-US"/>
           </a:p>
         </p:txBody>
       </p:sp>
@@ -775,7 +1023,7 @@
           <a:p>
             <a:fld id="{13FF81DB-72FD-4E0B-96E8-AA8F3653C4D4}" type="datetimeFigureOut">
               <a:rPr lang="en-US" smtClean="0"/>
-              <a:t>12/30/17</a:t>
+              <a:t>9/11/18</a:t>
             </a:fld>
             <a:endParaRPr lang="en-US"/>
           </a:p>
@@ -874,10 +1122,9 @@
           <a:lstStyle/>
           <a:p>
             <a:r>
-              <a:rPr lang="en-US" smtClean="0"/>
+              <a:rPr lang="en-US"/>
               <a:t>Click to edit Master title style</a:t>
             </a:r>
-            <a:endParaRPr lang="en-US"/>
           </a:p>
         </p:txBody>
       </p:sp>
@@ -903,38 +1150,37 @@
           <a:p>
             <a:pPr lvl="0"/>
             <a:r>
-              <a:rPr lang="en-US" smtClean="0"/>
+              <a:rPr lang="en-US"/>
               <a:t>Click to edit Master text styles</a:t>
             </a:r>
           </a:p>
           <a:p>
             <a:pPr lvl="1"/>
             <a:r>
-              <a:rPr lang="en-US" smtClean="0"/>
+              <a:rPr lang="en-US"/>
               <a:t>Second level</a:t>
             </a:r>
           </a:p>
           <a:p>
             <a:pPr lvl="2"/>
             <a:r>
-              <a:rPr lang="en-US" smtClean="0"/>
+              <a:rPr lang="en-US"/>
               <a:t>Third level</a:t>
             </a:r>
           </a:p>
           <a:p>
             <a:pPr lvl="3"/>
             <a:r>
-              <a:rPr lang="en-US" smtClean="0"/>
+              <a:rPr lang="en-US"/>
               <a:t>Fourth level</a:t>
             </a:r>
           </a:p>
           <a:p>
             <a:pPr lvl="4"/>
             <a:r>
-              <a:rPr lang="en-US" smtClean="0"/>
+              <a:rPr lang="en-US"/>
               <a:t>Fifth level</a:t>
             </a:r>
-            <a:endParaRPr lang="en-US"/>
           </a:p>
         </p:txBody>
       </p:sp>
@@ -955,7 +1201,7 @@
           <a:p>
             <a:fld id="{13FF81DB-72FD-4E0B-96E8-AA8F3653C4D4}" type="datetimeFigureOut">
               <a:rPr lang="en-US" smtClean="0"/>
-              <a:t>12/30/17</a:t>
+              <a:t>9/11/18</a:t>
             </a:fld>
             <a:endParaRPr lang="en-US"/>
           </a:p>
@@ -1049,10 +1295,9 @@
           <a:lstStyle/>
           <a:p>
             <a:r>
-              <a:rPr lang="en-US" smtClean="0"/>
+              <a:rPr lang="en-US"/>
               <a:t>Click to edit Master title style</a:t>
             </a:r>
-            <a:endParaRPr lang="en-US"/>
           </a:p>
         </p:txBody>
       </p:sp>
@@ -1073,38 +1318,37 @@
           <a:p>
             <a:pPr lvl="0"/>
             <a:r>
-              <a:rPr lang="en-US" smtClean="0"/>
+              <a:rPr lang="en-US"/>
               <a:t>Click to edit Master text styles</a:t>
             </a:r>
           </a:p>
           <a:p>
             <a:pPr lvl="1"/>
             <a:r>
-              <a:rPr lang="en-US" smtClean="0"/>
+              <a:rPr lang="en-US"/>
               <a:t>Second level</a:t>
             </a:r>
           </a:p>
           <a:p>
             <a:pPr lvl="2"/>
             <a:r>
-              <a:rPr lang="en-US" smtClean="0"/>
+              <a:rPr lang="en-US"/>
               <a:t>Third level</a:t>
             </a:r>
           </a:p>
           <a:p>
             <a:pPr lvl="3"/>
             <a:r>
-              <a:rPr lang="en-US" smtClean="0"/>
+              <a:rPr lang="en-US"/>
               <a:t>Fourth level</a:t>
             </a:r>
           </a:p>
           <a:p>
             <a:pPr lvl="4"/>
             <a:r>
-              <a:rPr lang="en-US" smtClean="0"/>
+              <a:rPr lang="en-US"/>
               <a:t>Fifth level</a:t>
             </a:r>
-            <a:endParaRPr lang="en-US"/>
           </a:p>
         </p:txBody>
       </p:sp>
@@ -1125,7 +1369,7 @@
           <a:p>
             <a:fld id="{13FF81DB-72FD-4E0B-96E8-AA8F3653C4D4}" type="datetimeFigureOut">
               <a:rPr lang="en-US" smtClean="0"/>
-              <a:t>12/30/17</a:t>
+              <a:t>9/11/18</a:t>
             </a:fld>
             <a:endParaRPr lang="en-US"/>
           </a:p>
@@ -1228,10 +1472,9 @@
           </a:lstStyle>
           <a:p>
             <a:r>
-              <a:rPr lang="en-US" smtClean="0"/>
+              <a:rPr lang="en-US"/>
               <a:t>Click to edit Master title style</a:t>
             </a:r>
-            <a:endParaRPr lang="en-US"/>
           </a:p>
         </p:txBody>
       </p:sp>
@@ -1348,7 +1591,7 @@
           <a:p>
             <a:pPr lvl="0"/>
             <a:r>
-              <a:rPr lang="en-US" smtClean="0"/>
+              <a:rPr lang="en-US"/>
               <a:t>Click to edit Master text styles</a:t>
             </a:r>
           </a:p>
@@ -1371,7 +1614,7 @@
           <a:p>
             <a:fld id="{13FF81DB-72FD-4E0B-96E8-AA8F3653C4D4}" type="datetimeFigureOut">
               <a:rPr lang="en-US" smtClean="0"/>
-              <a:t>12/30/17</a:t>
+              <a:t>9/11/18</a:t>
             </a:fld>
             <a:endParaRPr lang="en-US"/>
           </a:p>
@@ -1465,10 +1708,9 @@
           <a:lstStyle/>
           <a:p>
             <a:r>
-              <a:rPr lang="en-US" smtClean="0"/>
+              <a:rPr lang="en-US"/>
               <a:t>Click to edit Master title style</a:t>
             </a:r>
-            <a:endParaRPr lang="en-US"/>
           </a:p>
         </p:txBody>
       </p:sp>
@@ -1494,38 +1736,37 @@
           <a:p>
             <a:pPr lvl="0"/>
             <a:r>
-              <a:rPr lang="en-US" smtClean="0"/>
+              <a:rPr lang="en-US"/>
               <a:t>Click to edit Master text styles</a:t>
             </a:r>
           </a:p>
           <a:p>
             <a:pPr lvl="1"/>
             <a:r>
-              <a:rPr lang="en-US" smtClean="0"/>
+              <a:rPr lang="en-US"/>
               <a:t>Second level</a:t>
             </a:r>
           </a:p>
           <a:p>
             <a:pPr lvl="2"/>
             <a:r>
-              <a:rPr lang="en-US" smtClean="0"/>
+              <a:rPr lang="en-US"/>
               <a:t>Third level</a:t>
             </a:r>
           </a:p>
           <a:p>
             <a:pPr lvl="3"/>
             <a:r>
-              <a:rPr lang="en-US" smtClean="0"/>
+              <a:rPr lang="en-US"/>
               <a:t>Fourth level</a:t>
             </a:r>
           </a:p>
           <a:p>
             <a:pPr lvl="4"/>
             <a:r>
-              <a:rPr lang="en-US" smtClean="0"/>
+              <a:rPr lang="en-US"/>
               <a:t>Fifth level</a:t>
             </a:r>
-            <a:endParaRPr lang="en-US"/>
           </a:p>
         </p:txBody>
       </p:sp>
@@ -1551,38 +1792,37 @@
           <a:p>
             <a:pPr lvl="0"/>
             <a:r>
-              <a:rPr lang="en-US" smtClean="0"/>
+              <a:rPr lang="en-US"/>
               <a:t>Click to edit Master text styles</a:t>
             </a:r>
           </a:p>
           <a:p>
             <a:pPr lvl="1"/>
             <a:r>
-              <a:rPr lang="en-US" smtClean="0"/>
+              <a:rPr lang="en-US"/>
               <a:t>Second level</a:t>
             </a:r>
           </a:p>
           <a:p>
             <a:pPr lvl="2"/>
             <a:r>
-              <a:rPr lang="en-US" smtClean="0"/>
+              <a:rPr lang="en-US"/>
               <a:t>Third level</a:t>
             </a:r>
           </a:p>
           <a:p>
             <a:pPr lvl="3"/>
             <a:r>
-              <a:rPr lang="en-US" smtClean="0"/>
+              <a:rPr lang="en-US"/>
               <a:t>Fourth level</a:t>
             </a:r>
           </a:p>
           <a:p>
             <a:pPr lvl="4"/>
             <a:r>
-              <a:rPr lang="en-US" smtClean="0"/>
+              <a:rPr lang="en-US"/>
               <a:t>Fifth level</a:t>
             </a:r>
-            <a:endParaRPr lang="en-US"/>
           </a:p>
         </p:txBody>
       </p:sp>
@@ -1603,7 +1843,7 @@
           <a:p>
             <a:fld id="{13FF81DB-72FD-4E0B-96E8-AA8F3653C4D4}" type="datetimeFigureOut">
               <a:rPr lang="en-US" smtClean="0"/>
-              <a:t>12/30/17</a:t>
+              <a:t>9/11/18</a:t>
             </a:fld>
             <a:endParaRPr lang="en-US"/>
           </a:p>
@@ -1702,10 +1942,9 @@
           <a:lstStyle/>
           <a:p>
             <a:r>
-              <a:rPr lang="en-US" smtClean="0"/>
+              <a:rPr lang="en-US"/>
               <a:t>Click to edit Master title style</a:t>
             </a:r>
-            <a:endParaRPr lang="en-US"/>
           </a:p>
         </p:txBody>
       </p:sp>
@@ -1768,7 +2007,7 @@
           <a:p>
             <a:pPr lvl="0"/>
             <a:r>
-              <a:rPr lang="en-US" smtClean="0"/>
+              <a:rPr lang="en-US"/>
               <a:t>Click to edit Master text styles</a:t>
             </a:r>
           </a:p>
@@ -1796,38 +2035,37 @@
           <a:p>
             <a:pPr lvl="0"/>
             <a:r>
-              <a:rPr lang="en-US" smtClean="0"/>
+              <a:rPr lang="en-US"/>
               <a:t>Click to edit Master text styles</a:t>
             </a:r>
           </a:p>
           <a:p>
             <a:pPr lvl="1"/>
             <a:r>
-              <a:rPr lang="en-US" smtClean="0"/>
+              <a:rPr lang="en-US"/>
               <a:t>Second level</a:t>
             </a:r>
           </a:p>
           <a:p>
             <a:pPr lvl="2"/>
             <a:r>
-              <a:rPr lang="en-US" smtClean="0"/>
+              <a:rPr lang="en-US"/>
               <a:t>Third level</a:t>
             </a:r>
           </a:p>
           <a:p>
             <a:pPr lvl="3"/>
             <a:r>
-              <a:rPr lang="en-US" smtClean="0"/>
+              <a:rPr lang="en-US"/>
               <a:t>Fourth level</a:t>
             </a:r>
           </a:p>
           <a:p>
             <a:pPr lvl="4"/>
             <a:r>
-              <a:rPr lang="en-US" smtClean="0"/>
+              <a:rPr lang="en-US"/>
               <a:t>Fifth level</a:t>
             </a:r>
-            <a:endParaRPr lang="en-US"/>
           </a:p>
         </p:txBody>
       </p:sp>
@@ -1890,7 +2128,7 @@
           <a:p>
             <a:pPr lvl="0"/>
             <a:r>
-              <a:rPr lang="en-US" smtClean="0"/>
+              <a:rPr lang="en-US"/>
               <a:t>Click to edit Master text styles</a:t>
             </a:r>
           </a:p>
@@ -1918,38 +2156,37 @@
           <a:p>
             <a:pPr lvl="0"/>
             <a:r>
-              <a:rPr lang="en-US" smtClean="0"/>
+              <a:rPr lang="en-US"/>
               <a:t>Click to edit Master text styles</a:t>
             </a:r>
           </a:p>
           <a:p>
             <a:pPr lvl="1"/>
             <a:r>
-              <a:rPr lang="en-US" smtClean="0"/>
+              <a:rPr lang="en-US"/>
               <a:t>Second level</a:t>
             </a:r>
           </a:p>
           <a:p>
             <a:pPr lvl="2"/>
             <a:r>
-              <a:rPr lang="en-US" smtClean="0"/>
+              <a:rPr lang="en-US"/>
               <a:t>Third level</a:t>
             </a:r>
           </a:p>
           <a:p>
             <a:pPr lvl="3"/>
             <a:r>
-              <a:rPr lang="en-US" smtClean="0"/>
+              <a:rPr lang="en-US"/>
               <a:t>Fourth level</a:t>
             </a:r>
           </a:p>
           <a:p>
             <a:pPr lvl="4"/>
             <a:r>
-              <a:rPr lang="en-US" smtClean="0"/>
+              <a:rPr lang="en-US"/>
               <a:t>Fifth level</a:t>
             </a:r>
-            <a:endParaRPr lang="en-US"/>
           </a:p>
         </p:txBody>
       </p:sp>
@@ -1970,7 +2207,7 @@
           <a:p>
             <a:fld id="{13FF81DB-72FD-4E0B-96E8-AA8F3653C4D4}" type="datetimeFigureOut">
               <a:rPr lang="en-US" smtClean="0"/>
-              <a:t>12/30/17</a:t>
+              <a:t>9/11/18</a:t>
             </a:fld>
             <a:endParaRPr lang="en-US"/>
           </a:p>
@@ -2064,10 +2301,9 @@
           <a:lstStyle/>
           <a:p>
             <a:r>
-              <a:rPr lang="en-US" smtClean="0"/>
+              <a:rPr lang="en-US"/>
               <a:t>Click to edit Master title style</a:t>
             </a:r>
-            <a:endParaRPr lang="en-US"/>
           </a:p>
         </p:txBody>
       </p:sp>
@@ -2088,7 +2324,7 @@
           <a:p>
             <a:fld id="{13FF81DB-72FD-4E0B-96E8-AA8F3653C4D4}" type="datetimeFigureOut">
               <a:rPr lang="en-US" smtClean="0"/>
-              <a:t>12/30/17</a:t>
+              <a:t>9/11/18</a:t>
             </a:fld>
             <a:endParaRPr lang="en-US"/>
           </a:p>
@@ -2183,7 +2419,7 @@
           <a:p>
             <a:fld id="{13FF81DB-72FD-4E0B-96E8-AA8F3653C4D4}" type="datetimeFigureOut">
               <a:rPr lang="en-US" smtClean="0"/>
-              <a:t>12/30/17</a:t>
+              <a:t>9/11/18</a:t>
             </a:fld>
             <a:endParaRPr lang="en-US"/>
           </a:p>
@@ -2286,10 +2522,9 @@
           </a:lstStyle>
           <a:p>
             <a:r>
-              <a:rPr lang="en-US" smtClean="0"/>
+              <a:rPr lang="en-US"/>
               <a:t>Click to edit Master title style</a:t>
             </a:r>
-            <a:endParaRPr lang="en-US"/>
           </a:p>
         </p:txBody>
       </p:sp>
@@ -2343,38 +2578,37 @@
           <a:p>
             <a:pPr lvl="0"/>
             <a:r>
-              <a:rPr lang="en-US" smtClean="0"/>
+              <a:rPr lang="en-US"/>
               <a:t>Click to edit Master text styles</a:t>
             </a:r>
           </a:p>
           <a:p>
             <a:pPr lvl="1"/>
             <a:r>
-              <a:rPr lang="en-US" smtClean="0"/>
+              <a:rPr lang="en-US"/>
               <a:t>Second level</a:t>
             </a:r>
           </a:p>
           <a:p>
             <a:pPr lvl="2"/>
             <a:r>
-              <a:rPr lang="en-US" smtClean="0"/>
+              <a:rPr lang="en-US"/>
               <a:t>Third level</a:t>
             </a:r>
           </a:p>
           <a:p>
             <a:pPr lvl="3"/>
             <a:r>
-              <a:rPr lang="en-US" smtClean="0"/>
+              <a:rPr lang="en-US"/>
               <a:t>Fourth level</a:t>
             </a:r>
           </a:p>
           <a:p>
             <a:pPr lvl="4"/>
             <a:r>
-              <a:rPr lang="en-US" smtClean="0"/>
+              <a:rPr lang="en-US"/>
               <a:t>Fifth level</a:t>
             </a:r>
-            <a:endParaRPr lang="en-US"/>
           </a:p>
         </p:txBody>
       </p:sp>
@@ -2437,7 +2671,7 @@
           <a:p>
             <a:pPr lvl="0"/>
             <a:r>
-              <a:rPr lang="en-US" smtClean="0"/>
+              <a:rPr lang="en-US"/>
               <a:t>Click to edit Master text styles</a:t>
             </a:r>
           </a:p>
@@ -2460,7 +2694,7 @@
           <a:p>
             <a:fld id="{13FF81DB-72FD-4E0B-96E8-AA8F3653C4D4}" type="datetimeFigureOut">
               <a:rPr lang="en-US" smtClean="0"/>
-              <a:t>12/30/17</a:t>
+              <a:t>9/11/18</a:t>
             </a:fld>
             <a:endParaRPr lang="en-US"/>
           </a:p>
@@ -2563,10 +2797,9 @@
           </a:lstStyle>
           <a:p>
             <a:r>
-              <a:rPr lang="en-US" smtClean="0"/>
+              <a:rPr lang="en-US"/>
               <a:t>Click to edit Master title style</a:t>
             </a:r>
-            <a:endParaRPr lang="en-US"/>
           </a:p>
         </p:txBody>
       </p:sp>
@@ -2690,7 +2923,7 @@
           <a:p>
             <a:pPr lvl="0"/>
             <a:r>
-              <a:rPr lang="en-US" smtClean="0"/>
+              <a:rPr lang="en-US"/>
               <a:t>Click to edit Master text styles</a:t>
             </a:r>
           </a:p>
@@ -2713,7 +2946,7 @@
           <a:p>
             <a:fld id="{13FF81DB-72FD-4E0B-96E8-AA8F3653C4D4}" type="datetimeFigureOut">
               <a:rPr lang="en-US" smtClean="0"/>
-              <a:t>12/30/17</a:t>
+              <a:t>9/11/18</a:t>
             </a:fld>
             <a:endParaRPr lang="en-US"/>
           </a:p>
@@ -2822,10 +3055,9 @@
           <a:lstStyle/>
           <a:p>
             <a:r>
-              <a:rPr lang="en-US" smtClean="0"/>
+              <a:rPr lang="en-US"/>
               <a:t>Click to edit Master title style</a:t>
             </a:r>
-            <a:endParaRPr lang="en-US"/>
           </a:p>
         </p:txBody>
       </p:sp>
@@ -2856,38 +3088,37 @@
           <a:p>
             <a:pPr lvl="0"/>
             <a:r>
-              <a:rPr lang="en-US" smtClean="0"/>
+              <a:rPr lang="en-US"/>
               <a:t>Click to edit Master text styles</a:t>
             </a:r>
           </a:p>
           <a:p>
             <a:pPr lvl="1"/>
             <a:r>
-              <a:rPr lang="en-US" smtClean="0"/>
+              <a:rPr lang="en-US"/>
               <a:t>Second level</a:t>
             </a:r>
           </a:p>
           <a:p>
             <a:pPr lvl="2"/>
             <a:r>
-              <a:rPr lang="en-US" smtClean="0"/>
+              <a:rPr lang="en-US"/>
               <a:t>Third level</a:t>
             </a:r>
           </a:p>
           <a:p>
             <a:pPr lvl="3"/>
             <a:r>
-              <a:rPr lang="en-US" smtClean="0"/>
+              <a:rPr lang="en-US"/>
               <a:t>Fourth level</a:t>
             </a:r>
           </a:p>
           <a:p>
             <a:pPr lvl="4"/>
             <a:r>
-              <a:rPr lang="en-US" smtClean="0"/>
+              <a:rPr lang="en-US"/>
               <a:t>Fifth level</a:t>
             </a:r>
-            <a:endParaRPr lang="en-US"/>
           </a:p>
         </p:txBody>
       </p:sp>
@@ -2926,7 +3157,7 @@
           <a:p>
             <a:fld id="{13FF81DB-72FD-4E0B-96E8-AA8F3653C4D4}" type="datetimeFigureOut">
               <a:rPr lang="en-US" smtClean="0"/>
-              <a:t>12/30/17</a:t>
+              <a:t>9/11/18</a:t>
             </a:fld>
             <a:endParaRPr lang="en-US"/>
           </a:p>
@@ -3354,34 +3585,13 @@
           <a:lstStyle/>
           <a:p>
             <a:r>
-              <a:rPr lang="en-US" sz="1200" b="1" dirty="0" smtClean="0">
+              <a:rPr lang="en-US" sz="1200" b="1" dirty="0">
                 <a:latin typeface="Arial" charset="0"/>
                 <a:ea typeface="Arial" charset="0"/>
                 <a:cs typeface="Arial" charset="0"/>
               </a:rPr>
-              <a:t>Network graph (updated </a:t>
-            </a:r>
-            <a:r>
-              <a:rPr lang="en-US" sz="1200" b="1" dirty="0" smtClean="0">
-                <a:latin typeface="Arial" charset="0"/>
-                <a:ea typeface="Arial" charset="0"/>
-                <a:cs typeface="Arial" charset="0"/>
-              </a:rPr>
-              <a:t>12/30/2017</a:t>
-            </a:r>
-            <a:r>
-              <a:rPr lang="en-US" sz="1200" b="1" dirty="0" smtClean="0">
-                <a:latin typeface="Arial" charset="0"/>
-                <a:ea typeface="Arial" charset="0"/>
-                <a:cs typeface="Arial" charset="0"/>
-              </a:rPr>
-              <a:t>)</a:t>
-            </a:r>
-            <a:endParaRPr lang="en-US" sz="1200" b="1" dirty="0">
-              <a:latin typeface="Arial" charset="0"/>
-              <a:ea typeface="Arial" charset="0"/>
-              <a:cs typeface="Arial" charset="0"/>
-            </a:endParaRPr>
+              <a:t>Network graph (updated 12/30/2017)</a:t>
+            </a:r>
           </a:p>
         </p:txBody>
       </p:sp>
@@ -3408,32 +3618,31 @@
           <a:lstStyle/>
           <a:p>
             <a:r>
-              <a:rPr lang="en-US" b="1" dirty="0" smtClean="0"/>
+              <a:rPr lang="en-US" b="1" dirty="0"/>
               <a:t>&gt;&gt; cd </a:t>
             </a:r>
             <a:r>
-              <a:rPr lang="en-US" b="1" dirty="0" err="1" smtClean="0"/>
+              <a:rPr lang="en-US" b="1" dirty="0" err="1"/>
               <a:t>fluocell</a:t>
             </a:r>
             <a:r>
-              <a:rPr lang="en-US" b="1" dirty="0" smtClean="0"/>
+              <a:rPr lang="en-US" b="1" dirty="0"/>
               <a:t>-current/app/model/</a:t>
             </a:r>
           </a:p>
           <a:p>
             <a:r>
-              <a:rPr lang="en-US" b="1" dirty="0" smtClean="0"/>
+              <a:rPr lang="en-US" b="1" dirty="0"/>
               <a:t>&gt;&gt; </a:t>
             </a:r>
             <a:r>
-              <a:rPr lang="en-US" b="1" dirty="0" err="1" smtClean="0"/>
+              <a:rPr lang="en-US" b="1" dirty="0" err="1"/>
               <a:t>test_pm_model</a:t>
             </a:r>
             <a:r>
-              <a:rPr lang="en-US" b="1" dirty="0" smtClean="0"/>
+              <a:rPr lang="en-US" b="1" dirty="0"/>
               <a:t>(’test4');</a:t>
             </a:r>
-            <a:endParaRPr lang="en-US" b="1" dirty="0"/>
           </a:p>
         </p:txBody>
       </p:sp>
@@ -3586,18 +3795,13 @@
                 <a:p>
                   <a:pPr algn="ctr"/>
                   <a:r>
-                    <a:rPr lang="en-US" sz="1200" b="1" dirty="0" smtClean="0">
+                    <a:rPr lang="en-US" sz="1200" b="1" dirty="0">
                       <a:latin typeface="Arial" charset="0"/>
                       <a:ea typeface="Arial" charset="0"/>
                       <a:cs typeface="Arial" charset="0"/>
                     </a:rPr>
                     <a:t>MT</a:t>
                   </a:r>
-                  <a:endParaRPr lang="en-US" sz="1200" b="1" dirty="0">
-                    <a:latin typeface="Arial" charset="0"/>
-                    <a:ea typeface="Arial" charset="0"/>
-                    <a:cs typeface="Arial" charset="0"/>
-                  </a:endParaRPr>
                 </a:p>
               </p:txBody>
             </p:sp>
@@ -3730,18 +3934,13 @@
                 <a:p>
                   <a:pPr algn="ctr"/>
                   <a:r>
-                    <a:rPr lang="en-US" sz="1200" b="1" dirty="0" smtClean="0">
+                    <a:rPr lang="en-US" sz="1200" b="1" dirty="0">
                       <a:latin typeface="Arial" charset="0"/>
                       <a:ea typeface="Arial" charset="0"/>
                       <a:cs typeface="Arial" charset="0"/>
                     </a:rPr>
                     <a:t>H3K9M</a:t>
                   </a:r>
-                  <a:endParaRPr lang="en-US" sz="1200" b="1" dirty="0">
-                    <a:latin typeface="Arial" charset="0"/>
-                    <a:ea typeface="Arial" charset="0"/>
-                    <a:cs typeface="Arial" charset="0"/>
-                  </a:endParaRPr>
                 </a:p>
               </p:txBody>
             </p:sp>
@@ -3873,18 +4072,13 @@
                 <a:p>
                   <a:pPr algn="ctr"/>
                   <a:r>
-                    <a:rPr lang="en-US" sz="1200" b="1" dirty="0" smtClean="0">
+                    <a:rPr lang="en-US" sz="1200" b="1" dirty="0">
                       <a:latin typeface="Arial" charset="0"/>
                       <a:ea typeface="Arial" charset="0"/>
                       <a:cs typeface="Arial" charset="0"/>
                     </a:rPr>
                     <a:t>KDM</a:t>
                   </a:r>
-                  <a:endParaRPr lang="en-US" sz="1200" b="1" dirty="0">
-                    <a:latin typeface="Arial" charset="0"/>
-                    <a:ea typeface="Arial" charset="0"/>
-                    <a:cs typeface="Arial" charset="0"/>
-                  </a:endParaRPr>
                 </a:p>
               </p:txBody>
             </p:sp>
@@ -4015,18 +4209,13 @@
                 <a:p>
                   <a:pPr algn="ctr"/>
                   <a:r>
-                    <a:rPr lang="en-US" sz="1200" b="1" dirty="0" smtClean="0">
+                    <a:rPr lang="en-US" sz="1200" b="1" dirty="0">
                       <a:latin typeface="Arial" charset="0"/>
                       <a:ea typeface="Arial" charset="0"/>
                       <a:cs typeface="Arial" charset="0"/>
                     </a:rPr>
                     <a:t>H3S10P</a:t>
                   </a:r>
-                  <a:endParaRPr lang="en-US" sz="1200" b="1" dirty="0">
-                    <a:latin typeface="Arial" charset="0"/>
-                    <a:ea typeface="Arial" charset="0"/>
-                    <a:cs typeface="Arial" charset="0"/>
-                  </a:endParaRPr>
                 </a:p>
               </p:txBody>
             </p:sp>
@@ -4246,18 +4435,13 @@
                 <a:p>
                   <a:pPr algn="ctr"/>
                   <a:r>
-                    <a:rPr lang="en-US" sz="1200" b="1" dirty="0" smtClean="0">
+                    <a:rPr lang="en-US" sz="1200" b="1" dirty="0">
                       <a:latin typeface="Arial" charset="0"/>
                       <a:ea typeface="Arial" charset="0"/>
                       <a:cs typeface="Arial" charset="0"/>
                     </a:rPr>
                     <a:t>Kinase</a:t>
                   </a:r>
-                  <a:endParaRPr lang="en-US" sz="1200" b="1" dirty="0">
-                    <a:latin typeface="Arial" charset="0"/>
-                    <a:ea typeface="Arial" charset="0"/>
-                    <a:cs typeface="Arial" charset="0"/>
-                  </a:endParaRPr>
                 </a:p>
               </p:txBody>
             </p:sp>
@@ -4384,18 +4568,13 @@
                 <a:p>
                   <a:pPr algn="ctr"/>
                   <a:r>
-                    <a:rPr lang="en-US" sz="1200" b="1" dirty="0" smtClean="0">
+                    <a:rPr lang="en-US" sz="1200" b="1" dirty="0">
                       <a:latin typeface="Arial" charset="0"/>
                       <a:ea typeface="Arial" charset="0"/>
                       <a:cs typeface="Arial" charset="0"/>
                     </a:rPr>
                     <a:t>PTP</a:t>
                   </a:r>
-                  <a:endParaRPr lang="en-US" sz="1200" b="1" dirty="0">
-                    <a:latin typeface="Arial" charset="0"/>
-                    <a:ea typeface="Arial" charset="0"/>
-                    <a:cs typeface="Arial" charset="0"/>
-                  </a:endParaRPr>
                 </a:p>
               </p:txBody>
             </p:sp>
@@ -4787,7 +4966,7 @@
           <p:nvPr/>
         </p:nvPicPr>
         <p:blipFill>
-          <a:blip r:embed="rId2"/>
+          <a:blip r:embed="rId3"/>
           <a:stretch>
             <a:fillRect/>
           </a:stretch>
@@ -4811,7 +4990,7 @@
           <p:nvPr/>
         </p:nvPicPr>
         <p:blipFill>
-          <a:blip r:embed="rId3"/>
+          <a:blip r:embed="rId4"/>
           <a:stretch>
             <a:fillRect/>
           </a:stretch>
@@ -4835,7 +5014,7 @@
           <p:nvPr/>
         </p:nvPicPr>
         <p:blipFill>
-          <a:blip r:embed="rId4"/>
+          <a:blip r:embed="rId5"/>
           <a:stretch>
             <a:fillRect/>
           </a:stretch>
@@ -4858,8 +5037,8 @@
         </p:nvSpPr>
         <p:spPr>
           <a:xfrm>
-            <a:off x="214169" y="532834"/>
-            <a:ext cx="2657368" cy="923330"/>
+            <a:off x="214168" y="532834"/>
+            <a:ext cx="2836929" cy="1477328"/>
           </a:xfrm>
           <a:prstGeom prst="rect">
             <a:avLst/>
@@ -4874,15 +5053,29 @@
           <a:p>
             <a:r>
               <a:rPr lang="en-US" dirty="0"/>
-              <a:t>&gt;&gt; </a:t>
-            </a:r>
-            <a:r>
-              <a:rPr lang="en-US" dirty="0" err="1" smtClean="0"/>
-              <a:t>test_pm_model</a:t>
+              <a:t>&gt;&gt; data = </a:t>
+            </a:r>
+            <a:r>
+              <a:rPr lang="en-US" dirty="0" err="1"/>
+              <a:t>model_init_data</a:t>
             </a:r>
             <a:r>
               <a:rPr lang="en-US" dirty="0"/>
-              <a:t>('test5', '</a:t>
+              <a:t>('model2');</a:t>
+            </a:r>
+          </a:p>
+          <a:p>
+            <a:r>
+              <a:rPr lang="en-US" dirty="0"/>
+              <a:t>&gt;&gt; res = </a:t>
+            </a:r>
+            <a:r>
+              <a:rPr lang="en-US" dirty="0" err="1"/>
+              <a:t>phospho_methyl_model</a:t>
+            </a:r>
+            <a:r>
+              <a:rPr lang="en-US" dirty="0"/>
+              <a:t>(data, 'b',1, '</a:t>
             </a:r>
             <a:r>
               <a:rPr lang="en-US" dirty="0" err="1"/>
@@ -4890,19 +5083,8 @@
             </a:r>
             <a:r>
               <a:rPr lang="en-US" dirty="0"/>
-              <a:t>', 1</a:t>
-            </a:r>
-            <a:r>
-              <a:rPr lang="en-US" dirty="0" smtClean="0"/>
-              <a:t>);</a:t>
-            </a:r>
-          </a:p>
-          <a:p>
-            <a:r>
-              <a:rPr lang="en-US" dirty="0" smtClean="0"/>
-              <a:t>% uses model2</a:t>
-            </a:r>
-            <a:endParaRPr lang="en-US" dirty="0"/>
+              <a:t>', 1);</a:t>
+            </a:r>
           </a:p>
         </p:txBody>
       </p:sp>
@@ -4943,7 +5125,7 @@
               <p:nvPr/>
             </p:nvPicPr>
             <p:blipFill rotWithShape="1">
-              <a:blip r:embed="rId5"/>
+              <a:blip r:embed="rId6"/>
               <a:srcRect l="11295" t="6324" r="11950" b="9944"/>
               <a:stretch/>
             </p:blipFill>
@@ -4995,7 +5177,7 @@
                 <a:p>
                   <a:pPr algn="ctr"/>
                   <a:r>
-                    <a:rPr lang="en-US" sz="1200" b="1" dirty="0" smtClean="0">
+                    <a:rPr lang="en-US" sz="1200" b="1" dirty="0">
                       <a:latin typeface="Arial" charset="0"/>
                       <a:ea typeface="Arial" charset="0"/>
                       <a:cs typeface="Arial" charset="0"/>
@@ -5003,7 +5185,7 @@
                     <a:t>Signal Matrix (min</a:t>
                   </a:r>
                   <a:r>
-                    <a:rPr lang="en-US" sz="1200" b="1" baseline="30000" dirty="0" smtClean="0">
+                    <a:rPr lang="en-US" sz="1200" b="1" baseline="30000" dirty="0">
                       <a:latin typeface="Arial" charset="0"/>
                       <a:ea typeface="Arial" charset="0"/>
                       <a:cs typeface="Arial" charset="0"/>
@@ -5011,18 +5193,13 @@
                     <a:t>-1</a:t>
                   </a:r>
                   <a:r>
-                    <a:rPr lang="en-US" sz="1200" b="1" dirty="0" smtClean="0">
+                    <a:rPr lang="en-US" sz="1200" b="1" dirty="0">
                       <a:latin typeface="Arial" charset="0"/>
                       <a:ea typeface="Arial" charset="0"/>
                       <a:cs typeface="Arial" charset="0"/>
                     </a:rPr>
                     <a:t>)</a:t>
                   </a:r>
-                  <a:endParaRPr lang="en-US" sz="1200" b="1" dirty="0">
-                    <a:latin typeface="Arial" charset="0"/>
-                    <a:ea typeface="Arial" charset="0"/>
-                    <a:cs typeface="Arial" charset="0"/>
-                  </a:endParaRPr>
                 </a:p>
               </p:txBody>
             </p:sp>
@@ -5054,7 +5231,7 @@
                     </a:lnSpc>
                   </a:pPr>
                   <a:r>
-                    <a:rPr lang="en-US" sz="1200" b="1" dirty="0" smtClean="0">
+                    <a:rPr lang="en-US" sz="1200" b="1" dirty="0">
                       <a:latin typeface="Arial" charset="0"/>
                       <a:ea typeface="Arial" charset="0"/>
                       <a:cs typeface="Arial" charset="0"/>
@@ -5069,7 +5246,7 @@
                     </a:lnSpc>
                   </a:pPr>
                   <a:r>
-                    <a:rPr lang="en-US" sz="1200" b="1" dirty="0" smtClean="0">
+                    <a:rPr lang="en-US" sz="1200" b="1" dirty="0">
                       <a:latin typeface="Arial" charset="0"/>
                       <a:ea typeface="Arial" charset="0"/>
                       <a:cs typeface="Arial" charset="0"/>
@@ -5084,7 +5261,7 @@
                     </a:lnSpc>
                   </a:pPr>
                   <a:r>
-                    <a:rPr lang="en-US" sz="1200" b="1" dirty="0" smtClean="0">
+                    <a:rPr lang="en-US" sz="1200" b="1" dirty="0">
                       <a:latin typeface="Arial" charset="0"/>
                       <a:ea typeface="Arial" charset="0"/>
                       <a:cs typeface="Arial" charset="0"/>
@@ -5099,7 +5276,7 @@
                     </a:lnSpc>
                   </a:pPr>
                   <a:r>
-                    <a:rPr lang="en-US" sz="1200" b="1" dirty="0" smtClean="0">
+                    <a:rPr lang="en-US" sz="1200" b="1" dirty="0">
                       <a:latin typeface="Arial" charset="0"/>
                       <a:ea typeface="Arial" charset="0"/>
                       <a:cs typeface="Arial" charset="0"/>
@@ -5114,7 +5291,7 @@
                     </a:lnSpc>
                   </a:pPr>
                   <a:r>
-                    <a:rPr lang="en-US" sz="1200" b="1" dirty="0" smtClean="0">
+                    <a:rPr lang="en-US" sz="1200" b="1" dirty="0">
                       <a:latin typeface="Arial" charset="0"/>
                       <a:ea typeface="Arial" charset="0"/>
                       <a:cs typeface="Arial" charset="0"/>
@@ -5129,18 +5306,13 @@
                     </a:lnSpc>
                   </a:pPr>
                   <a:r>
-                    <a:rPr lang="en-US" sz="1200" b="1" dirty="0" smtClean="0">
+                    <a:rPr lang="en-US" sz="1200" b="1" dirty="0">
                       <a:latin typeface="Arial" charset="0"/>
                       <a:ea typeface="Arial" charset="0"/>
                       <a:cs typeface="Arial" charset="0"/>
                     </a:rPr>
                     <a:t>KDM</a:t>
                   </a:r>
-                  <a:endParaRPr lang="en-US" sz="1200" b="1" dirty="0">
-                    <a:latin typeface="Arial" charset="0"/>
-                    <a:ea typeface="Arial" charset="0"/>
-                    <a:cs typeface="Arial" charset="0"/>
-                  </a:endParaRPr>
                 </a:p>
               </p:txBody>
             </p:sp>
@@ -5172,7 +5344,7 @@
                     </a:lnSpc>
                   </a:pPr>
                   <a:r>
-                    <a:rPr lang="en-US" sz="1200" b="1" dirty="0" smtClean="0">
+                    <a:rPr lang="en-US" sz="1200" b="1" dirty="0">
                       <a:latin typeface="Arial" charset="0"/>
                       <a:ea typeface="Arial" charset="0"/>
                       <a:cs typeface="Arial" charset="0"/>
@@ -5187,7 +5359,7 @@
                     </a:lnSpc>
                   </a:pPr>
                   <a:r>
-                    <a:rPr lang="en-US" sz="1200" b="1" dirty="0" smtClean="0">
+                    <a:rPr lang="en-US" sz="1200" b="1" dirty="0">
                       <a:latin typeface="Arial" charset="0"/>
                       <a:ea typeface="Arial" charset="0"/>
                       <a:cs typeface="Arial" charset="0"/>
@@ -5202,7 +5374,7 @@
                     </a:lnSpc>
                   </a:pPr>
                   <a:r>
-                    <a:rPr lang="en-US" sz="1200" b="1" dirty="0" smtClean="0">
+                    <a:rPr lang="en-US" sz="1200" b="1" dirty="0">
                       <a:latin typeface="Arial" charset="0"/>
                       <a:ea typeface="Arial" charset="0"/>
                       <a:cs typeface="Arial" charset="0"/>
@@ -5217,7 +5389,7 @@
                     </a:lnSpc>
                   </a:pPr>
                   <a:r>
-                    <a:rPr lang="en-US" sz="1200" b="1" dirty="0" smtClean="0">
+                    <a:rPr lang="en-US" sz="1200" b="1" dirty="0">
                       <a:latin typeface="Arial" charset="0"/>
                       <a:ea typeface="Arial" charset="0"/>
                       <a:cs typeface="Arial" charset="0"/>
@@ -5232,7 +5404,7 @@
                     </a:lnSpc>
                   </a:pPr>
                   <a:r>
-                    <a:rPr lang="en-US" sz="1200" b="1" dirty="0" smtClean="0">
+                    <a:rPr lang="en-US" sz="1200" b="1" dirty="0">
                       <a:latin typeface="Arial" charset="0"/>
                       <a:ea typeface="Arial" charset="0"/>
                       <a:cs typeface="Arial" charset="0"/>
@@ -5247,18 +5419,13 @@
                     </a:lnSpc>
                   </a:pPr>
                   <a:r>
-                    <a:rPr lang="en-US" sz="1200" b="1" dirty="0" smtClean="0">
+                    <a:rPr lang="en-US" sz="1200" b="1" dirty="0">
                       <a:latin typeface="Arial" charset="0"/>
                       <a:ea typeface="Arial" charset="0"/>
                       <a:cs typeface="Arial" charset="0"/>
                     </a:rPr>
                     <a:t>KDM</a:t>
                   </a:r>
-                  <a:endParaRPr lang="en-US" sz="1200" b="1" dirty="0">
-                    <a:latin typeface="Arial" charset="0"/>
-                    <a:ea typeface="Arial" charset="0"/>
-                    <a:cs typeface="Arial" charset="0"/>
-                  </a:endParaRPr>
                 </a:p>
               </p:txBody>
             </p:sp>
@@ -5285,7 +5452,7 @@
                 <a:lstStyle/>
                 <a:p>
                   <a:r>
-                    <a:rPr lang="en-US" sz="1200" b="1" dirty="0" smtClean="0">
+                    <a:rPr lang="en-US" sz="1200" b="1" dirty="0">
                       <a:solidFill>
                         <a:schemeClr val="bg1"/>
                       </a:solidFill>
@@ -5295,14 +5462,6 @@
                     </a:rPr>
                     <a:t>1.7  -1.7 </a:t>
                   </a:r>
-                  <a:endParaRPr lang="en-US" sz="1200" b="1" dirty="0">
-                    <a:solidFill>
-                      <a:schemeClr val="bg1"/>
-                    </a:solidFill>
-                    <a:latin typeface="Arial" charset="0"/>
-                    <a:ea typeface="Arial" charset="0"/>
-                    <a:cs typeface="Arial" charset="0"/>
-                  </a:endParaRPr>
                 </a:p>
               </p:txBody>
             </p:sp>
@@ -5329,7 +5488,7 @@
                 <a:lstStyle/>
                 <a:p>
                   <a:r>
-                    <a:rPr lang="en-US" sz="1200" b="1" smtClean="0">
+                    <a:rPr lang="en-US" sz="1200" b="1">
                       <a:solidFill>
                         <a:schemeClr val="bg1"/>
                       </a:solidFill>
@@ -5340,7 +5499,7 @@
                     <a:t>1.3  -</a:t>
                   </a:r>
                   <a:r>
-                    <a:rPr lang="en-US" sz="1200" b="1" dirty="0" smtClean="0">
+                    <a:rPr lang="en-US" sz="1200" b="1" dirty="0">
                       <a:solidFill>
                         <a:schemeClr val="bg1"/>
                       </a:solidFill>
@@ -5350,14 +5509,6 @@
                     </a:rPr>
                     <a:t>1.3</a:t>
                   </a:r>
-                  <a:endParaRPr lang="en-US" sz="1200" b="1" dirty="0">
-                    <a:solidFill>
-                      <a:schemeClr val="bg1"/>
-                    </a:solidFill>
-                    <a:latin typeface="Arial" charset="0"/>
-                    <a:ea typeface="Arial" charset="0"/>
-                    <a:cs typeface="Arial" charset="0"/>
-                  </a:endParaRPr>
                 </a:p>
               </p:txBody>
             </p:sp>
@@ -5384,7 +5535,7 @@
                 <a:lstStyle/>
                 <a:p>
                   <a:r>
-                    <a:rPr lang="en-US" sz="1200" b="1" dirty="0" smtClean="0">
+                    <a:rPr lang="en-US" sz="1200" b="1" dirty="0">
                       <a:latin typeface="Arial" charset="0"/>
                       <a:ea typeface="Arial" charset="0"/>
                       <a:cs typeface="Arial" charset="0"/>
@@ -5393,7 +5544,7 @@
                   </a:r>
                 </a:p>
                 <a:p>
-                  <a:endParaRPr lang="en-US" sz="1200" b="1" dirty="0" smtClean="0">
+                  <a:endParaRPr lang="en-US" sz="1200" b="1" dirty="0">
                     <a:latin typeface="Arial" charset="0"/>
                     <a:ea typeface="Arial" charset="0"/>
                     <a:cs typeface="Arial" charset="0"/>
@@ -5407,7 +5558,7 @@
                   </a:endParaRPr>
                 </a:p>
                 <a:p>
-                  <a:endParaRPr lang="en-US" sz="1200" b="1" dirty="0" smtClean="0">
+                  <a:endParaRPr lang="en-US" sz="1200" b="1" dirty="0">
                     <a:latin typeface="Arial" charset="0"/>
                     <a:ea typeface="Arial" charset="0"/>
                     <a:cs typeface="Arial" charset="0"/>
@@ -5415,7 +5566,7 @@
                 </a:p>
                 <a:p>
                   <a:r>
-                    <a:rPr lang="en-US" sz="1200" b="1" dirty="0" smtClean="0">
+                    <a:rPr lang="en-US" sz="1200" b="1" dirty="0">
                       <a:latin typeface="Arial" charset="0"/>
                       <a:ea typeface="Arial" charset="0"/>
                       <a:cs typeface="Arial" charset="0"/>
@@ -5431,7 +5582,7 @@
                   </a:endParaRPr>
                 </a:p>
                 <a:p>
-                  <a:endParaRPr lang="en-US" sz="1200" b="1" dirty="0" smtClean="0">
+                  <a:endParaRPr lang="en-US" sz="1200" b="1" dirty="0">
                     <a:latin typeface="Arial" charset="0"/>
                     <a:ea typeface="Arial" charset="0"/>
                     <a:cs typeface="Arial" charset="0"/>
@@ -5445,7 +5596,7 @@
                   </a:endParaRPr>
                 </a:p>
                 <a:p>
-                  <a:endParaRPr lang="en-US" sz="1200" b="1" dirty="0" smtClean="0">
+                  <a:endParaRPr lang="en-US" sz="1200" b="1" dirty="0">
                     <a:latin typeface="Arial" charset="0"/>
                     <a:ea typeface="Arial" charset="0"/>
                     <a:cs typeface="Arial" charset="0"/>
@@ -5453,18 +5604,13 @@
                 </a:p>
                 <a:p>
                   <a:r>
-                    <a:rPr lang="en-US" sz="1200" b="1" dirty="0" smtClean="0">
+                    <a:rPr lang="en-US" sz="1200" b="1" dirty="0">
                       <a:latin typeface="Arial" charset="0"/>
                       <a:ea typeface="Arial" charset="0"/>
                       <a:cs typeface="Arial" charset="0"/>
                     </a:rPr>
                     <a:t>-.01</a:t>
                   </a:r>
-                  <a:endParaRPr lang="en-US" sz="1200" b="1" dirty="0">
-                    <a:latin typeface="Arial" charset="0"/>
-                    <a:ea typeface="Arial" charset="0"/>
-                    <a:cs typeface="Arial" charset="0"/>
-                  </a:endParaRPr>
                 </a:p>
               </p:txBody>
             </p:sp>
@@ -5497,7 +5643,7 @@
                   </a:lnSpc>
                 </a:pPr>
                 <a:r>
-                  <a:rPr lang="en-US" sz="1100" b="1" dirty="0" smtClean="0">
+                  <a:rPr lang="en-US" sz="1100" b="1" dirty="0">
                     <a:latin typeface="Arial" charset="0"/>
                     <a:ea typeface="Arial" charset="0"/>
                     <a:cs typeface="Arial" charset="0"/>
@@ -5524,18 +5670,13 @@
                   </a:lnSpc>
                 </a:pPr>
                 <a:r>
-                  <a:rPr lang="en-US" sz="1100" b="1" dirty="0" smtClean="0">
+                  <a:rPr lang="en-US" sz="1100" b="1" dirty="0">
                     <a:latin typeface="Arial" charset="0"/>
                     <a:ea typeface="Arial" charset="0"/>
                     <a:cs typeface="Arial" charset="0"/>
                   </a:rPr>
                   <a:t>5e-3</a:t>
                 </a:r>
-                <a:endParaRPr lang="en-US" sz="1100" b="1" dirty="0">
-                  <a:latin typeface="Arial" charset="0"/>
-                  <a:ea typeface="Arial" charset="0"/>
-                  <a:cs typeface="Arial" charset="0"/>
-                </a:endParaRPr>
               </a:p>
             </p:txBody>
           </p:sp>
@@ -6342,13 +6483,16 @@
         <p:cxnSp>
           <p:nvCxnSpPr>
             <p:cNvPr id="44" name="Straight Arrow Connector 43"/>
-            <p:cNvCxnSpPr/>
+            <p:cNvCxnSpPr>
+              <a:cxnSpLocks/>
+              <a:stCxn id="76" idx="0"/>
+            </p:cNvCxnSpPr>
             <p:nvPr/>
           </p:nvCxnSpPr>
           <p:spPr>
             <a:xfrm flipV="1">
-              <a:off x="6493546" y="1348287"/>
-              <a:ext cx="2186" cy="785192"/>
+              <a:off x="6486683" y="1348287"/>
+              <a:ext cx="9049" cy="725278"/>
             </a:xfrm>
             <a:prstGeom prst="straightConnector1">
               <a:avLst/>
@@ -6360,7 +6504,7 @@
                   <a:lumOff val="35000"/>
                 </a:schemeClr>
               </a:solidFill>
-              <a:headEnd type="oval" w="lg" len="lg"/>
+              <a:headEnd type="none" w="lg" len="lg"/>
               <a:tailEnd type="none" w="lg" len="lg"/>
             </a:ln>
           </p:spPr>
@@ -6813,6 +6957,59 @@
           </p:style>
         </p:cxnSp>
       </p:grpSp>
+      <p:sp>
+        <p:nvSpPr>
+          <p:cNvPr id="76" name="Oval 75">
+            <a:extLst>
+              <a:ext uri="{FF2B5EF4-FFF2-40B4-BE49-F238E27FC236}">
+                <a16:creationId xmlns:a16="http://schemas.microsoft.com/office/drawing/2014/main" id="{8BC3947B-DE8B-C349-A3A0-95B82574A880}"/>
+              </a:ext>
+            </a:extLst>
+          </p:cNvPr>
+          <p:cNvSpPr/>
+          <p:nvPr/>
+        </p:nvSpPr>
+        <p:spPr>
+          <a:xfrm>
+            <a:off x="10076723" y="2408909"/>
+            <a:ext cx="118872" cy="118872"/>
+          </a:xfrm>
+          <a:prstGeom prst="ellipse">
+            <a:avLst/>
+          </a:prstGeom>
+          <a:noFill/>
+          <a:ln w="19050">
+            <a:solidFill>
+              <a:schemeClr val="tx1">
+                <a:lumMod val="65000"/>
+                <a:lumOff val="35000"/>
+              </a:schemeClr>
+            </a:solidFill>
+          </a:ln>
+        </p:spPr>
+        <p:style>
+          <a:lnRef idx="1">
+            <a:schemeClr val="accent1"/>
+          </a:lnRef>
+          <a:fillRef idx="3">
+            <a:schemeClr val="accent1"/>
+          </a:fillRef>
+          <a:effectRef idx="2">
+            <a:schemeClr val="accent1"/>
+          </a:effectRef>
+          <a:fontRef idx="minor">
+            <a:schemeClr val="lt1"/>
+          </a:fontRef>
+        </p:style>
+        <p:txBody>
+          <a:bodyPr rtlCol="0" anchor="ctr"/>
+          <a:lstStyle/>
+          <a:p>
+            <a:pPr algn="ctr"/>
+            <a:endParaRPr lang="en-US"/>
+          </a:p>
+        </p:txBody>
+      </p:sp>
     </p:spTree>
     <p:extLst>
       <p:ext uri="{BB962C8B-B14F-4D97-AF65-F5344CB8AC3E}">
@@ -6823,13 +7020,110 @@
   <p:clrMapOvr>
     <a:masterClrMapping/>
   </p:clrMapOvr>
-  <p:timing>
-    <p:tnLst>
-      <p:par>
-        <p:cTn id="1" dur="indefinite" restart="never" nodeType="tmRoot"/>
-      </p:par>
-    </p:tnLst>
-  </p:timing>
+</p:sld>
+</file>
+
+<file path=ppt/slides/slide11.xml><?xml version="1.0" encoding="utf-8"?>
+<p:sld xmlns:a="http://schemas.openxmlformats.org/drawingml/2006/main" xmlns:r="http://schemas.openxmlformats.org/officeDocument/2006/relationships" xmlns:p="http://schemas.openxmlformats.org/presentationml/2006/main">
+  <p:cSld>
+    <p:spTree>
+      <p:nvGrpSpPr>
+        <p:cNvPr id="1" name=""/>
+        <p:cNvGrpSpPr/>
+        <p:nvPr/>
+      </p:nvGrpSpPr>
+      <p:grpSpPr>
+        <a:xfrm>
+          <a:off x="0" y="0"/>
+          <a:ext cx="0" cy="0"/>
+          <a:chOff x="0" y="0"/>
+          <a:chExt cx="0" cy="0"/>
+        </a:xfrm>
+      </p:grpSpPr>
+      <p:pic>
+        <p:nvPicPr>
+          <p:cNvPr id="2" name="Picture 1">
+            <a:extLst>
+              <a:ext uri="{FF2B5EF4-FFF2-40B4-BE49-F238E27FC236}">
+                <a16:creationId xmlns:a16="http://schemas.microsoft.com/office/drawing/2014/main" id="{F1EB5A55-5722-6341-BD17-0753B162349B}"/>
+              </a:ext>
+            </a:extLst>
+          </p:cNvPr>
+          <p:cNvPicPr>
+            <a:picLocks noChangeAspect="1"/>
+          </p:cNvPicPr>
+          <p:nvPr/>
+        </p:nvPicPr>
+        <p:blipFill>
+          <a:blip r:embed="rId2"/>
+          <a:stretch>
+            <a:fillRect/>
+          </a:stretch>
+        </p:blipFill>
+        <p:spPr>
+          <a:xfrm>
+            <a:off x="1740004" y="2341381"/>
+            <a:ext cx="7632700" cy="4064000"/>
+          </a:xfrm>
+          <a:prstGeom prst="rect">
+            <a:avLst/>
+          </a:prstGeom>
+        </p:spPr>
+      </p:pic>
+      <p:sp>
+        <p:nvSpPr>
+          <p:cNvPr id="3" name="TextBox 2">
+            <a:extLst>
+              <a:ext uri="{FF2B5EF4-FFF2-40B4-BE49-F238E27FC236}">
+                <a16:creationId xmlns:a16="http://schemas.microsoft.com/office/drawing/2014/main" id="{752383F2-4C7C-184E-86D5-749A4CC23A50}"/>
+              </a:ext>
+            </a:extLst>
+          </p:cNvPr>
+          <p:cNvSpPr txBox="1"/>
+          <p:nvPr/>
+        </p:nvSpPr>
+        <p:spPr>
+          <a:xfrm>
+            <a:off x="989351" y="329784"/>
+            <a:ext cx="9458793" cy="1477328"/>
+          </a:xfrm>
+          <a:prstGeom prst="rect">
+            <a:avLst/>
+          </a:prstGeom>
+          <a:noFill/>
+        </p:spPr>
+        <p:txBody>
+          <a:bodyPr wrap="square" rtlCol="0">
+            <a:spAutoFit/>
+          </a:bodyPr>
+          <a:lstStyle/>
+          <a:p>
+            <a:r>
+              <a:rPr lang="en-US" dirty="0"/>
+              <a:t>In the image, 1. slow phosphor ; 2. demethylation ; 3. phosphor increase (due to envelope melt and increase of kinase). </a:t>
+            </a:r>
+          </a:p>
+          <a:p>
+            <a:endParaRPr lang="en-US" dirty="0"/>
+          </a:p>
+          <a:p>
+            <a:r>
+              <a:rPr lang="en-US" dirty="0"/>
+              <a:t>We need to add an additional trigger into this model. Trigger 1 causes demethylation; trigger 2 causes fast phosphorylation; 3. coming down in 2 phases.  </a:t>
+            </a:r>
+          </a:p>
+        </p:txBody>
+      </p:sp>
+    </p:spTree>
+    <p:extLst>
+      <p:ext uri="{BB962C8B-B14F-4D97-AF65-F5344CB8AC3E}">
+        <p14:creationId xmlns:p14="http://schemas.microsoft.com/office/powerpoint/2010/main" val="1284740155"/>
+      </p:ext>
+    </p:extLst>
+  </p:cSld>
+  <p:clrMapOvr>
+    <a:masterClrMapping/>
+  </p:clrMapOvr>
 </p:sld>
 </file>
 
@@ -6873,41 +7167,37 @@
           <a:lstStyle/>
           <a:p>
             <a:r>
-              <a:rPr lang="en-US" dirty="0" smtClean="0"/>
+              <a:rPr lang="en-US" dirty="0"/>
               <a:t>&gt;&gt; data = </a:t>
             </a:r>
             <a:r>
-              <a:rPr lang="en-US" dirty="0" err="1" smtClean="0"/>
+              <a:rPr lang="en-US" dirty="0" err="1"/>
               <a:t>model_init_data</a:t>
             </a:r>
             <a:r>
               <a:rPr lang="en-US" dirty="0"/>
-              <a:t>('</a:t>
-            </a:r>
-            <a:r>
-              <a:rPr lang="en-US" dirty="0" smtClean="0"/>
-              <a:t>test5');</a:t>
-            </a:r>
-          </a:p>
-          <a:p>
-            <a:r>
-              <a:rPr lang="en-US" dirty="0" smtClean="0"/>
+              <a:t>(‘model2');</a:t>
+            </a:r>
+          </a:p>
+          <a:p>
+            <a:r>
+              <a:rPr lang="en-US" dirty="0"/>
               <a:t>&gt;&gt; res = </a:t>
             </a:r>
             <a:r>
-              <a:rPr lang="en-US" dirty="0" err="1" smtClean="0"/>
+              <a:rPr lang="en-US" dirty="0" err="1"/>
               <a:t>phospho_methyl_model</a:t>
             </a:r>
             <a:r>
-              <a:rPr lang="en-US" dirty="0" smtClean="0"/>
+              <a:rPr lang="en-US" dirty="0"/>
               <a:t>(data, 'b',1, '</a:t>
             </a:r>
             <a:r>
-              <a:rPr lang="en-US" dirty="0" err="1" smtClean="0"/>
+              <a:rPr lang="en-US" dirty="0" err="1"/>
               <a:t>show_figure</a:t>
             </a:r>
             <a:r>
-              <a:rPr lang="en-US" dirty="0" smtClean="0"/>
+              <a:rPr lang="en-US" dirty="0"/>
               <a:t>', 1);</a:t>
             </a:r>
           </a:p>
@@ -6936,62 +7226,62 @@
           <a:lstStyle/>
           <a:p>
             <a:r>
-              <a:rPr lang="en-US" dirty="0" smtClean="0"/>
+              <a:rPr lang="en-US" dirty="0"/>
               <a:t>% The </a:t>
             </a:r>
             <a:r>
-              <a:rPr lang="en-US" dirty="0" err="1" smtClean="0"/>
+              <a:rPr lang="en-US" dirty="0" err="1"/>
               <a:t>state_variable</a:t>
             </a:r>
             <a:r>
-              <a:rPr lang="en-US" dirty="0" smtClean="0"/>
+              <a:rPr lang="en-US" dirty="0"/>
               <a:t> </a:t>
             </a:r>
           </a:p>
           <a:p>
             <a:r>
-              <a:rPr lang="en-US" b="1" dirty="0" smtClean="0"/>
+              <a:rPr lang="en-US" b="1" dirty="0"/>
               <a:t>y(:,i+1) = y(:,</a:t>
             </a:r>
             <a:r>
-              <a:rPr lang="en-US" b="1" dirty="0" err="1" smtClean="0"/>
+              <a:rPr lang="en-US" b="1" dirty="0" err="1"/>
               <a:t>i</a:t>
             </a:r>
             <a:r>
-              <a:rPr lang="en-US" b="1" dirty="0" smtClean="0"/>
+              <a:rPr lang="en-US" b="1" dirty="0"/>
               <a:t>)+</a:t>
             </a:r>
             <a:r>
-              <a:rPr lang="en-US" b="1" dirty="0" err="1" smtClean="0"/>
+              <a:rPr lang="en-US" b="1" dirty="0" err="1"/>
               <a:t>dt</a:t>
             </a:r>
             <a:r>
-              <a:rPr lang="en-US" b="1" dirty="0" smtClean="0"/>
+              <a:rPr lang="en-US" b="1" dirty="0"/>
               <a:t>*</a:t>
             </a:r>
             <a:r>
-              <a:rPr lang="en-US" b="1" dirty="0" err="1" smtClean="0"/>
+              <a:rPr lang="en-US" b="1" dirty="0" err="1"/>
               <a:t>signal_matrix</a:t>
             </a:r>
             <a:r>
-              <a:rPr lang="en-US" b="1" dirty="0" smtClean="0"/>
+              <a:rPr lang="en-US" b="1" dirty="0"/>
               <a:t>*y(:,</a:t>
             </a:r>
             <a:r>
-              <a:rPr lang="en-US" b="1" dirty="0" err="1" smtClean="0"/>
+              <a:rPr lang="en-US" b="1" dirty="0" err="1"/>
               <a:t>i</a:t>
             </a:r>
             <a:r>
-              <a:rPr lang="en-US" b="1" dirty="0" smtClean="0"/>
+              <a:rPr lang="en-US" b="1" dirty="0"/>
               <a:t>) +c</a:t>
             </a:r>
           </a:p>
           <a:p>
-            <a:endParaRPr lang="en-US" dirty="0" smtClean="0"/>
-          </a:p>
-          <a:p>
-            <a:r>
-              <a:rPr lang="en-US" dirty="0" smtClean="0"/>
+            <a:endParaRPr lang="en-US" dirty="0"/>
+          </a:p>
+          <a:p>
+            <a:r>
+              <a:rPr lang="en-US" dirty="0"/>
               <a:t>%The initial values of y is given by</a:t>
             </a:r>
           </a:p>
@@ -7012,11 +7302,21 @@
             </a:r>
             <a:r>
               <a:rPr lang="en-US" b="1" dirty="0"/>
+              <a:t> = 2000;</a:t>
+            </a:r>
+          </a:p>
+          <a:p>
+            <a:r>
+              <a:rPr lang="en-US" b="1" dirty="0" err="1"/>
+              <a:t>data.base_phosphotase</a:t>
+            </a:r>
+            <a:r>
+              <a:rPr lang="en-US" b="1" dirty="0"/>
               <a:t> = </a:t>
             </a:r>
             <a:r>
-              <a:rPr lang="en-US" b="1" dirty="0" smtClean="0"/>
-              <a:t>2000</a:t>
+              <a:rPr lang="en-US" b="1" dirty="0" err="1"/>
+              <a:t>data.base_kinase</a:t>
             </a:r>
             <a:r>
               <a:rPr lang="en-US" b="1" dirty="0"/>
@@ -7026,25 +7326,6 @@
           <a:p>
             <a:r>
               <a:rPr lang="en-US" b="1" dirty="0" err="1"/>
-              <a:t>data.base_phosphotase</a:t>
-            </a:r>
-            <a:r>
-              <a:rPr lang="en-US" b="1" dirty="0"/>
-              <a:t> = </a:t>
-            </a:r>
-            <a:r>
-              <a:rPr lang="en-US" b="1" dirty="0" err="1" smtClean="0"/>
-              <a:t>data.base_kinase</a:t>
-            </a:r>
-            <a:r>
-              <a:rPr lang="en-US" b="1" dirty="0" smtClean="0"/>
-              <a:t>;</a:t>
-            </a:r>
-            <a:endParaRPr lang="en-US" b="1" dirty="0"/>
-          </a:p>
-          <a:p>
-            <a:r>
-              <a:rPr lang="en-US" b="1" dirty="0" err="1"/>
               <a:t>data.base_methyltransferase</a:t>
             </a:r>
             <a:r>
@@ -7069,13 +7350,8 @@
             </a:r>
             <a:r>
               <a:rPr lang="en-US" b="1" dirty="0"/>
-              <a:t> = 100</a:t>
-            </a:r>
-            <a:r>
-              <a:rPr lang="en-US" b="1" dirty="0" smtClean="0"/>
-              <a:t>;</a:t>
-            </a:r>
-            <a:endParaRPr lang="en-US" b="1" dirty="0"/>
+              <a:t> = 100;</a:t>
+            </a:r>
           </a:p>
         </p:txBody>
       </p:sp>
@@ -7102,7 +7378,7 @@
           <a:lstStyle/>
           <a:p>
             <a:r>
-              <a:rPr lang="en-US" dirty="0" smtClean="0"/>
+              <a:rPr lang="en-US" dirty="0"/>
               <a:t>% y is bounded above and below by</a:t>
             </a:r>
           </a:p>
@@ -7225,7 +7501,7 @@
               <p:nvPr/>
             </p:nvPicPr>
             <p:blipFill rotWithShape="1">
-              <a:blip r:embed="rId2"/>
+              <a:blip r:embed="rId3"/>
               <a:srcRect l="11295" t="6324" r="11950" b="9944"/>
               <a:stretch/>
             </p:blipFill>
@@ -7277,7 +7553,7 @@
                 <a:p>
                   <a:pPr algn="ctr"/>
                   <a:r>
-                    <a:rPr lang="en-US" sz="1200" b="1" dirty="0" smtClean="0">
+                    <a:rPr lang="en-US" sz="1200" b="1" dirty="0">
                       <a:latin typeface="Arial" charset="0"/>
                       <a:ea typeface="Arial" charset="0"/>
                       <a:cs typeface="Arial" charset="0"/>
@@ -7285,7 +7561,7 @@
                     <a:t>Signal Matrix (min</a:t>
                   </a:r>
                   <a:r>
-                    <a:rPr lang="en-US" sz="1200" b="1" baseline="30000" dirty="0" smtClean="0">
+                    <a:rPr lang="en-US" sz="1200" b="1" baseline="30000" dirty="0">
                       <a:latin typeface="Arial" charset="0"/>
                       <a:ea typeface="Arial" charset="0"/>
                       <a:cs typeface="Arial" charset="0"/>
@@ -7293,18 +7569,13 @@
                     <a:t>-1</a:t>
                   </a:r>
                   <a:r>
-                    <a:rPr lang="en-US" sz="1200" b="1" dirty="0" smtClean="0">
+                    <a:rPr lang="en-US" sz="1200" b="1" dirty="0">
                       <a:latin typeface="Arial" charset="0"/>
                       <a:ea typeface="Arial" charset="0"/>
                       <a:cs typeface="Arial" charset="0"/>
                     </a:rPr>
                     <a:t>)</a:t>
                   </a:r>
-                  <a:endParaRPr lang="en-US" sz="1200" b="1" dirty="0">
-                    <a:latin typeface="Arial" charset="0"/>
-                    <a:ea typeface="Arial" charset="0"/>
-                    <a:cs typeface="Arial" charset="0"/>
-                  </a:endParaRPr>
                 </a:p>
               </p:txBody>
             </p:sp>
@@ -7317,7 +7588,7 @@
               <p:spPr>
                 <a:xfrm>
                   <a:off x="4470918" y="252080"/>
-                  <a:ext cx="593868" cy="1860204"/>
+                  <a:ext cx="593866" cy="1860204"/>
                 </a:xfrm>
                 <a:prstGeom prst="rect">
                   <a:avLst/>
@@ -7336,7 +7607,7 @@
                     </a:lnSpc>
                   </a:pPr>
                   <a:r>
-                    <a:rPr lang="en-US" sz="1200" b="1" dirty="0" smtClean="0">
+                    <a:rPr lang="en-US" sz="1200" b="1" dirty="0">
                       <a:latin typeface="Arial" charset="0"/>
                       <a:ea typeface="Arial" charset="0"/>
                       <a:cs typeface="Arial" charset="0"/>
@@ -7351,7 +7622,7 @@
                     </a:lnSpc>
                   </a:pPr>
                   <a:r>
-                    <a:rPr lang="en-US" sz="1200" b="1" dirty="0" smtClean="0">
+                    <a:rPr lang="en-US" sz="1200" b="1" dirty="0">
                       <a:latin typeface="Arial" charset="0"/>
                       <a:ea typeface="Arial" charset="0"/>
                       <a:cs typeface="Arial" charset="0"/>
@@ -7366,7 +7637,7 @@
                     </a:lnSpc>
                   </a:pPr>
                   <a:r>
-                    <a:rPr lang="en-US" sz="1200" b="1" dirty="0" smtClean="0">
+                    <a:rPr lang="en-US" sz="1200" b="1" dirty="0">
                       <a:latin typeface="Arial" charset="0"/>
                       <a:ea typeface="Arial" charset="0"/>
                       <a:cs typeface="Arial" charset="0"/>
@@ -7381,7 +7652,7 @@
                     </a:lnSpc>
                   </a:pPr>
                   <a:r>
-                    <a:rPr lang="en-US" sz="1200" b="1" dirty="0" smtClean="0">
+                    <a:rPr lang="en-US" sz="1200" b="1" dirty="0">
                       <a:latin typeface="Arial" charset="0"/>
                       <a:ea typeface="Arial" charset="0"/>
                       <a:cs typeface="Arial" charset="0"/>
@@ -7396,7 +7667,7 @@
                     </a:lnSpc>
                   </a:pPr>
                   <a:r>
-                    <a:rPr lang="en-US" sz="1200" b="1" dirty="0" smtClean="0">
+                    <a:rPr lang="en-US" sz="1200" b="1" dirty="0">
                       <a:latin typeface="Arial" charset="0"/>
                       <a:ea typeface="Arial" charset="0"/>
                       <a:cs typeface="Arial" charset="0"/>
@@ -7411,18 +7682,13 @@
                     </a:lnSpc>
                   </a:pPr>
                   <a:r>
-                    <a:rPr lang="en-US" sz="1200" b="1" dirty="0" smtClean="0">
+                    <a:rPr lang="en-US" sz="1200" b="1" dirty="0">
                       <a:latin typeface="Arial" charset="0"/>
                       <a:ea typeface="Arial" charset="0"/>
                       <a:cs typeface="Arial" charset="0"/>
                     </a:rPr>
                     <a:t>KDM</a:t>
                   </a:r>
-                  <a:endParaRPr lang="en-US" sz="1200" b="1" dirty="0">
-                    <a:latin typeface="Arial" charset="0"/>
-                    <a:ea typeface="Arial" charset="0"/>
-                    <a:cs typeface="Arial" charset="0"/>
-                  </a:endParaRPr>
                 </a:p>
               </p:txBody>
             </p:sp>
@@ -7454,7 +7720,7 @@
                     </a:lnSpc>
                   </a:pPr>
                   <a:r>
-                    <a:rPr lang="en-US" sz="1200" b="1" dirty="0" smtClean="0">
+                    <a:rPr lang="en-US" sz="1200" b="1" dirty="0">
                       <a:latin typeface="Arial" charset="0"/>
                       <a:ea typeface="Arial" charset="0"/>
                       <a:cs typeface="Arial" charset="0"/>
@@ -7469,7 +7735,7 @@
                     </a:lnSpc>
                   </a:pPr>
                   <a:r>
-                    <a:rPr lang="en-US" sz="1200" b="1" dirty="0" smtClean="0">
+                    <a:rPr lang="en-US" sz="1200" b="1" dirty="0">
                       <a:latin typeface="Arial" charset="0"/>
                       <a:ea typeface="Arial" charset="0"/>
                       <a:cs typeface="Arial" charset="0"/>
@@ -7484,7 +7750,7 @@
                     </a:lnSpc>
                   </a:pPr>
                   <a:r>
-                    <a:rPr lang="en-US" sz="1200" b="1" dirty="0" smtClean="0">
+                    <a:rPr lang="en-US" sz="1200" b="1" dirty="0">
                       <a:latin typeface="Arial" charset="0"/>
                       <a:ea typeface="Arial" charset="0"/>
                       <a:cs typeface="Arial" charset="0"/>
@@ -7499,7 +7765,7 @@
                     </a:lnSpc>
                   </a:pPr>
                   <a:r>
-                    <a:rPr lang="en-US" sz="1200" b="1" dirty="0" smtClean="0">
+                    <a:rPr lang="en-US" sz="1200" b="1" dirty="0">
                       <a:latin typeface="Arial" charset="0"/>
                       <a:ea typeface="Arial" charset="0"/>
                       <a:cs typeface="Arial" charset="0"/>
@@ -7514,7 +7780,7 @@
                     </a:lnSpc>
                   </a:pPr>
                   <a:r>
-                    <a:rPr lang="en-US" sz="1200" b="1" dirty="0" smtClean="0">
+                    <a:rPr lang="en-US" sz="1200" b="1" dirty="0">
                       <a:latin typeface="Arial" charset="0"/>
                       <a:ea typeface="Arial" charset="0"/>
                       <a:cs typeface="Arial" charset="0"/>
@@ -7529,18 +7795,13 @@
                     </a:lnSpc>
                   </a:pPr>
                   <a:r>
-                    <a:rPr lang="en-US" sz="1200" b="1" dirty="0" smtClean="0">
+                    <a:rPr lang="en-US" sz="1200" b="1" dirty="0">
                       <a:latin typeface="Arial" charset="0"/>
                       <a:ea typeface="Arial" charset="0"/>
                       <a:cs typeface="Arial" charset="0"/>
                     </a:rPr>
                     <a:t>KDM</a:t>
                   </a:r>
-                  <a:endParaRPr lang="en-US" sz="1200" b="1" dirty="0">
-                    <a:latin typeface="Arial" charset="0"/>
-                    <a:ea typeface="Arial" charset="0"/>
-                    <a:cs typeface="Arial" charset="0"/>
-                  </a:endParaRPr>
                 </a:p>
               </p:txBody>
             </p:sp>
@@ -7567,7 +7828,7 @@
                 <a:lstStyle/>
                 <a:p>
                   <a:r>
-                    <a:rPr lang="en-US" sz="1200" b="1" dirty="0" smtClean="0">
+                    <a:rPr lang="en-US" sz="1200" b="1" dirty="0">
                       <a:solidFill>
                         <a:schemeClr val="bg1"/>
                       </a:solidFill>
@@ -7577,14 +7838,6 @@
                     </a:rPr>
                     <a:t>1.7  -1.7 </a:t>
                   </a:r>
-                  <a:endParaRPr lang="en-US" sz="1200" b="1" dirty="0">
-                    <a:solidFill>
-                      <a:schemeClr val="bg1"/>
-                    </a:solidFill>
-                    <a:latin typeface="Arial" charset="0"/>
-                    <a:ea typeface="Arial" charset="0"/>
-                    <a:cs typeface="Arial" charset="0"/>
-                  </a:endParaRPr>
                 </a:p>
               </p:txBody>
             </p:sp>
@@ -7611,7 +7864,7 @@
                 <a:lstStyle/>
                 <a:p>
                   <a:r>
-                    <a:rPr lang="en-US" sz="1200" b="1" smtClean="0">
+                    <a:rPr lang="en-US" sz="1200" b="1">
                       <a:solidFill>
                         <a:schemeClr val="bg1"/>
                       </a:solidFill>
@@ -7622,7 +7875,7 @@
                     <a:t>1.3  -</a:t>
                   </a:r>
                   <a:r>
-                    <a:rPr lang="en-US" sz="1200" b="1" dirty="0" smtClean="0">
+                    <a:rPr lang="en-US" sz="1200" b="1" dirty="0">
                       <a:solidFill>
                         <a:schemeClr val="bg1"/>
                       </a:solidFill>
@@ -7632,14 +7885,6 @@
                     </a:rPr>
                     <a:t>1.3</a:t>
                   </a:r>
-                  <a:endParaRPr lang="en-US" sz="1200" b="1" dirty="0">
-                    <a:solidFill>
-                      <a:schemeClr val="bg1"/>
-                    </a:solidFill>
-                    <a:latin typeface="Arial" charset="0"/>
-                    <a:ea typeface="Arial" charset="0"/>
-                    <a:cs typeface="Arial" charset="0"/>
-                  </a:endParaRPr>
                 </a:p>
               </p:txBody>
             </p:sp>
@@ -7666,7 +7911,7 @@
                 <a:lstStyle/>
                 <a:p>
                   <a:r>
-                    <a:rPr lang="en-US" sz="1200" b="1" dirty="0" smtClean="0">
+                    <a:rPr lang="en-US" sz="1200" b="1" dirty="0">
                       <a:latin typeface="Arial" charset="0"/>
                       <a:ea typeface="Arial" charset="0"/>
                       <a:cs typeface="Arial" charset="0"/>
@@ -7675,7 +7920,7 @@
                   </a:r>
                 </a:p>
                 <a:p>
-                  <a:endParaRPr lang="en-US" sz="1200" b="1" dirty="0" smtClean="0">
+                  <a:endParaRPr lang="en-US" sz="1200" b="1" dirty="0">
                     <a:latin typeface="Arial" charset="0"/>
                     <a:ea typeface="Arial" charset="0"/>
                     <a:cs typeface="Arial" charset="0"/>
@@ -7689,7 +7934,7 @@
                   </a:endParaRPr>
                 </a:p>
                 <a:p>
-                  <a:endParaRPr lang="en-US" sz="1200" b="1" dirty="0" smtClean="0">
+                  <a:endParaRPr lang="en-US" sz="1200" b="1" dirty="0">
                     <a:latin typeface="Arial" charset="0"/>
                     <a:ea typeface="Arial" charset="0"/>
                     <a:cs typeface="Arial" charset="0"/>
@@ -7697,7 +7942,7 @@
                 </a:p>
                 <a:p>
                   <a:r>
-                    <a:rPr lang="en-US" sz="1200" b="1" dirty="0" smtClean="0">
+                    <a:rPr lang="en-US" sz="1200" b="1" dirty="0">
                       <a:latin typeface="Arial" charset="0"/>
                       <a:ea typeface="Arial" charset="0"/>
                       <a:cs typeface="Arial" charset="0"/>
@@ -7713,7 +7958,7 @@
                   </a:endParaRPr>
                 </a:p>
                 <a:p>
-                  <a:endParaRPr lang="en-US" sz="1200" b="1" dirty="0" smtClean="0">
+                  <a:endParaRPr lang="en-US" sz="1200" b="1" dirty="0">
                     <a:latin typeface="Arial" charset="0"/>
                     <a:ea typeface="Arial" charset="0"/>
                     <a:cs typeface="Arial" charset="0"/>
@@ -7727,7 +7972,7 @@
                   </a:endParaRPr>
                 </a:p>
                 <a:p>
-                  <a:endParaRPr lang="en-US" sz="1200" b="1" dirty="0" smtClean="0">
+                  <a:endParaRPr lang="en-US" sz="1200" b="1" dirty="0">
                     <a:latin typeface="Arial" charset="0"/>
                     <a:ea typeface="Arial" charset="0"/>
                     <a:cs typeface="Arial" charset="0"/>
@@ -7735,18 +7980,13 @@
                 </a:p>
                 <a:p>
                   <a:r>
-                    <a:rPr lang="en-US" sz="1200" b="1" dirty="0" smtClean="0">
+                    <a:rPr lang="en-US" sz="1200" b="1" dirty="0">
                       <a:latin typeface="Arial" charset="0"/>
                       <a:ea typeface="Arial" charset="0"/>
                       <a:cs typeface="Arial" charset="0"/>
                     </a:rPr>
                     <a:t>-.01</a:t>
                   </a:r>
-                  <a:endParaRPr lang="en-US" sz="1200" b="1" dirty="0">
-                    <a:latin typeface="Arial" charset="0"/>
-                    <a:ea typeface="Arial" charset="0"/>
-                    <a:cs typeface="Arial" charset="0"/>
-                  </a:endParaRPr>
                 </a:p>
               </p:txBody>
             </p:sp>
@@ -7779,7 +8019,7 @@
                   </a:lnSpc>
                 </a:pPr>
                 <a:r>
-                  <a:rPr lang="en-US" sz="1100" b="1" dirty="0" smtClean="0">
+                  <a:rPr lang="en-US" sz="1100" b="1" dirty="0">
                     <a:latin typeface="Arial" charset="0"/>
                     <a:ea typeface="Arial" charset="0"/>
                     <a:cs typeface="Arial" charset="0"/>
@@ -7806,18 +8046,13 @@
                   </a:lnSpc>
                 </a:pPr>
                 <a:r>
-                  <a:rPr lang="en-US" sz="1100" b="1" dirty="0" smtClean="0">
+                  <a:rPr lang="en-US" sz="1100" b="1" dirty="0">
                     <a:latin typeface="Arial" charset="0"/>
                     <a:ea typeface="Arial" charset="0"/>
                     <a:cs typeface="Arial" charset="0"/>
                   </a:rPr>
                   <a:t>5e-3</a:t>
                 </a:r>
-                <a:endParaRPr lang="en-US" sz="1100" b="1" dirty="0">
-                  <a:latin typeface="Arial" charset="0"/>
-                  <a:ea typeface="Arial" charset="0"/>
-                  <a:cs typeface="Arial" charset="0"/>
-                </a:endParaRPr>
               </a:p>
             </p:txBody>
           </p:sp>
@@ -7921,7 +8156,7 @@
                     <a:lumOff val="35000"/>
                   </a:schemeClr>
                 </a:solidFill>
-                <a:tailEnd type="none"/>
+                <a:tailEnd type="arrow"/>
               </a:ln>
             </p:spPr>
             <p:style>
@@ -8020,7 +8255,9 @@
           <p:cxnSp>
             <p:nvCxnSpPr>
               <p:cNvPr id="59" name="Straight Arrow Connector 58"/>
-              <p:cNvCxnSpPr/>
+              <p:cNvCxnSpPr>
+                <a:cxnSpLocks/>
+              </p:cNvCxnSpPr>
               <p:nvPr/>
             </p:nvCxnSpPr>
             <p:spPr>
@@ -8103,7 +8340,7 @@
             </p:nvCxnSpPr>
             <p:spPr>
               <a:xfrm flipH="1">
-                <a:off x="9086900" y="2032336"/>
+                <a:off x="9086899" y="2032336"/>
                 <a:ext cx="395644" cy="7808"/>
               </a:xfrm>
               <a:prstGeom prst="straightConnector1">
@@ -8776,7 +9013,7 @@
             <a:lstStyle/>
             <a:p>
               <a:pPr algn="ctr"/>
-              <a:endParaRPr lang="en-US"/>
+              <a:endParaRPr lang="en-US" dirty="0"/>
             </a:p>
           </p:txBody>
         </p:sp>
@@ -9098,7 +9335,7 @@
     </p:spTree>
     <p:extLst>
       <p:ext uri="{BB962C8B-B14F-4D97-AF65-F5344CB8AC3E}">
-        <p14:creationId xmlns:p14="http://schemas.microsoft.com/office/powerpoint/2010/main" val="3425979025"/>
+        <p14:creationId xmlns:p14="http://schemas.microsoft.com/office/powerpoint/2010/main" val="553604527"/>
       </p:ext>
     </p:extLst>
   </p:cSld>
@@ -9148,10 +9385,9 @@
           <a:lstStyle/>
           <a:p>
             <a:r>
-              <a:rPr lang="en-US" sz="2400" b="1" dirty="0" smtClean="0"/>
+              <a:rPr lang="en-US" sz="2400" b="1" dirty="0"/>
               <a:t>Model Parameters</a:t>
             </a:r>
-            <a:endParaRPr lang="en-US" sz="2400" b="1" dirty="0"/>
           </a:p>
         </p:txBody>
       </p:sp>
@@ -9255,15 +9491,7 @@
             </a:r>
             <a:r>
               <a:rPr lang="en-US" dirty="0"/>
-              <a:t> = </a:t>
-            </a:r>
-            <a:r>
-              <a:rPr lang="en-US" dirty="0" smtClean="0"/>
-              <a:t>700</a:t>
-            </a:r>
-            <a:r>
-              <a:rPr lang="en-US" dirty="0"/>
-              <a:t>; % more methyltransferase binds with h3k9 during mitosis</a:t>
+              <a:t> = 700; % more methyltransferase binds with h3k9 during mitosis</a:t>
             </a:r>
           </a:p>
           <a:p>
@@ -9279,19 +9507,14 @@
               <a:rPr lang="en-US" dirty="0"/>
               <a:t> ratio = 5.9:1 </a:t>
             </a:r>
-            <a:endParaRPr lang="en-US" dirty="0" smtClean="0"/>
-          </a:p>
-          <a:p>
-            <a:r>
-              <a:rPr lang="en-US" dirty="0" smtClean="0"/>
-              <a:t>        % </a:t>
-            </a:r>
+          </a:p>
+          <a:p>
             <a:r>
               <a:rPr lang="en-US" dirty="0"/>
-              <a:t>7.1M aurora b kinase, max number of kinase and </a:t>
-            </a:r>
-            <a:r>
-              <a:rPr lang="en-US" dirty="0" err="1" smtClean="0"/>
+              <a:t>        % 7.1M aurora b kinase, max number of kinase and </a:t>
+            </a:r>
+            <a:r>
+              <a:rPr lang="en-US" dirty="0" err="1"/>
               <a:t>phosphotase</a:t>
             </a:r>
             <a:endParaRPr lang="en-US" dirty="0"/>
@@ -9317,36 +9540,19 @@
               <a:rPr lang="en-US" dirty="0"/>
               <a:t>*5.9;         </a:t>
             </a:r>
-            <a:endParaRPr lang="en-US" dirty="0" smtClean="0"/>
           </a:p>
           <a:p>
             <a:r>
               <a:rPr lang="en-US" dirty="0"/>
-              <a:t> </a:t>
-            </a:r>
-            <a:r>
-              <a:rPr lang="en-US" dirty="0" smtClean="0"/>
-              <a:t>       </a:t>
-            </a:r>
-            <a:r>
-              <a:rPr lang="en-US" dirty="0" err="1" smtClean="0"/>
+              <a:t>        </a:t>
+            </a:r>
+            <a:r>
+              <a:rPr lang="en-US" dirty="0" err="1"/>
               <a:t>data.more_kinase</a:t>
             </a:r>
             <a:r>
-              <a:rPr lang="en-US" dirty="0" smtClean="0"/>
-              <a:t> </a:t>
-            </a:r>
-            <a:r>
               <a:rPr lang="en-US" dirty="0"/>
-              <a:t>= </a:t>
-            </a:r>
-            <a:r>
-              <a:rPr lang="en-US" dirty="0" smtClean="0"/>
-              <a:t>2000</a:t>
-            </a:r>
-            <a:r>
-              <a:rPr lang="en-US" dirty="0"/>
-              <a:t>; % 1000K more kinase binds to h3s10 during mitosis</a:t>
+              <a:t> = 2000; % 1000K more kinase binds to h3s10 during mitosis</a:t>
             </a:r>
           </a:p>
           <a:p>
@@ -9360,15 +9566,7 @@
             </a:r>
             <a:r>
               <a:rPr lang="en-US" dirty="0"/>
-              <a:t> = </a:t>
-            </a:r>
-            <a:r>
-              <a:rPr lang="en-US" dirty="0" smtClean="0"/>
-              <a:t>90 </a:t>
-            </a:r>
-            <a:r>
-              <a:rPr lang="en-US" dirty="0"/>
-              <a:t>* </a:t>
+              <a:t> = 90 * </a:t>
             </a:r>
             <a:r>
               <a:rPr lang="en-US" dirty="0" err="1"/>
@@ -9440,15 +9638,7 @@
             </a:r>
             <a:r>
               <a:rPr lang="en-US" dirty="0"/>
-              <a:t>(1) = </a:t>
-            </a:r>
-            <a:r>
-              <a:rPr lang="en-US" dirty="0" smtClean="0"/>
-              <a:t>0.005; </a:t>
-            </a:r>
-            <a:r>
-              <a:rPr lang="en-US" dirty="0"/>
-              <a:t>% min^(-1) phosphorylation repels methyltransferase</a:t>
+              <a:t>(1) = 0.005; % min^(-1) phosphorylation repels methyltransferase</a:t>
             </a:r>
           </a:p>
           <a:p>
@@ -9462,15 +9652,7 @@
             </a:r>
             <a:r>
               <a:rPr lang="en-US" dirty="0"/>
-              <a:t>(2) = </a:t>
-            </a:r>
-            <a:r>
-              <a:rPr lang="en-US" dirty="0" smtClean="0"/>
-              <a:t>0.005;</a:t>
-            </a:r>
-            <a:r>
-              <a:rPr lang="en-US" dirty="0"/>
-              <a:t>  % min^(-1) phosphorylation recruit demethylase</a:t>
+              <a:t>(2) = 0.005;  % min^(-1) phosphorylation recruit demethylase</a:t>
             </a:r>
           </a:p>
           <a:p>
@@ -9562,10 +9744,9 @@
           <a:lstStyle/>
           <a:p>
             <a:r>
-              <a:rPr lang="en-US" sz="2400" b="1" dirty="0" smtClean="0"/>
+              <a:rPr lang="en-US" sz="2400" b="1" dirty="0"/>
               <a:t>Model Parameters (slide 1)</a:t>
             </a:r>
-            <a:endParaRPr lang="en-US" sz="2400" b="1" dirty="0"/>
           </a:p>
         </p:txBody>
       </p:sp>
@@ -9594,10 +9775,34 @@
                 <a:tableStyleId>{5C22544A-7EE6-4342-B048-85BDC9FD1C3A}</a:tableStyleId>
               </a:tblPr>
               <a:tblGrid>
-                <a:gridCol w="3123952"/>
-                <a:gridCol w="1679984"/>
-                <a:gridCol w="2724150"/>
-                <a:gridCol w="3628038"/>
+                <a:gridCol w="3123952">
+                  <a:extLst>
+                    <a:ext uri="{9D8B030D-6E8A-4147-A177-3AD203B41FA5}">
+                      <a16:colId xmlns:a16="http://schemas.microsoft.com/office/drawing/2014/main" val="20000"/>
+                    </a:ext>
+                  </a:extLst>
+                </a:gridCol>
+                <a:gridCol w="1679984">
+                  <a:extLst>
+                    <a:ext uri="{9D8B030D-6E8A-4147-A177-3AD203B41FA5}">
+                      <a16:colId xmlns:a16="http://schemas.microsoft.com/office/drawing/2014/main" val="20001"/>
+                    </a:ext>
+                  </a:extLst>
+                </a:gridCol>
+                <a:gridCol w="2724150">
+                  <a:extLst>
+                    <a:ext uri="{9D8B030D-6E8A-4147-A177-3AD203B41FA5}">
+                      <a16:colId xmlns:a16="http://schemas.microsoft.com/office/drawing/2014/main" val="20002"/>
+                    </a:ext>
+                  </a:extLst>
+                </a:gridCol>
+                <a:gridCol w="3628038">
+                  <a:extLst>
+                    <a:ext uri="{9D8B030D-6E8A-4147-A177-3AD203B41FA5}">
+                      <a16:colId xmlns:a16="http://schemas.microsoft.com/office/drawing/2014/main" val="20003"/>
+                    </a:ext>
+                  </a:extLst>
+                </a:gridCol>
               </a:tblGrid>
               <a:tr h="538148">
                 <a:tc>
@@ -9606,8 +9811,113 @@
                     <a:lstStyle/>
                     <a:p>
                       <a:r>
-                        <a:rPr lang="en-US" dirty="0" smtClean="0"/>
+                        <a:rPr lang="en-US" dirty="0"/>
                         <a:t>Description (name)</a:t>
+                      </a:r>
+                    </a:p>
+                  </a:txBody>
+                  <a:tcPr/>
+                </a:tc>
+                <a:tc>
+                  <a:txBody>
+                    <a:bodyPr/>
+                    <a:lstStyle/>
+                    <a:p>
+                      <a:r>
+                        <a:rPr lang="en-US" dirty="0"/>
+                        <a:t>Value/unit </a:t>
+                      </a:r>
+                    </a:p>
+                  </a:txBody>
+                  <a:tcPr/>
+                </a:tc>
+                <a:tc>
+                  <a:txBody>
+                    <a:bodyPr/>
+                    <a:lstStyle/>
+                    <a:p>
+                      <a:r>
+                        <a:rPr lang="en-US" dirty="0"/>
+                        <a:t>Reference</a:t>
+                      </a:r>
+                    </a:p>
+                  </a:txBody>
+                  <a:tcPr/>
+                </a:tc>
+                <a:tc>
+                  <a:txBody>
+                    <a:bodyPr/>
+                    <a:lstStyle/>
+                    <a:p>
+                      <a:r>
+                        <a:rPr lang="en-US" dirty="0"/>
+                        <a:t>Justification</a:t>
+                      </a:r>
+                    </a:p>
+                  </a:txBody>
+                  <a:tcPr/>
+                </a:tc>
+                <a:extLst>
+                  <a:ext uri="{0D108BD9-81ED-4DB2-BD59-A6C34878D82A}">
+                    <a16:rowId xmlns:a16="http://schemas.microsoft.com/office/drawing/2014/main" val="10000"/>
+                  </a:ext>
+                </a:extLst>
+              </a:tr>
+              <a:tr h="538148">
+                <a:tc>
+                  <a:txBody>
+                    <a:bodyPr/>
+                    <a:lstStyle/>
+                    <a:p>
+                      <a:r>
+                        <a:rPr lang="en-US" dirty="0"/>
+                        <a:t>Total number of histone</a:t>
+                      </a:r>
+                      <a:r>
+                        <a:rPr lang="en-US" baseline="0" dirty="0"/>
+                        <a:t> 3</a:t>
+                      </a:r>
+                      <a:r>
+                        <a:rPr lang="en-US" dirty="0"/>
+                        <a:t> (</a:t>
+                      </a:r>
+                      <a:r>
+                        <a:rPr lang="en-US" dirty="0" err="1"/>
+                        <a:t>num_histone</a:t>
+                      </a:r>
+                      <a:r>
+                        <a:rPr lang="en-US" dirty="0"/>
+                        <a:t>)</a:t>
+                      </a:r>
+                    </a:p>
+                  </a:txBody>
+                  <a:tcPr/>
+                </a:tc>
+                <a:tc>
+                  <a:txBody>
+                    <a:bodyPr/>
+                    <a:lstStyle/>
+                    <a:p>
+                      <a:r>
+                        <a:rPr lang="en-US" dirty="0"/>
+                        <a:t>60,000K</a:t>
+                      </a:r>
+                    </a:p>
+                  </a:txBody>
+                  <a:tcPr/>
+                </a:tc>
+                <a:tc>
+                  <a:txBody>
+                    <a:bodyPr/>
+                    <a:lstStyle/>
+                    <a:p>
+                      <a:r>
+                        <a:rPr lang="en-US" dirty="0"/>
+                        <a:t>Alberts et</a:t>
+                      </a:r>
+                      <a:r>
+                        <a:rPr lang="en-US" baseline="0" dirty="0"/>
+                        <a:t> al. 2002 Molecular Biology …</a:t>
                       </a:r>
                       <a:endParaRPr lang="en-US" dirty="0"/>
                     </a:p>
@@ -9620,42 +9930,23 @@
                     <a:lstStyle/>
                     <a:p>
                       <a:r>
-                        <a:rPr lang="en-US" dirty="0" smtClean="0"/>
-                        <a:t>Value/unit </a:t>
+                        <a:rPr lang="en-US" dirty="0"/>
+                        <a:t>There are ~60 million molecules of</a:t>
+                      </a:r>
+                      <a:r>
+                        <a:rPr lang="en-US" baseline="0" dirty="0"/>
+                        <a:t> each type per human cell. </a:t>
                       </a:r>
                       <a:endParaRPr lang="en-US" dirty="0"/>
                     </a:p>
                   </a:txBody>
                   <a:tcPr/>
                 </a:tc>
-                <a:tc>
-                  <a:txBody>
-                    <a:bodyPr/>
-                    <a:lstStyle/>
-                    <a:p>
-                      <a:r>
-                        <a:rPr lang="en-US" dirty="0" smtClean="0"/>
-                        <a:t>Reference</a:t>
-                      </a:r>
-                      <a:endParaRPr lang="en-US" dirty="0"/>
-                    </a:p>
-                  </a:txBody>
-                  <a:tcPr/>
-                </a:tc>
-                <a:tc>
-                  <a:txBody>
-                    <a:bodyPr/>
-                    <a:lstStyle/>
-                    <a:p>
-                      <a:r>
-                        <a:rPr lang="en-US" dirty="0" smtClean="0"/>
-                        <a:t>Justification</a:t>
-                      </a:r>
-                      <a:endParaRPr lang="en-US" dirty="0"/>
-                    </a:p>
-                  </a:txBody>
-                  <a:tcPr/>
-                </a:tc>
+                <a:extLst>
+                  <a:ext uri="{0D108BD9-81ED-4DB2-BD59-A6C34878D82A}">
+                    <a16:rowId xmlns:a16="http://schemas.microsoft.com/office/drawing/2014/main" val="10001"/>
+                  </a:ext>
+                </a:extLst>
               </a:tr>
               <a:tr h="538148">
                 <a:tc>
@@ -9664,23 +9955,19 @@
                     <a:lstStyle/>
                     <a:p>
                       <a:r>
-                        <a:rPr lang="en-US" dirty="0" smtClean="0"/>
-                        <a:t>Total number of histone</a:t>
+                        <a:rPr lang="en-US" dirty="0"/>
+                        <a:t>Basal level of methylated H3K9 at the</a:t>
                       </a:r>
                       <a:r>
-                        <a:rPr lang="en-US" baseline="0" dirty="0" smtClean="0"/>
-                        <a:t> 3</a:t>
+                        <a:rPr lang="en-US" baseline="0" dirty="0"/>
+                        <a:t> interphase (</a:t>
                       </a:r>
                       <a:r>
-                        <a:rPr lang="en-US" dirty="0" smtClean="0"/>
-                        <a:t> (</a:t>
+                        <a:rPr lang="en-US" baseline="0" dirty="0" err="1"/>
+                        <a:t>base_methyl</a:t>
                       </a:r>
                       <a:r>
-                        <a:rPr lang="en-US" dirty="0" err="1" smtClean="0"/>
-                        <a:t>num_histone</a:t>
-                      </a:r>
-                      <a:r>
-                        <a:rPr lang="en-US" dirty="0" smtClean="0"/>
+                        <a:rPr lang="en-US" baseline="0" dirty="0"/>
                         <a:t>)</a:t>
                       </a:r>
                       <a:endParaRPr lang="en-US" dirty="0"/>
@@ -9694,89 +9981,11 @@
                     <a:lstStyle/>
                     <a:p>
                       <a:r>
-                        <a:rPr lang="en-US" dirty="0" smtClean="0"/>
-                        <a:t>60,000K</a:t>
-                      </a:r>
-                      <a:endParaRPr lang="en-US" dirty="0"/>
-                    </a:p>
-                  </a:txBody>
-                  <a:tcPr/>
-                </a:tc>
-                <a:tc>
-                  <a:txBody>
-                    <a:bodyPr/>
-                    <a:lstStyle/>
-                    <a:p>
-                      <a:r>
-                        <a:rPr lang="en-US" dirty="0" smtClean="0"/>
-                        <a:t>Alberts et</a:t>
-                      </a:r>
-                      <a:r>
-                        <a:rPr lang="en-US" baseline="0" dirty="0" smtClean="0"/>
-                        <a:t> al. 2002 Molecular Biology …</a:t>
-                      </a:r>
-                      <a:endParaRPr lang="en-US" dirty="0"/>
-                    </a:p>
-                  </a:txBody>
-                  <a:tcPr/>
-                </a:tc>
-                <a:tc>
-                  <a:txBody>
-                    <a:bodyPr/>
-                    <a:lstStyle/>
-                    <a:p>
-                      <a:r>
-                        <a:rPr lang="en-US" dirty="0" smtClean="0"/>
-                        <a:t>There are ~60 million molecules of</a:t>
-                      </a:r>
-                      <a:r>
-                        <a:rPr lang="en-US" baseline="0" dirty="0" smtClean="0"/>
-                        <a:t> each type per human cell. </a:t>
-                      </a:r>
-                      <a:endParaRPr lang="en-US" dirty="0"/>
-                    </a:p>
-                  </a:txBody>
-                  <a:tcPr/>
-                </a:tc>
-              </a:tr>
-              <a:tr h="538148">
-                <a:tc>
-                  <a:txBody>
-                    <a:bodyPr/>
-                    <a:lstStyle/>
-                    <a:p>
-                      <a:r>
-                        <a:rPr lang="en-US" dirty="0" smtClean="0"/>
-                        <a:t>Basal level of methylated H3K9 at the</a:t>
-                      </a:r>
-                      <a:r>
-                        <a:rPr lang="en-US" baseline="0" dirty="0" smtClean="0"/>
-                        <a:t> interphase (</a:t>
-                      </a:r>
-                      <a:r>
-                        <a:rPr lang="en-US" baseline="0" dirty="0" err="1" smtClean="0"/>
-                        <a:t>base_methyl</a:t>
-                      </a:r>
-                      <a:r>
-                        <a:rPr lang="en-US" baseline="0" dirty="0" smtClean="0"/>
-                        <a:t>)</a:t>
-                      </a:r>
-                      <a:endParaRPr lang="en-US" dirty="0"/>
-                    </a:p>
-                  </a:txBody>
-                  <a:tcPr/>
-                </a:tc>
-                <a:tc>
-                  <a:txBody>
-                    <a:bodyPr/>
-                    <a:lstStyle/>
-                    <a:p>
-                      <a:r>
-                        <a:rPr lang="en-US" dirty="0" smtClean="0"/>
+                        <a:rPr lang="en-US" dirty="0"/>
                         <a:t>57% of all</a:t>
                       </a:r>
                       <a:r>
-                        <a:rPr lang="en-US" baseline="0" dirty="0" smtClean="0"/>
+                        <a:rPr lang="en-US" baseline="0" dirty="0"/>
                         <a:t> histones</a:t>
                       </a:r>
                       <a:endParaRPr lang="en-US" dirty="0">
@@ -9794,10 +10003,9 @@
                     <a:lstStyle/>
                     <a:p>
                       <a:r>
-                        <a:rPr lang="en-US" dirty="0" smtClean="0"/>
+                        <a:rPr lang="en-US" dirty="0"/>
                         <a:t>Figs. 1c and 1d</a:t>
                       </a:r>
-                      <a:endParaRPr lang="en-US" dirty="0"/>
                     </a:p>
                   </a:txBody>
                   <a:tcPr/>
@@ -9825,27 +10033,27 @@
                         <a:defRPr/>
                       </a:pPr>
                       <a:r>
-                        <a:rPr lang="en-US" dirty="0" err="1" smtClean="0"/>
+                        <a:rPr lang="en-US" dirty="0" err="1"/>
                         <a:t>Sua</a:t>
                       </a:r>
                       <a:r>
-                        <a:rPr lang="en-US" dirty="0" smtClean="0"/>
+                        <a:rPr lang="en-US" dirty="0"/>
                         <a:t> -/- decreased 40%; TCP (inhibitor KDM) increased 30%</a:t>
                       </a:r>
                       <a:r>
-                        <a:rPr lang="en-US" dirty="0" smtClean="0">
+                        <a:rPr lang="en-US" dirty="0">
                           <a:sym typeface="Wingdings" panose="05000000000000000000" pitchFamily="2" charset="2"/>
                         </a:rPr>
                         <a:t>.</a:t>
                       </a:r>
                       <a:r>
-                        <a:rPr lang="en-US" baseline="0" dirty="0" smtClean="0">
+                        <a:rPr lang="en-US" baseline="0" dirty="0">
                           <a:sym typeface="Wingdings" panose="05000000000000000000" pitchFamily="2" charset="2"/>
                         </a:rPr>
                         <a:t> So</a:t>
                       </a:r>
                       <a:r>
-                        <a:rPr lang="en-US" dirty="0" smtClean="0">
+                        <a:rPr lang="en-US" dirty="0">
                           <a:sym typeface="Wingdings" panose="05000000000000000000" pitchFamily="2" charset="2"/>
                         </a:rPr>
                         <a:t> 4/7 is about 57%.</a:t>
@@ -9854,6 +10062,11 @@
                   </a:txBody>
                   <a:tcPr/>
                 </a:tc>
+                <a:extLst>
+                  <a:ext uri="{0D108BD9-81ED-4DB2-BD59-A6C34878D82A}">
+                    <a16:rowId xmlns:a16="http://schemas.microsoft.com/office/drawing/2014/main" val="10002"/>
+                  </a:ext>
+                </a:extLst>
               </a:tr>
               <a:tr h="538148">
                 <a:tc>
@@ -9862,19 +10075,19 @@
                     <a:lstStyle/>
                     <a:p>
                       <a:r>
-                        <a:rPr lang="en-US" dirty="0" smtClean="0"/>
+                        <a:rPr lang="en-US" dirty="0"/>
                         <a:t>Total number of</a:t>
                       </a:r>
                       <a:r>
-                        <a:rPr lang="en-US" baseline="0" dirty="0" smtClean="0"/>
+                        <a:rPr lang="en-US" baseline="0" dirty="0"/>
                         <a:t> MTs/KDMs (</a:t>
                       </a:r>
                       <a:r>
-                        <a:rPr lang="en-US" baseline="0" dirty="0" err="1" smtClean="0"/>
+                        <a:rPr lang="en-US" baseline="0" dirty="0" err="1"/>
                         <a:t>max_methyl_enzyme</a:t>
                       </a:r>
                       <a:r>
-                        <a:rPr lang="en-US" baseline="0" dirty="0" smtClean="0"/>
+                        <a:rPr lang="en-US" baseline="0" dirty="0"/>
                         <a:t>)</a:t>
                       </a:r>
                       <a:endParaRPr lang="en-US" dirty="0"/>
@@ -9888,7 +10101,7 @@
                     <a:lstStyle/>
                     <a:p>
                       <a:r>
-                        <a:rPr lang="en-US" dirty="0" smtClean="0">
+                        <a:rPr lang="en-US" dirty="0">
                           <a:solidFill>
                             <a:schemeClr val="tx1"/>
                           </a:solidFill>
@@ -9911,7 +10124,7 @@
                     <a:lstStyle/>
                     <a:p>
                       <a:r>
-                        <a:rPr lang="en-US" sz="1800" kern="1200" dirty="0" err="1" smtClean="0">
+                        <a:rPr lang="en-US" sz="1800" kern="1200" dirty="0" err="1">
                           <a:solidFill>
                             <a:schemeClr val="dk1"/>
                           </a:solidFill>
@@ -9923,7 +10136,7 @@
                         <a:t>Biggin</a:t>
                       </a:r>
                       <a:r>
-                        <a:rPr lang="en-US" sz="1800" kern="1200" dirty="0" smtClean="0">
+                        <a:rPr lang="en-US" sz="1800" kern="1200" dirty="0">
                           <a:solidFill>
                             <a:schemeClr val="dk1"/>
                           </a:solidFill>
@@ -9954,7 +10167,7 @@
                         <a:defRPr/>
                       </a:pPr>
                       <a:r>
-                        <a:rPr lang="en-US" dirty="0" smtClean="0"/>
+                        <a:rPr lang="en-US" dirty="0"/>
                         <a:t>http://proteineatlas.org</a:t>
                       </a:r>
                     </a:p>
@@ -9967,7 +10180,7 @@
                     <a:lstStyle/>
                     <a:p>
                       <a:r>
-                        <a:rPr lang="en-US" dirty="0" smtClean="0">
+                        <a:rPr lang="en-US" dirty="0">
                           <a:solidFill>
                             <a:schemeClr val="tx1"/>
                           </a:solidFill>
@@ -9975,7 +10188,7 @@
                         <a:t>Estimated</a:t>
                       </a:r>
                       <a:r>
-                        <a:rPr lang="en-US" baseline="0" dirty="0" smtClean="0">
+                        <a:rPr lang="en-US" baseline="0" dirty="0">
                           <a:solidFill>
                             <a:schemeClr val="tx1"/>
                           </a:solidFill>
@@ -9983,7 +10196,7 @@
                         <a:t> based on the </a:t>
                       </a:r>
                       <a:r>
-                        <a:rPr lang="en-US" baseline="0" dirty="0" err="1" smtClean="0">
+                        <a:rPr lang="en-US" baseline="0" dirty="0" err="1">
                           <a:solidFill>
                             <a:schemeClr val="tx1"/>
                           </a:solidFill>
@@ -9991,7 +10204,7 @@
                         <a:t>RNAseq</a:t>
                       </a:r>
                       <a:r>
-                        <a:rPr lang="en-US" baseline="0" dirty="0" smtClean="0">
+                        <a:rPr lang="en-US" baseline="0" dirty="0">
                           <a:solidFill>
                             <a:schemeClr val="tx1"/>
                           </a:solidFill>
@@ -9999,7 +10212,7 @@
                         <a:t> copy number in HeLa cells, for </a:t>
                       </a:r>
                       <a:r>
-                        <a:rPr lang="en-US" dirty="0" smtClean="0">
+                        <a:rPr lang="en-US" dirty="0">
                           <a:solidFill>
                             <a:schemeClr val="tx1"/>
                           </a:solidFill>
@@ -10007,7 +10220,7 @@
                         <a:t>KDM4C relative to H3F3A and</a:t>
                       </a:r>
                       <a:r>
-                        <a:rPr lang="en-US" baseline="0" dirty="0" smtClean="0">
+                        <a:rPr lang="en-US" baseline="0" dirty="0">
                           <a:solidFill>
                             <a:schemeClr val="tx1"/>
                           </a:solidFill>
@@ -10015,22 +10228,22 @@
                         <a:t> </a:t>
                       </a:r>
                       <a:r>
-                        <a:rPr lang="en-US" dirty="0" smtClean="0">
+                        <a:rPr lang="en-US" dirty="0">
                           <a:solidFill>
                             <a:schemeClr val="tx1"/>
                           </a:solidFill>
                         </a:rPr>
                         <a:t>H3F3B. KDM4D was negligible.</a:t>
                       </a:r>
-                      <a:endParaRPr lang="en-US" dirty="0">
-                        <a:solidFill>
-                          <a:schemeClr val="tx1"/>
-                        </a:solidFill>
-                      </a:endParaRPr>
                     </a:p>
                   </a:txBody>
                   <a:tcPr/>
                 </a:tc>
+                <a:extLst>
+                  <a:ext uri="{0D108BD9-81ED-4DB2-BD59-A6C34878D82A}">
+                    <a16:rowId xmlns:a16="http://schemas.microsoft.com/office/drawing/2014/main" val="10003"/>
+                  </a:ext>
+                </a:extLst>
               </a:tr>
               <a:tr h="538148">
                 <a:tc>
@@ -10039,19 +10252,19 @@
                     <a:lstStyle/>
                     <a:p>
                       <a:r>
-                        <a:rPr lang="en-US" dirty="0" smtClean="0"/>
+                        <a:rPr lang="en-US" dirty="0"/>
                         <a:t>Increase of MTs</a:t>
                       </a:r>
                       <a:r>
-                        <a:rPr lang="en-US" baseline="0" dirty="0" smtClean="0"/>
+                        <a:rPr lang="en-US" baseline="0" dirty="0"/>
                         <a:t> at the entrance of mitosis (</a:t>
                       </a:r>
                       <a:r>
-                        <a:rPr lang="en-US" baseline="0" dirty="0" err="1" smtClean="0"/>
+                        <a:rPr lang="en-US" baseline="0" dirty="0" err="1"/>
                         <a:t>more_methyl</a:t>
                       </a:r>
                       <a:r>
-                        <a:rPr lang="en-US" baseline="0" dirty="0" smtClean="0"/>
+                        <a:rPr lang="en-US" baseline="0" dirty="0"/>
                         <a:t>)</a:t>
                       </a:r>
                       <a:endParaRPr lang="en-US" dirty="0"/>
@@ -10065,7 +10278,7 @@
                     <a:lstStyle/>
                     <a:p>
                       <a:r>
-                        <a:rPr lang="en-US" dirty="0" smtClean="0">
+                        <a:rPr lang="en-US" dirty="0">
                           <a:solidFill>
                             <a:schemeClr val="tx1"/>
                           </a:solidFill>
@@ -10088,7 +10301,7 @@
                     <a:lstStyle/>
                     <a:p>
                       <a:r>
-                        <a:rPr lang="en-US" dirty="0" err="1" smtClean="0">
+                        <a:rPr lang="en-US" dirty="0" err="1">
                           <a:solidFill>
                             <a:schemeClr val="tx1"/>
                           </a:solidFill>
@@ -10096,7 +10309,7 @@
                         <a:t>Aagaard</a:t>
                       </a:r>
                       <a:r>
-                        <a:rPr lang="en-US" baseline="0" dirty="0" smtClean="0">
+                        <a:rPr lang="en-US" baseline="0" dirty="0">
                           <a:solidFill>
                             <a:schemeClr val="tx1"/>
                           </a:solidFill>
@@ -10118,27 +10331,27 @@
                     <a:lstStyle/>
                     <a:p>
                       <a:r>
-                        <a:rPr lang="en-US" dirty="0" smtClean="0"/>
+                        <a:rPr lang="en-US" dirty="0"/>
                         <a:t> ~50% of </a:t>
                       </a:r>
                       <a:r>
-                        <a:rPr lang="en-US" dirty="0" err="1" smtClean="0"/>
+                        <a:rPr lang="en-US" dirty="0" err="1"/>
                         <a:t>max_methyl</a:t>
                       </a:r>
                       <a:r>
-                        <a:rPr lang="en-US" dirty="0" smtClean="0"/>
+                        <a:rPr lang="en-US" dirty="0"/>
                         <a:t>. SUV39H1 increases collocalization</a:t>
                       </a:r>
                       <a:r>
-                        <a:rPr lang="en-US" baseline="0" dirty="0" smtClean="0"/>
+                        <a:rPr lang="en-US" baseline="0" dirty="0"/>
                         <a:t> with chromosomes and </a:t>
                       </a:r>
                       <a:r>
-                        <a:rPr lang="en-US" baseline="0" dirty="0" err="1" smtClean="0"/>
+                        <a:rPr lang="en-US" baseline="0" dirty="0" err="1"/>
                         <a:t>centromers</a:t>
                       </a:r>
                       <a:r>
-                        <a:rPr lang="en-US" baseline="0" dirty="0" smtClean="0"/>
+                        <a:rPr lang="en-US" baseline="0" dirty="0"/>
                         <a:t> at the prometaphase</a:t>
                       </a:r>
                       <a:endParaRPr lang="en-US" dirty="0"/>
@@ -10146,6 +10359,11 @@
                   </a:txBody>
                   <a:tcPr/>
                 </a:tc>
+                <a:extLst>
+                  <a:ext uri="{0D108BD9-81ED-4DB2-BD59-A6C34878D82A}">
+                    <a16:rowId xmlns:a16="http://schemas.microsoft.com/office/drawing/2014/main" val="10004"/>
+                  </a:ext>
+                </a:extLst>
               </a:tr>
               <a:tr h="538148">
                 <a:tc>
@@ -10154,19 +10372,19 @@
                     <a:lstStyle/>
                     <a:p>
                       <a:r>
-                        <a:rPr lang="en-US" dirty="0" smtClean="0"/>
+                        <a:rPr lang="en-US" dirty="0"/>
                         <a:t>Total number of</a:t>
                       </a:r>
                       <a:r>
-                        <a:rPr lang="en-US" baseline="0" dirty="0" smtClean="0"/>
+                        <a:rPr lang="en-US" baseline="0" dirty="0"/>
                         <a:t> serine kinases and PTPs (</a:t>
                       </a:r>
                       <a:r>
-                        <a:rPr lang="en-US" baseline="0" dirty="0" err="1" smtClean="0"/>
+                        <a:rPr lang="en-US" baseline="0" dirty="0" err="1"/>
                         <a:t>max_phospho_enzyme</a:t>
                       </a:r>
                       <a:r>
-                        <a:rPr lang="en-US" baseline="0" dirty="0" smtClean="0"/>
+                        <a:rPr lang="en-US" baseline="0" dirty="0"/>
                         <a:t>)</a:t>
                       </a:r>
                       <a:endParaRPr lang="en-US" dirty="0"/>
@@ -10180,7 +10398,7 @@
                     <a:lstStyle/>
                     <a:p>
                       <a:r>
-                        <a:rPr lang="en-US" dirty="0" smtClean="0">
+                        <a:rPr lang="en-US" dirty="0">
                           <a:solidFill>
                             <a:schemeClr val="tx1"/>
                           </a:solidFill>
@@ -10203,10 +10421,9 @@
                     <a:lstStyle/>
                     <a:p>
                       <a:r>
-                        <a:rPr lang="en-US" dirty="0" smtClean="0"/>
+                        <a:rPr lang="en-US" dirty="0"/>
                         <a:t>http://proteineatlas.org</a:t>
                       </a:r>
-                      <a:endParaRPr lang="en-US" dirty="0"/>
                     </a:p>
                   </a:txBody>
                   <a:tcPr/>
@@ -10217,38 +10434,42 @@
                     <a:lstStyle/>
                     <a:p>
                       <a:r>
-                        <a:rPr lang="en-US" dirty="0" smtClean="0"/>
+                        <a:rPr lang="en-US" dirty="0"/>
                         <a:t>The </a:t>
                       </a:r>
                       <a:r>
-                        <a:rPr lang="en-US" dirty="0" err="1" smtClean="0"/>
+                        <a:rPr lang="en-US" dirty="0" err="1"/>
                         <a:t>RNAseq</a:t>
                       </a:r>
                       <a:r>
-                        <a:rPr lang="en-US" dirty="0" smtClean="0"/>
+                        <a:rPr lang="en-US" dirty="0"/>
                         <a:t> data showed</a:t>
                       </a:r>
                       <a:r>
-                        <a:rPr lang="en-US" baseline="0" dirty="0" smtClean="0"/>
+                        <a:rPr lang="en-US" baseline="0" dirty="0"/>
                         <a:t> that the ratio a</a:t>
                       </a:r>
                       <a:r>
-                        <a:rPr lang="en-US" dirty="0" smtClean="0"/>
+                        <a:rPr lang="en-US" dirty="0"/>
                         <a:t>urora kinase B:KDM4C is</a:t>
                       </a:r>
                       <a:r>
-                        <a:rPr lang="en-US" baseline="0" dirty="0" smtClean="0"/>
+                        <a:rPr lang="en-US" baseline="0" dirty="0"/>
                         <a:t> ~</a:t>
                       </a:r>
                       <a:r>
-                        <a:rPr lang="en-US" dirty="0" smtClean="0"/>
+                        <a:rPr lang="en-US" dirty="0"/>
                         <a:t>5.9:1. </a:t>
                       </a:r>
-                      <a:endParaRPr lang="en-US" dirty="0"/>
                     </a:p>
                   </a:txBody>
                   <a:tcPr/>
                 </a:tc>
+                <a:extLst>
+                  <a:ext uri="{0D108BD9-81ED-4DB2-BD59-A6C34878D82A}">
+                    <a16:rowId xmlns:a16="http://schemas.microsoft.com/office/drawing/2014/main" val="10005"/>
+                  </a:ext>
+                </a:extLst>
               </a:tr>
               <a:tr h="538148">
                 <a:tc>
@@ -10257,19 +10478,19 @@
                     <a:lstStyle/>
                     <a:p>
                       <a:r>
-                        <a:rPr lang="en-US" dirty="0" smtClean="0"/>
+                        <a:rPr lang="en-US" dirty="0"/>
                         <a:t>Increase</a:t>
                       </a:r>
                       <a:r>
-                        <a:rPr lang="en-US" baseline="0" dirty="0" smtClean="0"/>
+                        <a:rPr lang="en-US" baseline="0" dirty="0"/>
                         <a:t> of kinases at the entrance of mitosis (</a:t>
                       </a:r>
                       <a:r>
-                        <a:rPr lang="en-US" baseline="0" dirty="0" err="1" smtClean="0"/>
+                        <a:rPr lang="en-US" baseline="0" dirty="0" err="1"/>
                         <a:t>more_phospho</a:t>
                       </a:r>
                       <a:r>
-                        <a:rPr lang="en-US" baseline="0" dirty="0" smtClean="0"/>
+                        <a:rPr lang="en-US" baseline="0" dirty="0"/>
                         <a:t>) </a:t>
                       </a:r>
                       <a:endParaRPr lang="en-US" dirty="0"/>
@@ -10283,7 +10504,7 @@
                     <a:lstStyle/>
                     <a:p>
                       <a:r>
-                        <a:rPr lang="en-US" dirty="0" smtClean="0">
+                        <a:rPr lang="en-US" dirty="0">
                           <a:solidFill>
                             <a:schemeClr val="tx1"/>
                           </a:solidFill>
@@ -10306,7 +10527,7 @@
                     <a:lstStyle/>
                     <a:p>
                       <a:r>
-                        <a:rPr lang="en-US" dirty="0" smtClean="0">
+                        <a:rPr lang="en-US" dirty="0">
                           <a:solidFill>
                             <a:schemeClr val="tx1"/>
                           </a:solidFill>
@@ -10314,7 +10535,7 @@
                         <a:t>Dominguez</a:t>
                       </a:r>
                       <a:r>
-                        <a:rPr lang="en-US" baseline="0" dirty="0" smtClean="0">
+                        <a:rPr lang="en-US" baseline="0" dirty="0">
                           <a:solidFill>
                             <a:schemeClr val="tx1"/>
                           </a:solidFill>
@@ -10322,7 +10543,7 @@
                         <a:t> D et al. 2016 </a:t>
                       </a:r>
                       <a:r>
-                        <a:rPr lang="en-US" baseline="0" dirty="0" err="1" smtClean="0">
+                        <a:rPr lang="en-US" baseline="0" dirty="0" err="1">
                           <a:solidFill>
                             <a:schemeClr val="tx1"/>
                           </a:solidFill>
@@ -10344,27 +10565,27 @@
                     <a:lstStyle/>
                     <a:p>
                       <a:r>
-                        <a:rPr lang="en-US" dirty="0" smtClean="0"/>
+                        <a:rPr lang="en-US" dirty="0"/>
                         <a:t>30% of </a:t>
                       </a:r>
                       <a:r>
-                        <a:rPr lang="en-US" dirty="0" err="1" smtClean="0"/>
+                        <a:rPr lang="en-US" dirty="0" err="1"/>
                         <a:t>max_phospho_enzyme</a:t>
                       </a:r>
                       <a:r>
-                        <a:rPr lang="en-US" dirty="0" smtClean="0"/>
+                        <a:rPr lang="en-US" dirty="0"/>
                         <a:t>. The</a:t>
                       </a:r>
                       <a:r>
-                        <a:rPr lang="en-US" baseline="0" dirty="0" smtClean="0"/>
+                        <a:rPr lang="en-US" baseline="0" dirty="0"/>
                         <a:t> expression of </a:t>
                       </a:r>
                       <a:r>
-                        <a:rPr lang="en-US" baseline="0" dirty="0" err="1" smtClean="0"/>
+                        <a:rPr lang="en-US" baseline="0" dirty="0" err="1"/>
                         <a:t>auroraB</a:t>
                       </a:r>
                       <a:r>
-                        <a:rPr lang="en-US" baseline="0" dirty="0" smtClean="0"/>
+                        <a:rPr lang="en-US" baseline="0" dirty="0"/>
                         <a:t> increases at mitosis. </a:t>
                       </a:r>
                       <a:endParaRPr lang="en-US" dirty="0"/>
@@ -10372,6 +10593,11 @@
                   </a:txBody>
                   <a:tcPr/>
                 </a:tc>
+                <a:extLst>
+                  <a:ext uri="{0D108BD9-81ED-4DB2-BD59-A6C34878D82A}">
+                    <a16:rowId xmlns:a16="http://schemas.microsoft.com/office/drawing/2014/main" val="10006"/>
+                  </a:ext>
+                </a:extLst>
               </a:tr>
               <a:tr h="538148">
                 <a:tc>
@@ -10380,11 +10606,11 @@
                     <a:lstStyle/>
                     <a:p>
                       <a:r>
-                        <a:rPr lang="en-US" dirty="0" smtClean="0"/>
+                        <a:rPr lang="en-US" dirty="0"/>
                         <a:t>Threshold to exist</a:t>
                       </a:r>
                       <a:r>
-                        <a:rPr lang="en-US" baseline="0" dirty="0" smtClean="0"/>
+                        <a:rPr lang="en-US" baseline="0" dirty="0"/>
                         <a:t> mitosis</a:t>
                       </a:r>
                       <a:endParaRPr lang="en-US" dirty="0"/>
@@ -10398,19 +10624,19 @@
                     <a:lstStyle/>
                     <a:p>
                       <a:r>
-                        <a:rPr lang="en-US" dirty="0" smtClean="0"/>
+                        <a:rPr lang="en-US" dirty="0"/>
                         <a:t>90 min</a:t>
                       </a:r>
                       <a:r>
-                        <a:rPr lang="en-US" baseline="0" dirty="0" smtClean="0"/>
+                        <a:rPr lang="en-US" baseline="0" dirty="0"/>
                         <a:t> </a:t>
                       </a:r>
                       <a:r>
-                        <a:rPr lang="en-US" dirty="0" smtClean="0"/>
+                        <a:rPr lang="en-US" dirty="0"/>
                         <a:t>*</a:t>
                       </a:r>
                       <a:r>
-                        <a:rPr lang="en-US" dirty="0" err="1" smtClean="0"/>
+                        <a:rPr lang="en-US" dirty="0" err="1"/>
                         <a:t>num_histone</a:t>
                       </a:r>
                       <a:endParaRPr lang="en-US" dirty="0"/>
@@ -10424,10 +10650,9 @@
                     <a:lstStyle/>
                     <a:p>
                       <a:r>
-                        <a:rPr lang="en-US" dirty="0" smtClean="0"/>
+                        <a:rPr lang="en-US" dirty="0"/>
                         <a:t>Santamaria D et al 2007 Nature</a:t>
                       </a:r>
-                      <a:endParaRPr lang="en-US" dirty="0"/>
                     </a:p>
                   </a:txBody>
                   <a:tcPr/>
@@ -10438,11 +10663,11 @@
                     <a:lstStyle/>
                     <a:p>
                       <a:r>
-                        <a:rPr lang="en-US" dirty="0" smtClean="0"/>
+                        <a:rPr lang="en-US" dirty="0"/>
                         <a:t>Kinase is the master regulator of cell cycle.</a:t>
                       </a:r>
                       <a:r>
-                        <a:rPr lang="en-US" baseline="0" dirty="0" smtClean="0"/>
+                        <a:rPr lang="en-US" baseline="0" dirty="0"/>
                         <a:t> </a:t>
                       </a:r>
                       <a:endParaRPr lang="en-US" dirty="0"/>
@@ -10450,6 +10675,11 @@
                   </a:txBody>
                   <a:tcPr/>
                 </a:tc>
+                <a:extLst>
+                  <a:ext uri="{0D108BD9-81ED-4DB2-BD59-A6C34878D82A}">
+                    <a16:rowId xmlns:a16="http://schemas.microsoft.com/office/drawing/2014/main" val="10007"/>
+                  </a:ext>
+                </a:extLst>
               </a:tr>
             </a:tbl>
           </a:graphicData>
@@ -10508,10 +10738,9 @@
           <a:lstStyle/>
           <a:p>
             <a:r>
-              <a:rPr lang="en-US" sz="2400" b="1" dirty="0" smtClean="0"/>
+              <a:rPr lang="en-US" sz="2400" b="1" dirty="0"/>
               <a:t>Model Parameters (slide 2)</a:t>
             </a:r>
-            <a:endParaRPr lang="en-US" sz="2400" b="1" dirty="0"/>
           </a:p>
         </p:txBody>
       </p:sp>
@@ -10540,9 +10769,27 @@
                 <a:tableStyleId>{5C22544A-7EE6-4342-B048-85BDC9FD1C3A}</a:tableStyleId>
               </a:tblPr>
               <a:tblGrid>
-                <a:gridCol w="3622920"/>
-                <a:gridCol w="1279462"/>
-                <a:gridCol w="3245817"/>
+                <a:gridCol w="3622920">
+                  <a:extLst>
+                    <a:ext uri="{9D8B030D-6E8A-4147-A177-3AD203B41FA5}">
+                      <a16:colId xmlns:a16="http://schemas.microsoft.com/office/drawing/2014/main" val="20000"/>
+                    </a:ext>
+                  </a:extLst>
+                </a:gridCol>
+                <a:gridCol w="1279462">
+                  <a:extLst>
+                    <a:ext uri="{9D8B030D-6E8A-4147-A177-3AD203B41FA5}">
+                      <a16:colId xmlns:a16="http://schemas.microsoft.com/office/drawing/2014/main" val="20001"/>
+                    </a:ext>
+                  </a:extLst>
+                </a:gridCol>
+                <a:gridCol w="3245817">
+                  <a:extLst>
+                    <a:ext uri="{9D8B030D-6E8A-4147-A177-3AD203B41FA5}">
+                      <a16:colId xmlns:a16="http://schemas.microsoft.com/office/drawing/2014/main" val="20002"/>
+                    </a:ext>
+                  </a:extLst>
+                </a:gridCol>
               </a:tblGrid>
               <a:tr h="538148">
                 <a:tc>
@@ -10551,10 +10798,9 @@
                     <a:lstStyle/>
                     <a:p>
                       <a:r>
-                        <a:rPr lang="en-US" dirty="0" smtClean="0"/>
+                        <a:rPr lang="en-US" dirty="0"/>
                         <a:t>Description (name)</a:t>
                       </a:r>
-                      <a:endParaRPr lang="en-US" dirty="0"/>
                     </a:p>
                   </a:txBody>
                   <a:tcPr/>
@@ -10565,10 +10811,9 @@
                     <a:lstStyle/>
                     <a:p>
                       <a:r>
-                        <a:rPr lang="en-US" dirty="0" smtClean="0"/>
+                        <a:rPr lang="en-US" dirty="0"/>
                         <a:t>Value/unit</a:t>
                       </a:r>
-                      <a:endParaRPr lang="en-US" dirty="0"/>
                     </a:p>
                   </a:txBody>
                   <a:tcPr/>
@@ -10579,14 +10824,18 @@
                     <a:lstStyle/>
                     <a:p>
                       <a:r>
-                        <a:rPr lang="en-US" dirty="0" smtClean="0"/>
+                        <a:rPr lang="en-US" dirty="0"/>
                         <a:t>Justification</a:t>
                       </a:r>
-                      <a:endParaRPr lang="en-US" dirty="0"/>
                     </a:p>
                   </a:txBody>
                   <a:tcPr/>
                 </a:tc>
+                <a:extLst>
+                  <a:ext uri="{0D108BD9-81ED-4DB2-BD59-A6C34878D82A}">
+                    <a16:rowId xmlns:a16="http://schemas.microsoft.com/office/drawing/2014/main" val="10000"/>
+                  </a:ext>
+                </a:extLst>
               </a:tr>
               <a:tr h="538148">
                 <a:tc>
@@ -10595,19 +10844,19 @@
                     <a:lstStyle/>
                     <a:p>
                       <a:r>
-                        <a:rPr lang="en-US" dirty="0" smtClean="0"/>
+                        <a:rPr lang="en-US" dirty="0"/>
                         <a:t>Basal</a:t>
                       </a:r>
                       <a:r>
-                        <a:rPr lang="en-US" baseline="0" dirty="0" smtClean="0"/>
+                        <a:rPr lang="en-US" baseline="0" dirty="0"/>
                         <a:t> level of </a:t>
                       </a:r>
                       <a:r>
-                        <a:rPr lang="en-US" dirty="0" smtClean="0"/>
+                        <a:rPr lang="en-US" dirty="0"/>
                         <a:t>H3S10P</a:t>
                       </a:r>
                       <a:r>
-                        <a:rPr lang="en-US" baseline="0" dirty="0" smtClean="0"/>
+                        <a:rPr lang="en-US" baseline="0" dirty="0"/>
                         <a:t> at interphase</a:t>
                       </a:r>
                       <a:endParaRPr lang="en-US" dirty="0"/>
@@ -10621,10 +10870,9 @@
                     <a:lstStyle/>
                     <a:p>
                       <a:r>
-                        <a:rPr lang="en-US" dirty="0" smtClean="0"/>
+                        <a:rPr lang="en-US" dirty="0"/>
                         <a:t>0</a:t>
                       </a:r>
-                      <a:endParaRPr lang="en-US" dirty="0"/>
                     </a:p>
                   </a:txBody>
                   <a:tcPr/>
@@ -10639,6 +10887,11 @@
                   </a:txBody>
                   <a:tcPr/>
                 </a:tc>
+                <a:extLst>
+                  <a:ext uri="{0D108BD9-81ED-4DB2-BD59-A6C34878D82A}">
+                    <a16:rowId xmlns:a16="http://schemas.microsoft.com/office/drawing/2014/main" val="10001"/>
+                  </a:ext>
+                </a:extLst>
               </a:tr>
               <a:tr h="538148">
                 <a:tc>
@@ -10647,18 +10900,17 @@
                     <a:lstStyle/>
                     <a:p>
                       <a:r>
-                        <a:rPr lang="en-US" dirty="0" smtClean="0"/>
+                        <a:rPr lang="en-US" dirty="0"/>
                         <a:t>Basal</a:t>
                       </a:r>
                       <a:r>
-                        <a:rPr lang="en-US" baseline="0" dirty="0" smtClean="0"/>
+                        <a:rPr lang="en-US" baseline="0" dirty="0"/>
                         <a:t> level of </a:t>
                       </a:r>
                       <a:r>
-                        <a:rPr lang="en-US" dirty="0" smtClean="0"/>
+                        <a:rPr lang="en-US" dirty="0"/>
                         <a:t>Serine kinase</a:t>
                       </a:r>
-                      <a:endParaRPr lang="en-US" dirty="0"/>
                     </a:p>
                   </a:txBody>
                   <a:tcPr/>
@@ -10669,10 +10921,9 @@
                     <a:lstStyle/>
                     <a:p>
                       <a:r>
-                        <a:rPr lang="en-US" dirty="0" smtClean="0"/>
+                        <a:rPr lang="en-US" dirty="0"/>
                         <a:t>2000K</a:t>
                       </a:r>
-                      <a:endParaRPr lang="en-US" dirty="0"/>
                     </a:p>
                   </a:txBody>
                   <a:tcPr/>
@@ -10687,6 +10938,11 @@
                   </a:txBody>
                   <a:tcPr/>
                 </a:tc>
+                <a:extLst>
+                  <a:ext uri="{0D108BD9-81ED-4DB2-BD59-A6C34878D82A}">
+                    <a16:rowId xmlns:a16="http://schemas.microsoft.com/office/drawing/2014/main" val="10002"/>
+                  </a:ext>
+                </a:extLst>
               </a:tr>
               <a:tr h="538148">
                 <a:tc>
@@ -10695,10 +10951,9 @@
                     <a:lstStyle/>
                     <a:p>
                       <a:r>
-                        <a:rPr lang="en-US" dirty="0" smtClean="0"/>
+                        <a:rPr lang="en-US" dirty="0"/>
                         <a:t>Basal level of PTP</a:t>
                       </a:r>
-                      <a:endParaRPr lang="en-US" dirty="0"/>
                     </a:p>
                   </a:txBody>
                   <a:tcPr/>
@@ -10709,10 +10964,9 @@
                     <a:lstStyle/>
                     <a:p>
                       <a:r>
-                        <a:rPr lang="en-US" dirty="0" smtClean="0"/>
+                        <a:rPr lang="en-US" dirty="0"/>
                         <a:t>2000K</a:t>
                       </a:r>
-                      <a:endParaRPr lang="en-US" dirty="0"/>
                     </a:p>
                   </a:txBody>
                   <a:tcPr/>
@@ -10727,6 +10981,11 @@
                   </a:txBody>
                   <a:tcPr/>
                 </a:tc>
+                <a:extLst>
+                  <a:ext uri="{0D108BD9-81ED-4DB2-BD59-A6C34878D82A}">
+                    <a16:rowId xmlns:a16="http://schemas.microsoft.com/office/drawing/2014/main" val="10003"/>
+                  </a:ext>
+                </a:extLst>
               </a:tr>
               <a:tr h="428686">
                 <a:tc>
@@ -10735,10 +10994,9 @@
                     <a:lstStyle/>
                     <a:p>
                       <a:r>
-                        <a:rPr lang="en-US" dirty="0" smtClean="0"/>
+                        <a:rPr lang="en-US" dirty="0"/>
                         <a:t>Basal level of MTs</a:t>
                       </a:r>
-                      <a:endParaRPr lang="en-US" dirty="0"/>
                     </a:p>
                   </a:txBody>
                   <a:tcPr/>
@@ -10749,10 +11007,9 @@
                     <a:lstStyle/>
                     <a:p>
                       <a:r>
-                        <a:rPr lang="en-US" dirty="0" smtClean="0"/>
+                        <a:rPr lang="en-US" dirty="0"/>
                         <a:t>100K</a:t>
                       </a:r>
-                      <a:endParaRPr lang="en-US" dirty="0"/>
                     </a:p>
                   </a:txBody>
                   <a:tcPr/>
@@ -10767,6 +11024,11 @@
                   </a:txBody>
                   <a:tcPr/>
                 </a:tc>
+                <a:extLst>
+                  <a:ext uri="{0D108BD9-81ED-4DB2-BD59-A6C34878D82A}">
+                    <a16:rowId xmlns:a16="http://schemas.microsoft.com/office/drawing/2014/main" val="10004"/>
+                  </a:ext>
+                </a:extLst>
               </a:tr>
               <a:tr h="269074">
                 <a:tc>
@@ -10775,10 +11037,9 @@
                     <a:lstStyle/>
                     <a:p>
                       <a:r>
-                        <a:rPr lang="en-US" dirty="0" smtClean="0"/>
+                        <a:rPr lang="en-US" dirty="0"/>
                         <a:t>Basal level of KDMs</a:t>
                       </a:r>
-                      <a:endParaRPr lang="en-US" dirty="0"/>
                     </a:p>
                   </a:txBody>
                   <a:tcPr/>
@@ -10789,10 +11050,9 @@
                     <a:lstStyle/>
                     <a:p>
                       <a:r>
-                        <a:rPr lang="en-US" dirty="0" smtClean="0"/>
+                        <a:rPr lang="en-US" dirty="0"/>
                         <a:t>100K</a:t>
                       </a:r>
-                      <a:endParaRPr lang="en-US" dirty="0"/>
                     </a:p>
                   </a:txBody>
                   <a:tcPr/>
@@ -10807,6 +11067,11 @@
                   </a:txBody>
                   <a:tcPr/>
                 </a:tc>
+                <a:extLst>
+                  <a:ext uri="{0D108BD9-81ED-4DB2-BD59-A6C34878D82A}">
+                    <a16:rowId xmlns:a16="http://schemas.microsoft.com/office/drawing/2014/main" val="10005"/>
+                  </a:ext>
+                </a:extLst>
               </a:tr>
               <a:tr h="320040">
                 <a:tc>
@@ -10815,11 +11080,11 @@
                     <a:lstStyle/>
                     <a:p>
                       <a:r>
-                        <a:rPr lang="en-US" dirty="0" smtClean="0"/>
+                        <a:rPr lang="en-US" dirty="0"/>
                         <a:t>Signal</a:t>
                       </a:r>
                       <a:r>
-                        <a:rPr lang="en-US" baseline="0" dirty="0" smtClean="0"/>
+                        <a:rPr lang="en-US" baseline="0" dirty="0"/>
                         <a:t> Matrix</a:t>
                       </a:r>
                       <a:endParaRPr lang="en-US" dirty="0"/>
@@ -10833,11 +11098,11 @@
                     <a:lstStyle/>
                     <a:p>
                       <a:r>
-                        <a:rPr lang="en-US" dirty="0" smtClean="0"/>
+                        <a:rPr lang="en-US" dirty="0"/>
                         <a:t>Min</a:t>
                       </a:r>
                       <a:r>
-                        <a:rPr lang="en-US" baseline="30000" dirty="0" smtClean="0"/>
+                        <a:rPr lang="en-US" baseline="30000" dirty="0"/>
                         <a:t>-1</a:t>
                       </a:r>
                       <a:endParaRPr lang="en-US" dirty="0"/>
@@ -10851,14 +11116,18 @@
                     <a:lstStyle/>
                     <a:p>
                       <a:r>
-                        <a:rPr lang="en-US" dirty="0" smtClean="0"/>
+                        <a:rPr lang="en-US" dirty="0"/>
                         <a:t>Based on kinetics in Fig. 2</a:t>
                       </a:r>
-                      <a:endParaRPr lang="en-US" dirty="0"/>
                     </a:p>
                   </a:txBody>
                   <a:tcPr/>
                 </a:tc>
+                <a:extLst>
+                  <a:ext uri="{0D108BD9-81ED-4DB2-BD59-A6C34878D82A}">
+                    <a16:rowId xmlns:a16="http://schemas.microsoft.com/office/drawing/2014/main" val="10006"/>
+                  </a:ext>
+                </a:extLst>
               </a:tr>
               <a:tr h="243840">
                 <a:tc>
@@ -10867,18 +11136,17 @@
                     <a:lstStyle/>
                     <a:p>
                       <a:r>
-                        <a:rPr lang="en-US" dirty="0" smtClean="0"/>
+                        <a:rPr lang="en-US" dirty="0"/>
                         <a:t>Earliest time to exist mitosis (</a:t>
                       </a:r>
                       <a:r>
-                        <a:rPr lang="en-US" dirty="0" err="1" smtClean="0"/>
+                        <a:rPr lang="en-US" dirty="0" err="1"/>
                         <a:t>dt</a:t>
                       </a:r>
                       <a:r>
-                        <a:rPr lang="en-US" dirty="0" smtClean="0"/>
+                        <a:rPr lang="en-US" dirty="0"/>
                         <a:t>(1))</a:t>
                       </a:r>
-                      <a:endParaRPr lang="en-US" dirty="0"/>
                     </a:p>
                   </a:txBody>
                   <a:tcPr/>
@@ -10889,11 +11157,11 @@
                     <a:lstStyle/>
                     <a:p>
                       <a:r>
-                        <a:rPr lang="en-US" dirty="0" smtClean="0"/>
+                        <a:rPr lang="en-US" dirty="0"/>
                         <a:t>40</a:t>
                       </a:r>
                       <a:r>
-                        <a:rPr lang="en-US" baseline="0" dirty="0" smtClean="0"/>
+                        <a:rPr lang="en-US" baseline="0" dirty="0"/>
                         <a:t> min</a:t>
                       </a:r>
                       <a:endParaRPr lang="en-US" dirty="0"/>
@@ -10924,13 +11192,18 @@
                         <a:defRPr/>
                       </a:pPr>
                       <a:r>
-                        <a:rPr lang="en-US" dirty="0" smtClean="0"/>
+                        <a:rPr lang="en-US" dirty="0"/>
                         <a:t>Based on kinetics in Fig. 2</a:t>
                       </a:r>
                     </a:p>
                   </a:txBody>
                   <a:tcPr/>
                 </a:tc>
+                <a:extLst>
+                  <a:ext uri="{0D108BD9-81ED-4DB2-BD59-A6C34878D82A}">
+                    <a16:rowId xmlns:a16="http://schemas.microsoft.com/office/drawing/2014/main" val="10007"/>
+                  </a:ext>
+                </a:extLst>
               </a:tr>
               <a:tr h="121920">
                 <a:tc>
@@ -10939,18 +11212,17 @@
                     <a:lstStyle/>
                     <a:p>
                       <a:r>
-                        <a:rPr lang="en-US" dirty="0" smtClean="0"/>
+                        <a:rPr lang="en-US" dirty="0"/>
                         <a:t>Duration of a cell cycle (</a:t>
                       </a:r>
                       <a:r>
-                        <a:rPr lang="en-US" dirty="0" err="1" smtClean="0"/>
+                        <a:rPr lang="en-US" dirty="0" err="1"/>
                         <a:t>dt</a:t>
                       </a:r>
                       <a:r>
-                        <a:rPr lang="en-US" dirty="0" smtClean="0"/>
+                        <a:rPr lang="en-US" dirty="0"/>
                         <a:t>(2)) </a:t>
                       </a:r>
-                      <a:endParaRPr lang="en-US" dirty="0"/>
                     </a:p>
                   </a:txBody>
                   <a:tcPr/>
@@ -10961,10 +11233,9 @@
                     <a:lstStyle/>
                     <a:p>
                       <a:r>
-                        <a:rPr lang="en-US" dirty="0" smtClean="0"/>
+                        <a:rPr lang="en-US" dirty="0"/>
                         <a:t>1440 min</a:t>
                       </a:r>
-                      <a:endParaRPr lang="en-US" dirty="0"/>
                     </a:p>
                   </a:txBody>
                   <a:tcPr/>
@@ -10992,13 +11263,18 @@
                         <a:defRPr/>
                       </a:pPr>
                       <a:r>
-                        <a:rPr lang="en-US" dirty="0" smtClean="0"/>
+                        <a:rPr lang="en-US" dirty="0"/>
                         <a:t>Based on kinetics in Fig. 2</a:t>
                       </a:r>
                     </a:p>
                   </a:txBody>
                   <a:tcPr/>
                 </a:tc>
+                <a:extLst>
+                  <a:ext uri="{0D108BD9-81ED-4DB2-BD59-A6C34878D82A}">
+                    <a16:rowId xmlns:a16="http://schemas.microsoft.com/office/drawing/2014/main" val="10008"/>
+                  </a:ext>
+                </a:extLst>
               </a:tr>
             </a:tbl>
           </a:graphicData>
@@ -11060,10 +11336,9 @@
           <a:lstStyle/>
           <a:p>
             <a:r>
-              <a:rPr lang="en-US" b="1" dirty="0" smtClean="0"/>
+              <a:rPr lang="en-US" b="1" dirty="0"/>
               <a:t>State: 0                       1            2                   0</a:t>
             </a:r>
-            <a:endParaRPr lang="en-US" b="1" dirty="0"/>
           </a:p>
         </p:txBody>
       </p:sp>
@@ -11092,10 +11367,34 @@
                 <a:tableStyleId>{5C22544A-7EE6-4342-B048-85BDC9FD1C3A}</a:tableStyleId>
               </a:tblPr>
               <a:tblGrid>
-                <a:gridCol w="1038373"/>
-                <a:gridCol w="2900946"/>
-                <a:gridCol w="2723745"/>
-                <a:gridCol w="3678700"/>
+                <a:gridCol w="1038373">
+                  <a:extLst>
+                    <a:ext uri="{9D8B030D-6E8A-4147-A177-3AD203B41FA5}">
+                      <a16:colId xmlns:a16="http://schemas.microsoft.com/office/drawing/2014/main" val="20000"/>
+                    </a:ext>
+                  </a:extLst>
+                </a:gridCol>
+                <a:gridCol w="2900946">
+                  <a:extLst>
+                    <a:ext uri="{9D8B030D-6E8A-4147-A177-3AD203B41FA5}">
+                      <a16:colId xmlns:a16="http://schemas.microsoft.com/office/drawing/2014/main" val="20001"/>
+                    </a:ext>
+                  </a:extLst>
+                </a:gridCol>
+                <a:gridCol w="2723745">
+                  <a:extLst>
+                    <a:ext uri="{9D8B030D-6E8A-4147-A177-3AD203B41FA5}">
+                      <a16:colId xmlns:a16="http://schemas.microsoft.com/office/drawing/2014/main" val="20002"/>
+                    </a:ext>
+                  </a:extLst>
+                </a:gridCol>
+                <a:gridCol w="3678700">
+                  <a:extLst>
+                    <a:ext uri="{9D8B030D-6E8A-4147-A177-3AD203B41FA5}">
+                      <a16:colId xmlns:a16="http://schemas.microsoft.com/office/drawing/2014/main" val="20003"/>
+                    </a:ext>
+                  </a:extLst>
+                </a:gridCol>
               </a:tblGrid>
               <a:tr h="370840">
                 <a:tc>
@@ -11104,10 +11403,9 @@
                     <a:lstStyle/>
                     <a:p>
                       <a:r>
-                        <a:rPr lang="en-US" dirty="0" smtClean="0"/>
+                        <a:rPr lang="en-US" dirty="0"/>
                         <a:t>Descript</a:t>
                       </a:r>
-                      <a:endParaRPr lang="en-US" dirty="0"/>
                     </a:p>
                   </a:txBody>
                   <a:tcPr/>
@@ -11118,18 +11416,17 @@
                     <a:lstStyle/>
                     <a:p>
                       <a:r>
-                        <a:rPr lang="en-US" dirty="0" smtClean="0"/>
+                        <a:rPr lang="en-US" dirty="0"/>
                         <a:t>Enter mitosis</a:t>
                       </a:r>
                       <a:r>
-                        <a:rPr lang="en-US" baseline="0" dirty="0" smtClean="0"/>
+                        <a:rPr lang="en-US" baseline="0" dirty="0"/>
                         <a:t> (</a:t>
                       </a:r>
                       <a:r>
-                        <a:rPr lang="en-US" dirty="0" smtClean="0"/>
+                        <a:rPr lang="en-US" dirty="0"/>
                         <a:t>0/1)</a:t>
                       </a:r>
-                      <a:endParaRPr lang="en-US" dirty="0"/>
                     </a:p>
                   </a:txBody>
                   <a:tcPr/>
@@ -11140,11 +11437,11 @@
                     <a:lstStyle/>
                     <a:p>
                       <a:r>
-                        <a:rPr lang="en-US" dirty="0" smtClean="0"/>
+                        <a:rPr lang="en-US" dirty="0"/>
                         <a:t>Exit</a:t>
                       </a:r>
                       <a:r>
-                        <a:rPr lang="en-US" baseline="0" dirty="0" smtClean="0"/>
+                        <a:rPr lang="en-US" baseline="0" dirty="0"/>
                         <a:t> mitosis (1/2)</a:t>
                       </a:r>
                       <a:endParaRPr lang="en-US" dirty="0"/>
@@ -11158,14 +11455,18 @@
                     <a:lstStyle/>
                     <a:p>
                       <a:r>
-                        <a:rPr lang="en-US" dirty="0" smtClean="0"/>
+                        <a:rPr lang="en-US" dirty="0"/>
                         <a:t>Enter interphase (2/0)</a:t>
                       </a:r>
-                      <a:endParaRPr lang="en-US" dirty="0"/>
                     </a:p>
                   </a:txBody>
                   <a:tcPr/>
                 </a:tc>
+                <a:extLst>
+                  <a:ext uri="{0D108BD9-81ED-4DB2-BD59-A6C34878D82A}">
+                    <a16:rowId xmlns:a16="http://schemas.microsoft.com/office/drawing/2014/main" val="10000"/>
+                  </a:ext>
+                </a:extLst>
               </a:tr>
               <a:tr h="370840">
                 <a:tc>
@@ -11174,8 +11475,38 @@
                     <a:lstStyle/>
                     <a:p>
                       <a:r>
-                        <a:rPr lang="en-US" dirty="0" smtClean="0"/>
+                        <a:rPr lang="en-US" dirty="0"/>
                         <a:t>Switch</a:t>
+                      </a:r>
+                    </a:p>
+                  </a:txBody>
+                  <a:tcPr/>
+                </a:tc>
+                <a:tc>
+                  <a:txBody>
+                    <a:bodyPr/>
+                    <a:lstStyle/>
+                    <a:p>
+                      <a:r>
+                        <a:rPr lang="en-US" dirty="0"/>
+                        <a:t>T= 0 min</a:t>
+                      </a:r>
+                    </a:p>
+                  </a:txBody>
+                  <a:tcPr/>
+                </a:tc>
+                <a:tc>
+                  <a:txBody>
+                    <a:bodyPr/>
+                    <a:lstStyle/>
+                    <a:p>
+                      <a:r>
+                        <a:rPr lang="en-US" dirty="0"/>
+                        <a:t>Cumulative phosphor</a:t>
+                      </a:r>
+                      <a:r>
+                        <a:rPr lang="en-US" baseline="0" dirty="0"/>
+                        <a:t> &gt;= threshold</a:t>
                       </a:r>
                       <a:endParaRPr lang="en-US" dirty="0"/>
                     </a:p>
@@ -11188,10 +11519,34 @@
                     <a:lstStyle/>
                     <a:p>
                       <a:r>
-                        <a:rPr lang="en-US" dirty="0" smtClean="0"/>
-                        <a:t>T= 0 min</a:t>
+                        <a:rPr lang="en-US" dirty="0"/>
+                        <a:t>Methylation</a:t>
+                      </a:r>
+                      <a:r>
+                        <a:rPr lang="en-US" baseline="0" dirty="0"/>
+                        <a:t> increases to the basal level</a:t>
                       </a:r>
                       <a:endParaRPr lang="en-US" dirty="0"/>
+                    </a:p>
+                  </a:txBody>
+                  <a:tcPr/>
+                </a:tc>
+                <a:extLst>
+                  <a:ext uri="{0D108BD9-81ED-4DB2-BD59-A6C34878D82A}">
+                    <a16:rowId xmlns:a16="http://schemas.microsoft.com/office/drawing/2014/main" val="10001"/>
+                  </a:ext>
+                </a:extLst>
+              </a:tr>
+              <a:tr h="370840">
+                <a:tc>
+                  <a:txBody>
+                    <a:bodyPr/>
+                    <a:lstStyle/>
+                    <a:p>
+                      <a:r>
+                        <a:rPr lang="en-US" dirty="0"/>
+                        <a:t>Phenom</a:t>
+                      </a:r>
                     </a:p>
                   </a:txBody>
                   <a:tcPr/>
@@ -11202,63 +11557,11 @@
                     <a:lstStyle/>
                     <a:p>
                       <a:r>
-                        <a:rPr lang="en-US" dirty="0" smtClean="0"/>
-                        <a:t>Cumulative phosphor</a:t>
-                      </a:r>
-                      <a:r>
-                        <a:rPr lang="en-US" baseline="0" dirty="0" smtClean="0"/>
-                        <a:t> &gt;= threshold</a:t>
-                      </a:r>
-                      <a:endParaRPr lang="en-US" dirty="0" smtClean="0"/>
-                    </a:p>
-                  </a:txBody>
-                  <a:tcPr/>
-                </a:tc>
-                <a:tc>
-                  <a:txBody>
-                    <a:bodyPr/>
-                    <a:lstStyle/>
-                    <a:p>
-                      <a:r>
-                        <a:rPr lang="en-US" dirty="0" smtClean="0"/>
-                        <a:t>Methylation</a:t>
-                      </a:r>
-                      <a:r>
-                        <a:rPr lang="en-US" baseline="0" dirty="0" smtClean="0"/>
-                        <a:t> increases to the basal level</a:t>
-                      </a:r>
-                      <a:endParaRPr lang="en-US" dirty="0"/>
-                    </a:p>
-                  </a:txBody>
-                  <a:tcPr/>
-                </a:tc>
-              </a:tr>
-              <a:tr h="370840">
-                <a:tc>
-                  <a:txBody>
-                    <a:bodyPr/>
-                    <a:lstStyle/>
-                    <a:p>
-                      <a:r>
-                        <a:rPr lang="en-US" dirty="0" smtClean="0"/>
-                        <a:t>Phenom</a:t>
-                      </a:r>
-                      <a:endParaRPr lang="en-US" dirty="0"/>
-                    </a:p>
-                  </a:txBody>
-                  <a:tcPr/>
-                </a:tc>
-                <a:tc>
-                  <a:txBody>
-                    <a:bodyPr/>
-                    <a:lstStyle/>
-                    <a:p>
-                      <a:r>
-                        <a:rPr lang="en-US" dirty="0" smtClean="0"/>
+                        <a:rPr lang="en-US" dirty="0"/>
                         <a:t>Both</a:t>
                       </a:r>
                       <a:r>
-                        <a:rPr lang="en-US" baseline="0" dirty="0" smtClean="0"/>
+                        <a:rPr lang="en-US" baseline="0" dirty="0"/>
                         <a:t> kinase and MT increase.</a:t>
                       </a:r>
                       <a:endParaRPr lang="en-US" dirty="0"/>
@@ -11272,11 +11575,11 @@
                     <a:lstStyle/>
                     <a:p>
                       <a:r>
-                        <a:rPr lang="en-US" dirty="0" smtClean="0"/>
+                        <a:rPr lang="en-US" dirty="0"/>
                         <a:t>Kinase</a:t>
                       </a:r>
                       <a:r>
-                        <a:rPr lang="en-US" baseline="0" dirty="0" smtClean="0"/>
+                        <a:rPr lang="en-US" baseline="0" dirty="0"/>
                         <a:t> decrease</a:t>
                       </a:r>
                       <a:endParaRPr lang="en-US" dirty="0"/>
@@ -11290,11 +11593,11 @@
                     <a:lstStyle/>
                     <a:p>
                       <a:r>
-                        <a:rPr lang="en-US" dirty="0" smtClean="0"/>
+                        <a:rPr lang="en-US" dirty="0"/>
                         <a:t>Kinase</a:t>
                       </a:r>
                       <a:r>
-                        <a:rPr lang="en-US" baseline="0" dirty="0" smtClean="0"/>
+                        <a:rPr lang="en-US" baseline="0" dirty="0"/>
                         <a:t> and MT reset to basal levels. </a:t>
                       </a:r>
                       <a:endParaRPr lang="en-US" dirty="0"/>
@@ -11302,6 +11605,11 @@
                   </a:txBody>
                   <a:tcPr/>
                 </a:tc>
+                <a:extLst>
+                  <a:ext uri="{0D108BD9-81ED-4DB2-BD59-A6C34878D82A}">
+                    <a16:rowId xmlns:a16="http://schemas.microsoft.com/office/drawing/2014/main" val="10002"/>
+                  </a:ext>
+                </a:extLst>
               </a:tr>
             </a:tbl>
           </a:graphicData>
@@ -11330,18 +11638,9 @@
           <a:lstStyle/>
           <a:p>
             <a:r>
-              <a:rPr lang="en-US" sz="2400" b="1" dirty="0" smtClean="0"/>
-              <a:t>Control of three </a:t>
-            </a:r>
-            <a:r>
               <a:rPr lang="en-US" sz="2400" b="1" dirty="0"/>
-              <a:t>s</a:t>
-            </a:r>
-            <a:r>
-              <a:rPr lang="en-US" sz="2400" b="1" dirty="0" smtClean="0"/>
-              <a:t>tates between interphase and mitosis</a:t>
-            </a:r>
-            <a:endParaRPr lang="en-US" sz="2400" b="1" dirty="0"/>
+              <a:t>Control of three states between interphase and mitosis</a:t>
+            </a:r>
           </a:p>
         </p:txBody>
       </p:sp>
@@ -11722,19 +12021,8 @@
                     <a:latin typeface="Arial" panose="020B0604020202020204" pitchFamily="34" charset="0"/>
                     <a:cs typeface="Arial" panose="020B0604020202020204" pitchFamily="34" charset="0"/>
                   </a:rPr>
-                  <a:t>State: 0         </a:t>
+                  <a:t>State: 0         1       2          0</a:t>
                 </a:r>
-                <a:r>
-                  <a:rPr lang="en-US" sz="1500" b="1" dirty="0" smtClean="0">
-                    <a:latin typeface="Arial" panose="020B0604020202020204" pitchFamily="34" charset="0"/>
-                    <a:cs typeface="Arial" panose="020B0604020202020204" pitchFamily="34" charset="0"/>
-                  </a:rPr>
-                  <a:t>1       2          0</a:t>
-                </a:r>
-                <a:endParaRPr lang="en-US" sz="1500" b="1" dirty="0">
-                  <a:latin typeface="Arial" panose="020B0604020202020204" pitchFamily="34" charset="0"/>
-                  <a:cs typeface="Arial" panose="020B0604020202020204" pitchFamily="34" charset="0"/>
-                </a:endParaRPr>
               </a:p>
             </p:txBody>
           </p:sp>
@@ -12064,14 +12352,14 @@
           <p:nvPr/>
         </p:nvPicPr>
         <p:blipFill>
-          <a:blip r:embed="rId2"/>
+          <a:blip r:embed="rId3"/>
           <a:stretch>
             <a:fillRect/>
           </a:stretch>
         </p:blipFill>
         <p:spPr>
           <a:xfrm>
-            <a:off x="245828" y="1012463"/>
+            <a:off x="230838" y="1012464"/>
             <a:ext cx="9972993" cy="5845536"/>
           </a:xfrm>
           <a:prstGeom prst="rect">
@@ -12088,7 +12376,7 @@
         <p:spPr>
           <a:xfrm>
             <a:off x="425595" y="50098"/>
-            <a:ext cx="7148945" cy="369332"/>
+            <a:ext cx="7148945" cy="646331"/>
           </a:xfrm>
           <a:prstGeom prst="rect">
             <a:avLst/>
@@ -12102,24 +12390,108 @@
           <a:lstStyle/>
           <a:p>
             <a:r>
-              <a:rPr lang="en-US" dirty="0" smtClean="0"/>
-              <a:t>&gt;&gt; </a:t>
-            </a:r>
-            <a:r>
-              <a:rPr lang="en-US" dirty="0" err="1" smtClean="0"/>
+              <a:rPr lang="en-US" dirty="0"/>
+              <a:t>&gt;&gt; data = </a:t>
+            </a:r>
+            <a:r>
+              <a:rPr lang="en-US" dirty="0" err="1"/>
+              <a:t>model_init_data</a:t>
+            </a:r>
+            <a:r>
+              <a:rPr lang="en-US" dirty="0"/>
+              <a:t>('model2');</a:t>
+            </a:r>
+          </a:p>
+          <a:p>
+            <a:r>
+              <a:rPr lang="en-US" dirty="0"/>
+              <a:t>&gt;&gt; res = </a:t>
+            </a:r>
+            <a:r>
+              <a:rPr lang="en-US" dirty="0" err="1"/>
               <a:t>phospho_methyl_model</a:t>
             </a:r>
             <a:r>
-              <a:rPr lang="en-US" dirty="0" smtClean="0"/>
-              <a:t>(</a:t>
-            </a:r>
-            <a:r>
-              <a:rPr lang="mr-IN" dirty="0"/>
-              <a:t>'</a:t>
-            </a:r>
-            <a:r>
-              <a:rPr lang="en-US" dirty="0" smtClean="0"/>
-              <a:t>test5');</a:t>
+              <a:rPr lang="en-US" dirty="0"/>
+              <a:t>(data, 'b',1, '</a:t>
+            </a:r>
+            <a:r>
+              <a:rPr lang="en-US" dirty="0" err="1"/>
+              <a:t>show_figure</a:t>
+            </a:r>
+            <a:r>
+              <a:rPr lang="en-US" dirty="0"/>
+              <a:t>', 1);</a:t>
+            </a:r>
+          </a:p>
+        </p:txBody>
+      </p:sp>
+      <p:sp>
+        <p:nvSpPr>
+          <p:cNvPr id="4" name="TextBox 3">
+            <a:extLst>
+              <a:ext uri="{FF2B5EF4-FFF2-40B4-BE49-F238E27FC236}">
+                <a16:creationId xmlns:a16="http://schemas.microsoft.com/office/drawing/2014/main" id="{8057FF92-D1AE-0B4A-A1F7-4513D2A79571}"/>
+              </a:ext>
+            </a:extLst>
+          </p:cNvPr>
+          <p:cNvSpPr txBox="1"/>
+          <p:nvPr/>
+        </p:nvSpPr>
+        <p:spPr>
+          <a:xfrm>
+            <a:off x="2359152" y="1517904"/>
+            <a:ext cx="1366595" cy="369332"/>
+          </a:xfrm>
+          <a:prstGeom prst="rect">
+            <a:avLst/>
+          </a:prstGeom>
+          <a:noFill/>
+        </p:spPr>
+        <p:txBody>
+          <a:bodyPr wrap="square" rtlCol="0">
+            <a:spAutoFit/>
+          </a:bodyPr>
+          <a:lstStyle/>
+          <a:p>
+            <a:r>
+              <a:rPr lang="en-US" b="1" dirty="0"/>
+              <a:t>(18.5, 6e+4) </a:t>
+            </a:r>
+          </a:p>
+        </p:txBody>
+      </p:sp>
+      <p:sp>
+        <p:nvSpPr>
+          <p:cNvPr id="6" name="TextBox 5">
+            <a:extLst>
+              <a:ext uri="{FF2B5EF4-FFF2-40B4-BE49-F238E27FC236}">
+                <a16:creationId xmlns:a16="http://schemas.microsoft.com/office/drawing/2014/main" id="{DBF14EE4-E3B6-5A42-9DFC-67B9EB186864}"/>
+              </a:ext>
+            </a:extLst>
+          </p:cNvPr>
+          <p:cNvSpPr txBox="1"/>
+          <p:nvPr/>
+        </p:nvSpPr>
+        <p:spPr>
+          <a:xfrm>
+            <a:off x="6226233" y="3750564"/>
+            <a:ext cx="1180407" cy="382523"/>
+          </a:xfrm>
+          <a:prstGeom prst="rect">
+            <a:avLst/>
+          </a:prstGeom>
+          <a:noFill/>
+        </p:spPr>
+        <p:txBody>
+          <a:bodyPr wrap="square" rtlCol="0">
+            <a:spAutoFit/>
+          </a:bodyPr>
+          <a:lstStyle/>
+          <a:p>
+            <a:r>
+              <a:rPr lang="en-US" b="1" dirty="0"/>
+              <a:t>(36.85, 0) </a:t>
             </a:r>
           </a:p>
         </p:txBody>
@@ -12177,10 +12549,9 @@
           <a:lstStyle/>
           <a:p>
             <a:r>
-              <a:rPr lang="en-US" sz="2400" b="1" dirty="0" smtClean="0"/>
+              <a:rPr lang="en-US" sz="2400" b="1" dirty="0"/>
               <a:t>Model3: S10P recruiting KDMs is crucial for fast demethylation at mitotic entrance, while S10P repelling MTs plays an assisting role</a:t>
             </a:r>
-            <a:endParaRPr lang="en-US" sz="2400" b="1" dirty="0"/>
           </a:p>
         </p:txBody>
       </p:sp>
@@ -12206,18 +12577,17 @@
           <a:lstStyle/>
           <a:p>
             <a:r>
-              <a:rPr lang="en-US" b="1" dirty="0" smtClean="0"/>
+              <a:rPr lang="en-US" b="1" dirty="0"/>
               <a:t>&gt;&gt; </a:t>
             </a:r>
             <a:r>
-              <a:rPr lang="en-US" b="1" dirty="0" err="1" smtClean="0"/>
+              <a:rPr lang="en-US" b="1" dirty="0" err="1"/>
               <a:t>test_pm_model</a:t>
             </a:r>
             <a:r>
-              <a:rPr lang="en-US" b="1" dirty="0" smtClean="0"/>
+              <a:rPr lang="en-US" b="1" dirty="0"/>
               <a:t>(’test3');</a:t>
             </a:r>
-            <a:endParaRPr lang="en-US" b="1" dirty="0"/>
           </a:p>
         </p:txBody>
       </p:sp>
@@ -12244,18 +12614,13 @@
           <a:lstStyle/>
           <a:p>
             <a:r>
-              <a:rPr lang="en-US" sz="1200" b="1" dirty="0" smtClean="0">
+              <a:rPr lang="en-US" sz="1200" b="1" dirty="0">
                 <a:latin typeface="Arial" charset="0"/>
                 <a:ea typeface="Arial" charset="0"/>
                 <a:cs typeface="Arial" charset="0"/>
               </a:rPr>
               <a:t>Network graph</a:t>
             </a:r>
-            <a:endParaRPr lang="en-US" sz="1200" b="1" dirty="0">
-              <a:latin typeface="Arial" charset="0"/>
-              <a:ea typeface="Arial" charset="0"/>
-              <a:cs typeface="Arial" charset="0"/>
-            </a:endParaRPr>
           </a:p>
         </p:txBody>
       </p:sp>
@@ -12296,7 +12661,7 @@
             <a:lstStyle/>
             <a:p>
               <a:r>
-                <a:rPr lang="en-US" sz="2400" b="1" dirty="0" smtClean="0">
+                <a:rPr lang="en-US" sz="2400" b="1" dirty="0">
                   <a:solidFill>
                     <a:schemeClr val="accent6">
                       <a:lumMod val="50000"/>
@@ -12305,13 +12670,6 @@
                 </a:rPr>
                 <a:t>x</a:t>
               </a:r>
-              <a:endParaRPr lang="en-US" sz="2400" b="1" dirty="0">
-                <a:solidFill>
-                  <a:schemeClr val="accent6">
-                    <a:lumMod val="50000"/>
-                  </a:schemeClr>
-                </a:solidFill>
-              </a:endParaRPr>
             </a:p>
           </p:txBody>
         </p:sp>
@@ -12464,18 +12822,13 @@
                   <a:p>
                     <a:pPr algn="ctr"/>
                     <a:r>
-                      <a:rPr lang="en-US" sz="1200" b="1" dirty="0" smtClean="0">
+                      <a:rPr lang="en-US" sz="1200" b="1" dirty="0">
                         <a:latin typeface="Arial" charset="0"/>
                         <a:ea typeface="Arial" charset="0"/>
                         <a:cs typeface="Arial" charset="0"/>
                       </a:rPr>
                       <a:t>MT</a:t>
                     </a:r>
-                    <a:endParaRPr lang="en-US" sz="1200" b="1" dirty="0">
-                      <a:latin typeface="Arial" charset="0"/>
-                      <a:ea typeface="Arial" charset="0"/>
-                      <a:cs typeface="Arial" charset="0"/>
-                    </a:endParaRPr>
                   </a:p>
                 </p:txBody>
               </p:sp>
@@ -12608,18 +12961,13 @@
                   <a:p>
                     <a:pPr algn="ctr"/>
                     <a:r>
-                      <a:rPr lang="en-US" sz="1200" b="1" dirty="0" smtClean="0">
+                      <a:rPr lang="en-US" sz="1200" b="1" dirty="0">
                         <a:latin typeface="Arial" charset="0"/>
                         <a:ea typeface="Arial" charset="0"/>
                         <a:cs typeface="Arial" charset="0"/>
                       </a:rPr>
                       <a:t>H3K9M</a:t>
                     </a:r>
-                    <a:endParaRPr lang="en-US" sz="1200" b="1" dirty="0">
-                      <a:latin typeface="Arial" charset="0"/>
-                      <a:ea typeface="Arial" charset="0"/>
-                      <a:cs typeface="Arial" charset="0"/>
-                    </a:endParaRPr>
                   </a:p>
                 </p:txBody>
               </p:sp>
@@ -12751,18 +13099,13 @@
                   <a:p>
                     <a:pPr algn="ctr"/>
                     <a:r>
-                      <a:rPr lang="en-US" sz="1200" b="1" dirty="0" smtClean="0">
+                      <a:rPr lang="en-US" sz="1200" b="1" dirty="0">
                         <a:latin typeface="Arial" charset="0"/>
                         <a:ea typeface="Arial" charset="0"/>
                         <a:cs typeface="Arial" charset="0"/>
                       </a:rPr>
                       <a:t>KDM</a:t>
                     </a:r>
-                    <a:endParaRPr lang="en-US" sz="1200" b="1" dirty="0">
-                      <a:latin typeface="Arial" charset="0"/>
-                      <a:ea typeface="Arial" charset="0"/>
-                      <a:cs typeface="Arial" charset="0"/>
-                    </a:endParaRPr>
                   </a:p>
                 </p:txBody>
               </p:sp>
@@ -12893,18 +13236,13 @@
                   <a:p>
                     <a:pPr algn="ctr"/>
                     <a:r>
-                      <a:rPr lang="en-US" sz="1200" b="1" dirty="0" smtClean="0">
+                      <a:rPr lang="en-US" sz="1200" b="1" dirty="0">
                         <a:latin typeface="Arial" charset="0"/>
                         <a:ea typeface="Arial" charset="0"/>
                         <a:cs typeface="Arial" charset="0"/>
                       </a:rPr>
                       <a:t>H3S10P</a:t>
                     </a:r>
-                    <a:endParaRPr lang="en-US" sz="1200" b="1" dirty="0">
-                      <a:latin typeface="Arial" charset="0"/>
-                      <a:ea typeface="Arial" charset="0"/>
-                      <a:cs typeface="Arial" charset="0"/>
-                    </a:endParaRPr>
                   </a:p>
                 </p:txBody>
               </p:sp>
@@ -13124,18 +13462,13 @@
                   <a:p>
                     <a:pPr algn="ctr"/>
                     <a:r>
-                      <a:rPr lang="en-US" sz="1200" b="1" dirty="0" smtClean="0">
+                      <a:rPr lang="en-US" sz="1200" b="1" dirty="0">
                         <a:latin typeface="Arial" charset="0"/>
                         <a:ea typeface="Arial" charset="0"/>
                         <a:cs typeface="Arial" charset="0"/>
                       </a:rPr>
                       <a:t>Kinase</a:t>
                     </a:r>
-                    <a:endParaRPr lang="en-US" sz="1200" b="1" dirty="0">
-                      <a:latin typeface="Arial" charset="0"/>
-                      <a:ea typeface="Arial" charset="0"/>
-                      <a:cs typeface="Arial" charset="0"/>
-                    </a:endParaRPr>
                   </a:p>
                 </p:txBody>
               </p:sp>
@@ -13262,18 +13595,13 @@
                   <a:p>
                     <a:pPr algn="ctr"/>
                     <a:r>
-                      <a:rPr lang="en-US" sz="1200" b="1" dirty="0" smtClean="0">
+                      <a:rPr lang="en-US" sz="1200" b="1" dirty="0">
                         <a:latin typeface="Arial" charset="0"/>
                         <a:ea typeface="Arial" charset="0"/>
                         <a:cs typeface="Arial" charset="0"/>
                       </a:rPr>
                       <a:t>PTP</a:t>
                     </a:r>
-                    <a:endParaRPr lang="en-US" sz="1200" b="1" dirty="0">
-                      <a:latin typeface="Arial" charset="0"/>
-                      <a:ea typeface="Arial" charset="0"/>
-                      <a:cs typeface="Arial" charset="0"/>
-                    </a:endParaRPr>
                   </a:p>
                 </p:txBody>
               </p:sp>
@@ -13601,18 +13929,13 @@
             <a:lstStyle/>
             <a:p>
               <a:r>
-                <a:rPr lang="en-US" sz="2400" b="1" dirty="0" smtClean="0">
+                <a:rPr lang="en-US" sz="2400" b="1" dirty="0">
                   <a:solidFill>
                     <a:schemeClr val="accent4"/>
                   </a:solidFill>
                 </a:rPr>
                 <a:t>x</a:t>
               </a:r>
-              <a:endParaRPr lang="en-US" sz="2400" b="1" dirty="0">
-                <a:solidFill>
-                  <a:schemeClr val="accent4"/>
-                </a:solidFill>
-              </a:endParaRPr>
             </a:p>
           </p:txBody>
         </p:sp>
@@ -13693,10 +14016,9 @@
           <a:lstStyle/>
           <a:p>
             <a:r>
-              <a:rPr lang="en-US" sz="2400" b="1" dirty="0" smtClean="0"/>
+              <a:rPr lang="en-US" sz="2400" b="1" dirty="0"/>
               <a:t>Model2: MT did not increase at the entrance of Mitosis</a:t>
             </a:r>
-            <a:endParaRPr lang="en-US" sz="2400" b="1" dirty="0"/>
           </a:p>
         </p:txBody>
       </p:sp>
@@ -13722,22 +14044,17 @@
           <a:lstStyle/>
           <a:p>
             <a:r>
-              <a:rPr lang="en-US" b="1" dirty="0" smtClean="0"/>
+              <a:rPr lang="en-US" b="1" dirty="0"/>
               <a:t>&gt;&gt; </a:t>
             </a:r>
             <a:r>
-              <a:rPr lang="en-US" b="1" dirty="0" err="1" smtClean="0"/>
+              <a:rPr lang="en-US" b="1" dirty="0" err="1"/>
               <a:t>test_pm_model</a:t>
             </a:r>
             <a:r>
               <a:rPr lang="en-US" b="1" dirty="0"/>
-              <a:t>('test2</a:t>
-            </a:r>
-            <a:r>
-              <a:rPr lang="en-US" b="1" dirty="0" smtClean="0"/>
-              <a:t>');</a:t>
-            </a:r>
-            <a:endParaRPr lang="en-US" b="1" dirty="0"/>
+              <a:t>('test2');</a:t>
+            </a:r>
           </a:p>
         </p:txBody>
       </p:sp>
